--- a/Pres.pptx
+++ b/Pres.pptx
@@ -10,6 +10,12 @@
     <p:sldId id="256" r:id="rId5"/>
     <p:sldId id="257" r:id="rId6"/>
     <p:sldId id="258" r:id="rId7"/>
+    <p:sldId id="259" r:id="rId8"/>
+    <p:sldId id="260" r:id="rId9"/>
+    <p:sldId id="261" r:id="rId10"/>
+    <p:sldId id="262" r:id="rId11"/>
+    <p:sldId id="263" r:id="rId12"/>
+    <p:sldId id="264" r:id="rId13"/>
   </p:sldIdLst>
   <p:sldSz cx="10080625" cy="5670550"/>
   <p:notesSz cx="7559675" cy="10691813"/>
@@ -40,7 +46,7 @@
             <a:spLocks noGrp="1"/>
           </p:cNvSpPr>
           <p:nvPr>
-            <p:ph type="ftr" idx="2"/>
+            <p:ph type="ftr" idx="1"/>
           </p:nvPr>
         </p:nvSpPr>
         <p:spPr/>
@@ -60,14 +66,14 @@
             <a:spLocks noGrp="1"/>
           </p:cNvSpPr>
           <p:nvPr>
-            <p:ph type="sldNum" idx="3"/>
+            <p:ph type="sldNum" idx="2"/>
           </p:nvPr>
         </p:nvSpPr>
         <p:spPr/>
         <p:txBody>
           <a:bodyPr/>
           <a:p>
-            <a:fld id="{C913C753-AB80-497B-A7F6-6E80563437EE}" type="slidenum">
+            <a:fld id="{9AB6CA4B-282F-4EC8-9F7E-7A5D5CAFF5B9}" type="slidenum">
               <a:t>&lt;#&gt;</a:t>
             </a:fld>
           </a:p>
@@ -80,7 +86,7 @@
             <a:spLocks noGrp="1"/>
           </p:cNvSpPr>
           <p:nvPr>
-            <p:ph type="dt" idx="1"/>
+            <p:ph type="dt" idx="3"/>
           </p:nvPr>
         </p:nvSpPr>
         <p:spPr/>
@@ -129,7 +135,7 @@
         <p:spPr>
           <a:xfrm>
             <a:off x="540000" y="270000"/>
-            <a:ext cx="9000000" cy="990000"/>
+            <a:ext cx="8999640" cy="989640"/>
           </a:xfrm>
           <a:prstGeom prst="rect">
             <a:avLst/>
@@ -147,7 +153,7 @@
             <a:pPr algn="ctr">
               <a:buNone/>
             </a:pPr>
-            <a:endParaRPr b="0" lang="en-US" sz="3300" spc="-1" strike="noStrike">
+            <a:endParaRPr b="0" lang="en-US" sz="4400" spc="-1" strike="noStrike">
               <a:solidFill>
                 <a:srgbClr val="ffffff"/>
               </a:solidFill>
@@ -168,8 +174,8 @@
         </p:nvSpPr>
         <p:spPr>
           <a:xfrm>
-            <a:off x="540000" y="1440000"/>
-            <a:ext cx="9000000" cy="1716840"/>
+            <a:off x="504000" y="1326600"/>
+            <a:ext cx="9072000" cy="1568520"/>
           </a:xfrm>
           <a:prstGeom prst="rect">
             <a:avLst/>
@@ -184,7 +190,7 @@
             <a:normAutofit/>
           </a:bodyPr>
           <a:p>
-            <a:endParaRPr b="0" lang="en-US" sz="2400" spc="-1" strike="noStrike">
+            <a:endParaRPr b="0" lang="en-US" sz="3200" spc="-1" strike="noStrike">
               <a:latin typeface="Arial"/>
             </a:endParaRPr>
           </a:p>
@@ -202,8 +208,8 @@
         </p:nvSpPr>
         <p:spPr>
           <a:xfrm>
-            <a:off x="540000" y="3320280"/>
-            <a:ext cx="9000000" cy="1716840"/>
+            <a:off x="504000" y="3044520"/>
+            <a:ext cx="9072000" cy="1568520"/>
           </a:xfrm>
           <a:prstGeom prst="rect">
             <a:avLst/>
@@ -218,7 +224,7 @@
             <a:normAutofit/>
           </a:bodyPr>
           <a:p>
-            <a:endParaRPr b="0" lang="en-US" sz="2400" spc="-1" strike="noStrike">
+            <a:endParaRPr b="0" lang="en-US" sz="3200" spc="-1" strike="noStrike">
               <a:latin typeface="Arial"/>
             </a:endParaRPr>
           </a:p>
@@ -231,7 +237,7 @@
             <a:spLocks noGrp="1"/>
           </p:cNvSpPr>
           <p:nvPr>
-            <p:ph type="ftr" idx="2"/>
+            <p:ph type="ftr" idx="1"/>
           </p:nvPr>
         </p:nvSpPr>
         <p:spPr/>
@@ -251,14 +257,14 @@
             <a:spLocks noGrp="1"/>
           </p:cNvSpPr>
           <p:nvPr>
-            <p:ph type="sldNum" idx="3"/>
+            <p:ph type="sldNum" idx="2"/>
           </p:nvPr>
         </p:nvSpPr>
         <p:spPr/>
         <p:txBody>
           <a:bodyPr/>
           <a:p>
-            <a:fld id="{EE41B151-8A78-4E27-9834-A397ADB82604}" type="slidenum">
+            <a:fld id="{695A84E8-FC45-44E3-BB86-ABE81296937E}" type="slidenum">
               <a:t>&lt;#&gt;</a:t>
             </a:fld>
           </a:p>
@@ -271,7 +277,7 @@
             <a:spLocks noGrp="1"/>
           </p:cNvSpPr>
           <p:nvPr>
-            <p:ph type="dt" idx="1"/>
+            <p:ph type="dt" idx="3"/>
           </p:nvPr>
         </p:nvSpPr>
         <p:spPr/>
@@ -320,7 +326,7 @@
         <p:spPr>
           <a:xfrm>
             <a:off x="540000" y="270000"/>
-            <a:ext cx="9000000" cy="990000"/>
+            <a:ext cx="8999640" cy="989640"/>
           </a:xfrm>
           <a:prstGeom prst="rect">
             <a:avLst/>
@@ -338,7 +344,7 @@
             <a:pPr algn="ctr">
               <a:buNone/>
             </a:pPr>
-            <a:endParaRPr b="0" lang="en-US" sz="3300" spc="-1" strike="noStrike">
+            <a:endParaRPr b="0" lang="en-US" sz="4400" spc="-1" strike="noStrike">
               <a:solidFill>
                 <a:srgbClr val="ffffff"/>
               </a:solidFill>
@@ -359,8 +365,8 @@
         </p:nvSpPr>
         <p:spPr>
           <a:xfrm>
-            <a:off x="540000" y="1440000"/>
-            <a:ext cx="4391640" cy="1716840"/>
+            <a:off x="504000" y="1326600"/>
+            <a:ext cx="4426920" cy="1568520"/>
           </a:xfrm>
           <a:prstGeom prst="rect">
             <a:avLst/>
@@ -375,7 +381,7 @@
             <a:normAutofit/>
           </a:bodyPr>
           <a:p>
-            <a:endParaRPr b="0" lang="en-US" sz="2400" spc="-1" strike="noStrike">
+            <a:endParaRPr b="0" lang="en-US" sz="3200" spc="-1" strike="noStrike">
               <a:latin typeface="Arial"/>
             </a:endParaRPr>
           </a:p>
@@ -393,8 +399,8 @@
         </p:nvSpPr>
         <p:spPr>
           <a:xfrm>
-            <a:off x="5151600" y="1440000"/>
-            <a:ext cx="4391640" cy="1716840"/>
+            <a:off x="5152680" y="1326600"/>
+            <a:ext cx="4426920" cy="1568520"/>
           </a:xfrm>
           <a:prstGeom prst="rect">
             <a:avLst/>
@@ -409,7 +415,7 @@
             <a:normAutofit/>
           </a:bodyPr>
           <a:p>
-            <a:endParaRPr b="0" lang="en-US" sz="2400" spc="-1" strike="noStrike">
+            <a:endParaRPr b="0" lang="en-US" sz="3200" spc="-1" strike="noStrike">
               <a:latin typeface="Arial"/>
             </a:endParaRPr>
           </a:p>
@@ -427,8 +433,8 @@
         </p:nvSpPr>
         <p:spPr>
           <a:xfrm>
-            <a:off x="540000" y="3320280"/>
-            <a:ext cx="4391640" cy="1716840"/>
+            <a:off x="504000" y="3044520"/>
+            <a:ext cx="4426920" cy="1568520"/>
           </a:xfrm>
           <a:prstGeom prst="rect">
             <a:avLst/>
@@ -443,7 +449,7 @@
             <a:normAutofit/>
           </a:bodyPr>
           <a:p>
-            <a:endParaRPr b="0" lang="en-US" sz="2400" spc="-1" strike="noStrike">
+            <a:endParaRPr b="0" lang="en-US" sz="3200" spc="-1" strike="noStrike">
               <a:latin typeface="Arial"/>
             </a:endParaRPr>
           </a:p>
@@ -461,8 +467,8 @@
         </p:nvSpPr>
         <p:spPr>
           <a:xfrm>
-            <a:off x="5151600" y="3320280"/>
-            <a:ext cx="4391640" cy="1716840"/>
+            <a:off x="5152680" y="3044520"/>
+            <a:ext cx="4426920" cy="1568520"/>
           </a:xfrm>
           <a:prstGeom prst="rect">
             <a:avLst/>
@@ -477,7 +483,7 @@
             <a:normAutofit/>
           </a:bodyPr>
           <a:p>
-            <a:endParaRPr b="0" lang="en-US" sz="2400" spc="-1" strike="noStrike">
+            <a:endParaRPr b="0" lang="en-US" sz="3200" spc="-1" strike="noStrike">
               <a:latin typeface="Arial"/>
             </a:endParaRPr>
           </a:p>
@@ -490,7 +496,7 @@
             <a:spLocks noGrp="1"/>
           </p:cNvSpPr>
           <p:nvPr>
-            <p:ph type="ftr" idx="2"/>
+            <p:ph type="ftr" idx="1"/>
           </p:nvPr>
         </p:nvSpPr>
         <p:spPr/>
@@ -510,14 +516,14 @@
             <a:spLocks noGrp="1"/>
           </p:cNvSpPr>
           <p:nvPr>
-            <p:ph type="sldNum" idx="3"/>
+            <p:ph type="sldNum" idx="2"/>
           </p:nvPr>
         </p:nvSpPr>
         <p:spPr/>
         <p:txBody>
           <a:bodyPr/>
           <a:p>
-            <a:fld id="{3D371C0E-AA9E-4F14-BDE3-87D49EAB2433}" type="slidenum">
+            <a:fld id="{B9764EA1-56BA-4A76-B5D9-D0AB0FF6BD35}" type="slidenum">
               <a:t>&lt;#&gt;</a:t>
             </a:fld>
           </a:p>
@@ -530,7 +536,7 @@
             <a:spLocks noGrp="1"/>
           </p:cNvSpPr>
           <p:nvPr>
-            <p:ph type="dt" idx="1"/>
+            <p:ph type="dt" idx="3"/>
           </p:nvPr>
         </p:nvSpPr>
         <p:spPr/>
@@ -579,7 +585,7 @@
         <p:spPr>
           <a:xfrm>
             <a:off x="540000" y="270000"/>
-            <a:ext cx="9000000" cy="990000"/>
+            <a:ext cx="8999640" cy="989640"/>
           </a:xfrm>
           <a:prstGeom prst="rect">
             <a:avLst/>
@@ -597,7 +603,7 @@
             <a:pPr algn="ctr">
               <a:buNone/>
             </a:pPr>
-            <a:endParaRPr b="0" lang="en-US" sz="3300" spc="-1" strike="noStrike">
+            <a:endParaRPr b="0" lang="en-US" sz="4400" spc="-1" strike="noStrike">
               <a:solidFill>
                 <a:srgbClr val="ffffff"/>
               </a:solidFill>
@@ -618,8 +624,8 @@
         </p:nvSpPr>
         <p:spPr>
           <a:xfrm>
-            <a:off x="540000" y="1440000"/>
-            <a:ext cx="2897640" cy="1716840"/>
+            <a:off x="504000" y="1326600"/>
+            <a:ext cx="2921040" cy="1568520"/>
           </a:xfrm>
           <a:prstGeom prst="rect">
             <a:avLst/>
@@ -634,7 +640,7 @@
             <a:normAutofit/>
           </a:bodyPr>
           <a:p>
-            <a:endParaRPr b="0" lang="en-US" sz="2400" spc="-1" strike="noStrike">
+            <a:endParaRPr b="0" lang="en-US" sz="3200" spc="-1" strike="noStrike">
               <a:latin typeface="Arial"/>
             </a:endParaRPr>
           </a:p>
@@ -652,8 +658,8 @@
         </p:nvSpPr>
         <p:spPr>
           <a:xfrm>
-            <a:off x="3583080" y="1440000"/>
-            <a:ext cx="2897640" cy="1716840"/>
+            <a:off x="3571560" y="1326600"/>
+            <a:ext cx="2921040" cy="1568520"/>
           </a:xfrm>
           <a:prstGeom prst="rect">
             <a:avLst/>
@@ -668,7 +674,7 @@
             <a:normAutofit/>
           </a:bodyPr>
           <a:p>
-            <a:endParaRPr b="0" lang="en-US" sz="2400" spc="-1" strike="noStrike">
+            <a:endParaRPr b="0" lang="en-US" sz="3200" spc="-1" strike="noStrike">
               <a:latin typeface="Arial"/>
             </a:endParaRPr>
           </a:p>
@@ -686,8 +692,8 @@
         </p:nvSpPr>
         <p:spPr>
           <a:xfrm>
-            <a:off x="6625800" y="1440000"/>
-            <a:ext cx="2897640" cy="1716840"/>
+            <a:off x="6639120" y="1326600"/>
+            <a:ext cx="2921040" cy="1568520"/>
           </a:xfrm>
           <a:prstGeom prst="rect">
             <a:avLst/>
@@ -702,7 +708,7 @@
             <a:normAutofit/>
           </a:bodyPr>
           <a:p>
-            <a:endParaRPr b="0" lang="en-US" sz="2400" spc="-1" strike="noStrike">
+            <a:endParaRPr b="0" lang="en-US" sz="3200" spc="-1" strike="noStrike">
               <a:latin typeface="Arial"/>
             </a:endParaRPr>
           </a:p>
@@ -720,8 +726,8 @@
         </p:nvSpPr>
         <p:spPr>
           <a:xfrm>
-            <a:off x="540000" y="3320280"/>
-            <a:ext cx="2897640" cy="1716840"/>
+            <a:off x="504000" y="3044520"/>
+            <a:ext cx="2921040" cy="1568520"/>
           </a:xfrm>
           <a:prstGeom prst="rect">
             <a:avLst/>
@@ -736,7 +742,7 @@
             <a:normAutofit/>
           </a:bodyPr>
           <a:p>
-            <a:endParaRPr b="0" lang="en-US" sz="2400" spc="-1" strike="noStrike">
+            <a:endParaRPr b="0" lang="en-US" sz="3200" spc="-1" strike="noStrike">
               <a:latin typeface="Arial"/>
             </a:endParaRPr>
           </a:p>
@@ -754,8 +760,8 @@
         </p:nvSpPr>
         <p:spPr>
           <a:xfrm>
-            <a:off x="3583080" y="3320280"/>
-            <a:ext cx="2897640" cy="1716840"/>
+            <a:off x="3571560" y="3044520"/>
+            <a:ext cx="2921040" cy="1568520"/>
           </a:xfrm>
           <a:prstGeom prst="rect">
             <a:avLst/>
@@ -770,7 +776,7 @@
             <a:normAutofit/>
           </a:bodyPr>
           <a:p>
-            <a:endParaRPr b="0" lang="en-US" sz="2400" spc="-1" strike="noStrike">
+            <a:endParaRPr b="0" lang="en-US" sz="3200" spc="-1" strike="noStrike">
               <a:latin typeface="Arial"/>
             </a:endParaRPr>
           </a:p>
@@ -788,8 +794,8 @@
         </p:nvSpPr>
         <p:spPr>
           <a:xfrm>
-            <a:off x="6625800" y="3320280"/>
-            <a:ext cx="2897640" cy="1716840"/>
+            <a:off x="6639120" y="3044520"/>
+            <a:ext cx="2921040" cy="1568520"/>
           </a:xfrm>
           <a:prstGeom prst="rect">
             <a:avLst/>
@@ -804,7 +810,7 @@
             <a:normAutofit/>
           </a:bodyPr>
           <a:p>
-            <a:endParaRPr b="0" lang="en-US" sz="2400" spc="-1" strike="noStrike">
+            <a:endParaRPr b="0" lang="en-US" sz="3200" spc="-1" strike="noStrike">
               <a:latin typeface="Arial"/>
             </a:endParaRPr>
           </a:p>
@@ -817,7 +823,7 @@
             <a:spLocks noGrp="1"/>
           </p:cNvSpPr>
           <p:nvPr>
-            <p:ph type="ftr" idx="2"/>
+            <p:ph type="ftr" idx="1"/>
           </p:nvPr>
         </p:nvSpPr>
         <p:spPr/>
@@ -837,14 +843,14 @@
             <a:spLocks noGrp="1"/>
           </p:cNvSpPr>
           <p:nvPr>
-            <p:ph type="sldNum" idx="3"/>
+            <p:ph type="sldNum" idx="2"/>
           </p:nvPr>
         </p:nvSpPr>
         <p:spPr/>
         <p:txBody>
           <a:bodyPr/>
           <a:p>
-            <a:fld id="{2B5F7F21-9DCD-4B0A-9102-324A25E2D4D9}" type="slidenum">
+            <a:fld id="{9480888D-27EE-4886-B651-D9E728B85899}" type="slidenum">
               <a:t>&lt;#&gt;</a:t>
             </a:fld>
           </a:p>
@@ -857,7 +863,7 @@
             <a:spLocks noGrp="1"/>
           </p:cNvSpPr>
           <p:nvPr>
-            <p:ph type="dt" idx="1"/>
+            <p:ph type="dt" idx="3"/>
           </p:nvPr>
         </p:nvSpPr>
         <p:spPr/>
@@ -900,7 +906,7 @@
             <a:spLocks noGrp="1"/>
           </p:cNvSpPr>
           <p:nvPr>
-            <p:ph type="ftr" idx="5"/>
+            <p:ph type="ftr" idx="4"/>
           </p:nvPr>
         </p:nvSpPr>
         <p:spPr/>
@@ -920,14 +926,14 @@
             <a:spLocks noGrp="1"/>
           </p:cNvSpPr>
           <p:nvPr>
-            <p:ph type="sldNum" idx="6"/>
+            <p:ph type="sldNum" idx="5"/>
           </p:nvPr>
         </p:nvSpPr>
         <p:spPr/>
         <p:txBody>
           <a:bodyPr/>
           <a:p>
-            <a:fld id="{0CC0D60E-FB8A-42E1-8540-3FB9058DD458}" type="slidenum">
+            <a:fld id="{9EE9CEC8-C303-457F-AEDE-53B66512DACF}" type="slidenum">
               <a:t>&lt;#&gt;</a:t>
             </a:fld>
           </a:p>
@@ -940,7 +946,7 @@
             <a:spLocks noGrp="1"/>
           </p:cNvSpPr>
           <p:nvPr>
-            <p:ph type="dt" idx="4"/>
+            <p:ph type="dt" idx="6"/>
           </p:nvPr>
         </p:nvSpPr>
         <p:spPr/>
@@ -989,7 +995,7 @@
         <p:spPr>
           <a:xfrm>
             <a:off x="540000" y="270000"/>
-            <a:ext cx="9000000" cy="990000"/>
+            <a:ext cx="8999640" cy="989640"/>
           </a:xfrm>
           <a:prstGeom prst="rect">
             <a:avLst/>
@@ -1007,7 +1013,7 @@
             <a:pPr algn="ctr">
               <a:buNone/>
             </a:pPr>
-            <a:endParaRPr b="0" lang="en-US" sz="3300" spc="-1" strike="noStrike">
+            <a:endParaRPr b="0" lang="en-US" sz="4400" spc="-1" strike="noStrike">
               <a:solidFill>
                 <a:srgbClr val="ffffff"/>
               </a:solidFill>
@@ -1028,8 +1034,8 @@
         </p:nvSpPr>
         <p:spPr>
           <a:xfrm>
-            <a:off x="540000" y="1440000"/>
-            <a:ext cx="9000000" cy="3600000"/>
+            <a:off x="504000" y="1326600"/>
+            <a:ext cx="9072000" cy="3288600"/>
           </a:xfrm>
           <a:prstGeom prst="rect">
             <a:avLst/>
@@ -1060,7 +1066,7 @@
             <a:spLocks noGrp="1"/>
           </p:cNvSpPr>
           <p:nvPr>
-            <p:ph type="ftr" idx="5"/>
+            <p:ph type="ftr" idx="4"/>
           </p:nvPr>
         </p:nvSpPr>
         <p:spPr/>
@@ -1080,14 +1086,14 @@
             <a:spLocks noGrp="1"/>
           </p:cNvSpPr>
           <p:nvPr>
-            <p:ph type="sldNum" idx="6"/>
+            <p:ph type="sldNum" idx="5"/>
           </p:nvPr>
         </p:nvSpPr>
         <p:spPr/>
         <p:txBody>
           <a:bodyPr/>
           <a:p>
-            <a:fld id="{4F70839C-07AC-49CB-BE44-292671B1AA28}" type="slidenum">
+            <a:fld id="{1CBAF1F9-3B89-40F7-A19B-F78B923EABA8}" type="slidenum">
               <a:t>&lt;#&gt;</a:t>
             </a:fld>
           </a:p>
@@ -1100,7 +1106,7 @@
             <a:spLocks noGrp="1"/>
           </p:cNvSpPr>
           <p:nvPr>
-            <p:ph type="dt" idx="4"/>
+            <p:ph type="dt" idx="6"/>
           </p:nvPr>
         </p:nvSpPr>
         <p:spPr/>
@@ -1149,7 +1155,7 @@
         <p:spPr>
           <a:xfrm>
             <a:off x="540000" y="270000"/>
-            <a:ext cx="9000000" cy="990000"/>
+            <a:ext cx="8999640" cy="989640"/>
           </a:xfrm>
           <a:prstGeom prst="rect">
             <a:avLst/>
@@ -1167,7 +1173,7 @@
             <a:pPr algn="ctr">
               <a:buNone/>
             </a:pPr>
-            <a:endParaRPr b="0" lang="en-US" sz="3300" spc="-1" strike="noStrike">
+            <a:endParaRPr b="0" lang="en-US" sz="4400" spc="-1" strike="noStrike">
               <a:solidFill>
                 <a:srgbClr val="ffffff"/>
               </a:solidFill>
@@ -1188,8 +1194,8 @@
         </p:nvSpPr>
         <p:spPr>
           <a:xfrm>
-            <a:off x="540000" y="1440000"/>
-            <a:ext cx="9000000" cy="3600000"/>
+            <a:off x="504000" y="1326600"/>
+            <a:ext cx="9072000" cy="3288600"/>
           </a:xfrm>
           <a:prstGeom prst="rect">
             <a:avLst/>
@@ -1204,7 +1210,7 @@
             <a:normAutofit/>
           </a:bodyPr>
           <a:p>
-            <a:endParaRPr b="0" lang="en-US" sz="2400" spc="-1" strike="noStrike">
+            <a:endParaRPr b="0" lang="en-US" sz="3200" spc="-1" strike="noStrike">
               <a:latin typeface="Arial"/>
             </a:endParaRPr>
           </a:p>
@@ -1217,7 +1223,7 @@
             <a:spLocks noGrp="1"/>
           </p:cNvSpPr>
           <p:nvPr>
-            <p:ph type="ftr" idx="5"/>
+            <p:ph type="ftr" idx="4"/>
           </p:nvPr>
         </p:nvSpPr>
         <p:spPr/>
@@ -1237,14 +1243,14 @@
             <a:spLocks noGrp="1"/>
           </p:cNvSpPr>
           <p:nvPr>
-            <p:ph type="sldNum" idx="6"/>
+            <p:ph type="sldNum" idx="5"/>
           </p:nvPr>
         </p:nvSpPr>
         <p:spPr/>
         <p:txBody>
           <a:bodyPr/>
           <a:p>
-            <a:fld id="{26FCAE2B-9796-44C6-A748-E560C755AD80}" type="slidenum">
+            <a:fld id="{FD51DCE8-7622-43F0-A247-ABB68B342E0B}" type="slidenum">
               <a:t>&lt;#&gt;</a:t>
             </a:fld>
           </a:p>
@@ -1257,7 +1263,7 @@
             <a:spLocks noGrp="1"/>
           </p:cNvSpPr>
           <p:nvPr>
-            <p:ph type="dt" idx="4"/>
+            <p:ph type="dt" idx="6"/>
           </p:nvPr>
         </p:nvSpPr>
         <p:spPr/>
@@ -1306,7 +1312,7 @@
         <p:spPr>
           <a:xfrm>
             <a:off x="540000" y="270000"/>
-            <a:ext cx="9000000" cy="990000"/>
+            <a:ext cx="8999640" cy="989640"/>
           </a:xfrm>
           <a:prstGeom prst="rect">
             <a:avLst/>
@@ -1324,7 +1330,7 @@
             <a:pPr algn="ctr">
               <a:buNone/>
             </a:pPr>
-            <a:endParaRPr b="0" lang="en-US" sz="3300" spc="-1" strike="noStrike">
+            <a:endParaRPr b="0" lang="en-US" sz="4400" spc="-1" strike="noStrike">
               <a:solidFill>
                 <a:srgbClr val="ffffff"/>
               </a:solidFill>
@@ -1345,8 +1351,8 @@
         </p:nvSpPr>
         <p:spPr>
           <a:xfrm>
-            <a:off x="540000" y="1440000"/>
-            <a:ext cx="4391640" cy="3600000"/>
+            <a:off x="504000" y="1326600"/>
+            <a:ext cx="4426920" cy="3288600"/>
           </a:xfrm>
           <a:prstGeom prst="rect">
             <a:avLst/>
@@ -1361,7 +1367,7 @@
             <a:normAutofit/>
           </a:bodyPr>
           <a:p>
-            <a:endParaRPr b="0" lang="en-US" sz="2400" spc="-1" strike="noStrike">
+            <a:endParaRPr b="0" lang="en-US" sz="3200" spc="-1" strike="noStrike">
               <a:latin typeface="Arial"/>
             </a:endParaRPr>
           </a:p>
@@ -1379,8 +1385,8 @@
         </p:nvSpPr>
         <p:spPr>
           <a:xfrm>
-            <a:off x="5151600" y="1440000"/>
-            <a:ext cx="4391640" cy="3600000"/>
+            <a:off x="5152680" y="1326600"/>
+            <a:ext cx="4426920" cy="3288600"/>
           </a:xfrm>
           <a:prstGeom prst="rect">
             <a:avLst/>
@@ -1395,7 +1401,7 @@
             <a:normAutofit/>
           </a:bodyPr>
           <a:p>
-            <a:endParaRPr b="0" lang="en-US" sz="2400" spc="-1" strike="noStrike">
+            <a:endParaRPr b="0" lang="en-US" sz="3200" spc="-1" strike="noStrike">
               <a:latin typeface="Arial"/>
             </a:endParaRPr>
           </a:p>
@@ -1408,7 +1414,7 @@
             <a:spLocks noGrp="1"/>
           </p:cNvSpPr>
           <p:nvPr>
-            <p:ph type="ftr" idx="5"/>
+            <p:ph type="ftr" idx="4"/>
           </p:nvPr>
         </p:nvSpPr>
         <p:spPr/>
@@ -1428,14 +1434,14 @@
             <a:spLocks noGrp="1"/>
           </p:cNvSpPr>
           <p:nvPr>
-            <p:ph type="sldNum" idx="6"/>
+            <p:ph type="sldNum" idx="5"/>
           </p:nvPr>
         </p:nvSpPr>
         <p:spPr/>
         <p:txBody>
           <a:bodyPr/>
           <a:p>
-            <a:fld id="{0952DC39-8B4F-4259-9879-6800BCB6E070}" type="slidenum">
+            <a:fld id="{26BD8284-A609-4A23-BEED-7073873DEBFB}" type="slidenum">
               <a:t>&lt;#&gt;</a:t>
             </a:fld>
           </a:p>
@@ -1448,7 +1454,7 @@
             <a:spLocks noGrp="1"/>
           </p:cNvSpPr>
           <p:nvPr>
-            <p:ph type="dt" idx="4"/>
+            <p:ph type="dt" idx="6"/>
           </p:nvPr>
         </p:nvSpPr>
         <p:spPr/>
@@ -1497,7 +1503,7 @@
         <p:spPr>
           <a:xfrm>
             <a:off x="540000" y="270000"/>
-            <a:ext cx="9000000" cy="990000"/>
+            <a:ext cx="8999640" cy="989640"/>
           </a:xfrm>
           <a:prstGeom prst="rect">
             <a:avLst/>
@@ -1515,7 +1521,7 @@
             <a:pPr algn="ctr">
               <a:buNone/>
             </a:pPr>
-            <a:endParaRPr b="0" lang="en-US" sz="3300" spc="-1" strike="noStrike">
+            <a:endParaRPr b="0" lang="en-US" sz="4400" spc="-1" strike="noStrike">
               <a:solidFill>
                 <a:srgbClr val="ffffff"/>
               </a:solidFill>
@@ -1531,7 +1537,7 @@
             <a:spLocks noGrp="1"/>
           </p:cNvSpPr>
           <p:nvPr>
-            <p:ph type="ftr" idx="5"/>
+            <p:ph type="ftr" idx="4"/>
           </p:nvPr>
         </p:nvSpPr>
         <p:spPr/>
@@ -1551,14 +1557,14 @@
             <a:spLocks noGrp="1"/>
           </p:cNvSpPr>
           <p:nvPr>
-            <p:ph type="sldNum" idx="6"/>
+            <p:ph type="sldNum" idx="5"/>
           </p:nvPr>
         </p:nvSpPr>
         <p:spPr/>
         <p:txBody>
           <a:bodyPr/>
           <a:p>
-            <a:fld id="{1FC768F1-01B8-41F0-9F83-28BBA2388E35}" type="slidenum">
+            <a:fld id="{4DB228A9-3CEC-467A-9533-8EB5C7321D98}" type="slidenum">
               <a:t>&lt;#&gt;</a:t>
             </a:fld>
           </a:p>
@@ -1571,7 +1577,7 @@
             <a:spLocks noGrp="1"/>
           </p:cNvSpPr>
           <p:nvPr>
-            <p:ph type="dt" idx="4"/>
+            <p:ph type="dt" idx="6"/>
           </p:nvPr>
         </p:nvSpPr>
         <p:spPr/>
@@ -1620,7 +1626,7 @@
         <p:spPr>
           <a:xfrm>
             <a:off x="540000" y="270000"/>
-            <a:ext cx="9000000" cy="4590360"/>
+            <a:ext cx="8999640" cy="4588560"/>
           </a:xfrm>
           <a:prstGeom prst="rect">
             <a:avLst/>
@@ -1651,7 +1657,7 @@
             <a:spLocks noGrp="1"/>
           </p:cNvSpPr>
           <p:nvPr>
-            <p:ph type="ftr" idx="5"/>
+            <p:ph type="ftr" idx="4"/>
           </p:nvPr>
         </p:nvSpPr>
         <p:spPr/>
@@ -1671,14 +1677,14 @@
             <a:spLocks noGrp="1"/>
           </p:cNvSpPr>
           <p:nvPr>
-            <p:ph type="sldNum" idx="6"/>
+            <p:ph type="sldNum" idx="5"/>
           </p:nvPr>
         </p:nvSpPr>
         <p:spPr/>
         <p:txBody>
           <a:bodyPr/>
           <a:p>
-            <a:fld id="{0F69B2B9-E2A7-4080-9D96-BCF251BA2AD2}" type="slidenum">
+            <a:fld id="{A6FB7C97-7DE2-4238-ACA8-2A2D8CECD0E8}" type="slidenum">
               <a:t>&lt;#&gt;</a:t>
             </a:fld>
           </a:p>
@@ -1691,7 +1697,7 @@
             <a:spLocks noGrp="1"/>
           </p:cNvSpPr>
           <p:nvPr>
-            <p:ph type="dt" idx="4"/>
+            <p:ph type="dt" idx="6"/>
           </p:nvPr>
         </p:nvSpPr>
         <p:spPr/>
@@ -1740,7 +1746,7 @@
         <p:spPr>
           <a:xfrm>
             <a:off x="540000" y="270000"/>
-            <a:ext cx="9000000" cy="990000"/>
+            <a:ext cx="8999640" cy="989640"/>
           </a:xfrm>
           <a:prstGeom prst="rect">
             <a:avLst/>
@@ -1758,7 +1764,7 @@
             <a:pPr algn="ctr">
               <a:buNone/>
             </a:pPr>
-            <a:endParaRPr b="0" lang="en-US" sz="3300" spc="-1" strike="noStrike">
+            <a:endParaRPr b="0" lang="en-US" sz="4400" spc="-1" strike="noStrike">
               <a:solidFill>
                 <a:srgbClr val="ffffff"/>
               </a:solidFill>
@@ -1779,8 +1785,8 @@
         </p:nvSpPr>
         <p:spPr>
           <a:xfrm>
-            <a:off x="540000" y="1440000"/>
-            <a:ext cx="4391640" cy="1716840"/>
+            <a:off x="504000" y="1326600"/>
+            <a:ext cx="4426920" cy="1568520"/>
           </a:xfrm>
           <a:prstGeom prst="rect">
             <a:avLst/>
@@ -1795,7 +1801,7 @@
             <a:normAutofit/>
           </a:bodyPr>
           <a:p>
-            <a:endParaRPr b="0" lang="en-US" sz="2400" spc="-1" strike="noStrike">
+            <a:endParaRPr b="0" lang="en-US" sz="3200" spc="-1" strike="noStrike">
               <a:latin typeface="Arial"/>
             </a:endParaRPr>
           </a:p>
@@ -1813,8 +1819,8 @@
         </p:nvSpPr>
         <p:spPr>
           <a:xfrm>
-            <a:off x="5151600" y="1440000"/>
-            <a:ext cx="4391640" cy="3600000"/>
+            <a:off x="5152680" y="1326600"/>
+            <a:ext cx="4426920" cy="3288600"/>
           </a:xfrm>
           <a:prstGeom prst="rect">
             <a:avLst/>
@@ -1829,7 +1835,7 @@
             <a:normAutofit/>
           </a:bodyPr>
           <a:p>
-            <a:endParaRPr b="0" lang="en-US" sz="2400" spc="-1" strike="noStrike">
+            <a:endParaRPr b="0" lang="en-US" sz="3200" spc="-1" strike="noStrike">
               <a:latin typeface="Arial"/>
             </a:endParaRPr>
           </a:p>
@@ -1847,8 +1853,8 @@
         </p:nvSpPr>
         <p:spPr>
           <a:xfrm>
-            <a:off x="540000" y="3320280"/>
-            <a:ext cx="4391640" cy="1716840"/>
+            <a:off x="504000" y="3044520"/>
+            <a:ext cx="4426920" cy="1568520"/>
           </a:xfrm>
           <a:prstGeom prst="rect">
             <a:avLst/>
@@ -1863,7 +1869,7 @@
             <a:normAutofit/>
           </a:bodyPr>
           <a:p>
-            <a:endParaRPr b="0" lang="en-US" sz="2400" spc="-1" strike="noStrike">
+            <a:endParaRPr b="0" lang="en-US" sz="3200" spc="-1" strike="noStrike">
               <a:latin typeface="Arial"/>
             </a:endParaRPr>
           </a:p>
@@ -1876,7 +1882,7 @@
             <a:spLocks noGrp="1"/>
           </p:cNvSpPr>
           <p:nvPr>
-            <p:ph type="ftr" idx="5"/>
+            <p:ph type="ftr" idx="4"/>
           </p:nvPr>
         </p:nvSpPr>
         <p:spPr/>
@@ -1896,14 +1902,14 @@
             <a:spLocks noGrp="1"/>
           </p:cNvSpPr>
           <p:nvPr>
-            <p:ph type="sldNum" idx="6"/>
+            <p:ph type="sldNum" idx="5"/>
           </p:nvPr>
         </p:nvSpPr>
         <p:spPr/>
         <p:txBody>
           <a:bodyPr/>
           <a:p>
-            <a:fld id="{56127DB9-7372-4F42-A8FC-8B5CA849B831}" type="slidenum">
+            <a:fld id="{F8C63E81-8A16-434A-8808-3585B93C045C}" type="slidenum">
               <a:t>&lt;#&gt;</a:t>
             </a:fld>
           </a:p>
@@ -1916,7 +1922,7 @@
             <a:spLocks noGrp="1"/>
           </p:cNvSpPr>
           <p:nvPr>
-            <p:ph type="dt" idx="4"/>
+            <p:ph type="dt" idx="6"/>
           </p:nvPr>
         </p:nvSpPr>
         <p:spPr/>
@@ -1965,7 +1971,7 @@
         <p:spPr>
           <a:xfrm>
             <a:off x="540000" y="270000"/>
-            <a:ext cx="9000000" cy="990000"/>
+            <a:ext cx="8999640" cy="989640"/>
           </a:xfrm>
           <a:prstGeom prst="rect">
             <a:avLst/>
@@ -1983,7 +1989,7 @@
             <a:pPr algn="ctr">
               <a:buNone/>
             </a:pPr>
-            <a:endParaRPr b="0" lang="en-US" sz="3300" spc="-1" strike="noStrike">
+            <a:endParaRPr b="0" lang="en-US" sz="4400" spc="-1" strike="noStrike">
               <a:solidFill>
                 <a:srgbClr val="ffffff"/>
               </a:solidFill>
@@ -2004,8 +2010,8 @@
         </p:nvSpPr>
         <p:spPr>
           <a:xfrm>
-            <a:off x="540000" y="1440000"/>
-            <a:ext cx="9000000" cy="3600000"/>
+            <a:off x="504000" y="1326600"/>
+            <a:ext cx="9072000" cy="3288600"/>
           </a:xfrm>
           <a:prstGeom prst="rect">
             <a:avLst/>
@@ -2036,7 +2042,7 @@
             <a:spLocks noGrp="1"/>
           </p:cNvSpPr>
           <p:nvPr>
-            <p:ph type="ftr" idx="2"/>
+            <p:ph type="ftr" idx="1"/>
           </p:nvPr>
         </p:nvSpPr>
         <p:spPr/>
@@ -2056,14 +2062,14 @@
             <a:spLocks noGrp="1"/>
           </p:cNvSpPr>
           <p:nvPr>
-            <p:ph type="sldNum" idx="3"/>
+            <p:ph type="sldNum" idx="2"/>
           </p:nvPr>
         </p:nvSpPr>
         <p:spPr/>
         <p:txBody>
           <a:bodyPr/>
           <a:p>
-            <a:fld id="{84B3859C-EC1D-49E1-AC6E-28AD19839F43}" type="slidenum">
+            <a:fld id="{ABF33B16-0417-4BD8-9DB3-136436E10692}" type="slidenum">
               <a:t>&lt;#&gt;</a:t>
             </a:fld>
           </a:p>
@@ -2076,7 +2082,7 @@
             <a:spLocks noGrp="1"/>
           </p:cNvSpPr>
           <p:nvPr>
-            <p:ph type="dt" idx="1"/>
+            <p:ph type="dt" idx="3"/>
           </p:nvPr>
         </p:nvSpPr>
         <p:spPr/>
@@ -2125,7 +2131,7 @@
         <p:spPr>
           <a:xfrm>
             <a:off x="540000" y="270000"/>
-            <a:ext cx="9000000" cy="990000"/>
+            <a:ext cx="8999640" cy="989640"/>
           </a:xfrm>
           <a:prstGeom prst="rect">
             <a:avLst/>
@@ -2143,7 +2149,7 @@
             <a:pPr algn="ctr">
               <a:buNone/>
             </a:pPr>
-            <a:endParaRPr b="0" lang="en-US" sz="3300" spc="-1" strike="noStrike">
+            <a:endParaRPr b="0" lang="en-US" sz="4400" spc="-1" strike="noStrike">
               <a:solidFill>
                 <a:srgbClr val="ffffff"/>
               </a:solidFill>
@@ -2164,8 +2170,8 @@
         </p:nvSpPr>
         <p:spPr>
           <a:xfrm>
-            <a:off x="540000" y="1440000"/>
-            <a:ext cx="4391640" cy="3600000"/>
+            <a:off x="504000" y="1326600"/>
+            <a:ext cx="4426920" cy="3288600"/>
           </a:xfrm>
           <a:prstGeom prst="rect">
             <a:avLst/>
@@ -2180,7 +2186,7 @@
             <a:normAutofit/>
           </a:bodyPr>
           <a:p>
-            <a:endParaRPr b="0" lang="en-US" sz="2400" spc="-1" strike="noStrike">
+            <a:endParaRPr b="0" lang="en-US" sz="3200" spc="-1" strike="noStrike">
               <a:latin typeface="Arial"/>
             </a:endParaRPr>
           </a:p>
@@ -2198,8 +2204,8 @@
         </p:nvSpPr>
         <p:spPr>
           <a:xfrm>
-            <a:off x="5151600" y="1440000"/>
-            <a:ext cx="4391640" cy="1716840"/>
+            <a:off x="5152680" y="1326600"/>
+            <a:ext cx="4426920" cy="1568520"/>
           </a:xfrm>
           <a:prstGeom prst="rect">
             <a:avLst/>
@@ -2214,7 +2220,7 @@
             <a:normAutofit/>
           </a:bodyPr>
           <a:p>
-            <a:endParaRPr b="0" lang="en-US" sz="2400" spc="-1" strike="noStrike">
+            <a:endParaRPr b="0" lang="en-US" sz="3200" spc="-1" strike="noStrike">
               <a:latin typeface="Arial"/>
             </a:endParaRPr>
           </a:p>
@@ -2232,8 +2238,8 @@
         </p:nvSpPr>
         <p:spPr>
           <a:xfrm>
-            <a:off x="5151600" y="3320280"/>
-            <a:ext cx="4391640" cy="1716840"/>
+            <a:off x="5152680" y="3044520"/>
+            <a:ext cx="4426920" cy="1568520"/>
           </a:xfrm>
           <a:prstGeom prst="rect">
             <a:avLst/>
@@ -2248,7 +2254,7 @@
             <a:normAutofit/>
           </a:bodyPr>
           <a:p>
-            <a:endParaRPr b="0" lang="en-US" sz="2400" spc="-1" strike="noStrike">
+            <a:endParaRPr b="0" lang="en-US" sz="3200" spc="-1" strike="noStrike">
               <a:latin typeface="Arial"/>
             </a:endParaRPr>
           </a:p>
@@ -2261,7 +2267,7 @@
             <a:spLocks noGrp="1"/>
           </p:cNvSpPr>
           <p:nvPr>
-            <p:ph type="ftr" idx="5"/>
+            <p:ph type="ftr" idx="4"/>
           </p:nvPr>
         </p:nvSpPr>
         <p:spPr/>
@@ -2281,14 +2287,14 @@
             <a:spLocks noGrp="1"/>
           </p:cNvSpPr>
           <p:nvPr>
-            <p:ph type="sldNum" idx="6"/>
+            <p:ph type="sldNum" idx="5"/>
           </p:nvPr>
         </p:nvSpPr>
         <p:spPr/>
         <p:txBody>
           <a:bodyPr/>
           <a:p>
-            <a:fld id="{7EDB9CDD-CE20-41F2-8903-58575F0286FE}" type="slidenum">
+            <a:fld id="{2BE8BA2F-FCD3-4BD1-8688-E6CD45F0C81E}" type="slidenum">
               <a:t>&lt;#&gt;</a:t>
             </a:fld>
           </a:p>
@@ -2301,7 +2307,7 @@
             <a:spLocks noGrp="1"/>
           </p:cNvSpPr>
           <p:nvPr>
-            <p:ph type="dt" idx="4"/>
+            <p:ph type="dt" idx="6"/>
           </p:nvPr>
         </p:nvSpPr>
         <p:spPr/>
@@ -2350,7 +2356,7 @@
         <p:spPr>
           <a:xfrm>
             <a:off x="540000" y="270000"/>
-            <a:ext cx="9000000" cy="990000"/>
+            <a:ext cx="8999640" cy="989640"/>
           </a:xfrm>
           <a:prstGeom prst="rect">
             <a:avLst/>
@@ -2368,7 +2374,7 @@
             <a:pPr algn="ctr">
               <a:buNone/>
             </a:pPr>
-            <a:endParaRPr b="0" lang="en-US" sz="3300" spc="-1" strike="noStrike">
+            <a:endParaRPr b="0" lang="en-US" sz="4400" spc="-1" strike="noStrike">
               <a:solidFill>
                 <a:srgbClr val="ffffff"/>
               </a:solidFill>
@@ -2389,8 +2395,8 @@
         </p:nvSpPr>
         <p:spPr>
           <a:xfrm>
-            <a:off x="540000" y="1440000"/>
-            <a:ext cx="4391640" cy="1716840"/>
+            <a:off x="504000" y="1326600"/>
+            <a:ext cx="4426920" cy="1568520"/>
           </a:xfrm>
           <a:prstGeom prst="rect">
             <a:avLst/>
@@ -2405,7 +2411,7 @@
             <a:normAutofit/>
           </a:bodyPr>
           <a:p>
-            <a:endParaRPr b="0" lang="en-US" sz="2400" spc="-1" strike="noStrike">
+            <a:endParaRPr b="0" lang="en-US" sz="3200" spc="-1" strike="noStrike">
               <a:latin typeface="Arial"/>
             </a:endParaRPr>
           </a:p>
@@ -2423,8 +2429,8 @@
         </p:nvSpPr>
         <p:spPr>
           <a:xfrm>
-            <a:off x="5151600" y="1440000"/>
-            <a:ext cx="4391640" cy="1716840"/>
+            <a:off x="5152680" y="1326600"/>
+            <a:ext cx="4426920" cy="1568520"/>
           </a:xfrm>
           <a:prstGeom prst="rect">
             <a:avLst/>
@@ -2439,7 +2445,7 @@
             <a:normAutofit/>
           </a:bodyPr>
           <a:p>
-            <a:endParaRPr b="0" lang="en-US" sz="2400" spc="-1" strike="noStrike">
+            <a:endParaRPr b="0" lang="en-US" sz="3200" spc="-1" strike="noStrike">
               <a:latin typeface="Arial"/>
             </a:endParaRPr>
           </a:p>
@@ -2457,8 +2463,8 @@
         </p:nvSpPr>
         <p:spPr>
           <a:xfrm>
-            <a:off x="540000" y="3320280"/>
-            <a:ext cx="9000000" cy="1716840"/>
+            <a:off x="504000" y="3044520"/>
+            <a:ext cx="9072000" cy="1568520"/>
           </a:xfrm>
           <a:prstGeom prst="rect">
             <a:avLst/>
@@ -2473,7 +2479,7 @@
             <a:normAutofit/>
           </a:bodyPr>
           <a:p>
-            <a:endParaRPr b="0" lang="en-US" sz="2400" spc="-1" strike="noStrike">
+            <a:endParaRPr b="0" lang="en-US" sz="3200" spc="-1" strike="noStrike">
               <a:latin typeface="Arial"/>
             </a:endParaRPr>
           </a:p>
@@ -2486,7 +2492,7 @@
             <a:spLocks noGrp="1"/>
           </p:cNvSpPr>
           <p:nvPr>
-            <p:ph type="ftr" idx="5"/>
+            <p:ph type="ftr" idx="4"/>
           </p:nvPr>
         </p:nvSpPr>
         <p:spPr/>
@@ -2506,14 +2512,14 @@
             <a:spLocks noGrp="1"/>
           </p:cNvSpPr>
           <p:nvPr>
-            <p:ph type="sldNum" idx="6"/>
+            <p:ph type="sldNum" idx="5"/>
           </p:nvPr>
         </p:nvSpPr>
         <p:spPr/>
         <p:txBody>
           <a:bodyPr/>
           <a:p>
-            <a:fld id="{388080AF-5018-46B1-801C-7583049BF45B}" type="slidenum">
+            <a:fld id="{304B9084-AEC1-48FF-85FE-8679BAA650D1}" type="slidenum">
               <a:t>&lt;#&gt;</a:t>
             </a:fld>
           </a:p>
@@ -2526,7 +2532,7 @@
             <a:spLocks noGrp="1"/>
           </p:cNvSpPr>
           <p:nvPr>
-            <p:ph type="dt" idx="4"/>
+            <p:ph type="dt" idx="6"/>
           </p:nvPr>
         </p:nvSpPr>
         <p:spPr/>
@@ -2575,7 +2581,7 @@
         <p:spPr>
           <a:xfrm>
             <a:off x="540000" y="270000"/>
-            <a:ext cx="9000000" cy="990000"/>
+            <a:ext cx="8999640" cy="989640"/>
           </a:xfrm>
           <a:prstGeom prst="rect">
             <a:avLst/>
@@ -2593,7 +2599,7 @@
             <a:pPr algn="ctr">
               <a:buNone/>
             </a:pPr>
-            <a:endParaRPr b="0" lang="en-US" sz="3300" spc="-1" strike="noStrike">
+            <a:endParaRPr b="0" lang="en-US" sz="4400" spc="-1" strike="noStrike">
               <a:solidFill>
                 <a:srgbClr val="ffffff"/>
               </a:solidFill>
@@ -2614,8 +2620,8 @@
         </p:nvSpPr>
         <p:spPr>
           <a:xfrm>
-            <a:off x="540000" y="1440000"/>
-            <a:ext cx="9000000" cy="1716840"/>
+            <a:off x="504000" y="1326600"/>
+            <a:ext cx="9072000" cy="1568520"/>
           </a:xfrm>
           <a:prstGeom prst="rect">
             <a:avLst/>
@@ -2630,7 +2636,7 @@
             <a:normAutofit/>
           </a:bodyPr>
           <a:p>
-            <a:endParaRPr b="0" lang="en-US" sz="2400" spc="-1" strike="noStrike">
+            <a:endParaRPr b="0" lang="en-US" sz="3200" spc="-1" strike="noStrike">
               <a:latin typeface="Arial"/>
             </a:endParaRPr>
           </a:p>
@@ -2648,8 +2654,8 @@
         </p:nvSpPr>
         <p:spPr>
           <a:xfrm>
-            <a:off x="540000" y="3320280"/>
-            <a:ext cx="9000000" cy="1716840"/>
+            <a:off x="504000" y="3044520"/>
+            <a:ext cx="9072000" cy="1568520"/>
           </a:xfrm>
           <a:prstGeom prst="rect">
             <a:avLst/>
@@ -2664,7 +2670,7 @@
             <a:normAutofit/>
           </a:bodyPr>
           <a:p>
-            <a:endParaRPr b="0" lang="en-US" sz="2400" spc="-1" strike="noStrike">
+            <a:endParaRPr b="0" lang="en-US" sz="3200" spc="-1" strike="noStrike">
               <a:latin typeface="Arial"/>
             </a:endParaRPr>
           </a:p>
@@ -2677,7 +2683,7 @@
             <a:spLocks noGrp="1"/>
           </p:cNvSpPr>
           <p:nvPr>
-            <p:ph type="ftr" idx="5"/>
+            <p:ph type="ftr" idx="4"/>
           </p:nvPr>
         </p:nvSpPr>
         <p:spPr/>
@@ -2697,14 +2703,14 @@
             <a:spLocks noGrp="1"/>
           </p:cNvSpPr>
           <p:nvPr>
-            <p:ph type="sldNum" idx="6"/>
+            <p:ph type="sldNum" idx="5"/>
           </p:nvPr>
         </p:nvSpPr>
         <p:spPr/>
         <p:txBody>
           <a:bodyPr/>
           <a:p>
-            <a:fld id="{B6BAAF57-47EA-4B1D-A8CF-F3621C3BA7D9}" type="slidenum">
+            <a:fld id="{228003C4-520B-42EF-B6C3-E7F988C1FDD2}" type="slidenum">
               <a:t>&lt;#&gt;</a:t>
             </a:fld>
           </a:p>
@@ -2717,7 +2723,7 @@
             <a:spLocks noGrp="1"/>
           </p:cNvSpPr>
           <p:nvPr>
-            <p:ph type="dt" idx="4"/>
+            <p:ph type="dt" idx="6"/>
           </p:nvPr>
         </p:nvSpPr>
         <p:spPr/>
@@ -2766,7 +2772,7 @@
         <p:spPr>
           <a:xfrm>
             <a:off x="540000" y="270000"/>
-            <a:ext cx="9000000" cy="990000"/>
+            <a:ext cx="8999640" cy="989640"/>
           </a:xfrm>
           <a:prstGeom prst="rect">
             <a:avLst/>
@@ -2784,7 +2790,7 @@
             <a:pPr algn="ctr">
               <a:buNone/>
             </a:pPr>
-            <a:endParaRPr b="0" lang="en-US" sz="3300" spc="-1" strike="noStrike">
+            <a:endParaRPr b="0" lang="en-US" sz="4400" spc="-1" strike="noStrike">
               <a:solidFill>
                 <a:srgbClr val="ffffff"/>
               </a:solidFill>
@@ -2805,8 +2811,8 @@
         </p:nvSpPr>
         <p:spPr>
           <a:xfrm>
-            <a:off x="540000" y="1440000"/>
-            <a:ext cx="4391640" cy="1716840"/>
+            <a:off x="504000" y="1326600"/>
+            <a:ext cx="4426920" cy="1568520"/>
           </a:xfrm>
           <a:prstGeom prst="rect">
             <a:avLst/>
@@ -2821,7 +2827,7 @@
             <a:normAutofit/>
           </a:bodyPr>
           <a:p>
-            <a:endParaRPr b="0" lang="en-US" sz="2400" spc="-1" strike="noStrike">
+            <a:endParaRPr b="0" lang="en-US" sz="3200" spc="-1" strike="noStrike">
               <a:latin typeface="Arial"/>
             </a:endParaRPr>
           </a:p>
@@ -2839,8 +2845,8 @@
         </p:nvSpPr>
         <p:spPr>
           <a:xfrm>
-            <a:off x="5151600" y="1440000"/>
-            <a:ext cx="4391640" cy="1716840"/>
+            <a:off x="5152680" y="1326600"/>
+            <a:ext cx="4426920" cy="1568520"/>
           </a:xfrm>
           <a:prstGeom prst="rect">
             <a:avLst/>
@@ -2855,7 +2861,7 @@
             <a:normAutofit/>
           </a:bodyPr>
           <a:p>
-            <a:endParaRPr b="0" lang="en-US" sz="2400" spc="-1" strike="noStrike">
+            <a:endParaRPr b="0" lang="en-US" sz="3200" spc="-1" strike="noStrike">
               <a:latin typeface="Arial"/>
             </a:endParaRPr>
           </a:p>
@@ -2873,8 +2879,8 @@
         </p:nvSpPr>
         <p:spPr>
           <a:xfrm>
-            <a:off x="540000" y="3320280"/>
-            <a:ext cx="4391640" cy="1716840"/>
+            <a:off x="504000" y="3044520"/>
+            <a:ext cx="4426920" cy="1568520"/>
           </a:xfrm>
           <a:prstGeom prst="rect">
             <a:avLst/>
@@ -2889,7 +2895,7 @@
             <a:normAutofit/>
           </a:bodyPr>
           <a:p>
-            <a:endParaRPr b="0" lang="en-US" sz="2400" spc="-1" strike="noStrike">
+            <a:endParaRPr b="0" lang="en-US" sz="3200" spc="-1" strike="noStrike">
               <a:latin typeface="Arial"/>
             </a:endParaRPr>
           </a:p>
@@ -2907,8 +2913,8 @@
         </p:nvSpPr>
         <p:spPr>
           <a:xfrm>
-            <a:off x="5151600" y="3320280"/>
-            <a:ext cx="4391640" cy="1716840"/>
+            <a:off x="5152680" y="3044520"/>
+            <a:ext cx="4426920" cy="1568520"/>
           </a:xfrm>
           <a:prstGeom prst="rect">
             <a:avLst/>
@@ -2923,7 +2929,7 @@
             <a:normAutofit/>
           </a:bodyPr>
           <a:p>
-            <a:endParaRPr b="0" lang="en-US" sz="2400" spc="-1" strike="noStrike">
+            <a:endParaRPr b="0" lang="en-US" sz="3200" spc="-1" strike="noStrike">
               <a:latin typeface="Arial"/>
             </a:endParaRPr>
           </a:p>
@@ -2936,7 +2942,7 @@
             <a:spLocks noGrp="1"/>
           </p:cNvSpPr>
           <p:nvPr>
-            <p:ph type="ftr" idx="5"/>
+            <p:ph type="ftr" idx="4"/>
           </p:nvPr>
         </p:nvSpPr>
         <p:spPr/>
@@ -2956,14 +2962,14 @@
             <a:spLocks noGrp="1"/>
           </p:cNvSpPr>
           <p:nvPr>
-            <p:ph type="sldNum" idx="6"/>
+            <p:ph type="sldNum" idx="5"/>
           </p:nvPr>
         </p:nvSpPr>
         <p:spPr/>
         <p:txBody>
           <a:bodyPr/>
           <a:p>
-            <a:fld id="{6DA95441-A13E-4B6A-9A81-079856C9D462}" type="slidenum">
+            <a:fld id="{12DC7EF5-DF4A-42A3-A6AE-1BD0C0C069E9}" type="slidenum">
               <a:t>&lt;#&gt;</a:t>
             </a:fld>
           </a:p>
@@ -2976,7 +2982,7 @@
             <a:spLocks noGrp="1"/>
           </p:cNvSpPr>
           <p:nvPr>
-            <p:ph type="dt" idx="4"/>
+            <p:ph type="dt" idx="6"/>
           </p:nvPr>
         </p:nvSpPr>
         <p:spPr/>
@@ -3025,7 +3031,7 @@
         <p:spPr>
           <a:xfrm>
             <a:off x="540000" y="270000"/>
-            <a:ext cx="9000000" cy="990000"/>
+            <a:ext cx="8999640" cy="989640"/>
           </a:xfrm>
           <a:prstGeom prst="rect">
             <a:avLst/>
@@ -3043,7 +3049,7 @@
             <a:pPr algn="ctr">
               <a:buNone/>
             </a:pPr>
-            <a:endParaRPr b="0" lang="en-US" sz="3300" spc="-1" strike="noStrike">
+            <a:endParaRPr b="0" lang="en-US" sz="4400" spc="-1" strike="noStrike">
               <a:solidFill>
                 <a:srgbClr val="ffffff"/>
               </a:solidFill>
@@ -3064,8 +3070,8 @@
         </p:nvSpPr>
         <p:spPr>
           <a:xfrm>
-            <a:off x="540000" y="1440000"/>
-            <a:ext cx="2897640" cy="1716840"/>
+            <a:off x="504000" y="1326600"/>
+            <a:ext cx="2921040" cy="1568520"/>
           </a:xfrm>
           <a:prstGeom prst="rect">
             <a:avLst/>
@@ -3080,7 +3086,7 @@
             <a:normAutofit/>
           </a:bodyPr>
           <a:p>
-            <a:endParaRPr b="0" lang="en-US" sz="2400" spc="-1" strike="noStrike">
+            <a:endParaRPr b="0" lang="en-US" sz="3200" spc="-1" strike="noStrike">
               <a:latin typeface="Arial"/>
             </a:endParaRPr>
           </a:p>
@@ -3098,8 +3104,8 @@
         </p:nvSpPr>
         <p:spPr>
           <a:xfrm>
-            <a:off x="3583080" y="1440000"/>
-            <a:ext cx="2897640" cy="1716840"/>
+            <a:off x="3571560" y="1326600"/>
+            <a:ext cx="2921040" cy="1568520"/>
           </a:xfrm>
           <a:prstGeom prst="rect">
             <a:avLst/>
@@ -3114,7 +3120,7 @@
             <a:normAutofit/>
           </a:bodyPr>
           <a:p>
-            <a:endParaRPr b="0" lang="en-US" sz="2400" spc="-1" strike="noStrike">
+            <a:endParaRPr b="0" lang="en-US" sz="3200" spc="-1" strike="noStrike">
               <a:latin typeface="Arial"/>
             </a:endParaRPr>
           </a:p>
@@ -3132,8 +3138,8 @@
         </p:nvSpPr>
         <p:spPr>
           <a:xfrm>
-            <a:off x="6625800" y="1440000"/>
-            <a:ext cx="2897640" cy="1716840"/>
+            <a:off x="6639120" y="1326600"/>
+            <a:ext cx="2921040" cy="1568520"/>
           </a:xfrm>
           <a:prstGeom prst="rect">
             <a:avLst/>
@@ -3148,7 +3154,7 @@
             <a:normAutofit/>
           </a:bodyPr>
           <a:p>
-            <a:endParaRPr b="0" lang="en-US" sz="2400" spc="-1" strike="noStrike">
+            <a:endParaRPr b="0" lang="en-US" sz="3200" spc="-1" strike="noStrike">
               <a:latin typeface="Arial"/>
             </a:endParaRPr>
           </a:p>
@@ -3166,8 +3172,8 @@
         </p:nvSpPr>
         <p:spPr>
           <a:xfrm>
-            <a:off x="540000" y="3320280"/>
-            <a:ext cx="2897640" cy="1716840"/>
+            <a:off x="504000" y="3044520"/>
+            <a:ext cx="2921040" cy="1568520"/>
           </a:xfrm>
           <a:prstGeom prst="rect">
             <a:avLst/>
@@ -3182,7 +3188,7 @@
             <a:normAutofit/>
           </a:bodyPr>
           <a:p>
-            <a:endParaRPr b="0" lang="en-US" sz="2400" spc="-1" strike="noStrike">
+            <a:endParaRPr b="0" lang="en-US" sz="3200" spc="-1" strike="noStrike">
               <a:latin typeface="Arial"/>
             </a:endParaRPr>
           </a:p>
@@ -3200,8 +3206,8 @@
         </p:nvSpPr>
         <p:spPr>
           <a:xfrm>
-            <a:off x="3583080" y="3320280"/>
-            <a:ext cx="2897640" cy="1716840"/>
+            <a:off x="3571560" y="3044520"/>
+            <a:ext cx="2921040" cy="1568520"/>
           </a:xfrm>
           <a:prstGeom prst="rect">
             <a:avLst/>
@@ -3216,7 +3222,7 @@
             <a:normAutofit/>
           </a:bodyPr>
           <a:p>
-            <a:endParaRPr b="0" lang="en-US" sz="2400" spc="-1" strike="noStrike">
+            <a:endParaRPr b="0" lang="en-US" sz="3200" spc="-1" strike="noStrike">
               <a:latin typeface="Arial"/>
             </a:endParaRPr>
           </a:p>
@@ -3234,8 +3240,8 @@
         </p:nvSpPr>
         <p:spPr>
           <a:xfrm>
-            <a:off x="6625800" y="3320280"/>
-            <a:ext cx="2897640" cy="1716840"/>
+            <a:off x="6639120" y="3044520"/>
+            <a:ext cx="2921040" cy="1568520"/>
           </a:xfrm>
           <a:prstGeom prst="rect">
             <a:avLst/>
@@ -3250,7 +3256,7 @@
             <a:normAutofit/>
           </a:bodyPr>
           <a:p>
-            <a:endParaRPr b="0" lang="en-US" sz="2400" spc="-1" strike="noStrike">
+            <a:endParaRPr b="0" lang="en-US" sz="3200" spc="-1" strike="noStrike">
               <a:latin typeface="Arial"/>
             </a:endParaRPr>
           </a:p>
@@ -3263,7 +3269,7 @@
             <a:spLocks noGrp="1"/>
           </p:cNvSpPr>
           <p:nvPr>
-            <p:ph type="ftr" idx="5"/>
+            <p:ph type="ftr" idx="4"/>
           </p:nvPr>
         </p:nvSpPr>
         <p:spPr/>
@@ -3283,14 +3289,14 @@
             <a:spLocks noGrp="1"/>
           </p:cNvSpPr>
           <p:nvPr>
-            <p:ph type="sldNum" idx="6"/>
+            <p:ph type="sldNum" idx="5"/>
           </p:nvPr>
         </p:nvSpPr>
         <p:spPr/>
         <p:txBody>
           <a:bodyPr/>
           <a:p>
-            <a:fld id="{17C01DB0-FFE0-4B0F-A99C-41BC9C8AD11D}" type="slidenum">
+            <a:fld id="{8CD4F286-CD54-4EA7-B638-7A16FE547CA4}" type="slidenum">
               <a:t>&lt;#&gt;</a:t>
             </a:fld>
           </a:p>
@@ -3303,7 +3309,7 @@
             <a:spLocks noGrp="1"/>
           </p:cNvSpPr>
           <p:nvPr>
-            <p:ph type="dt" idx="4"/>
+            <p:ph type="dt" idx="6"/>
           </p:nvPr>
         </p:nvSpPr>
         <p:spPr/>
@@ -3346,7 +3352,7 @@
             <a:spLocks noGrp="1"/>
           </p:cNvSpPr>
           <p:nvPr>
-            <p:ph type="ftr" idx="8"/>
+            <p:ph type="ftr" idx="7"/>
           </p:nvPr>
         </p:nvSpPr>
         <p:spPr/>
@@ -3366,14 +3372,14 @@
             <a:spLocks noGrp="1"/>
           </p:cNvSpPr>
           <p:nvPr>
-            <p:ph type="sldNum" idx="9"/>
+            <p:ph type="sldNum" idx="8"/>
           </p:nvPr>
         </p:nvSpPr>
         <p:spPr/>
         <p:txBody>
           <a:bodyPr/>
           <a:p>
-            <a:fld id="{469926E2-854D-4A1D-9FAA-88EB55EF450A}" type="slidenum">
+            <a:fld id="{A646BF96-8F2E-4B8D-88FB-D8D37129FFB7}" type="slidenum">
               <a:t>&lt;#&gt;</a:t>
             </a:fld>
           </a:p>
@@ -3386,7 +3392,7 @@
             <a:spLocks noGrp="1"/>
           </p:cNvSpPr>
           <p:nvPr>
-            <p:ph type="dt" idx="7"/>
+            <p:ph type="dt" idx="9"/>
           </p:nvPr>
         </p:nvSpPr>
         <p:spPr/>
@@ -3424,7 +3430,7 @@
       </p:grpSpPr>
       <p:sp>
         <p:nvSpPr>
-          <p:cNvPr id="123" name="PlaceHolder 1"/>
+          <p:cNvPr id="122" name="PlaceHolder 1"/>
           <p:cNvSpPr>
             <a:spLocks noGrp="1"/>
           </p:cNvSpPr>
@@ -3435,7 +3441,7 @@
         <p:spPr>
           <a:xfrm>
             <a:off x="540000" y="270000"/>
-            <a:ext cx="9000000" cy="990000"/>
+            <a:ext cx="8999640" cy="989640"/>
           </a:xfrm>
           <a:prstGeom prst="rect">
             <a:avLst/>
@@ -3453,7 +3459,7 @@
             <a:pPr algn="ctr">
               <a:buNone/>
             </a:pPr>
-            <a:endParaRPr b="0" lang="en-US" sz="3300" spc="-1" strike="noStrike">
+            <a:endParaRPr b="0" lang="en-US" sz="4400" spc="-1" strike="noStrike">
               <a:solidFill>
                 <a:srgbClr val="ffffff"/>
               </a:solidFill>
@@ -3464,7 +3470,7 @@
       </p:sp>
       <p:sp>
         <p:nvSpPr>
-          <p:cNvPr id="124" name="PlaceHolder 2"/>
+          <p:cNvPr id="123" name="PlaceHolder 2"/>
           <p:cNvSpPr>
             <a:spLocks noGrp="1"/>
           </p:cNvSpPr>
@@ -3474,8 +3480,8 @@
         </p:nvSpPr>
         <p:spPr>
           <a:xfrm>
-            <a:off x="540000" y="1440000"/>
-            <a:ext cx="9000000" cy="3600000"/>
+            <a:off x="504000" y="1326600"/>
+            <a:ext cx="9072000" cy="3288600"/>
           </a:xfrm>
           <a:prstGeom prst="rect">
             <a:avLst/>
@@ -3506,7 +3512,7 @@
             <a:spLocks noGrp="1"/>
           </p:cNvSpPr>
           <p:nvPr>
-            <p:ph type="ftr" idx="8"/>
+            <p:ph type="ftr" idx="7"/>
           </p:nvPr>
         </p:nvSpPr>
         <p:spPr/>
@@ -3526,14 +3532,14 @@
             <a:spLocks noGrp="1"/>
           </p:cNvSpPr>
           <p:nvPr>
-            <p:ph type="sldNum" idx="9"/>
+            <p:ph type="sldNum" idx="8"/>
           </p:nvPr>
         </p:nvSpPr>
         <p:spPr/>
         <p:txBody>
           <a:bodyPr/>
           <a:p>
-            <a:fld id="{89A4D88A-8D92-42A9-9160-A6CCAF79ED78}" type="slidenum">
+            <a:fld id="{6875D600-7D3A-431D-B915-147DC614EE6A}" type="slidenum">
               <a:t>&lt;#&gt;</a:t>
             </a:fld>
           </a:p>
@@ -3546,7 +3552,7 @@
             <a:spLocks noGrp="1"/>
           </p:cNvSpPr>
           <p:nvPr>
-            <p:ph type="dt" idx="7"/>
+            <p:ph type="dt" idx="9"/>
           </p:nvPr>
         </p:nvSpPr>
         <p:spPr/>
@@ -3584,7 +3590,7 @@
       </p:grpSpPr>
       <p:sp>
         <p:nvSpPr>
-          <p:cNvPr id="125" name="PlaceHolder 1"/>
+          <p:cNvPr id="124" name="PlaceHolder 1"/>
           <p:cNvSpPr>
             <a:spLocks noGrp="1"/>
           </p:cNvSpPr>
@@ -3595,7 +3601,7 @@
         <p:spPr>
           <a:xfrm>
             <a:off x="540000" y="270000"/>
-            <a:ext cx="9000000" cy="990000"/>
+            <a:ext cx="8999640" cy="989640"/>
           </a:xfrm>
           <a:prstGeom prst="rect">
             <a:avLst/>
@@ -3613,7 +3619,7 @@
             <a:pPr algn="ctr">
               <a:buNone/>
             </a:pPr>
-            <a:endParaRPr b="0" lang="en-US" sz="3300" spc="-1" strike="noStrike">
+            <a:endParaRPr b="0" lang="en-US" sz="4400" spc="-1" strike="noStrike">
               <a:solidFill>
                 <a:srgbClr val="ffffff"/>
               </a:solidFill>
@@ -3624,7 +3630,7 @@
       </p:sp>
       <p:sp>
         <p:nvSpPr>
-          <p:cNvPr id="126" name="PlaceHolder 2"/>
+          <p:cNvPr id="125" name="PlaceHolder 2"/>
           <p:cNvSpPr>
             <a:spLocks noGrp="1"/>
           </p:cNvSpPr>
@@ -3634,8 +3640,8 @@
         </p:nvSpPr>
         <p:spPr>
           <a:xfrm>
-            <a:off x="540000" y="1440000"/>
-            <a:ext cx="9000000" cy="3600000"/>
+            <a:off x="504000" y="1326600"/>
+            <a:ext cx="9072000" cy="3288600"/>
           </a:xfrm>
           <a:prstGeom prst="rect">
             <a:avLst/>
@@ -3650,7 +3656,7 @@
             <a:normAutofit/>
           </a:bodyPr>
           <a:p>
-            <a:endParaRPr b="0" lang="en-US" sz="2400" spc="-1" strike="noStrike">
+            <a:endParaRPr b="0" lang="en-US" sz="3200" spc="-1" strike="noStrike">
               <a:latin typeface="Arial"/>
             </a:endParaRPr>
           </a:p>
@@ -3663,7 +3669,7 @@
             <a:spLocks noGrp="1"/>
           </p:cNvSpPr>
           <p:nvPr>
-            <p:ph type="ftr" idx="8"/>
+            <p:ph type="ftr" idx="7"/>
           </p:nvPr>
         </p:nvSpPr>
         <p:spPr/>
@@ -3683,14 +3689,14 @@
             <a:spLocks noGrp="1"/>
           </p:cNvSpPr>
           <p:nvPr>
-            <p:ph type="sldNum" idx="9"/>
+            <p:ph type="sldNum" idx="8"/>
           </p:nvPr>
         </p:nvSpPr>
         <p:spPr/>
         <p:txBody>
           <a:bodyPr/>
           <a:p>
-            <a:fld id="{8857230C-FC0B-4018-9A22-74F980200EB0}" type="slidenum">
+            <a:fld id="{CC72F38C-0B02-490D-B1B8-49EA691690C2}" type="slidenum">
               <a:t>&lt;#&gt;</a:t>
             </a:fld>
           </a:p>
@@ -3703,7 +3709,7 @@
             <a:spLocks noGrp="1"/>
           </p:cNvSpPr>
           <p:nvPr>
-            <p:ph type="dt" idx="7"/>
+            <p:ph type="dt" idx="9"/>
           </p:nvPr>
         </p:nvSpPr>
         <p:spPr/>
@@ -3741,7 +3747,7 @@
       </p:grpSpPr>
       <p:sp>
         <p:nvSpPr>
-          <p:cNvPr id="127" name="PlaceHolder 1"/>
+          <p:cNvPr id="126" name="PlaceHolder 1"/>
           <p:cNvSpPr>
             <a:spLocks noGrp="1"/>
           </p:cNvSpPr>
@@ -3752,7 +3758,7 @@
         <p:spPr>
           <a:xfrm>
             <a:off x="540000" y="270000"/>
-            <a:ext cx="9000000" cy="990000"/>
+            <a:ext cx="8999640" cy="989640"/>
           </a:xfrm>
           <a:prstGeom prst="rect">
             <a:avLst/>
@@ -3770,7 +3776,7 @@
             <a:pPr algn="ctr">
               <a:buNone/>
             </a:pPr>
-            <a:endParaRPr b="0" lang="en-US" sz="3300" spc="-1" strike="noStrike">
+            <a:endParaRPr b="0" lang="en-US" sz="4400" spc="-1" strike="noStrike">
               <a:solidFill>
                 <a:srgbClr val="ffffff"/>
               </a:solidFill>
@@ -3781,7 +3787,7 @@
       </p:sp>
       <p:sp>
         <p:nvSpPr>
-          <p:cNvPr id="128" name="PlaceHolder 2"/>
+          <p:cNvPr id="127" name="PlaceHolder 2"/>
           <p:cNvSpPr>
             <a:spLocks noGrp="1"/>
           </p:cNvSpPr>
@@ -3791,8 +3797,8 @@
         </p:nvSpPr>
         <p:spPr>
           <a:xfrm>
-            <a:off x="540000" y="1440000"/>
-            <a:ext cx="4391640" cy="3600000"/>
+            <a:off x="504000" y="1326600"/>
+            <a:ext cx="4426920" cy="3288600"/>
           </a:xfrm>
           <a:prstGeom prst="rect">
             <a:avLst/>
@@ -3807,15 +3813,15 @@
             <a:normAutofit/>
           </a:bodyPr>
           <a:p>
-            <a:endParaRPr b="0" lang="en-US" sz="2400" spc="-1" strike="noStrike">
-              <a:latin typeface="Arial"/>
-            </a:endParaRPr>
-          </a:p>
-        </p:txBody>
-      </p:sp>
-      <p:sp>
-        <p:nvSpPr>
-          <p:cNvPr id="129" name="PlaceHolder 3"/>
+            <a:endParaRPr b="0" lang="en-US" sz="3200" spc="-1" strike="noStrike">
+              <a:latin typeface="Arial"/>
+            </a:endParaRPr>
+          </a:p>
+        </p:txBody>
+      </p:sp>
+      <p:sp>
+        <p:nvSpPr>
+          <p:cNvPr id="128" name="PlaceHolder 3"/>
           <p:cNvSpPr>
             <a:spLocks noGrp="1"/>
           </p:cNvSpPr>
@@ -3825,8 +3831,8 @@
         </p:nvSpPr>
         <p:spPr>
           <a:xfrm>
-            <a:off x="5151600" y="1440000"/>
-            <a:ext cx="4391640" cy="3600000"/>
+            <a:off x="5152680" y="1326600"/>
+            <a:ext cx="4426920" cy="3288600"/>
           </a:xfrm>
           <a:prstGeom prst="rect">
             <a:avLst/>
@@ -3841,7 +3847,7 @@
             <a:normAutofit/>
           </a:bodyPr>
           <a:p>
-            <a:endParaRPr b="0" lang="en-US" sz="2400" spc="-1" strike="noStrike">
+            <a:endParaRPr b="0" lang="en-US" sz="3200" spc="-1" strike="noStrike">
               <a:latin typeface="Arial"/>
             </a:endParaRPr>
           </a:p>
@@ -3854,7 +3860,7 @@
             <a:spLocks noGrp="1"/>
           </p:cNvSpPr>
           <p:nvPr>
-            <p:ph type="ftr" idx="8"/>
+            <p:ph type="ftr" idx="7"/>
           </p:nvPr>
         </p:nvSpPr>
         <p:spPr/>
@@ -3874,14 +3880,14 @@
             <a:spLocks noGrp="1"/>
           </p:cNvSpPr>
           <p:nvPr>
-            <p:ph type="sldNum" idx="9"/>
+            <p:ph type="sldNum" idx="8"/>
           </p:nvPr>
         </p:nvSpPr>
         <p:spPr/>
         <p:txBody>
           <a:bodyPr/>
           <a:p>
-            <a:fld id="{10331CBD-5E78-4BE4-A4F8-351497538B7D}" type="slidenum">
+            <a:fld id="{BE011151-0584-41B5-83A1-6E385DFC894F}" type="slidenum">
               <a:t>&lt;#&gt;</a:t>
             </a:fld>
           </a:p>
@@ -3894,7 +3900,7 @@
             <a:spLocks noGrp="1"/>
           </p:cNvSpPr>
           <p:nvPr>
-            <p:ph type="dt" idx="7"/>
+            <p:ph type="dt" idx="9"/>
           </p:nvPr>
         </p:nvSpPr>
         <p:spPr/>
@@ -3932,7 +3938,7 @@
       </p:grpSpPr>
       <p:sp>
         <p:nvSpPr>
-          <p:cNvPr id="130" name="PlaceHolder 1"/>
+          <p:cNvPr id="129" name="PlaceHolder 1"/>
           <p:cNvSpPr>
             <a:spLocks noGrp="1"/>
           </p:cNvSpPr>
@@ -3943,7 +3949,7 @@
         <p:spPr>
           <a:xfrm>
             <a:off x="540000" y="270000"/>
-            <a:ext cx="9000000" cy="990000"/>
+            <a:ext cx="8999640" cy="989640"/>
           </a:xfrm>
           <a:prstGeom prst="rect">
             <a:avLst/>
@@ -3961,7 +3967,7 @@
             <a:pPr algn="ctr">
               <a:buNone/>
             </a:pPr>
-            <a:endParaRPr b="0" lang="en-US" sz="3300" spc="-1" strike="noStrike">
+            <a:endParaRPr b="0" lang="en-US" sz="4400" spc="-1" strike="noStrike">
               <a:solidFill>
                 <a:srgbClr val="ffffff"/>
               </a:solidFill>
@@ -3977,7 +3983,7 @@
             <a:spLocks noGrp="1"/>
           </p:cNvSpPr>
           <p:nvPr>
-            <p:ph type="ftr" idx="8"/>
+            <p:ph type="ftr" idx="7"/>
           </p:nvPr>
         </p:nvSpPr>
         <p:spPr/>
@@ -3997,14 +4003,14 @@
             <a:spLocks noGrp="1"/>
           </p:cNvSpPr>
           <p:nvPr>
-            <p:ph type="sldNum" idx="9"/>
+            <p:ph type="sldNum" idx="8"/>
           </p:nvPr>
         </p:nvSpPr>
         <p:spPr/>
         <p:txBody>
           <a:bodyPr/>
           <a:p>
-            <a:fld id="{B4D56204-53CD-44A3-ACE4-D83CD45E47CE}" type="slidenum">
+            <a:fld id="{5CFF1565-36D6-4FD6-B70B-22C644AC5F9B}" type="slidenum">
               <a:t>&lt;#&gt;</a:t>
             </a:fld>
           </a:p>
@@ -4017,7 +4023,7 @@
             <a:spLocks noGrp="1"/>
           </p:cNvSpPr>
           <p:nvPr>
-            <p:ph type="dt" idx="7"/>
+            <p:ph type="dt" idx="9"/>
           </p:nvPr>
         </p:nvSpPr>
         <p:spPr/>
@@ -4066,7 +4072,7 @@
         <p:spPr>
           <a:xfrm>
             <a:off x="540000" y="270000"/>
-            <a:ext cx="9000000" cy="990000"/>
+            <a:ext cx="8999640" cy="989640"/>
           </a:xfrm>
           <a:prstGeom prst="rect">
             <a:avLst/>
@@ -4084,7 +4090,7 @@
             <a:pPr algn="ctr">
               <a:buNone/>
             </a:pPr>
-            <a:endParaRPr b="0" lang="en-US" sz="3300" spc="-1" strike="noStrike">
+            <a:endParaRPr b="0" lang="en-US" sz="4400" spc="-1" strike="noStrike">
               <a:solidFill>
                 <a:srgbClr val="ffffff"/>
               </a:solidFill>
@@ -4105,8 +4111,8 @@
         </p:nvSpPr>
         <p:spPr>
           <a:xfrm>
-            <a:off x="540000" y="1440000"/>
-            <a:ext cx="9000000" cy="3600000"/>
+            <a:off x="504000" y="1326600"/>
+            <a:ext cx="9072000" cy="3288600"/>
           </a:xfrm>
           <a:prstGeom prst="rect">
             <a:avLst/>
@@ -4121,7 +4127,7 @@
             <a:normAutofit/>
           </a:bodyPr>
           <a:p>
-            <a:endParaRPr b="0" lang="en-US" sz="2400" spc="-1" strike="noStrike">
+            <a:endParaRPr b="0" lang="en-US" sz="3200" spc="-1" strike="noStrike">
               <a:latin typeface="Arial"/>
             </a:endParaRPr>
           </a:p>
@@ -4134,7 +4140,7 @@
             <a:spLocks noGrp="1"/>
           </p:cNvSpPr>
           <p:nvPr>
-            <p:ph type="ftr" idx="2"/>
+            <p:ph type="ftr" idx="1"/>
           </p:nvPr>
         </p:nvSpPr>
         <p:spPr/>
@@ -4154,14 +4160,14 @@
             <a:spLocks noGrp="1"/>
           </p:cNvSpPr>
           <p:nvPr>
-            <p:ph type="sldNum" idx="3"/>
+            <p:ph type="sldNum" idx="2"/>
           </p:nvPr>
         </p:nvSpPr>
         <p:spPr/>
         <p:txBody>
           <a:bodyPr/>
           <a:p>
-            <a:fld id="{AD5EFE1E-35E7-4E61-A3F1-53431434182A}" type="slidenum">
+            <a:fld id="{F317ADB1-4B02-4662-BCF8-4DC3B03B85D7}" type="slidenum">
               <a:t>&lt;#&gt;</a:t>
             </a:fld>
           </a:p>
@@ -4174,7 +4180,7 @@
             <a:spLocks noGrp="1"/>
           </p:cNvSpPr>
           <p:nvPr>
-            <p:ph type="dt" idx="1"/>
+            <p:ph type="dt" idx="3"/>
           </p:nvPr>
         </p:nvSpPr>
         <p:spPr/>
@@ -4212,7 +4218,7 @@
       </p:grpSpPr>
       <p:sp>
         <p:nvSpPr>
-          <p:cNvPr id="131" name="PlaceHolder 1"/>
+          <p:cNvPr id="130" name="PlaceHolder 1"/>
           <p:cNvSpPr>
             <a:spLocks noGrp="1"/>
           </p:cNvSpPr>
@@ -4223,7 +4229,7 @@
         <p:spPr>
           <a:xfrm>
             <a:off x="540000" y="270000"/>
-            <a:ext cx="9000000" cy="4590360"/>
+            <a:ext cx="8999640" cy="4588560"/>
           </a:xfrm>
           <a:prstGeom prst="rect">
             <a:avLst/>
@@ -4254,7 +4260,7 @@
             <a:spLocks noGrp="1"/>
           </p:cNvSpPr>
           <p:nvPr>
-            <p:ph type="ftr" idx="8"/>
+            <p:ph type="ftr" idx="7"/>
           </p:nvPr>
         </p:nvSpPr>
         <p:spPr/>
@@ -4274,14 +4280,14 @@
             <a:spLocks noGrp="1"/>
           </p:cNvSpPr>
           <p:nvPr>
-            <p:ph type="sldNum" idx="9"/>
+            <p:ph type="sldNum" idx="8"/>
           </p:nvPr>
         </p:nvSpPr>
         <p:spPr/>
         <p:txBody>
           <a:bodyPr/>
           <a:p>
-            <a:fld id="{50ED8388-EEDA-4A29-A9CC-5ED1642CBAEB}" type="slidenum">
+            <a:fld id="{2543EF28-45A2-4F2A-A89F-728921B67EEF}" type="slidenum">
               <a:t>&lt;#&gt;</a:t>
             </a:fld>
           </a:p>
@@ -4294,7 +4300,7 @@
             <a:spLocks noGrp="1"/>
           </p:cNvSpPr>
           <p:nvPr>
-            <p:ph type="dt" idx="7"/>
+            <p:ph type="dt" idx="9"/>
           </p:nvPr>
         </p:nvSpPr>
         <p:spPr/>
@@ -4332,7 +4338,7 @@
       </p:grpSpPr>
       <p:sp>
         <p:nvSpPr>
-          <p:cNvPr id="132" name="PlaceHolder 1"/>
+          <p:cNvPr id="131" name="PlaceHolder 1"/>
           <p:cNvSpPr>
             <a:spLocks noGrp="1"/>
           </p:cNvSpPr>
@@ -4343,7 +4349,7 @@
         <p:spPr>
           <a:xfrm>
             <a:off x="540000" y="270000"/>
-            <a:ext cx="9000000" cy="990000"/>
+            <a:ext cx="8999640" cy="989640"/>
           </a:xfrm>
           <a:prstGeom prst="rect">
             <a:avLst/>
@@ -4361,7 +4367,7 @@
             <a:pPr algn="ctr">
               <a:buNone/>
             </a:pPr>
-            <a:endParaRPr b="0" lang="en-US" sz="3300" spc="-1" strike="noStrike">
+            <a:endParaRPr b="0" lang="en-US" sz="4400" spc="-1" strike="noStrike">
               <a:solidFill>
                 <a:srgbClr val="ffffff"/>
               </a:solidFill>
@@ -4372,7 +4378,7 @@
       </p:sp>
       <p:sp>
         <p:nvSpPr>
-          <p:cNvPr id="133" name="PlaceHolder 2"/>
+          <p:cNvPr id="132" name="PlaceHolder 2"/>
           <p:cNvSpPr>
             <a:spLocks noGrp="1"/>
           </p:cNvSpPr>
@@ -4382,8 +4388,8 @@
         </p:nvSpPr>
         <p:spPr>
           <a:xfrm>
-            <a:off x="540000" y="1440000"/>
-            <a:ext cx="4391640" cy="1716840"/>
+            <a:off x="504000" y="1326600"/>
+            <a:ext cx="4426920" cy="1568520"/>
           </a:xfrm>
           <a:prstGeom prst="rect">
             <a:avLst/>
@@ -4398,15 +4404,15 @@
             <a:normAutofit/>
           </a:bodyPr>
           <a:p>
-            <a:endParaRPr b="0" lang="en-US" sz="2400" spc="-1" strike="noStrike">
-              <a:latin typeface="Arial"/>
-            </a:endParaRPr>
-          </a:p>
-        </p:txBody>
-      </p:sp>
-      <p:sp>
-        <p:nvSpPr>
-          <p:cNvPr id="134" name="PlaceHolder 3"/>
+            <a:endParaRPr b="0" lang="en-US" sz="3200" spc="-1" strike="noStrike">
+              <a:latin typeface="Arial"/>
+            </a:endParaRPr>
+          </a:p>
+        </p:txBody>
+      </p:sp>
+      <p:sp>
+        <p:nvSpPr>
+          <p:cNvPr id="133" name="PlaceHolder 3"/>
           <p:cNvSpPr>
             <a:spLocks noGrp="1"/>
           </p:cNvSpPr>
@@ -4416,8 +4422,8 @@
         </p:nvSpPr>
         <p:spPr>
           <a:xfrm>
-            <a:off x="5151600" y="1440000"/>
-            <a:ext cx="4391640" cy="3600000"/>
+            <a:off x="5152680" y="1326600"/>
+            <a:ext cx="4426920" cy="3288600"/>
           </a:xfrm>
           <a:prstGeom prst="rect">
             <a:avLst/>
@@ -4432,15 +4438,15 @@
             <a:normAutofit/>
           </a:bodyPr>
           <a:p>
-            <a:endParaRPr b="0" lang="en-US" sz="2400" spc="-1" strike="noStrike">
-              <a:latin typeface="Arial"/>
-            </a:endParaRPr>
-          </a:p>
-        </p:txBody>
-      </p:sp>
-      <p:sp>
-        <p:nvSpPr>
-          <p:cNvPr id="135" name="PlaceHolder 4"/>
+            <a:endParaRPr b="0" lang="en-US" sz="3200" spc="-1" strike="noStrike">
+              <a:latin typeface="Arial"/>
+            </a:endParaRPr>
+          </a:p>
+        </p:txBody>
+      </p:sp>
+      <p:sp>
+        <p:nvSpPr>
+          <p:cNvPr id="134" name="PlaceHolder 4"/>
           <p:cNvSpPr>
             <a:spLocks noGrp="1"/>
           </p:cNvSpPr>
@@ -4450,8 +4456,8 @@
         </p:nvSpPr>
         <p:spPr>
           <a:xfrm>
-            <a:off x="540000" y="3320280"/>
-            <a:ext cx="4391640" cy="1716840"/>
+            <a:off x="504000" y="3044520"/>
+            <a:ext cx="4426920" cy="1568520"/>
           </a:xfrm>
           <a:prstGeom prst="rect">
             <a:avLst/>
@@ -4466,7 +4472,7 @@
             <a:normAutofit/>
           </a:bodyPr>
           <a:p>
-            <a:endParaRPr b="0" lang="en-US" sz="2400" spc="-1" strike="noStrike">
+            <a:endParaRPr b="0" lang="en-US" sz="3200" spc="-1" strike="noStrike">
               <a:latin typeface="Arial"/>
             </a:endParaRPr>
           </a:p>
@@ -4479,7 +4485,7 @@
             <a:spLocks noGrp="1"/>
           </p:cNvSpPr>
           <p:nvPr>
-            <p:ph type="ftr" idx="8"/>
+            <p:ph type="ftr" idx="7"/>
           </p:nvPr>
         </p:nvSpPr>
         <p:spPr/>
@@ -4499,14 +4505,14 @@
             <a:spLocks noGrp="1"/>
           </p:cNvSpPr>
           <p:nvPr>
-            <p:ph type="sldNum" idx="9"/>
+            <p:ph type="sldNum" idx="8"/>
           </p:nvPr>
         </p:nvSpPr>
         <p:spPr/>
         <p:txBody>
           <a:bodyPr/>
           <a:p>
-            <a:fld id="{A0C25869-D238-4DF6-8D26-EEA1E01EACA4}" type="slidenum">
+            <a:fld id="{AEC29DA3-4E20-4BF2-AD91-25534EF929F2}" type="slidenum">
               <a:t>&lt;#&gt;</a:t>
             </a:fld>
           </a:p>
@@ -4519,7 +4525,7 @@
             <a:spLocks noGrp="1"/>
           </p:cNvSpPr>
           <p:nvPr>
-            <p:ph type="dt" idx="7"/>
+            <p:ph type="dt" idx="9"/>
           </p:nvPr>
         </p:nvSpPr>
         <p:spPr/>
@@ -4557,7 +4563,7 @@
       </p:grpSpPr>
       <p:sp>
         <p:nvSpPr>
-          <p:cNvPr id="136" name="PlaceHolder 1"/>
+          <p:cNvPr id="135" name="PlaceHolder 1"/>
           <p:cNvSpPr>
             <a:spLocks noGrp="1"/>
           </p:cNvSpPr>
@@ -4568,7 +4574,7 @@
         <p:spPr>
           <a:xfrm>
             <a:off x="540000" y="270000"/>
-            <a:ext cx="9000000" cy="990000"/>
+            <a:ext cx="8999640" cy="989640"/>
           </a:xfrm>
           <a:prstGeom prst="rect">
             <a:avLst/>
@@ -4586,7 +4592,7 @@
             <a:pPr algn="ctr">
               <a:buNone/>
             </a:pPr>
-            <a:endParaRPr b="0" lang="en-US" sz="3300" spc="-1" strike="noStrike">
+            <a:endParaRPr b="0" lang="en-US" sz="4400" spc="-1" strike="noStrike">
               <a:solidFill>
                 <a:srgbClr val="ffffff"/>
               </a:solidFill>
@@ -4597,7 +4603,7 @@
       </p:sp>
       <p:sp>
         <p:nvSpPr>
-          <p:cNvPr id="137" name="PlaceHolder 2"/>
+          <p:cNvPr id="136" name="PlaceHolder 2"/>
           <p:cNvSpPr>
             <a:spLocks noGrp="1"/>
           </p:cNvSpPr>
@@ -4607,8 +4613,8 @@
         </p:nvSpPr>
         <p:spPr>
           <a:xfrm>
-            <a:off x="540000" y="1440000"/>
-            <a:ext cx="4391640" cy="3600000"/>
+            <a:off x="504000" y="1326600"/>
+            <a:ext cx="4426920" cy="3288600"/>
           </a:xfrm>
           <a:prstGeom prst="rect">
             <a:avLst/>
@@ -4623,15 +4629,15 @@
             <a:normAutofit/>
           </a:bodyPr>
           <a:p>
-            <a:endParaRPr b="0" lang="en-US" sz="2400" spc="-1" strike="noStrike">
-              <a:latin typeface="Arial"/>
-            </a:endParaRPr>
-          </a:p>
-        </p:txBody>
-      </p:sp>
-      <p:sp>
-        <p:nvSpPr>
-          <p:cNvPr id="138" name="PlaceHolder 3"/>
+            <a:endParaRPr b="0" lang="en-US" sz="3200" spc="-1" strike="noStrike">
+              <a:latin typeface="Arial"/>
+            </a:endParaRPr>
+          </a:p>
+        </p:txBody>
+      </p:sp>
+      <p:sp>
+        <p:nvSpPr>
+          <p:cNvPr id="137" name="PlaceHolder 3"/>
           <p:cNvSpPr>
             <a:spLocks noGrp="1"/>
           </p:cNvSpPr>
@@ -4641,8 +4647,8 @@
         </p:nvSpPr>
         <p:spPr>
           <a:xfrm>
-            <a:off x="5151600" y="1440000"/>
-            <a:ext cx="4391640" cy="1716840"/>
+            <a:off x="5152680" y="1326600"/>
+            <a:ext cx="4426920" cy="1568520"/>
           </a:xfrm>
           <a:prstGeom prst="rect">
             <a:avLst/>
@@ -4657,15 +4663,15 @@
             <a:normAutofit/>
           </a:bodyPr>
           <a:p>
-            <a:endParaRPr b="0" lang="en-US" sz="2400" spc="-1" strike="noStrike">
-              <a:latin typeface="Arial"/>
-            </a:endParaRPr>
-          </a:p>
-        </p:txBody>
-      </p:sp>
-      <p:sp>
-        <p:nvSpPr>
-          <p:cNvPr id="139" name="PlaceHolder 4"/>
+            <a:endParaRPr b="0" lang="en-US" sz="3200" spc="-1" strike="noStrike">
+              <a:latin typeface="Arial"/>
+            </a:endParaRPr>
+          </a:p>
+        </p:txBody>
+      </p:sp>
+      <p:sp>
+        <p:nvSpPr>
+          <p:cNvPr id="138" name="PlaceHolder 4"/>
           <p:cNvSpPr>
             <a:spLocks noGrp="1"/>
           </p:cNvSpPr>
@@ -4675,8 +4681,8 @@
         </p:nvSpPr>
         <p:spPr>
           <a:xfrm>
-            <a:off x="5151600" y="3320280"/>
-            <a:ext cx="4391640" cy="1716840"/>
+            <a:off x="5152680" y="3044520"/>
+            <a:ext cx="4426920" cy="1568520"/>
           </a:xfrm>
           <a:prstGeom prst="rect">
             <a:avLst/>
@@ -4691,7 +4697,7 @@
             <a:normAutofit/>
           </a:bodyPr>
           <a:p>
-            <a:endParaRPr b="0" lang="en-US" sz="2400" spc="-1" strike="noStrike">
+            <a:endParaRPr b="0" lang="en-US" sz="3200" spc="-1" strike="noStrike">
               <a:latin typeface="Arial"/>
             </a:endParaRPr>
           </a:p>
@@ -4704,7 +4710,7 @@
             <a:spLocks noGrp="1"/>
           </p:cNvSpPr>
           <p:nvPr>
-            <p:ph type="ftr" idx="8"/>
+            <p:ph type="ftr" idx="7"/>
           </p:nvPr>
         </p:nvSpPr>
         <p:spPr/>
@@ -4724,14 +4730,14 @@
             <a:spLocks noGrp="1"/>
           </p:cNvSpPr>
           <p:nvPr>
-            <p:ph type="sldNum" idx="9"/>
+            <p:ph type="sldNum" idx="8"/>
           </p:nvPr>
         </p:nvSpPr>
         <p:spPr/>
         <p:txBody>
           <a:bodyPr/>
           <a:p>
-            <a:fld id="{E3EC4067-AEDE-4C62-9AB6-92313541E872}" type="slidenum">
+            <a:fld id="{954F319E-3F4C-48E4-B7A4-D99FFF3696B8}" type="slidenum">
               <a:t>&lt;#&gt;</a:t>
             </a:fld>
           </a:p>
@@ -4744,7 +4750,7 @@
             <a:spLocks noGrp="1"/>
           </p:cNvSpPr>
           <p:nvPr>
-            <p:ph type="dt" idx="7"/>
+            <p:ph type="dt" idx="9"/>
           </p:nvPr>
         </p:nvSpPr>
         <p:spPr/>
@@ -4782,7 +4788,7 @@
       </p:grpSpPr>
       <p:sp>
         <p:nvSpPr>
-          <p:cNvPr id="140" name="PlaceHolder 1"/>
+          <p:cNvPr id="139" name="PlaceHolder 1"/>
           <p:cNvSpPr>
             <a:spLocks noGrp="1"/>
           </p:cNvSpPr>
@@ -4793,7 +4799,7 @@
         <p:spPr>
           <a:xfrm>
             <a:off x="540000" y="270000"/>
-            <a:ext cx="9000000" cy="990000"/>
+            <a:ext cx="8999640" cy="989640"/>
           </a:xfrm>
           <a:prstGeom prst="rect">
             <a:avLst/>
@@ -4811,7 +4817,7 @@
             <a:pPr algn="ctr">
               <a:buNone/>
             </a:pPr>
-            <a:endParaRPr b="0" lang="en-US" sz="3300" spc="-1" strike="noStrike">
+            <a:endParaRPr b="0" lang="en-US" sz="4400" spc="-1" strike="noStrike">
               <a:solidFill>
                 <a:srgbClr val="ffffff"/>
               </a:solidFill>
@@ -4822,7 +4828,7 @@
       </p:sp>
       <p:sp>
         <p:nvSpPr>
-          <p:cNvPr id="141" name="PlaceHolder 2"/>
+          <p:cNvPr id="140" name="PlaceHolder 2"/>
           <p:cNvSpPr>
             <a:spLocks noGrp="1"/>
           </p:cNvSpPr>
@@ -4832,8 +4838,8 @@
         </p:nvSpPr>
         <p:spPr>
           <a:xfrm>
-            <a:off x="540000" y="1440000"/>
-            <a:ext cx="4391640" cy="1716840"/>
+            <a:off x="504000" y="1326600"/>
+            <a:ext cx="4426920" cy="1568520"/>
           </a:xfrm>
           <a:prstGeom prst="rect">
             <a:avLst/>
@@ -4848,15 +4854,15 @@
             <a:normAutofit/>
           </a:bodyPr>
           <a:p>
-            <a:endParaRPr b="0" lang="en-US" sz="2400" spc="-1" strike="noStrike">
-              <a:latin typeface="Arial"/>
-            </a:endParaRPr>
-          </a:p>
-        </p:txBody>
-      </p:sp>
-      <p:sp>
-        <p:nvSpPr>
-          <p:cNvPr id="142" name="PlaceHolder 3"/>
+            <a:endParaRPr b="0" lang="en-US" sz="3200" spc="-1" strike="noStrike">
+              <a:latin typeface="Arial"/>
+            </a:endParaRPr>
+          </a:p>
+        </p:txBody>
+      </p:sp>
+      <p:sp>
+        <p:nvSpPr>
+          <p:cNvPr id="141" name="PlaceHolder 3"/>
           <p:cNvSpPr>
             <a:spLocks noGrp="1"/>
           </p:cNvSpPr>
@@ -4866,8 +4872,8 @@
         </p:nvSpPr>
         <p:spPr>
           <a:xfrm>
-            <a:off x="5151600" y="1440000"/>
-            <a:ext cx="4391640" cy="1716840"/>
+            <a:off x="5152680" y="1326600"/>
+            <a:ext cx="4426920" cy="1568520"/>
           </a:xfrm>
           <a:prstGeom prst="rect">
             <a:avLst/>
@@ -4882,15 +4888,15 @@
             <a:normAutofit/>
           </a:bodyPr>
           <a:p>
-            <a:endParaRPr b="0" lang="en-US" sz="2400" spc="-1" strike="noStrike">
-              <a:latin typeface="Arial"/>
-            </a:endParaRPr>
-          </a:p>
-        </p:txBody>
-      </p:sp>
-      <p:sp>
-        <p:nvSpPr>
-          <p:cNvPr id="143" name="PlaceHolder 4"/>
+            <a:endParaRPr b="0" lang="en-US" sz="3200" spc="-1" strike="noStrike">
+              <a:latin typeface="Arial"/>
+            </a:endParaRPr>
+          </a:p>
+        </p:txBody>
+      </p:sp>
+      <p:sp>
+        <p:nvSpPr>
+          <p:cNvPr id="142" name="PlaceHolder 4"/>
           <p:cNvSpPr>
             <a:spLocks noGrp="1"/>
           </p:cNvSpPr>
@@ -4900,8 +4906,8 @@
         </p:nvSpPr>
         <p:spPr>
           <a:xfrm>
-            <a:off x="540000" y="3320280"/>
-            <a:ext cx="9000000" cy="1716840"/>
+            <a:off x="504000" y="3044520"/>
+            <a:ext cx="9072000" cy="1568520"/>
           </a:xfrm>
           <a:prstGeom prst="rect">
             <a:avLst/>
@@ -4916,7 +4922,7 @@
             <a:normAutofit/>
           </a:bodyPr>
           <a:p>
-            <a:endParaRPr b="0" lang="en-US" sz="2400" spc="-1" strike="noStrike">
+            <a:endParaRPr b="0" lang="en-US" sz="3200" spc="-1" strike="noStrike">
               <a:latin typeface="Arial"/>
             </a:endParaRPr>
           </a:p>
@@ -4929,7 +4935,7 @@
             <a:spLocks noGrp="1"/>
           </p:cNvSpPr>
           <p:nvPr>
-            <p:ph type="ftr" idx="8"/>
+            <p:ph type="ftr" idx="7"/>
           </p:nvPr>
         </p:nvSpPr>
         <p:spPr/>
@@ -4949,14 +4955,14 @@
             <a:spLocks noGrp="1"/>
           </p:cNvSpPr>
           <p:nvPr>
-            <p:ph type="sldNum" idx="9"/>
+            <p:ph type="sldNum" idx="8"/>
           </p:nvPr>
         </p:nvSpPr>
         <p:spPr/>
         <p:txBody>
           <a:bodyPr/>
           <a:p>
-            <a:fld id="{8036872C-1478-4B19-B3B7-2301F646F25F}" type="slidenum">
+            <a:fld id="{57594A6E-2C52-4C00-9F4E-8CD4AFDAF2DE}" type="slidenum">
               <a:t>&lt;#&gt;</a:t>
             </a:fld>
           </a:p>
@@ -4969,7 +4975,7 @@
             <a:spLocks noGrp="1"/>
           </p:cNvSpPr>
           <p:nvPr>
-            <p:ph type="dt" idx="7"/>
+            <p:ph type="dt" idx="9"/>
           </p:nvPr>
         </p:nvSpPr>
         <p:spPr/>
@@ -5007,7 +5013,7 @@
       </p:grpSpPr>
       <p:sp>
         <p:nvSpPr>
-          <p:cNvPr id="144" name="PlaceHolder 1"/>
+          <p:cNvPr id="143" name="PlaceHolder 1"/>
           <p:cNvSpPr>
             <a:spLocks noGrp="1"/>
           </p:cNvSpPr>
@@ -5018,7 +5024,7 @@
         <p:spPr>
           <a:xfrm>
             <a:off x="540000" y="270000"/>
-            <a:ext cx="9000000" cy="990000"/>
+            <a:ext cx="8999640" cy="989640"/>
           </a:xfrm>
           <a:prstGeom prst="rect">
             <a:avLst/>
@@ -5036,7 +5042,7 @@
             <a:pPr algn="ctr">
               <a:buNone/>
             </a:pPr>
-            <a:endParaRPr b="0" lang="en-US" sz="3300" spc="-1" strike="noStrike">
+            <a:endParaRPr b="0" lang="en-US" sz="4400" spc="-1" strike="noStrike">
               <a:solidFill>
                 <a:srgbClr val="ffffff"/>
               </a:solidFill>
@@ -5047,7 +5053,7 @@
       </p:sp>
       <p:sp>
         <p:nvSpPr>
-          <p:cNvPr id="145" name="PlaceHolder 2"/>
+          <p:cNvPr id="144" name="PlaceHolder 2"/>
           <p:cNvSpPr>
             <a:spLocks noGrp="1"/>
           </p:cNvSpPr>
@@ -5057,8 +5063,8 @@
         </p:nvSpPr>
         <p:spPr>
           <a:xfrm>
-            <a:off x="540000" y="1440000"/>
-            <a:ext cx="9000000" cy="1716840"/>
+            <a:off x="504000" y="1326600"/>
+            <a:ext cx="9072000" cy="1568520"/>
           </a:xfrm>
           <a:prstGeom prst="rect">
             <a:avLst/>
@@ -5073,15 +5079,15 @@
             <a:normAutofit/>
           </a:bodyPr>
           <a:p>
-            <a:endParaRPr b="0" lang="en-US" sz="2400" spc="-1" strike="noStrike">
-              <a:latin typeface="Arial"/>
-            </a:endParaRPr>
-          </a:p>
-        </p:txBody>
-      </p:sp>
-      <p:sp>
-        <p:nvSpPr>
-          <p:cNvPr id="146" name="PlaceHolder 3"/>
+            <a:endParaRPr b="0" lang="en-US" sz="3200" spc="-1" strike="noStrike">
+              <a:latin typeface="Arial"/>
+            </a:endParaRPr>
+          </a:p>
+        </p:txBody>
+      </p:sp>
+      <p:sp>
+        <p:nvSpPr>
+          <p:cNvPr id="145" name="PlaceHolder 3"/>
           <p:cNvSpPr>
             <a:spLocks noGrp="1"/>
           </p:cNvSpPr>
@@ -5091,8 +5097,8 @@
         </p:nvSpPr>
         <p:spPr>
           <a:xfrm>
-            <a:off x="540000" y="3320280"/>
-            <a:ext cx="9000000" cy="1716840"/>
+            <a:off x="504000" y="3044520"/>
+            <a:ext cx="9072000" cy="1568520"/>
           </a:xfrm>
           <a:prstGeom prst="rect">
             <a:avLst/>
@@ -5107,7 +5113,7 @@
             <a:normAutofit/>
           </a:bodyPr>
           <a:p>
-            <a:endParaRPr b="0" lang="en-US" sz="2400" spc="-1" strike="noStrike">
+            <a:endParaRPr b="0" lang="en-US" sz="3200" spc="-1" strike="noStrike">
               <a:latin typeface="Arial"/>
             </a:endParaRPr>
           </a:p>
@@ -5120,7 +5126,7 @@
             <a:spLocks noGrp="1"/>
           </p:cNvSpPr>
           <p:nvPr>
-            <p:ph type="ftr" idx="8"/>
+            <p:ph type="ftr" idx="7"/>
           </p:nvPr>
         </p:nvSpPr>
         <p:spPr/>
@@ -5140,14 +5146,14 @@
             <a:spLocks noGrp="1"/>
           </p:cNvSpPr>
           <p:nvPr>
-            <p:ph type="sldNum" idx="9"/>
+            <p:ph type="sldNum" idx="8"/>
           </p:nvPr>
         </p:nvSpPr>
         <p:spPr/>
         <p:txBody>
           <a:bodyPr/>
           <a:p>
-            <a:fld id="{59137A27-9DBF-4B63-BD09-54E21487D999}" type="slidenum">
+            <a:fld id="{9E5C9049-5526-43E6-B8CC-DFC781F983D4}" type="slidenum">
               <a:t>&lt;#&gt;</a:t>
             </a:fld>
           </a:p>
@@ -5160,7 +5166,7 @@
             <a:spLocks noGrp="1"/>
           </p:cNvSpPr>
           <p:nvPr>
-            <p:ph type="dt" idx="7"/>
+            <p:ph type="dt" idx="9"/>
           </p:nvPr>
         </p:nvSpPr>
         <p:spPr/>
@@ -5198,7 +5204,7 @@
       </p:grpSpPr>
       <p:sp>
         <p:nvSpPr>
-          <p:cNvPr id="147" name="PlaceHolder 1"/>
+          <p:cNvPr id="146" name="PlaceHolder 1"/>
           <p:cNvSpPr>
             <a:spLocks noGrp="1"/>
           </p:cNvSpPr>
@@ -5209,7 +5215,7 @@
         <p:spPr>
           <a:xfrm>
             <a:off x="540000" y="270000"/>
-            <a:ext cx="9000000" cy="990000"/>
+            <a:ext cx="8999640" cy="989640"/>
           </a:xfrm>
           <a:prstGeom prst="rect">
             <a:avLst/>
@@ -5227,7 +5233,7 @@
             <a:pPr algn="ctr">
               <a:buNone/>
             </a:pPr>
-            <a:endParaRPr b="0" lang="en-US" sz="3300" spc="-1" strike="noStrike">
+            <a:endParaRPr b="0" lang="en-US" sz="4400" spc="-1" strike="noStrike">
               <a:solidFill>
                 <a:srgbClr val="ffffff"/>
               </a:solidFill>
@@ -5238,7 +5244,7 @@
       </p:sp>
       <p:sp>
         <p:nvSpPr>
-          <p:cNvPr id="148" name="PlaceHolder 2"/>
+          <p:cNvPr id="147" name="PlaceHolder 2"/>
           <p:cNvSpPr>
             <a:spLocks noGrp="1"/>
           </p:cNvSpPr>
@@ -5248,8 +5254,8 @@
         </p:nvSpPr>
         <p:spPr>
           <a:xfrm>
-            <a:off x="540000" y="1440000"/>
-            <a:ext cx="4391640" cy="1716840"/>
+            <a:off x="504000" y="1326600"/>
+            <a:ext cx="4426920" cy="1568520"/>
           </a:xfrm>
           <a:prstGeom prst="rect">
             <a:avLst/>
@@ -5264,15 +5270,15 @@
             <a:normAutofit/>
           </a:bodyPr>
           <a:p>
-            <a:endParaRPr b="0" lang="en-US" sz="2400" spc="-1" strike="noStrike">
-              <a:latin typeface="Arial"/>
-            </a:endParaRPr>
-          </a:p>
-        </p:txBody>
-      </p:sp>
-      <p:sp>
-        <p:nvSpPr>
-          <p:cNvPr id="149" name="PlaceHolder 3"/>
+            <a:endParaRPr b="0" lang="en-US" sz="3200" spc="-1" strike="noStrike">
+              <a:latin typeface="Arial"/>
+            </a:endParaRPr>
+          </a:p>
+        </p:txBody>
+      </p:sp>
+      <p:sp>
+        <p:nvSpPr>
+          <p:cNvPr id="148" name="PlaceHolder 3"/>
           <p:cNvSpPr>
             <a:spLocks noGrp="1"/>
           </p:cNvSpPr>
@@ -5282,8 +5288,8 @@
         </p:nvSpPr>
         <p:spPr>
           <a:xfrm>
-            <a:off x="5151600" y="1440000"/>
-            <a:ext cx="4391640" cy="1716840"/>
+            <a:off x="5152680" y="1326600"/>
+            <a:ext cx="4426920" cy="1568520"/>
           </a:xfrm>
           <a:prstGeom prst="rect">
             <a:avLst/>
@@ -5298,15 +5304,15 @@
             <a:normAutofit/>
           </a:bodyPr>
           <a:p>
-            <a:endParaRPr b="0" lang="en-US" sz="2400" spc="-1" strike="noStrike">
-              <a:latin typeface="Arial"/>
-            </a:endParaRPr>
-          </a:p>
-        </p:txBody>
-      </p:sp>
-      <p:sp>
-        <p:nvSpPr>
-          <p:cNvPr id="150" name="PlaceHolder 4"/>
+            <a:endParaRPr b="0" lang="en-US" sz="3200" spc="-1" strike="noStrike">
+              <a:latin typeface="Arial"/>
+            </a:endParaRPr>
+          </a:p>
+        </p:txBody>
+      </p:sp>
+      <p:sp>
+        <p:nvSpPr>
+          <p:cNvPr id="149" name="PlaceHolder 4"/>
           <p:cNvSpPr>
             <a:spLocks noGrp="1"/>
           </p:cNvSpPr>
@@ -5316,8 +5322,8 @@
         </p:nvSpPr>
         <p:spPr>
           <a:xfrm>
-            <a:off x="540000" y="3320280"/>
-            <a:ext cx="4391640" cy="1716840"/>
+            <a:off x="504000" y="3044520"/>
+            <a:ext cx="4426920" cy="1568520"/>
           </a:xfrm>
           <a:prstGeom prst="rect">
             <a:avLst/>
@@ -5332,15 +5338,15 @@
             <a:normAutofit/>
           </a:bodyPr>
           <a:p>
-            <a:endParaRPr b="0" lang="en-US" sz="2400" spc="-1" strike="noStrike">
-              <a:latin typeface="Arial"/>
-            </a:endParaRPr>
-          </a:p>
-        </p:txBody>
-      </p:sp>
-      <p:sp>
-        <p:nvSpPr>
-          <p:cNvPr id="151" name="PlaceHolder 5"/>
+            <a:endParaRPr b="0" lang="en-US" sz="3200" spc="-1" strike="noStrike">
+              <a:latin typeface="Arial"/>
+            </a:endParaRPr>
+          </a:p>
+        </p:txBody>
+      </p:sp>
+      <p:sp>
+        <p:nvSpPr>
+          <p:cNvPr id="150" name="PlaceHolder 5"/>
           <p:cNvSpPr>
             <a:spLocks noGrp="1"/>
           </p:cNvSpPr>
@@ -5350,8 +5356,8 @@
         </p:nvSpPr>
         <p:spPr>
           <a:xfrm>
-            <a:off x="5151600" y="3320280"/>
-            <a:ext cx="4391640" cy="1716840"/>
+            <a:off x="5152680" y="3044520"/>
+            <a:ext cx="4426920" cy="1568520"/>
           </a:xfrm>
           <a:prstGeom prst="rect">
             <a:avLst/>
@@ -5366,7 +5372,7 @@
             <a:normAutofit/>
           </a:bodyPr>
           <a:p>
-            <a:endParaRPr b="0" lang="en-US" sz="2400" spc="-1" strike="noStrike">
+            <a:endParaRPr b="0" lang="en-US" sz="3200" spc="-1" strike="noStrike">
               <a:latin typeface="Arial"/>
             </a:endParaRPr>
           </a:p>
@@ -5379,7 +5385,7 @@
             <a:spLocks noGrp="1"/>
           </p:cNvSpPr>
           <p:nvPr>
-            <p:ph type="ftr" idx="8"/>
+            <p:ph type="ftr" idx="7"/>
           </p:nvPr>
         </p:nvSpPr>
         <p:spPr/>
@@ -5399,14 +5405,14 @@
             <a:spLocks noGrp="1"/>
           </p:cNvSpPr>
           <p:nvPr>
-            <p:ph type="sldNum" idx="9"/>
+            <p:ph type="sldNum" idx="8"/>
           </p:nvPr>
         </p:nvSpPr>
         <p:spPr/>
         <p:txBody>
           <a:bodyPr/>
           <a:p>
-            <a:fld id="{3AD26175-39EB-4BC5-AE70-2B53CF8824E5}" type="slidenum">
+            <a:fld id="{693A0D28-8B58-4006-B698-569749C8B152}" type="slidenum">
               <a:t>&lt;#&gt;</a:t>
             </a:fld>
           </a:p>
@@ -5419,7 +5425,7 @@
             <a:spLocks noGrp="1"/>
           </p:cNvSpPr>
           <p:nvPr>
-            <p:ph type="dt" idx="7"/>
+            <p:ph type="dt" idx="9"/>
           </p:nvPr>
         </p:nvSpPr>
         <p:spPr/>
@@ -5457,7 +5463,7 @@
       </p:grpSpPr>
       <p:sp>
         <p:nvSpPr>
-          <p:cNvPr id="152" name="PlaceHolder 1"/>
+          <p:cNvPr id="151" name="PlaceHolder 1"/>
           <p:cNvSpPr>
             <a:spLocks noGrp="1"/>
           </p:cNvSpPr>
@@ -5468,7 +5474,7 @@
         <p:spPr>
           <a:xfrm>
             <a:off x="540000" y="270000"/>
-            <a:ext cx="9000000" cy="990000"/>
+            <a:ext cx="8999640" cy="989640"/>
           </a:xfrm>
           <a:prstGeom prst="rect">
             <a:avLst/>
@@ -5486,7 +5492,7 @@
             <a:pPr algn="ctr">
               <a:buNone/>
             </a:pPr>
-            <a:endParaRPr b="0" lang="en-US" sz="3300" spc="-1" strike="noStrike">
+            <a:endParaRPr b="0" lang="en-US" sz="4400" spc="-1" strike="noStrike">
               <a:solidFill>
                 <a:srgbClr val="ffffff"/>
               </a:solidFill>
@@ -5497,7 +5503,7 @@
       </p:sp>
       <p:sp>
         <p:nvSpPr>
-          <p:cNvPr id="153" name="PlaceHolder 2"/>
+          <p:cNvPr id="152" name="PlaceHolder 2"/>
           <p:cNvSpPr>
             <a:spLocks noGrp="1"/>
           </p:cNvSpPr>
@@ -5507,8 +5513,8 @@
         </p:nvSpPr>
         <p:spPr>
           <a:xfrm>
-            <a:off x="540000" y="1440000"/>
-            <a:ext cx="2897640" cy="1716840"/>
+            <a:off x="504000" y="1326600"/>
+            <a:ext cx="2921040" cy="1568520"/>
           </a:xfrm>
           <a:prstGeom prst="rect">
             <a:avLst/>
@@ -5523,15 +5529,15 @@
             <a:normAutofit/>
           </a:bodyPr>
           <a:p>
-            <a:endParaRPr b="0" lang="en-US" sz="2400" spc="-1" strike="noStrike">
-              <a:latin typeface="Arial"/>
-            </a:endParaRPr>
-          </a:p>
-        </p:txBody>
-      </p:sp>
-      <p:sp>
-        <p:nvSpPr>
-          <p:cNvPr id="154" name="PlaceHolder 3"/>
+            <a:endParaRPr b="0" lang="en-US" sz="3200" spc="-1" strike="noStrike">
+              <a:latin typeface="Arial"/>
+            </a:endParaRPr>
+          </a:p>
+        </p:txBody>
+      </p:sp>
+      <p:sp>
+        <p:nvSpPr>
+          <p:cNvPr id="153" name="PlaceHolder 3"/>
           <p:cNvSpPr>
             <a:spLocks noGrp="1"/>
           </p:cNvSpPr>
@@ -5541,8 +5547,8 @@
         </p:nvSpPr>
         <p:spPr>
           <a:xfrm>
-            <a:off x="3583080" y="1440000"/>
-            <a:ext cx="2897640" cy="1716840"/>
+            <a:off x="3571560" y="1326600"/>
+            <a:ext cx="2921040" cy="1568520"/>
           </a:xfrm>
           <a:prstGeom prst="rect">
             <a:avLst/>
@@ -5557,15 +5563,15 @@
             <a:normAutofit/>
           </a:bodyPr>
           <a:p>
-            <a:endParaRPr b="0" lang="en-US" sz="2400" spc="-1" strike="noStrike">
-              <a:latin typeface="Arial"/>
-            </a:endParaRPr>
-          </a:p>
-        </p:txBody>
-      </p:sp>
-      <p:sp>
-        <p:nvSpPr>
-          <p:cNvPr id="155" name="PlaceHolder 4"/>
+            <a:endParaRPr b="0" lang="en-US" sz="3200" spc="-1" strike="noStrike">
+              <a:latin typeface="Arial"/>
+            </a:endParaRPr>
+          </a:p>
+        </p:txBody>
+      </p:sp>
+      <p:sp>
+        <p:nvSpPr>
+          <p:cNvPr id="154" name="PlaceHolder 4"/>
           <p:cNvSpPr>
             <a:spLocks noGrp="1"/>
           </p:cNvSpPr>
@@ -5575,8 +5581,8 @@
         </p:nvSpPr>
         <p:spPr>
           <a:xfrm>
-            <a:off x="6625800" y="1440000"/>
-            <a:ext cx="2897640" cy="1716840"/>
+            <a:off x="6639120" y="1326600"/>
+            <a:ext cx="2921040" cy="1568520"/>
           </a:xfrm>
           <a:prstGeom prst="rect">
             <a:avLst/>
@@ -5591,15 +5597,15 @@
             <a:normAutofit/>
           </a:bodyPr>
           <a:p>
-            <a:endParaRPr b="0" lang="en-US" sz="2400" spc="-1" strike="noStrike">
-              <a:latin typeface="Arial"/>
-            </a:endParaRPr>
-          </a:p>
-        </p:txBody>
-      </p:sp>
-      <p:sp>
-        <p:nvSpPr>
-          <p:cNvPr id="156" name="PlaceHolder 5"/>
+            <a:endParaRPr b="0" lang="en-US" sz="3200" spc="-1" strike="noStrike">
+              <a:latin typeface="Arial"/>
+            </a:endParaRPr>
+          </a:p>
+        </p:txBody>
+      </p:sp>
+      <p:sp>
+        <p:nvSpPr>
+          <p:cNvPr id="155" name="PlaceHolder 5"/>
           <p:cNvSpPr>
             <a:spLocks noGrp="1"/>
           </p:cNvSpPr>
@@ -5609,8 +5615,8 @@
         </p:nvSpPr>
         <p:spPr>
           <a:xfrm>
-            <a:off x="540000" y="3320280"/>
-            <a:ext cx="2897640" cy="1716840"/>
+            <a:off x="504000" y="3044520"/>
+            <a:ext cx="2921040" cy="1568520"/>
           </a:xfrm>
           <a:prstGeom prst="rect">
             <a:avLst/>
@@ -5625,15 +5631,15 @@
             <a:normAutofit/>
           </a:bodyPr>
           <a:p>
-            <a:endParaRPr b="0" lang="en-US" sz="2400" spc="-1" strike="noStrike">
-              <a:latin typeface="Arial"/>
-            </a:endParaRPr>
-          </a:p>
-        </p:txBody>
-      </p:sp>
-      <p:sp>
-        <p:nvSpPr>
-          <p:cNvPr id="157" name="PlaceHolder 6"/>
+            <a:endParaRPr b="0" lang="en-US" sz="3200" spc="-1" strike="noStrike">
+              <a:latin typeface="Arial"/>
+            </a:endParaRPr>
+          </a:p>
+        </p:txBody>
+      </p:sp>
+      <p:sp>
+        <p:nvSpPr>
+          <p:cNvPr id="156" name="PlaceHolder 6"/>
           <p:cNvSpPr>
             <a:spLocks noGrp="1"/>
           </p:cNvSpPr>
@@ -5643,8 +5649,8 @@
         </p:nvSpPr>
         <p:spPr>
           <a:xfrm>
-            <a:off x="3583080" y="3320280"/>
-            <a:ext cx="2897640" cy="1716840"/>
+            <a:off x="3571560" y="3044520"/>
+            <a:ext cx="2921040" cy="1568520"/>
           </a:xfrm>
           <a:prstGeom prst="rect">
             <a:avLst/>
@@ -5659,15 +5665,15 @@
             <a:normAutofit/>
           </a:bodyPr>
           <a:p>
-            <a:endParaRPr b="0" lang="en-US" sz="2400" spc="-1" strike="noStrike">
-              <a:latin typeface="Arial"/>
-            </a:endParaRPr>
-          </a:p>
-        </p:txBody>
-      </p:sp>
-      <p:sp>
-        <p:nvSpPr>
-          <p:cNvPr id="158" name="PlaceHolder 7"/>
+            <a:endParaRPr b="0" lang="en-US" sz="3200" spc="-1" strike="noStrike">
+              <a:latin typeface="Arial"/>
+            </a:endParaRPr>
+          </a:p>
+        </p:txBody>
+      </p:sp>
+      <p:sp>
+        <p:nvSpPr>
+          <p:cNvPr id="157" name="PlaceHolder 7"/>
           <p:cNvSpPr>
             <a:spLocks noGrp="1"/>
           </p:cNvSpPr>
@@ -5677,8 +5683,8 @@
         </p:nvSpPr>
         <p:spPr>
           <a:xfrm>
-            <a:off x="6625800" y="3320280"/>
-            <a:ext cx="2897640" cy="1716840"/>
+            <a:off x="6639120" y="3044520"/>
+            <a:ext cx="2921040" cy="1568520"/>
           </a:xfrm>
           <a:prstGeom prst="rect">
             <a:avLst/>
@@ -5693,7 +5699,7 @@
             <a:normAutofit/>
           </a:bodyPr>
           <a:p>
-            <a:endParaRPr b="0" lang="en-US" sz="2400" spc="-1" strike="noStrike">
+            <a:endParaRPr b="0" lang="en-US" sz="3200" spc="-1" strike="noStrike">
               <a:latin typeface="Arial"/>
             </a:endParaRPr>
           </a:p>
@@ -5706,7 +5712,7 @@
             <a:spLocks noGrp="1"/>
           </p:cNvSpPr>
           <p:nvPr>
-            <p:ph type="ftr" idx="8"/>
+            <p:ph type="ftr" idx="7"/>
           </p:nvPr>
         </p:nvSpPr>
         <p:spPr/>
@@ -5726,14 +5732,14 @@
             <a:spLocks noGrp="1"/>
           </p:cNvSpPr>
           <p:nvPr>
-            <p:ph type="sldNum" idx="9"/>
+            <p:ph type="sldNum" idx="8"/>
           </p:nvPr>
         </p:nvSpPr>
         <p:spPr/>
         <p:txBody>
           <a:bodyPr/>
           <a:p>
-            <a:fld id="{E614572B-2A73-4656-B8A4-2E951A9C502D}" type="slidenum">
+            <a:fld id="{FF3FCF5F-AF41-47FD-ACFB-9B38F8F711CA}" type="slidenum">
               <a:t>&lt;#&gt;</a:t>
             </a:fld>
           </a:p>
@@ -5746,7 +5752,7 @@
             <a:spLocks noGrp="1"/>
           </p:cNvSpPr>
           <p:nvPr>
-            <p:ph type="dt" idx="7"/>
+            <p:ph type="dt" idx="9"/>
           </p:nvPr>
         </p:nvSpPr>
         <p:spPr/>
@@ -5795,7 +5801,7 @@
         <p:spPr>
           <a:xfrm>
             <a:off x="540000" y="270000"/>
-            <a:ext cx="9000000" cy="990000"/>
+            <a:ext cx="8999640" cy="989640"/>
           </a:xfrm>
           <a:prstGeom prst="rect">
             <a:avLst/>
@@ -5813,7 +5819,7 @@
             <a:pPr algn="ctr">
               <a:buNone/>
             </a:pPr>
-            <a:endParaRPr b="0" lang="en-US" sz="3300" spc="-1" strike="noStrike">
+            <a:endParaRPr b="0" lang="en-US" sz="4400" spc="-1" strike="noStrike">
               <a:solidFill>
                 <a:srgbClr val="ffffff"/>
               </a:solidFill>
@@ -5834,8 +5840,8 @@
         </p:nvSpPr>
         <p:spPr>
           <a:xfrm>
-            <a:off x="540000" y="1440000"/>
-            <a:ext cx="4391640" cy="3600000"/>
+            <a:off x="504000" y="1326600"/>
+            <a:ext cx="4426920" cy="3288600"/>
           </a:xfrm>
           <a:prstGeom prst="rect">
             <a:avLst/>
@@ -5850,7 +5856,7 @@
             <a:normAutofit/>
           </a:bodyPr>
           <a:p>
-            <a:endParaRPr b="0" lang="en-US" sz="2400" spc="-1" strike="noStrike">
+            <a:endParaRPr b="0" lang="en-US" sz="3200" spc="-1" strike="noStrike">
               <a:latin typeface="Arial"/>
             </a:endParaRPr>
           </a:p>
@@ -5868,8 +5874,8 @@
         </p:nvSpPr>
         <p:spPr>
           <a:xfrm>
-            <a:off x="5151600" y="1440000"/>
-            <a:ext cx="4391640" cy="3600000"/>
+            <a:off x="5152680" y="1326600"/>
+            <a:ext cx="4426920" cy="3288600"/>
           </a:xfrm>
           <a:prstGeom prst="rect">
             <a:avLst/>
@@ -5884,7 +5890,7 @@
             <a:normAutofit/>
           </a:bodyPr>
           <a:p>
-            <a:endParaRPr b="0" lang="en-US" sz="2400" spc="-1" strike="noStrike">
+            <a:endParaRPr b="0" lang="en-US" sz="3200" spc="-1" strike="noStrike">
               <a:latin typeface="Arial"/>
             </a:endParaRPr>
           </a:p>
@@ -5897,7 +5903,7 @@
             <a:spLocks noGrp="1"/>
           </p:cNvSpPr>
           <p:nvPr>
-            <p:ph type="ftr" idx="2"/>
+            <p:ph type="ftr" idx="1"/>
           </p:nvPr>
         </p:nvSpPr>
         <p:spPr/>
@@ -5917,14 +5923,14 @@
             <a:spLocks noGrp="1"/>
           </p:cNvSpPr>
           <p:nvPr>
-            <p:ph type="sldNum" idx="3"/>
+            <p:ph type="sldNum" idx="2"/>
           </p:nvPr>
         </p:nvSpPr>
         <p:spPr/>
         <p:txBody>
           <a:bodyPr/>
           <a:p>
-            <a:fld id="{DC1190EE-B7A5-4E7E-8952-A434E949DCFE}" type="slidenum">
+            <a:fld id="{0B5CFFF3-2A21-4309-A336-CC11E368B00F}" type="slidenum">
               <a:t>&lt;#&gt;</a:t>
             </a:fld>
           </a:p>
@@ -5937,7 +5943,7 @@
             <a:spLocks noGrp="1"/>
           </p:cNvSpPr>
           <p:nvPr>
-            <p:ph type="dt" idx="1"/>
+            <p:ph type="dt" idx="3"/>
           </p:nvPr>
         </p:nvSpPr>
         <p:spPr/>
@@ -5986,7 +5992,7 @@
         <p:spPr>
           <a:xfrm>
             <a:off x="540000" y="270000"/>
-            <a:ext cx="9000000" cy="990000"/>
+            <a:ext cx="8999640" cy="989640"/>
           </a:xfrm>
           <a:prstGeom prst="rect">
             <a:avLst/>
@@ -6004,7 +6010,7 @@
             <a:pPr algn="ctr">
               <a:buNone/>
             </a:pPr>
-            <a:endParaRPr b="0" lang="en-US" sz="3300" spc="-1" strike="noStrike">
+            <a:endParaRPr b="0" lang="en-US" sz="4400" spc="-1" strike="noStrike">
               <a:solidFill>
                 <a:srgbClr val="ffffff"/>
               </a:solidFill>
@@ -6020,7 +6026,7 @@
             <a:spLocks noGrp="1"/>
           </p:cNvSpPr>
           <p:nvPr>
-            <p:ph type="ftr" idx="2"/>
+            <p:ph type="ftr" idx="1"/>
           </p:nvPr>
         </p:nvSpPr>
         <p:spPr/>
@@ -6040,14 +6046,14 @@
             <a:spLocks noGrp="1"/>
           </p:cNvSpPr>
           <p:nvPr>
-            <p:ph type="sldNum" idx="3"/>
+            <p:ph type="sldNum" idx="2"/>
           </p:nvPr>
         </p:nvSpPr>
         <p:spPr/>
         <p:txBody>
           <a:bodyPr/>
           <a:p>
-            <a:fld id="{B4ECB236-92EE-432B-946A-7A2F7F20EF02}" type="slidenum">
+            <a:fld id="{DD47E6A9-7433-4354-B270-5FBB044F378E}" type="slidenum">
               <a:t>&lt;#&gt;</a:t>
             </a:fld>
           </a:p>
@@ -6060,7 +6066,7 @@
             <a:spLocks noGrp="1"/>
           </p:cNvSpPr>
           <p:nvPr>
-            <p:ph type="dt" idx="1"/>
+            <p:ph type="dt" idx="3"/>
           </p:nvPr>
         </p:nvSpPr>
         <p:spPr/>
@@ -6109,7 +6115,7 @@
         <p:spPr>
           <a:xfrm>
             <a:off x="540000" y="270000"/>
-            <a:ext cx="9000000" cy="4590360"/>
+            <a:ext cx="8999640" cy="4588560"/>
           </a:xfrm>
           <a:prstGeom prst="rect">
             <a:avLst/>
@@ -6140,7 +6146,7 @@
             <a:spLocks noGrp="1"/>
           </p:cNvSpPr>
           <p:nvPr>
-            <p:ph type="ftr" idx="2"/>
+            <p:ph type="ftr" idx="1"/>
           </p:nvPr>
         </p:nvSpPr>
         <p:spPr/>
@@ -6160,14 +6166,14 @@
             <a:spLocks noGrp="1"/>
           </p:cNvSpPr>
           <p:nvPr>
-            <p:ph type="sldNum" idx="3"/>
+            <p:ph type="sldNum" idx="2"/>
           </p:nvPr>
         </p:nvSpPr>
         <p:spPr/>
         <p:txBody>
           <a:bodyPr/>
           <a:p>
-            <a:fld id="{D0F1E878-52BF-40C4-83EF-D239922A2B82}" type="slidenum">
+            <a:fld id="{E58F5DE1-F25A-4459-B9A3-E915FDB498A0}" type="slidenum">
               <a:t>&lt;#&gt;</a:t>
             </a:fld>
           </a:p>
@@ -6180,7 +6186,7 @@
             <a:spLocks noGrp="1"/>
           </p:cNvSpPr>
           <p:nvPr>
-            <p:ph type="dt" idx="1"/>
+            <p:ph type="dt" idx="3"/>
           </p:nvPr>
         </p:nvSpPr>
         <p:spPr/>
@@ -6229,7 +6235,7 @@
         <p:spPr>
           <a:xfrm>
             <a:off x="540000" y="270000"/>
-            <a:ext cx="9000000" cy="990000"/>
+            <a:ext cx="8999640" cy="989640"/>
           </a:xfrm>
           <a:prstGeom prst="rect">
             <a:avLst/>
@@ -6247,7 +6253,7 @@
             <a:pPr algn="ctr">
               <a:buNone/>
             </a:pPr>
-            <a:endParaRPr b="0" lang="en-US" sz="3300" spc="-1" strike="noStrike">
+            <a:endParaRPr b="0" lang="en-US" sz="4400" spc="-1" strike="noStrike">
               <a:solidFill>
                 <a:srgbClr val="ffffff"/>
               </a:solidFill>
@@ -6268,8 +6274,8 @@
         </p:nvSpPr>
         <p:spPr>
           <a:xfrm>
-            <a:off x="540000" y="1440000"/>
-            <a:ext cx="4391640" cy="1716840"/>
+            <a:off x="504000" y="1326600"/>
+            <a:ext cx="4426920" cy="1568520"/>
           </a:xfrm>
           <a:prstGeom prst="rect">
             <a:avLst/>
@@ -6284,7 +6290,7 @@
             <a:normAutofit/>
           </a:bodyPr>
           <a:p>
-            <a:endParaRPr b="0" lang="en-US" sz="2400" spc="-1" strike="noStrike">
+            <a:endParaRPr b="0" lang="en-US" sz="3200" spc="-1" strike="noStrike">
               <a:latin typeface="Arial"/>
             </a:endParaRPr>
           </a:p>
@@ -6302,8 +6308,8 @@
         </p:nvSpPr>
         <p:spPr>
           <a:xfrm>
-            <a:off x="5151600" y="1440000"/>
-            <a:ext cx="4391640" cy="3600000"/>
+            <a:off x="5152680" y="1326600"/>
+            <a:ext cx="4426920" cy="3288600"/>
           </a:xfrm>
           <a:prstGeom prst="rect">
             <a:avLst/>
@@ -6318,7 +6324,7 @@
             <a:normAutofit/>
           </a:bodyPr>
           <a:p>
-            <a:endParaRPr b="0" lang="en-US" sz="2400" spc="-1" strike="noStrike">
+            <a:endParaRPr b="0" lang="en-US" sz="3200" spc="-1" strike="noStrike">
               <a:latin typeface="Arial"/>
             </a:endParaRPr>
           </a:p>
@@ -6336,8 +6342,8 @@
         </p:nvSpPr>
         <p:spPr>
           <a:xfrm>
-            <a:off x="540000" y="3320280"/>
-            <a:ext cx="4391640" cy="1716840"/>
+            <a:off x="504000" y="3044520"/>
+            <a:ext cx="4426920" cy="1568520"/>
           </a:xfrm>
           <a:prstGeom prst="rect">
             <a:avLst/>
@@ -6352,7 +6358,7 @@
             <a:normAutofit/>
           </a:bodyPr>
           <a:p>
-            <a:endParaRPr b="0" lang="en-US" sz="2400" spc="-1" strike="noStrike">
+            <a:endParaRPr b="0" lang="en-US" sz="3200" spc="-1" strike="noStrike">
               <a:latin typeface="Arial"/>
             </a:endParaRPr>
           </a:p>
@@ -6365,7 +6371,7 @@
             <a:spLocks noGrp="1"/>
           </p:cNvSpPr>
           <p:nvPr>
-            <p:ph type="ftr" idx="2"/>
+            <p:ph type="ftr" idx="1"/>
           </p:nvPr>
         </p:nvSpPr>
         <p:spPr/>
@@ -6385,14 +6391,14 @@
             <a:spLocks noGrp="1"/>
           </p:cNvSpPr>
           <p:nvPr>
-            <p:ph type="sldNum" idx="3"/>
+            <p:ph type="sldNum" idx="2"/>
           </p:nvPr>
         </p:nvSpPr>
         <p:spPr/>
         <p:txBody>
           <a:bodyPr/>
           <a:p>
-            <a:fld id="{AE894163-BF3C-4597-82BE-C86B1E47933E}" type="slidenum">
+            <a:fld id="{3F6047CB-52C2-4775-BF56-0284280B6A5A}" type="slidenum">
               <a:t>&lt;#&gt;</a:t>
             </a:fld>
           </a:p>
@@ -6405,7 +6411,7 @@
             <a:spLocks noGrp="1"/>
           </p:cNvSpPr>
           <p:nvPr>
-            <p:ph type="dt" idx="1"/>
+            <p:ph type="dt" idx="3"/>
           </p:nvPr>
         </p:nvSpPr>
         <p:spPr/>
@@ -6454,7 +6460,7 @@
         <p:spPr>
           <a:xfrm>
             <a:off x="540000" y="270000"/>
-            <a:ext cx="9000000" cy="990000"/>
+            <a:ext cx="8999640" cy="989640"/>
           </a:xfrm>
           <a:prstGeom prst="rect">
             <a:avLst/>
@@ -6472,7 +6478,7 @@
             <a:pPr algn="ctr">
               <a:buNone/>
             </a:pPr>
-            <a:endParaRPr b="0" lang="en-US" sz="3300" spc="-1" strike="noStrike">
+            <a:endParaRPr b="0" lang="en-US" sz="4400" spc="-1" strike="noStrike">
               <a:solidFill>
                 <a:srgbClr val="ffffff"/>
               </a:solidFill>
@@ -6493,8 +6499,8 @@
         </p:nvSpPr>
         <p:spPr>
           <a:xfrm>
-            <a:off x="540000" y="1440000"/>
-            <a:ext cx="4391640" cy="3600000"/>
+            <a:off x="504000" y="1326600"/>
+            <a:ext cx="4426920" cy="3288600"/>
           </a:xfrm>
           <a:prstGeom prst="rect">
             <a:avLst/>
@@ -6509,7 +6515,7 @@
             <a:normAutofit/>
           </a:bodyPr>
           <a:p>
-            <a:endParaRPr b="0" lang="en-US" sz="2400" spc="-1" strike="noStrike">
+            <a:endParaRPr b="0" lang="en-US" sz="3200" spc="-1" strike="noStrike">
               <a:latin typeface="Arial"/>
             </a:endParaRPr>
           </a:p>
@@ -6527,8 +6533,8 @@
         </p:nvSpPr>
         <p:spPr>
           <a:xfrm>
-            <a:off x="5151600" y="1440000"/>
-            <a:ext cx="4391640" cy="1716840"/>
+            <a:off x="5152680" y="1326600"/>
+            <a:ext cx="4426920" cy="1568520"/>
           </a:xfrm>
           <a:prstGeom prst="rect">
             <a:avLst/>
@@ -6543,7 +6549,7 @@
             <a:normAutofit/>
           </a:bodyPr>
           <a:p>
-            <a:endParaRPr b="0" lang="en-US" sz="2400" spc="-1" strike="noStrike">
+            <a:endParaRPr b="0" lang="en-US" sz="3200" spc="-1" strike="noStrike">
               <a:latin typeface="Arial"/>
             </a:endParaRPr>
           </a:p>
@@ -6561,8 +6567,8 @@
         </p:nvSpPr>
         <p:spPr>
           <a:xfrm>
-            <a:off x="5151600" y="3320280"/>
-            <a:ext cx="4391640" cy="1716840"/>
+            <a:off x="5152680" y="3044520"/>
+            <a:ext cx="4426920" cy="1568520"/>
           </a:xfrm>
           <a:prstGeom prst="rect">
             <a:avLst/>
@@ -6577,7 +6583,7 @@
             <a:normAutofit/>
           </a:bodyPr>
           <a:p>
-            <a:endParaRPr b="0" lang="en-US" sz="2400" spc="-1" strike="noStrike">
+            <a:endParaRPr b="0" lang="en-US" sz="3200" spc="-1" strike="noStrike">
               <a:latin typeface="Arial"/>
             </a:endParaRPr>
           </a:p>
@@ -6590,7 +6596,7 @@
             <a:spLocks noGrp="1"/>
           </p:cNvSpPr>
           <p:nvPr>
-            <p:ph type="ftr" idx="2"/>
+            <p:ph type="ftr" idx="1"/>
           </p:nvPr>
         </p:nvSpPr>
         <p:spPr/>
@@ -6610,14 +6616,14 @@
             <a:spLocks noGrp="1"/>
           </p:cNvSpPr>
           <p:nvPr>
-            <p:ph type="sldNum" idx="3"/>
+            <p:ph type="sldNum" idx="2"/>
           </p:nvPr>
         </p:nvSpPr>
         <p:spPr/>
         <p:txBody>
           <a:bodyPr/>
           <a:p>
-            <a:fld id="{1F0F44E6-4CAA-49C1-B4EE-2EF0F3569CE6}" type="slidenum">
+            <a:fld id="{A8A89334-6416-48BC-B7E6-78F06E41E7DF}" type="slidenum">
               <a:t>&lt;#&gt;</a:t>
             </a:fld>
           </a:p>
@@ -6630,7 +6636,7 @@
             <a:spLocks noGrp="1"/>
           </p:cNvSpPr>
           <p:nvPr>
-            <p:ph type="dt" idx="1"/>
+            <p:ph type="dt" idx="3"/>
           </p:nvPr>
         </p:nvSpPr>
         <p:spPr/>
@@ -6679,7 +6685,7 @@
         <p:spPr>
           <a:xfrm>
             <a:off x="540000" y="270000"/>
-            <a:ext cx="9000000" cy="990000"/>
+            <a:ext cx="8999640" cy="989640"/>
           </a:xfrm>
           <a:prstGeom prst="rect">
             <a:avLst/>
@@ -6697,7 +6703,7 @@
             <a:pPr algn="ctr">
               <a:buNone/>
             </a:pPr>
-            <a:endParaRPr b="0" lang="en-US" sz="3300" spc="-1" strike="noStrike">
+            <a:endParaRPr b="0" lang="en-US" sz="4400" spc="-1" strike="noStrike">
               <a:solidFill>
                 <a:srgbClr val="ffffff"/>
               </a:solidFill>
@@ -6718,8 +6724,8 @@
         </p:nvSpPr>
         <p:spPr>
           <a:xfrm>
-            <a:off x="540000" y="1440000"/>
-            <a:ext cx="4391640" cy="1716840"/>
+            <a:off x="504000" y="1326600"/>
+            <a:ext cx="4426920" cy="1568520"/>
           </a:xfrm>
           <a:prstGeom prst="rect">
             <a:avLst/>
@@ -6734,7 +6740,7 @@
             <a:normAutofit/>
           </a:bodyPr>
           <a:p>
-            <a:endParaRPr b="0" lang="en-US" sz="2400" spc="-1" strike="noStrike">
+            <a:endParaRPr b="0" lang="en-US" sz="3200" spc="-1" strike="noStrike">
               <a:latin typeface="Arial"/>
             </a:endParaRPr>
           </a:p>
@@ -6752,8 +6758,8 @@
         </p:nvSpPr>
         <p:spPr>
           <a:xfrm>
-            <a:off x="5151600" y="1440000"/>
-            <a:ext cx="4391640" cy="1716840"/>
+            <a:off x="5152680" y="1326600"/>
+            <a:ext cx="4426920" cy="1568520"/>
           </a:xfrm>
           <a:prstGeom prst="rect">
             <a:avLst/>
@@ -6768,7 +6774,7 @@
             <a:normAutofit/>
           </a:bodyPr>
           <a:p>
-            <a:endParaRPr b="0" lang="en-US" sz="2400" spc="-1" strike="noStrike">
+            <a:endParaRPr b="0" lang="en-US" sz="3200" spc="-1" strike="noStrike">
               <a:latin typeface="Arial"/>
             </a:endParaRPr>
           </a:p>
@@ -6786,8 +6792,8 @@
         </p:nvSpPr>
         <p:spPr>
           <a:xfrm>
-            <a:off x="540000" y="3320280"/>
-            <a:ext cx="9000000" cy="1716840"/>
+            <a:off x="504000" y="3044520"/>
+            <a:ext cx="9072000" cy="1568520"/>
           </a:xfrm>
           <a:prstGeom prst="rect">
             <a:avLst/>
@@ -6802,7 +6808,7 @@
             <a:normAutofit/>
           </a:bodyPr>
           <a:p>
-            <a:endParaRPr b="0" lang="en-US" sz="2400" spc="-1" strike="noStrike">
+            <a:endParaRPr b="0" lang="en-US" sz="3200" spc="-1" strike="noStrike">
               <a:latin typeface="Arial"/>
             </a:endParaRPr>
           </a:p>
@@ -6815,7 +6821,7 @@
             <a:spLocks noGrp="1"/>
           </p:cNvSpPr>
           <p:nvPr>
-            <p:ph type="ftr" idx="2"/>
+            <p:ph type="ftr" idx="1"/>
           </p:nvPr>
         </p:nvSpPr>
         <p:spPr/>
@@ -6835,14 +6841,14 @@
             <a:spLocks noGrp="1"/>
           </p:cNvSpPr>
           <p:nvPr>
-            <p:ph type="sldNum" idx="3"/>
+            <p:ph type="sldNum" idx="2"/>
           </p:nvPr>
         </p:nvSpPr>
         <p:spPr/>
         <p:txBody>
           <a:bodyPr/>
           <a:p>
-            <a:fld id="{D9519F99-5E34-4924-80F4-91CC4EE0504A}" type="slidenum">
+            <a:fld id="{03850599-40FB-4125-8F31-8FBCF96874B4}" type="slidenum">
               <a:t>&lt;#&gt;</a:t>
             </a:fld>
           </a:p>
@@ -6855,7 +6861,7 @@
             <a:spLocks noGrp="1"/>
           </p:cNvSpPr>
           <p:nvPr>
-            <p:ph type="dt" idx="1"/>
+            <p:ph type="dt" idx="3"/>
           </p:nvPr>
         </p:nvSpPr>
         <p:spPr/>
@@ -6900,7 +6906,7 @@
         <p:spPr>
           <a:xfrm>
             <a:off x="0" y="0"/>
-            <a:ext cx="10080000" cy="5670000"/>
+            <a:ext cx="10079640" cy="5669640"/>
           </a:xfrm>
           <a:prstGeom prst="rect">
             <a:avLst/>
@@ -6929,7 +6935,337 @@
       </p:sp>
       <p:sp>
         <p:nvSpPr>
-          <p:cNvPr id="1" name="PlaceHolder 1"/>
+          <p:cNvPr id="1" name=""/>
+          <p:cNvSpPr/>
+          <p:nvPr/>
+        </p:nvSpPr>
+        <p:spPr>
+          <a:xfrm>
+            <a:off x="1440000" y="1080000"/>
+            <a:ext cx="1439640" cy="1259640"/>
+          </a:xfrm>
+          <a:prstGeom prst="ellipse">
+            <a:avLst/>
+          </a:prstGeom>
+          <a:solidFill>
+            <a:srgbClr val="ffffff">
+              <a:alpha val="30000"/>
+            </a:srgbClr>
+          </a:solidFill>
+          <a:ln w="0">
+            <a:noFill/>
+          </a:ln>
+        </p:spPr>
+        <p:style>
+          <a:lnRef idx="0"/>
+          <a:fillRef idx="0"/>
+          <a:effectRef idx="0"/>
+          <a:fontRef idx="minor"/>
+        </p:style>
+      </p:sp>
+      <p:sp>
+        <p:nvSpPr>
+          <p:cNvPr id="2" name=""/>
+          <p:cNvSpPr/>
+          <p:nvPr/>
+        </p:nvSpPr>
+        <p:spPr>
+          <a:xfrm>
+            <a:off x="7380000" y="3960000"/>
+            <a:ext cx="1439640" cy="1259640"/>
+          </a:xfrm>
+          <a:prstGeom prst="ellipse">
+            <a:avLst/>
+          </a:prstGeom>
+          <a:solidFill>
+            <a:srgbClr val="ffffff">
+              <a:alpha val="30000"/>
+            </a:srgbClr>
+          </a:solidFill>
+          <a:ln w="0">
+            <a:noFill/>
+          </a:ln>
+        </p:spPr>
+        <p:style>
+          <a:lnRef idx="0"/>
+          <a:fillRef idx="0"/>
+          <a:effectRef idx="0"/>
+          <a:fontRef idx="minor"/>
+        </p:style>
+      </p:sp>
+      <p:sp>
+        <p:nvSpPr>
+          <p:cNvPr id="3" name=""/>
+          <p:cNvSpPr/>
+          <p:nvPr/>
+        </p:nvSpPr>
+        <p:spPr>
+          <a:xfrm>
+            <a:off x="9000000" y="2700000"/>
+            <a:ext cx="1259640" cy="1079640"/>
+          </a:xfrm>
+          <a:prstGeom prst="ellipse">
+            <a:avLst/>
+          </a:prstGeom>
+          <a:solidFill>
+            <a:srgbClr val="ffffff">
+              <a:alpha val="20000"/>
+            </a:srgbClr>
+          </a:solidFill>
+          <a:ln w="0">
+            <a:noFill/>
+          </a:ln>
+        </p:spPr>
+        <p:style>
+          <a:lnRef idx="0"/>
+          <a:fillRef idx="0"/>
+          <a:effectRef idx="0"/>
+          <a:fontRef idx="minor"/>
+        </p:style>
+      </p:sp>
+      <p:sp>
+        <p:nvSpPr>
+          <p:cNvPr id="4" name=""/>
+          <p:cNvSpPr/>
+          <p:nvPr/>
+        </p:nvSpPr>
+        <p:spPr>
+          <a:xfrm>
+            <a:off x="-180000" y="2430000"/>
+            <a:ext cx="1439640" cy="1349640"/>
+          </a:xfrm>
+          <a:prstGeom prst="ellipse">
+            <a:avLst/>
+          </a:prstGeom>
+          <a:solidFill>
+            <a:srgbClr val="ffffff">
+              <a:alpha val="20000"/>
+            </a:srgbClr>
+          </a:solidFill>
+          <a:ln w="0">
+            <a:noFill/>
+          </a:ln>
+        </p:spPr>
+        <p:style>
+          <a:lnRef idx="0"/>
+          <a:fillRef idx="0"/>
+          <a:effectRef idx="0"/>
+          <a:fontRef idx="minor"/>
+        </p:style>
+      </p:sp>
+      <p:sp>
+        <p:nvSpPr>
+          <p:cNvPr id="5" name=""/>
+          <p:cNvSpPr/>
+          <p:nvPr/>
+        </p:nvSpPr>
+        <p:spPr>
+          <a:xfrm>
+            <a:off x="540000" y="1080000"/>
+            <a:ext cx="719640" cy="719640"/>
+          </a:xfrm>
+          <a:prstGeom prst="ellipse">
+            <a:avLst/>
+          </a:prstGeom>
+          <a:solidFill>
+            <a:srgbClr val="ffffff">
+              <a:alpha val="20000"/>
+            </a:srgbClr>
+          </a:solidFill>
+          <a:ln w="0">
+            <a:noFill/>
+          </a:ln>
+        </p:spPr>
+        <p:style>
+          <a:lnRef idx="0"/>
+          <a:fillRef idx="0"/>
+          <a:effectRef idx="0"/>
+          <a:fontRef idx="minor"/>
+        </p:style>
+      </p:sp>
+      <p:sp>
+        <p:nvSpPr>
+          <p:cNvPr id="6" name=""/>
+          <p:cNvSpPr/>
+          <p:nvPr/>
+        </p:nvSpPr>
+        <p:spPr>
+          <a:xfrm>
+            <a:off x="0" y="1260000"/>
+            <a:ext cx="719640" cy="719640"/>
+          </a:xfrm>
+          <a:prstGeom prst="ellipse">
+            <a:avLst/>
+          </a:prstGeom>
+          <a:solidFill>
+            <a:srgbClr val="ffffff">
+              <a:alpha val="10000"/>
+            </a:srgbClr>
+          </a:solidFill>
+          <a:ln w="0">
+            <a:noFill/>
+          </a:ln>
+        </p:spPr>
+        <p:style>
+          <a:lnRef idx="0"/>
+          <a:fillRef idx="0"/>
+          <a:effectRef idx="0"/>
+          <a:fontRef idx="minor"/>
+        </p:style>
+      </p:sp>
+      <p:sp>
+        <p:nvSpPr>
+          <p:cNvPr id="7" name=""/>
+          <p:cNvSpPr/>
+          <p:nvPr/>
+        </p:nvSpPr>
+        <p:spPr>
+          <a:xfrm>
+            <a:off x="0" y="5220000"/>
+            <a:ext cx="1619640" cy="1259640"/>
+          </a:xfrm>
+          <a:prstGeom prst="ellipse">
+            <a:avLst/>
+          </a:prstGeom>
+          <a:solidFill>
+            <a:srgbClr val="ffffff">
+              <a:alpha val="15000"/>
+            </a:srgbClr>
+          </a:solidFill>
+          <a:ln w="0">
+            <a:noFill/>
+          </a:ln>
+        </p:spPr>
+        <p:style>
+          <a:lnRef idx="0"/>
+          <a:fillRef idx="0"/>
+          <a:effectRef idx="0"/>
+          <a:fontRef idx="minor"/>
+        </p:style>
+      </p:sp>
+      <p:sp>
+        <p:nvSpPr>
+          <p:cNvPr id="8" name=""/>
+          <p:cNvSpPr/>
+          <p:nvPr/>
+        </p:nvSpPr>
+        <p:spPr>
+          <a:xfrm>
+            <a:off x="9720000" y="4680000"/>
+            <a:ext cx="719640" cy="719640"/>
+          </a:xfrm>
+          <a:prstGeom prst="ellipse">
+            <a:avLst/>
+          </a:prstGeom>
+          <a:solidFill>
+            <a:srgbClr val="ffffff">
+              <a:alpha val="30000"/>
+            </a:srgbClr>
+          </a:solidFill>
+          <a:ln w="0">
+            <a:noFill/>
+          </a:ln>
+        </p:spPr>
+        <p:style>
+          <a:lnRef idx="0"/>
+          <a:fillRef idx="0"/>
+          <a:effectRef idx="0"/>
+          <a:fontRef idx="minor"/>
+        </p:style>
+      </p:sp>
+      <p:sp>
+        <p:nvSpPr>
+          <p:cNvPr id="9" name=""/>
+          <p:cNvSpPr/>
+          <p:nvPr/>
+        </p:nvSpPr>
+        <p:spPr>
+          <a:xfrm>
+            <a:off x="9540000" y="3420000"/>
+            <a:ext cx="719640" cy="719640"/>
+          </a:xfrm>
+          <a:prstGeom prst="ellipse">
+            <a:avLst/>
+          </a:prstGeom>
+          <a:solidFill>
+            <a:srgbClr val="ffffff">
+              <a:alpha val="10000"/>
+            </a:srgbClr>
+          </a:solidFill>
+          <a:ln w="0">
+            <a:noFill/>
+          </a:ln>
+        </p:spPr>
+        <p:style>
+          <a:lnRef idx="0"/>
+          <a:fillRef idx="0"/>
+          <a:effectRef idx="0"/>
+          <a:fontRef idx="minor"/>
+        </p:style>
+      </p:sp>
+      <p:sp>
+        <p:nvSpPr>
+          <p:cNvPr id="10" name=""/>
+          <p:cNvSpPr/>
+          <p:nvPr/>
+        </p:nvSpPr>
+        <p:spPr>
+          <a:xfrm>
+            <a:off x="8100000" y="4680000"/>
+            <a:ext cx="1079640" cy="842040"/>
+          </a:xfrm>
+          <a:prstGeom prst="ellipse">
+            <a:avLst/>
+          </a:prstGeom>
+          <a:solidFill>
+            <a:srgbClr val="ffffff">
+              <a:alpha val="20000"/>
+            </a:srgbClr>
+          </a:solidFill>
+          <a:ln w="0">
+            <a:noFill/>
+          </a:ln>
+        </p:spPr>
+        <p:style>
+          <a:lnRef idx="0"/>
+          <a:fillRef idx="0"/>
+          <a:effectRef idx="0"/>
+          <a:fontRef idx="minor"/>
+        </p:style>
+      </p:sp>
+      <p:sp>
+        <p:nvSpPr>
+          <p:cNvPr id="11" name=""/>
+          <p:cNvSpPr/>
+          <p:nvPr/>
+        </p:nvSpPr>
+        <p:spPr>
+          <a:xfrm>
+            <a:off x="7920000" y="5400000"/>
+            <a:ext cx="899640" cy="899640"/>
+          </a:xfrm>
+          <a:prstGeom prst="ellipse">
+            <a:avLst/>
+          </a:prstGeom>
+          <a:solidFill>
+            <a:srgbClr val="ffffff">
+              <a:alpha val="25000"/>
+            </a:srgbClr>
+          </a:solidFill>
+          <a:ln w="0">
+            <a:noFill/>
+          </a:ln>
+        </p:spPr>
+        <p:style>
+          <a:lnRef idx="0"/>
+          <a:fillRef idx="0"/>
+          <a:effectRef idx="0"/>
+          <a:fontRef idx="minor"/>
+        </p:style>
+      </p:sp>
+      <p:sp>
+        <p:nvSpPr>
+          <p:cNvPr id="12" name="PlaceHolder 1"/>
           <p:cNvSpPr>
             <a:spLocks noGrp="1"/>
           </p:cNvSpPr>
@@ -6939,8 +7275,8 @@
         </p:nvSpPr>
         <p:spPr>
           <a:xfrm>
-            <a:off x="540000" y="1440000"/>
-            <a:ext cx="9000000" cy="990000"/>
+            <a:off x="540000" y="270000"/>
+            <a:ext cx="8999640" cy="989640"/>
           </a:xfrm>
           <a:prstGeom prst="rect">
             <a:avLst/>
@@ -6956,7 +7292,7 @@
           </a:bodyPr>
           <a:p>
             <a:r>
-              <a:rPr b="0" lang="en-US" sz="3300" spc="-1" strike="noStrike">
+              <a:rPr b="0" lang="en-US" sz="1800" spc="-1" strike="noStrike">
                 <a:solidFill>
                   <a:srgbClr val="ffffff"/>
                 </a:solidFill>
@@ -6964,119 +7300,6 @@
               </a:rPr>
               <a:t>Click to edit the title text format</a:t>
             </a:r>
-            <a:endParaRPr b="0" lang="en-US" sz="3300" spc="-1" strike="noStrike">
-              <a:solidFill>
-                <a:srgbClr val="ffffff"/>
-              </a:solidFill>
-              <a:latin typeface="Arial"/>
-            </a:endParaRPr>
-          </a:p>
-        </p:txBody>
-      </p:sp>
-      <p:sp>
-        <p:nvSpPr>
-          <p:cNvPr id="2" name="PlaceHolder 2"/>
-          <p:cNvSpPr>
-            <a:spLocks noGrp="1"/>
-          </p:cNvSpPr>
-          <p:nvPr>
-            <p:ph type="body"/>
-          </p:nvPr>
-        </p:nvSpPr>
-        <p:spPr>
-          <a:xfrm>
-            <a:off x="540000" y="2610000"/>
-            <a:ext cx="9000000" cy="2160000"/>
-          </a:xfrm>
-          <a:prstGeom prst="rect">
-            <a:avLst/>
-          </a:prstGeom>
-          <a:noFill/>
-          <a:ln w="0">
-            <a:noFill/>
-          </a:ln>
-        </p:spPr>
-        <p:txBody>
-          <a:bodyPr lIns="0" rIns="0" tIns="0" bIns="0" anchor="t">
-            <a:normAutofit fontScale="99000"/>
-          </a:bodyPr>
-          <a:p>
-            <a:pPr marL="432000" indent="-324000">
-              <a:spcAft>
-                <a:spcPts val="1057"/>
-              </a:spcAft>
-              <a:buClr>
-                <a:srgbClr val="ffffff"/>
-              </a:buClr>
-              <a:buSzPct val="45000"/>
-              <a:buFont typeface="Wingdings" charset="2"/>
-              <a:buChar char=""/>
-            </a:pPr>
-            <a:r>
-              <a:rPr b="0" lang="en-US" sz="2400" spc="-1" strike="noStrike">
-                <a:solidFill>
-                  <a:srgbClr val="ffffff"/>
-                </a:solidFill>
-                <a:latin typeface="Arial"/>
-              </a:rPr>
-              <a:t>Click to edit the outline text format</a:t>
-            </a:r>
-            <a:endParaRPr b="0" lang="en-US" sz="2400" spc="-1" strike="noStrike">
-              <a:solidFill>
-                <a:srgbClr val="ffffff"/>
-              </a:solidFill>
-              <a:latin typeface="Arial"/>
-            </a:endParaRPr>
-          </a:p>
-          <a:p>
-            <a:pPr lvl="1" marL="864000" indent="-324000">
-              <a:spcAft>
-                <a:spcPts val="845"/>
-              </a:spcAft>
-              <a:buClr>
-                <a:srgbClr val="ffffff"/>
-              </a:buClr>
-              <a:buSzPct val="75000"/>
-              <a:buFont typeface="Symbol" charset="2"/>
-              <a:buChar char=""/>
-            </a:pPr>
-            <a:r>
-              <a:rPr b="0" lang="en-US" sz="2100" spc="-1" strike="noStrike">
-                <a:solidFill>
-                  <a:srgbClr val="ffffff"/>
-                </a:solidFill>
-                <a:latin typeface="Arial"/>
-              </a:rPr>
-              <a:t>Second Outline Level</a:t>
-            </a:r>
-            <a:endParaRPr b="0" lang="en-US" sz="2100" spc="-1" strike="noStrike">
-              <a:solidFill>
-                <a:srgbClr val="ffffff"/>
-              </a:solidFill>
-              <a:latin typeface="Arial"/>
-            </a:endParaRPr>
-          </a:p>
-          <a:p>
-            <a:pPr lvl="2" marL="1296000" indent="-288000">
-              <a:spcAft>
-                <a:spcPts val="632"/>
-              </a:spcAft>
-              <a:buClr>
-                <a:srgbClr val="ffffff"/>
-              </a:buClr>
-              <a:buSzPct val="45000"/>
-              <a:buFont typeface="Wingdings" charset="2"/>
-              <a:buChar char=""/>
-            </a:pPr>
-            <a:r>
-              <a:rPr b="0" lang="en-US" sz="1800" spc="-1" strike="noStrike">
-                <a:solidFill>
-                  <a:srgbClr val="ffffff"/>
-                </a:solidFill>
-                <a:latin typeface="Arial"/>
-              </a:rPr>
-              <a:t>Third Outline Level</a:t>
-            </a:r>
             <a:endParaRPr b="0" lang="en-US" sz="1800" spc="-1" strike="noStrike">
               <a:solidFill>
                 <a:srgbClr val="ffffff"/>
@@ -7084,134 +7307,22 @@
               <a:latin typeface="Arial"/>
             </a:endParaRPr>
           </a:p>
-          <a:p>
-            <a:pPr lvl="3" marL="1728000" indent="-216000">
-              <a:spcAft>
-                <a:spcPts val="425"/>
-              </a:spcAft>
-              <a:buClr>
-                <a:srgbClr val="ffffff"/>
-              </a:buClr>
-              <a:buSzPct val="75000"/>
-              <a:buFont typeface="Symbol" charset="2"/>
-              <a:buChar char=""/>
-            </a:pPr>
-            <a:r>
-              <a:rPr b="0" lang="en-US" sz="1500" spc="-1" strike="noStrike">
-                <a:solidFill>
-                  <a:srgbClr val="ffffff"/>
-                </a:solidFill>
-                <a:latin typeface="Arial"/>
-              </a:rPr>
-              <a:t>Fourth Outline Level</a:t>
-            </a:r>
-            <a:endParaRPr b="0" lang="en-US" sz="1500" spc="-1" strike="noStrike">
-              <a:solidFill>
-                <a:srgbClr val="ffffff"/>
-              </a:solidFill>
-              <a:latin typeface="Arial"/>
-            </a:endParaRPr>
-          </a:p>
-          <a:p>
-            <a:pPr lvl="4" marL="2160000" indent="-216000">
-              <a:spcAft>
-                <a:spcPts val="213"/>
-              </a:spcAft>
-              <a:buClr>
-                <a:srgbClr val="ffffff"/>
-              </a:buClr>
-              <a:buSzPct val="45000"/>
-              <a:buFont typeface="Wingdings" charset="2"/>
-              <a:buChar char=""/>
-            </a:pPr>
-            <a:r>
-              <a:rPr b="0" lang="en-US" sz="1500" spc="-1" strike="noStrike">
-                <a:solidFill>
-                  <a:srgbClr val="ffffff"/>
-                </a:solidFill>
-                <a:latin typeface="Arial"/>
-              </a:rPr>
-              <a:t>Fifth Outline Level</a:t>
-            </a:r>
-            <a:endParaRPr b="0" lang="en-US" sz="1500" spc="-1" strike="noStrike">
-              <a:solidFill>
-                <a:srgbClr val="ffffff"/>
-              </a:solidFill>
-              <a:latin typeface="Arial"/>
-            </a:endParaRPr>
-          </a:p>
-          <a:p>
-            <a:pPr lvl="5" marL="2592000" indent="-216000">
-              <a:spcAft>
-                <a:spcPts val="213"/>
-              </a:spcAft>
-              <a:buClr>
-                <a:srgbClr val="ffffff"/>
-              </a:buClr>
-              <a:buSzPct val="45000"/>
-              <a:buFont typeface="Wingdings" charset="2"/>
-              <a:buChar char=""/>
-            </a:pPr>
-            <a:r>
-              <a:rPr b="0" lang="en-US" sz="1500" spc="-1" strike="noStrike">
-                <a:solidFill>
-                  <a:srgbClr val="ffffff"/>
-                </a:solidFill>
-                <a:latin typeface="Arial"/>
-              </a:rPr>
-              <a:t>Sixth Outline Level</a:t>
-            </a:r>
-            <a:endParaRPr b="0" lang="en-US" sz="1500" spc="-1" strike="noStrike">
-              <a:solidFill>
-                <a:srgbClr val="ffffff"/>
-              </a:solidFill>
-              <a:latin typeface="Arial"/>
-            </a:endParaRPr>
-          </a:p>
-          <a:p>
-            <a:pPr lvl="6" marL="3024000" indent="-216000">
-              <a:spcAft>
-                <a:spcPts val="213"/>
-              </a:spcAft>
-              <a:buClr>
-                <a:srgbClr val="ffffff"/>
-              </a:buClr>
-              <a:buSzPct val="45000"/>
-              <a:buFont typeface="Wingdings" charset="2"/>
-              <a:buChar char=""/>
-            </a:pPr>
-            <a:r>
-              <a:rPr b="0" lang="en-US" sz="1500" spc="-1" strike="noStrike">
-                <a:solidFill>
-                  <a:srgbClr val="ffffff"/>
-                </a:solidFill>
-                <a:latin typeface="Arial"/>
-              </a:rPr>
-              <a:t>Seventh Outline Level</a:t>
-            </a:r>
-            <a:endParaRPr b="0" lang="en-US" sz="1500" spc="-1" strike="noStrike">
-              <a:solidFill>
-                <a:srgbClr val="ffffff"/>
-              </a:solidFill>
-              <a:latin typeface="Arial"/>
-            </a:endParaRPr>
-          </a:p>
-        </p:txBody>
-      </p:sp>
-      <p:sp>
-        <p:nvSpPr>
-          <p:cNvPr id="3" name="PlaceHolder 3"/>
-          <p:cNvSpPr>
-            <a:spLocks noGrp="1"/>
-          </p:cNvSpPr>
-          <p:nvPr>
-            <p:ph type="dt" idx="1"/>
-          </p:nvPr>
-        </p:nvSpPr>
-        <p:spPr>
-          <a:xfrm>
-            <a:off x="180000" y="5130000"/>
-            <a:ext cx="2340000" cy="392400"/>
+        </p:txBody>
+      </p:sp>
+      <p:sp>
+        <p:nvSpPr>
+          <p:cNvPr id="13" name="PlaceHolder 2"/>
+          <p:cNvSpPr>
+            <a:spLocks noGrp="1"/>
+          </p:cNvSpPr>
+          <p:nvPr>
+            <p:ph type="ftr" idx="1"/>
+          </p:nvPr>
+        </p:nvSpPr>
+        <p:spPr>
+          <a:xfrm>
+            <a:off x="3420000" y="5130000"/>
+            <a:ext cx="3239640" cy="392040"/>
           </a:xfrm>
           <a:prstGeom prst="rect">
             <a:avLst/>
@@ -7226,63 +7337,10 @@
             <a:noAutofit/>
           </a:bodyPr>
           <a:lstStyle>
-            <a:lvl1pPr>
-              <a:defRPr b="0" lang="en-US" sz="1400" spc="-1" strike="noStrike">
-                <a:solidFill>
-                  <a:srgbClr val="ffffff"/>
-                </a:solidFill>
-                <a:latin typeface="Arial"/>
-              </a:defRPr>
-            </a:lvl1pPr>
-          </a:lstStyle>
-          <a:p>
-            <a:r>
-              <a:rPr b="0" lang="en-US" sz="1400" spc="-1" strike="noStrike">
-                <a:solidFill>
-                  <a:srgbClr val="ffffff"/>
-                </a:solidFill>
-                <a:latin typeface="Arial"/>
-              </a:rPr>
-              <a:t>&lt;date/time&gt;</a:t>
-            </a:r>
-            <a:endParaRPr b="0" lang="en-US" sz="1400" spc="-1" strike="noStrike">
-              <a:solidFill>
-                <a:srgbClr val="ffffff"/>
-              </a:solidFill>
-              <a:latin typeface="Arial"/>
-            </a:endParaRPr>
-          </a:p>
-        </p:txBody>
-      </p:sp>
-      <p:sp>
-        <p:nvSpPr>
-          <p:cNvPr id="4" name="PlaceHolder 4"/>
-          <p:cNvSpPr>
-            <a:spLocks noGrp="1"/>
-          </p:cNvSpPr>
-          <p:nvPr>
-            <p:ph type="ftr" idx="2"/>
-          </p:nvPr>
-        </p:nvSpPr>
-        <p:spPr>
-          <a:xfrm>
-            <a:off x="3420000" y="5130000"/>
-            <a:ext cx="3240000" cy="392400"/>
-          </a:xfrm>
-          <a:prstGeom prst="rect">
-            <a:avLst/>
-          </a:prstGeom>
-          <a:noFill/>
-          <a:ln w="0">
-            <a:noFill/>
-          </a:ln>
-        </p:spPr>
-        <p:txBody>
-          <a:bodyPr lIns="0" rIns="0" tIns="0" bIns="0" anchor="b">
-            <a:noAutofit/>
-          </a:bodyPr>
-          <a:lstStyle>
             <a:lvl1pPr algn="ctr">
+              <a:lnSpc>
+                <a:spcPct val="100000"/>
+              </a:lnSpc>
               <a:buNone/>
               <a:defRPr b="0" lang="en-US" sz="1400" spc="-1" strike="noStrike">
                 <a:solidFill>
@@ -7294,6 +7352,9 @@
           </a:lstStyle>
           <a:p>
             <a:pPr algn="ctr">
+              <a:lnSpc>
+                <a:spcPct val="100000"/>
+              </a:lnSpc>
               <a:buNone/>
             </a:pPr>
             <a:r>
@@ -7303,31 +7364,28 @@
                 </a:solidFill>
                 <a:latin typeface="Arial"/>
               </a:rPr>
-              <a:t>&lt;footer&gt;</a:t>
+              <a:t> </a:t>
             </a:r>
             <a:endParaRPr b="0" lang="en-US" sz="1400" spc="-1" strike="noStrike">
-              <a:solidFill>
-                <a:srgbClr val="ffffff"/>
-              </a:solidFill>
-              <a:latin typeface="Arial"/>
-            </a:endParaRPr>
-          </a:p>
-        </p:txBody>
-      </p:sp>
-      <p:sp>
-        <p:nvSpPr>
-          <p:cNvPr id="5" name="PlaceHolder 5"/>
-          <p:cNvSpPr>
-            <a:spLocks noGrp="1"/>
-          </p:cNvSpPr>
-          <p:nvPr>
-            <p:ph type="sldNum" idx="3"/>
+              <a:latin typeface="Times New Roman"/>
+            </a:endParaRPr>
+          </a:p>
+        </p:txBody>
+      </p:sp>
+      <p:sp>
+        <p:nvSpPr>
+          <p:cNvPr id="14" name="PlaceHolder 3"/>
+          <p:cNvSpPr>
+            <a:spLocks noGrp="1"/>
+          </p:cNvSpPr>
+          <p:nvPr>
+            <p:ph type="sldNum" idx="2"/>
           </p:nvPr>
         </p:nvSpPr>
         <p:spPr>
           <a:xfrm>
             <a:off x="7560000" y="5130000"/>
-            <a:ext cx="2340000" cy="392400"/>
+            <a:ext cx="2339640" cy="392040"/>
           </a:xfrm>
           <a:prstGeom prst="rect">
             <a:avLst/>
@@ -7343,6 +7401,9 @@
           </a:bodyPr>
           <a:lstStyle>
             <a:lvl1pPr algn="r">
+              <a:lnSpc>
+                <a:spcPct val="100000"/>
+              </a:lnSpc>
               <a:buNone/>
               <a:defRPr b="0" lang="en-US" sz="1400" spc="-1" strike="noStrike">
                 <a:solidFill>
@@ -7354,355 +7415,255 @@
           </a:lstStyle>
           <a:p>
             <a:pPr algn="r">
+              <a:lnSpc>
+                <a:spcPct val="100000"/>
+              </a:lnSpc>
               <a:buNone/>
             </a:pPr>
-            <a:fld id="{2F71712F-CACE-4596-9CE9-A33F2BA4DBC2}" type="slidenum">
+            <a:fld id="{FC078A81-B9DE-4901-96BF-FFEE74C8E2FB}" type="slidenum">
               <a:rPr b="0" lang="en-US" sz="1400" spc="-1" strike="noStrike">
                 <a:solidFill>
                   <a:srgbClr val="ffffff"/>
                 </a:solidFill>
                 <a:latin typeface="Arial"/>
               </a:rPr>
-              <a:t>&lt;number&gt;</a:t>
+              <a:t>6</a:t>
             </a:fld>
             <a:endParaRPr b="0" lang="en-US" sz="1400" spc="-1" strike="noStrike">
-              <a:solidFill>
-                <a:srgbClr val="ffffff"/>
-              </a:solidFill>
-              <a:latin typeface="Arial"/>
-            </a:endParaRPr>
-          </a:p>
-        </p:txBody>
-      </p:sp>
-      <p:sp>
-        <p:nvSpPr>
-          <p:cNvPr id="6" name=""/>
-          <p:cNvSpPr/>
-          <p:nvPr/>
-        </p:nvSpPr>
-        <p:spPr>
-          <a:xfrm>
-            <a:off x="1440000" y="1080000"/>
-            <a:ext cx="1440000" cy="1260000"/>
-          </a:xfrm>
-          <a:prstGeom prst="ellipse">
-            <a:avLst/>
-          </a:prstGeom>
-          <a:solidFill>
-            <a:srgbClr val="ffffff">
-              <a:alpha val="30000"/>
-            </a:srgbClr>
-          </a:solidFill>
-          <a:ln w="0">
-            <a:noFill/>
-          </a:ln>
-        </p:spPr>
-        <p:style>
-          <a:lnRef idx="0"/>
-          <a:fillRef idx="0"/>
-          <a:effectRef idx="0"/>
-          <a:fontRef idx="minor"/>
-        </p:style>
-      </p:sp>
-      <p:sp>
-        <p:nvSpPr>
-          <p:cNvPr id="7" name=""/>
-          <p:cNvSpPr/>
-          <p:nvPr/>
-        </p:nvSpPr>
-        <p:spPr>
-          <a:xfrm>
-            <a:off x="7380000" y="3960000"/>
-            <a:ext cx="1440000" cy="1260000"/>
-          </a:xfrm>
-          <a:prstGeom prst="ellipse">
-            <a:avLst/>
-          </a:prstGeom>
-          <a:solidFill>
-            <a:srgbClr val="ffffff">
-              <a:alpha val="30000"/>
-            </a:srgbClr>
-          </a:solidFill>
-          <a:ln w="0">
-            <a:noFill/>
-          </a:ln>
-        </p:spPr>
-        <p:style>
-          <a:lnRef idx="0"/>
-          <a:fillRef idx="0"/>
-          <a:effectRef idx="0"/>
-          <a:fontRef idx="minor"/>
-        </p:style>
-      </p:sp>
-      <p:sp>
-        <p:nvSpPr>
-          <p:cNvPr id="8" name=""/>
-          <p:cNvSpPr/>
-          <p:nvPr/>
-        </p:nvSpPr>
-        <p:spPr>
-          <a:xfrm>
-            <a:off x="9000000" y="2700000"/>
-            <a:ext cx="1260000" cy="1080000"/>
-          </a:xfrm>
-          <a:prstGeom prst="ellipse">
-            <a:avLst/>
-          </a:prstGeom>
-          <a:solidFill>
-            <a:srgbClr val="ffffff">
-              <a:alpha val="20000"/>
-            </a:srgbClr>
-          </a:solidFill>
-          <a:ln w="0">
-            <a:noFill/>
-          </a:ln>
-        </p:spPr>
-        <p:style>
-          <a:lnRef idx="0"/>
-          <a:fillRef idx="0"/>
-          <a:effectRef idx="0"/>
-          <a:fontRef idx="minor"/>
-        </p:style>
-      </p:sp>
-      <p:sp>
-        <p:nvSpPr>
-          <p:cNvPr id="9" name=""/>
-          <p:cNvSpPr/>
-          <p:nvPr/>
-        </p:nvSpPr>
-        <p:spPr>
-          <a:xfrm>
-            <a:off x="-180000" y="2430000"/>
-            <a:ext cx="1440000" cy="1350000"/>
-          </a:xfrm>
-          <a:prstGeom prst="ellipse">
-            <a:avLst/>
-          </a:prstGeom>
-          <a:solidFill>
-            <a:srgbClr val="ffffff">
-              <a:alpha val="20000"/>
-            </a:srgbClr>
-          </a:solidFill>
-          <a:ln w="0">
-            <a:noFill/>
-          </a:ln>
-        </p:spPr>
-        <p:style>
-          <a:lnRef idx="0"/>
-          <a:fillRef idx="0"/>
-          <a:effectRef idx="0"/>
-          <a:fontRef idx="minor"/>
-        </p:style>
-      </p:sp>
-      <p:sp>
-        <p:nvSpPr>
-          <p:cNvPr id="10" name=""/>
-          <p:cNvSpPr/>
-          <p:nvPr/>
-        </p:nvSpPr>
-        <p:spPr>
-          <a:xfrm>
-            <a:off x="540000" y="1080000"/>
-            <a:ext cx="720000" cy="720000"/>
-          </a:xfrm>
-          <a:prstGeom prst="ellipse">
-            <a:avLst/>
-          </a:prstGeom>
-          <a:solidFill>
-            <a:srgbClr val="ffffff">
-              <a:alpha val="20000"/>
-            </a:srgbClr>
-          </a:solidFill>
-          <a:ln w="0">
-            <a:noFill/>
-          </a:ln>
-        </p:spPr>
-        <p:style>
-          <a:lnRef idx="0"/>
-          <a:fillRef idx="0"/>
-          <a:effectRef idx="0"/>
-          <a:fontRef idx="minor"/>
-        </p:style>
-      </p:sp>
-      <p:sp>
-        <p:nvSpPr>
-          <p:cNvPr id="11" name=""/>
-          <p:cNvSpPr/>
-          <p:nvPr/>
-        </p:nvSpPr>
-        <p:spPr>
-          <a:xfrm>
-            <a:off x="0" y="1260000"/>
-            <a:ext cx="720000" cy="720000"/>
-          </a:xfrm>
-          <a:prstGeom prst="ellipse">
-            <a:avLst/>
-          </a:prstGeom>
-          <a:solidFill>
-            <a:srgbClr val="ffffff">
-              <a:alpha val="10000"/>
-            </a:srgbClr>
-          </a:solidFill>
-          <a:ln w="0">
-            <a:noFill/>
-          </a:ln>
-        </p:spPr>
-        <p:style>
-          <a:lnRef idx="0"/>
-          <a:fillRef idx="0"/>
-          <a:effectRef idx="0"/>
-          <a:fontRef idx="minor"/>
-        </p:style>
-      </p:sp>
-      <p:sp>
-        <p:nvSpPr>
-          <p:cNvPr id="12" name=""/>
-          <p:cNvSpPr/>
-          <p:nvPr/>
-        </p:nvSpPr>
-        <p:spPr>
-          <a:xfrm>
-            <a:off x="0" y="5220000"/>
-            <a:ext cx="1620000" cy="1260000"/>
-          </a:xfrm>
-          <a:prstGeom prst="ellipse">
-            <a:avLst/>
-          </a:prstGeom>
-          <a:solidFill>
-            <a:srgbClr val="ffffff">
-              <a:alpha val="15000"/>
-            </a:srgbClr>
-          </a:solidFill>
-          <a:ln w="0">
-            <a:noFill/>
-          </a:ln>
-        </p:spPr>
-        <p:style>
-          <a:lnRef idx="0"/>
-          <a:fillRef idx="0"/>
-          <a:effectRef idx="0"/>
-          <a:fontRef idx="minor"/>
-        </p:style>
-      </p:sp>
-      <p:sp>
-        <p:nvSpPr>
-          <p:cNvPr id="13" name=""/>
-          <p:cNvSpPr/>
-          <p:nvPr/>
-        </p:nvSpPr>
-        <p:spPr>
-          <a:xfrm>
-            <a:off x="9720000" y="4680000"/>
-            <a:ext cx="720000" cy="720000"/>
-          </a:xfrm>
-          <a:prstGeom prst="ellipse">
-            <a:avLst/>
-          </a:prstGeom>
-          <a:solidFill>
-            <a:srgbClr val="ffffff">
-              <a:alpha val="30000"/>
-            </a:srgbClr>
-          </a:solidFill>
-          <a:ln w="0">
-            <a:noFill/>
-          </a:ln>
-        </p:spPr>
-        <p:style>
-          <a:lnRef idx="0"/>
-          <a:fillRef idx="0"/>
-          <a:effectRef idx="0"/>
-          <a:fontRef idx="minor"/>
-        </p:style>
-      </p:sp>
-      <p:sp>
-        <p:nvSpPr>
-          <p:cNvPr id="14" name=""/>
-          <p:cNvSpPr/>
-          <p:nvPr/>
-        </p:nvSpPr>
-        <p:spPr>
-          <a:xfrm>
-            <a:off x="9540000" y="3420000"/>
-            <a:ext cx="720000" cy="720000"/>
-          </a:xfrm>
-          <a:prstGeom prst="ellipse">
-            <a:avLst/>
-          </a:prstGeom>
-          <a:solidFill>
-            <a:srgbClr val="ffffff">
-              <a:alpha val="10000"/>
-            </a:srgbClr>
-          </a:solidFill>
-          <a:ln w="0">
-            <a:noFill/>
-          </a:ln>
-        </p:spPr>
-        <p:style>
-          <a:lnRef idx="0"/>
-          <a:fillRef idx="0"/>
-          <a:effectRef idx="0"/>
-          <a:fontRef idx="minor"/>
-        </p:style>
-      </p:sp>
-      <p:sp>
-        <p:nvSpPr>
-          <p:cNvPr id="15" name=""/>
-          <p:cNvSpPr/>
-          <p:nvPr/>
-        </p:nvSpPr>
-        <p:spPr>
-          <a:xfrm>
-            <a:off x="8100000" y="4680000"/>
-            <a:ext cx="1080000" cy="842400"/>
-          </a:xfrm>
-          <a:prstGeom prst="ellipse">
-            <a:avLst/>
-          </a:prstGeom>
-          <a:solidFill>
-            <a:srgbClr val="ffffff">
-              <a:alpha val="20000"/>
-            </a:srgbClr>
-          </a:solidFill>
-          <a:ln w="0">
-            <a:noFill/>
-          </a:ln>
-        </p:spPr>
-        <p:style>
-          <a:lnRef idx="0"/>
-          <a:fillRef idx="0"/>
-          <a:effectRef idx="0"/>
-          <a:fontRef idx="minor"/>
-        </p:style>
-      </p:sp>
-      <p:sp>
-        <p:nvSpPr>
-          <p:cNvPr id="16" name=""/>
-          <p:cNvSpPr/>
-          <p:nvPr/>
-        </p:nvSpPr>
-        <p:spPr>
-          <a:xfrm>
-            <a:off x="7920000" y="5400000"/>
-            <a:ext cx="900000" cy="900000"/>
-          </a:xfrm>
-          <a:prstGeom prst="ellipse">
-            <a:avLst/>
-          </a:prstGeom>
-          <a:solidFill>
-            <a:srgbClr val="ffffff">
-              <a:alpha val="25000"/>
-            </a:srgbClr>
-          </a:solidFill>
-          <a:ln w="0">
-            <a:noFill/>
-          </a:ln>
-        </p:spPr>
-        <p:style>
-          <a:lnRef idx="0"/>
-          <a:fillRef idx="0"/>
-          <a:effectRef idx="0"/>
-          <a:fontRef idx="minor"/>
-        </p:style>
+              <a:latin typeface="Times New Roman"/>
+            </a:endParaRPr>
+          </a:p>
+        </p:txBody>
+      </p:sp>
+      <p:sp>
+        <p:nvSpPr>
+          <p:cNvPr id="15" name="PlaceHolder 4"/>
+          <p:cNvSpPr>
+            <a:spLocks noGrp="1"/>
+          </p:cNvSpPr>
+          <p:nvPr>
+            <p:ph type="dt" idx="3"/>
+          </p:nvPr>
+        </p:nvSpPr>
+        <p:spPr>
+          <a:xfrm>
+            <a:off x="180000" y="5130000"/>
+            <a:ext cx="2339640" cy="392040"/>
+          </a:xfrm>
+          <a:prstGeom prst="rect">
+            <a:avLst/>
+          </a:prstGeom>
+          <a:noFill/>
+          <a:ln w="0">
+            <a:noFill/>
+          </a:ln>
+        </p:spPr>
+        <p:txBody>
+          <a:bodyPr lIns="0" rIns="0" tIns="0" bIns="0" anchor="b">
+            <a:noAutofit/>
+          </a:bodyPr>
+          <a:lstStyle>
+            <a:lvl1pPr>
+              <a:defRPr b="0" lang="en-US" sz="1400" spc="-1" strike="noStrike">
+                <a:latin typeface="Times New Roman"/>
+              </a:defRPr>
+            </a:lvl1pPr>
+          </a:lstStyle>
+          <a:p>
+            <a:r>
+              <a:rPr b="0" lang="en-US" sz="1400" spc="-1" strike="noStrike">
+                <a:latin typeface="Times New Roman"/>
+              </a:rPr>
+              <a:t> </a:t>
+            </a:r>
+            <a:endParaRPr b="0" lang="en-US" sz="1400" spc="-1" strike="noStrike">
+              <a:latin typeface="Times New Roman"/>
+            </a:endParaRPr>
+          </a:p>
+        </p:txBody>
+      </p:sp>
+      <p:sp>
+        <p:nvSpPr>
+          <p:cNvPr id="16" name="PlaceHolder 5"/>
+          <p:cNvSpPr>
+            <a:spLocks noGrp="1"/>
+          </p:cNvSpPr>
+          <p:nvPr>
+            <p:ph type="body"/>
+          </p:nvPr>
+        </p:nvSpPr>
+        <p:spPr>
+          <a:xfrm>
+            <a:off x="504000" y="1326600"/>
+            <a:ext cx="9072000" cy="3288600"/>
+          </a:xfrm>
+          <a:prstGeom prst="rect">
+            <a:avLst/>
+          </a:prstGeom>
+          <a:noFill/>
+          <a:ln w="0">
+            <a:noFill/>
+          </a:ln>
+        </p:spPr>
+        <p:txBody>
+          <a:bodyPr lIns="0" rIns="0" tIns="0" bIns="0" anchor="t">
+            <a:normAutofit/>
+          </a:bodyPr>
+          <a:p>
+            <a:pPr marL="432000" indent="-324000">
+              <a:spcBef>
+                <a:spcPts val="1417"/>
+              </a:spcBef>
+              <a:buClr>
+                <a:srgbClr val="000000"/>
+              </a:buClr>
+              <a:buSzPct val="45000"/>
+              <a:buFont typeface="Wingdings" charset="2"/>
+              <a:buChar char=""/>
+            </a:pPr>
+            <a:r>
+              <a:rPr b="0" lang="en-US" sz="3200" spc="-1" strike="noStrike">
+                <a:latin typeface="Arial"/>
+              </a:rPr>
+              <a:t>Click to edit the outline text format</a:t>
+            </a:r>
+            <a:endParaRPr b="0" lang="en-US" sz="3200" spc="-1" strike="noStrike">
+              <a:latin typeface="Arial"/>
+            </a:endParaRPr>
+          </a:p>
+          <a:p>
+            <a:pPr lvl="1" marL="864000" indent="-324000">
+              <a:spcBef>
+                <a:spcPts val="1134"/>
+              </a:spcBef>
+              <a:buClr>
+                <a:srgbClr val="000000"/>
+              </a:buClr>
+              <a:buSzPct val="75000"/>
+              <a:buFont typeface="Symbol" charset="2"/>
+              <a:buChar char=""/>
+            </a:pPr>
+            <a:r>
+              <a:rPr b="0" lang="en-US" sz="2800" spc="-1" strike="noStrike">
+                <a:latin typeface="Arial"/>
+              </a:rPr>
+              <a:t>Second Outline Level</a:t>
+            </a:r>
+            <a:endParaRPr b="0" lang="en-US" sz="2800" spc="-1" strike="noStrike">
+              <a:latin typeface="Arial"/>
+            </a:endParaRPr>
+          </a:p>
+          <a:p>
+            <a:pPr lvl="2" marL="1296000" indent="-288000">
+              <a:spcBef>
+                <a:spcPts val="850"/>
+              </a:spcBef>
+              <a:buClr>
+                <a:srgbClr val="000000"/>
+              </a:buClr>
+              <a:buSzPct val="45000"/>
+              <a:buFont typeface="Wingdings" charset="2"/>
+              <a:buChar char=""/>
+            </a:pPr>
+            <a:r>
+              <a:rPr b="0" lang="en-US" sz="2400" spc="-1" strike="noStrike">
+                <a:latin typeface="Arial"/>
+              </a:rPr>
+              <a:t>Third Outline Level</a:t>
+            </a:r>
+            <a:endParaRPr b="0" lang="en-US" sz="2400" spc="-1" strike="noStrike">
+              <a:latin typeface="Arial"/>
+            </a:endParaRPr>
+          </a:p>
+          <a:p>
+            <a:pPr lvl="3" marL="1728000" indent="-216000">
+              <a:spcBef>
+                <a:spcPts val="567"/>
+              </a:spcBef>
+              <a:buClr>
+                <a:srgbClr val="000000"/>
+              </a:buClr>
+              <a:buSzPct val="75000"/>
+              <a:buFont typeface="Symbol" charset="2"/>
+              <a:buChar char=""/>
+            </a:pPr>
+            <a:r>
+              <a:rPr b="0" lang="en-US" sz="2000" spc="-1" strike="noStrike">
+                <a:latin typeface="Arial"/>
+              </a:rPr>
+              <a:t>Fourth Outline Level</a:t>
+            </a:r>
+            <a:endParaRPr b="0" lang="en-US" sz="2000" spc="-1" strike="noStrike">
+              <a:latin typeface="Arial"/>
+            </a:endParaRPr>
+          </a:p>
+          <a:p>
+            <a:pPr lvl="4" marL="2160000" indent="-216000">
+              <a:spcBef>
+                <a:spcPts val="283"/>
+              </a:spcBef>
+              <a:buClr>
+                <a:srgbClr val="000000"/>
+              </a:buClr>
+              <a:buSzPct val="45000"/>
+              <a:buFont typeface="Wingdings" charset="2"/>
+              <a:buChar char=""/>
+            </a:pPr>
+            <a:r>
+              <a:rPr b="0" lang="en-US" sz="2000" spc="-1" strike="noStrike">
+                <a:latin typeface="Arial"/>
+              </a:rPr>
+              <a:t>Fifth Outline Level</a:t>
+            </a:r>
+            <a:endParaRPr b="0" lang="en-US" sz="2000" spc="-1" strike="noStrike">
+              <a:latin typeface="Arial"/>
+            </a:endParaRPr>
+          </a:p>
+          <a:p>
+            <a:pPr lvl="5" marL="2592000" indent="-216000">
+              <a:spcBef>
+                <a:spcPts val="283"/>
+              </a:spcBef>
+              <a:buClr>
+                <a:srgbClr val="000000"/>
+              </a:buClr>
+              <a:buSzPct val="45000"/>
+              <a:buFont typeface="Wingdings" charset="2"/>
+              <a:buChar char=""/>
+            </a:pPr>
+            <a:r>
+              <a:rPr b="0" lang="en-US" sz="2000" spc="-1" strike="noStrike">
+                <a:latin typeface="Arial"/>
+              </a:rPr>
+              <a:t>Sixth Outline Level</a:t>
+            </a:r>
+            <a:endParaRPr b="0" lang="en-US" sz="2000" spc="-1" strike="noStrike">
+              <a:latin typeface="Arial"/>
+            </a:endParaRPr>
+          </a:p>
+          <a:p>
+            <a:pPr lvl="6" marL="3024000" indent="-216000">
+              <a:spcBef>
+                <a:spcPts val="283"/>
+              </a:spcBef>
+              <a:buClr>
+                <a:srgbClr val="000000"/>
+              </a:buClr>
+              <a:buSzPct val="45000"/>
+              <a:buFont typeface="Wingdings" charset="2"/>
+              <a:buChar char=""/>
+            </a:pPr>
+            <a:r>
+              <a:rPr b="0" lang="en-US" sz="2000" spc="-1" strike="noStrike">
+                <a:latin typeface="Arial"/>
+              </a:rPr>
+              <a:t>Seventh Outline Level</a:t>
+            </a:r>
+            <a:endParaRPr b="0" lang="en-US" sz="2000" spc="-1" strike="noStrike">
+              <a:latin typeface="Arial"/>
+            </a:endParaRPr>
+          </a:p>
+        </p:txBody>
       </p:sp>
     </p:spTree>
   </p:cSld>
@@ -7750,7 +7711,7 @@
         <p:spPr>
           <a:xfrm>
             <a:off x="360" y="360"/>
-            <a:ext cx="10080000" cy="5670000"/>
+            <a:ext cx="10079640" cy="5669640"/>
           </a:xfrm>
           <a:prstGeom prst="rect">
             <a:avLst/>
@@ -7786,7 +7747,7 @@
         <p:spPr>
           <a:xfrm flipH="1">
             <a:off x="-2880" y="0"/>
-            <a:ext cx="10080360" cy="5670360"/>
+            <a:ext cx="10080000" cy="5670000"/>
           </a:xfrm>
           <a:prstGeom prst="rect">
             <a:avLst/>
@@ -7827,27 +7788,39 @@
       <p:sp>
         <p:nvSpPr>
           <p:cNvPr id="55" name=""/>
-          <p:cNvSpPr txBox="1"/>
+          <p:cNvSpPr/>
           <p:nvPr/>
         </p:nvSpPr>
         <p:spPr>
           <a:xfrm>
             <a:off x="180360" y="5130360"/>
-            <a:ext cx="2340000" cy="392400"/>
-          </a:xfrm>
-          <a:prstGeom prst="rect">
-            <a:avLst/>
-          </a:prstGeom>
-          <a:noFill/>
-          <a:ln w="0">
-            <a:noFill/>
-          </a:ln>
-        </p:spPr>
+            <a:ext cx="2339640" cy="392040"/>
+          </a:xfrm>
+          <a:prstGeom prst="rect">
+            <a:avLst/>
+          </a:prstGeom>
+          <a:noFill/>
+          <a:ln w="0">
+            <a:noFill/>
+          </a:ln>
+        </p:spPr>
+        <p:style>
+          <a:lnRef idx="0"/>
+          <a:fillRef idx="0"/>
+          <a:effectRef idx="0"/>
+          <a:fontRef idx="minor"/>
+        </p:style>
         <p:txBody>
           <a:bodyPr lIns="0" rIns="0" tIns="0" bIns="0" anchor="b">
             <a:noAutofit/>
           </a:bodyPr>
           <a:p>
+            <a:pPr>
+              <a:lnSpc>
+                <a:spcPct val="100000"/>
+              </a:lnSpc>
+              <a:buNone/>
+            </a:pPr>
             <a:r>
               <a:rPr b="0" lang="en-US" sz="1400" spc="-1" strike="noStrike">
                 <a:solidFill>
@@ -7869,31 +7842,40 @@
       <p:sp>
         <p:nvSpPr>
           <p:cNvPr id="56" name=""/>
-          <p:cNvSpPr txBox="1"/>
+          <p:cNvSpPr/>
           <p:nvPr/>
         </p:nvSpPr>
         <p:spPr>
           <a:xfrm>
             <a:off x="7560360" y="5130360"/>
-            <a:ext cx="2340000" cy="392400"/>
-          </a:xfrm>
-          <a:prstGeom prst="rect">
-            <a:avLst/>
-          </a:prstGeom>
-          <a:noFill/>
-          <a:ln w="0">
-            <a:noFill/>
-          </a:ln>
-        </p:spPr>
+            <a:ext cx="2339640" cy="392040"/>
+          </a:xfrm>
+          <a:prstGeom prst="rect">
+            <a:avLst/>
+          </a:prstGeom>
+          <a:noFill/>
+          <a:ln w="0">
+            <a:noFill/>
+          </a:ln>
+        </p:spPr>
+        <p:style>
+          <a:lnRef idx="0"/>
+          <a:fillRef idx="0"/>
+          <a:effectRef idx="0"/>
+          <a:fontRef idx="minor"/>
+        </p:style>
         <p:txBody>
           <a:bodyPr lIns="0" rIns="0" tIns="0" bIns="0" anchor="b">
             <a:noAutofit/>
           </a:bodyPr>
           <a:p>
             <a:pPr algn="r">
+              <a:lnSpc>
+                <a:spcPct val="100000"/>
+              </a:lnSpc>
               <a:buNone/>
             </a:pPr>
-            <a:fld id="{A1AC6458-57E8-4CA7-9D08-BEABFF0525D1}" type="slidenum">
+            <a:fld id="{8EC26691-9AA2-4BCF-B049-DED4BED2C78A}" type="slidenum">
               <a:rPr b="0" lang="en-US" sz="1400" spc="-1" strike="noStrike">
                 <a:solidFill>
                   <a:srgbClr val="ffffff"/>
@@ -7920,7 +7902,7 @@
         <p:spPr>
           <a:xfrm>
             <a:off x="1440360" y="1080360"/>
-            <a:ext cx="1440000" cy="1260000"/>
+            <a:ext cx="1439640" cy="1259640"/>
           </a:xfrm>
           <a:prstGeom prst="ellipse">
             <a:avLst/>
@@ -7950,7 +7932,7 @@
         <p:spPr>
           <a:xfrm>
             <a:off x="7380360" y="3960360"/>
-            <a:ext cx="1440000" cy="1260000"/>
+            <a:ext cx="1439640" cy="1259640"/>
           </a:xfrm>
           <a:prstGeom prst="ellipse">
             <a:avLst/>
@@ -7980,7 +7962,7 @@
         <p:spPr>
           <a:xfrm>
             <a:off x="9000360" y="2700360"/>
-            <a:ext cx="1260000" cy="1080000"/>
+            <a:ext cx="1259640" cy="1079640"/>
           </a:xfrm>
           <a:prstGeom prst="ellipse">
             <a:avLst/>
@@ -8010,7 +7992,7 @@
         <p:spPr>
           <a:xfrm>
             <a:off x="-179640" y="2430360"/>
-            <a:ext cx="1440000" cy="1350000"/>
+            <a:ext cx="1439640" cy="1349640"/>
           </a:xfrm>
           <a:prstGeom prst="ellipse">
             <a:avLst/>
@@ -8040,7 +8022,7 @@
         <p:spPr>
           <a:xfrm>
             <a:off x="540360" y="1080360"/>
-            <a:ext cx="720000" cy="720000"/>
+            <a:ext cx="719640" cy="719640"/>
           </a:xfrm>
           <a:prstGeom prst="ellipse">
             <a:avLst/>
@@ -8070,7 +8052,7 @@
         <p:spPr>
           <a:xfrm>
             <a:off x="360" y="1260360"/>
-            <a:ext cx="720000" cy="720000"/>
+            <a:ext cx="719640" cy="719640"/>
           </a:xfrm>
           <a:prstGeom prst="ellipse">
             <a:avLst/>
@@ -8100,7 +8082,7 @@
         <p:spPr>
           <a:xfrm>
             <a:off x="360" y="5220360"/>
-            <a:ext cx="1620000" cy="1260000"/>
+            <a:ext cx="1619640" cy="1259640"/>
           </a:xfrm>
           <a:prstGeom prst="ellipse">
             <a:avLst/>
@@ -8130,7 +8112,7 @@
         <p:spPr>
           <a:xfrm>
             <a:off x="9720360" y="4680360"/>
-            <a:ext cx="720000" cy="720000"/>
+            <a:ext cx="719640" cy="719640"/>
           </a:xfrm>
           <a:prstGeom prst="ellipse">
             <a:avLst/>
@@ -8160,7 +8142,7 @@
         <p:spPr>
           <a:xfrm>
             <a:off x="9540360" y="3420360"/>
-            <a:ext cx="720000" cy="720000"/>
+            <a:ext cx="719640" cy="719640"/>
           </a:xfrm>
           <a:prstGeom prst="ellipse">
             <a:avLst/>
@@ -8190,7 +8172,7 @@
         <p:spPr>
           <a:xfrm>
             <a:off x="8100360" y="4680360"/>
-            <a:ext cx="1080000" cy="842400"/>
+            <a:ext cx="1079640" cy="842040"/>
           </a:xfrm>
           <a:prstGeom prst="ellipse">
             <a:avLst/>
@@ -8220,7 +8202,7 @@
         <p:spPr>
           <a:xfrm>
             <a:off x="7920360" y="5400360"/>
-            <a:ext cx="900000" cy="900000"/>
+            <a:ext cx="899640" cy="899640"/>
           </a:xfrm>
           <a:prstGeom prst="ellipse">
             <a:avLst/>
@@ -8254,7 +8236,7 @@
         <p:spPr>
           <a:xfrm>
             <a:off x="540000" y="270000"/>
-            <a:ext cx="9000000" cy="990000"/>
+            <a:ext cx="8999640" cy="989640"/>
           </a:xfrm>
           <a:prstGeom prst="rect">
             <a:avLst/>
@@ -8269,22 +8251,13 @@
             <a:noAutofit/>
           </a:bodyPr>
           <a:p>
-            <a:pPr algn="ctr">
-              <a:buNone/>
-            </a:pPr>
             <a:r>
-              <a:rPr b="0" lang="en-US" sz="3300" spc="-1" strike="noStrike">
-                <a:solidFill>
-                  <a:srgbClr val="ffffff"/>
-                </a:solidFill>
+              <a:rPr b="0" lang="en-US" sz="1800" spc="-1" strike="noStrike">
                 <a:latin typeface="Arial"/>
               </a:rPr>
               <a:t>Click to edit the title text format</a:t>
             </a:r>
-            <a:endParaRPr b="0" lang="en-US" sz="3300" spc="-1" strike="noStrike">
-              <a:solidFill>
-                <a:srgbClr val="ffffff"/>
-              </a:solidFill>
+            <a:endParaRPr b="0" lang="en-US" sz="1800" spc="-1" strike="noStrike">
               <a:latin typeface="Arial"/>
             </a:endParaRPr>
           </a:p>
@@ -8303,16 +8276,12 @@
         <p:spPr>
           <a:xfrm>
             <a:off x="540000" y="1440000"/>
-            <a:ext cx="9000000" cy="3600000"/>
-          </a:xfrm>
-          <a:prstGeom prst="rect">
-            <a:avLst/>
-          </a:prstGeom>
-          <a:solidFill>
-            <a:srgbClr val="ffffff">
-              <a:alpha val="50000"/>
-            </a:srgbClr>
-          </a:solidFill>
+            <a:ext cx="8999640" cy="3599640"/>
+          </a:xfrm>
+          <a:prstGeom prst="rect">
+            <a:avLst/>
+          </a:prstGeom>
+          <a:noFill/>
           <a:ln w="0">
             <a:noFill/>
           </a:ln>
@@ -8323,9 +8292,9 @@
           </a:bodyPr>
           <a:p>
             <a:pPr marL="432000" indent="-324000">
-              <a:spcAft>
-                <a:spcPts val="1057"/>
-              </a:spcAft>
+              <a:spcBef>
+                <a:spcPts val="1417"/>
+              </a:spcBef>
               <a:buClr>
                 <a:srgbClr val="000000"/>
               </a:buClr>
@@ -8334,20 +8303,20 @@
               <a:buChar char=""/>
             </a:pPr>
             <a:r>
-              <a:rPr b="0" lang="en-US" sz="2400" spc="-1" strike="noStrike">
+              <a:rPr b="0" lang="en-US" sz="1800" spc="-1" strike="noStrike">
                 <a:latin typeface="Arial"/>
               </a:rPr>
               <a:t>Click to edit the outline text format</a:t>
             </a:r>
-            <a:endParaRPr b="0" lang="en-US" sz="2400" spc="-1" strike="noStrike">
+            <a:endParaRPr b="0" lang="en-US" sz="1800" spc="-1" strike="noStrike">
               <a:latin typeface="Arial"/>
             </a:endParaRPr>
           </a:p>
           <a:p>
             <a:pPr lvl="1" marL="864000" indent="-324000">
-              <a:spcAft>
-                <a:spcPts val="845"/>
-              </a:spcAft>
+              <a:spcBef>
+                <a:spcPts val="1134"/>
+              </a:spcBef>
               <a:buClr>
                 <a:srgbClr val="000000"/>
               </a:buClr>
@@ -8356,20 +8325,20 @@
               <a:buChar char=""/>
             </a:pPr>
             <a:r>
-              <a:rPr b="0" lang="en-US" sz="2100" spc="-1" strike="noStrike">
+              <a:rPr b="0" lang="en-US" sz="1800" spc="-1" strike="noStrike">
                 <a:latin typeface="Arial"/>
               </a:rPr>
               <a:t>Second Outline Level</a:t>
             </a:r>
-            <a:endParaRPr b="0" lang="en-US" sz="2100" spc="-1" strike="noStrike">
+            <a:endParaRPr b="0" lang="en-US" sz="1800" spc="-1" strike="noStrike">
               <a:latin typeface="Arial"/>
             </a:endParaRPr>
           </a:p>
           <a:p>
             <a:pPr lvl="2" marL="1296000" indent="-288000">
-              <a:spcAft>
-                <a:spcPts val="632"/>
-              </a:spcAft>
+              <a:spcBef>
+                <a:spcPts val="850"/>
+              </a:spcBef>
               <a:buClr>
                 <a:srgbClr val="000000"/>
               </a:buClr>
@@ -8389,9 +8358,9 @@
           </a:p>
           <a:p>
             <a:pPr lvl="3" marL="1728000" indent="-216000">
-              <a:spcAft>
-                <a:spcPts val="425"/>
-              </a:spcAft>
+              <a:spcBef>
+                <a:spcPts val="567"/>
+              </a:spcBef>
               <a:buClr>
                 <a:srgbClr val="000000"/>
               </a:buClr>
@@ -8400,20 +8369,20 @@
               <a:buChar char=""/>
             </a:pPr>
             <a:r>
-              <a:rPr b="0" lang="en-US" sz="1500" spc="-1" strike="noStrike">
+              <a:rPr b="0" lang="en-US" sz="1800" spc="-1" strike="noStrike">
                 <a:latin typeface="Arial"/>
               </a:rPr>
               <a:t>Fourth Outline Level</a:t>
             </a:r>
-            <a:endParaRPr b="0" lang="en-US" sz="1500" spc="-1" strike="noStrike">
+            <a:endParaRPr b="0" lang="en-US" sz="1800" spc="-1" strike="noStrike">
               <a:latin typeface="Arial"/>
             </a:endParaRPr>
           </a:p>
           <a:p>
             <a:pPr lvl="4" marL="2160000" indent="-216000">
-              <a:spcAft>
-                <a:spcPts val="213"/>
-              </a:spcAft>
+              <a:spcBef>
+                <a:spcPts val="283"/>
+              </a:spcBef>
               <a:buClr>
                 <a:srgbClr val="000000"/>
               </a:buClr>
@@ -8422,20 +8391,20 @@
               <a:buChar char=""/>
             </a:pPr>
             <a:r>
-              <a:rPr b="0" lang="en-US" sz="1500" spc="-1" strike="noStrike">
+              <a:rPr b="0" lang="en-US" sz="1800" spc="-1" strike="noStrike">
                 <a:latin typeface="Arial"/>
               </a:rPr>
               <a:t>Fifth Outline Level</a:t>
             </a:r>
-            <a:endParaRPr b="0" lang="en-US" sz="1500" spc="-1" strike="noStrike">
+            <a:endParaRPr b="0" lang="en-US" sz="1800" spc="-1" strike="noStrike">
               <a:latin typeface="Arial"/>
             </a:endParaRPr>
           </a:p>
           <a:p>
             <a:pPr lvl="5" marL="2592000" indent="-216000">
-              <a:spcAft>
-                <a:spcPts val="213"/>
-              </a:spcAft>
+              <a:spcBef>
+                <a:spcPts val="283"/>
+              </a:spcBef>
               <a:buClr>
                 <a:srgbClr val="000000"/>
               </a:buClr>
@@ -8444,20 +8413,20 @@
               <a:buChar char=""/>
             </a:pPr>
             <a:r>
-              <a:rPr b="0" lang="en-US" sz="1500" spc="-1" strike="noStrike">
+              <a:rPr b="0" lang="en-US" sz="1800" spc="-1" strike="noStrike">
                 <a:latin typeface="Arial"/>
               </a:rPr>
               <a:t>Sixth Outline Level</a:t>
             </a:r>
-            <a:endParaRPr b="0" lang="en-US" sz="1500" spc="-1" strike="noStrike">
+            <a:endParaRPr b="0" lang="en-US" sz="1800" spc="-1" strike="noStrike">
               <a:latin typeface="Arial"/>
             </a:endParaRPr>
           </a:p>
           <a:p>
             <a:pPr lvl="6" marL="3024000" indent="-216000">
-              <a:spcAft>
-                <a:spcPts val="213"/>
-              </a:spcAft>
+              <a:spcBef>
+                <a:spcPts val="283"/>
+              </a:spcBef>
               <a:buClr>
                 <a:srgbClr val="000000"/>
               </a:buClr>
@@ -8466,12 +8435,12 @@
               <a:buChar char=""/>
             </a:pPr>
             <a:r>
-              <a:rPr b="0" lang="en-US" sz="1500" spc="-1" strike="noStrike">
+              <a:rPr b="0" lang="en-US" sz="1800" spc="-1" strike="noStrike">
                 <a:latin typeface="Arial"/>
               </a:rPr>
               <a:t>Seventh Outline Level</a:t>
             </a:r>
-            <a:endParaRPr b="0" lang="en-US" sz="1500" spc="-1" strike="noStrike">
+            <a:endParaRPr b="0" lang="en-US" sz="1800" spc="-1" strike="noStrike">
               <a:latin typeface="Arial"/>
             </a:endParaRPr>
           </a:p>
@@ -8484,13 +8453,13 @@
             <a:spLocks noGrp="1"/>
           </p:cNvSpPr>
           <p:nvPr>
-            <p:ph type="dt" idx="4"/>
-          </p:nvPr>
-        </p:nvSpPr>
-        <p:spPr>
-          <a:xfrm>
-            <a:off x="180000" y="5130000"/>
-            <a:ext cx="2340000" cy="392400"/>
+            <p:ph type="ftr" idx="4"/>
+          </p:nvPr>
+        </p:nvSpPr>
+        <p:spPr>
+          <a:xfrm>
+            <a:off x="3420000" y="5130000"/>
+            <a:ext cx="3239640" cy="392040"/>
           </a:xfrm>
           <a:prstGeom prst="rect">
             <a:avLst/>
@@ -8505,63 +8474,10 @@
             <a:noAutofit/>
           </a:bodyPr>
           <a:lstStyle>
-            <a:lvl1pPr>
-              <a:defRPr b="0" lang="en-US" sz="1400" spc="-1" strike="noStrike">
-                <a:solidFill>
-                  <a:srgbClr val="ffffff"/>
-                </a:solidFill>
-                <a:latin typeface="Arial"/>
-              </a:defRPr>
-            </a:lvl1pPr>
-          </a:lstStyle>
-          <a:p>
-            <a:r>
-              <a:rPr b="0" lang="en-US" sz="1400" spc="-1" strike="noStrike">
-                <a:solidFill>
-                  <a:srgbClr val="ffffff"/>
-                </a:solidFill>
-                <a:latin typeface="Arial"/>
-              </a:rPr>
-              <a:t>&lt;date/time&gt;</a:t>
-            </a:r>
-            <a:endParaRPr b="0" lang="en-US" sz="1400" spc="-1" strike="noStrike">
-              <a:solidFill>
-                <a:srgbClr val="ffffff"/>
-              </a:solidFill>
-              <a:latin typeface="Arial"/>
-            </a:endParaRPr>
-          </a:p>
-        </p:txBody>
-      </p:sp>
-      <p:sp>
-        <p:nvSpPr>
-          <p:cNvPr id="71" name="PlaceHolder 4"/>
-          <p:cNvSpPr>
-            <a:spLocks noGrp="1"/>
-          </p:cNvSpPr>
-          <p:nvPr>
-            <p:ph type="ftr" idx="5"/>
-          </p:nvPr>
-        </p:nvSpPr>
-        <p:spPr>
-          <a:xfrm>
-            <a:off x="3420000" y="5130000"/>
-            <a:ext cx="3240000" cy="392400"/>
-          </a:xfrm>
-          <a:prstGeom prst="rect">
-            <a:avLst/>
-          </a:prstGeom>
-          <a:noFill/>
-          <a:ln w="0">
-            <a:noFill/>
-          </a:ln>
-        </p:spPr>
-        <p:txBody>
-          <a:bodyPr lIns="0" rIns="0" tIns="0" bIns="0" anchor="b">
-            <a:noAutofit/>
-          </a:bodyPr>
-          <a:lstStyle>
             <a:lvl1pPr algn="ctr">
+              <a:lnSpc>
+                <a:spcPct val="100000"/>
+              </a:lnSpc>
               <a:buNone/>
               <a:defRPr b="0" lang="en-US" sz="1400" spc="-1" strike="noStrike">
                 <a:solidFill>
@@ -8573,6 +8489,9 @@
           </a:lstStyle>
           <a:p>
             <a:pPr algn="ctr">
+              <a:lnSpc>
+                <a:spcPct val="100000"/>
+              </a:lnSpc>
               <a:buNone/>
             </a:pPr>
             <a:r>
@@ -8585,28 +8504,25 @@
               <a:t>&lt;footer&gt;</a:t>
             </a:r>
             <a:endParaRPr b="0" lang="en-US" sz="1400" spc="-1" strike="noStrike">
-              <a:solidFill>
-                <a:srgbClr val="ffffff"/>
-              </a:solidFill>
-              <a:latin typeface="Arial"/>
-            </a:endParaRPr>
-          </a:p>
-        </p:txBody>
-      </p:sp>
-      <p:sp>
-        <p:nvSpPr>
-          <p:cNvPr id="72" name="PlaceHolder 5"/>
-          <p:cNvSpPr>
-            <a:spLocks noGrp="1"/>
-          </p:cNvSpPr>
-          <p:nvPr>
-            <p:ph type="sldNum" idx="6"/>
+              <a:latin typeface="Times New Roman"/>
+            </a:endParaRPr>
+          </a:p>
+        </p:txBody>
+      </p:sp>
+      <p:sp>
+        <p:nvSpPr>
+          <p:cNvPr id="71" name="PlaceHolder 4"/>
+          <p:cNvSpPr>
+            <a:spLocks noGrp="1"/>
+          </p:cNvSpPr>
+          <p:nvPr>
+            <p:ph type="sldNum" idx="5"/>
           </p:nvPr>
         </p:nvSpPr>
         <p:spPr>
           <a:xfrm>
             <a:off x="7560000" y="5130000"/>
-            <a:ext cx="2340000" cy="392400"/>
+            <a:ext cx="2339640" cy="392040"/>
           </a:xfrm>
           <a:prstGeom prst="rect">
             <a:avLst/>
@@ -8622,6 +8538,9 @@
           </a:bodyPr>
           <a:lstStyle>
             <a:lvl1pPr algn="r">
+              <a:lnSpc>
+                <a:spcPct val="100000"/>
+              </a:lnSpc>
               <a:buNone/>
               <a:defRPr b="0" lang="en-US" sz="1400" spc="-1" strike="noStrike">
                 <a:solidFill>
@@ -8633,9 +8552,12 @@
           </a:lstStyle>
           <a:p>
             <a:pPr algn="r">
+              <a:lnSpc>
+                <a:spcPct val="100000"/>
+              </a:lnSpc>
               <a:buNone/>
             </a:pPr>
-            <a:fld id="{9E561593-7C08-4CAF-8FE1-60460298A10B}" type="slidenum">
+            <a:fld id="{CD9ED17B-023C-4583-91C2-39B2948B0B50}" type="slidenum">
               <a:rPr b="0" lang="en-US" sz="1400" spc="-1" strike="noStrike">
                 <a:solidFill>
                   <a:srgbClr val="ffffff"/>
@@ -8645,10 +8567,54 @@
               <a:t>&lt;number&gt;</a:t>
             </a:fld>
             <a:endParaRPr b="0" lang="en-US" sz="1400" spc="-1" strike="noStrike">
-              <a:solidFill>
-                <a:srgbClr val="ffffff"/>
-              </a:solidFill>
-              <a:latin typeface="Arial"/>
+              <a:latin typeface="Times New Roman"/>
+            </a:endParaRPr>
+          </a:p>
+        </p:txBody>
+      </p:sp>
+      <p:sp>
+        <p:nvSpPr>
+          <p:cNvPr id="72" name="PlaceHolder 5"/>
+          <p:cNvSpPr>
+            <a:spLocks noGrp="1"/>
+          </p:cNvSpPr>
+          <p:nvPr>
+            <p:ph type="dt" idx="6"/>
+          </p:nvPr>
+        </p:nvSpPr>
+        <p:spPr>
+          <a:xfrm>
+            <a:off x="180000" y="5130000"/>
+            <a:ext cx="2339640" cy="392040"/>
+          </a:xfrm>
+          <a:prstGeom prst="rect">
+            <a:avLst/>
+          </a:prstGeom>
+          <a:noFill/>
+          <a:ln w="0">
+            <a:noFill/>
+          </a:ln>
+        </p:spPr>
+        <p:txBody>
+          <a:bodyPr lIns="0" rIns="0" tIns="0" bIns="0" anchor="b">
+            <a:noAutofit/>
+          </a:bodyPr>
+          <a:lstStyle>
+            <a:lvl1pPr>
+              <a:defRPr b="0" lang="en-US" sz="1400" spc="-1" strike="noStrike">
+                <a:latin typeface="Times New Roman"/>
+              </a:defRPr>
+            </a:lvl1pPr>
+          </a:lstStyle>
+          <a:p>
+            <a:r>
+              <a:rPr b="0" lang="en-US" sz="1400" spc="-1" strike="noStrike">
+                <a:latin typeface="Times New Roman"/>
+              </a:rPr>
+              <a:t>&lt;date/time&gt;</a:t>
+            </a:r>
+            <a:endParaRPr b="0" lang="en-US" sz="1400" spc="-1" strike="noStrike">
+              <a:latin typeface="Times New Roman"/>
             </a:endParaRPr>
           </a:p>
         </p:txBody>
@@ -8699,7 +8665,7 @@
         <p:spPr>
           <a:xfrm>
             <a:off x="0" y="360"/>
-            <a:ext cx="10080000" cy="5669640"/>
+            <a:ext cx="10079640" cy="5669280"/>
           </a:xfrm>
           <a:prstGeom prst="rect">
             <a:avLst/>
@@ -8735,7 +8701,7 @@
         <p:spPr>
           <a:xfrm flipH="1">
             <a:off x="-2520" y="0"/>
-            <a:ext cx="10080360" cy="5670360"/>
+            <a:ext cx="10080000" cy="5670000"/>
           </a:xfrm>
           <a:prstGeom prst="rect">
             <a:avLst/>
@@ -8782,7 +8748,7 @@
         <p:spPr>
           <a:xfrm>
             <a:off x="0" y="1260360"/>
-            <a:ext cx="10260000" cy="4499640"/>
+            <a:ext cx="10259640" cy="4499280"/>
           </a:xfrm>
           <a:prstGeom prst="rect">
             <a:avLst/>
@@ -8804,27 +8770,39 @@
       <p:sp>
         <p:nvSpPr>
           <p:cNvPr id="112" name=""/>
-          <p:cNvSpPr txBox="1"/>
+          <p:cNvSpPr/>
           <p:nvPr/>
         </p:nvSpPr>
         <p:spPr>
           <a:xfrm>
             <a:off x="180360" y="5130360"/>
-            <a:ext cx="2340000" cy="392400"/>
-          </a:xfrm>
-          <a:prstGeom prst="rect">
-            <a:avLst/>
-          </a:prstGeom>
-          <a:noFill/>
-          <a:ln w="0">
-            <a:noFill/>
-          </a:ln>
-        </p:spPr>
+            <a:ext cx="2339640" cy="392040"/>
+          </a:xfrm>
+          <a:prstGeom prst="rect">
+            <a:avLst/>
+          </a:prstGeom>
+          <a:noFill/>
+          <a:ln w="0">
+            <a:noFill/>
+          </a:ln>
+        </p:spPr>
+        <p:style>
+          <a:lnRef idx="0"/>
+          <a:fillRef idx="0"/>
+          <a:effectRef idx="0"/>
+          <a:fontRef idx="minor"/>
+        </p:style>
         <p:txBody>
           <a:bodyPr lIns="0" rIns="0" tIns="0" bIns="0" anchor="b">
             <a:noAutofit/>
           </a:bodyPr>
           <a:p>
+            <a:pPr>
+              <a:lnSpc>
+                <a:spcPct val="100000"/>
+              </a:lnSpc>
+              <a:buNone/>
+            </a:pPr>
             <a:r>
               <a:rPr b="0" lang="en-US" sz="1400" spc="-1" strike="noStrike">
                 <a:latin typeface="Arial"/>
@@ -8832,6 +8810,9 @@
               <a:t>&lt;date/time&gt;</a:t>
             </a:r>
             <a:endParaRPr b="0" lang="en-US" sz="1400" spc="-1" strike="noStrike">
+              <a:solidFill>
+                <a:srgbClr val="ffffff"/>
+              </a:solidFill>
               <a:latin typeface="Arial"/>
             </a:endParaRPr>
           </a:p>
@@ -8840,61 +8821,18 @@
       <p:sp>
         <p:nvSpPr>
           <p:cNvPr id="113" name=""/>
-          <p:cNvSpPr txBox="1"/>
-          <p:nvPr/>
-        </p:nvSpPr>
-        <p:spPr>
-          <a:xfrm>
-            <a:off x="7560360" y="5130360"/>
-            <a:ext cx="2340000" cy="392400"/>
-          </a:xfrm>
-          <a:prstGeom prst="rect">
-            <a:avLst/>
-          </a:prstGeom>
-          <a:noFill/>
-          <a:ln w="0">
-            <a:noFill/>
-          </a:ln>
-        </p:spPr>
-        <p:txBody>
-          <a:bodyPr lIns="0" rIns="0" tIns="0" bIns="0" anchor="b">
-            <a:noAutofit/>
-          </a:bodyPr>
-          <a:p>
-            <a:pPr algn="r">
-              <a:buNone/>
-            </a:pPr>
-            <a:fld id="{1AB9D67A-B634-497F-9806-7A38B79198C2}" type="slidenum">
-              <a:rPr b="0" lang="en-US" sz="1400" spc="-1" strike="noStrike">
-                <a:latin typeface="Arial"/>
-              </a:rPr>
-              <a:t>&lt;number&gt;</a:t>
-            </a:fld>
-            <a:endParaRPr b="0" lang="en-US" sz="1400" spc="-1" strike="noStrike">
-              <a:latin typeface="Arial"/>
-            </a:endParaRPr>
-          </a:p>
-        </p:txBody>
-      </p:sp>
-      <p:sp>
-        <p:nvSpPr>
-          <p:cNvPr id="114" name=""/>
           <p:cNvSpPr/>
           <p:nvPr/>
         </p:nvSpPr>
         <p:spPr>
           <a:xfrm>
-            <a:off x="1440360" y="1080360"/>
-            <a:ext cx="1440000" cy="1260000"/>
-          </a:xfrm>
-          <a:prstGeom prst="ellipse">
-            <a:avLst/>
-          </a:prstGeom>
-          <a:solidFill>
-            <a:srgbClr val="ffffff">
-              <a:alpha val="30000"/>
-            </a:srgbClr>
-          </a:solidFill>
+            <a:off x="7560360" y="5130360"/>
+            <a:ext cx="2339640" cy="392040"/>
+          </a:xfrm>
+          <a:prstGeom prst="rect">
+            <a:avLst/>
+          </a:prstGeom>
+          <a:noFill/>
           <a:ln w="0">
             <a:noFill/>
           </a:ln>
@@ -8905,17 +8843,45 @@
           <a:effectRef idx="0"/>
           <a:fontRef idx="minor"/>
         </p:style>
-      </p:sp>
-      <p:sp>
-        <p:nvSpPr>
-          <p:cNvPr id="115" name=""/>
+        <p:txBody>
+          <a:bodyPr lIns="0" rIns="0" tIns="0" bIns="0" anchor="b">
+            <a:noAutofit/>
+          </a:bodyPr>
+          <a:p>
+            <a:pPr algn="r">
+              <a:lnSpc>
+                <a:spcPct val="100000"/>
+              </a:lnSpc>
+              <a:buNone/>
+            </a:pPr>
+            <a:fld id="{846C1C5B-9437-43FD-ADDA-8E7A746C4CD2}" type="slidenum">
+              <a:rPr b="0" lang="en-US" sz="1400" spc="-1" strike="noStrike">
+                <a:solidFill>
+                  <a:srgbClr val="ffffff"/>
+                </a:solidFill>
+                <a:latin typeface="Arial"/>
+              </a:rPr>
+              <a:t>&lt;number&gt;</a:t>
+            </a:fld>
+            <a:endParaRPr b="0" lang="en-US" sz="1400" spc="-1" strike="noStrike">
+              <a:solidFill>
+                <a:srgbClr val="ffffff"/>
+              </a:solidFill>
+              <a:latin typeface="Arial"/>
+            </a:endParaRPr>
+          </a:p>
+        </p:txBody>
+      </p:sp>
+      <p:sp>
+        <p:nvSpPr>
+          <p:cNvPr id="114" name=""/>
           <p:cNvSpPr/>
           <p:nvPr/>
         </p:nvSpPr>
         <p:spPr>
           <a:xfrm>
-            <a:off x="7380360" y="3960360"/>
-            <a:ext cx="1440000" cy="1260000"/>
+            <a:off x="1440360" y="1080360"/>
+            <a:ext cx="1439640" cy="1259640"/>
           </a:xfrm>
           <a:prstGeom prst="ellipse">
             <a:avLst/>
@@ -8938,21 +8904,21 @@
       </p:sp>
       <p:sp>
         <p:nvSpPr>
-          <p:cNvPr id="116" name=""/>
+          <p:cNvPr id="115" name=""/>
           <p:cNvSpPr/>
           <p:nvPr/>
         </p:nvSpPr>
         <p:spPr>
           <a:xfrm>
-            <a:off x="540360" y="1080360"/>
-            <a:ext cx="720000" cy="720000"/>
+            <a:off x="7380360" y="3960360"/>
+            <a:ext cx="1439640" cy="1259640"/>
           </a:xfrm>
           <a:prstGeom prst="ellipse">
             <a:avLst/>
           </a:prstGeom>
           <a:solidFill>
             <a:srgbClr val="ffffff">
-              <a:alpha val="20000"/>
+              <a:alpha val="30000"/>
             </a:srgbClr>
           </a:solidFill>
           <a:ln w="0">
@@ -8968,21 +8934,21 @@
       </p:sp>
       <p:sp>
         <p:nvSpPr>
-          <p:cNvPr id="117" name=""/>
+          <p:cNvPr id="116" name=""/>
           <p:cNvSpPr/>
           <p:nvPr/>
         </p:nvSpPr>
         <p:spPr>
           <a:xfrm>
-            <a:off x="360" y="1260360"/>
-            <a:ext cx="720000" cy="720000"/>
+            <a:off x="540360" y="1080360"/>
+            <a:ext cx="719640" cy="719640"/>
           </a:xfrm>
           <a:prstGeom prst="ellipse">
             <a:avLst/>
           </a:prstGeom>
           <a:solidFill>
             <a:srgbClr val="ffffff">
-              <a:alpha val="10000"/>
+              <a:alpha val="20000"/>
             </a:srgbClr>
           </a:solidFill>
           <a:ln w="0">
@@ -8998,6 +8964,36 @@
       </p:sp>
       <p:sp>
         <p:nvSpPr>
+          <p:cNvPr id="117" name=""/>
+          <p:cNvSpPr/>
+          <p:nvPr/>
+        </p:nvSpPr>
+        <p:spPr>
+          <a:xfrm>
+            <a:off x="360" y="1260360"/>
+            <a:ext cx="719640" cy="719640"/>
+          </a:xfrm>
+          <a:prstGeom prst="ellipse">
+            <a:avLst/>
+          </a:prstGeom>
+          <a:solidFill>
+            <a:srgbClr val="ffffff">
+              <a:alpha val="10000"/>
+            </a:srgbClr>
+          </a:solidFill>
+          <a:ln w="0">
+            <a:noFill/>
+          </a:ln>
+        </p:spPr>
+        <p:style>
+          <a:lnRef idx="0"/>
+          <a:fillRef idx="0"/>
+          <a:effectRef idx="0"/>
+          <a:fontRef idx="minor"/>
+        </p:style>
+      </p:sp>
+      <p:sp>
+        <p:nvSpPr>
           <p:cNvPr id="118" name="PlaceHolder 1"/>
           <p:cNvSpPr>
             <a:spLocks noGrp="1"/>
@@ -9009,7 +9005,7 @@
         <p:spPr>
           <a:xfrm>
             <a:off x="540000" y="270000"/>
-            <a:ext cx="9000000" cy="990000"/>
+            <a:ext cx="8999640" cy="989640"/>
           </a:xfrm>
           <a:prstGeom prst="rect">
             <a:avLst/>
@@ -9024,22 +9020,13 @@
             <a:noAutofit/>
           </a:bodyPr>
           <a:p>
-            <a:pPr algn="ctr">
-              <a:buNone/>
-            </a:pPr>
             <a:r>
-              <a:rPr b="0" lang="en-US" sz="3300" spc="-1" strike="noStrike">
-                <a:solidFill>
-                  <a:srgbClr val="ffffff"/>
-                </a:solidFill>
+              <a:rPr b="0" lang="en-US" sz="1800" spc="-1" strike="noStrike">
                 <a:latin typeface="Arial"/>
               </a:rPr>
               <a:t>Click to edit the title text format</a:t>
             </a:r>
-            <a:endParaRPr b="0" lang="en-US" sz="3300" spc="-1" strike="noStrike">
-              <a:solidFill>
-                <a:srgbClr val="ffffff"/>
-              </a:solidFill>
+            <a:endParaRPr b="0" lang="en-US" sz="1800" spc="-1" strike="noStrike">
               <a:latin typeface="Arial"/>
             </a:endParaRPr>
           </a:p>
@@ -9052,196 +9039,13 @@
             <a:spLocks noGrp="1"/>
           </p:cNvSpPr>
           <p:nvPr>
-            <p:ph type="body"/>
-          </p:nvPr>
-        </p:nvSpPr>
-        <p:spPr>
-          <a:xfrm>
-            <a:off x="540000" y="1440000"/>
-            <a:ext cx="9000000" cy="3600000"/>
-          </a:xfrm>
-          <a:prstGeom prst="rect">
-            <a:avLst/>
-          </a:prstGeom>
-          <a:noFill/>
-          <a:ln w="0">
-            <a:noFill/>
-          </a:ln>
-        </p:spPr>
-        <p:txBody>
-          <a:bodyPr lIns="0" rIns="0" tIns="0" bIns="0" anchor="t">
-            <a:normAutofit/>
-          </a:bodyPr>
-          <a:p>
-            <a:pPr marL="432000" indent="-324000">
-              <a:spcAft>
-                <a:spcPts val="1060"/>
-              </a:spcAft>
-              <a:buClr>
-                <a:srgbClr val="000000"/>
-              </a:buClr>
-              <a:buSzPct val="45000"/>
-              <a:buFont typeface="Wingdings" charset="2"/>
-              <a:buChar char=""/>
-            </a:pPr>
-            <a:r>
-              <a:rPr b="0" lang="en-US" sz="2400" spc="-1" strike="noStrike">
-                <a:latin typeface="Arial"/>
-              </a:rPr>
-              <a:t>Click to edit the outline text format</a:t>
-            </a:r>
-            <a:endParaRPr b="0" lang="en-US" sz="2400" spc="-1" strike="noStrike">
-              <a:latin typeface="Arial"/>
-            </a:endParaRPr>
-          </a:p>
-          <a:p>
-            <a:pPr lvl="1" marL="864000" indent="-324000">
-              <a:spcAft>
-                <a:spcPts val="850"/>
-              </a:spcAft>
-              <a:buClr>
-                <a:srgbClr val="000000"/>
-              </a:buClr>
-              <a:buSzPct val="75000"/>
-              <a:buFont typeface="Symbol" charset="2"/>
-              <a:buChar char=""/>
-            </a:pPr>
-            <a:r>
-              <a:rPr b="0" lang="en-US" sz="2100" spc="-1" strike="noStrike">
-                <a:latin typeface="Arial"/>
-              </a:rPr>
-              <a:t>Second Outline Level</a:t>
-            </a:r>
-            <a:endParaRPr b="0" lang="en-US" sz="2100" spc="-1" strike="noStrike">
-              <a:latin typeface="Arial"/>
-            </a:endParaRPr>
-          </a:p>
-          <a:p>
-            <a:pPr lvl="2" marL="1296000" indent="-288000">
-              <a:spcAft>
-                <a:spcPts val="635"/>
-              </a:spcAft>
-              <a:buClr>
-                <a:srgbClr val="000000"/>
-              </a:buClr>
-              <a:buSzPct val="45000"/>
-              <a:buFont typeface="Wingdings" charset="2"/>
-              <a:buChar char=""/>
-            </a:pPr>
-            <a:r>
-              <a:rPr b="0" lang="en-US" sz="1800" spc="-1" strike="noStrike">
-                <a:latin typeface="Arial"/>
-              </a:rPr>
-              <a:t>Third Outline Level</a:t>
-            </a:r>
-            <a:endParaRPr b="0" lang="en-US" sz="1800" spc="-1" strike="noStrike">
-              <a:latin typeface="Arial"/>
-            </a:endParaRPr>
-          </a:p>
-          <a:p>
-            <a:pPr lvl="3" marL="1728000" indent="-216000">
-              <a:spcAft>
-                <a:spcPts val="425"/>
-              </a:spcAft>
-              <a:buClr>
-                <a:srgbClr val="000000"/>
-              </a:buClr>
-              <a:buSzPct val="75000"/>
-              <a:buFont typeface="Symbol" charset="2"/>
-              <a:buChar char=""/>
-            </a:pPr>
-            <a:r>
-              <a:rPr b="0" lang="en-US" sz="1500" spc="-1" strike="noStrike">
-                <a:latin typeface="Arial"/>
-              </a:rPr>
-              <a:t>Fourth Outline Level</a:t>
-            </a:r>
-            <a:endParaRPr b="0" lang="en-US" sz="1500" spc="-1" strike="noStrike">
-              <a:latin typeface="Arial"/>
-            </a:endParaRPr>
-          </a:p>
-          <a:p>
-            <a:pPr lvl="4" marL="2160000" indent="-216000">
-              <a:spcAft>
-                <a:spcPts val="213"/>
-              </a:spcAft>
-              <a:buClr>
-                <a:srgbClr val="000000"/>
-              </a:buClr>
-              <a:buSzPct val="45000"/>
-              <a:buFont typeface="Wingdings" charset="2"/>
-              <a:buChar char=""/>
-            </a:pPr>
-            <a:r>
-              <a:rPr b="0" lang="en-US" sz="1500" spc="-1" strike="noStrike">
-                <a:latin typeface="Arial"/>
-              </a:rPr>
-              <a:t>Fifth Outline Level</a:t>
-            </a:r>
-            <a:endParaRPr b="0" lang="en-US" sz="1500" spc="-1" strike="noStrike">
-              <a:latin typeface="Arial"/>
-            </a:endParaRPr>
-          </a:p>
-          <a:p>
-            <a:pPr lvl="5" marL="2592000" indent="-216000">
-              <a:spcAft>
-                <a:spcPts val="213"/>
-              </a:spcAft>
-              <a:buClr>
-                <a:srgbClr val="000000"/>
-              </a:buClr>
-              <a:buSzPct val="45000"/>
-              <a:buFont typeface="Wingdings" charset="2"/>
-              <a:buChar char=""/>
-            </a:pPr>
-            <a:r>
-              <a:rPr b="0" lang="en-US" sz="1500" spc="-1" strike="noStrike">
-                <a:latin typeface="Arial"/>
-              </a:rPr>
-              <a:t>Sixth Outline Level</a:t>
-            </a:r>
-            <a:endParaRPr b="0" lang="en-US" sz="1500" spc="-1" strike="noStrike">
-              <a:latin typeface="Arial"/>
-            </a:endParaRPr>
-          </a:p>
-          <a:p>
-            <a:pPr lvl="6" marL="3024000" indent="-216000">
-              <a:spcAft>
-                <a:spcPts val="213"/>
-              </a:spcAft>
-              <a:buClr>
-                <a:srgbClr val="000000"/>
-              </a:buClr>
-              <a:buSzPct val="45000"/>
-              <a:buFont typeface="Wingdings" charset="2"/>
-              <a:buChar char=""/>
-            </a:pPr>
-            <a:r>
-              <a:rPr b="0" lang="en-US" sz="1500" spc="-1" strike="noStrike">
-                <a:latin typeface="Arial"/>
-              </a:rPr>
-              <a:t>Seventh Outline Level</a:t>
-            </a:r>
-            <a:endParaRPr b="0" lang="en-US" sz="1500" spc="-1" strike="noStrike">
-              <a:latin typeface="Arial"/>
-            </a:endParaRPr>
-          </a:p>
-        </p:txBody>
-      </p:sp>
-      <p:sp>
-        <p:nvSpPr>
-          <p:cNvPr id="120" name="PlaceHolder 3"/>
-          <p:cNvSpPr>
-            <a:spLocks noGrp="1"/>
-          </p:cNvSpPr>
-          <p:nvPr>
-            <p:ph type="dt" idx="7"/>
-          </p:nvPr>
-        </p:nvSpPr>
-        <p:spPr>
-          <a:xfrm>
-            <a:off x="180000" y="5130000"/>
-            <a:ext cx="2340000" cy="392400"/>
+            <p:ph type="ftr" idx="7"/>
+          </p:nvPr>
+        </p:nvSpPr>
+        <p:spPr>
+          <a:xfrm>
+            <a:off x="3420000" y="5130000"/>
+            <a:ext cx="3239640" cy="392040"/>
           </a:xfrm>
           <a:prstGeom prst="rect">
             <a:avLst/>
@@ -9256,54 +9060,10 @@
             <a:noAutofit/>
           </a:bodyPr>
           <a:lstStyle>
-            <a:lvl1pPr>
-              <a:defRPr b="0" lang="en-US" sz="1400" spc="-1" strike="noStrike">
-                <a:latin typeface="Arial"/>
-              </a:defRPr>
-            </a:lvl1pPr>
-          </a:lstStyle>
-          <a:p>
-            <a:r>
-              <a:rPr b="0" lang="en-US" sz="1400" spc="-1" strike="noStrike">
-                <a:latin typeface="Arial"/>
-              </a:rPr>
-              <a:t>&lt;date/time&gt;</a:t>
-            </a:r>
-            <a:endParaRPr b="0" lang="en-US" sz="1400" spc="-1" strike="noStrike">
-              <a:latin typeface="Arial"/>
-            </a:endParaRPr>
-          </a:p>
-        </p:txBody>
-      </p:sp>
-      <p:sp>
-        <p:nvSpPr>
-          <p:cNvPr id="121" name="PlaceHolder 4"/>
-          <p:cNvSpPr>
-            <a:spLocks noGrp="1"/>
-          </p:cNvSpPr>
-          <p:nvPr>
-            <p:ph type="ftr" idx="8"/>
-          </p:nvPr>
-        </p:nvSpPr>
-        <p:spPr>
-          <a:xfrm>
-            <a:off x="3420000" y="5130000"/>
-            <a:ext cx="3240000" cy="392400"/>
-          </a:xfrm>
-          <a:prstGeom prst="rect">
-            <a:avLst/>
-          </a:prstGeom>
-          <a:noFill/>
-          <a:ln w="0">
-            <a:noFill/>
-          </a:ln>
-        </p:spPr>
-        <p:txBody>
-          <a:bodyPr lIns="0" rIns="0" tIns="0" bIns="0" anchor="b">
-            <a:noAutofit/>
-          </a:bodyPr>
-          <a:lstStyle>
             <a:lvl1pPr algn="ctr">
+              <a:lnSpc>
+                <a:spcPct val="100000"/>
+              </a:lnSpc>
               <a:buNone/>
               <a:defRPr b="0" lang="en-US" sz="1400" spc="-1" strike="noStrike">
                 <a:latin typeface="Arial"/>
@@ -9312,6 +9072,9 @@
           </a:lstStyle>
           <a:p>
             <a:pPr algn="ctr">
+              <a:lnSpc>
+                <a:spcPct val="100000"/>
+              </a:lnSpc>
               <a:buNone/>
             </a:pPr>
             <a:r>
@@ -9321,25 +9084,25 @@
               <a:t>&lt;footer&gt;</a:t>
             </a:r>
             <a:endParaRPr b="0" lang="en-US" sz="1400" spc="-1" strike="noStrike">
-              <a:latin typeface="Arial"/>
-            </a:endParaRPr>
-          </a:p>
-        </p:txBody>
-      </p:sp>
-      <p:sp>
-        <p:nvSpPr>
-          <p:cNvPr id="122" name="PlaceHolder 5"/>
-          <p:cNvSpPr>
-            <a:spLocks noGrp="1"/>
-          </p:cNvSpPr>
-          <p:nvPr>
-            <p:ph type="sldNum" idx="9"/>
+              <a:latin typeface="Times New Roman"/>
+            </a:endParaRPr>
+          </a:p>
+        </p:txBody>
+      </p:sp>
+      <p:sp>
+        <p:nvSpPr>
+          <p:cNvPr id="120" name="PlaceHolder 3"/>
+          <p:cNvSpPr>
+            <a:spLocks noGrp="1"/>
+          </p:cNvSpPr>
+          <p:nvPr>
+            <p:ph type="sldNum" idx="8"/>
           </p:nvPr>
         </p:nvSpPr>
         <p:spPr>
           <a:xfrm>
             <a:off x="7560000" y="5130000"/>
-            <a:ext cx="2340000" cy="392400"/>
+            <a:ext cx="2339640" cy="392040"/>
           </a:xfrm>
           <a:prstGeom prst="rect">
             <a:avLst/>
@@ -9355,6 +9118,9 @@
           </a:bodyPr>
           <a:lstStyle>
             <a:lvl1pPr algn="r">
+              <a:lnSpc>
+                <a:spcPct val="100000"/>
+              </a:lnSpc>
               <a:buNone/>
               <a:defRPr b="0" lang="en-US" sz="1400" spc="-1" strike="noStrike">
                 <a:latin typeface="Arial"/>
@@ -9363,16 +9129,66 @@
           </a:lstStyle>
           <a:p>
             <a:pPr algn="r">
+              <a:lnSpc>
+                <a:spcPct val="100000"/>
+              </a:lnSpc>
               <a:buNone/>
             </a:pPr>
-            <a:fld id="{0C328A83-9E43-49D5-AA46-0CD747BB9FE5}" type="slidenum">
+            <a:fld id="{5AAAFC45-15DB-4745-BB7F-304E36BDC0ED}" type="slidenum">
               <a:rPr b="0" lang="en-US" sz="1400" spc="-1" strike="noStrike">
                 <a:latin typeface="Arial"/>
               </a:rPr>
               <a:t>&lt;number&gt;</a:t>
             </a:fld>
             <a:endParaRPr b="0" lang="en-US" sz="1400" spc="-1" strike="noStrike">
-              <a:latin typeface="Arial"/>
+              <a:latin typeface="Times New Roman"/>
+            </a:endParaRPr>
+          </a:p>
+        </p:txBody>
+      </p:sp>
+      <p:sp>
+        <p:nvSpPr>
+          <p:cNvPr id="121" name="PlaceHolder 4"/>
+          <p:cNvSpPr>
+            <a:spLocks noGrp="1"/>
+          </p:cNvSpPr>
+          <p:nvPr>
+            <p:ph type="dt" idx="9"/>
+          </p:nvPr>
+        </p:nvSpPr>
+        <p:spPr>
+          <a:xfrm>
+            <a:off x="180000" y="5130000"/>
+            <a:ext cx="2339640" cy="392040"/>
+          </a:xfrm>
+          <a:prstGeom prst="rect">
+            <a:avLst/>
+          </a:prstGeom>
+          <a:noFill/>
+          <a:ln w="0">
+            <a:noFill/>
+          </a:ln>
+        </p:spPr>
+        <p:txBody>
+          <a:bodyPr lIns="0" rIns="0" tIns="0" bIns="0" anchor="b">
+            <a:noAutofit/>
+          </a:bodyPr>
+          <a:lstStyle>
+            <a:lvl1pPr>
+              <a:defRPr b="0" lang="en-US" sz="1400" spc="-1" strike="noStrike">
+                <a:latin typeface="Times New Roman"/>
+              </a:defRPr>
+            </a:lvl1pPr>
+          </a:lstStyle>
+          <a:p>
+            <a:r>
+              <a:rPr b="0" lang="en-US" sz="1400" spc="-1" strike="noStrike">
+                <a:latin typeface="Times New Roman"/>
+              </a:rPr>
+              <a:t>&lt;date/time&gt;</a:t>
+            </a:r>
+            <a:endParaRPr b="0" lang="en-US" sz="1400" spc="-1" strike="noStrike">
+              <a:latin typeface="Times New Roman"/>
             </a:endParaRPr>
           </a:p>
         </p:txBody>
@@ -9416,7 +9232,7 @@
       </p:grpSpPr>
       <p:sp>
         <p:nvSpPr>
-          <p:cNvPr id="159" name="PlaceHolder 1"/>
+          <p:cNvPr id="158" name="PlaceHolder 1"/>
           <p:cNvSpPr>
             <a:spLocks noGrp="1"/>
           </p:cNvSpPr>
@@ -9427,7 +9243,7 @@
         <p:spPr>
           <a:xfrm>
             <a:off x="504000" y="1428840"/>
-            <a:ext cx="9071640" cy="946800"/>
+            <a:ext cx="9071280" cy="946440"/>
           </a:xfrm>
           <a:prstGeom prst="rect">
             <a:avLst/>
@@ -9442,6 +9258,12 @@
             <a:noAutofit/>
           </a:bodyPr>
           <a:p>
+            <a:pPr>
+              <a:lnSpc>
+                <a:spcPct val="100000"/>
+              </a:lnSpc>
+              <a:buNone/>
+            </a:pPr>
             <a:r>
               <a:rPr b="0" lang="en-US" sz="3300" spc="-1" strike="noStrike">
                 <a:solidFill>
@@ -9462,7 +9284,7 @@
       </p:sp>
       <p:sp>
         <p:nvSpPr>
-          <p:cNvPr id="160" name="PlaceHolder 2"/>
+          <p:cNvPr id="159" name="PlaceHolder 2"/>
           <p:cNvSpPr>
             <a:spLocks noGrp="1"/>
           </p:cNvSpPr>
@@ -9473,7 +9295,7 @@
         <p:spPr>
           <a:xfrm>
             <a:off x="504000" y="2592000"/>
-            <a:ext cx="9071640" cy="2022840"/>
+            <a:ext cx="9071280" cy="2022480"/>
           </a:xfrm>
           <a:prstGeom prst="rect">
             <a:avLst/>
@@ -9488,149 +9310,10 @@
             <a:noAutofit/>
           </a:bodyPr>
           <a:p>
-            <a:r>
-              <a:rPr b="0" lang="en-US" sz="1500" spc="-1" strike="noStrike">
-                <a:solidFill>
-                  <a:srgbClr val="ffffff"/>
-                </a:solidFill>
-                <a:latin typeface="Arial"/>
-              </a:rPr>
-              <a:t>Joshua Jarquin (PM)</a:t>
-            </a:r>
-            <a:endParaRPr b="0" lang="en-US" sz="1500" spc="-1" strike="noStrike">
-              <a:solidFill>
-                <a:srgbClr val="ffffff"/>
-              </a:solidFill>
-              <a:latin typeface="Arial"/>
-            </a:endParaRPr>
-          </a:p>
-          <a:p>
-            <a:r>
-              <a:rPr b="0" lang="en-US" sz="1500" spc="-1" strike="noStrike">
-                <a:solidFill>
-                  <a:srgbClr val="ffffff"/>
-                </a:solidFill>
-                <a:latin typeface="Arial"/>
-              </a:rPr>
-              <a:t>Joshua </a:t>
-            </a:r>
-            <a:r>
-              <a:rPr b="0" lang="en-US" sz="1500" spc="-1" strike="noStrike">
-                <a:solidFill>
-                  <a:srgbClr val="ffffff"/>
-                </a:solidFill>
-                <a:latin typeface="Arial"/>
-              </a:rPr>
-              <a:t>Bartz </a:t>
-            </a:r>
-            <a:endParaRPr b="0" lang="en-US" sz="1500" spc="-1" strike="noStrike">
-              <a:solidFill>
-                <a:srgbClr val="ffffff"/>
-              </a:solidFill>
-              <a:latin typeface="Arial"/>
-            </a:endParaRPr>
-          </a:p>
-          <a:p>
-            <a:r>
-              <a:rPr b="0" lang="en-US" sz="1500" spc="-1" strike="noStrike">
-                <a:solidFill>
-                  <a:srgbClr val="ffffff"/>
-                </a:solidFill>
-                <a:latin typeface="Arial"/>
-              </a:rPr>
-              <a:t>Eugenio </a:t>
-            </a:r>
-            <a:r>
-              <a:rPr b="0" lang="en-US" sz="1500" spc="-1" strike="noStrike">
-                <a:solidFill>
-                  <a:srgbClr val="ffffff"/>
-                </a:solidFill>
-                <a:latin typeface="Arial"/>
-              </a:rPr>
-              <a:t>Diaz</a:t>
-            </a:r>
-            <a:endParaRPr b="0" lang="en-US" sz="1500" spc="-1" strike="noStrike">
-              <a:solidFill>
-                <a:srgbClr val="ffffff"/>
-              </a:solidFill>
-              <a:latin typeface="Arial"/>
-            </a:endParaRPr>
-          </a:p>
-          <a:p>
-            <a:r>
-              <a:rPr b="0" lang="en-US" sz="1500" spc="-1" strike="noStrike">
-                <a:solidFill>
-                  <a:srgbClr val="ffffff"/>
-                </a:solidFill>
-                <a:latin typeface="Arial"/>
-              </a:rPr>
-              <a:t>Benjamin </a:t>
-            </a:r>
-            <a:r>
-              <a:rPr b="0" lang="en-US" sz="1500" spc="-1" strike="noStrike">
-                <a:solidFill>
-                  <a:srgbClr val="ffffff"/>
-                </a:solidFill>
-                <a:latin typeface="Arial"/>
-              </a:rPr>
-              <a:t>Monroy</a:t>
-            </a:r>
-            <a:endParaRPr b="0" lang="en-US" sz="1500" spc="-1" strike="noStrike">
-              <a:solidFill>
-                <a:srgbClr val="ffffff"/>
-              </a:solidFill>
-              <a:latin typeface="Arial"/>
-            </a:endParaRPr>
-          </a:p>
-          <a:p>
-            <a:r>
-              <a:rPr b="0" lang="en-US" sz="1500" spc="-1" strike="noStrike">
-                <a:solidFill>
-                  <a:srgbClr val="ffffff"/>
-                </a:solidFill>
-                <a:latin typeface="Arial"/>
-              </a:rPr>
-              <a:t>Gabriel </a:t>
-            </a:r>
-            <a:r>
-              <a:rPr b="0" lang="en-US" sz="1500" spc="-1" strike="noStrike">
-                <a:solidFill>
-                  <a:srgbClr val="ffffff"/>
-                </a:solidFill>
-                <a:latin typeface="Arial"/>
-              </a:rPr>
-              <a:t>Rechdan </a:t>
-            </a:r>
-            <a:endParaRPr b="0" lang="en-US" sz="1500" spc="-1" strike="noStrike">
-              <a:solidFill>
-                <a:srgbClr val="ffffff"/>
-              </a:solidFill>
-              <a:latin typeface="Arial"/>
-            </a:endParaRPr>
-          </a:p>
-          <a:p>
-            <a:r>
-              <a:rPr b="0" lang="en-US" sz="1500" spc="-1" strike="noStrike">
-                <a:solidFill>
-                  <a:srgbClr val="ffffff"/>
-                </a:solidFill>
-                <a:latin typeface="Arial"/>
-              </a:rPr>
-              <a:t>Alejandro </a:t>
-            </a:r>
-            <a:r>
-              <a:rPr b="0" lang="en-US" sz="1500" spc="-1" strike="noStrike">
-                <a:solidFill>
-                  <a:srgbClr val="ffffff"/>
-                </a:solidFill>
-                <a:latin typeface="Arial"/>
-              </a:rPr>
-              <a:t>Tejeira</a:t>
-            </a:r>
-            <a:endParaRPr b="0" lang="en-US" sz="1500" spc="-1" strike="noStrike">
-              <a:solidFill>
-                <a:srgbClr val="ffffff"/>
-              </a:solidFill>
+            <a:pPr algn="ctr">
+              <a:buNone/>
+            </a:pPr>
+            <a:endParaRPr b="0" lang="en-US" sz="3200" spc="-1" strike="noStrike">
               <a:latin typeface="Arial"/>
             </a:endParaRPr>
           </a:p>
@@ -9668,7 +9351,7 @@
       </p:grpSpPr>
       <p:sp>
         <p:nvSpPr>
-          <p:cNvPr id="161" name="PlaceHolder 1"/>
+          <p:cNvPr id="160" name="PlaceHolder 1"/>
           <p:cNvSpPr>
             <a:spLocks noGrp="1"/>
           </p:cNvSpPr>
@@ -9678,8 +9361,8 @@
         </p:nvSpPr>
         <p:spPr>
           <a:xfrm>
-            <a:off x="540000" y="270000"/>
-            <a:ext cx="9000000" cy="990000"/>
+            <a:off x="504000" y="1428840"/>
+            <a:ext cx="9071280" cy="946440"/>
           </a:xfrm>
           <a:prstGeom prst="rect">
             <a:avLst/>
@@ -9697,7 +9380,16 @@
             <a:pPr algn="ctr">
               <a:buNone/>
             </a:pPr>
-            <a:endParaRPr b="0" lang="en-US" sz="3300" spc="-1" strike="noStrike">
+            <a:r>
+              <a:rPr b="0" lang="en-US" sz="4400" spc="-1" strike="noStrike">
+                <a:solidFill>
+                  <a:srgbClr val="ffffff"/>
+                </a:solidFill>
+                <a:latin typeface="Arial"/>
+              </a:rPr>
+              <a:t>Members</a:t>
+            </a:r>
+            <a:endParaRPr b="0" lang="en-US" sz="4400" spc="-1" strike="noStrike">
               <a:solidFill>
                 <a:srgbClr val="ffffff"/>
               </a:solidFill>
@@ -9708,33 +9400,148 @@
       </p:sp>
       <p:sp>
         <p:nvSpPr>
-          <p:cNvPr id="162" name="PlaceHolder 2"/>
-          <p:cNvSpPr>
-            <a:spLocks noGrp="1"/>
-          </p:cNvSpPr>
-          <p:nvPr>
-            <p:ph/>
-          </p:nvPr>
-        </p:nvSpPr>
-        <p:spPr>
-          <a:xfrm>
-            <a:off x="540000" y="1440000"/>
-            <a:ext cx="9000000" cy="3600000"/>
-          </a:xfrm>
-          <a:prstGeom prst="rect">
-            <a:avLst/>
-          </a:prstGeom>
-          <a:noFill/>
-          <a:ln w="0">
-            <a:noFill/>
-          </a:ln>
-        </p:spPr>
-        <p:txBody>
-          <a:bodyPr lIns="0" rIns="0" tIns="0" bIns="0" anchor="t">
-            <a:normAutofit/>
-          </a:bodyPr>
-          <a:p>
-            <a:endParaRPr b="0" lang="en-US" sz="2400" spc="-1" strike="noStrike">
+          <p:cNvPr id="161" name="PlaceHolder 2"/>
+          <p:cNvSpPr>
+            <a:spLocks noGrp="1"/>
+          </p:cNvSpPr>
+          <p:nvPr>
+            <p:ph type="subTitle"/>
+          </p:nvPr>
+        </p:nvSpPr>
+        <p:spPr>
+          <a:xfrm>
+            <a:off x="504000" y="2592000"/>
+            <a:ext cx="9071280" cy="2022480"/>
+          </a:xfrm>
+          <a:prstGeom prst="rect">
+            <a:avLst/>
+          </a:prstGeom>
+          <a:noFill/>
+          <a:ln w="0">
+            <a:noFill/>
+          </a:ln>
+        </p:spPr>
+        <p:txBody>
+          <a:bodyPr lIns="0" rIns="0" tIns="0" bIns="0" anchor="ctr">
+            <a:noAutofit/>
+          </a:bodyPr>
+          <a:p>
+            <a:pPr>
+              <a:lnSpc>
+                <a:spcPct val="100000"/>
+              </a:lnSpc>
+              <a:buNone/>
+            </a:pPr>
+            <a:r>
+              <a:rPr b="0" lang="en-US" sz="1500" spc="-1" strike="noStrike">
+                <a:solidFill>
+                  <a:srgbClr val="ffffff"/>
+                </a:solidFill>
+                <a:latin typeface="Arial"/>
+              </a:rPr>
+              <a:t>Joshua Jarquin (PM)</a:t>
+            </a:r>
+            <a:endParaRPr b="0" lang="en-US" sz="1500" spc="-1" strike="noStrike">
+              <a:latin typeface="Arial"/>
+            </a:endParaRPr>
+          </a:p>
+          <a:p>
+            <a:pPr>
+              <a:lnSpc>
+                <a:spcPct val="100000"/>
+              </a:lnSpc>
+              <a:buNone/>
+            </a:pPr>
+            <a:r>
+              <a:rPr b="0" lang="en-US" sz="1500" spc="-1" strike="noStrike">
+                <a:solidFill>
+                  <a:srgbClr val="ffffff"/>
+                </a:solidFill>
+                <a:latin typeface="Arial"/>
+              </a:rPr>
+              <a:t>Joshua Bartz </a:t>
+            </a:r>
+            <a:endParaRPr b="0" lang="en-US" sz="1500" spc="-1" strike="noStrike">
+              <a:latin typeface="Arial"/>
+            </a:endParaRPr>
+          </a:p>
+          <a:p>
+            <a:pPr>
+              <a:lnSpc>
+                <a:spcPct val="100000"/>
+              </a:lnSpc>
+              <a:buNone/>
+            </a:pPr>
+            <a:r>
+              <a:rPr b="0" lang="en-US" sz="1500" spc="-1" strike="noStrike">
+                <a:solidFill>
+                  <a:srgbClr val="ffffff"/>
+                </a:solidFill>
+                <a:latin typeface="Arial"/>
+              </a:rPr>
+              <a:t>Eugenio Diaz</a:t>
+            </a:r>
+            <a:endParaRPr b="0" lang="en-US" sz="1500" spc="-1" strike="noStrike">
+              <a:latin typeface="Arial"/>
+            </a:endParaRPr>
+          </a:p>
+          <a:p>
+            <a:pPr>
+              <a:lnSpc>
+                <a:spcPct val="100000"/>
+              </a:lnSpc>
+              <a:buNone/>
+            </a:pPr>
+            <a:r>
+              <a:rPr b="0" lang="en-US" sz="1500" spc="-1" strike="noStrike">
+                <a:solidFill>
+                  <a:srgbClr val="ffffff"/>
+                </a:solidFill>
+                <a:latin typeface="Arial"/>
+              </a:rPr>
+              <a:t>Benjamin Monroy</a:t>
+            </a:r>
+            <a:endParaRPr b="0" lang="en-US" sz="1500" spc="-1" strike="noStrike">
+              <a:latin typeface="Arial"/>
+            </a:endParaRPr>
+          </a:p>
+          <a:p>
+            <a:pPr>
+              <a:lnSpc>
+                <a:spcPct val="100000"/>
+              </a:lnSpc>
+              <a:buNone/>
+            </a:pPr>
+            <a:r>
+              <a:rPr b="0" lang="en-US" sz="1500" spc="-1" strike="noStrike">
+                <a:solidFill>
+                  <a:srgbClr val="ffffff"/>
+                </a:solidFill>
+                <a:latin typeface="Arial"/>
+              </a:rPr>
+              <a:t>Gabriel Rechdan </a:t>
+            </a:r>
+            <a:endParaRPr b="0" lang="en-US" sz="1500" spc="-1" strike="noStrike">
+              <a:latin typeface="Arial"/>
+            </a:endParaRPr>
+          </a:p>
+          <a:p>
+            <a:pPr>
+              <a:lnSpc>
+                <a:spcPct val="100000"/>
+              </a:lnSpc>
+              <a:buNone/>
+            </a:pPr>
+            <a:r>
+              <a:rPr b="0" lang="en-US" sz="1500" spc="-1" strike="noStrike">
+                <a:solidFill>
+                  <a:srgbClr val="ffffff"/>
+                </a:solidFill>
+                <a:latin typeface="Arial"/>
+              </a:rPr>
+              <a:t>Alejandro Tejeira</a:t>
+            </a:r>
+            <a:endParaRPr b="0" lang="en-US" sz="1500" spc="-1" strike="noStrike">
               <a:latin typeface="Arial"/>
             </a:endParaRPr>
           </a:p>
@@ -9772,7 +9579,7 @@
       </p:grpSpPr>
       <p:sp>
         <p:nvSpPr>
-          <p:cNvPr id="163" name="PlaceHolder 1"/>
+          <p:cNvPr id="162" name="PlaceHolder 1"/>
           <p:cNvSpPr>
             <a:spLocks noGrp="1"/>
           </p:cNvSpPr>
@@ -9782,8 +9589,8 @@
         </p:nvSpPr>
         <p:spPr>
           <a:xfrm>
-            <a:off x="540000" y="270000"/>
-            <a:ext cx="9000000" cy="990000"/>
+            <a:off x="504000" y="1428840"/>
+            <a:ext cx="9071280" cy="946440"/>
           </a:xfrm>
           <a:prstGeom prst="rect">
             <a:avLst/>
@@ -9801,7 +9608,16 @@
             <a:pPr algn="ctr">
               <a:buNone/>
             </a:pPr>
-            <a:endParaRPr b="0" lang="en-US" sz="3300" spc="-1" strike="noStrike">
+            <a:r>
+              <a:rPr b="0" lang="en-US" sz="4400" spc="-1" strike="noStrike">
+                <a:solidFill>
+                  <a:srgbClr val="ffffff"/>
+                </a:solidFill>
+                <a:latin typeface="Arial"/>
+              </a:rPr>
+              <a:t>What is this project</a:t>
+            </a:r>
+            <a:endParaRPr b="0" lang="en-US" sz="4400" spc="-1" strike="noStrike">
               <a:solidFill>
                 <a:srgbClr val="ffffff"/>
               </a:solidFill>
@@ -9812,7 +9628,7 @@
       </p:sp>
       <p:sp>
         <p:nvSpPr>
-          <p:cNvPr id="164" name="PlaceHolder 2"/>
+          <p:cNvPr id="163" name="PlaceHolder 2"/>
           <p:cNvSpPr>
             <a:spLocks noGrp="1"/>
           </p:cNvSpPr>
@@ -9822,8 +9638,668 @@
         </p:nvSpPr>
         <p:spPr>
           <a:xfrm>
-            <a:off x="540000" y="1440000"/>
-            <a:ext cx="9000000" cy="3600000"/>
+            <a:off x="504000" y="2592000"/>
+            <a:ext cx="9071280" cy="2022480"/>
+          </a:xfrm>
+          <a:prstGeom prst="rect">
+            <a:avLst/>
+          </a:prstGeom>
+          <a:noFill/>
+          <a:ln w="0">
+            <a:noFill/>
+          </a:ln>
+        </p:spPr>
+        <p:txBody>
+          <a:bodyPr lIns="0" rIns="0" tIns="0" bIns="0" anchor="ctr">
+            <a:noAutofit/>
+          </a:bodyPr>
+          <a:p>
+            <a:pPr algn="ctr">
+              <a:buNone/>
+            </a:pPr>
+            <a:r>
+              <a:rPr b="0" lang="en-US" sz="3200" spc="-1" strike="noStrike">
+                <a:latin typeface="Arial"/>
+              </a:rPr>
+              <a:t>how it was developed, and anything that you feel is important</a:t>
+            </a:r>
+            <a:endParaRPr b="0" lang="en-US" sz="3200" spc="-1" strike="noStrike">
+              <a:latin typeface="Arial"/>
+            </a:endParaRPr>
+          </a:p>
+        </p:txBody>
+      </p:sp>
+    </p:spTree>
+  </p:cSld>
+  <mc:AlternateContent>
+    <mc:Choice Requires="p14">
+      <p:transition spd="slow" p14:dur="2000"/>
+    </mc:Choice>
+    <mc:Fallback>
+      <p:transition spd="slow"/>
+    </mc:Fallback>
+  </mc:AlternateContent>
+</p:sld>
+</file>
+
+<file path=ppt/slides/slide4.xml><?xml version="1.0" encoding="utf-8"?>
+<p:sld xmlns:a="http://schemas.openxmlformats.org/drawingml/2006/main" xmlns:p="http://schemas.openxmlformats.org/presentationml/2006/main" xmlns:r="http://schemas.openxmlformats.org/officeDocument/2006/relationships" xmlns:p14="http://schemas.microsoft.com/office/powerpoint/2010/main" xmlns:p15="http://schemas.microsoft.com/office/powerpoint/2012/main" xmlns:mc="http://schemas.openxmlformats.org/markup-compatibility/2006">
+  <p:cSld>
+    <p:spTree>
+      <p:nvGrpSpPr>
+        <p:cNvPr id="1" name=""/>
+        <p:cNvGrpSpPr/>
+        <p:nvPr/>
+      </p:nvGrpSpPr>
+      <p:grpSpPr>
+        <a:xfrm>
+          <a:off x="0" y="0"/>
+          <a:ext cx="0" cy="0"/>
+          <a:chOff x="0" y="0"/>
+          <a:chExt cx="0" cy="0"/>
+        </a:xfrm>
+      </p:grpSpPr>
+      <p:sp>
+        <p:nvSpPr>
+          <p:cNvPr id="164" name="PlaceHolder 1"/>
+          <p:cNvSpPr>
+            <a:spLocks noGrp="1"/>
+          </p:cNvSpPr>
+          <p:nvPr>
+            <p:ph type="title"/>
+          </p:nvPr>
+        </p:nvSpPr>
+        <p:spPr>
+          <a:xfrm>
+            <a:off x="504000" y="1428840"/>
+            <a:ext cx="9071280" cy="946440"/>
+          </a:xfrm>
+          <a:prstGeom prst="rect">
+            <a:avLst/>
+          </a:prstGeom>
+          <a:noFill/>
+          <a:ln w="0">
+            <a:noFill/>
+          </a:ln>
+        </p:spPr>
+        <p:txBody>
+          <a:bodyPr lIns="0" rIns="0" tIns="0" bIns="0" anchor="ctr">
+            <a:noAutofit/>
+          </a:bodyPr>
+          <a:p>
+            <a:pPr algn="ctr">
+              <a:buNone/>
+            </a:pPr>
+            <a:r>
+              <a:rPr b="0" lang="en-US" sz="4400" spc="-1" strike="noStrike">
+                <a:solidFill>
+                  <a:srgbClr val="ffffff"/>
+                </a:solidFill>
+                <a:latin typeface="Arial"/>
+              </a:rPr>
+              <a:t>Gantt chart, UML and/or ER diagrams are required</a:t>
+            </a:r>
+            <a:endParaRPr b="0" lang="en-US" sz="4400" spc="-1" strike="noStrike">
+              <a:solidFill>
+                <a:srgbClr val="ffffff"/>
+              </a:solidFill>
+              <a:latin typeface="Arial"/>
+            </a:endParaRPr>
+          </a:p>
+        </p:txBody>
+      </p:sp>
+      <p:sp>
+        <p:nvSpPr>
+          <p:cNvPr id="165" name="PlaceHolder 2"/>
+          <p:cNvSpPr>
+            <a:spLocks noGrp="1"/>
+          </p:cNvSpPr>
+          <p:nvPr>
+            <p:ph type="subTitle"/>
+          </p:nvPr>
+        </p:nvSpPr>
+        <p:spPr>
+          <a:xfrm>
+            <a:off x="504000" y="2592000"/>
+            <a:ext cx="9071280" cy="2022480"/>
+          </a:xfrm>
+          <a:prstGeom prst="rect">
+            <a:avLst/>
+          </a:prstGeom>
+          <a:noFill/>
+          <a:ln w="0">
+            <a:noFill/>
+          </a:ln>
+        </p:spPr>
+        <p:txBody>
+          <a:bodyPr lIns="0" rIns="0" tIns="0" bIns="0" anchor="ctr">
+            <a:noAutofit/>
+          </a:bodyPr>
+          <a:p>
+            <a:pPr algn="ctr">
+              <a:buNone/>
+            </a:pPr>
+            <a:endParaRPr b="0" lang="en-US" sz="3200" spc="-1" strike="noStrike">
+              <a:latin typeface="Arial"/>
+            </a:endParaRPr>
+          </a:p>
+        </p:txBody>
+      </p:sp>
+    </p:spTree>
+  </p:cSld>
+  <mc:AlternateContent>
+    <mc:Choice Requires="p14">
+      <p:transition spd="slow" p14:dur="2000"/>
+    </mc:Choice>
+    <mc:Fallback>
+      <p:transition spd="slow"/>
+    </mc:Fallback>
+  </mc:AlternateContent>
+</p:sld>
+</file>
+
+<file path=ppt/slides/slide5.xml><?xml version="1.0" encoding="utf-8"?>
+<p:sld xmlns:a="http://schemas.openxmlformats.org/drawingml/2006/main" xmlns:p="http://schemas.openxmlformats.org/presentationml/2006/main" xmlns:r="http://schemas.openxmlformats.org/officeDocument/2006/relationships" xmlns:p14="http://schemas.microsoft.com/office/powerpoint/2010/main" xmlns:p15="http://schemas.microsoft.com/office/powerpoint/2012/main" xmlns:mc="http://schemas.openxmlformats.org/markup-compatibility/2006">
+  <p:cSld>
+    <p:spTree>
+      <p:nvGrpSpPr>
+        <p:cNvPr id="1" name=""/>
+        <p:cNvGrpSpPr/>
+        <p:nvPr/>
+      </p:nvGrpSpPr>
+      <p:grpSpPr>
+        <a:xfrm>
+          <a:off x="0" y="0"/>
+          <a:ext cx="0" cy="0"/>
+          <a:chOff x="0" y="0"/>
+          <a:chExt cx="0" cy="0"/>
+        </a:xfrm>
+      </p:grpSpPr>
+      <p:sp>
+        <p:nvSpPr>
+          <p:cNvPr id="166" name="PlaceHolder 1"/>
+          <p:cNvSpPr>
+            <a:spLocks noGrp="1"/>
+          </p:cNvSpPr>
+          <p:nvPr>
+            <p:ph type="title"/>
+          </p:nvPr>
+        </p:nvSpPr>
+        <p:spPr>
+          <a:xfrm>
+            <a:off x="540000" y="139680"/>
+            <a:ext cx="8999640" cy="1250280"/>
+          </a:xfrm>
+          <a:prstGeom prst="rect">
+            <a:avLst/>
+          </a:prstGeom>
+          <a:noFill/>
+          <a:ln w="0">
+            <a:noFill/>
+          </a:ln>
+        </p:spPr>
+        <p:txBody>
+          <a:bodyPr lIns="0" rIns="0" tIns="0" bIns="0" anchor="ctr">
+            <a:noAutofit/>
+          </a:bodyPr>
+          <a:p>
+            <a:pPr algn="ctr">
+              <a:buNone/>
+            </a:pPr>
+            <a:r>
+              <a:rPr b="0" lang="en-US" sz="4400" spc="-1" strike="noStrike">
+                <a:solidFill>
+                  <a:srgbClr val="ffffff"/>
+                </a:solidFill>
+                <a:latin typeface="Arial"/>
+              </a:rPr>
+              <a:t>Talk about what went well and what did not go well</a:t>
+            </a:r>
+            <a:endParaRPr b="0" lang="en-US" sz="4400" spc="-1" strike="noStrike">
+              <a:solidFill>
+                <a:srgbClr val="ffffff"/>
+              </a:solidFill>
+              <a:latin typeface="Arial"/>
+            </a:endParaRPr>
+          </a:p>
+        </p:txBody>
+      </p:sp>
+      <p:sp>
+        <p:nvSpPr>
+          <p:cNvPr id="167" name="PlaceHolder 2"/>
+          <p:cNvSpPr>
+            <a:spLocks noGrp="1"/>
+          </p:cNvSpPr>
+          <p:nvPr>
+            <p:ph/>
+          </p:nvPr>
+        </p:nvSpPr>
+        <p:spPr>
+          <a:xfrm>
+            <a:off x="504000" y="1326600"/>
+            <a:ext cx="9072000" cy="3288600"/>
+          </a:xfrm>
+          <a:prstGeom prst="rect">
+            <a:avLst/>
+          </a:prstGeom>
+          <a:noFill/>
+          <a:ln w="0">
+            <a:noFill/>
+          </a:ln>
+        </p:spPr>
+        <p:txBody>
+          <a:bodyPr lIns="0" rIns="0" tIns="0" bIns="0" anchor="t">
+            <a:normAutofit/>
+          </a:bodyPr>
+          <a:p>
+            <a:endParaRPr b="0" lang="en-US" sz="3200" spc="-1" strike="noStrike">
+              <a:latin typeface="Arial"/>
+            </a:endParaRPr>
+          </a:p>
+        </p:txBody>
+      </p:sp>
+    </p:spTree>
+  </p:cSld>
+  <mc:AlternateContent>
+    <mc:Choice Requires="p14">
+      <p:transition spd="slow" p14:dur="2000"/>
+    </mc:Choice>
+    <mc:Fallback>
+      <p:transition spd="slow"/>
+    </mc:Fallback>
+  </mc:AlternateContent>
+</p:sld>
+</file>
+
+<file path=ppt/slides/slide6.xml><?xml version="1.0" encoding="utf-8"?>
+<p:sld xmlns:a="http://schemas.openxmlformats.org/drawingml/2006/main" xmlns:p="http://schemas.openxmlformats.org/presentationml/2006/main" xmlns:r="http://schemas.openxmlformats.org/officeDocument/2006/relationships" xmlns:p14="http://schemas.microsoft.com/office/powerpoint/2010/main" xmlns:p15="http://schemas.microsoft.com/office/powerpoint/2012/main" xmlns:mc="http://schemas.openxmlformats.org/markup-compatibility/2006">
+  <p:cSld>
+    <p:spTree>
+      <p:nvGrpSpPr>
+        <p:cNvPr id="1" name=""/>
+        <p:cNvGrpSpPr/>
+        <p:nvPr/>
+      </p:nvGrpSpPr>
+      <p:grpSpPr>
+        <a:xfrm>
+          <a:off x="0" y="0"/>
+          <a:ext cx="0" cy="0"/>
+          <a:chOff x="0" y="0"/>
+          <a:chExt cx="0" cy="0"/>
+        </a:xfrm>
+      </p:grpSpPr>
+      <p:sp>
+        <p:nvSpPr>
+          <p:cNvPr id="168" name="PlaceHolder 1"/>
+          <p:cNvSpPr>
+            <a:spLocks noGrp="1"/>
+          </p:cNvSpPr>
+          <p:nvPr>
+            <p:ph type="title"/>
+          </p:nvPr>
+        </p:nvSpPr>
+        <p:spPr>
+          <a:xfrm>
+            <a:off x="540000" y="270000"/>
+            <a:ext cx="8999640" cy="989640"/>
+          </a:xfrm>
+          <a:prstGeom prst="rect">
+            <a:avLst/>
+          </a:prstGeom>
+          <a:noFill/>
+          <a:ln w="0">
+            <a:noFill/>
+          </a:ln>
+        </p:spPr>
+        <p:txBody>
+          <a:bodyPr lIns="0" rIns="0" tIns="0" bIns="0" anchor="ctr">
+            <a:noAutofit/>
+          </a:bodyPr>
+          <a:p>
+            <a:pPr algn="ctr">
+              <a:buNone/>
+            </a:pPr>
+            <a:endParaRPr b="0" lang="en-US" sz="4400" spc="-1" strike="noStrike">
+              <a:solidFill>
+                <a:srgbClr val="ffffff"/>
+              </a:solidFill>
+              <a:latin typeface="Arial"/>
+            </a:endParaRPr>
+          </a:p>
+        </p:txBody>
+      </p:sp>
+      <p:sp>
+        <p:nvSpPr>
+          <p:cNvPr id="169" name="PlaceHolder 2"/>
+          <p:cNvSpPr>
+            <a:spLocks noGrp="1"/>
+          </p:cNvSpPr>
+          <p:nvPr>
+            <p:ph/>
+          </p:nvPr>
+        </p:nvSpPr>
+        <p:spPr>
+          <a:xfrm>
+            <a:off x="504000" y="1326600"/>
+            <a:ext cx="9072000" cy="3288600"/>
+          </a:xfrm>
+          <a:prstGeom prst="rect">
+            <a:avLst/>
+          </a:prstGeom>
+          <a:noFill/>
+          <a:ln w="0">
+            <a:noFill/>
+          </a:ln>
+        </p:spPr>
+        <p:txBody>
+          <a:bodyPr lIns="0" rIns="0" tIns="0" bIns="0" anchor="t">
+            <a:normAutofit/>
+          </a:bodyPr>
+          <a:p>
+            <a:endParaRPr b="0" lang="en-US" sz="3200" spc="-1" strike="noStrike">
+              <a:latin typeface="Arial"/>
+            </a:endParaRPr>
+          </a:p>
+        </p:txBody>
+      </p:sp>
+    </p:spTree>
+  </p:cSld>
+  <mc:AlternateContent>
+    <mc:Choice Requires="p14">
+      <p:transition spd="slow" p14:dur="2000"/>
+    </mc:Choice>
+    <mc:Fallback>
+      <p:transition spd="slow"/>
+    </mc:Fallback>
+  </mc:AlternateContent>
+</p:sld>
+</file>
+
+<file path=ppt/slides/slide7.xml><?xml version="1.0" encoding="utf-8"?>
+<p:sld xmlns:a="http://schemas.openxmlformats.org/drawingml/2006/main" xmlns:p="http://schemas.openxmlformats.org/presentationml/2006/main" xmlns:r="http://schemas.openxmlformats.org/officeDocument/2006/relationships" xmlns:p14="http://schemas.microsoft.com/office/powerpoint/2010/main" xmlns:p15="http://schemas.microsoft.com/office/powerpoint/2012/main" xmlns:mc="http://schemas.openxmlformats.org/markup-compatibility/2006">
+  <p:cSld>
+    <p:spTree>
+      <p:nvGrpSpPr>
+        <p:cNvPr id="1" name=""/>
+        <p:cNvGrpSpPr/>
+        <p:nvPr/>
+      </p:nvGrpSpPr>
+      <p:grpSpPr>
+        <a:xfrm>
+          <a:off x="0" y="0"/>
+          <a:ext cx="0" cy="0"/>
+          <a:chOff x="0" y="0"/>
+          <a:chExt cx="0" cy="0"/>
+        </a:xfrm>
+      </p:grpSpPr>
+      <p:sp>
+        <p:nvSpPr>
+          <p:cNvPr id="170" name="PlaceHolder 1"/>
+          <p:cNvSpPr>
+            <a:spLocks noGrp="1"/>
+          </p:cNvSpPr>
+          <p:nvPr>
+            <p:ph type="title"/>
+          </p:nvPr>
+        </p:nvSpPr>
+        <p:spPr>
+          <a:xfrm>
+            <a:off x="504000" y="1428840"/>
+            <a:ext cx="9071280" cy="946440"/>
+          </a:xfrm>
+          <a:prstGeom prst="rect">
+            <a:avLst/>
+          </a:prstGeom>
+          <a:noFill/>
+          <a:ln w="0">
+            <a:noFill/>
+          </a:ln>
+        </p:spPr>
+        <p:txBody>
+          <a:bodyPr lIns="0" rIns="0" tIns="0" bIns="0" anchor="ctr">
+            <a:noAutofit/>
+          </a:bodyPr>
+          <a:p>
+            <a:pPr algn="ctr">
+              <a:buNone/>
+            </a:pPr>
+            <a:endParaRPr b="0" lang="en-US" sz="4400" spc="-1" strike="noStrike">
+              <a:solidFill>
+                <a:srgbClr val="ffffff"/>
+              </a:solidFill>
+              <a:latin typeface="Arial"/>
+            </a:endParaRPr>
+          </a:p>
+        </p:txBody>
+      </p:sp>
+      <p:sp>
+        <p:nvSpPr>
+          <p:cNvPr id="171" name="PlaceHolder 2"/>
+          <p:cNvSpPr>
+            <a:spLocks noGrp="1"/>
+          </p:cNvSpPr>
+          <p:nvPr>
+            <p:ph type="subTitle"/>
+          </p:nvPr>
+        </p:nvSpPr>
+        <p:spPr>
+          <a:xfrm>
+            <a:off x="504000" y="2592000"/>
+            <a:ext cx="9071280" cy="2022480"/>
+          </a:xfrm>
+          <a:prstGeom prst="rect">
+            <a:avLst/>
+          </a:prstGeom>
+          <a:noFill/>
+          <a:ln w="0">
+            <a:noFill/>
+          </a:ln>
+        </p:spPr>
+        <p:txBody>
+          <a:bodyPr lIns="0" rIns="0" tIns="0" bIns="0" anchor="ctr">
+            <a:noAutofit/>
+          </a:bodyPr>
+          <a:p>
+            <a:pPr algn="ctr">
+              <a:buNone/>
+            </a:pPr>
+            <a:endParaRPr b="0" lang="en-US" sz="3200" spc="-1" strike="noStrike">
+              <a:latin typeface="Arial"/>
+            </a:endParaRPr>
+          </a:p>
+        </p:txBody>
+      </p:sp>
+    </p:spTree>
+  </p:cSld>
+  <mc:AlternateContent>
+    <mc:Choice Requires="p14">
+      <p:transition spd="slow" p14:dur="2000"/>
+    </mc:Choice>
+    <mc:Fallback>
+      <p:transition spd="slow"/>
+    </mc:Fallback>
+  </mc:AlternateContent>
+</p:sld>
+</file>
+
+<file path=ppt/slides/slide8.xml><?xml version="1.0" encoding="utf-8"?>
+<p:sld xmlns:a="http://schemas.openxmlformats.org/drawingml/2006/main" xmlns:p="http://schemas.openxmlformats.org/presentationml/2006/main" xmlns:r="http://schemas.openxmlformats.org/officeDocument/2006/relationships" xmlns:p14="http://schemas.microsoft.com/office/powerpoint/2010/main" xmlns:p15="http://schemas.microsoft.com/office/powerpoint/2012/main" xmlns:mc="http://schemas.openxmlformats.org/markup-compatibility/2006">
+  <p:cSld>
+    <p:spTree>
+      <p:nvGrpSpPr>
+        <p:cNvPr id="1" name=""/>
+        <p:cNvGrpSpPr/>
+        <p:nvPr/>
+      </p:nvGrpSpPr>
+      <p:grpSpPr>
+        <a:xfrm>
+          <a:off x="0" y="0"/>
+          <a:ext cx="0" cy="0"/>
+          <a:chOff x="0" y="0"/>
+          <a:chExt cx="0" cy="0"/>
+        </a:xfrm>
+      </p:grpSpPr>
+      <p:sp>
+        <p:nvSpPr>
+          <p:cNvPr id="172" name="PlaceHolder 1"/>
+          <p:cNvSpPr>
+            <a:spLocks noGrp="1"/>
+          </p:cNvSpPr>
+          <p:nvPr>
+            <p:ph type="title"/>
+          </p:nvPr>
+        </p:nvSpPr>
+        <p:spPr>
+          <a:xfrm>
+            <a:off x="504000" y="1428840"/>
+            <a:ext cx="9071280" cy="946440"/>
+          </a:xfrm>
+          <a:prstGeom prst="rect">
+            <a:avLst/>
+          </a:prstGeom>
+          <a:noFill/>
+          <a:ln w="0">
+            <a:noFill/>
+          </a:ln>
+        </p:spPr>
+        <p:txBody>
+          <a:bodyPr lIns="0" rIns="0" tIns="0" bIns="0" anchor="ctr">
+            <a:noAutofit/>
+          </a:bodyPr>
+          <a:p>
+            <a:pPr algn="ctr">
+              <a:buNone/>
+            </a:pPr>
+            <a:endParaRPr b="0" lang="en-US" sz="4400" spc="-1" strike="noStrike">
+              <a:solidFill>
+                <a:srgbClr val="ffffff"/>
+              </a:solidFill>
+              <a:latin typeface="Arial"/>
+            </a:endParaRPr>
+          </a:p>
+        </p:txBody>
+      </p:sp>
+      <p:sp>
+        <p:nvSpPr>
+          <p:cNvPr id="173" name="PlaceHolder 2"/>
+          <p:cNvSpPr>
+            <a:spLocks noGrp="1"/>
+          </p:cNvSpPr>
+          <p:nvPr>
+            <p:ph type="subTitle"/>
+          </p:nvPr>
+        </p:nvSpPr>
+        <p:spPr>
+          <a:xfrm>
+            <a:off x="504000" y="2592000"/>
+            <a:ext cx="9071280" cy="2022480"/>
+          </a:xfrm>
+          <a:prstGeom prst="rect">
+            <a:avLst/>
+          </a:prstGeom>
+          <a:noFill/>
+          <a:ln w="0">
+            <a:noFill/>
+          </a:ln>
+        </p:spPr>
+        <p:txBody>
+          <a:bodyPr lIns="0" rIns="0" tIns="0" bIns="0" anchor="ctr">
+            <a:noAutofit/>
+          </a:bodyPr>
+          <a:p>
+            <a:pPr algn="ctr">
+              <a:buNone/>
+            </a:pPr>
+            <a:endParaRPr b="0" lang="en-US" sz="3200" spc="-1" strike="noStrike">
+              <a:latin typeface="Arial"/>
+            </a:endParaRPr>
+          </a:p>
+        </p:txBody>
+      </p:sp>
+    </p:spTree>
+  </p:cSld>
+  <mc:AlternateContent>
+    <mc:Choice Requires="p14">
+      <p:transition spd="slow" p14:dur="2000"/>
+    </mc:Choice>
+    <mc:Fallback>
+      <p:transition spd="slow"/>
+    </mc:Fallback>
+  </mc:AlternateContent>
+</p:sld>
+</file>
+
+<file path=ppt/slides/slide9.xml><?xml version="1.0" encoding="utf-8"?>
+<p:sld xmlns:a="http://schemas.openxmlformats.org/drawingml/2006/main" xmlns:p="http://schemas.openxmlformats.org/presentationml/2006/main" xmlns:r="http://schemas.openxmlformats.org/officeDocument/2006/relationships" xmlns:p14="http://schemas.microsoft.com/office/powerpoint/2010/main" xmlns:p15="http://schemas.microsoft.com/office/powerpoint/2012/main" xmlns:mc="http://schemas.openxmlformats.org/markup-compatibility/2006">
+  <p:cSld>
+    <p:spTree>
+      <p:nvGrpSpPr>
+        <p:cNvPr id="1" name=""/>
+        <p:cNvGrpSpPr/>
+        <p:nvPr/>
+      </p:nvGrpSpPr>
+      <p:grpSpPr>
+        <a:xfrm>
+          <a:off x="0" y="0"/>
+          <a:ext cx="0" cy="0"/>
+          <a:chOff x="0" y="0"/>
+          <a:chExt cx="0" cy="0"/>
+        </a:xfrm>
+      </p:grpSpPr>
+      <p:sp>
+        <p:nvSpPr>
+          <p:cNvPr id="174" name="PlaceHolder 1"/>
+          <p:cNvSpPr>
+            <a:spLocks noGrp="1"/>
+          </p:cNvSpPr>
+          <p:nvPr>
+            <p:ph type="title"/>
+          </p:nvPr>
+        </p:nvSpPr>
+        <p:spPr>
+          <a:xfrm>
+            <a:off x="504000" y="1428840"/>
+            <a:ext cx="9071280" cy="946440"/>
+          </a:xfrm>
+          <a:prstGeom prst="rect">
+            <a:avLst/>
+          </a:prstGeom>
+          <a:noFill/>
+          <a:ln w="0">
+            <a:noFill/>
+          </a:ln>
+        </p:spPr>
+        <p:txBody>
+          <a:bodyPr lIns="0" rIns="0" tIns="0" bIns="0" anchor="ctr">
+            <a:noAutofit/>
+          </a:bodyPr>
+          <a:p>
+            <a:pPr algn="ctr">
+              <a:buNone/>
+            </a:pPr>
+            <a:endParaRPr b="0" lang="en-US" sz="4400" spc="-1" strike="noStrike">
+              <a:solidFill>
+                <a:srgbClr val="ffffff"/>
+              </a:solidFill>
+              <a:latin typeface="Arial"/>
+            </a:endParaRPr>
+          </a:p>
+        </p:txBody>
+      </p:sp>
+      <p:sp>
+        <p:nvSpPr>
+          <p:cNvPr id="175" name="PlaceHolder 2"/>
+          <p:cNvSpPr>
+            <a:spLocks noGrp="1"/>
+          </p:cNvSpPr>
+          <p:nvPr>
+            <p:ph type="subTitle"/>
+          </p:nvPr>
+        </p:nvSpPr>
+        <p:spPr>
+          <a:xfrm>
+            <a:off x="504000" y="2592000"/>
+            <a:ext cx="9071280" cy="2022480"/>
           </a:xfrm>
           <a:prstGeom prst="rect">
             <a:avLst/>

--- a/Pres.pptx
+++ b/Pres.pptx
@@ -3,24 +3,22 @@
 <p:presentation xmlns:a="http://schemas.openxmlformats.org/drawingml/2006/main" xmlns:p="http://schemas.openxmlformats.org/presentationml/2006/main" xmlns:r="http://schemas.openxmlformats.org/officeDocument/2006/relationships" xmlns:p14="http://schemas.microsoft.com/office/powerpoint/2010/main" xmlns:p15="http://schemas.microsoft.com/office/powerpoint/2012/main" xmlns:mc="http://schemas.openxmlformats.org/markup-compatibility/2006">
   <p:sldMasterIdLst>
     <p:sldMasterId id="2147483648" r:id="rId2"/>
+    <p:sldMasterId id="2147483661" r:id="rId3"/>
+    <p:sldMasterId id="2147483674" r:id="rId4"/>
   </p:sldMasterIdLst>
   <p:sldIdLst>
-    <p:sldId id="256" r:id="rId3"/>
-    <p:sldId id="257" r:id="rId4"/>
-    <p:sldId id="258" r:id="rId5"/>
-    <p:sldId id="259" r:id="rId6"/>
-    <p:sldId id="260" r:id="rId7"/>
-    <p:sldId id="261" r:id="rId8"/>
-    <p:sldId id="262" r:id="rId9"/>
-    <p:sldId id="263" r:id="rId10"/>
-    <p:sldId id="264" r:id="rId11"/>
-    <p:sldId id="265" r:id="rId12"/>
-    <p:sldId id="266" r:id="rId13"/>
-    <p:sldId id="267" r:id="rId14"/>
-    <p:sldId id="268" r:id="rId15"/>
+    <p:sldId id="256" r:id="rId5"/>
+    <p:sldId id="257" r:id="rId6"/>
+    <p:sldId id="258" r:id="rId7"/>
+    <p:sldId id="259" r:id="rId8"/>
+    <p:sldId id="260" r:id="rId9"/>
+    <p:sldId id="261" r:id="rId10"/>
+    <p:sldId id="262" r:id="rId11"/>
+    <p:sldId id="263" r:id="rId12"/>
+    <p:sldId id="264" r:id="rId13"/>
   </p:sldIdLst>
   <p:sldSz cx="10080625" cy="5670550"/>
-  <p:notesSz cx="7772400" cy="10058400"/>
+  <p:notesSz cx="7559675" cy="10691813"/>
 </p:presentation>
 </file>
 
@@ -75,7 +73,7 @@
         <p:txBody>
           <a:bodyPr/>
           <a:p>
-            <a:fld id="{57F4DE38-2963-4E93-A4E8-04A6C274BA25}" type="slidenum">
+            <a:fld id="{9AB6CA4B-282F-4EC8-9F7E-7A5D5CAFF5B9}" type="slidenum">
               <a:t>&lt;#&gt;</a:t>
             </a:fld>
           </a:p>
@@ -137,7 +135,7 @@
         <p:spPr>
           <a:xfrm>
             <a:off x="540000" y="270000"/>
-            <a:ext cx="8999280" cy="989280"/>
+            <a:ext cx="8999640" cy="989640"/>
           </a:xfrm>
           <a:prstGeom prst="rect">
             <a:avLst/>
@@ -156,6 +154,9 @@
               <a:buNone/>
             </a:pPr>
             <a:endParaRPr b="0" lang="en-US" sz="4400" spc="-1" strike="noStrike">
+              <a:solidFill>
+                <a:srgbClr val="ffffff"/>
+              </a:solidFill>
               <a:latin typeface="Arial"/>
             </a:endParaRPr>
           </a:p>
@@ -174,7 +175,7 @@
         <p:spPr>
           <a:xfrm>
             <a:off x="504000" y="1326600"/>
-            <a:ext cx="9071640" cy="1568160"/>
+            <a:ext cx="9072000" cy="1568520"/>
           </a:xfrm>
           <a:prstGeom prst="rect">
             <a:avLst/>
@@ -207,8 +208,8 @@
         </p:nvSpPr>
         <p:spPr>
           <a:xfrm>
-            <a:off x="504000" y="3044160"/>
-            <a:ext cx="9071640" cy="1568160"/>
+            <a:off x="504000" y="3044520"/>
+            <a:ext cx="9072000" cy="1568520"/>
           </a:xfrm>
           <a:prstGeom prst="rect">
             <a:avLst/>
@@ -263,7 +264,7 @@
         <p:txBody>
           <a:bodyPr/>
           <a:p>
-            <a:fld id="{8DA0E4AD-BA26-479F-B432-AF0BA77EA41C}" type="slidenum">
+            <a:fld id="{695A84E8-FC45-44E3-BB86-ABE81296937E}" type="slidenum">
               <a:t>&lt;#&gt;</a:t>
             </a:fld>
           </a:p>
@@ -325,7 +326,7 @@
         <p:spPr>
           <a:xfrm>
             <a:off x="540000" y="270000"/>
-            <a:ext cx="8999280" cy="989280"/>
+            <a:ext cx="8999640" cy="989640"/>
           </a:xfrm>
           <a:prstGeom prst="rect">
             <a:avLst/>
@@ -344,6 +345,9 @@
               <a:buNone/>
             </a:pPr>
             <a:endParaRPr b="0" lang="en-US" sz="4400" spc="-1" strike="noStrike">
+              <a:solidFill>
+                <a:srgbClr val="ffffff"/>
+              </a:solidFill>
               <a:latin typeface="Arial"/>
             </a:endParaRPr>
           </a:p>
@@ -362,7 +366,7 @@
         <p:spPr>
           <a:xfrm>
             <a:off x="504000" y="1326600"/>
-            <a:ext cx="4426920" cy="1568160"/>
+            <a:ext cx="4426920" cy="1568520"/>
           </a:xfrm>
           <a:prstGeom prst="rect">
             <a:avLst/>
@@ -396,7 +400,7 @@
         <p:spPr>
           <a:xfrm>
             <a:off x="5152680" y="1326600"/>
-            <a:ext cx="4426920" cy="1568160"/>
+            <a:ext cx="4426920" cy="1568520"/>
           </a:xfrm>
           <a:prstGeom prst="rect">
             <a:avLst/>
@@ -429,8 +433,8 @@
         </p:nvSpPr>
         <p:spPr>
           <a:xfrm>
-            <a:off x="504000" y="3044160"/>
-            <a:ext cx="4426920" cy="1568160"/>
+            <a:off x="504000" y="3044520"/>
+            <a:ext cx="4426920" cy="1568520"/>
           </a:xfrm>
           <a:prstGeom prst="rect">
             <a:avLst/>
@@ -463,8 +467,8 @@
         </p:nvSpPr>
         <p:spPr>
           <a:xfrm>
-            <a:off x="5152680" y="3044160"/>
-            <a:ext cx="4426920" cy="1568160"/>
+            <a:off x="5152680" y="3044520"/>
+            <a:ext cx="4426920" cy="1568520"/>
           </a:xfrm>
           <a:prstGeom prst="rect">
             <a:avLst/>
@@ -519,7 +523,7 @@
         <p:txBody>
           <a:bodyPr/>
           <a:p>
-            <a:fld id="{AF2D314A-2BE1-4F40-ACC4-B146BDBA8FDE}" type="slidenum">
+            <a:fld id="{B9764EA1-56BA-4A76-B5D9-D0AB0FF6BD35}" type="slidenum">
               <a:t>&lt;#&gt;</a:t>
             </a:fld>
           </a:p>
@@ -581,7 +585,7 @@
         <p:spPr>
           <a:xfrm>
             <a:off x="540000" y="270000"/>
-            <a:ext cx="8999280" cy="989280"/>
+            <a:ext cx="8999640" cy="989640"/>
           </a:xfrm>
           <a:prstGeom prst="rect">
             <a:avLst/>
@@ -600,6 +604,9 @@
               <a:buNone/>
             </a:pPr>
             <a:endParaRPr b="0" lang="en-US" sz="4400" spc="-1" strike="noStrike">
+              <a:solidFill>
+                <a:srgbClr val="ffffff"/>
+              </a:solidFill>
               <a:latin typeface="Arial"/>
             </a:endParaRPr>
           </a:p>
@@ -618,7 +625,7 @@
         <p:spPr>
           <a:xfrm>
             <a:off x="504000" y="1326600"/>
-            <a:ext cx="2920680" cy="1568160"/>
+            <a:ext cx="2921040" cy="1568520"/>
           </a:xfrm>
           <a:prstGeom prst="rect">
             <a:avLst/>
@@ -651,8 +658,8 @@
         </p:nvSpPr>
         <p:spPr>
           <a:xfrm>
-            <a:off x="3571200" y="1326600"/>
-            <a:ext cx="2920680" cy="1568160"/>
+            <a:off x="3571560" y="1326600"/>
+            <a:ext cx="2921040" cy="1568520"/>
           </a:xfrm>
           <a:prstGeom prst="rect">
             <a:avLst/>
@@ -685,8 +692,8 @@
         </p:nvSpPr>
         <p:spPr>
           <a:xfrm>
-            <a:off x="6638040" y="1326600"/>
-            <a:ext cx="2920680" cy="1568160"/>
+            <a:off x="6639120" y="1326600"/>
+            <a:ext cx="2921040" cy="1568520"/>
           </a:xfrm>
           <a:prstGeom prst="rect">
             <a:avLst/>
@@ -719,8 +726,8 @@
         </p:nvSpPr>
         <p:spPr>
           <a:xfrm>
-            <a:off x="504000" y="3044160"/>
-            <a:ext cx="2920680" cy="1568160"/>
+            <a:off x="504000" y="3044520"/>
+            <a:ext cx="2921040" cy="1568520"/>
           </a:xfrm>
           <a:prstGeom prst="rect">
             <a:avLst/>
@@ -753,8 +760,8 @@
         </p:nvSpPr>
         <p:spPr>
           <a:xfrm>
-            <a:off x="3571200" y="3044160"/>
-            <a:ext cx="2920680" cy="1568160"/>
+            <a:off x="3571560" y="3044520"/>
+            <a:ext cx="2921040" cy="1568520"/>
           </a:xfrm>
           <a:prstGeom prst="rect">
             <a:avLst/>
@@ -787,8 +794,8 @@
         </p:nvSpPr>
         <p:spPr>
           <a:xfrm>
-            <a:off x="6638040" y="3044160"/>
-            <a:ext cx="2920680" cy="1568160"/>
+            <a:off x="6639120" y="3044520"/>
+            <a:ext cx="2921040" cy="1568520"/>
           </a:xfrm>
           <a:prstGeom prst="rect">
             <a:avLst/>
@@ -843,7 +850,7 @@
         <p:txBody>
           <a:bodyPr/>
           <a:p>
-            <a:fld id="{C8966B58-CC0D-4342-AB11-F71FF2502521}" type="slidenum">
+            <a:fld id="{9480888D-27EE-4886-B651-D9E728B85899}" type="slidenum">
               <a:t>&lt;#&gt;</a:t>
             </a:fld>
           </a:p>
@@ -857,6 +864,1065 @@
           </p:cNvSpPr>
           <p:nvPr>
             <p:ph type="dt" idx="3"/>
+          </p:nvPr>
+        </p:nvSpPr>
+        <p:spPr/>
+        <p:txBody>
+          <a:bodyPr/>
+          <a:p>
+            <a:r>
+              <a:rPr lang="en-US"/>
+              <a:t/>
+            </a:r>
+          </a:p>
+        </p:txBody>
+      </p:sp>
+    </p:spTree>
+  </p:cSld>
+</p:sldLayout>
+</file>
+
+<file path=ppt/slideLayouts/slideLayout13.xml><?xml version="1.0" encoding="utf-8"?>
+<p:sldLayout xmlns:a="http://schemas.openxmlformats.org/drawingml/2006/main" xmlns:p="http://schemas.openxmlformats.org/presentationml/2006/main" xmlns:r="http://schemas.openxmlformats.org/officeDocument/2006/relationships" xmlns:p14="http://schemas.microsoft.com/office/powerpoint/2010/main" xmlns:p15="http://schemas.microsoft.com/office/powerpoint/2012/main" xmlns:mc="http://schemas.openxmlformats.org/markup-compatibility/2006" type="blank" preserve="1">
+  <p:cSld name="Blank Slide">
+    <p:spTree>
+      <p:nvGrpSpPr>
+        <p:cNvPr id="1" name=""/>
+        <p:cNvGrpSpPr/>
+        <p:nvPr/>
+      </p:nvGrpSpPr>
+      <p:grpSpPr>
+        <a:xfrm>
+          <a:off x="0" y="0"/>
+          <a:ext cx="0" cy="0"/>
+          <a:chOff x="0" y="0"/>
+          <a:chExt cx="0" cy="0"/>
+        </a:xfrm>
+      </p:grpSpPr>
+      <p:sp>
+        <p:nvSpPr>
+          <p:cNvPr id="2" name="PlaceHolder 1"/>
+          <p:cNvSpPr>
+            <a:spLocks noGrp="1"/>
+          </p:cNvSpPr>
+          <p:nvPr>
+            <p:ph type="ftr" idx="4"/>
+          </p:nvPr>
+        </p:nvSpPr>
+        <p:spPr/>
+        <p:txBody>
+          <a:bodyPr/>
+          <a:p>
+            <a:r>
+              <a:t>Footer</a:t>
+            </a:r>
+          </a:p>
+        </p:txBody>
+      </p:sp>
+      <p:sp>
+        <p:nvSpPr>
+          <p:cNvPr id="3" name="PlaceHolder 2"/>
+          <p:cNvSpPr>
+            <a:spLocks noGrp="1"/>
+          </p:cNvSpPr>
+          <p:nvPr>
+            <p:ph type="sldNum" idx="5"/>
+          </p:nvPr>
+        </p:nvSpPr>
+        <p:spPr/>
+        <p:txBody>
+          <a:bodyPr/>
+          <a:p>
+            <a:fld id="{9EE9CEC8-C303-457F-AEDE-53B66512DACF}" type="slidenum">
+              <a:t>&lt;#&gt;</a:t>
+            </a:fld>
+          </a:p>
+        </p:txBody>
+      </p:sp>
+      <p:sp>
+        <p:nvSpPr>
+          <p:cNvPr id="4" name="PlaceHolder 3"/>
+          <p:cNvSpPr>
+            <a:spLocks noGrp="1"/>
+          </p:cNvSpPr>
+          <p:nvPr>
+            <p:ph type="dt" idx="6"/>
+          </p:nvPr>
+        </p:nvSpPr>
+        <p:spPr/>
+        <p:txBody>
+          <a:bodyPr/>
+          <a:p>
+            <a:r>
+              <a:rPr lang="en-US"/>
+              <a:t/>
+            </a:r>
+          </a:p>
+        </p:txBody>
+      </p:sp>
+    </p:spTree>
+  </p:cSld>
+</p:sldLayout>
+</file>
+
+<file path=ppt/slideLayouts/slideLayout14.xml><?xml version="1.0" encoding="utf-8"?>
+<p:sldLayout xmlns:a="http://schemas.openxmlformats.org/drawingml/2006/main" xmlns:p="http://schemas.openxmlformats.org/presentationml/2006/main" xmlns:r="http://schemas.openxmlformats.org/officeDocument/2006/relationships" xmlns:p14="http://schemas.microsoft.com/office/powerpoint/2010/main" xmlns:p15="http://schemas.microsoft.com/office/powerpoint/2012/main" xmlns:mc="http://schemas.openxmlformats.org/markup-compatibility/2006" type="tx" preserve="1">
+  <p:cSld name="Title Slide">
+    <p:spTree>
+      <p:nvGrpSpPr>
+        <p:cNvPr id="1" name=""/>
+        <p:cNvGrpSpPr/>
+        <p:nvPr/>
+      </p:nvGrpSpPr>
+      <p:grpSpPr>
+        <a:xfrm>
+          <a:off x="0" y="0"/>
+          <a:ext cx="0" cy="0"/>
+          <a:chOff x="0" y="0"/>
+          <a:chExt cx="0" cy="0"/>
+        </a:xfrm>
+      </p:grpSpPr>
+      <p:sp>
+        <p:nvSpPr>
+          <p:cNvPr id="73" name="PlaceHolder 1"/>
+          <p:cNvSpPr>
+            <a:spLocks noGrp="1"/>
+          </p:cNvSpPr>
+          <p:nvPr>
+            <p:ph type="title"/>
+          </p:nvPr>
+        </p:nvSpPr>
+        <p:spPr>
+          <a:xfrm>
+            <a:off x="540000" y="270000"/>
+            <a:ext cx="8999640" cy="989640"/>
+          </a:xfrm>
+          <a:prstGeom prst="rect">
+            <a:avLst/>
+          </a:prstGeom>
+          <a:noFill/>
+          <a:ln w="0">
+            <a:noFill/>
+          </a:ln>
+        </p:spPr>
+        <p:txBody>
+          <a:bodyPr lIns="0" rIns="0" tIns="0" bIns="0" anchor="ctr">
+            <a:noAutofit/>
+          </a:bodyPr>
+          <a:p>
+            <a:pPr algn="ctr">
+              <a:buNone/>
+            </a:pPr>
+            <a:endParaRPr b="0" lang="en-US" sz="4400" spc="-1" strike="noStrike">
+              <a:solidFill>
+                <a:srgbClr val="ffffff"/>
+              </a:solidFill>
+              <a:latin typeface="Arial"/>
+            </a:endParaRPr>
+          </a:p>
+        </p:txBody>
+      </p:sp>
+      <p:sp>
+        <p:nvSpPr>
+          <p:cNvPr id="74" name="PlaceHolder 2"/>
+          <p:cNvSpPr>
+            <a:spLocks noGrp="1"/>
+          </p:cNvSpPr>
+          <p:nvPr>
+            <p:ph type="subTitle"/>
+          </p:nvPr>
+        </p:nvSpPr>
+        <p:spPr>
+          <a:xfrm>
+            <a:off x="504000" y="1326600"/>
+            <a:ext cx="9072000" cy="3288600"/>
+          </a:xfrm>
+          <a:prstGeom prst="rect">
+            <a:avLst/>
+          </a:prstGeom>
+          <a:noFill/>
+          <a:ln w="0">
+            <a:noFill/>
+          </a:ln>
+        </p:spPr>
+        <p:txBody>
+          <a:bodyPr lIns="0" rIns="0" tIns="0" bIns="0" anchor="ctr">
+            <a:noAutofit/>
+          </a:bodyPr>
+          <a:p>
+            <a:pPr algn="ctr">
+              <a:buNone/>
+            </a:pPr>
+            <a:endParaRPr b="0" lang="en-US" sz="3200" spc="-1" strike="noStrike">
+              <a:latin typeface="Arial"/>
+            </a:endParaRPr>
+          </a:p>
+        </p:txBody>
+      </p:sp>
+      <p:sp>
+        <p:nvSpPr>
+          <p:cNvPr id="4" name="PlaceHolder 3"/>
+          <p:cNvSpPr>
+            <a:spLocks noGrp="1"/>
+          </p:cNvSpPr>
+          <p:nvPr>
+            <p:ph type="ftr" idx="4"/>
+          </p:nvPr>
+        </p:nvSpPr>
+        <p:spPr/>
+        <p:txBody>
+          <a:bodyPr/>
+          <a:p>
+            <a:r>
+              <a:t>Footer</a:t>
+            </a:r>
+          </a:p>
+        </p:txBody>
+      </p:sp>
+      <p:sp>
+        <p:nvSpPr>
+          <p:cNvPr id="5" name="PlaceHolder 4"/>
+          <p:cNvSpPr>
+            <a:spLocks noGrp="1"/>
+          </p:cNvSpPr>
+          <p:nvPr>
+            <p:ph type="sldNum" idx="5"/>
+          </p:nvPr>
+        </p:nvSpPr>
+        <p:spPr/>
+        <p:txBody>
+          <a:bodyPr/>
+          <a:p>
+            <a:fld id="{1CBAF1F9-3B89-40F7-A19B-F78B923EABA8}" type="slidenum">
+              <a:t>&lt;#&gt;</a:t>
+            </a:fld>
+          </a:p>
+        </p:txBody>
+      </p:sp>
+      <p:sp>
+        <p:nvSpPr>
+          <p:cNvPr id="6" name="PlaceHolder 5"/>
+          <p:cNvSpPr>
+            <a:spLocks noGrp="1"/>
+          </p:cNvSpPr>
+          <p:nvPr>
+            <p:ph type="dt" idx="6"/>
+          </p:nvPr>
+        </p:nvSpPr>
+        <p:spPr/>
+        <p:txBody>
+          <a:bodyPr/>
+          <a:p>
+            <a:r>
+              <a:rPr lang="en-US"/>
+              <a:t/>
+            </a:r>
+          </a:p>
+        </p:txBody>
+      </p:sp>
+    </p:spTree>
+  </p:cSld>
+</p:sldLayout>
+</file>
+
+<file path=ppt/slideLayouts/slideLayout15.xml><?xml version="1.0" encoding="utf-8"?>
+<p:sldLayout xmlns:a="http://schemas.openxmlformats.org/drawingml/2006/main" xmlns:p="http://schemas.openxmlformats.org/presentationml/2006/main" xmlns:r="http://schemas.openxmlformats.org/officeDocument/2006/relationships" xmlns:p14="http://schemas.microsoft.com/office/powerpoint/2010/main" xmlns:p15="http://schemas.microsoft.com/office/powerpoint/2012/main" xmlns:mc="http://schemas.openxmlformats.org/markup-compatibility/2006" type="obj" preserve="1">
+  <p:cSld name="Title, Content">
+    <p:spTree>
+      <p:nvGrpSpPr>
+        <p:cNvPr id="1" name=""/>
+        <p:cNvGrpSpPr/>
+        <p:nvPr/>
+      </p:nvGrpSpPr>
+      <p:grpSpPr>
+        <a:xfrm>
+          <a:off x="0" y="0"/>
+          <a:ext cx="0" cy="0"/>
+          <a:chOff x="0" y="0"/>
+          <a:chExt cx="0" cy="0"/>
+        </a:xfrm>
+      </p:grpSpPr>
+      <p:sp>
+        <p:nvSpPr>
+          <p:cNvPr id="75" name="PlaceHolder 1"/>
+          <p:cNvSpPr>
+            <a:spLocks noGrp="1"/>
+          </p:cNvSpPr>
+          <p:nvPr>
+            <p:ph type="title"/>
+          </p:nvPr>
+        </p:nvSpPr>
+        <p:spPr>
+          <a:xfrm>
+            <a:off x="540000" y="270000"/>
+            <a:ext cx="8999640" cy="989640"/>
+          </a:xfrm>
+          <a:prstGeom prst="rect">
+            <a:avLst/>
+          </a:prstGeom>
+          <a:noFill/>
+          <a:ln w="0">
+            <a:noFill/>
+          </a:ln>
+        </p:spPr>
+        <p:txBody>
+          <a:bodyPr lIns="0" rIns="0" tIns="0" bIns="0" anchor="ctr">
+            <a:noAutofit/>
+          </a:bodyPr>
+          <a:p>
+            <a:pPr algn="ctr">
+              <a:buNone/>
+            </a:pPr>
+            <a:endParaRPr b="0" lang="en-US" sz="4400" spc="-1" strike="noStrike">
+              <a:solidFill>
+                <a:srgbClr val="ffffff"/>
+              </a:solidFill>
+              <a:latin typeface="Arial"/>
+            </a:endParaRPr>
+          </a:p>
+        </p:txBody>
+      </p:sp>
+      <p:sp>
+        <p:nvSpPr>
+          <p:cNvPr id="76" name="PlaceHolder 2"/>
+          <p:cNvSpPr>
+            <a:spLocks noGrp="1"/>
+          </p:cNvSpPr>
+          <p:nvPr>
+            <p:ph/>
+          </p:nvPr>
+        </p:nvSpPr>
+        <p:spPr>
+          <a:xfrm>
+            <a:off x="504000" y="1326600"/>
+            <a:ext cx="9072000" cy="3288600"/>
+          </a:xfrm>
+          <a:prstGeom prst="rect">
+            <a:avLst/>
+          </a:prstGeom>
+          <a:noFill/>
+          <a:ln w="0">
+            <a:noFill/>
+          </a:ln>
+        </p:spPr>
+        <p:txBody>
+          <a:bodyPr lIns="0" rIns="0" tIns="0" bIns="0" anchor="t">
+            <a:normAutofit/>
+          </a:bodyPr>
+          <a:p>
+            <a:endParaRPr b="0" lang="en-US" sz="3200" spc="-1" strike="noStrike">
+              <a:latin typeface="Arial"/>
+            </a:endParaRPr>
+          </a:p>
+        </p:txBody>
+      </p:sp>
+      <p:sp>
+        <p:nvSpPr>
+          <p:cNvPr id="4" name="PlaceHolder 3"/>
+          <p:cNvSpPr>
+            <a:spLocks noGrp="1"/>
+          </p:cNvSpPr>
+          <p:nvPr>
+            <p:ph type="ftr" idx="4"/>
+          </p:nvPr>
+        </p:nvSpPr>
+        <p:spPr/>
+        <p:txBody>
+          <a:bodyPr/>
+          <a:p>
+            <a:r>
+              <a:t>Footer</a:t>
+            </a:r>
+          </a:p>
+        </p:txBody>
+      </p:sp>
+      <p:sp>
+        <p:nvSpPr>
+          <p:cNvPr id="5" name="PlaceHolder 4"/>
+          <p:cNvSpPr>
+            <a:spLocks noGrp="1"/>
+          </p:cNvSpPr>
+          <p:nvPr>
+            <p:ph type="sldNum" idx="5"/>
+          </p:nvPr>
+        </p:nvSpPr>
+        <p:spPr/>
+        <p:txBody>
+          <a:bodyPr/>
+          <a:p>
+            <a:fld id="{FD51DCE8-7622-43F0-A247-ABB68B342E0B}" type="slidenum">
+              <a:t>&lt;#&gt;</a:t>
+            </a:fld>
+          </a:p>
+        </p:txBody>
+      </p:sp>
+      <p:sp>
+        <p:nvSpPr>
+          <p:cNvPr id="6" name="PlaceHolder 5"/>
+          <p:cNvSpPr>
+            <a:spLocks noGrp="1"/>
+          </p:cNvSpPr>
+          <p:nvPr>
+            <p:ph type="dt" idx="6"/>
+          </p:nvPr>
+        </p:nvSpPr>
+        <p:spPr/>
+        <p:txBody>
+          <a:bodyPr/>
+          <a:p>
+            <a:r>
+              <a:rPr lang="en-US"/>
+              <a:t/>
+            </a:r>
+          </a:p>
+        </p:txBody>
+      </p:sp>
+    </p:spTree>
+  </p:cSld>
+</p:sldLayout>
+</file>
+
+<file path=ppt/slideLayouts/slideLayout16.xml><?xml version="1.0" encoding="utf-8"?>
+<p:sldLayout xmlns:a="http://schemas.openxmlformats.org/drawingml/2006/main" xmlns:p="http://schemas.openxmlformats.org/presentationml/2006/main" xmlns:r="http://schemas.openxmlformats.org/officeDocument/2006/relationships" xmlns:p14="http://schemas.microsoft.com/office/powerpoint/2010/main" xmlns:p15="http://schemas.microsoft.com/office/powerpoint/2012/main" xmlns:mc="http://schemas.openxmlformats.org/markup-compatibility/2006" type="twoObj" preserve="1">
+  <p:cSld name="Title, 2 Content">
+    <p:spTree>
+      <p:nvGrpSpPr>
+        <p:cNvPr id="1" name=""/>
+        <p:cNvGrpSpPr/>
+        <p:nvPr/>
+      </p:nvGrpSpPr>
+      <p:grpSpPr>
+        <a:xfrm>
+          <a:off x="0" y="0"/>
+          <a:ext cx="0" cy="0"/>
+          <a:chOff x="0" y="0"/>
+          <a:chExt cx="0" cy="0"/>
+        </a:xfrm>
+      </p:grpSpPr>
+      <p:sp>
+        <p:nvSpPr>
+          <p:cNvPr id="77" name="PlaceHolder 1"/>
+          <p:cNvSpPr>
+            <a:spLocks noGrp="1"/>
+          </p:cNvSpPr>
+          <p:nvPr>
+            <p:ph type="title"/>
+          </p:nvPr>
+        </p:nvSpPr>
+        <p:spPr>
+          <a:xfrm>
+            <a:off x="540000" y="270000"/>
+            <a:ext cx="8999640" cy="989640"/>
+          </a:xfrm>
+          <a:prstGeom prst="rect">
+            <a:avLst/>
+          </a:prstGeom>
+          <a:noFill/>
+          <a:ln w="0">
+            <a:noFill/>
+          </a:ln>
+        </p:spPr>
+        <p:txBody>
+          <a:bodyPr lIns="0" rIns="0" tIns="0" bIns="0" anchor="ctr">
+            <a:noAutofit/>
+          </a:bodyPr>
+          <a:p>
+            <a:pPr algn="ctr">
+              <a:buNone/>
+            </a:pPr>
+            <a:endParaRPr b="0" lang="en-US" sz="4400" spc="-1" strike="noStrike">
+              <a:solidFill>
+                <a:srgbClr val="ffffff"/>
+              </a:solidFill>
+              <a:latin typeface="Arial"/>
+            </a:endParaRPr>
+          </a:p>
+        </p:txBody>
+      </p:sp>
+      <p:sp>
+        <p:nvSpPr>
+          <p:cNvPr id="78" name="PlaceHolder 2"/>
+          <p:cNvSpPr>
+            <a:spLocks noGrp="1"/>
+          </p:cNvSpPr>
+          <p:nvPr>
+            <p:ph/>
+          </p:nvPr>
+        </p:nvSpPr>
+        <p:spPr>
+          <a:xfrm>
+            <a:off x="504000" y="1326600"/>
+            <a:ext cx="4426920" cy="3288600"/>
+          </a:xfrm>
+          <a:prstGeom prst="rect">
+            <a:avLst/>
+          </a:prstGeom>
+          <a:noFill/>
+          <a:ln w="0">
+            <a:noFill/>
+          </a:ln>
+        </p:spPr>
+        <p:txBody>
+          <a:bodyPr lIns="0" rIns="0" tIns="0" bIns="0" anchor="t">
+            <a:normAutofit/>
+          </a:bodyPr>
+          <a:p>
+            <a:endParaRPr b="0" lang="en-US" sz="3200" spc="-1" strike="noStrike">
+              <a:latin typeface="Arial"/>
+            </a:endParaRPr>
+          </a:p>
+        </p:txBody>
+      </p:sp>
+      <p:sp>
+        <p:nvSpPr>
+          <p:cNvPr id="79" name="PlaceHolder 3"/>
+          <p:cNvSpPr>
+            <a:spLocks noGrp="1"/>
+          </p:cNvSpPr>
+          <p:nvPr>
+            <p:ph/>
+          </p:nvPr>
+        </p:nvSpPr>
+        <p:spPr>
+          <a:xfrm>
+            <a:off x="5152680" y="1326600"/>
+            <a:ext cx="4426920" cy="3288600"/>
+          </a:xfrm>
+          <a:prstGeom prst="rect">
+            <a:avLst/>
+          </a:prstGeom>
+          <a:noFill/>
+          <a:ln w="0">
+            <a:noFill/>
+          </a:ln>
+        </p:spPr>
+        <p:txBody>
+          <a:bodyPr lIns="0" rIns="0" tIns="0" bIns="0" anchor="t">
+            <a:normAutofit/>
+          </a:bodyPr>
+          <a:p>
+            <a:endParaRPr b="0" lang="en-US" sz="3200" spc="-1" strike="noStrike">
+              <a:latin typeface="Arial"/>
+            </a:endParaRPr>
+          </a:p>
+        </p:txBody>
+      </p:sp>
+      <p:sp>
+        <p:nvSpPr>
+          <p:cNvPr id="5" name="PlaceHolder 4"/>
+          <p:cNvSpPr>
+            <a:spLocks noGrp="1"/>
+          </p:cNvSpPr>
+          <p:nvPr>
+            <p:ph type="ftr" idx="4"/>
+          </p:nvPr>
+        </p:nvSpPr>
+        <p:spPr/>
+        <p:txBody>
+          <a:bodyPr/>
+          <a:p>
+            <a:r>
+              <a:t>Footer</a:t>
+            </a:r>
+          </a:p>
+        </p:txBody>
+      </p:sp>
+      <p:sp>
+        <p:nvSpPr>
+          <p:cNvPr id="6" name="PlaceHolder 5"/>
+          <p:cNvSpPr>
+            <a:spLocks noGrp="1"/>
+          </p:cNvSpPr>
+          <p:nvPr>
+            <p:ph type="sldNum" idx="5"/>
+          </p:nvPr>
+        </p:nvSpPr>
+        <p:spPr/>
+        <p:txBody>
+          <a:bodyPr/>
+          <a:p>
+            <a:fld id="{26BD8284-A609-4A23-BEED-7073873DEBFB}" type="slidenum">
+              <a:t>&lt;#&gt;</a:t>
+            </a:fld>
+          </a:p>
+        </p:txBody>
+      </p:sp>
+      <p:sp>
+        <p:nvSpPr>
+          <p:cNvPr id="7" name="PlaceHolder 6"/>
+          <p:cNvSpPr>
+            <a:spLocks noGrp="1"/>
+          </p:cNvSpPr>
+          <p:nvPr>
+            <p:ph type="dt" idx="6"/>
+          </p:nvPr>
+        </p:nvSpPr>
+        <p:spPr/>
+        <p:txBody>
+          <a:bodyPr/>
+          <a:p>
+            <a:r>
+              <a:rPr lang="en-US"/>
+              <a:t/>
+            </a:r>
+          </a:p>
+        </p:txBody>
+      </p:sp>
+    </p:spTree>
+  </p:cSld>
+</p:sldLayout>
+</file>
+
+<file path=ppt/slideLayouts/slideLayout17.xml><?xml version="1.0" encoding="utf-8"?>
+<p:sldLayout xmlns:a="http://schemas.openxmlformats.org/drawingml/2006/main" xmlns:p="http://schemas.openxmlformats.org/presentationml/2006/main" xmlns:r="http://schemas.openxmlformats.org/officeDocument/2006/relationships" xmlns:p14="http://schemas.microsoft.com/office/powerpoint/2010/main" xmlns:p15="http://schemas.microsoft.com/office/powerpoint/2012/main" xmlns:mc="http://schemas.openxmlformats.org/markup-compatibility/2006" type="titleOnly" preserve="1">
+  <p:cSld name="Title Only">
+    <p:spTree>
+      <p:nvGrpSpPr>
+        <p:cNvPr id="1" name=""/>
+        <p:cNvGrpSpPr/>
+        <p:nvPr/>
+      </p:nvGrpSpPr>
+      <p:grpSpPr>
+        <a:xfrm>
+          <a:off x="0" y="0"/>
+          <a:ext cx="0" cy="0"/>
+          <a:chOff x="0" y="0"/>
+          <a:chExt cx="0" cy="0"/>
+        </a:xfrm>
+      </p:grpSpPr>
+      <p:sp>
+        <p:nvSpPr>
+          <p:cNvPr id="80" name="PlaceHolder 1"/>
+          <p:cNvSpPr>
+            <a:spLocks noGrp="1"/>
+          </p:cNvSpPr>
+          <p:nvPr>
+            <p:ph type="title"/>
+          </p:nvPr>
+        </p:nvSpPr>
+        <p:spPr>
+          <a:xfrm>
+            <a:off x="540000" y="270000"/>
+            <a:ext cx="8999640" cy="989640"/>
+          </a:xfrm>
+          <a:prstGeom prst="rect">
+            <a:avLst/>
+          </a:prstGeom>
+          <a:noFill/>
+          <a:ln w="0">
+            <a:noFill/>
+          </a:ln>
+        </p:spPr>
+        <p:txBody>
+          <a:bodyPr lIns="0" rIns="0" tIns="0" bIns="0" anchor="ctr">
+            <a:noAutofit/>
+          </a:bodyPr>
+          <a:p>
+            <a:pPr algn="ctr">
+              <a:buNone/>
+            </a:pPr>
+            <a:endParaRPr b="0" lang="en-US" sz="4400" spc="-1" strike="noStrike">
+              <a:solidFill>
+                <a:srgbClr val="ffffff"/>
+              </a:solidFill>
+              <a:latin typeface="Arial"/>
+            </a:endParaRPr>
+          </a:p>
+        </p:txBody>
+      </p:sp>
+      <p:sp>
+        <p:nvSpPr>
+          <p:cNvPr id="3" name="PlaceHolder 2"/>
+          <p:cNvSpPr>
+            <a:spLocks noGrp="1"/>
+          </p:cNvSpPr>
+          <p:nvPr>
+            <p:ph type="ftr" idx="4"/>
+          </p:nvPr>
+        </p:nvSpPr>
+        <p:spPr/>
+        <p:txBody>
+          <a:bodyPr/>
+          <a:p>
+            <a:r>
+              <a:t>Footer</a:t>
+            </a:r>
+          </a:p>
+        </p:txBody>
+      </p:sp>
+      <p:sp>
+        <p:nvSpPr>
+          <p:cNvPr id="4" name="PlaceHolder 3"/>
+          <p:cNvSpPr>
+            <a:spLocks noGrp="1"/>
+          </p:cNvSpPr>
+          <p:nvPr>
+            <p:ph type="sldNum" idx="5"/>
+          </p:nvPr>
+        </p:nvSpPr>
+        <p:spPr/>
+        <p:txBody>
+          <a:bodyPr/>
+          <a:p>
+            <a:fld id="{4DB228A9-3CEC-467A-9533-8EB5C7321D98}" type="slidenum">
+              <a:t>&lt;#&gt;</a:t>
+            </a:fld>
+          </a:p>
+        </p:txBody>
+      </p:sp>
+      <p:sp>
+        <p:nvSpPr>
+          <p:cNvPr id="5" name="PlaceHolder 4"/>
+          <p:cNvSpPr>
+            <a:spLocks noGrp="1"/>
+          </p:cNvSpPr>
+          <p:nvPr>
+            <p:ph type="dt" idx="6"/>
+          </p:nvPr>
+        </p:nvSpPr>
+        <p:spPr/>
+        <p:txBody>
+          <a:bodyPr/>
+          <a:p>
+            <a:r>
+              <a:rPr lang="en-US"/>
+              <a:t/>
+            </a:r>
+          </a:p>
+        </p:txBody>
+      </p:sp>
+    </p:spTree>
+  </p:cSld>
+</p:sldLayout>
+</file>
+
+<file path=ppt/slideLayouts/slideLayout18.xml><?xml version="1.0" encoding="utf-8"?>
+<p:sldLayout xmlns:a="http://schemas.openxmlformats.org/drawingml/2006/main" xmlns:p="http://schemas.openxmlformats.org/presentationml/2006/main" xmlns:r="http://schemas.openxmlformats.org/officeDocument/2006/relationships" xmlns:p14="http://schemas.microsoft.com/office/powerpoint/2010/main" xmlns:p15="http://schemas.microsoft.com/office/powerpoint/2012/main" xmlns:mc="http://schemas.openxmlformats.org/markup-compatibility/2006" type="objOnly" preserve="1">
+  <p:cSld name="Centered Text">
+    <p:spTree>
+      <p:nvGrpSpPr>
+        <p:cNvPr id="1" name=""/>
+        <p:cNvGrpSpPr/>
+        <p:nvPr/>
+      </p:nvGrpSpPr>
+      <p:grpSpPr>
+        <a:xfrm>
+          <a:off x="0" y="0"/>
+          <a:ext cx="0" cy="0"/>
+          <a:chOff x="0" y="0"/>
+          <a:chExt cx="0" cy="0"/>
+        </a:xfrm>
+      </p:grpSpPr>
+      <p:sp>
+        <p:nvSpPr>
+          <p:cNvPr id="81" name="PlaceHolder 1"/>
+          <p:cNvSpPr>
+            <a:spLocks noGrp="1"/>
+          </p:cNvSpPr>
+          <p:nvPr>
+            <p:ph type="subTitle"/>
+          </p:nvPr>
+        </p:nvSpPr>
+        <p:spPr>
+          <a:xfrm>
+            <a:off x="540000" y="270000"/>
+            <a:ext cx="8999640" cy="4588560"/>
+          </a:xfrm>
+          <a:prstGeom prst="rect">
+            <a:avLst/>
+          </a:prstGeom>
+          <a:noFill/>
+          <a:ln w="0">
+            <a:noFill/>
+          </a:ln>
+        </p:spPr>
+        <p:txBody>
+          <a:bodyPr lIns="0" rIns="0" tIns="0" bIns="0" anchor="ctr">
+            <a:noAutofit/>
+          </a:bodyPr>
+          <a:p>
+            <a:pPr algn="ctr">
+              <a:buNone/>
+            </a:pPr>
+            <a:endParaRPr b="0" lang="en-US" sz="3200" spc="-1" strike="noStrike">
+              <a:latin typeface="Arial"/>
+            </a:endParaRPr>
+          </a:p>
+        </p:txBody>
+      </p:sp>
+      <p:sp>
+        <p:nvSpPr>
+          <p:cNvPr id="3" name="PlaceHolder 2"/>
+          <p:cNvSpPr>
+            <a:spLocks noGrp="1"/>
+          </p:cNvSpPr>
+          <p:nvPr>
+            <p:ph type="ftr" idx="4"/>
+          </p:nvPr>
+        </p:nvSpPr>
+        <p:spPr/>
+        <p:txBody>
+          <a:bodyPr/>
+          <a:p>
+            <a:r>
+              <a:t>Footer</a:t>
+            </a:r>
+          </a:p>
+        </p:txBody>
+      </p:sp>
+      <p:sp>
+        <p:nvSpPr>
+          <p:cNvPr id="4" name="PlaceHolder 3"/>
+          <p:cNvSpPr>
+            <a:spLocks noGrp="1"/>
+          </p:cNvSpPr>
+          <p:nvPr>
+            <p:ph type="sldNum" idx="5"/>
+          </p:nvPr>
+        </p:nvSpPr>
+        <p:spPr/>
+        <p:txBody>
+          <a:bodyPr/>
+          <a:p>
+            <a:fld id="{A6FB7C97-7DE2-4238-ACA8-2A2D8CECD0E8}" type="slidenum">
+              <a:t>&lt;#&gt;</a:t>
+            </a:fld>
+          </a:p>
+        </p:txBody>
+      </p:sp>
+      <p:sp>
+        <p:nvSpPr>
+          <p:cNvPr id="5" name="PlaceHolder 4"/>
+          <p:cNvSpPr>
+            <a:spLocks noGrp="1"/>
+          </p:cNvSpPr>
+          <p:nvPr>
+            <p:ph type="dt" idx="6"/>
+          </p:nvPr>
+        </p:nvSpPr>
+        <p:spPr/>
+        <p:txBody>
+          <a:bodyPr/>
+          <a:p>
+            <a:r>
+              <a:rPr lang="en-US"/>
+              <a:t/>
+            </a:r>
+          </a:p>
+        </p:txBody>
+      </p:sp>
+    </p:spTree>
+  </p:cSld>
+</p:sldLayout>
+</file>
+
+<file path=ppt/slideLayouts/slideLayout19.xml><?xml version="1.0" encoding="utf-8"?>
+<p:sldLayout xmlns:a="http://schemas.openxmlformats.org/drawingml/2006/main" xmlns:p="http://schemas.openxmlformats.org/presentationml/2006/main" xmlns:r="http://schemas.openxmlformats.org/officeDocument/2006/relationships" xmlns:p14="http://schemas.microsoft.com/office/powerpoint/2010/main" xmlns:p15="http://schemas.microsoft.com/office/powerpoint/2012/main" xmlns:mc="http://schemas.openxmlformats.org/markup-compatibility/2006" type="twoObjAndObj" preserve="1">
+  <p:cSld name="Title, 2 Content and Content">
+    <p:spTree>
+      <p:nvGrpSpPr>
+        <p:cNvPr id="1" name=""/>
+        <p:cNvGrpSpPr/>
+        <p:nvPr/>
+      </p:nvGrpSpPr>
+      <p:grpSpPr>
+        <a:xfrm>
+          <a:off x="0" y="0"/>
+          <a:ext cx="0" cy="0"/>
+          <a:chOff x="0" y="0"/>
+          <a:chExt cx="0" cy="0"/>
+        </a:xfrm>
+      </p:grpSpPr>
+      <p:sp>
+        <p:nvSpPr>
+          <p:cNvPr id="82" name="PlaceHolder 1"/>
+          <p:cNvSpPr>
+            <a:spLocks noGrp="1"/>
+          </p:cNvSpPr>
+          <p:nvPr>
+            <p:ph type="title"/>
+          </p:nvPr>
+        </p:nvSpPr>
+        <p:spPr>
+          <a:xfrm>
+            <a:off x="540000" y="270000"/>
+            <a:ext cx="8999640" cy="989640"/>
+          </a:xfrm>
+          <a:prstGeom prst="rect">
+            <a:avLst/>
+          </a:prstGeom>
+          <a:noFill/>
+          <a:ln w="0">
+            <a:noFill/>
+          </a:ln>
+        </p:spPr>
+        <p:txBody>
+          <a:bodyPr lIns="0" rIns="0" tIns="0" bIns="0" anchor="ctr">
+            <a:noAutofit/>
+          </a:bodyPr>
+          <a:p>
+            <a:pPr algn="ctr">
+              <a:buNone/>
+            </a:pPr>
+            <a:endParaRPr b="0" lang="en-US" sz="4400" spc="-1" strike="noStrike">
+              <a:solidFill>
+                <a:srgbClr val="ffffff"/>
+              </a:solidFill>
+              <a:latin typeface="Arial"/>
+            </a:endParaRPr>
+          </a:p>
+        </p:txBody>
+      </p:sp>
+      <p:sp>
+        <p:nvSpPr>
+          <p:cNvPr id="83" name="PlaceHolder 2"/>
+          <p:cNvSpPr>
+            <a:spLocks noGrp="1"/>
+          </p:cNvSpPr>
+          <p:nvPr>
+            <p:ph/>
+          </p:nvPr>
+        </p:nvSpPr>
+        <p:spPr>
+          <a:xfrm>
+            <a:off x="504000" y="1326600"/>
+            <a:ext cx="4426920" cy="1568520"/>
+          </a:xfrm>
+          <a:prstGeom prst="rect">
+            <a:avLst/>
+          </a:prstGeom>
+          <a:noFill/>
+          <a:ln w="0">
+            <a:noFill/>
+          </a:ln>
+        </p:spPr>
+        <p:txBody>
+          <a:bodyPr lIns="0" rIns="0" tIns="0" bIns="0" anchor="t">
+            <a:normAutofit/>
+          </a:bodyPr>
+          <a:p>
+            <a:endParaRPr b="0" lang="en-US" sz="3200" spc="-1" strike="noStrike">
+              <a:latin typeface="Arial"/>
+            </a:endParaRPr>
+          </a:p>
+        </p:txBody>
+      </p:sp>
+      <p:sp>
+        <p:nvSpPr>
+          <p:cNvPr id="84" name="PlaceHolder 3"/>
+          <p:cNvSpPr>
+            <a:spLocks noGrp="1"/>
+          </p:cNvSpPr>
+          <p:nvPr>
+            <p:ph/>
+          </p:nvPr>
+        </p:nvSpPr>
+        <p:spPr>
+          <a:xfrm>
+            <a:off x="5152680" y="1326600"/>
+            <a:ext cx="4426920" cy="3288600"/>
+          </a:xfrm>
+          <a:prstGeom prst="rect">
+            <a:avLst/>
+          </a:prstGeom>
+          <a:noFill/>
+          <a:ln w="0">
+            <a:noFill/>
+          </a:ln>
+        </p:spPr>
+        <p:txBody>
+          <a:bodyPr lIns="0" rIns="0" tIns="0" bIns="0" anchor="t">
+            <a:normAutofit/>
+          </a:bodyPr>
+          <a:p>
+            <a:endParaRPr b="0" lang="en-US" sz="3200" spc="-1" strike="noStrike">
+              <a:latin typeface="Arial"/>
+            </a:endParaRPr>
+          </a:p>
+        </p:txBody>
+      </p:sp>
+      <p:sp>
+        <p:nvSpPr>
+          <p:cNvPr id="85" name="PlaceHolder 4"/>
+          <p:cNvSpPr>
+            <a:spLocks noGrp="1"/>
+          </p:cNvSpPr>
+          <p:nvPr>
+            <p:ph/>
+          </p:nvPr>
+        </p:nvSpPr>
+        <p:spPr>
+          <a:xfrm>
+            <a:off x="504000" y="3044520"/>
+            <a:ext cx="4426920" cy="1568520"/>
+          </a:xfrm>
+          <a:prstGeom prst="rect">
+            <a:avLst/>
+          </a:prstGeom>
+          <a:noFill/>
+          <a:ln w="0">
+            <a:noFill/>
+          </a:ln>
+        </p:spPr>
+        <p:txBody>
+          <a:bodyPr lIns="0" rIns="0" tIns="0" bIns="0" anchor="t">
+            <a:normAutofit/>
+          </a:bodyPr>
+          <a:p>
+            <a:endParaRPr b="0" lang="en-US" sz="3200" spc="-1" strike="noStrike">
+              <a:latin typeface="Arial"/>
+            </a:endParaRPr>
+          </a:p>
+        </p:txBody>
+      </p:sp>
+      <p:sp>
+        <p:nvSpPr>
+          <p:cNvPr id="6" name="PlaceHolder 5"/>
+          <p:cNvSpPr>
+            <a:spLocks noGrp="1"/>
+          </p:cNvSpPr>
+          <p:nvPr>
+            <p:ph type="ftr" idx="4"/>
+          </p:nvPr>
+        </p:nvSpPr>
+        <p:spPr/>
+        <p:txBody>
+          <a:bodyPr/>
+          <a:p>
+            <a:r>
+              <a:t>Footer</a:t>
+            </a:r>
+          </a:p>
+        </p:txBody>
+      </p:sp>
+      <p:sp>
+        <p:nvSpPr>
+          <p:cNvPr id="7" name="PlaceHolder 6"/>
+          <p:cNvSpPr>
+            <a:spLocks noGrp="1"/>
+          </p:cNvSpPr>
+          <p:nvPr>
+            <p:ph type="sldNum" idx="5"/>
+          </p:nvPr>
+        </p:nvSpPr>
+        <p:spPr/>
+        <p:txBody>
+          <a:bodyPr/>
+          <a:p>
+            <a:fld id="{F8C63E81-8A16-434A-8808-3585B93C045C}" type="slidenum">
+              <a:t>&lt;#&gt;</a:t>
+            </a:fld>
+          </a:p>
+        </p:txBody>
+      </p:sp>
+      <p:sp>
+        <p:nvSpPr>
+          <p:cNvPr id="8" name="PlaceHolder 7"/>
+          <p:cNvSpPr>
+            <a:spLocks noGrp="1"/>
+          </p:cNvSpPr>
+          <p:nvPr>
+            <p:ph type="dt" idx="6"/>
           </p:nvPr>
         </p:nvSpPr>
         <p:spPr/>
@@ -905,7 +1971,7 @@
         <p:spPr>
           <a:xfrm>
             <a:off x="540000" y="270000"/>
-            <a:ext cx="8999280" cy="989280"/>
+            <a:ext cx="8999640" cy="989640"/>
           </a:xfrm>
           <a:prstGeom prst="rect">
             <a:avLst/>
@@ -924,6 +1990,9 @@
               <a:buNone/>
             </a:pPr>
             <a:endParaRPr b="0" lang="en-US" sz="4400" spc="-1" strike="noStrike">
+              <a:solidFill>
+                <a:srgbClr val="ffffff"/>
+              </a:solidFill>
               <a:latin typeface="Arial"/>
             </a:endParaRPr>
           </a:p>
@@ -942,7 +2011,7 @@
         <p:spPr>
           <a:xfrm>
             <a:off x="504000" y="1326600"/>
-            <a:ext cx="9071640" cy="3288240"/>
+            <a:ext cx="9072000" cy="3288600"/>
           </a:xfrm>
           <a:prstGeom prst="rect">
             <a:avLst/>
@@ -961,6 +2030,126 @@
               <a:buNone/>
             </a:pPr>
             <a:endParaRPr b="0" lang="en-US" sz="3200" spc="-1" strike="noStrike">
+              <a:latin typeface="Arial"/>
+            </a:endParaRPr>
+          </a:p>
+        </p:txBody>
+      </p:sp>
+      <p:sp>
+        <p:nvSpPr>
+          <p:cNvPr id="4" name="PlaceHolder 3"/>
+          <p:cNvSpPr>
+            <a:spLocks noGrp="1"/>
+          </p:cNvSpPr>
+          <p:nvPr>
+            <p:ph type="ftr" idx="1"/>
+          </p:nvPr>
+        </p:nvSpPr>
+        <p:spPr/>
+        <p:txBody>
+          <a:bodyPr/>
+          <a:p>
+            <a:r>
+              <a:t>Footer</a:t>
+            </a:r>
+          </a:p>
+        </p:txBody>
+      </p:sp>
+      <p:sp>
+        <p:nvSpPr>
+          <p:cNvPr id="5" name="PlaceHolder 4"/>
+          <p:cNvSpPr>
+            <a:spLocks noGrp="1"/>
+          </p:cNvSpPr>
+          <p:nvPr>
+            <p:ph type="sldNum" idx="2"/>
+          </p:nvPr>
+        </p:nvSpPr>
+        <p:spPr/>
+        <p:txBody>
+          <a:bodyPr/>
+          <a:p>
+            <a:fld id="{ABF33B16-0417-4BD8-9DB3-136436E10692}" type="slidenum">
+              <a:t>&lt;#&gt;</a:t>
+            </a:fld>
+          </a:p>
+        </p:txBody>
+      </p:sp>
+      <p:sp>
+        <p:nvSpPr>
+          <p:cNvPr id="6" name="PlaceHolder 5"/>
+          <p:cNvSpPr>
+            <a:spLocks noGrp="1"/>
+          </p:cNvSpPr>
+          <p:nvPr>
+            <p:ph type="dt" idx="3"/>
+          </p:nvPr>
+        </p:nvSpPr>
+        <p:spPr/>
+        <p:txBody>
+          <a:bodyPr/>
+          <a:p>
+            <a:r>
+              <a:rPr lang="en-US"/>
+              <a:t/>
+            </a:r>
+          </a:p>
+        </p:txBody>
+      </p:sp>
+    </p:spTree>
+  </p:cSld>
+</p:sldLayout>
+</file>
+
+<file path=ppt/slideLayouts/slideLayout20.xml><?xml version="1.0" encoding="utf-8"?>
+<p:sldLayout xmlns:a="http://schemas.openxmlformats.org/drawingml/2006/main" xmlns:p="http://schemas.openxmlformats.org/presentationml/2006/main" xmlns:r="http://schemas.openxmlformats.org/officeDocument/2006/relationships" xmlns:p14="http://schemas.microsoft.com/office/powerpoint/2010/main" xmlns:p15="http://schemas.microsoft.com/office/powerpoint/2012/main" xmlns:mc="http://schemas.openxmlformats.org/markup-compatibility/2006" type="objAndTwoObj" preserve="1">
+  <p:cSld name="Title Content and 2 Content">
+    <p:spTree>
+      <p:nvGrpSpPr>
+        <p:cNvPr id="1" name=""/>
+        <p:cNvGrpSpPr/>
+        <p:nvPr/>
+      </p:nvGrpSpPr>
+      <p:grpSpPr>
+        <a:xfrm>
+          <a:off x="0" y="0"/>
+          <a:ext cx="0" cy="0"/>
+          <a:chOff x="0" y="0"/>
+          <a:chExt cx="0" cy="0"/>
+        </a:xfrm>
+      </p:grpSpPr>
+      <p:sp>
+        <p:nvSpPr>
+          <p:cNvPr id="86" name="PlaceHolder 1"/>
+          <p:cNvSpPr>
+            <a:spLocks noGrp="1"/>
+          </p:cNvSpPr>
+          <p:nvPr>
+            <p:ph type="title"/>
+          </p:nvPr>
+        </p:nvSpPr>
+        <p:spPr>
+          <a:xfrm>
+            <a:off x="540000" y="270000"/>
+            <a:ext cx="8999640" cy="989640"/>
+          </a:xfrm>
+          <a:prstGeom prst="rect">
+            <a:avLst/>
+          </a:prstGeom>
+          <a:noFill/>
+          <a:ln w="0">
+            <a:noFill/>
+          </a:ln>
+        </p:spPr>
+        <p:txBody>
+          <a:bodyPr lIns="0" rIns="0" tIns="0" bIns="0" anchor="ctr">
+            <a:noAutofit/>
+          </a:bodyPr>
+          <a:p>
+            <a:pPr algn="ctr">
+              <a:buNone/>
+            </a:pPr>
+            <a:endParaRPr b="0" lang="en-US" sz="4400" spc="-1" strike="noStrike">
               <a:solidFill>
                 <a:srgbClr val="ffffff"/>
               </a:solidFill>
@@ -971,12 +2160,114 @@
       </p:sp>
       <p:sp>
         <p:nvSpPr>
-          <p:cNvPr id="4" name="PlaceHolder 3"/>
-          <p:cNvSpPr>
-            <a:spLocks noGrp="1"/>
-          </p:cNvSpPr>
-          <p:nvPr>
-            <p:ph type="ftr" idx="1"/>
+          <p:cNvPr id="87" name="PlaceHolder 2"/>
+          <p:cNvSpPr>
+            <a:spLocks noGrp="1"/>
+          </p:cNvSpPr>
+          <p:nvPr>
+            <p:ph/>
+          </p:nvPr>
+        </p:nvSpPr>
+        <p:spPr>
+          <a:xfrm>
+            <a:off x="504000" y="1326600"/>
+            <a:ext cx="4426920" cy="3288600"/>
+          </a:xfrm>
+          <a:prstGeom prst="rect">
+            <a:avLst/>
+          </a:prstGeom>
+          <a:noFill/>
+          <a:ln w="0">
+            <a:noFill/>
+          </a:ln>
+        </p:spPr>
+        <p:txBody>
+          <a:bodyPr lIns="0" rIns="0" tIns="0" bIns="0" anchor="t">
+            <a:normAutofit/>
+          </a:bodyPr>
+          <a:p>
+            <a:endParaRPr b="0" lang="en-US" sz="3200" spc="-1" strike="noStrike">
+              <a:latin typeface="Arial"/>
+            </a:endParaRPr>
+          </a:p>
+        </p:txBody>
+      </p:sp>
+      <p:sp>
+        <p:nvSpPr>
+          <p:cNvPr id="88" name="PlaceHolder 3"/>
+          <p:cNvSpPr>
+            <a:spLocks noGrp="1"/>
+          </p:cNvSpPr>
+          <p:nvPr>
+            <p:ph/>
+          </p:nvPr>
+        </p:nvSpPr>
+        <p:spPr>
+          <a:xfrm>
+            <a:off x="5152680" y="1326600"/>
+            <a:ext cx="4426920" cy="1568520"/>
+          </a:xfrm>
+          <a:prstGeom prst="rect">
+            <a:avLst/>
+          </a:prstGeom>
+          <a:noFill/>
+          <a:ln w="0">
+            <a:noFill/>
+          </a:ln>
+        </p:spPr>
+        <p:txBody>
+          <a:bodyPr lIns="0" rIns="0" tIns="0" bIns="0" anchor="t">
+            <a:normAutofit/>
+          </a:bodyPr>
+          <a:p>
+            <a:endParaRPr b="0" lang="en-US" sz="3200" spc="-1" strike="noStrike">
+              <a:latin typeface="Arial"/>
+            </a:endParaRPr>
+          </a:p>
+        </p:txBody>
+      </p:sp>
+      <p:sp>
+        <p:nvSpPr>
+          <p:cNvPr id="89" name="PlaceHolder 4"/>
+          <p:cNvSpPr>
+            <a:spLocks noGrp="1"/>
+          </p:cNvSpPr>
+          <p:nvPr>
+            <p:ph/>
+          </p:nvPr>
+        </p:nvSpPr>
+        <p:spPr>
+          <a:xfrm>
+            <a:off x="5152680" y="3044520"/>
+            <a:ext cx="4426920" cy="1568520"/>
+          </a:xfrm>
+          <a:prstGeom prst="rect">
+            <a:avLst/>
+          </a:prstGeom>
+          <a:noFill/>
+          <a:ln w="0">
+            <a:noFill/>
+          </a:ln>
+        </p:spPr>
+        <p:txBody>
+          <a:bodyPr lIns="0" rIns="0" tIns="0" bIns="0" anchor="t">
+            <a:normAutofit/>
+          </a:bodyPr>
+          <a:p>
+            <a:endParaRPr b="0" lang="en-US" sz="3200" spc="-1" strike="noStrike">
+              <a:latin typeface="Arial"/>
+            </a:endParaRPr>
+          </a:p>
+        </p:txBody>
+      </p:sp>
+      <p:sp>
+        <p:nvSpPr>
+          <p:cNvPr id="6" name="PlaceHolder 5"/>
+          <p:cNvSpPr>
+            <a:spLocks noGrp="1"/>
+          </p:cNvSpPr>
+          <p:nvPr>
+            <p:ph type="ftr" idx="4"/>
           </p:nvPr>
         </p:nvSpPr>
         <p:spPr/>
@@ -991,19 +2282,19 @@
       </p:sp>
       <p:sp>
         <p:nvSpPr>
-          <p:cNvPr id="5" name="PlaceHolder 4"/>
-          <p:cNvSpPr>
-            <a:spLocks noGrp="1"/>
-          </p:cNvSpPr>
-          <p:nvPr>
-            <p:ph type="sldNum" idx="2"/>
+          <p:cNvPr id="7" name="PlaceHolder 6"/>
+          <p:cNvSpPr>
+            <a:spLocks noGrp="1"/>
+          </p:cNvSpPr>
+          <p:nvPr>
+            <p:ph type="sldNum" idx="5"/>
           </p:nvPr>
         </p:nvSpPr>
         <p:spPr/>
         <p:txBody>
           <a:bodyPr/>
           <a:p>
-            <a:fld id="{DD552CC7-73BC-41FC-B781-BD3CC762E6A6}" type="slidenum">
+            <a:fld id="{2BE8BA2F-FCD3-4BD1-8688-E6CD45F0C81E}" type="slidenum">
               <a:t>&lt;#&gt;</a:t>
             </a:fld>
           </a:p>
@@ -1011,12 +2302,1728 @@
       </p:sp>
       <p:sp>
         <p:nvSpPr>
+          <p:cNvPr id="8" name="PlaceHolder 7"/>
+          <p:cNvSpPr>
+            <a:spLocks noGrp="1"/>
+          </p:cNvSpPr>
+          <p:nvPr>
+            <p:ph type="dt" idx="6"/>
+          </p:nvPr>
+        </p:nvSpPr>
+        <p:spPr/>
+        <p:txBody>
+          <a:bodyPr/>
+          <a:p>
+            <a:r>
+              <a:rPr lang="en-US"/>
+              <a:t/>
+            </a:r>
+          </a:p>
+        </p:txBody>
+      </p:sp>
+    </p:spTree>
+  </p:cSld>
+</p:sldLayout>
+</file>
+
+<file path=ppt/slideLayouts/slideLayout21.xml><?xml version="1.0" encoding="utf-8"?>
+<p:sldLayout xmlns:a="http://schemas.openxmlformats.org/drawingml/2006/main" xmlns:p="http://schemas.openxmlformats.org/presentationml/2006/main" xmlns:r="http://schemas.openxmlformats.org/officeDocument/2006/relationships" xmlns:p14="http://schemas.microsoft.com/office/powerpoint/2010/main" xmlns:p15="http://schemas.microsoft.com/office/powerpoint/2012/main" xmlns:mc="http://schemas.openxmlformats.org/markup-compatibility/2006" type="twoObjOverTx" preserve="1">
+  <p:cSld name="Title, 2 Content over Content">
+    <p:spTree>
+      <p:nvGrpSpPr>
+        <p:cNvPr id="1" name=""/>
+        <p:cNvGrpSpPr/>
+        <p:nvPr/>
+      </p:nvGrpSpPr>
+      <p:grpSpPr>
+        <a:xfrm>
+          <a:off x="0" y="0"/>
+          <a:ext cx="0" cy="0"/>
+          <a:chOff x="0" y="0"/>
+          <a:chExt cx="0" cy="0"/>
+        </a:xfrm>
+      </p:grpSpPr>
+      <p:sp>
+        <p:nvSpPr>
+          <p:cNvPr id="90" name="PlaceHolder 1"/>
+          <p:cNvSpPr>
+            <a:spLocks noGrp="1"/>
+          </p:cNvSpPr>
+          <p:nvPr>
+            <p:ph type="title"/>
+          </p:nvPr>
+        </p:nvSpPr>
+        <p:spPr>
+          <a:xfrm>
+            <a:off x="540000" y="270000"/>
+            <a:ext cx="8999640" cy="989640"/>
+          </a:xfrm>
+          <a:prstGeom prst="rect">
+            <a:avLst/>
+          </a:prstGeom>
+          <a:noFill/>
+          <a:ln w="0">
+            <a:noFill/>
+          </a:ln>
+        </p:spPr>
+        <p:txBody>
+          <a:bodyPr lIns="0" rIns="0" tIns="0" bIns="0" anchor="ctr">
+            <a:noAutofit/>
+          </a:bodyPr>
+          <a:p>
+            <a:pPr algn="ctr">
+              <a:buNone/>
+            </a:pPr>
+            <a:endParaRPr b="0" lang="en-US" sz="4400" spc="-1" strike="noStrike">
+              <a:solidFill>
+                <a:srgbClr val="ffffff"/>
+              </a:solidFill>
+              <a:latin typeface="Arial"/>
+            </a:endParaRPr>
+          </a:p>
+        </p:txBody>
+      </p:sp>
+      <p:sp>
+        <p:nvSpPr>
+          <p:cNvPr id="91" name="PlaceHolder 2"/>
+          <p:cNvSpPr>
+            <a:spLocks noGrp="1"/>
+          </p:cNvSpPr>
+          <p:nvPr>
+            <p:ph/>
+          </p:nvPr>
+        </p:nvSpPr>
+        <p:spPr>
+          <a:xfrm>
+            <a:off x="504000" y="1326600"/>
+            <a:ext cx="4426920" cy="1568520"/>
+          </a:xfrm>
+          <a:prstGeom prst="rect">
+            <a:avLst/>
+          </a:prstGeom>
+          <a:noFill/>
+          <a:ln w="0">
+            <a:noFill/>
+          </a:ln>
+        </p:spPr>
+        <p:txBody>
+          <a:bodyPr lIns="0" rIns="0" tIns="0" bIns="0" anchor="t">
+            <a:normAutofit/>
+          </a:bodyPr>
+          <a:p>
+            <a:endParaRPr b="0" lang="en-US" sz="3200" spc="-1" strike="noStrike">
+              <a:latin typeface="Arial"/>
+            </a:endParaRPr>
+          </a:p>
+        </p:txBody>
+      </p:sp>
+      <p:sp>
+        <p:nvSpPr>
+          <p:cNvPr id="92" name="PlaceHolder 3"/>
+          <p:cNvSpPr>
+            <a:spLocks noGrp="1"/>
+          </p:cNvSpPr>
+          <p:nvPr>
+            <p:ph/>
+          </p:nvPr>
+        </p:nvSpPr>
+        <p:spPr>
+          <a:xfrm>
+            <a:off x="5152680" y="1326600"/>
+            <a:ext cx="4426920" cy="1568520"/>
+          </a:xfrm>
+          <a:prstGeom prst="rect">
+            <a:avLst/>
+          </a:prstGeom>
+          <a:noFill/>
+          <a:ln w="0">
+            <a:noFill/>
+          </a:ln>
+        </p:spPr>
+        <p:txBody>
+          <a:bodyPr lIns="0" rIns="0" tIns="0" bIns="0" anchor="t">
+            <a:normAutofit/>
+          </a:bodyPr>
+          <a:p>
+            <a:endParaRPr b="0" lang="en-US" sz="3200" spc="-1" strike="noStrike">
+              <a:latin typeface="Arial"/>
+            </a:endParaRPr>
+          </a:p>
+        </p:txBody>
+      </p:sp>
+      <p:sp>
+        <p:nvSpPr>
+          <p:cNvPr id="93" name="PlaceHolder 4"/>
+          <p:cNvSpPr>
+            <a:spLocks noGrp="1"/>
+          </p:cNvSpPr>
+          <p:nvPr>
+            <p:ph/>
+          </p:nvPr>
+        </p:nvSpPr>
+        <p:spPr>
+          <a:xfrm>
+            <a:off x="504000" y="3044520"/>
+            <a:ext cx="9072000" cy="1568520"/>
+          </a:xfrm>
+          <a:prstGeom prst="rect">
+            <a:avLst/>
+          </a:prstGeom>
+          <a:noFill/>
+          <a:ln w="0">
+            <a:noFill/>
+          </a:ln>
+        </p:spPr>
+        <p:txBody>
+          <a:bodyPr lIns="0" rIns="0" tIns="0" bIns="0" anchor="t">
+            <a:normAutofit/>
+          </a:bodyPr>
+          <a:p>
+            <a:endParaRPr b="0" lang="en-US" sz="3200" spc="-1" strike="noStrike">
+              <a:latin typeface="Arial"/>
+            </a:endParaRPr>
+          </a:p>
+        </p:txBody>
+      </p:sp>
+      <p:sp>
+        <p:nvSpPr>
           <p:cNvPr id="6" name="PlaceHolder 5"/>
           <p:cNvSpPr>
             <a:spLocks noGrp="1"/>
           </p:cNvSpPr>
           <p:nvPr>
-            <p:ph type="dt" idx="3"/>
+            <p:ph type="ftr" idx="4"/>
+          </p:nvPr>
+        </p:nvSpPr>
+        <p:spPr/>
+        <p:txBody>
+          <a:bodyPr/>
+          <a:p>
+            <a:r>
+              <a:t>Footer</a:t>
+            </a:r>
+          </a:p>
+        </p:txBody>
+      </p:sp>
+      <p:sp>
+        <p:nvSpPr>
+          <p:cNvPr id="7" name="PlaceHolder 6"/>
+          <p:cNvSpPr>
+            <a:spLocks noGrp="1"/>
+          </p:cNvSpPr>
+          <p:nvPr>
+            <p:ph type="sldNum" idx="5"/>
+          </p:nvPr>
+        </p:nvSpPr>
+        <p:spPr/>
+        <p:txBody>
+          <a:bodyPr/>
+          <a:p>
+            <a:fld id="{304B9084-AEC1-48FF-85FE-8679BAA650D1}" type="slidenum">
+              <a:t>&lt;#&gt;</a:t>
+            </a:fld>
+          </a:p>
+        </p:txBody>
+      </p:sp>
+      <p:sp>
+        <p:nvSpPr>
+          <p:cNvPr id="8" name="PlaceHolder 7"/>
+          <p:cNvSpPr>
+            <a:spLocks noGrp="1"/>
+          </p:cNvSpPr>
+          <p:nvPr>
+            <p:ph type="dt" idx="6"/>
+          </p:nvPr>
+        </p:nvSpPr>
+        <p:spPr/>
+        <p:txBody>
+          <a:bodyPr/>
+          <a:p>
+            <a:r>
+              <a:rPr lang="en-US"/>
+              <a:t/>
+            </a:r>
+          </a:p>
+        </p:txBody>
+      </p:sp>
+    </p:spTree>
+  </p:cSld>
+</p:sldLayout>
+</file>
+
+<file path=ppt/slideLayouts/slideLayout22.xml><?xml version="1.0" encoding="utf-8"?>
+<p:sldLayout xmlns:a="http://schemas.openxmlformats.org/drawingml/2006/main" xmlns:p="http://schemas.openxmlformats.org/presentationml/2006/main" xmlns:r="http://schemas.openxmlformats.org/officeDocument/2006/relationships" xmlns:p14="http://schemas.microsoft.com/office/powerpoint/2010/main" xmlns:p15="http://schemas.microsoft.com/office/powerpoint/2012/main" xmlns:mc="http://schemas.openxmlformats.org/markup-compatibility/2006" type="objOverTx" preserve="1">
+  <p:cSld name="Title, Content over Content">
+    <p:spTree>
+      <p:nvGrpSpPr>
+        <p:cNvPr id="1" name=""/>
+        <p:cNvGrpSpPr/>
+        <p:nvPr/>
+      </p:nvGrpSpPr>
+      <p:grpSpPr>
+        <a:xfrm>
+          <a:off x="0" y="0"/>
+          <a:ext cx="0" cy="0"/>
+          <a:chOff x="0" y="0"/>
+          <a:chExt cx="0" cy="0"/>
+        </a:xfrm>
+      </p:grpSpPr>
+      <p:sp>
+        <p:nvSpPr>
+          <p:cNvPr id="94" name="PlaceHolder 1"/>
+          <p:cNvSpPr>
+            <a:spLocks noGrp="1"/>
+          </p:cNvSpPr>
+          <p:nvPr>
+            <p:ph type="title"/>
+          </p:nvPr>
+        </p:nvSpPr>
+        <p:spPr>
+          <a:xfrm>
+            <a:off x="540000" y="270000"/>
+            <a:ext cx="8999640" cy="989640"/>
+          </a:xfrm>
+          <a:prstGeom prst="rect">
+            <a:avLst/>
+          </a:prstGeom>
+          <a:noFill/>
+          <a:ln w="0">
+            <a:noFill/>
+          </a:ln>
+        </p:spPr>
+        <p:txBody>
+          <a:bodyPr lIns="0" rIns="0" tIns="0" bIns="0" anchor="ctr">
+            <a:noAutofit/>
+          </a:bodyPr>
+          <a:p>
+            <a:pPr algn="ctr">
+              <a:buNone/>
+            </a:pPr>
+            <a:endParaRPr b="0" lang="en-US" sz="4400" spc="-1" strike="noStrike">
+              <a:solidFill>
+                <a:srgbClr val="ffffff"/>
+              </a:solidFill>
+              <a:latin typeface="Arial"/>
+            </a:endParaRPr>
+          </a:p>
+        </p:txBody>
+      </p:sp>
+      <p:sp>
+        <p:nvSpPr>
+          <p:cNvPr id="95" name="PlaceHolder 2"/>
+          <p:cNvSpPr>
+            <a:spLocks noGrp="1"/>
+          </p:cNvSpPr>
+          <p:nvPr>
+            <p:ph/>
+          </p:nvPr>
+        </p:nvSpPr>
+        <p:spPr>
+          <a:xfrm>
+            <a:off x="504000" y="1326600"/>
+            <a:ext cx="9072000" cy="1568520"/>
+          </a:xfrm>
+          <a:prstGeom prst="rect">
+            <a:avLst/>
+          </a:prstGeom>
+          <a:noFill/>
+          <a:ln w="0">
+            <a:noFill/>
+          </a:ln>
+        </p:spPr>
+        <p:txBody>
+          <a:bodyPr lIns="0" rIns="0" tIns="0" bIns="0" anchor="t">
+            <a:normAutofit/>
+          </a:bodyPr>
+          <a:p>
+            <a:endParaRPr b="0" lang="en-US" sz="3200" spc="-1" strike="noStrike">
+              <a:latin typeface="Arial"/>
+            </a:endParaRPr>
+          </a:p>
+        </p:txBody>
+      </p:sp>
+      <p:sp>
+        <p:nvSpPr>
+          <p:cNvPr id="96" name="PlaceHolder 3"/>
+          <p:cNvSpPr>
+            <a:spLocks noGrp="1"/>
+          </p:cNvSpPr>
+          <p:nvPr>
+            <p:ph/>
+          </p:nvPr>
+        </p:nvSpPr>
+        <p:spPr>
+          <a:xfrm>
+            <a:off x="504000" y="3044520"/>
+            <a:ext cx="9072000" cy="1568520"/>
+          </a:xfrm>
+          <a:prstGeom prst="rect">
+            <a:avLst/>
+          </a:prstGeom>
+          <a:noFill/>
+          <a:ln w="0">
+            <a:noFill/>
+          </a:ln>
+        </p:spPr>
+        <p:txBody>
+          <a:bodyPr lIns="0" rIns="0" tIns="0" bIns="0" anchor="t">
+            <a:normAutofit/>
+          </a:bodyPr>
+          <a:p>
+            <a:endParaRPr b="0" lang="en-US" sz="3200" spc="-1" strike="noStrike">
+              <a:latin typeface="Arial"/>
+            </a:endParaRPr>
+          </a:p>
+        </p:txBody>
+      </p:sp>
+      <p:sp>
+        <p:nvSpPr>
+          <p:cNvPr id="5" name="PlaceHolder 4"/>
+          <p:cNvSpPr>
+            <a:spLocks noGrp="1"/>
+          </p:cNvSpPr>
+          <p:nvPr>
+            <p:ph type="ftr" idx="4"/>
+          </p:nvPr>
+        </p:nvSpPr>
+        <p:spPr/>
+        <p:txBody>
+          <a:bodyPr/>
+          <a:p>
+            <a:r>
+              <a:t>Footer</a:t>
+            </a:r>
+          </a:p>
+        </p:txBody>
+      </p:sp>
+      <p:sp>
+        <p:nvSpPr>
+          <p:cNvPr id="6" name="PlaceHolder 5"/>
+          <p:cNvSpPr>
+            <a:spLocks noGrp="1"/>
+          </p:cNvSpPr>
+          <p:nvPr>
+            <p:ph type="sldNum" idx="5"/>
+          </p:nvPr>
+        </p:nvSpPr>
+        <p:spPr/>
+        <p:txBody>
+          <a:bodyPr/>
+          <a:p>
+            <a:fld id="{228003C4-520B-42EF-B6C3-E7F988C1FDD2}" type="slidenum">
+              <a:t>&lt;#&gt;</a:t>
+            </a:fld>
+          </a:p>
+        </p:txBody>
+      </p:sp>
+      <p:sp>
+        <p:nvSpPr>
+          <p:cNvPr id="7" name="PlaceHolder 6"/>
+          <p:cNvSpPr>
+            <a:spLocks noGrp="1"/>
+          </p:cNvSpPr>
+          <p:nvPr>
+            <p:ph type="dt" idx="6"/>
+          </p:nvPr>
+        </p:nvSpPr>
+        <p:spPr/>
+        <p:txBody>
+          <a:bodyPr/>
+          <a:p>
+            <a:r>
+              <a:rPr lang="en-US"/>
+              <a:t/>
+            </a:r>
+          </a:p>
+        </p:txBody>
+      </p:sp>
+    </p:spTree>
+  </p:cSld>
+</p:sldLayout>
+</file>
+
+<file path=ppt/slideLayouts/slideLayout23.xml><?xml version="1.0" encoding="utf-8"?>
+<p:sldLayout xmlns:a="http://schemas.openxmlformats.org/drawingml/2006/main" xmlns:p="http://schemas.openxmlformats.org/presentationml/2006/main" xmlns:r="http://schemas.openxmlformats.org/officeDocument/2006/relationships" xmlns:p14="http://schemas.microsoft.com/office/powerpoint/2010/main" xmlns:p15="http://schemas.microsoft.com/office/powerpoint/2012/main" xmlns:mc="http://schemas.openxmlformats.org/markup-compatibility/2006" type="fourObj" preserve="1">
+  <p:cSld name="Title, 4 Content">
+    <p:spTree>
+      <p:nvGrpSpPr>
+        <p:cNvPr id="1" name=""/>
+        <p:cNvGrpSpPr/>
+        <p:nvPr/>
+      </p:nvGrpSpPr>
+      <p:grpSpPr>
+        <a:xfrm>
+          <a:off x="0" y="0"/>
+          <a:ext cx="0" cy="0"/>
+          <a:chOff x="0" y="0"/>
+          <a:chExt cx="0" cy="0"/>
+        </a:xfrm>
+      </p:grpSpPr>
+      <p:sp>
+        <p:nvSpPr>
+          <p:cNvPr id="97" name="PlaceHolder 1"/>
+          <p:cNvSpPr>
+            <a:spLocks noGrp="1"/>
+          </p:cNvSpPr>
+          <p:nvPr>
+            <p:ph type="title"/>
+          </p:nvPr>
+        </p:nvSpPr>
+        <p:spPr>
+          <a:xfrm>
+            <a:off x="540000" y="270000"/>
+            <a:ext cx="8999640" cy="989640"/>
+          </a:xfrm>
+          <a:prstGeom prst="rect">
+            <a:avLst/>
+          </a:prstGeom>
+          <a:noFill/>
+          <a:ln w="0">
+            <a:noFill/>
+          </a:ln>
+        </p:spPr>
+        <p:txBody>
+          <a:bodyPr lIns="0" rIns="0" tIns="0" bIns="0" anchor="ctr">
+            <a:noAutofit/>
+          </a:bodyPr>
+          <a:p>
+            <a:pPr algn="ctr">
+              <a:buNone/>
+            </a:pPr>
+            <a:endParaRPr b="0" lang="en-US" sz="4400" spc="-1" strike="noStrike">
+              <a:solidFill>
+                <a:srgbClr val="ffffff"/>
+              </a:solidFill>
+              <a:latin typeface="Arial"/>
+            </a:endParaRPr>
+          </a:p>
+        </p:txBody>
+      </p:sp>
+      <p:sp>
+        <p:nvSpPr>
+          <p:cNvPr id="98" name="PlaceHolder 2"/>
+          <p:cNvSpPr>
+            <a:spLocks noGrp="1"/>
+          </p:cNvSpPr>
+          <p:nvPr>
+            <p:ph/>
+          </p:nvPr>
+        </p:nvSpPr>
+        <p:spPr>
+          <a:xfrm>
+            <a:off x="504000" y="1326600"/>
+            <a:ext cx="4426920" cy="1568520"/>
+          </a:xfrm>
+          <a:prstGeom prst="rect">
+            <a:avLst/>
+          </a:prstGeom>
+          <a:noFill/>
+          <a:ln w="0">
+            <a:noFill/>
+          </a:ln>
+        </p:spPr>
+        <p:txBody>
+          <a:bodyPr lIns="0" rIns="0" tIns="0" bIns="0" anchor="t">
+            <a:normAutofit/>
+          </a:bodyPr>
+          <a:p>
+            <a:endParaRPr b="0" lang="en-US" sz="3200" spc="-1" strike="noStrike">
+              <a:latin typeface="Arial"/>
+            </a:endParaRPr>
+          </a:p>
+        </p:txBody>
+      </p:sp>
+      <p:sp>
+        <p:nvSpPr>
+          <p:cNvPr id="99" name="PlaceHolder 3"/>
+          <p:cNvSpPr>
+            <a:spLocks noGrp="1"/>
+          </p:cNvSpPr>
+          <p:nvPr>
+            <p:ph/>
+          </p:nvPr>
+        </p:nvSpPr>
+        <p:spPr>
+          <a:xfrm>
+            <a:off x="5152680" y="1326600"/>
+            <a:ext cx="4426920" cy="1568520"/>
+          </a:xfrm>
+          <a:prstGeom prst="rect">
+            <a:avLst/>
+          </a:prstGeom>
+          <a:noFill/>
+          <a:ln w="0">
+            <a:noFill/>
+          </a:ln>
+        </p:spPr>
+        <p:txBody>
+          <a:bodyPr lIns="0" rIns="0" tIns="0" bIns="0" anchor="t">
+            <a:normAutofit/>
+          </a:bodyPr>
+          <a:p>
+            <a:endParaRPr b="0" lang="en-US" sz="3200" spc="-1" strike="noStrike">
+              <a:latin typeface="Arial"/>
+            </a:endParaRPr>
+          </a:p>
+        </p:txBody>
+      </p:sp>
+      <p:sp>
+        <p:nvSpPr>
+          <p:cNvPr id="100" name="PlaceHolder 4"/>
+          <p:cNvSpPr>
+            <a:spLocks noGrp="1"/>
+          </p:cNvSpPr>
+          <p:nvPr>
+            <p:ph/>
+          </p:nvPr>
+        </p:nvSpPr>
+        <p:spPr>
+          <a:xfrm>
+            <a:off x="504000" y="3044520"/>
+            <a:ext cx="4426920" cy="1568520"/>
+          </a:xfrm>
+          <a:prstGeom prst="rect">
+            <a:avLst/>
+          </a:prstGeom>
+          <a:noFill/>
+          <a:ln w="0">
+            <a:noFill/>
+          </a:ln>
+        </p:spPr>
+        <p:txBody>
+          <a:bodyPr lIns="0" rIns="0" tIns="0" bIns="0" anchor="t">
+            <a:normAutofit/>
+          </a:bodyPr>
+          <a:p>
+            <a:endParaRPr b="0" lang="en-US" sz="3200" spc="-1" strike="noStrike">
+              <a:latin typeface="Arial"/>
+            </a:endParaRPr>
+          </a:p>
+        </p:txBody>
+      </p:sp>
+      <p:sp>
+        <p:nvSpPr>
+          <p:cNvPr id="101" name="PlaceHolder 5"/>
+          <p:cNvSpPr>
+            <a:spLocks noGrp="1"/>
+          </p:cNvSpPr>
+          <p:nvPr>
+            <p:ph/>
+          </p:nvPr>
+        </p:nvSpPr>
+        <p:spPr>
+          <a:xfrm>
+            <a:off x="5152680" y="3044520"/>
+            <a:ext cx="4426920" cy="1568520"/>
+          </a:xfrm>
+          <a:prstGeom prst="rect">
+            <a:avLst/>
+          </a:prstGeom>
+          <a:noFill/>
+          <a:ln w="0">
+            <a:noFill/>
+          </a:ln>
+        </p:spPr>
+        <p:txBody>
+          <a:bodyPr lIns="0" rIns="0" tIns="0" bIns="0" anchor="t">
+            <a:normAutofit/>
+          </a:bodyPr>
+          <a:p>
+            <a:endParaRPr b="0" lang="en-US" sz="3200" spc="-1" strike="noStrike">
+              <a:latin typeface="Arial"/>
+            </a:endParaRPr>
+          </a:p>
+        </p:txBody>
+      </p:sp>
+      <p:sp>
+        <p:nvSpPr>
+          <p:cNvPr id="7" name="PlaceHolder 6"/>
+          <p:cNvSpPr>
+            <a:spLocks noGrp="1"/>
+          </p:cNvSpPr>
+          <p:nvPr>
+            <p:ph type="ftr" idx="4"/>
+          </p:nvPr>
+        </p:nvSpPr>
+        <p:spPr/>
+        <p:txBody>
+          <a:bodyPr/>
+          <a:p>
+            <a:r>
+              <a:t>Footer</a:t>
+            </a:r>
+          </a:p>
+        </p:txBody>
+      </p:sp>
+      <p:sp>
+        <p:nvSpPr>
+          <p:cNvPr id="8" name="PlaceHolder 7"/>
+          <p:cNvSpPr>
+            <a:spLocks noGrp="1"/>
+          </p:cNvSpPr>
+          <p:nvPr>
+            <p:ph type="sldNum" idx="5"/>
+          </p:nvPr>
+        </p:nvSpPr>
+        <p:spPr/>
+        <p:txBody>
+          <a:bodyPr/>
+          <a:p>
+            <a:fld id="{12DC7EF5-DF4A-42A3-A6AE-1BD0C0C069E9}" type="slidenum">
+              <a:t>&lt;#&gt;</a:t>
+            </a:fld>
+          </a:p>
+        </p:txBody>
+      </p:sp>
+      <p:sp>
+        <p:nvSpPr>
+          <p:cNvPr id="9" name="PlaceHolder 8"/>
+          <p:cNvSpPr>
+            <a:spLocks noGrp="1"/>
+          </p:cNvSpPr>
+          <p:nvPr>
+            <p:ph type="dt" idx="6"/>
+          </p:nvPr>
+        </p:nvSpPr>
+        <p:spPr/>
+        <p:txBody>
+          <a:bodyPr/>
+          <a:p>
+            <a:r>
+              <a:rPr lang="en-US"/>
+              <a:t/>
+            </a:r>
+          </a:p>
+        </p:txBody>
+      </p:sp>
+    </p:spTree>
+  </p:cSld>
+</p:sldLayout>
+</file>
+
+<file path=ppt/slideLayouts/slideLayout24.xml><?xml version="1.0" encoding="utf-8"?>
+<p:sldLayout xmlns:a="http://schemas.openxmlformats.org/drawingml/2006/main" xmlns:p="http://schemas.openxmlformats.org/presentationml/2006/main" xmlns:r="http://schemas.openxmlformats.org/officeDocument/2006/relationships" xmlns:p14="http://schemas.microsoft.com/office/powerpoint/2010/main" xmlns:p15="http://schemas.microsoft.com/office/powerpoint/2012/main" xmlns:mc="http://schemas.openxmlformats.org/markup-compatibility/2006" type="blank" preserve="1">
+  <p:cSld name="Title, 6 Content">
+    <p:spTree>
+      <p:nvGrpSpPr>
+        <p:cNvPr id="1" name=""/>
+        <p:cNvGrpSpPr/>
+        <p:nvPr/>
+      </p:nvGrpSpPr>
+      <p:grpSpPr>
+        <a:xfrm>
+          <a:off x="0" y="0"/>
+          <a:ext cx="0" cy="0"/>
+          <a:chOff x="0" y="0"/>
+          <a:chExt cx="0" cy="0"/>
+        </a:xfrm>
+      </p:grpSpPr>
+      <p:sp>
+        <p:nvSpPr>
+          <p:cNvPr id="102" name="PlaceHolder 1"/>
+          <p:cNvSpPr>
+            <a:spLocks noGrp="1"/>
+          </p:cNvSpPr>
+          <p:nvPr>
+            <p:ph type="title"/>
+          </p:nvPr>
+        </p:nvSpPr>
+        <p:spPr>
+          <a:xfrm>
+            <a:off x="540000" y="270000"/>
+            <a:ext cx="8999640" cy="989640"/>
+          </a:xfrm>
+          <a:prstGeom prst="rect">
+            <a:avLst/>
+          </a:prstGeom>
+          <a:noFill/>
+          <a:ln w="0">
+            <a:noFill/>
+          </a:ln>
+        </p:spPr>
+        <p:txBody>
+          <a:bodyPr lIns="0" rIns="0" tIns="0" bIns="0" anchor="ctr">
+            <a:noAutofit/>
+          </a:bodyPr>
+          <a:p>
+            <a:pPr algn="ctr">
+              <a:buNone/>
+            </a:pPr>
+            <a:endParaRPr b="0" lang="en-US" sz="4400" spc="-1" strike="noStrike">
+              <a:solidFill>
+                <a:srgbClr val="ffffff"/>
+              </a:solidFill>
+              <a:latin typeface="Arial"/>
+            </a:endParaRPr>
+          </a:p>
+        </p:txBody>
+      </p:sp>
+      <p:sp>
+        <p:nvSpPr>
+          <p:cNvPr id="103" name="PlaceHolder 2"/>
+          <p:cNvSpPr>
+            <a:spLocks noGrp="1"/>
+          </p:cNvSpPr>
+          <p:nvPr>
+            <p:ph/>
+          </p:nvPr>
+        </p:nvSpPr>
+        <p:spPr>
+          <a:xfrm>
+            <a:off x="504000" y="1326600"/>
+            <a:ext cx="2921040" cy="1568520"/>
+          </a:xfrm>
+          <a:prstGeom prst="rect">
+            <a:avLst/>
+          </a:prstGeom>
+          <a:noFill/>
+          <a:ln w="0">
+            <a:noFill/>
+          </a:ln>
+        </p:spPr>
+        <p:txBody>
+          <a:bodyPr lIns="0" rIns="0" tIns="0" bIns="0" anchor="t">
+            <a:normAutofit/>
+          </a:bodyPr>
+          <a:p>
+            <a:endParaRPr b="0" lang="en-US" sz="3200" spc="-1" strike="noStrike">
+              <a:latin typeface="Arial"/>
+            </a:endParaRPr>
+          </a:p>
+        </p:txBody>
+      </p:sp>
+      <p:sp>
+        <p:nvSpPr>
+          <p:cNvPr id="104" name="PlaceHolder 3"/>
+          <p:cNvSpPr>
+            <a:spLocks noGrp="1"/>
+          </p:cNvSpPr>
+          <p:nvPr>
+            <p:ph/>
+          </p:nvPr>
+        </p:nvSpPr>
+        <p:spPr>
+          <a:xfrm>
+            <a:off x="3571560" y="1326600"/>
+            <a:ext cx="2921040" cy="1568520"/>
+          </a:xfrm>
+          <a:prstGeom prst="rect">
+            <a:avLst/>
+          </a:prstGeom>
+          <a:noFill/>
+          <a:ln w="0">
+            <a:noFill/>
+          </a:ln>
+        </p:spPr>
+        <p:txBody>
+          <a:bodyPr lIns="0" rIns="0" tIns="0" bIns="0" anchor="t">
+            <a:normAutofit/>
+          </a:bodyPr>
+          <a:p>
+            <a:endParaRPr b="0" lang="en-US" sz="3200" spc="-1" strike="noStrike">
+              <a:latin typeface="Arial"/>
+            </a:endParaRPr>
+          </a:p>
+        </p:txBody>
+      </p:sp>
+      <p:sp>
+        <p:nvSpPr>
+          <p:cNvPr id="105" name="PlaceHolder 4"/>
+          <p:cNvSpPr>
+            <a:spLocks noGrp="1"/>
+          </p:cNvSpPr>
+          <p:nvPr>
+            <p:ph/>
+          </p:nvPr>
+        </p:nvSpPr>
+        <p:spPr>
+          <a:xfrm>
+            <a:off x="6639120" y="1326600"/>
+            <a:ext cx="2921040" cy="1568520"/>
+          </a:xfrm>
+          <a:prstGeom prst="rect">
+            <a:avLst/>
+          </a:prstGeom>
+          <a:noFill/>
+          <a:ln w="0">
+            <a:noFill/>
+          </a:ln>
+        </p:spPr>
+        <p:txBody>
+          <a:bodyPr lIns="0" rIns="0" tIns="0" bIns="0" anchor="t">
+            <a:normAutofit/>
+          </a:bodyPr>
+          <a:p>
+            <a:endParaRPr b="0" lang="en-US" sz="3200" spc="-1" strike="noStrike">
+              <a:latin typeface="Arial"/>
+            </a:endParaRPr>
+          </a:p>
+        </p:txBody>
+      </p:sp>
+      <p:sp>
+        <p:nvSpPr>
+          <p:cNvPr id="106" name="PlaceHolder 5"/>
+          <p:cNvSpPr>
+            <a:spLocks noGrp="1"/>
+          </p:cNvSpPr>
+          <p:nvPr>
+            <p:ph/>
+          </p:nvPr>
+        </p:nvSpPr>
+        <p:spPr>
+          <a:xfrm>
+            <a:off x="504000" y="3044520"/>
+            <a:ext cx="2921040" cy="1568520"/>
+          </a:xfrm>
+          <a:prstGeom prst="rect">
+            <a:avLst/>
+          </a:prstGeom>
+          <a:noFill/>
+          <a:ln w="0">
+            <a:noFill/>
+          </a:ln>
+        </p:spPr>
+        <p:txBody>
+          <a:bodyPr lIns="0" rIns="0" tIns="0" bIns="0" anchor="t">
+            <a:normAutofit/>
+          </a:bodyPr>
+          <a:p>
+            <a:endParaRPr b="0" lang="en-US" sz="3200" spc="-1" strike="noStrike">
+              <a:latin typeface="Arial"/>
+            </a:endParaRPr>
+          </a:p>
+        </p:txBody>
+      </p:sp>
+      <p:sp>
+        <p:nvSpPr>
+          <p:cNvPr id="107" name="PlaceHolder 6"/>
+          <p:cNvSpPr>
+            <a:spLocks noGrp="1"/>
+          </p:cNvSpPr>
+          <p:nvPr>
+            <p:ph/>
+          </p:nvPr>
+        </p:nvSpPr>
+        <p:spPr>
+          <a:xfrm>
+            <a:off x="3571560" y="3044520"/>
+            <a:ext cx="2921040" cy="1568520"/>
+          </a:xfrm>
+          <a:prstGeom prst="rect">
+            <a:avLst/>
+          </a:prstGeom>
+          <a:noFill/>
+          <a:ln w="0">
+            <a:noFill/>
+          </a:ln>
+        </p:spPr>
+        <p:txBody>
+          <a:bodyPr lIns="0" rIns="0" tIns="0" bIns="0" anchor="t">
+            <a:normAutofit/>
+          </a:bodyPr>
+          <a:p>
+            <a:endParaRPr b="0" lang="en-US" sz="3200" spc="-1" strike="noStrike">
+              <a:latin typeface="Arial"/>
+            </a:endParaRPr>
+          </a:p>
+        </p:txBody>
+      </p:sp>
+      <p:sp>
+        <p:nvSpPr>
+          <p:cNvPr id="108" name="PlaceHolder 7"/>
+          <p:cNvSpPr>
+            <a:spLocks noGrp="1"/>
+          </p:cNvSpPr>
+          <p:nvPr>
+            <p:ph/>
+          </p:nvPr>
+        </p:nvSpPr>
+        <p:spPr>
+          <a:xfrm>
+            <a:off x="6639120" y="3044520"/>
+            <a:ext cx="2921040" cy="1568520"/>
+          </a:xfrm>
+          <a:prstGeom prst="rect">
+            <a:avLst/>
+          </a:prstGeom>
+          <a:noFill/>
+          <a:ln w="0">
+            <a:noFill/>
+          </a:ln>
+        </p:spPr>
+        <p:txBody>
+          <a:bodyPr lIns="0" rIns="0" tIns="0" bIns="0" anchor="t">
+            <a:normAutofit/>
+          </a:bodyPr>
+          <a:p>
+            <a:endParaRPr b="0" lang="en-US" sz="3200" spc="-1" strike="noStrike">
+              <a:latin typeface="Arial"/>
+            </a:endParaRPr>
+          </a:p>
+        </p:txBody>
+      </p:sp>
+      <p:sp>
+        <p:nvSpPr>
+          <p:cNvPr id="9" name="PlaceHolder 8"/>
+          <p:cNvSpPr>
+            <a:spLocks noGrp="1"/>
+          </p:cNvSpPr>
+          <p:nvPr>
+            <p:ph type="ftr" idx="4"/>
+          </p:nvPr>
+        </p:nvSpPr>
+        <p:spPr/>
+        <p:txBody>
+          <a:bodyPr/>
+          <a:p>
+            <a:r>
+              <a:t>Footer</a:t>
+            </a:r>
+          </a:p>
+        </p:txBody>
+      </p:sp>
+      <p:sp>
+        <p:nvSpPr>
+          <p:cNvPr id="10" name="PlaceHolder 9"/>
+          <p:cNvSpPr>
+            <a:spLocks noGrp="1"/>
+          </p:cNvSpPr>
+          <p:nvPr>
+            <p:ph type="sldNum" idx="5"/>
+          </p:nvPr>
+        </p:nvSpPr>
+        <p:spPr/>
+        <p:txBody>
+          <a:bodyPr/>
+          <a:p>
+            <a:fld id="{8CD4F286-CD54-4EA7-B638-7A16FE547CA4}" type="slidenum">
+              <a:t>&lt;#&gt;</a:t>
+            </a:fld>
+          </a:p>
+        </p:txBody>
+      </p:sp>
+      <p:sp>
+        <p:nvSpPr>
+          <p:cNvPr id="11" name="PlaceHolder 10"/>
+          <p:cNvSpPr>
+            <a:spLocks noGrp="1"/>
+          </p:cNvSpPr>
+          <p:nvPr>
+            <p:ph type="dt" idx="6"/>
+          </p:nvPr>
+        </p:nvSpPr>
+        <p:spPr/>
+        <p:txBody>
+          <a:bodyPr/>
+          <a:p>
+            <a:r>
+              <a:rPr lang="en-US"/>
+              <a:t/>
+            </a:r>
+          </a:p>
+        </p:txBody>
+      </p:sp>
+    </p:spTree>
+  </p:cSld>
+</p:sldLayout>
+</file>
+
+<file path=ppt/slideLayouts/slideLayout25.xml><?xml version="1.0" encoding="utf-8"?>
+<p:sldLayout xmlns:a="http://schemas.openxmlformats.org/drawingml/2006/main" xmlns:p="http://schemas.openxmlformats.org/presentationml/2006/main" xmlns:r="http://schemas.openxmlformats.org/officeDocument/2006/relationships" xmlns:p14="http://schemas.microsoft.com/office/powerpoint/2010/main" xmlns:p15="http://schemas.microsoft.com/office/powerpoint/2012/main" xmlns:mc="http://schemas.openxmlformats.org/markup-compatibility/2006" type="blank" preserve="1">
+  <p:cSld name="Blank Slide">
+    <p:spTree>
+      <p:nvGrpSpPr>
+        <p:cNvPr id="1" name=""/>
+        <p:cNvGrpSpPr/>
+        <p:nvPr/>
+      </p:nvGrpSpPr>
+      <p:grpSpPr>
+        <a:xfrm>
+          <a:off x="0" y="0"/>
+          <a:ext cx="0" cy="0"/>
+          <a:chOff x="0" y="0"/>
+          <a:chExt cx="0" cy="0"/>
+        </a:xfrm>
+      </p:grpSpPr>
+      <p:sp>
+        <p:nvSpPr>
+          <p:cNvPr id="2" name="PlaceHolder 1"/>
+          <p:cNvSpPr>
+            <a:spLocks noGrp="1"/>
+          </p:cNvSpPr>
+          <p:nvPr>
+            <p:ph type="ftr" idx="7"/>
+          </p:nvPr>
+        </p:nvSpPr>
+        <p:spPr/>
+        <p:txBody>
+          <a:bodyPr/>
+          <a:p>
+            <a:r>
+              <a:t>Footer</a:t>
+            </a:r>
+          </a:p>
+        </p:txBody>
+      </p:sp>
+      <p:sp>
+        <p:nvSpPr>
+          <p:cNvPr id="3" name="PlaceHolder 2"/>
+          <p:cNvSpPr>
+            <a:spLocks noGrp="1"/>
+          </p:cNvSpPr>
+          <p:nvPr>
+            <p:ph type="sldNum" idx="8"/>
+          </p:nvPr>
+        </p:nvSpPr>
+        <p:spPr/>
+        <p:txBody>
+          <a:bodyPr/>
+          <a:p>
+            <a:fld id="{A646BF96-8F2E-4B8D-88FB-D8D37129FFB7}" type="slidenum">
+              <a:t>&lt;#&gt;</a:t>
+            </a:fld>
+          </a:p>
+        </p:txBody>
+      </p:sp>
+      <p:sp>
+        <p:nvSpPr>
+          <p:cNvPr id="4" name="PlaceHolder 3"/>
+          <p:cNvSpPr>
+            <a:spLocks noGrp="1"/>
+          </p:cNvSpPr>
+          <p:nvPr>
+            <p:ph type="dt" idx="9"/>
+          </p:nvPr>
+        </p:nvSpPr>
+        <p:spPr/>
+        <p:txBody>
+          <a:bodyPr/>
+          <a:p>
+            <a:r>
+              <a:rPr lang="en-US"/>
+              <a:t/>
+            </a:r>
+          </a:p>
+        </p:txBody>
+      </p:sp>
+    </p:spTree>
+  </p:cSld>
+</p:sldLayout>
+</file>
+
+<file path=ppt/slideLayouts/slideLayout26.xml><?xml version="1.0" encoding="utf-8"?>
+<p:sldLayout xmlns:a="http://schemas.openxmlformats.org/drawingml/2006/main" xmlns:p="http://schemas.openxmlformats.org/presentationml/2006/main" xmlns:r="http://schemas.openxmlformats.org/officeDocument/2006/relationships" xmlns:p14="http://schemas.microsoft.com/office/powerpoint/2010/main" xmlns:p15="http://schemas.microsoft.com/office/powerpoint/2012/main" xmlns:mc="http://schemas.openxmlformats.org/markup-compatibility/2006" type="tx" preserve="1">
+  <p:cSld name="Title Slide">
+    <p:spTree>
+      <p:nvGrpSpPr>
+        <p:cNvPr id="1" name=""/>
+        <p:cNvGrpSpPr/>
+        <p:nvPr/>
+      </p:nvGrpSpPr>
+      <p:grpSpPr>
+        <a:xfrm>
+          <a:off x="0" y="0"/>
+          <a:ext cx="0" cy="0"/>
+          <a:chOff x="0" y="0"/>
+          <a:chExt cx="0" cy="0"/>
+        </a:xfrm>
+      </p:grpSpPr>
+      <p:sp>
+        <p:nvSpPr>
+          <p:cNvPr id="122" name="PlaceHolder 1"/>
+          <p:cNvSpPr>
+            <a:spLocks noGrp="1"/>
+          </p:cNvSpPr>
+          <p:nvPr>
+            <p:ph type="title"/>
+          </p:nvPr>
+        </p:nvSpPr>
+        <p:spPr>
+          <a:xfrm>
+            <a:off x="540000" y="270000"/>
+            <a:ext cx="8999640" cy="989640"/>
+          </a:xfrm>
+          <a:prstGeom prst="rect">
+            <a:avLst/>
+          </a:prstGeom>
+          <a:noFill/>
+          <a:ln w="0">
+            <a:noFill/>
+          </a:ln>
+        </p:spPr>
+        <p:txBody>
+          <a:bodyPr lIns="0" rIns="0" tIns="0" bIns="0" anchor="ctr">
+            <a:noAutofit/>
+          </a:bodyPr>
+          <a:p>
+            <a:pPr algn="ctr">
+              <a:buNone/>
+            </a:pPr>
+            <a:endParaRPr b="0" lang="en-US" sz="4400" spc="-1" strike="noStrike">
+              <a:solidFill>
+                <a:srgbClr val="ffffff"/>
+              </a:solidFill>
+              <a:latin typeface="Arial"/>
+            </a:endParaRPr>
+          </a:p>
+        </p:txBody>
+      </p:sp>
+      <p:sp>
+        <p:nvSpPr>
+          <p:cNvPr id="123" name="PlaceHolder 2"/>
+          <p:cNvSpPr>
+            <a:spLocks noGrp="1"/>
+          </p:cNvSpPr>
+          <p:nvPr>
+            <p:ph type="subTitle"/>
+          </p:nvPr>
+        </p:nvSpPr>
+        <p:spPr>
+          <a:xfrm>
+            <a:off x="504000" y="1326600"/>
+            <a:ext cx="9072000" cy="3288600"/>
+          </a:xfrm>
+          <a:prstGeom prst="rect">
+            <a:avLst/>
+          </a:prstGeom>
+          <a:noFill/>
+          <a:ln w="0">
+            <a:noFill/>
+          </a:ln>
+        </p:spPr>
+        <p:txBody>
+          <a:bodyPr lIns="0" rIns="0" tIns="0" bIns="0" anchor="ctr">
+            <a:noAutofit/>
+          </a:bodyPr>
+          <a:p>
+            <a:pPr algn="ctr">
+              <a:buNone/>
+            </a:pPr>
+            <a:endParaRPr b="0" lang="en-US" sz="3200" spc="-1" strike="noStrike">
+              <a:latin typeface="Arial"/>
+            </a:endParaRPr>
+          </a:p>
+        </p:txBody>
+      </p:sp>
+      <p:sp>
+        <p:nvSpPr>
+          <p:cNvPr id="4" name="PlaceHolder 3"/>
+          <p:cNvSpPr>
+            <a:spLocks noGrp="1"/>
+          </p:cNvSpPr>
+          <p:nvPr>
+            <p:ph type="ftr" idx="7"/>
+          </p:nvPr>
+        </p:nvSpPr>
+        <p:spPr/>
+        <p:txBody>
+          <a:bodyPr/>
+          <a:p>
+            <a:r>
+              <a:t>Footer</a:t>
+            </a:r>
+          </a:p>
+        </p:txBody>
+      </p:sp>
+      <p:sp>
+        <p:nvSpPr>
+          <p:cNvPr id="5" name="PlaceHolder 4"/>
+          <p:cNvSpPr>
+            <a:spLocks noGrp="1"/>
+          </p:cNvSpPr>
+          <p:nvPr>
+            <p:ph type="sldNum" idx="8"/>
+          </p:nvPr>
+        </p:nvSpPr>
+        <p:spPr/>
+        <p:txBody>
+          <a:bodyPr/>
+          <a:p>
+            <a:fld id="{6875D600-7D3A-431D-B915-147DC614EE6A}" type="slidenum">
+              <a:t>&lt;#&gt;</a:t>
+            </a:fld>
+          </a:p>
+        </p:txBody>
+      </p:sp>
+      <p:sp>
+        <p:nvSpPr>
+          <p:cNvPr id="6" name="PlaceHolder 5"/>
+          <p:cNvSpPr>
+            <a:spLocks noGrp="1"/>
+          </p:cNvSpPr>
+          <p:nvPr>
+            <p:ph type="dt" idx="9"/>
+          </p:nvPr>
+        </p:nvSpPr>
+        <p:spPr/>
+        <p:txBody>
+          <a:bodyPr/>
+          <a:p>
+            <a:r>
+              <a:rPr lang="en-US"/>
+              <a:t/>
+            </a:r>
+          </a:p>
+        </p:txBody>
+      </p:sp>
+    </p:spTree>
+  </p:cSld>
+</p:sldLayout>
+</file>
+
+<file path=ppt/slideLayouts/slideLayout27.xml><?xml version="1.0" encoding="utf-8"?>
+<p:sldLayout xmlns:a="http://schemas.openxmlformats.org/drawingml/2006/main" xmlns:p="http://schemas.openxmlformats.org/presentationml/2006/main" xmlns:r="http://schemas.openxmlformats.org/officeDocument/2006/relationships" xmlns:p14="http://schemas.microsoft.com/office/powerpoint/2010/main" xmlns:p15="http://schemas.microsoft.com/office/powerpoint/2012/main" xmlns:mc="http://schemas.openxmlformats.org/markup-compatibility/2006" type="obj" preserve="1">
+  <p:cSld name="Title, Content">
+    <p:spTree>
+      <p:nvGrpSpPr>
+        <p:cNvPr id="1" name=""/>
+        <p:cNvGrpSpPr/>
+        <p:nvPr/>
+      </p:nvGrpSpPr>
+      <p:grpSpPr>
+        <a:xfrm>
+          <a:off x="0" y="0"/>
+          <a:ext cx="0" cy="0"/>
+          <a:chOff x="0" y="0"/>
+          <a:chExt cx="0" cy="0"/>
+        </a:xfrm>
+      </p:grpSpPr>
+      <p:sp>
+        <p:nvSpPr>
+          <p:cNvPr id="124" name="PlaceHolder 1"/>
+          <p:cNvSpPr>
+            <a:spLocks noGrp="1"/>
+          </p:cNvSpPr>
+          <p:nvPr>
+            <p:ph type="title"/>
+          </p:nvPr>
+        </p:nvSpPr>
+        <p:spPr>
+          <a:xfrm>
+            <a:off x="540000" y="270000"/>
+            <a:ext cx="8999640" cy="989640"/>
+          </a:xfrm>
+          <a:prstGeom prst="rect">
+            <a:avLst/>
+          </a:prstGeom>
+          <a:noFill/>
+          <a:ln w="0">
+            <a:noFill/>
+          </a:ln>
+        </p:spPr>
+        <p:txBody>
+          <a:bodyPr lIns="0" rIns="0" tIns="0" bIns="0" anchor="ctr">
+            <a:noAutofit/>
+          </a:bodyPr>
+          <a:p>
+            <a:pPr algn="ctr">
+              <a:buNone/>
+            </a:pPr>
+            <a:endParaRPr b="0" lang="en-US" sz="4400" spc="-1" strike="noStrike">
+              <a:solidFill>
+                <a:srgbClr val="ffffff"/>
+              </a:solidFill>
+              <a:latin typeface="Arial"/>
+            </a:endParaRPr>
+          </a:p>
+        </p:txBody>
+      </p:sp>
+      <p:sp>
+        <p:nvSpPr>
+          <p:cNvPr id="125" name="PlaceHolder 2"/>
+          <p:cNvSpPr>
+            <a:spLocks noGrp="1"/>
+          </p:cNvSpPr>
+          <p:nvPr>
+            <p:ph/>
+          </p:nvPr>
+        </p:nvSpPr>
+        <p:spPr>
+          <a:xfrm>
+            <a:off x="504000" y="1326600"/>
+            <a:ext cx="9072000" cy="3288600"/>
+          </a:xfrm>
+          <a:prstGeom prst="rect">
+            <a:avLst/>
+          </a:prstGeom>
+          <a:noFill/>
+          <a:ln w="0">
+            <a:noFill/>
+          </a:ln>
+        </p:spPr>
+        <p:txBody>
+          <a:bodyPr lIns="0" rIns="0" tIns="0" bIns="0" anchor="t">
+            <a:normAutofit/>
+          </a:bodyPr>
+          <a:p>
+            <a:endParaRPr b="0" lang="en-US" sz="3200" spc="-1" strike="noStrike">
+              <a:latin typeface="Arial"/>
+            </a:endParaRPr>
+          </a:p>
+        </p:txBody>
+      </p:sp>
+      <p:sp>
+        <p:nvSpPr>
+          <p:cNvPr id="4" name="PlaceHolder 3"/>
+          <p:cNvSpPr>
+            <a:spLocks noGrp="1"/>
+          </p:cNvSpPr>
+          <p:nvPr>
+            <p:ph type="ftr" idx="7"/>
+          </p:nvPr>
+        </p:nvSpPr>
+        <p:spPr/>
+        <p:txBody>
+          <a:bodyPr/>
+          <a:p>
+            <a:r>
+              <a:t>Footer</a:t>
+            </a:r>
+          </a:p>
+        </p:txBody>
+      </p:sp>
+      <p:sp>
+        <p:nvSpPr>
+          <p:cNvPr id="5" name="PlaceHolder 4"/>
+          <p:cNvSpPr>
+            <a:spLocks noGrp="1"/>
+          </p:cNvSpPr>
+          <p:nvPr>
+            <p:ph type="sldNum" idx="8"/>
+          </p:nvPr>
+        </p:nvSpPr>
+        <p:spPr/>
+        <p:txBody>
+          <a:bodyPr/>
+          <a:p>
+            <a:fld id="{CC72F38C-0B02-490D-B1B8-49EA691690C2}" type="slidenum">
+              <a:t>&lt;#&gt;</a:t>
+            </a:fld>
+          </a:p>
+        </p:txBody>
+      </p:sp>
+      <p:sp>
+        <p:nvSpPr>
+          <p:cNvPr id="6" name="PlaceHolder 5"/>
+          <p:cNvSpPr>
+            <a:spLocks noGrp="1"/>
+          </p:cNvSpPr>
+          <p:nvPr>
+            <p:ph type="dt" idx="9"/>
+          </p:nvPr>
+        </p:nvSpPr>
+        <p:spPr/>
+        <p:txBody>
+          <a:bodyPr/>
+          <a:p>
+            <a:r>
+              <a:rPr lang="en-US"/>
+              <a:t/>
+            </a:r>
+          </a:p>
+        </p:txBody>
+      </p:sp>
+    </p:spTree>
+  </p:cSld>
+</p:sldLayout>
+</file>
+
+<file path=ppt/slideLayouts/slideLayout28.xml><?xml version="1.0" encoding="utf-8"?>
+<p:sldLayout xmlns:a="http://schemas.openxmlformats.org/drawingml/2006/main" xmlns:p="http://schemas.openxmlformats.org/presentationml/2006/main" xmlns:r="http://schemas.openxmlformats.org/officeDocument/2006/relationships" xmlns:p14="http://schemas.microsoft.com/office/powerpoint/2010/main" xmlns:p15="http://schemas.microsoft.com/office/powerpoint/2012/main" xmlns:mc="http://schemas.openxmlformats.org/markup-compatibility/2006" type="twoObj" preserve="1">
+  <p:cSld name="Title, 2 Content">
+    <p:spTree>
+      <p:nvGrpSpPr>
+        <p:cNvPr id="1" name=""/>
+        <p:cNvGrpSpPr/>
+        <p:nvPr/>
+      </p:nvGrpSpPr>
+      <p:grpSpPr>
+        <a:xfrm>
+          <a:off x="0" y="0"/>
+          <a:ext cx="0" cy="0"/>
+          <a:chOff x="0" y="0"/>
+          <a:chExt cx="0" cy="0"/>
+        </a:xfrm>
+      </p:grpSpPr>
+      <p:sp>
+        <p:nvSpPr>
+          <p:cNvPr id="126" name="PlaceHolder 1"/>
+          <p:cNvSpPr>
+            <a:spLocks noGrp="1"/>
+          </p:cNvSpPr>
+          <p:nvPr>
+            <p:ph type="title"/>
+          </p:nvPr>
+        </p:nvSpPr>
+        <p:spPr>
+          <a:xfrm>
+            <a:off x="540000" y="270000"/>
+            <a:ext cx="8999640" cy="989640"/>
+          </a:xfrm>
+          <a:prstGeom prst="rect">
+            <a:avLst/>
+          </a:prstGeom>
+          <a:noFill/>
+          <a:ln w="0">
+            <a:noFill/>
+          </a:ln>
+        </p:spPr>
+        <p:txBody>
+          <a:bodyPr lIns="0" rIns="0" tIns="0" bIns="0" anchor="ctr">
+            <a:noAutofit/>
+          </a:bodyPr>
+          <a:p>
+            <a:pPr algn="ctr">
+              <a:buNone/>
+            </a:pPr>
+            <a:endParaRPr b="0" lang="en-US" sz="4400" spc="-1" strike="noStrike">
+              <a:solidFill>
+                <a:srgbClr val="ffffff"/>
+              </a:solidFill>
+              <a:latin typeface="Arial"/>
+            </a:endParaRPr>
+          </a:p>
+        </p:txBody>
+      </p:sp>
+      <p:sp>
+        <p:nvSpPr>
+          <p:cNvPr id="127" name="PlaceHolder 2"/>
+          <p:cNvSpPr>
+            <a:spLocks noGrp="1"/>
+          </p:cNvSpPr>
+          <p:nvPr>
+            <p:ph/>
+          </p:nvPr>
+        </p:nvSpPr>
+        <p:spPr>
+          <a:xfrm>
+            <a:off x="504000" y="1326600"/>
+            <a:ext cx="4426920" cy="3288600"/>
+          </a:xfrm>
+          <a:prstGeom prst="rect">
+            <a:avLst/>
+          </a:prstGeom>
+          <a:noFill/>
+          <a:ln w="0">
+            <a:noFill/>
+          </a:ln>
+        </p:spPr>
+        <p:txBody>
+          <a:bodyPr lIns="0" rIns="0" tIns="0" bIns="0" anchor="t">
+            <a:normAutofit/>
+          </a:bodyPr>
+          <a:p>
+            <a:endParaRPr b="0" lang="en-US" sz="3200" spc="-1" strike="noStrike">
+              <a:latin typeface="Arial"/>
+            </a:endParaRPr>
+          </a:p>
+        </p:txBody>
+      </p:sp>
+      <p:sp>
+        <p:nvSpPr>
+          <p:cNvPr id="128" name="PlaceHolder 3"/>
+          <p:cNvSpPr>
+            <a:spLocks noGrp="1"/>
+          </p:cNvSpPr>
+          <p:nvPr>
+            <p:ph/>
+          </p:nvPr>
+        </p:nvSpPr>
+        <p:spPr>
+          <a:xfrm>
+            <a:off x="5152680" y="1326600"/>
+            <a:ext cx="4426920" cy="3288600"/>
+          </a:xfrm>
+          <a:prstGeom prst="rect">
+            <a:avLst/>
+          </a:prstGeom>
+          <a:noFill/>
+          <a:ln w="0">
+            <a:noFill/>
+          </a:ln>
+        </p:spPr>
+        <p:txBody>
+          <a:bodyPr lIns="0" rIns="0" tIns="0" bIns="0" anchor="t">
+            <a:normAutofit/>
+          </a:bodyPr>
+          <a:p>
+            <a:endParaRPr b="0" lang="en-US" sz="3200" spc="-1" strike="noStrike">
+              <a:latin typeface="Arial"/>
+            </a:endParaRPr>
+          </a:p>
+        </p:txBody>
+      </p:sp>
+      <p:sp>
+        <p:nvSpPr>
+          <p:cNvPr id="5" name="PlaceHolder 4"/>
+          <p:cNvSpPr>
+            <a:spLocks noGrp="1"/>
+          </p:cNvSpPr>
+          <p:nvPr>
+            <p:ph type="ftr" idx="7"/>
+          </p:nvPr>
+        </p:nvSpPr>
+        <p:spPr/>
+        <p:txBody>
+          <a:bodyPr/>
+          <a:p>
+            <a:r>
+              <a:t>Footer</a:t>
+            </a:r>
+          </a:p>
+        </p:txBody>
+      </p:sp>
+      <p:sp>
+        <p:nvSpPr>
+          <p:cNvPr id="6" name="PlaceHolder 5"/>
+          <p:cNvSpPr>
+            <a:spLocks noGrp="1"/>
+          </p:cNvSpPr>
+          <p:nvPr>
+            <p:ph type="sldNum" idx="8"/>
+          </p:nvPr>
+        </p:nvSpPr>
+        <p:spPr/>
+        <p:txBody>
+          <a:bodyPr/>
+          <a:p>
+            <a:fld id="{BE011151-0584-41B5-83A1-6E385DFC894F}" type="slidenum">
+              <a:t>&lt;#&gt;</a:t>
+            </a:fld>
+          </a:p>
+        </p:txBody>
+      </p:sp>
+      <p:sp>
+        <p:nvSpPr>
+          <p:cNvPr id="7" name="PlaceHolder 6"/>
+          <p:cNvSpPr>
+            <a:spLocks noGrp="1"/>
+          </p:cNvSpPr>
+          <p:nvPr>
+            <p:ph type="dt" idx="9"/>
+          </p:nvPr>
+        </p:nvSpPr>
+        <p:spPr/>
+        <p:txBody>
+          <a:bodyPr/>
+          <a:p>
+            <a:r>
+              <a:rPr lang="en-US"/>
+              <a:t/>
+            </a:r>
+          </a:p>
+        </p:txBody>
+      </p:sp>
+    </p:spTree>
+  </p:cSld>
+</p:sldLayout>
+</file>
+
+<file path=ppt/slideLayouts/slideLayout29.xml><?xml version="1.0" encoding="utf-8"?>
+<p:sldLayout xmlns:a="http://schemas.openxmlformats.org/drawingml/2006/main" xmlns:p="http://schemas.openxmlformats.org/presentationml/2006/main" xmlns:r="http://schemas.openxmlformats.org/officeDocument/2006/relationships" xmlns:p14="http://schemas.microsoft.com/office/powerpoint/2010/main" xmlns:p15="http://schemas.microsoft.com/office/powerpoint/2012/main" xmlns:mc="http://schemas.openxmlformats.org/markup-compatibility/2006" type="titleOnly" preserve="1">
+  <p:cSld name="Title Only">
+    <p:spTree>
+      <p:nvGrpSpPr>
+        <p:cNvPr id="1" name=""/>
+        <p:cNvGrpSpPr/>
+        <p:nvPr/>
+      </p:nvGrpSpPr>
+      <p:grpSpPr>
+        <a:xfrm>
+          <a:off x="0" y="0"/>
+          <a:ext cx="0" cy="0"/>
+          <a:chOff x="0" y="0"/>
+          <a:chExt cx="0" cy="0"/>
+        </a:xfrm>
+      </p:grpSpPr>
+      <p:sp>
+        <p:nvSpPr>
+          <p:cNvPr id="129" name="PlaceHolder 1"/>
+          <p:cNvSpPr>
+            <a:spLocks noGrp="1"/>
+          </p:cNvSpPr>
+          <p:nvPr>
+            <p:ph type="title"/>
+          </p:nvPr>
+        </p:nvSpPr>
+        <p:spPr>
+          <a:xfrm>
+            <a:off x="540000" y="270000"/>
+            <a:ext cx="8999640" cy="989640"/>
+          </a:xfrm>
+          <a:prstGeom prst="rect">
+            <a:avLst/>
+          </a:prstGeom>
+          <a:noFill/>
+          <a:ln w="0">
+            <a:noFill/>
+          </a:ln>
+        </p:spPr>
+        <p:txBody>
+          <a:bodyPr lIns="0" rIns="0" tIns="0" bIns="0" anchor="ctr">
+            <a:noAutofit/>
+          </a:bodyPr>
+          <a:p>
+            <a:pPr algn="ctr">
+              <a:buNone/>
+            </a:pPr>
+            <a:endParaRPr b="0" lang="en-US" sz="4400" spc="-1" strike="noStrike">
+              <a:solidFill>
+                <a:srgbClr val="ffffff"/>
+              </a:solidFill>
+              <a:latin typeface="Arial"/>
+            </a:endParaRPr>
+          </a:p>
+        </p:txBody>
+      </p:sp>
+      <p:sp>
+        <p:nvSpPr>
+          <p:cNvPr id="3" name="PlaceHolder 2"/>
+          <p:cNvSpPr>
+            <a:spLocks noGrp="1"/>
+          </p:cNvSpPr>
+          <p:nvPr>
+            <p:ph type="ftr" idx="7"/>
+          </p:nvPr>
+        </p:nvSpPr>
+        <p:spPr/>
+        <p:txBody>
+          <a:bodyPr/>
+          <a:p>
+            <a:r>
+              <a:t>Footer</a:t>
+            </a:r>
+          </a:p>
+        </p:txBody>
+      </p:sp>
+      <p:sp>
+        <p:nvSpPr>
+          <p:cNvPr id="4" name="PlaceHolder 3"/>
+          <p:cNvSpPr>
+            <a:spLocks noGrp="1"/>
+          </p:cNvSpPr>
+          <p:nvPr>
+            <p:ph type="sldNum" idx="8"/>
+          </p:nvPr>
+        </p:nvSpPr>
+        <p:spPr/>
+        <p:txBody>
+          <a:bodyPr/>
+          <a:p>
+            <a:fld id="{5CFF1565-36D6-4FD6-B70B-22C644AC5F9B}" type="slidenum">
+              <a:t>&lt;#&gt;</a:t>
+            </a:fld>
+          </a:p>
+        </p:txBody>
+      </p:sp>
+      <p:sp>
+        <p:nvSpPr>
+          <p:cNvPr id="5" name="PlaceHolder 4"/>
+          <p:cNvSpPr>
+            <a:spLocks noGrp="1"/>
+          </p:cNvSpPr>
+          <p:nvPr>
+            <p:ph type="dt" idx="9"/>
           </p:nvPr>
         </p:nvSpPr>
         <p:spPr/>
@@ -1065,7 +4072,7 @@
         <p:spPr>
           <a:xfrm>
             <a:off x="540000" y="270000"/>
-            <a:ext cx="8999280" cy="989280"/>
+            <a:ext cx="8999640" cy="989640"/>
           </a:xfrm>
           <a:prstGeom prst="rect">
             <a:avLst/>
@@ -1084,6 +4091,9 @@
               <a:buNone/>
             </a:pPr>
             <a:endParaRPr b="0" lang="en-US" sz="4400" spc="-1" strike="noStrike">
+              <a:solidFill>
+                <a:srgbClr val="ffffff"/>
+              </a:solidFill>
               <a:latin typeface="Arial"/>
             </a:endParaRPr>
           </a:p>
@@ -1102,7 +4112,7 @@
         <p:spPr>
           <a:xfrm>
             <a:off x="504000" y="1326600"/>
-            <a:ext cx="9071640" cy="3288240"/>
+            <a:ext cx="9072000" cy="3288600"/>
           </a:xfrm>
           <a:prstGeom prst="rect">
             <a:avLst/>
@@ -1157,7 +4167,7 @@
         <p:txBody>
           <a:bodyPr/>
           <a:p>
-            <a:fld id="{A1E67B66-2DB6-4465-BE85-0A96A5257D90}" type="slidenum">
+            <a:fld id="{F317ADB1-4B02-4662-BCF8-4DC3B03B85D7}" type="slidenum">
               <a:t>&lt;#&gt;</a:t>
             </a:fld>
           </a:p>
@@ -1171,6 +4181,1578 @@
           </p:cNvSpPr>
           <p:nvPr>
             <p:ph type="dt" idx="3"/>
+          </p:nvPr>
+        </p:nvSpPr>
+        <p:spPr/>
+        <p:txBody>
+          <a:bodyPr/>
+          <a:p>
+            <a:r>
+              <a:rPr lang="en-US"/>
+              <a:t/>
+            </a:r>
+          </a:p>
+        </p:txBody>
+      </p:sp>
+    </p:spTree>
+  </p:cSld>
+</p:sldLayout>
+</file>
+
+<file path=ppt/slideLayouts/slideLayout30.xml><?xml version="1.0" encoding="utf-8"?>
+<p:sldLayout xmlns:a="http://schemas.openxmlformats.org/drawingml/2006/main" xmlns:p="http://schemas.openxmlformats.org/presentationml/2006/main" xmlns:r="http://schemas.openxmlformats.org/officeDocument/2006/relationships" xmlns:p14="http://schemas.microsoft.com/office/powerpoint/2010/main" xmlns:p15="http://schemas.microsoft.com/office/powerpoint/2012/main" xmlns:mc="http://schemas.openxmlformats.org/markup-compatibility/2006" type="objOnly" preserve="1">
+  <p:cSld name="Centered Text">
+    <p:spTree>
+      <p:nvGrpSpPr>
+        <p:cNvPr id="1" name=""/>
+        <p:cNvGrpSpPr/>
+        <p:nvPr/>
+      </p:nvGrpSpPr>
+      <p:grpSpPr>
+        <a:xfrm>
+          <a:off x="0" y="0"/>
+          <a:ext cx="0" cy="0"/>
+          <a:chOff x="0" y="0"/>
+          <a:chExt cx="0" cy="0"/>
+        </a:xfrm>
+      </p:grpSpPr>
+      <p:sp>
+        <p:nvSpPr>
+          <p:cNvPr id="130" name="PlaceHolder 1"/>
+          <p:cNvSpPr>
+            <a:spLocks noGrp="1"/>
+          </p:cNvSpPr>
+          <p:nvPr>
+            <p:ph type="subTitle"/>
+          </p:nvPr>
+        </p:nvSpPr>
+        <p:spPr>
+          <a:xfrm>
+            <a:off x="540000" y="270000"/>
+            <a:ext cx="8999640" cy="4588560"/>
+          </a:xfrm>
+          <a:prstGeom prst="rect">
+            <a:avLst/>
+          </a:prstGeom>
+          <a:noFill/>
+          <a:ln w="0">
+            <a:noFill/>
+          </a:ln>
+        </p:spPr>
+        <p:txBody>
+          <a:bodyPr lIns="0" rIns="0" tIns="0" bIns="0" anchor="ctr">
+            <a:noAutofit/>
+          </a:bodyPr>
+          <a:p>
+            <a:pPr algn="ctr">
+              <a:buNone/>
+            </a:pPr>
+            <a:endParaRPr b="0" lang="en-US" sz="3200" spc="-1" strike="noStrike">
+              <a:latin typeface="Arial"/>
+            </a:endParaRPr>
+          </a:p>
+        </p:txBody>
+      </p:sp>
+      <p:sp>
+        <p:nvSpPr>
+          <p:cNvPr id="3" name="PlaceHolder 2"/>
+          <p:cNvSpPr>
+            <a:spLocks noGrp="1"/>
+          </p:cNvSpPr>
+          <p:nvPr>
+            <p:ph type="ftr" idx="7"/>
+          </p:nvPr>
+        </p:nvSpPr>
+        <p:spPr/>
+        <p:txBody>
+          <a:bodyPr/>
+          <a:p>
+            <a:r>
+              <a:t>Footer</a:t>
+            </a:r>
+          </a:p>
+        </p:txBody>
+      </p:sp>
+      <p:sp>
+        <p:nvSpPr>
+          <p:cNvPr id="4" name="PlaceHolder 3"/>
+          <p:cNvSpPr>
+            <a:spLocks noGrp="1"/>
+          </p:cNvSpPr>
+          <p:nvPr>
+            <p:ph type="sldNum" idx="8"/>
+          </p:nvPr>
+        </p:nvSpPr>
+        <p:spPr/>
+        <p:txBody>
+          <a:bodyPr/>
+          <a:p>
+            <a:fld id="{2543EF28-45A2-4F2A-A89F-728921B67EEF}" type="slidenum">
+              <a:t>&lt;#&gt;</a:t>
+            </a:fld>
+          </a:p>
+        </p:txBody>
+      </p:sp>
+      <p:sp>
+        <p:nvSpPr>
+          <p:cNvPr id="5" name="PlaceHolder 4"/>
+          <p:cNvSpPr>
+            <a:spLocks noGrp="1"/>
+          </p:cNvSpPr>
+          <p:nvPr>
+            <p:ph type="dt" idx="9"/>
+          </p:nvPr>
+        </p:nvSpPr>
+        <p:spPr/>
+        <p:txBody>
+          <a:bodyPr/>
+          <a:p>
+            <a:r>
+              <a:rPr lang="en-US"/>
+              <a:t/>
+            </a:r>
+          </a:p>
+        </p:txBody>
+      </p:sp>
+    </p:spTree>
+  </p:cSld>
+</p:sldLayout>
+</file>
+
+<file path=ppt/slideLayouts/slideLayout31.xml><?xml version="1.0" encoding="utf-8"?>
+<p:sldLayout xmlns:a="http://schemas.openxmlformats.org/drawingml/2006/main" xmlns:p="http://schemas.openxmlformats.org/presentationml/2006/main" xmlns:r="http://schemas.openxmlformats.org/officeDocument/2006/relationships" xmlns:p14="http://schemas.microsoft.com/office/powerpoint/2010/main" xmlns:p15="http://schemas.microsoft.com/office/powerpoint/2012/main" xmlns:mc="http://schemas.openxmlformats.org/markup-compatibility/2006" type="twoObjAndObj" preserve="1">
+  <p:cSld name="Title, 2 Content and Content">
+    <p:spTree>
+      <p:nvGrpSpPr>
+        <p:cNvPr id="1" name=""/>
+        <p:cNvGrpSpPr/>
+        <p:nvPr/>
+      </p:nvGrpSpPr>
+      <p:grpSpPr>
+        <a:xfrm>
+          <a:off x="0" y="0"/>
+          <a:ext cx="0" cy="0"/>
+          <a:chOff x="0" y="0"/>
+          <a:chExt cx="0" cy="0"/>
+        </a:xfrm>
+      </p:grpSpPr>
+      <p:sp>
+        <p:nvSpPr>
+          <p:cNvPr id="131" name="PlaceHolder 1"/>
+          <p:cNvSpPr>
+            <a:spLocks noGrp="1"/>
+          </p:cNvSpPr>
+          <p:nvPr>
+            <p:ph type="title"/>
+          </p:nvPr>
+        </p:nvSpPr>
+        <p:spPr>
+          <a:xfrm>
+            <a:off x="540000" y="270000"/>
+            <a:ext cx="8999640" cy="989640"/>
+          </a:xfrm>
+          <a:prstGeom prst="rect">
+            <a:avLst/>
+          </a:prstGeom>
+          <a:noFill/>
+          <a:ln w="0">
+            <a:noFill/>
+          </a:ln>
+        </p:spPr>
+        <p:txBody>
+          <a:bodyPr lIns="0" rIns="0" tIns="0" bIns="0" anchor="ctr">
+            <a:noAutofit/>
+          </a:bodyPr>
+          <a:p>
+            <a:pPr algn="ctr">
+              <a:buNone/>
+            </a:pPr>
+            <a:endParaRPr b="0" lang="en-US" sz="4400" spc="-1" strike="noStrike">
+              <a:solidFill>
+                <a:srgbClr val="ffffff"/>
+              </a:solidFill>
+              <a:latin typeface="Arial"/>
+            </a:endParaRPr>
+          </a:p>
+        </p:txBody>
+      </p:sp>
+      <p:sp>
+        <p:nvSpPr>
+          <p:cNvPr id="132" name="PlaceHolder 2"/>
+          <p:cNvSpPr>
+            <a:spLocks noGrp="1"/>
+          </p:cNvSpPr>
+          <p:nvPr>
+            <p:ph/>
+          </p:nvPr>
+        </p:nvSpPr>
+        <p:spPr>
+          <a:xfrm>
+            <a:off x="504000" y="1326600"/>
+            <a:ext cx="4426920" cy="1568520"/>
+          </a:xfrm>
+          <a:prstGeom prst="rect">
+            <a:avLst/>
+          </a:prstGeom>
+          <a:noFill/>
+          <a:ln w="0">
+            <a:noFill/>
+          </a:ln>
+        </p:spPr>
+        <p:txBody>
+          <a:bodyPr lIns="0" rIns="0" tIns="0" bIns="0" anchor="t">
+            <a:normAutofit/>
+          </a:bodyPr>
+          <a:p>
+            <a:endParaRPr b="0" lang="en-US" sz="3200" spc="-1" strike="noStrike">
+              <a:latin typeface="Arial"/>
+            </a:endParaRPr>
+          </a:p>
+        </p:txBody>
+      </p:sp>
+      <p:sp>
+        <p:nvSpPr>
+          <p:cNvPr id="133" name="PlaceHolder 3"/>
+          <p:cNvSpPr>
+            <a:spLocks noGrp="1"/>
+          </p:cNvSpPr>
+          <p:nvPr>
+            <p:ph/>
+          </p:nvPr>
+        </p:nvSpPr>
+        <p:spPr>
+          <a:xfrm>
+            <a:off x="5152680" y="1326600"/>
+            <a:ext cx="4426920" cy="3288600"/>
+          </a:xfrm>
+          <a:prstGeom prst="rect">
+            <a:avLst/>
+          </a:prstGeom>
+          <a:noFill/>
+          <a:ln w="0">
+            <a:noFill/>
+          </a:ln>
+        </p:spPr>
+        <p:txBody>
+          <a:bodyPr lIns="0" rIns="0" tIns="0" bIns="0" anchor="t">
+            <a:normAutofit/>
+          </a:bodyPr>
+          <a:p>
+            <a:endParaRPr b="0" lang="en-US" sz="3200" spc="-1" strike="noStrike">
+              <a:latin typeface="Arial"/>
+            </a:endParaRPr>
+          </a:p>
+        </p:txBody>
+      </p:sp>
+      <p:sp>
+        <p:nvSpPr>
+          <p:cNvPr id="134" name="PlaceHolder 4"/>
+          <p:cNvSpPr>
+            <a:spLocks noGrp="1"/>
+          </p:cNvSpPr>
+          <p:nvPr>
+            <p:ph/>
+          </p:nvPr>
+        </p:nvSpPr>
+        <p:spPr>
+          <a:xfrm>
+            <a:off x="504000" y="3044520"/>
+            <a:ext cx="4426920" cy="1568520"/>
+          </a:xfrm>
+          <a:prstGeom prst="rect">
+            <a:avLst/>
+          </a:prstGeom>
+          <a:noFill/>
+          <a:ln w="0">
+            <a:noFill/>
+          </a:ln>
+        </p:spPr>
+        <p:txBody>
+          <a:bodyPr lIns="0" rIns="0" tIns="0" bIns="0" anchor="t">
+            <a:normAutofit/>
+          </a:bodyPr>
+          <a:p>
+            <a:endParaRPr b="0" lang="en-US" sz="3200" spc="-1" strike="noStrike">
+              <a:latin typeface="Arial"/>
+            </a:endParaRPr>
+          </a:p>
+        </p:txBody>
+      </p:sp>
+      <p:sp>
+        <p:nvSpPr>
+          <p:cNvPr id="6" name="PlaceHolder 5"/>
+          <p:cNvSpPr>
+            <a:spLocks noGrp="1"/>
+          </p:cNvSpPr>
+          <p:nvPr>
+            <p:ph type="ftr" idx="7"/>
+          </p:nvPr>
+        </p:nvSpPr>
+        <p:spPr/>
+        <p:txBody>
+          <a:bodyPr/>
+          <a:p>
+            <a:r>
+              <a:t>Footer</a:t>
+            </a:r>
+          </a:p>
+        </p:txBody>
+      </p:sp>
+      <p:sp>
+        <p:nvSpPr>
+          <p:cNvPr id="7" name="PlaceHolder 6"/>
+          <p:cNvSpPr>
+            <a:spLocks noGrp="1"/>
+          </p:cNvSpPr>
+          <p:nvPr>
+            <p:ph type="sldNum" idx="8"/>
+          </p:nvPr>
+        </p:nvSpPr>
+        <p:spPr/>
+        <p:txBody>
+          <a:bodyPr/>
+          <a:p>
+            <a:fld id="{AEC29DA3-4E20-4BF2-AD91-25534EF929F2}" type="slidenum">
+              <a:t>&lt;#&gt;</a:t>
+            </a:fld>
+          </a:p>
+        </p:txBody>
+      </p:sp>
+      <p:sp>
+        <p:nvSpPr>
+          <p:cNvPr id="8" name="PlaceHolder 7"/>
+          <p:cNvSpPr>
+            <a:spLocks noGrp="1"/>
+          </p:cNvSpPr>
+          <p:nvPr>
+            <p:ph type="dt" idx="9"/>
+          </p:nvPr>
+        </p:nvSpPr>
+        <p:spPr/>
+        <p:txBody>
+          <a:bodyPr/>
+          <a:p>
+            <a:r>
+              <a:rPr lang="en-US"/>
+              <a:t/>
+            </a:r>
+          </a:p>
+        </p:txBody>
+      </p:sp>
+    </p:spTree>
+  </p:cSld>
+</p:sldLayout>
+</file>
+
+<file path=ppt/slideLayouts/slideLayout32.xml><?xml version="1.0" encoding="utf-8"?>
+<p:sldLayout xmlns:a="http://schemas.openxmlformats.org/drawingml/2006/main" xmlns:p="http://schemas.openxmlformats.org/presentationml/2006/main" xmlns:r="http://schemas.openxmlformats.org/officeDocument/2006/relationships" xmlns:p14="http://schemas.microsoft.com/office/powerpoint/2010/main" xmlns:p15="http://schemas.microsoft.com/office/powerpoint/2012/main" xmlns:mc="http://schemas.openxmlformats.org/markup-compatibility/2006" type="objAndTwoObj" preserve="1">
+  <p:cSld name="Title Content and 2 Content">
+    <p:spTree>
+      <p:nvGrpSpPr>
+        <p:cNvPr id="1" name=""/>
+        <p:cNvGrpSpPr/>
+        <p:nvPr/>
+      </p:nvGrpSpPr>
+      <p:grpSpPr>
+        <a:xfrm>
+          <a:off x="0" y="0"/>
+          <a:ext cx="0" cy="0"/>
+          <a:chOff x="0" y="0"/>
+          <a:chExt cx="0" cy="0"/>
+        </a:xfrm>
+      </p:grpSpPr>
+      <p:sp>
+        <p:nvSpPr>
+          <p:cNvPr id="135" name="PlaceHolder 1"/>
+          <p:cNvSpPr>
+            <a:spLocks noGrp="1"/>
+          </p:cNvSpPr>
+          <p:nvPr>
+            <p:ph type="title"/>
+          </p:nvPr>
+        </p:nvSpPr>
+        <p:spPr>
+          <a:xfrm>
+            <a:off x="540000" y="270000"/>
+            <a:ext cx="8999640" cy="989640"/>
+          </a:xfrm>
+          <a:prstGeom prst="rect">
+            <a:avLst/>
+          </a:prstGeom>
+          <a:noFill/>
+          <a:ln w="0">
+            <a:noFill/>
+          </a:ln>
+        </p:spPr>
+        <p:txBody>
+          <a:bodyPr lIns="0" rIns="0" tIns="0" bIns="0" anchor="ctr">
+            <a:noAutofit/>
+          </a:bodyPr>
+          <a:p>
+            <a:pPr algn="ctr">
+              <a:buNone/>
+            </a:pPr>
+            <a:endParaRPr b="0" lang="en-US" sz="4400" spc="-1" strike="noStrike">
+              <a:solidFill>
+                <a:srgbClr val="ffffff"/>
+              </a:solidFill>
+              <a:latin typeface="Arial"/>
+            </a:endParaRPr>
+          </a:p>
+        </p:txBody>
+      </p:sp>
+      <p:sp>
+        <p:nvSpPr>
+          <p:cNvPr id="136" name="PlaceHolder 2"/>
+          <p:cNvSpPr>
+            <a:spLocks noGrp="1"/>
+          </p:cNvSpPr>
+          <p:nvPr>
+            <p:ph/>
+          </p:nvPr>
+        </p:nvSpPr>
+        <p:spPr>
+          <a:xfrm>
+            <a:off x="504000" y="1326600"/>
+            <a:ext cx="4426920" cy="3288600"/>
+          </a:xfrm>
+          <a:prstGeom prst="rect">
+            <a:avLst/>
+          </a:prstGeom>
+          <a:noFill/>
+          <a:ln w="0">
+            <a:noFill/>
+          </a:ln>
+        </p:spPr>
+        <p:txBody>
+          <a:bodyPr lIns="0" rIns="0" tIns="0" bIns="0" anchor="t">
+            <a:normAutofit/>
+          </a:bodyPr>
+          <a:p>
+            <a:endParaRPr b="0" lang="en-US" sz="3200" spc="-1" strike="noStrike">
+              <a:latin typeface="Arial"/>
+            </a:endParaRPr>
+          </a:p>
+        </p:txBody>
+      </p:sp>
+      <p:sp>
+        <p:nvSpPr>
+          <p:cNvPr id="137" name="PlaceHolder 3"/>
+          <p:cNvSpPr>
+            <a:spLocks noGrp="1"/>
+          </p:cNvSpPr>
+          <p:nvPr>
+            <p:ph/>
+          </p:nvPr>
+        </p:nvSpPr>
+        <p:spPr>
+          <a:xfrm>
+            <a:off x="5152680" y="1326600"/>
+            <a:ext cx="4426920" cy="1568520"/>
+          </a:xfrm>
+          <a:prstGeom prst="rect">
+            <a:avLst/>
+          </a:prstGeom>
+          <a:noFill/>
+          <a:ln w="0">
+            <a:noFill/>
+          </a:ln>
+        </p:spPr>
+        <p:txBody>
+          <a:bodyPr lIns="0" rIns="0" tIns="0" bIns="0" anchor="t">
+            <a:normAutofit/>
+          </a:bodyPr>
+          <a:p>
+            <a:endParaRPr b="0" lang="en-US" sz="3200" spc="-1" strike="noStrike">
+              <a:latin typeface="Arial"/>
+            </a:endParaRPr>
+          </a:p>
+        </p:txBody>
+      </p:sp>
+      <p:sp>
+        <p:nvSpPr>
+          <p:cNvPr id="138" name="PlaceHolder 4"/>
+          <p:cNvSpPr>
+            <a:spLocks noGrp="1"/>
+          </p:cNvSpPr>
+          <p:nvPr>
+            <p:ph/>
+          </p:nvPr>
+        </p:nvSpPr>
+        <p:spPr>
+          <a:xfrm>
+            <a:off x="5152680" y="3044520"/>
+            <a:ext cx="4426920" cy="1568520"/>
+          </a:xfrm>
+          <a:prstGeom prst="rect">
+            <a:avLst/>
+          </a:prstGeom>
+          <a:noFill/>
+          <a:ln w="0">
+            <a:noFill/>
+          </a:ln>
+        </p:spPr>
+        <p:txBody>
+          <a:bodyPr lIns="0" rIns="0" tIns="0" bIns="0" anchor="t">
+            <a:normAutofit/>
+          </a:bodyPr>
+          <a:p>
+            <a:endParaRPr b="0" lang="en-US" sz="3200" spc="-1" strike="noStrike">
+              <a:latin typeface="Arial"/>
+            </a:endParaRPr>
+          </a:p>
+        </p:txBody>
+      </p:sp>
+      <p:sp>
+        <p:nvSpPr>
+          <p:cNvPr id="6" name="PlaceHolder 5"/>
+          <p:cNvSpPr>
+            <a:spLocks noGrp="1"/>
+          </p:cNvSpPr>
+          <p:nvPr>
+            <p:ph type="ftr" idx="7"/>
+          </p:nvPr>
+        </p:nvSpPr>
+        <p:spPr/>
+        <p:txBody>
+          <a:bodyPr/>
+          <a:p>
+            <a:r>
+              <a:t>Footer</a:t>
+            </a:r>
+          </a:p>
+        </p:txBody>
+      </p:sp>
+      <p:sp>
+        <p:nvSpPr>
+          <p:cNvPr id="7" name="PlaceHolder 6"/>
+          <p:cNvSpPr>
+            <a:spLocks noGrp="1"/>
+          </p:cNvSpPr>
+          <p:nvPr>
+            <p:ph type="sldNum" idx="8"/>
+          </p:nvPr>
+        </p:nvSpPr>
+        <p:spPr/>
+        <p:txBody>
+          <a:bodyPr/>
+          <a:p>
+            <a:fld id="{954F319E-3F4C-48E4-B7A4-D99FFF3696B8}" type="slidenum">
+              <a:t>&lt;#&gt;</a:t>
+            </a:fld>
+          </a:p>
+        </p:txBody>
+      </p:sp>
+      <p:sp>
+        <p:nvSpPr>
+          <p:cNvPr id="8" name="PlaceHolder 7"/>
+          <p:cNvSpPr>
+            <a:spLocks noGrp="1"/>
+          </p:cNvSpPr>
+          <p:nvPr>
+            <p:ph type="dt" idx="9"/>
+          </p:nvPr>
+        </p:nvSpPr>
+        <p:spPr/>
+        <p:txBody>
+          <a:bodyPr/>
+          <a:p>
+            <a:r>
+              <a:rPr lang="en-US"/>
+              <a:t/>
+            </a:r>
+          </a:p>
+        </p:txBody>
+      </p:sp>
+    </p:spTree>
+  </p:cSld>
+</p:sldLayout>
+</file>
+
+<file path=ppt/slideLayouts/slideLayout33.xml><?xml version="1.0" encoding="utf-8"?>
+<p:sldLayout xmlns:a="http://schemas.openxmlformats.org/drawingml/2006/main" xmlns:p="http://schemas.openxmlformats.org/presentationml/2006/main" xmlns:r="http://schemas.openxmlformats.org/officeDocument/2006/relationships" xmlns:p14="http://schemas.microsoft.com/office/powerpoint/2010/main" xmlns:p15="http://schemas.microsoft.com/office/powerpoint/2012/main" xmlns:mc="http://schemas.openxmlformats.org/markup-compatibility/2006" type="twoObjOverTx" preserve="1">
+  <p:cSld name="Title, 2 Content over Content">
+    <p:spTree>
+      <p:nvGrpSpPr>
+        <p:cNvPr id="1" name=""/>
+        <p:cNvGrpSpPr/>
+        <p:nvPr/>
+      </p:nvGrpSpPr>
+      <p:grpSpPr>
+        <a:xfrm>
+          <a:off x="0" y="0"/>
+          <a:ext cx="0" cy="0"/>
+          <a:chOff x="0" y="0"/>
+          <a:chExt cx="0" cy="0"/>
+        </a:xfrm>
+      </p:grpSpPr>
+      <p:sp>
+        <p:nvSpPr>
+          <p:cNvPr id="139" name="PlaceHolder 1"/>
+          <p:cNvSpPr>
+            <a:spLocks noGrp="1"/>
+          </p:cNvSpPr>
+          <p:nvPr>
+            <p:ph type="title"/>
+          </p:nvPr>
+        </p:nvSpPr>
+        <p:spPr>
+          <a:xfrm>
+            <a:off x="540000" y="270000"/>
+            <a:ext cx="8999640" cy="989640"/>
+          </a:xfrm>
+          <a:prstGeom prst="rect">
+            <a:avLst/>
+          </a:prstGeom>
+          <a:noFill/>
+          <a:ln w="0">
+            <a:noFill/>
+          </a:ln>
+        </p:spPr>
+        <p:txBody>
+          <a:bodyPr lIns="0" rIns="0" tIns="0" bIns="0" anchor="ctr">
+            <a:noAutofit/>
+          </a:bodyPr>
+          <a:p>
+            <a:pPr algn="ctr">
+              <a:buNone/>
+            </a:pPr>
+            <a:endParaRPr b="0" lang="en-US" sz="4400" spc="-1" strike="noStrike">
+              <a:solidFill>
+                <a:srgbClr val="ffffff"/>
+              </a:solidFill>
+              <a:latin typeface="Arial"/>
+            </a:endParaRPr>
+          </a:p>
+        </p:txBody>
+      </p:sp>
+      <p:sp>
+        <p:nvSpPr>
+          <p:cNvPr id="140" name="PlaceHolder 2"/>
+          <p:cNvSpPr>
+            <a:spLocks noGrp="1"/>
+          </p:cNvSpPr>
+          <p:nvPr>
+            <p:ph/>
+          </p:nvPr>
+        </p:nvSpPr>
+        <p:spPr>
+          <a:xfrm>
+            <a:off x="504000" y="1326600"/>
+            <a:ext cx="4426920" cy="1568520"/>
+          </a:xfrm>
+          <a:prstGeom prst="rect">
+            <a:avLst/>
+          </a:prstGeom>
+          <a:noFill/>
+          <a:ln w="0">
+            <a:noFill/>
+          </a:ln>
+        </p:spPr>
+        <p:txBody>
+          <a:bodyPr lIns="0" rIns="0" tIns="0" bIns="0" anchor="t">
+            <a:normAutofit/>
+          </a:bodyPr>
+          <a:p>
+            <a:endParaRPr b="0" lang="en-US" sz="3200" spc="-1" strike="noStrike">
+              <a:latin typeface="Arial"/>
+            </a:endParaRPr>
+          </a:p>
+        </p:txBody>
+      </p:sp>
+      <p:sp>
+        <p:nvSpPr>
+          <p:cNvPr id="141" name="PlaceHolder 3"/>
+          <p:cNvSpPr>
+            <a:spLocks noGrp="1"/>
+          </p:cNvSpPr>
+          <p:nvPr>
+            <p:ph/>
+          </p:nvPr>
+        </p:nvSpPr>
+        <p:spPr>
+          <a:xfrm>
+            <a:off x="5152680" y="1326600"/>
+            <a:ext cx="4426920" cy="1568520"/>
+          </a:xfrm>
+          <a:prstGeom prst="rect">
+            <a:avLst/>
+          </a:prstGeom>
+          <a:noFill/>
+          <a:ln w="0">
+            <a:noFill/>
+          </a:ln>
+        </p:spPr>
+        <p:txBody>
+          <a:bodyPr lIns="0" rIns="0" tIns="0" bIns="0" anchor="t">
+            <a:normAutofit/>
+          </a:bodyPr>
+          <a:p>
+            <a:endParaRPr b="0" lang="en-US" sz="3200" spc="-1" strike="noStrike">
+              <a:latin typeface="Arial"/>
+            </a:endParaRPr>
+          </a:p>
+        </p:txBody>
+      </p:sp>
+      <p:sp>
+        <p:nvSpPr>
+          <p:cNvPr id="142" name="PlaceHolder 4"/>
+          <p:cNvSpPr>
+            <a:spLocks noGrp="1"/>
+          </p:cNvSpPr>
+          <p:nvPr>
+            <p:ph/>
+          </p:nvPr>
+        </p:nvSpPr>
+        <p:spPr>
+          <a:xfrm>
+            <a:off x="504000" y="3044520"/>
+            <a:ext cx="9072000" cy="1568520"/>
+          </a:xfrm>
+          <a:prstGeom prst="rect">
+            <a:avLst/>
+          </a:prstGeom>
+          <a:noFill/>
+          <a:ln w="0">
+            <a:noFill/>
+          </a:ln>
+        </p:spPr>
+        <p:txBody>
+          <a:bodyPr lIns="0" rIns="0" tIns="0" bIns="0" anchor="t">
+            <a:normAutofit/>
+          </a:bodyPr>
+          <a:p>
+            <a:endParaRPr b="0" lang="en-US" sz="3200" spc="-1" strike="noStrike">
+              <a:latin typeface="Arial"/>
+            </a:endParaRPr>
+          </a:p>
+        </p:txBody>
+      </p:sp>
+      <p:sp>
+        <p:nvSpPr>
+          <p:cNvPr id="6" name="PlaceHolder 5"/>
+          <p:cNvSpPr>
+            <a:spLocks noGrp="1"/>
+          </p:cNvSpPr>
+          <p:nvPr>
+            <p:ph type="ftr" idx="7"/>
+          </p:nvPr>
+        </p:nvSpPr>
+        <p:spPr/>
+        <p:txBody>
+          <a:bodyPr/>
+          <a:p>
+            <a:r>
+              <a:t>Footer</a:t>
+            </a:r>
+          </a:p>
+        </p:txBody>
+      </p:sp>
+      <p:sp>
+        <p:nvSpPr>
+          <p:cNvPr id="7" name="PlaceHolder 6"/>
+          <p:cNvSpPr>
+            <a:spLocks noGrp="1"/>
+          </p:cNvSpPr>
+          <p:nvPr>
+            <p:ph type="sldNum" idx="8"/>
+          </p:nvPr>
+        </p:nvSpPr>
+        <p:spPr/>
+        <p:txBody>
+          <a:bodyPr/>
+          <a:p>
+            <a:fld id="{57594A6E-2C52-4C00-9F4E-8CD4AFDAF2DE}" type="slidenum">
+              <a:t>&lt;#&gt;</a:t>
+            </a:fld>
+          </a:p>
+        </p:txBody>
+      </p:sp>
+      <p:sp>
+        <p:nvSpPr>
+          <p:cNvPr id="8" name="PlaceHolder 7"/>
+          <p:cNvSpPr>
+            <a:spLocks noGrp="1"/>
+          </p:cNvSpPr>
+          <p:nvPr>
+            <p:ph type="dt" idx="9"/>
+          </p:nvPr>
+        </p:nvSpPr>
+        <p:spPr/>
+        <p:txBody>
+          <a:bodyPr/>
+          <a:p>
+            <a:r>
+              <a:rPr lang="en-US"/>
+              <a:t/>
+            </a:r>
+          </a:p>
+        </p:txBody>
+      </p:sp>
+    </p:spTree>
+  </p:cSld>
+</p:sldLayout>
+</file>
+
+<file path=ppt/slideLayouts/slideLayout34.xml><?xml version="1.0" encoding="utf-8"?>
+<p:sldLayout xmlns:a="http://schemas.openxmlformats.org/drawingml/2006/main" xmlns:p="http://schemas.openxmlformats.org/presentationml/2006/main" xmlns:r="http://schemas.openxmlformats.org/officeDocument/2006/relationships" xmlns:p14="http://schemas.microsoft.com/office/powerpoint/2010/main" xmlns:p15="http://schemas.microsoft.com/office/powerpoint/2012/main" xmlns:mc="http://schemas.openxmlformats.org/markup-compatibility/2006" type="objOverTx" preserve="1">
+  <p:cSld name="Title, Content over Content">
+    <p:spTree>
+      <p:nvGrpSpPr>
+        <p:cNvPr id="1" name=""/>
+        <p:cNvGrpSpPr/>
+        <p:nvPr/>
+      </p:nvGrpSpPr>
+      <p:grpSpPr>
+        <a:xfrm>
+          <a:off x="0" y="0"/>
+          <a:ext cx="0" cy="0"/>
+          <a:chOff x="0" y="0"/>
+          <a:chExt cx="0" cy="0"/>
+        </a:xfrm>
+      </p:grpSpPr>
+      <p:sp>
+        <p:nvSpPr>
+          <p:cNvPr id="143" name="PlaceHolder 1"/>
+          <p:cNvSpPr>
+            <a:spLocks noGrp="1"/>
+          </p:cNvSpPr>
+          <p:nvPr>
+            <p:ph type="title"/>
+          </p:nvPr>
+        </p:nvSpPr>
+        <p:spPr>
+          <a:xfrm>
+            <a:off x="540000" y="270000"/>
+            <a:ext cx="8999640" cy="989640"/>
+          </a:xfrm>
+          <a:prstGeom prst="rect">
+            <a:avLst/>
+          </a:prstGeom>
+          <a:noFill/>
+          <a:ln w="0">
+            <a:noFill/>
+          </a:ln>
+        </p:spPr>
+        <p:txBody>
+          <a:bodyPr lIns="0" rIns="0" tIns="0" bIns="0" anchor="ctr">
+            <a:noAutofit/>
+          </a:bodyPr>
+          <a:p>
+            <a:pPr algn="ctr">
+              <a:buNone/>
+            </a:pPr>
+            <a:endParaRPr b="0" lang="en-US" sz="4400" spc="-1" strike="noStrike">
+              <a:solidFill>
+                <a:srgbClr val="ffffff"/>
+              </a:solidFill>
+              <a:latin typeface="Arial"/>
+            </a:endParaRPr>
+          </a:p>
+        </p:txBody>
+      </p:sp>
+      <p:sp>
+        <p:nvSpPr>
+          <p:cNvPr id="144" name="PlaceHolder 2"/>
+          <p:cNvSpPr>
+            <a:spLocks noGrp="1"/>
+          </p:cNvSpPr>
+          <p:nvPr>
+            <p:ph/>
+          </p:nvPr>
+        </p:nvSpPr>
+        <p:spPr>
+          <a:xfrm>
+            <a:off x="504000" y="1326600"/>
+            <a:ext cx="9072000" cy="1568520"/>
+          </a:xfrm>
+          <a:prstGeom prst="rect">
+            <a:avLst/>
+          </a:prstGeom>
+          <a:noFill/>
+          <a:ln w="0">
+            <a:noFill/>
+          </a:ln>
+        </p:spPr>
+        <p:txBody>
+          <a:bodyPr lIns="0" rIns="0" tIns="0" bIns="0" anchor="t">
+            <a:normAutofit/>
+          </a:bodyPr>
+          <a:p>
+            <a:endParaRPr b="0" lang="en-US" sz="3200" spc="-1" strike="noStrike">
+              <a:latin typeface="Arial"/>
+            </a:endParaRPr>
+          </a:p>
+        </p:txBody>
+      </p:sp>
+      <p:sp>
+        <p:nvSpPr>
+          <p:cNvPr id="145" name="PlaceHolder 3"/>
+          <p:cNvSpPr>
+            <a:spLocks noGrp="1"/>
+          </p:cNvSpPr>
+          <p:nvPr>
+            <p:ph/>
+          </p:nvPr>
+        </p:nvSpPr>
+        <p:spPr>
+          <a:xfrm>
+            <a:off x="504000" y="3044520"/>
+            <a:ext cx="9072000" cy="1568520"/>
+          </a:xfrm>
+          <a:prstGeom prst="rect">
+            <a:avLst/>
+          </a:prstGeom>
+          <a:noFill/>
+          <a:ln w="0">
+            <a:noFill/>
+          </a:ln>
+        </p:spPr>
+        <p:txBody>
+          <a:bodyPr lIns="0" rIns="0" tIns="0" bIns="0" anchor="t">
+            <a:normAutofit/>
+          </a:bodyPr>
+          <a:p>
+            <a:endParaRPr b="0" lang="en-US" sz="3200" spc="-1" strike="noStrike">
+              <a:latin typeface="Arial"/>
+            </a:endParaRPr>
+          </a:p>
+        </p:txBody>
+      </p:sp>
+      <p:sp>
+        <p:nvSpPr>
+          <p:cNvPr id="5" name="PlaceHolder 4"/>
+          <p:cNvSpPr>
+            <a:spLocks noGrp="1"/>
+          </p:cNvSpPr>
+          <p:nvPr>
+            <p:ph type="ftr" idx="7"/>
+          </p:nvPr>
+        </p:nvSpPr>
+        <p:spPr/>
+        <p:txBody>
+          <a:bodyPr/>
+          <a:p>
+            <a:r>
+              <a:t>Footer</a:t>
+            </a:r>
+          </a:p>
+        </p:txBody>
+      </p:sp>
+      <p:sp>
+        <p:nvSpPr>
+          <p:cNvPr id="6" name="PlaceHolder 5"/>
+          <p:cNvSpPr>
+            <a:spLocks noGrp="1"/>
+          </p:cNvSpPr>
+          <p:nvPr>
+            <p:ph type="sldNum" idx="8"/>
+          </p:nvPr>
+        </p:nvSpPr>
+        <p:spPr/>
+        <p:txBody>
+          <a:bodyPr/>
+          <a:p>
+            <a:fld id="{9E5C9049-5526-43E6-B8CC-DFC781F983D4}" type="slidenum">
+              <a:t>&lt;#&gt;</a:t>
+            </a:fld>
+          </a:p>
+        </p:txBody>
+      </p:sp>
+      <p:sp>
+        <p:nvSpPr>
+          <p:cNvPr id="7" name="PlaceHolder 6"/>
+          <p:cNvSpPr>
+            <a:spLocks noGrp="1"/>
+          </p:cNvSpPr>
+          <p:nvPr>
+            <p:ph type="dt" idx="9"/>
+          </p:nvPr>
+        </p:nvSpPr>
+        <p:spPr/>
+        <p:txBody>
+          <a:bodyPr/>
+          <a:p>
+            <a:r>
+              <a:rPr lang="en-US"/>
+              <a:t/>
+            </a:r>
+          </a:p>
+        </p:txBody>
+      </p:sp>
+    </p:spTree>
+  </p:cSld>
+</p:sldLayout>
+</file>
+
+<file path=ppt/slideLayouts/slideLayout35.xml><?xml version="1.0" encoding="utf-8"?>
+<p:sldLayout xmlns:a="http://schemas.openxmlformats.org/drawingml/2006/main" xmlns:p="http://schemas.openxmlformats.org/presentationml/2006/main" xmlns:r="http://schemas.openxmlformats.org/officeDocument/2006/relationships" xmlns:p14="http://schemas.microsoft.com/office/powerpoint/2010/main" xmlns:p15="http://schemas.microsoft.com/office/powerpoint/2012/main" xmlns:mc="http://schemas.openxmlformats.org/markup-compatibility/2006" type="fourObj" preserve="1">
+  <p:cSld name="Title, 4 Content">
+    <p:spTree>
+      <p:nvGrpSpPr>
+        <p:cNvPr id="1" name=""/>
+        <p:cNvGrpSpPr/>
+        <p:nvPr/>
+      </p:nvGrpSpPr>
+      <p:grpSpPr>
+        <a:xfrm>
+          <a:off x="0" y="0"/>
+          <a:ext cx="0" cy="0"/>
+          <a:chOff x="0" y="0"/>
+          <a:chExt cx="0" cy="0"/>
+        </a:xfrm>
+      </p:grpSpPr>
+      <p:sp>
+        <p:nvSpPr>
+          <p:cNvPr id="146" name="PlaceHolder 1"/>
+          <p:cNvSpPr>
+            <a:spLocks noGrp="1"/>
+          </p:cNvSpPr>
+          <p:nvPr>
+            <p:ph type="title"/>
+          </p:nvPr>
+        </p:nvSpPr>
+        <p:spPr>
+          <a:xfrm>
+            <a:off x="540000" y="270000"/>
+            <a:ext cx="8999640" cy="989640"/>
+          </a:xfrm>
+          <a:prstGeom prst="rect">
+            <a:avLst/>
+          </a:prstGeom>
+          <a:noFill/>
+          <a:ln w="0">
+            <a:noFill/>
+          </a:ln>
+        </p:spPr>
+        <p:txBody>
+          <a:bodyPr lIns="0" rIns="0" tIns="0" bIns="0" anchor="ctr">
+            <a:noAutofit/>
+          </a:bodyPr>
+          <a:p>
+            <a:pPr algn="ctr">
+              <a:buNone/>
+            </a:pPr>
+            <a:endParaRPr b="0" lang="en-US" sz="4400" spc="-1" strike="noStrike">
+              <a:solidFill>
+                <a:srgbClr val="ffffff"/>
+              </a:solidFill>
+              <a:latin typeface="Arial"/>
+            </a:endParaRPr>
+          </a:p>
+        </p:txBody>
+      </p:sp>
+      <p:sp>
+        <p:nvSpPr>
+          <p:cNvPr id="147" name="PlaceHolder 2"/>
+          <p:cNvSpPr>
+            <a:spLocks noGrp="1"/>
+          </p:cNvSpPr>
+          <p:nvPr>
+            <p:ph/>
+          </p:nvPr>
+        </p:nvSpPr>
+        <p:spPr>
+          <a:xfrm>
+            <a:off x="504000" y="1326600"/>
+            <a:ext cx="4426920" cy="1568520"/>
+          </a:xfrm>
+          <a:prstGeom prst="rect">
+            <a:avLst/>
+          </a:prstGeom>
+          <a:noFill/>
+          <a:ln w="0">
+            <a:noFill/>
+          </a:ln>
+        </p:spPr>
+        <p:txBody>
+          <a:bodyPr lIns="0" rIns="0" tIns="0" bIns="0" anchor="t">
+            <a:normAutofit/>
+          </a:bodyPr>
+          <a:p>
+            <a:endParaRPr b="0" lang="en-US" sz="3200" spc="-1" strike="noStrike">
+              <a:latin typeface="Arial"/>
+            </a:endParaRPr>
+          </a:p>
+        </p:txBody>
+      </p:sp>
+      <p:sp>
+        <p:nvSpPr>
+          <p:cNvPr id="148" name="PlaceHolder 3"/>
+          <p:cNvSpPr>
+            <a:spLocks noGrp="1"/>
+          </p:cNvSpPr>
+          <p:nvPr>
+            <p:ph/>
+          </p:nvPr>
+        </p:nvSpPr>
+        <p:spPr>
+          <a:xfrm>
+            <a:off x="5152680" y="1326600"/>
+            <a:ext cx="4426920" cy="1568520"/>
+          </a:xfrm>
+          <a:prstGeom prst="rect">
+            <a:avLst/>
+          </a:prstGeom>
+          <a:noFill/>
+          <a:ln w="0">
+            <a:noFill/>
+          </a:ln>
+        </p:spPr>
+        <p:txBody>
+          <a:bodyPr lIns="0" rIns="0" tIns="0" bIns="0" anchor="t">
+            <a:normAutofit/>
+          </a:bodyPr>
+          <a:p>
+            <a:endParaRPr b="0" lang="en-US" sz="3200" spc="-1" strike="noStrike">
+              <a:latin typeface="Arial"/>
+            </a:endParaRPr>
+          </a:p>
+        </p:txBody>
+      </p:sp>
+      <p:sp>
+        <p:nvSpPr>
+          <p:cNvPr id="149" name="PlaceHolder 4"/>
+          <p:cNvSpPr>
+            <a:spLocks noGrp="1"/>
+          </p:cNvSpPr>
+          <p:nvPr>
+            <p:ph/>
+          </p:nvPr>
+        </p:nvSpPr>
+        <p:spPr>
+          <a:xfrm>
+            <a:off x="504000" y="3044520"/>
+            <a:ext cx="4426920" cy="1568520"/>
+          </a:xfrm>
+          <a:prstGeom prst="rect">
+            <a:avLst/>
+          </a:prstGeom>
+          <a:noFill/>
+          <a:ln w="0">
+            <a:noFill/>
+          </a:ln>
+        </p:spPr>
+        <p:txBody>
+          <a:bodyPr lIns="0" rIns="0" tIns="0" bIns="0" anchor="t">
+            <a:normAutofit/>
+          </a:bodyPr>
+          <a:p>
+            <a:endParaRPr b="0" lang="en-US" sz="3200" spc="-1" strike="noStrike">
+              <a:latin typeface="Arial"/>
+            </a:endParaRPr>
+          </a:p>
+        </p:txBody>
+      </p:sp>
+      <p:sp>
+        <p:nvSpPr>
+          <p:cNvPr id="150" name="PlaceHolder 5"/>
+          <p:cNvSpPr>
+            <a:spLocks noGrp="1"/>
+          </p:cNvSpPr>
+          <p:nvPr>
+            <p:ph/>
+          </p:nvPr>
+        </p:nvSpPr>
+        <p:spPr>
+          <a:xfrm>
+            <a:off x="5152680" y="3044520"/>
+            <a:ext cx="4426920" cy="1568520"/>
+          </a:xfrm>
+          <a:prstGeom prst="rect">
+            <a:avLst/>
+          </a:prstGeom>
+          <a:noFill/>
+          <a:ln w="0">
+            <a:noFill/>
+          </a:ln>
+        </p:spPr>
+        <p:txBody>
+          <a:bodyPr lIns="0" rIns="0" tIns="0" bIns="0" anchor="t">
+            <a:normAutofit/>
+          </a:bodyPr>
+          <a:p>
+            <a:endParaRPr b="0" lang="en-US" sz="3200" spc="-1" strike="noStrike">
+              <a:latin typeface="Arial"/>
+            </a:endParaRPr>
+          </a:p>
+        </p:txBody>
+      </p:sp>
+      <p:sp>
+        <p:nvSpPr>
+          <p:cNvPr id="7" name="PlaceHolder 6"/>
+          <p:cNvSpPr>
+            <a:spLocks noGrp="1"/>
+          </p:cNvSpPr>
+          <p:nvPr>
+            <p:ph type="ftr" idx="7"/>
+          </p:nvPr>
+        </p:nvSpPr>
+        <p:spPr/>
+        <p:txBody>
+          <a:bodyPr/>
+          <a:p>
+            <a:r>
+              <a:t>Footer</a:t>
+            </a:r>
+          </a:p>
+        </p:txBody>
+      </p:sp>
+      <p:sp>
+        <p:nvSpPr>
+          <p:cNvPr id="8" name="PlaceHolder 7"/>
+          <p:cNvSpPr>
+            <a:spLocks noGrp="1"/>
+          </p:cNvSpPr>
+          <p:nvPr>
+            <p:ph type="sldNum" idx="8"/>
+          </p:nvPr>
+        </p:nvSpPr>
+        <p:spPr/>
+        <p:txBody>
+          <a:bodyPr/>
+          <a:p>
+            <a:fld id="{693A0D28-8B58-4006-B698-569749C8B152}" type="slidenum">
+              <a:t>&lt;#&gt;</a:t>
+            </a:fld>
+          </a:p>
+        </p:txBody>
+      </p:sp>
+      <p:sp>
+        <p:nvSpPr>
+          <p:cNvPr id="9" name="PlaceHolder 8"/>
+          <p:cNvSpPr>
+            <a:spLocks noGrp="1"/>
+          </p:cNvSpPr>
+          <p:nvPr>
+            <p:ph type="dt" idx="9"/>
+          </p:nvPr>
+        </p:nvSpPr>
+        <p:spPr/>
+        <p:txBody>
+          <a:bodyPr/>
+          <a:p>
+            <a:r>
+              <a:rPr lang="en-US"/>
+              <a:t/>
+            </a:r>
+          </a:p>
+        </p:txBody>
+      </p:sp>
+    </p:spTree>
+  </p:cSld>
+</p:sldLayout>
+</file>
+
+<file path=ppt/slideLayouts/slideLayout36.xml><?xml version="1.0" encoding="utf-8"?>
+<p:sldLayout xmlns:a="http://schemas.openxmlformats.org/drawingml/2006/main" xmlns:p="http://schemas.openxmlformats.org/presentationml/2006/main" xmlns:r="http://schemas.openxmlformats.org/officeDocument/2006/relationships" xmlns:p14="http://schemas.microsoft.com/office/powerpoint/2010/main" xmlns:p15="http://schemas.microsoft.com/office/powerpoint/2012/main" xmlns:mc="http://schemas.openxmlformats.org/markup-compatibility/2006" type="blank" preserve="1">
+  <p:cSld name="Title, 6 Content">
+    <p:spTree>
+      <p:nvGrpSpPr>
+        <p:cNvPr id="1" name=""/>
+        <p:cNvGrpSpPr/>
+        <p:nvPr/>
+      </p:nvGrpSpPr>
+      <p:grpSpPr>
+        <a:xfrm>
+          <a:off x="0" y="0"/>
+          <a:ext cx="0" cy="0"/>
+          <a:chOff x="0" y="0"/>
+          <a:chExt cx="0" cy="0"/>
+        </a:xfrm>
+      </p:grpSpPr>
+      <p:sp>
+        <p:nvSpPr>
+          <p:cNvPr id="151" name="PlaceHolder 1"/>
+          <p:cNvSpPr>
+            <a:spLocks noGrp="1"/>
+          </p:cNvSpPr>
+          <p:nvPr>
+            <p:ph type="title"/>
+          </p:nvPr>
+        </p:nvSpPr>
+        <p:spPr>
+          <a:xfrm>
+            <a:off x="540000" y="270000"/>
+            <a:ext cx="8999640" cy="989640"/>
+          </a:xfrm>
+          <a:prstGeom prst="rect">
+            <a:avLst/>
+          </a:prstGeom>
+          <a:noFill/>
+          <a:ln w="0">
+            <a:noFill/>
+          </a:ln>
+        </p:spPr>
+        <p:txBody>
+          <a:bodyPr lIns="0" rIns="0" tIns="0" bIns="0" anchor="ctr">
+            <a:noAutofit/>
+          </a:bodyPr>
+          <a:p>
+            <a:pPr algn="ctr">
+              <a:buNone/>
+            </a:pPr>
+            <a:endParaRPr b="0" lang="en-US" sz="4400" spc="-1" strike="noStrike">
+              <a:solidFill>
+                <a:srgbClr val="ffffff"/>
+              </a:solidFill>
+              <a:latin typeface="Arial"/>
+            </a:endParaRPr>
+          </a:p>
+        </p:txBody>
+      </p:sp>
+      <p:sp>
+        <p:nvSpPr>
+          <p:cNvPr id="152" name="PlaceHolder 2"/>
+          <p:cNvSpPr>
+            <a:spLocks noGrp="1"/>
+          </p:cNvSpPr>
+          <p:nvPr>
+            <p:ph/>
+          </p:nvPr>
+        </p:nvSpPr>
+        <p:spPr>
+          <a:xfrm>
+            <a:off x="504000" y="1326600"/>
+            <a:ext cx="2921040" cy="1568520"/>
+          </a:xfrm>
+          <a:prstGeom prst="rect">
+            <a:avLst/>
+          </a:prstGeom>
+          <a:noFill/>
+          <a:ln w="0">
+            <a:noFill/>
+          </a:ln>
+        </p:spPr>
+        <p:txBody>
+          <a:bodyPr lIns="0" rIns="0" tIns="0" bIns="0" anchor="t">
+            <a:normAutofit/>
+          </a:bodyPr>
+          <a:p>
+            <a:endParaRPr b="0" lang="en-US" sz="3200" spc="-1" strike="noStrike">
+              <a:latin typeface="Arial"/>
+            </a:endParaRPr>
+          </a:p>
+        </p:txBody>
+      </p:sp>
+      <p:sp>
+        <p:nvSpPr>
+          <p:cNvPr id="153" name="PlaceHolder 3"/>
+          <p:cNvSpPr>
+            <a:spLocks noGrp="1"/>
+          </p:cNvSpPr>
+          <p:nvPr>
+            <p:ph/>
+          </p:nvPr>
+        </p:nvSpPr>
+        <p:spPr>
+          <a:xfrm>
+            <a:off x="3571560" y="1326600"/>
+            <a:ext cx="2921040" cy="1568520"/>
+          </a:xfrm>
+          <a:prstGeom prst="rect">
+            <a:avLst/>
+          </a:prstGeom>
+          <a:noFill/>
+          <a:ln w="0">
+            <a:noFill/>
+          </a:ln>
+        </p:spPr>
+        <p:txBody>
+          <a:bodyPr lIns="0" rIns="0" tIns="0" bIns="0" anchor="t">
+            <a:normAutofit/>
+          </a:bodyPr>
+          <a:p>
+            <a:endParaRPr b="0" lang="en-US" sz="3200" spc="-1" strike="noStrike">
+              <a:latin typeface="Arial"/>
+            </a:endParaRPr>
+          </a:p>
+        </p:txBody>
+      </p:sp>
+      <p:sp>
+        <p:nvSpPr>
+          <p:cNvPr id="154" name="PlaceHolder 4"/>
+          <p:cNvSpPr>
+            <a:spLocks noGrp="1"/>
+          </p:cNvSpPr>
+          <p:nvPr>
+            <p:ph/>
+          </p:nvPr>
+        </p:nvSpPr>
+        <p:spPr>
+          <a:xfrm>
+            <a:off x="6639120" y="1326600"/>
+            <a:ext cx="2921040" cy="1568520"/>
+          </a:xfrm>
+          <a:prstGeom prst="rect">
+            <a:avLst/>
+          </a:prstGeom>
+          <a:noFill/>
+          <a:ln w="0">
+            <a:noFill/>
+          </a:ln>
+        </p:spPr>
+        <p:txBody>
+          <a:bodyPr lIns="0" rIns="0" tIns="0" bIns="0" anchor="t">
+            <a:normAutofit/>
+          </a:bodyPr>
+          <a:p>
+            <a:endParaRPr b="0" lang="en-US" sz="3200" spc="-1" strike="noStrike">
+              <a:latin typeface="Arial"/>
+            </a:endParaRPr>
+          </a:p>
+        </p:txBody>
+      </p:sp>
+      <p:sp>
+        <p:nvSpPr>
+          <p:cNvPr id="155" name="PlaceHolder 5"/>
+          <p:cNvSpPr>
+            <a:spLocks noGrp="1"/>
+          </p:cNvSpPr>
+          <p:nvPr>
+            <p:ph/>
+          </p:nvPr>
+        </p:nvSpPr>
+        <p:spPr>
+          <a:xfrm>
+            <a:off x="504000" y="3044520"/>
+            <a:ext cx="2921040" cy="1568520"/>
+          </a:xfrm>
+          <a:prstGeom prst="rect">
+            <a:avLst/>
+          </a:prstGeom>
+          <a:noFill/>
+          <a:ln w="0">
+            <a:noFill/>
+          </a:ln>
+        </p:spPr>
+        <p:txBody>
+          <a:bodyPr lIns="0" rIns="0" tIns="0" bIns="0" anchor="t">
+            <a:normAutofit/>
+          </a:bodyPr>
+          <a:p>
+            <a:endParaRPr b="0" lang="en-US" sz="3200" spc="-1" strike="noStrike">
+              <a:latin typeface="Arial"/>
+            </a:endParaRPr>
+          </a:p>
+        </p:txBody>
+      </p:sp>
+      <p:sp>
+        <p:nvSpPr>
+          <p:cNvPr id="156" name="PlaceHolder 6"/>
+          <p:cNvSpPr>
+            <a:spLocks noGrp="1"/>
+          </p:cNvSpPr>
+          <p:nvPr>
+            <p:ph/>
+          </p:nvPr>
+        </p:nvSpPr>
+        <p:spPr>
+          <a:xfrm>
+            <a:off x="3571560" y="3044520"/>
+            <a:ext cx="2921040" cy="1568520"/>
+          </a:xfrm>
+          <a:prstGeom prst="rect">
+            <a:avLst/>
+          </a:prstGeom>
+          <a:noFill/>
+          <a:ln w="0">
+            <a:noFill/>
+          </a:ln>
+        </p:spPr>
+        <p:txBody>
+          <a:bodyPr lIns="0" rIns="0" tIns="0" bIns="0" anchor="t">
+            <a:normAutofit/>
+          </a:bodyPr>
+          <a:p>
+            <a:endParaRPr b="0" lang="en-US" sz="3200" spc="-1" strike="noStrike">
+              <a:latin typeface="Arial"/>
+            </a:endParaRPr>
+          </a:p>
+        </p:txBody>
+      </p:sp>
+      <p:sp>
+        <p:nvSpPr>
+          <p:cNvPr id="157" name="PlaceHolder 7"/>
+          <p:cNvSpPr>
+            <a:spLocks noGrp="1"/>
+          </p:cNvSpPr>
+          <p:nvPr>
+            <p:ph/>
+          </p:nvPr>
+        </p:nvSpPr>
+        <p:spPr>
+          <a:xfrm>
+            <a:off x="6639120" y="3044520"/>
+            <a:ext cx="2921040" cy="1568520"/>
+          </a:xfrm>
+          <a:prstGeom prst="rect">
+            <a:avLst/>
+          </a:prstGeom>
+          <a:noFill/>
+          <a:ln w="0">
+            <a:noFill/>
+          </a:ln>
+        </p:spPr>
+        <p:txBody>
+          <a:bodyPr lIns="0" rIns="0" tIns="0" bIns="0" anchor="t">
+            <a:normAutofit/>
+          </a:bodyPr>
+          <a:p>
+            <a:endParaRPr b="0" lang="en-US" sz="3200" spc="-1" strike="noStrike">
+              <a:latin typeface="Arial"/>
+            </a:endParaRPr>
+          </a:p>
+        </p:txBody>
+      </p:sp>
+      <p:sp>
+        <p:nvSpPr>
+          <p:cNvPr id="9" name="PlaceHolder 8"/>
+          <p:cNvSpPr>
+            <a:spLocks noGrp="1"/>
+          </p:cNvSpPr>
+          <p:nvPr>
+            <p:ph type="ftr" idx="7"/>
+          </p:nvPr>
+        </p:nvSpPr>
+        <p:spPr/>
+        <p:txBody>
+          <a:bodyPr/>
+          <a:p>
+            <a:r>
+              <a:t>Footer</a:t>
+            </a:r>
+          </a:p>
+        </p:txBody>
+      </p:sp>
+      <p:sp>
+        <p:nvSpPr>
+          <p:cNvPr id="10" name="PlaceHolder 9"/>
+          <p:cNvSpPr>
+            <a:spLocks noGrp="1"/>
+          </p:cNvSpPr>
+          <p:nvPr>
+            <p:ph type="sldNum" idx="8"/>
+          </p:nvPr>
+        </p:nvSpPr>
+        <p:spPr/>
+        <p:txBody>
+          <a:bodyPr/>
+          <a:p>
+            <a:fld id="{FF3FCF5F-AF41-47FD-ACFB-9B38F8F711CA}" type="slidenum">
+              <a:t>&lt;#&gt;</a:t>
+            </a:fld>
+          </a:p>
+        </p:txBody>
+      </p:sp>
+      <p:sp>
+        <p:nvSpPr>
+          <p:cNvPr id="11" name="PlaceHolder 10"/>
+          <p:cNvSpPr>
+            <a:spLocks noGrp="1"/>
+          </p:cNvSpPr>
+          <p:nvPr>
+            <p:ph type="dt" idx="9"/>
           </p:nvPr>
         </p:nvSpPr>
         <p:spPr/>
@@ -1219,7 +5801,7 @@
         <p:spPr>
           <a:xfrm>
             <a:off x="540000" y="270000"/>
-            <a:ext cx="8999280" cy="989280"/>
+            <a:ext cx="8999640" cy="989640"/>
           </a:xfrm>
           <a:prstGeom prst="rect">
             <a:avLst/>
@@ -1238,6 +5820,9 @@
               <a:buNone/>
             </a:pPr>
             <a:endParaRPr b="0" lang="en-US" sz="4400" spc="-1" strike="noStrike">
+              <a:solidFill>
+                <a:srgbClr val="ffffff"/>
+              </a:solidFill>
               <a:latin typeface="Arial"/>
             </a:endParaRPr>
           </a:p>
@@ -1256,7 +5841,7 @@
         <p:spPr>
           <a:xfrm>
             <a:off x="504000" y="1326600"/>
-            <a:ext cx="4426920" cy="3288240"/>
+            <a:ext cx="4426920" cy="3288600"/>
           </a:xfrm>
           <a:prstGeom prst="rect">
             <a:avLst/>
@@ -1290,7 +5875,7 @@
         <p:spPr>
           <a:xfrm>
             <a:off x="5152680" y="1326600"/>
-            <a:ext cx="4426920" cy="3288240"/>
+            <a:ext cx="4426920" cy="3288600"/>
           </a:xfrm>
           <a:prstGeom prst="rect">
             <a:avLst/>
@@ -1345,7 +5930,7 @@
         <p:txBody>
           <a:bodyPr/>
           <a:p>
-            <a:fld id="{89E7543E-C000-47A9-ABBE-2BB93105FCDD}" type="slidenum">
+            <a:fld id="{0B5CFFF3-2A21-4309-A336-CC11E368B00F}" type="slidenum">
               <a:t>&lt;#&gt;</a:t>
             </a:fld>
           </a:p>
@@ -1407,7 +5992,7 @@
         <p:spPr>
           <a:xfrm>
             <a:off x="540000" y="270000"/>
-            <a:ext cx="8999280" cy="989280"/>
+            <a:ext cx="8999640" cy="989640"/>
           </a:xfrm>
           <a:prstGeom prst="rect">
             <a:avLst/>
@@ -1426,6 +6011,9 @@
               <a:buNone/>
             </a:pPr>
             <a:endParaRPr b="0" lang="en-US" sz="4400" spc="-1" strike="noStrike">
+              <a:solidFill>
+                <a:srgbClr val="ffffff"/>
+              </a:solidFill>
               <a:latin typeface="Arial"/>
             </a:endParaRPr>
           </a:p>
@@ -1465,7 +6053,7 @@
         <p:txBody>
           <a:bodyPr/>
           <a:p>
-            <a:fld id="{EA0C5BE2-03E7-44B5-86C0-4EFE801FA176}" type="slidenum">
+            <a:fld id="{DD47E6A9-7433-4354-B270-5FBB044F378E}" type="slidenum">
               <a:t>&lt;#&gt;</a:t>
             </a:fld>
           </a:p>
@@ -1527,7 +6115,7 @@
         <p:spPr>
           <a:xfrm>
             <a:off x="540000" y="270000"/>
-            <a:ext cx="8999280" cy="4587120"/>
+            <a:ext cx="8999640" cy="4588560"/>
           </a:xfrm>
           <a:prstGeom prst="rect">
             <a:avLst/>
@@ -1546,9 +6134,6 @@
               <a:buNone/>
             </a:pPr>
             <a:endParaRPr b="0" lang="en-US" sz="3200" spc="-1" strike="noStrike">
-              <a:solidFill>
-                <a:srgbClr val="ffffff"/>
-              </a:solidFill>
               <a:latin typeface="Arial"/>
             </a:endParaRPr>
           </a:p>
@@ -1588,7 +6173,7 @@
         <p:txBody>
           <a:bodyPr/>
           <a:p>
-            <a:fld id="{BC187AB1-83AE-4918-9F3E-5070DA8BCA55}" type="slidenum">
+            <a:fld id="{E58F5DE1-F25A-4459-B9A3-E915FDB498A0}" type="slidenum">
               <a:t>&lt;#&gt;</a:t>
             </a:fld>
           </a:p>
@@ -1650,7 +6235,7 @@
         <p:spPr>
           <a:xfrm>
             <a:off x="540000" y="270000"/>
-            <a:ext cx="8999280" cy="989280"/>
+            <a:ext cx="8999640" cy="989640"/>
           </a:xfrm>
           <a:prstGeom prst="rect">
             <a:avLst/>
@@ -1669,6 +6254,9 @@
               <a:buNone/>
             </a:pPr>
             <a:endParaRPr b="0" lang="en-US" sz="4400" spc="-1" strike="noStrike">
+              <a:solidFill>
+                <a:srgbClr val="ffffff"/>
+              </a:solidFill>
               <a:latin typeface="Arial"/>
             </a:endParaRPr>
           </a:p>
@@ -1687,7 +6275,7 @@
         <p:spPr>
           <a:xfrm>
             <a:off x="504000" y="1326600"/>
-            <a:ext cx="4426920" cy="1568160"/>
+            <a:ext cx="4426920" cy="1568520"/>
           </a:xfrm>
           <a:prstGeom prst="rect">
             <a:avLst/>
@@ -1721,7 +6309,7 @@
         <p:spPr>
           <a:xfrm>
             <a:off x="5152680" y="1326600"/>
-            <a:ext cx="4426920" cy="3288240"/>
+            <a:ext cx="4426920" cy="3288600"/>
           </a:xfrm>
           <a:prstGeom prst="rect">
             <a:avLst/>
@@ -1754,8 +6342,8 @@
         </p:nvSpPr>
         <p:spPr>
           <a:xfrm>
-            <a:off x="504000" y="3044160"/>
-            <a:ext cx="4426920" cy="1568160"/>
+            <a:off x="504000" y="3044520"/>
+            <a:ext cx="4426920" cy="1568520"/>
           </a:xfrm>
           <a:prstGeom prst="rect">
             <a:avLst/>
@@ -1810,7 +6398,7 @@
         <p:txBody>
           <a:bodyPr/>
           <a:p>
-            <a:fld id="{3F4DA9B6-F928-45FF-A746-C32D0BC9A6F7}" type="slidenum">
+            <a:fld id="{3F6047CB-52C2-4775-BF56-0284280B6A5A}" type="slidenum">
               <a:t>&lt;#&gt;</a:t>
             </a:fld>
           </a:p>
@@ -1872,7 +6460,7 @@
         <p:spPr>
           <a:xfrm>
             <a:off x="540000" y="270000"/>
-            <a:ext cx="8999280" cy="989280"/>
+            <a:ext cx="8999640" cy="989640"/>
           </a:xfrm>
           <a:prstGeom prst="rect">
             <a:avLst/>
@@ -1891,6 +6479,9 @@
               <a:buNone/>
             </a:pPr>
             <a:endParaRPr b="0" lang="en-US" sz="4400" spc="-1" strike="noStrike">
+              <a:solidFill>
+                <a:srgbClr val="ffffff"/>
+              </a:solidFill>
               <a:latin typeface="Arial"/>
             </a:endParaRPr>
           </a:p>
@@ -1909,7 +6500,7 @@
         <p:spPr>
           <a:xfrm>
             <a:off x="504000" y="1326600"/>
-            <a:ext cx="4426920" cy="3288240"/>
+            <a:ext cx="4426920" cy="3288600"/>
           </a:xfrm>
           <a:prstGeom prst="rect">
             <a:avLst/>
@@ -1943,7 +6534,7 @@
         <p:spPr>
           <a:xfrm>
             <a:off x="5152680" y="1326600"/>
-            <a:ext cx="4426920" cy="1568160"/>
+            <a:ext cx="4426920" cy="1568520"/>
           </a:xfrm>
           <a:prstGeom prst="rect">
             <a:avLst/>
@@ -1976,8 +6567,8 @@
         </p:nvSpPr>
         <p:spPr>
           <a:xfrm>
-            <a:off x="5152680" y="3044160"/>
-            <a:ext cx="4426920" cy="1568160"/>
+            <a:off x="5152680" y="3044520"/>
+            <a:ext cx="4426920" cy="1568520"/>
           </a:xfrm>
           <a:prstGeom prst="rect">
             <a:avLst/>
@@ -2032,7 +6623,7 @@
         <p:txBody>
           <a:bodyPr/>
           <a:p>
-            <a:fld id="{24A2AB38-EA0D-4C79-9B87-3A7D9E0F5C29}" type="slidenum">
+            <a:fld id="{A8A89334-6416-48BC-B7E6-78F06E41E7DF}" type="slidenum">
               <a:t>&lt;#&gt;</a:t>
             </a:fld>
           </a:p>
@@ -2094,7 +6685,7 @@
         <p:spPr>
           <a:xfrm>
             <a:off x="540000" y="270000"/>
-            <a:ext cx="8999280" cy="989280"/>
+            <a:ext cx="8999640" cy="989640"/>
           </a:xfrm>
           <a:prstGeom prst="rect">
             <a:avLst/>
@@ -2113,6 +6704,9 @@
               <a:buNone/>
             </a:pPr>
             <a:endParaRPr b="0" lang="en-US" sz="4400" spc="-1" strike="noStrike">
+              <a:solidFill>
+                <a:srgbClr val="ffffff"/>
+              </a:solidFill>
               <a:latin typeface="Arial"/>
             </a:endParaRPr>
           </a:p>
@@ -2131,7 +6725,7 @@
         <p:spPr>
           <a:xfrm>
             <a:off x="504000" y="1326600"/>
-            <a:ext cx="4426920" cy="1568160"/>
+            <a:ext cx="4426920" cy="1568520"/>
           </a:xfrm>
           <a:prstGeom prst="rect">
             <a:avLst/>
@@ -2165,7 +6759,7 @@
         <p:spPr>
           <a:xfrm>
             <a:off x="5152680" y="1326600"/>
-            <a:ext cx="4426920" cy="1568160"/>
+            <a:ext cx="4426920" cy="1568520"/>
           </a:xfrm>
           <a:prstGeom prst="rect">
             <a:avLst/>
@@ -2198,8 +6792,8 @@
         </p:nvSpPr>
         <p:spPr>
           <a:xfrm>
-            <a:off x="504000" y="3044160"/>
-            <a:ext cx="9071640" cy="1568160"/>
+            <a:off x="504000" y="3044520"/>
+            <a:ext cx="9072000" cy="1568520"/>
           </a:xfrm>
           <a:prstGeom prst="rect">
             <a:avLst/>
@@ -2254,7 +6848,7 @@
         <p:txBody>
           <a:bodyPr/>
           <a:p>
-            <a:fld id="{E2299770-D169-424C-8120-3DBB0AF3FF84}" type="slidenum">
+            <a:fld id="{03850599-40FB-4125-8F31-8FBCF96874B4}" type="slidenum">
               <a:t>&lt;#&gt;</a:t>
             </a:fld>
           </a:p>
@@ -2312,7 +6906,7 @@
         <p:spPr>
           <a:xfrm>
             <a:off x="0" y="0"/>
-            <a:ext cx="10079280" cy="5669280"/>
+            <a:ext cx="10079640" cy="5669640"/>
           </a:xfrm>
           <a:prstGeom prst="rect">
             <a:avLst/>
@@ -2348,7 +6942,7 @@
         <p:spPr>
           <a:xfrm>
             <a:off x="1440000" y="1080000"/>
-            <a:ext cx="1439280" cy="1259280"/>
+            <a:ext cx="1439640" cy="1259640"/>
           </a:xfrm>
           <a:prstGeom prst="ellipse">
             <a:avLst/>
@@ -2378,7 +6972,7 @@
         <p:spPr>
           <a:xfrm>
             <a:off x="7380000" y="3960000"/>
-            <a:ext cx="1439280" cy="1259280"/>
+            <a:ext cx="1439640" cy="1259640"/>
           </a:xfrm>
           <a:prstGeom prst="ellipse">
             <a:avLst/>
@@ -2408,7 +7002,7 @@
         <p:spPr>
           <a:xfrm>
             <a:off x="9000000" y="2700000"/>
-            <a:ext cx="1259280" cy="1079280"/>
+            <a:ext cx="1259640" cy="1079640"/>
           </a:xfrm>
           <a:prstGeom prst="ellipse">
             <a:avLst/>
@@ -2438,7 +7032,7 @@
         <p:spPr>
           <a:xfrm>
             <a:off x="-180000" y="2430000"/>
-            <a:ext cx="1439280" cy="1349280"/>
+            <a:ext cx="1439640" cy="1349640"/>
           </a:xfrm>
           <a:prstGeom prst="ellipse">
             <a:avLst/>
@@ -2468,7 +7062,7 @@
         <p:spPr>
           <a:xfrm>
             <a:off x="540000" y="1080000"/>
-            <a:ext cx="719280" cy="719280"/>
+            <a:ext cx="719640" cy="719640"/>
           </a:xfrm>
           <a:prstGeom prst="ellipse">
             <a:avLst/>
@@ -2498,7 +7092,7 @@
         <p:spPr>
           <a:xfrm>
             <a:off x="0" y="1260000"/>
-            <a:ext cx="719280" cy="719280"/>
+            <a:ext cx="719640" cy="719640"/>
           </a:xfrm>
           <a:prstGeom prst="ellipse">
             <a:avLst/>
@@ -2528,7 +7122,7 @@
         <p:spPr>
           <a:xfrm>
             <a:off x="0" y="5220000"/>
-            <a:ext cx="1619280" cy="1259280"/>
+            <a:ext cx="1619640" cy="1259640"/>
           </a:xfrm>
           <a:prstGeom prst="ellipse">
             <a:avLst/>
@@ -2558,7 +7152,7 @@
         <p:spPr>
           <a:xfrm>
             <a:off x="9720000" y="4680000"/>
-            <a:ext cx="719280" cy="719280"/>
+            <a:ext cx="719640" cy="719640"/>
           </a:xfrm>
           <a:prstGeom prst="ellipse">
             <a:avLst/>
@@ -2588,7 +7182,7 @@
         <p:spPr>
           <a:xfrm>
             <a:off x="9540000" y="3420000"/>
-            <a:ext cx="719280" cy="719280"/>
+            <a:ext cx="719640" cy="719640"/>
           </a:xfrm>
           <a:prstGeom prst="ellipse">
             <a:avLst/>
@@ -2618,7 +7212,7 @@
         <p:spPr>
           <a:xfrm>
             <a:off x="8100000" y="4680000"/>
-            <a:ext cx="1079280" cy="841680"/>
+            <a:ext cx="1079640" cy="842040"/>
           </a:xfrm>
           <a:prstGeom prst="ellipse">
             <a:avLst/>
@@ -2648,7 +7242,7 @@
         <p:spPr>
           <a:xfrm>
             <a:off x="7920000" y="5400000"/>
-            <a:ext cx="899280" cy="899280"/>
+            <a:ext cx="899640" cy="899640"/>
           </a:xfrm>
           <a:prstGeom prst="ellipse">
             <a:avLst/>
@@ -2682,7 +7276,967 @@
         <p:spPr>
           <a:xfrm>
             <a:off x="540000" y="270000"/>
-            <a:ext cx="8999280" cy="989280"/>
+            <a:ext cx="8999640" cy="989640"/>
+          </a:xfrm>
+          <a:prstGeom prst="rect">
+            <a:avLst/>
+          </a:prstGeom>
+          <a:noFill/>
+          <a:ln w="0">
+            <a:noFill/>
+          </a:ln>
+        </p:spPr>
+        <p:txBody>
+          <a:bodyPr lIns="0" rIns="0" tIns="0" bIns="0" anchor="ctr">
+            <a:noAutofit/>
+          </a:bodyPr>
+          <a:p>
+            <a:r>
+              <a:rPr b="0" lang="en-US" sz="1800" spc="-1" strike="noStrike">
+                <a:solidFill>
+                  <a:srgbClr val="ffffff"/>
+                </a:solidFill>
+                <a:latin typeface="Arial"/>
+              </a:rPr>
+              <a:t>Click to edit the title text format</a:t>
+            </a:r>
+            <a:endParaRPr b="0" lang="en-US" sz="1800" spc="-1" strike="noStrike">
+              <a:solidFill>
+                <a:srgbClr val="ffffff"/>
+              </a:solidFill>
+              <a:latin typeface="Arial"/>
+            </a:endParaRPr>
+          </a:p>
+        </p:txBody>
+      </p:sp>
+      <p:sp>
+        <p:nvSpPr>
+          <p:cNvPr id="13" name="PlaceHolder 2"/>
+          <p:cNvSpPr>
+            <a:spLocks noGrp="1"/>
+          </p:cNvSpPr>
+          <p:nvPr>
+            <p:ph type="ftr" idx="1"/>
+          </p:nvPr>
+        </p:nvSpPr>
+        <p:spPr>
+          <a:xfrm>
+            <a:off x="3420000" y="5130000"/>
+            <a:ext cx="3239640" cy="392040"/>
+          </a:xfrm>
+          <a:prstGeom prst="rect">
+            <a:avLst/>
+          </a:prstGeom>
+          <a:noFill/>
+          <a:ln w="0">
+            <a:noFill/>
+          </a:ln>
+        </p:spPr>
+        <p:txBody>
+          <a:bodyPr lIns="0" rIns="0" tIns="0" bIns="0" anchor="b">
+            <a:noAutofit/>
+          </a:bodyPr>
+          <a:lstStyle>
+            <a:lvl1pPr algn="ctr">
+              <a:lnSpc>
+                <a:spcPct val="100000"/>
+              </a:lnSpc>
+              <a:buNone/>
+              <a:defRPr b="0" lang="en-US" sz="1400" spc="-1" strike="noStrike">
+                <a:solidFill>
+                  <a:srgbClr val="ffffff"/>
+                </a:solidFill>
+                <a:latin typeface="Arial"/>
+              </a:defRPr>
+            </a:lvl1pPr>
+          </a:lstStyle>
+          <a:p>
+            <a:pPr algn="ctr">
+              <a:lnSpc>
+                <a:spcPct val="100000"/>
+              </a:lnSpc>
+              <a:buNone/>
+            </a:pPr>
+            <a:r>
+              <a:rPr b="0" lang="en-US" sz="1400" spc="-1" strike="noStrike">
+                <a:solidFill>
+                  <a:srgbClr val="ffffff"/>
+                </a:solidFill>
+                <a:latin typeface="Arial"/>
+              </a:rPr>
+              <a:t> </a:t>
+            </a:r>
+            <a:endParaRPr b="0" lang="en-US" sz="1400" spc="-1" strike="noStrike">
+              <a:latin typeface="Times New Roman"/>
+            </a:endParaRPr>
+          </a:p>
+        </p:txBody>
+      </p:sp>
+      <p:sp>
+        <p:nvSpPr>
+          <p:cNvPr id="14" name="PlaceHolder 3"/>
+          <p:cNvSpPr>
+            <a:spLocks noGrp="1"/>
+          </p:cNvSpPr>
+          <p:nvPr>
+            <p:ph type="sldNum" idx="2"/>
+          </p:nvPr>
+        </p:nvSpPr>
+        <p:spPr>
+          <a:xfrm>
+            <a:off x="7560000" y="5130000"/>
+            <a:ext cx="2339640" cy="392040"/>
+          </a:xfrm>
+          <a:prstGeom prst="rect">
+            <a:avLst/>
+          </a:prstGeom>
+          <a:noFill/>
+          <a:ln w="0">
+            <a:noFill/>
+          </a:ln>
+        </p:spPr>
+        <p:txBody>
+          <a:bodyPr lIns="0" rIns="0" tIns="0" bIns="0" anchor="b">
+            <a:noAutofit/>
+          </a:bodyPr>
+          <a:lstStyle>
+            <a:lvl1pPr algn="r">
+              <a:lnSpc>
+                <a:spcPct val="100000"/>
+              </a:lnSpc>
+              <a:buNone/>
+              <a:defRPr b="0" lang="en-US" sz="1400" spc="-1" strike="noStrike">
+                <a:solidFill>
+                  <a:srgbClr val="ffffff"/>
+                </a:solidFill>
+                <a:latin typeface="Arial"/>
+              </a:defRPr>
+            </a:lvl1pPr>
+          </a:lstStyle>
+          <a:p>
+            <a:pPr algn="r">
+              <a:lnSpc>
+                <a:spcPct val="100000"/>
+              </a:lnSpc>
+              <a:buNone/>
+            </a:pPr>
+            <a:fld id="{FC078A81-B9DE-4901-96BF-FFEE74C8E2FB}" type="slidenum">
+              <a:rPr b="0" lang="en-US" sz="1400" spc="-1" strike="noStrike">
+                <a:solidFill>
+                  <a:srgbClr val="ffffff"/>
+                </a:solidFill>
+                <a:latin typeface="Arial"/>
+              </a:rPr>
+              <a:t>6</a:t>
+            </a:fld>
+            <a:endParaRPr b="0" lang="en-US" sz="1400" spc="-1" strike="noStrike">
+              <a:latin typeface="Times New Roman"/>
+            </a:endParaRPr>
+          </a:p>
+        </p:txBody>
+      </p:sp>
+      <p:sp>
+        <p:nvSpPr>
+          <p:cNvPr id="15" name="PlaceHolder 4"/>
+          <p:cNvSpPr>
+            <a:spLocks noGrp="1"/>
+          </p:cNvSpPr>
+          <p:nvPr>
+            <p:ph type="dt" idx="3"/>
+          </p:nvPr>
+        </p:nvSpPr>
+        <p:spPr>
+          <a:xfrm>
+            <a:off x="180000" y="5130000"/>
+            <a:ext cx="2339640" cy="392040"/>
+          </a:xfrm>
+          <a:prstGeom prst="rect">
+            <a:avLst/>
+          </a:prstGeom>
+          <a:noFill/>
+          <a:ln w="0">
+            <a:noFill/>
+          </a:ln>
+        </p:spPr>
+        <p:txBody>
+          <a:bodyPr lIns="0" rIns="0" tIns="0" bIns="0" anchor="b">
+            <a:noAutofit/>
+          </a:bodyPr>
+          <a:lstStyle>
+            <a:lvl1pPr>
+              <a:defRPr b="0" lang="en-US" sz="1400" spc="-1" strike="noStrike">
+                <a:latin typeface="Times New Roman"/>
+              </a:defRPr>
+            </a:lvl1pPr>
+          </a:lstStyle>
+          <a:p>
+            <a:r>
+              <a:rPr b="0" lang="en-US" sz="1400" spc="-1" strike="noStrike">
+                <a:latin typeface="Times New Roman"/>
+              </a:rPr>
+              <a:t> </a:t>
+            </a:r>
+            <a:endParaRPr b="0" lang="en-US" sz="1400" spc="-1" strike="noStrike">
+              <a:latin typeface="Times New Roman"/>
+            </a:endParaRPr>
+          </a:p>
+        </p:txBody>
+      </p:sp>
+      <p:sp>
+        <p:nvSpPr>
+          <p:cNvPr id="16" name="PlaceHolder 5"/>
+          <p:cNvSpPr>
+            <a:spLocks noGrp="1"/>
+          </p:cNvSpPr>
+          <p:nvPr>
+            <p:ph type="body"/>
+          </p:nvPr>
+        </p:nvSpPr>
+        <p:spPr>
+          <a:xfrm>
+            <a:off x="504000" y="1326600"/>
+            <a:ext cx="9072000" cy="3288600"/>
+          </a:xfrm>
+          <a:prstGeom prst="rect">
+            <a:avLst/>
+          </a:prstGeom>
+          <a:noFill/>
+          <a:ln w="0">
+            <a:noFill/>
+          </a:ln>
+        </p:spPr>
+        <p:txBody>
+          <a:bodyPr lIns="0" rIns="0" tIns="0" bIns="0" anchor="t">
+            <a:normAutofit/>
+          </a:bodyPr>
+          <a:p>
+            <a:pPr marL="432000" indent="-324000">
+              <a:spcBef>
+                <a:spcPts val="1417"/>
+              </a:spcBef>
+              <a:buClr>
+                <a:srgbClr val="000000"/>
+              </a:buClr>
+              <a:buSzPct val="45000"/>
+              <a:buFont typeface="Wingdings" charset="2"/>
+              <a:buChar char=""/>
+            </a:pPr>
+            <a:r>
+              <a:rPr b="0" lang="en-US" sz="3200" spc="-1" strike="noStrike">
+                <a:latin typeface="Arial"/>
+              </a:rPr>
+              <a:t>Click to edit the outline text format</a:t>
+            </a:r>
+            <a:endParaRPr b="0" lang="en-US" sz="3200" spc="-1" strike="noStrike">
+              <a:latin typeface="Arial"/>
+            </a:endParaRPr>
+          </a:p>
+          <a:p>
+            <a:pPr lvl="1" marL="864000" indent="-324000">
+              <a:spcBef>
+                <a:spcPts val="1134"/>
+              </a:spcBef>
+              <a:buClr>
+                <a:srgbClr val="000000"/>
+              </a:buClr>
+              <a:buSzPct val="75000"/>
+              <a:buFont typeface="Symbol" charset="2"/>
+              <a:buChar char=""/>
+            </a:pPr>
+            <a:r>
+              <a:rPr b="0" lang="en-US" sz="2800" spc="-1" strike="noStrike">
+                <a:latin typeface="Arial"/>
+              </a:rPr>
+              <a:t>Second Outline Level</a:t>
+            </a:r>
+            <a:endParaRPr b="0" lang="en-US" sz="2800" spc="-1" strike="noStrike">
+              <a:latin typeface="Arial"/>
+            </a:endParaRPr>
+          </a:p>
+          <a:p>
+            <a:pPr lvl="2" marL="1296000" indent="-288000">
+              <a:spcBef>
+                <a:spcPts val="850"/>
+              </a:spcBef>
+              <a:buClr>
+                <a:srgbClr val="000000"/>
+              </a:buClr>
+              <a:buSzPct val="45000"/>
+              <a:buFont typeface="Wingdings" charset="2"/>
+              <a:buChar char=""/>
+            </a:pPr>
+            <a:r>
+              <a:rPr b="0" lang="en-US" sz="2400" spc="-1" strike="noStrike">
+                <a:latin typeface="Arial"/>
+              </a:rPr>
+              <a:t>Third Outline Level</a:t>
+            </a:r>
+            <a:endParaRPr b="0" lang="en-US" sz="2400" spc="-1" strike="noStrike">
+              <a:latin typeface="Arial"/>
+            </a:endParaRPr>
+          </a:p>
+          <a:p>
+            <a:pPr lvl="3" marL="1728000" indent="-216000">
+              <a:spcBef>
+                <a:spcPts val="567"/>
+              </a:spcBef>
+              <a:buClr>
+                <a:srgbClr val="000000"/>
+              </a:buClr>
+              <a:buSzPct val="75000"/>
+              <a:buFont typeface="Symbol" charset="2"/>
+              <a:buChar char=""/>
+            </a:pPr>
+            <a:r>
+              <a:rPr b="0" lang="en-US" sz="2000" spc="-1" strike="noStrike">
+                <a:latin typeface="Arial"/>
+              </a:rPr>
+              <a:t>Fourth Outline Level</a:t>
+            </a:r>
+            <a:endParaRPr b="0" lang="en-US" sz="2000" spc="-1" strike="noStrike">
+              <a:latin typeface="Arial"/>
+            </a:endParaRPr>
+          </a:p>
+          <a:p>
+            <a:pPr lvl="4" marL="2160000" indent="-216000">
+              <a:spcBef>
+                <a:spcPts val="283"/>
+              </a:spcBef>
+              <a:buClr>
+                <a:srgbClr val="000000"/>
+              </a:buClr>
+              <a:buSzPct val="45000"/>
+              <a:buFont typeface="Wingdings" charset="2"/>
+              <a:buChar char=""/>
+            </a:pPr>
+            <a:r>
+              <a:rPr b="0" lang="en-US" sz="2000" spc="-1" strike="noStrike">
+                <a:latin typeface="Arial"/>
+              </a:rPr>
+              <a:t>Fifth Outline Level</a:t>
+            </a:r>
+            <a:endParaRPr b="0" lang="en-US" sz="2000" spc="-1" strike="noStrike">
+              <a:latin typeface="Arial"/>
+            </a:endParaRPr>
+          </a:p>
+          <a:p>
+            <a:pPr lvl="5" marL="2592000" indent="-216000">
+              <a:spcBef>
+                <a:spcPts val="283"/>
+              </a:spcBef>
+              <a:buClr>
+                <a:srgbClr val="000000"/>
+              </a:buClr>
+              <a:buSzPct val="45000"/>
+              <a:buFont typeface="Wingdings" charset="2"/>
+              <a:buChar char=""/>
+            </a:pPr>
+            <a:r>
+              <a:rPr b="0" lang="en-US" sz="2000" spc="-1" strike="noStrike">
+                <a:latin typeface="Arial"/>
+              </a:rPr>
+              <a:t>Sixth Outline Level</a:t>
+            </a:r>
+            <a:endParaRPr b="0" lang="en-US" sz="2000" spc="-1" strike="noStrike">
+              <a:latin typeface="Arial"/>
+            </a:endParaRPr>
+          </a:p>
+          <a:p>
+            <a:pPr lvl="6" marL="3024000" indent="-216000">
+              <a:spcBef>
+                <a:spcPts val="283"/>
+              </a:spcBef>
+              <a:buClr>
+                <a:srgbClr val="000000"/>
+              </a:buClr>
+              <a:buSzPct val="45000"/>
+              <a:buFont typeface="Wingdings" charset="2"/>
+              <a:buChar char=""/>
+            </a:pPr>
+            <a:r>
+              <a:rPr b="0" lang="en-US" sz="2000" spc="-1" strike="noStrike">
+                <a:latin typeface="Arial"/>
+              </a:rPr>
+              <a:t>Seventh Outline Level</a:t>
+            </a:r>
+            <a:endParaRPr b="0" lang="en-US" sz="2000" spc="-1" strike="noStrike">
+              <a:latin typeface="Arial"/>
+            </a:endParaRPr>
+          </a:p>
+        </p:txBody>
+      </p:sp>
+    </p:spTree>
+  </p:cSld>
+  <p:clrMap bg1="lt1" bg2="lt2" tx1="dk1" tx2="dk2" accent1="accent1" accent2="accent2" accent3="accent3" accent4="accent4" accent5="accent5" accent6="accent6" hlink="hlink" folHlink="folHlink"/>
+  <p:sldLayoutIdLst>
+    <p:sldLayoutId id="2147483649" r:id="rId2"/>
+    <p:sldLayoutId id="2147483650" r:id="rId3"/>
+    <p:sldLayoutId id="2147483651" r:id="rId4"/>
+    <p:sldLayoutId id="2147483652" r:id="rId5"/>
+    <p:sldLayoutId id="2147483653" r:id="rId6"/>
+    <p:sldLayoutId id="2147483654" r:id="rId7"/>
+    <p:sldLayoutId id="2147483655" r:id="rId8"/>
+    <p:sldLayoutId id="2147483656" r:id="rId9"/>
+    <p:sldLayoutId id="2147483657" r:id="rId10"/>
+    <p:sldLayoutId id="2147483658" r:id="rId11"/>
+    <p:sldLayoutId id="2147483659" r:id="rId12"/>
+    <p:sldLayoutId id="2147483660" r:id="rId13"/>
+  </p:sldLayoutIdLst>
+</p:sldMaster>
+</file>
+
+<file path=ppt/slideMasters/slideMaster2.xml><?xml version="1.0" encoding="utf-8"?>
+<p:sldMaster xmlns:a="http://schemas.openxmlformats.org/drawingml/2006/main" xmlns:p="http://schemas.openxmlformats.org/presentationml/2006/main" xmlns:r="http://schemas.openxmlformats.org/officeDocument/2006/relationships" xmlns:p14="http://schemas.microsoft.com/office/powerpoint/2010/main" xmlns:p15="http://schemas.microsoft.com/office/powerpoint/2012/main" xmlns:mc="http://schemas.openxmlformats.org/markup-compatibility/2006">
+  <p:cSld>
+    <p:spTree>
+      <p:nvGrpSpPr>
+        <p:cNvPr id="1" name=""/>
+        <p:cNvGrpSpPr/>
+        <p:nvPr/>
+      </p:nvGrpSpPr>
+      <p:grpSpPr>
+        <a:xfrm>
+          <a:off x="0" y="0"/>
+          <a:ext cx="0" cy="0"/>
+          <a:chOff x="0" y="0"/>
+          <a:chExt cx="0" cy="0"/>
+        </a:xfrm>
+      </p:grpSpPr>
+      <p:sp>
+        <p:nvSpPr>
+          <p:cNvPr id="53" name=""/>
+          <p:cNvSpPr/>
+          <p:nvPr/>
+        </p:nvSpPr>
+        <p:spPr>
+          <a:xfrm>
+            <a:off x="360" y="360"/>
+            <a:ext cx="10079640" cy="5669640"/>
+          </a:xfrm>
+          <a:prstGeom prst="rect">
+            <a:avLst/>
+          </a:prstGeom>
+          <a:gradFill rotWithShape="0">
+            <a:gsLst>
+              <a:gs pos="30000">
+                <a:srgbClr val="000032"/>
+              </a:gs>
+              <a:gs pos="100000">
+                <a:srgbClr val="f60063"/>
+              </a:gs>
+            </a:gsLst>
+            <a:lin ang="4200000"/>
+          </a:gradFill>
+          <a:ln w="0">
+            <a:noFill/>
+          </a:ln>
+        </p:spPr>
+        <p:style>
+          <a:lnRef idx="0"/>
+          <a:fillRef idx="0"/>
+          <a:effectRef idx="0"/>
+          <a:fontRef idx="minor"/>
+        </p:style>
+      </p:sp>
+      <p:sp>
+        <p:nvSpPr>
+          <p:cNvPr id="54" name=""/>
+          <p:cNvSpPr/>
+          <p:nvPr/>
+        </p:nvSpPr>
+        <p:spPr>
+          <a:xfrm flipH="1">
+            <a:off x="-2880" y="0"/>
+            <a:ext cx="10080000" cy="5670000"/>
+          </a:xfrm>
+          <a:prstGeom prst="rect">
+            <a:avLst/>
+          </a:prstGeom>
+          <a:gradFill rotWithShape="0">
+            <a:gsLst>
+              <a:gs pos="0">
+                <a:srgbClr val="ffffff">
+                  <a:alpha val="90196"/>
+                </a:srgbClr>
+              </a:gs>
+              <a:gs pos="75000">
+                <a:srgbClr val="ffffff">
+                  <a:alpha val="20000"/>
+                </a:srgbClr>
+              </a:gs>
+              <a:gs pos="100000">
+                <a:srgbClr val="ffffff">
+                  <a:alpha val="20000"/>
+                </a:srgbClr>
+              </a:gs>
+            </a:gsLst>
+            <a:path path="circle">
+              <a:fillToRect l="50000" t="85000" r="50000" b="15000"/>
+            </a:path>
+          </a:gradFill>
+          <a:ln w="0">
+            <a:noFill/>
+          </a:ln>
+        </p:spPr>
+        <p:style>
+          <a:lnRef idx="0"/>
+          <a:fillRef idx="0"/>
+          <a:effectRef idx="0"/>
+          <a:fontRef idx="minor"/>
+        </p:style>
+      </p:sp>
+      <p:sp>
+        <p:nvSpPr>
+          <p:cNvPr id="55" name=""/>
+          <p:cNvSpPr/>
+          <p:nvPr/>
+        </p:nvSpPr>
+        <p:spPr>
+          <a:xfrm>
+            <a:off x="180360" y="5130360"/>
+            <a:ext cx="2339640" cy="392040"/>
+          </a:xfrm>
+          <a:prstGeom prst="rect">
+            <a:avLst/>
+          </a:prstGeom>
+          <a:noFill/>
+          <a:ln w="0">
+            <a:noFill/>
+          </a:ln>
+        </p:spPr>
+        <p:style>
+          <a:lnRef idx="0"/>
+          <a:fillRef idx="0"/>
+          <a:effectRef idx="0"/>
+          <a:fontRef idx="minor"/>
+        </p:style>
+        <p:txBody>
+          <a:bodyPr lIns="0" rIns="0" tIns="0" bIns="0" anchor="b">
+            <a:noAutofit/>
+          </a:bodyPr>
+          <a:p>
+            <a:pPr>
+              <a:lnSpc>
+                <a:spcPct val="100000"/>
+              </a:lnSpc>
+              <a:buNone/>
+            </a:pPr>
+            <a:r>
+              <a:rPr b="0" lang="en-US" sz="1400" spc="-1" strike="noStrike">
+                <a:solidFill>
+                  <a:srgbClr val="ffffff"/>
+                </a:solidFill>
+                <a:latin typeface="Arial"/>
+              </a:rPr>
+              <a:t>&lt;date/time&gt;</a:t>
+            </a:r>
+            <a:endParaRPr b="0" lang="en-US" sz="1400" spc="-1" strike="noStrike">
+              <a:solidFill>
+                <a:srgbClr val="ffffff"/>
+              </a:solidFill>
+              <a:latin typeface="Arial"/>
+            </a:endParaRPr>
+          </a:p>
+        </p:txBody>
+      </p:sp>
+      <p:sp>
+        <p:nvSpPr>
+          <p:cNvPr id="56" name=""/>
+          <p:cNvSpPr/>
+          <p:nvPr/>
+        </p:nvSpPr>
+        <p:spPr>
+          <a:xfrm>
+            <a:off x="7560360" y="5130360"/>
+            <a:ext cx="2339640" cy="392040"/>
+          </a:xfrm>
+          <a:prstGeom prst="rect">
+            <a:avLst/>
+          </a:prstGeom>
+          <a:noFill/>
+          <a:ln w="0">
+            <a:noFill/>
+          </a:ln>
+        </p:spPr>
+        <p:style>
+          <a:lnRef idx="0"/>
+          <a:fillRef idx="0"/>
+          <a:effectRef idx="0"/>
+          <a:fontRef idx="minor"/>
+        </p:style>
+        <p:txBody>
+          <a:bodyPr lIns="0" rIns="0" tIns="0" bIns="0" anchor="b">
+            <a:noAutofit/>
+          </a:bodyPr>
+          <a:p>
+            <a:pPr algn="r">
+              <a:lnSpc>
+                <a:spcPct val="100000"/>
+              </a:lnSpc>
+              <a:buNone/>
+            </a:pPr>
+            <a:fld id="{8EC26691-9AA2-4BCF-B049-DED4BED2C78A}" type="slidenum">
+              <a:rPr b="0" lang="en-US" sz="1400" spc="-1" strike="noStrike">
+                <a:solidFill>
+                  <a:srgbClr val="ffffff"/>
+                </a:solidFill>
+                <a:latin typeface="Arial"/>
+              </a:rPr>
+              <a:t>&lt;number&gt;</a:t>
+            </a:fld>
+            <a:endParaRPr b="0" lang="en-US" sz="1400" spc="-1" strike="noStrike">
+              <a:solidFill>
+                <a:srgbClr val="ffffff"/>
+              </a:solidFill>
+              <a:latin typeface="Arial"/>
+            </a:endParaRPr>
+          </a:p>
+        </p:txBody>
+      </p:sp>
+      <p:sp>
+        <p:nvSpPr>
+          <p:cNvPr id="57" name=""/>
+          <p:cNvSpPr/>
+          <p:nvPr/>
+        </p:nvSpPr>
+        <p:spPr>
+          <a:xfrm>
+            <a:off x="1440360" y="1080360"/>
+            <a:ext cx="1439640" cy="1259640"/>
+          </a:xfrm>
+          <a:prstGeom prst="ellipse">
+            <a:avLst/>
+          </a:prstGeom>
+          <a:solidFill>
+            <a:srgbClr val="ffffff">
+              <a:alpha val="30000"/>
+            </a:srgbClr>
+          </a:solidFill>
+          <a:ln w="0">
+            <a:noFill/>
+          </a:ln>
+        </p:spPr>
+        <p:style>
+          <a:lnRef idx="0"/>
+          <a:fillRef idx="0"/>
+          <a:effectRef idx="0"/>
+          <a:fontRef idx="minor"/>
+        </p:style>
+      </p:sp>
+      <p:sp>
+        <p:nvSpPr>
+          <p:cNvPr id="58" name=""/>
+          <p:cNvSpPr/>
+          <p:nvPr/>
+        </p:nvSpPr>
+        <p:spPr>
+          <a:xfrm>
+            <a:off x="7380360" y="3960360"/>
+            <a:ext cx="1439640" cy="1259640"/>
+          </a:xfrm>
+          <a:prstGeom prst="ellipse">
+            <a:avLst/>
+          </a:prstGeom>
+          <a:solidFill>
+            <a:srgbClr val="ffffff">
+              <a:alpha val="30000"/>
+            </a:srgbClr>
+          </a:solidFill>
+          <a:ln w="0">
+            <a:noFill/>
+          </a:ln>
+        </p:spPr>
+        <p:style>
+          <a:lnRef idx="0"/>
+          <a:fillRef idx="0"/>
+          <a:effectRef idx="0"/>
+          <a:fontRef idx="minor"/>
+        </p:style>
+      </p:sp>
+      <p:sp>
+        <p:nvSpPr>
+          <p:cNvPr id="59" name=""/>
+          <p:cNvSpPr/>
+          <p:nvPr/>
+        </p:nvSpPr>
+        <p:spPr>
+          <a:xfrm>
+            <a:off x="9000360" y="2700360"/>
+            <a:ext cx="1259640" cy="1079640"/>
+          </a:xfrm>
+          <a:prstGeom prst="ellipse">
+            <a:avLst/>
+          </a:prstGeom>
+          <a:solidFill>
+            <a:srgbClr val="ffffff">
+              <a:alpha val="20000"/>
+            </a:srgbClr>
+          </a:solidFill>
+          <a:ln w="0">
+            <a:noFill/>
+          </a:ln>
+        </p:spPr>
+        <p:style>
+          <a:lnRef idx="0"/>
+          <a:fillRef idx="0"/>
+          <a:effectRef idx="0"/>
+          <a:fontRef idx="minor"/>
+        </p:style>
+      </p:sp>
+      <p:sp>
+        <p:nvSpPr>
+          <p:cNvPr id="60" name=""/>
+          <p:cNvSpPr/>
+          <p:nvPr/>
+        </p:nvSpPr>
+        <p:spPr>
+          <a:xfrm>
+            <a:off x="-179640" y="2430360"/>
+            <a:ext cx="1439640" cy="1349640"/>
+          </a:xfrm>
+          <a:prstGeom prst="ellipse">
+            <a:avLst/>
+          </a:prstGeom>
+          <a:solidFill>
+            <a:srgbClr val="ffffff">
+              <a:alpha val="20000"/>
+            </a:srgbClr>
+          </a:solidFill>
+          <a:ln w="0">
+            <a:noFill/>
+          </a:ln>
+        </p:spPr>
+        <p:style>
+          <a:lnRef idx="0"/>
+          <a:fillRef idx="0"/>
+          <a:effectRef idx="0"/>
+          <a:fontRef idx="minor"/>
+        </p:style>
+      </p:sp>
+      <p:sp>
+        <p:nvSpPr>
+          <p:cNvPr id="61" name=""/>
+          <p:cNvSpPr/>
+          <p:nvPr/>
+        </p:nvSpPr>
+        <p:spPr>
+          <a:xfrm>
+            <a:off x="540360" y="1080360"/>
+            <a:ext cx="719640" cy="719640"/>
+          </a:xfrm>
+          <a:prstGeom prst="ellipse">
+            <a:avLst/>
+          </a:prstGeom>
+          <a:solidFill>
+            <a:srgbClr val="ffffff">
+              <a:alpha val="20000"/>
+            </a:srgbClr>
+          </a:solidFill>
+          <a:ln w="0">
+            <a:noFill/>
+          </a:ln>
+        </p:spPr>
+        <p:style>
+          <a:lnRef idx="0"/>
+          <a:fillRef idx="0"/>
+          <a:effectRef idx="0"/>
+          <a:fontRef idx="minor"/>
+        </p:style>
+      </p:sp>
+      <p:sp>
+        <p:nvSpPr>
+          <p:cNvPr id="62" name=""/>
+          <p:cNvSpPr/>
+          <p:nvPr/>
+        </p:nvSpPr>
+        <p:spPr>
+          <a:xfrm>
+            <a:off x="360" y="1260360"/>
+            <a:ext cx="719640" cy="719640"/>
+          </a:xfrm>
+          <a:prstGeom prst="ellipse">
+            <a:avLst/>
+          </a:prstGeom>
+          <a:solidFill>
+            <a:srgbClr val="ffffff">
+              <a:alpha val="10000"/>
+            </a:srgbClr>
+          </a:solidFill>
+          <a:ln w="0">
+            <a:noFill/>
+          </a:ln>
+        </p:spPr>
+        <p:style>
+          <a:lnRef idx="0"/>
+          <a:fillRef idx="0"/>
+          <a:effectRef idx="0"/>
+          <a:fontRef idx="minor"/>
+        </p:style>
+      </p:sp>
+      <p:sp>
+        <p:nvSpPr>
+          <p:cNvPr id="63" name=""/>
+          <p:cNvSpPr/>
+          <p:nvPr/>
+        </p:nvSpPr>
+        <p:spPr>
+          <a:xfrm>
+            <a:off x="360" y="5220360"/>
+            <a:ext cx="1619640" cy="1259640"/>
+          </a:xfrm>
+          <a:prstGeom prst="ellipse">
+            <a:avLst/>
+          </a:prstGeom>
+          <a:solidFill>
+            <a:srgbClr val="ffffff">
+              <a:alpha val="15000"/>
+            </a:srgbClr>
+          </a:solidFill>
+          <a:ln w="0">
+            <a:noFill/>
+          </a:ln>
+        </p:spPr>
+        <p:style>
+          <a:lnRef idx="0"/>
+          <a:fillRef idx="0"/>
+          <a:effectRef idx="0"/>
+          <a:fontRef idx="minor"/>
+        </p:style>
+      </p:sp>
+      <p:sp>
+        <p:nvSpPr>
+          <p:cNvPr id="64" name=""/>
+          <p:cNvSpPr/>
+          <p:nvPr/>
+        </p:nvSpPr>
+        <p:spPr>
+          <a:xfrm>
+            <a:off x="9720360" y="4680360"/>
+            <a:ext cx="719640" cy="719640"/>
+          </a:xfrm>
+          <a:prstGeom prst="ellipse">
+            <a:avLst/>
+          </a:prstGeom>
+          <a:solidFill>
+            <a:srgbClr val="ffffff">
+              <a:alpha val="30000"/>
+            </a:srgbClr>
+          </a:solidFill>
+          <a:ln w="0">
+            <a:noFill/>
+          </a:ln>
+        </p:spPr>
+        <p:style>
+          <a:lnRef idx="0"/>
+          <a:fillRef idx="0"/>
+          <a:effectRef idx="0"/>
+          <a:fontRef idx="minor"/>
+        </p:style>
+      </p:sp>
+      <p:sp>
+        <p:nvSpPr>
+          <p:cNvPr id="65" name=""/>
+          <p:cNvSpPr/>
+          <p:nvPr/>
+        </p:nvSpPr>
+        <p:spPr>
+          <a:xfrm>
+            <a:off x="9540360" y="3420360"/>
+            <a:ext cx="719640" cy="719640"/>
+          </a:xfrm>
+          <a:prstGeom prst="ellipse">
+            <a:avLst/>
+          </a:prstGeom>
+          <a:solidFill>
+            <a:srgbClr val="ffffff">
+              <a:alpha val="10000"/>
+            </a:srgbClr>
+          </a:solidFill>
+          <a:ln w="0">
+            <a:noFill/>
+          </a:ln>
+        </p:spPr>
+        <p:style>
+          <a:lnRef idx="0"/>
+          <a:fillRef idx="0"/>
+          <a:effectRef idx="0"/>
+          <a:fontRef idx="minor"/>
+        </p:style>
+      </p:sp>
+      <p:sp>
+        <p:nvSpPr>
+          <p:cNvPr id="66" name=""/>
+          <p:cNvSpPr/>
+          <p:nvPr/>
+        </p:nvSpPr>
+        <p:spPr>
+          <a:xfrm>
+            <a:off x="8100360" y="4680360"/>
+            <a:ext cx="1079640" cy="842040"/>
+          </a:xfrm>
+          <a:prstGeom prst="ellipse">
+            <a:avLst/>
+          </a:prstGeom>
+          <a:solidFill>
+            <a:srgbClr val="ffffff">
+              <a:alpha val="20000"/>
+            </a:srgbClr>
+          </a:solidFill>
+          <a:ln w="0">
+            <a:noFill/>
+          </a:ln>
+        </p:spPr>
+        <p:style>
+          <a:lnRef idx="0"/>
+          <a:fillRef idx="0"/>
+          <a:effectRef idx="0"/>
+          <a:fontRef idx="minor"/>
+        </p:style>
+      </p:sp>
+      <p:sp>
+        <p:nvSpPr>
+          <p:cNvPr id="67" name=""/>
+          <p:cNvSpPr/>
+          <p:nvPr/>
+        </p:nvSpPr>
+        <p:spPr>
+          <a:xfrm>
+            <a:off x="7920360" y="5400360"/>
+            <a:ext cx="899640" cy="899640"/>
+          </a:xfrm>
+          <a:prstGeom prst="ellipse">
+            <a:avLst/>
+          </a:prstGeom>
+          <a:solidFill>
+            <a:srgbClr val="ffffff">
+              <a:alpha val="25000"/>
+            </a:srgbClr>
+          </a:solidFill>
+          <a:ln w="0">
+            <a:noFill/>
+          </a:ln>
+        </p:spPr>
+        <p:style>
+          <a:lnRef idx="0"/>
+          <a:fillRef idx="0"/>
+          <a:effectRef idx="0"/>
+          <a:fontRef idx="minor"/>
+        </p:style>
+      </p:sp>
+      <p:sp>
+        <p:nvSpPr>
+          <p:cNvPr id="68" name="PlaceHolder 1"/>
+          <p:cNvSpPr>
+            <a:spLocks noGrp="1"/>
+          </p:cNvSpPr>
+          <p:nvPr>
+            <p:ph type="title"/>
+          </p:nvPr>
+        </p:nvSpPr>
+        <p:spPr>
+          <a:xfrm>
+            <a:off x="540000" y="270000"/>
+            <a:ext cx="8999640" cy="989640"/>
           </a:xfrm>
           <a:prstGeom prst="rect">
             <a:avLst/>
@@ -2701,19 +8255,7 @@
               <a:rPr b="0" lang="en-US" sz="1800" spc="-1" strike="noStrike">
                 <a:latin typeface="Arial"/>
               </a:rPr>
-              <a:t>Click to edit </a:t>
-            </a:r>
-            <a:r>
-              <a:rPr b="0" lang="en-US" sz="1800" spc="-1" strike="noStrike">
-                <a:latin typeface="Arial"/>
-              </a:rPr>
-              <a:t>the title text </a:t>
-            </a:r>
-            <a:r>
-              <a:rPr b="0" lang="en-US" sz="1800" spc="-1" strike="noStrike">
-                <a:latin typeface="Arial"/>
-              </a:rPr>
-              <a:t>format</a:t>
+              <a:t>Click to edit the title text format</a:t>
             </a:r>
             <a:endParaRPr b="0" lang="en-US" sz="1800" spc="-1" strike="noStrike">
               <a:latin typeface="Arial"/>
@@ -2723,7 +8265,7 @@
       </p:sp>
       <p:sp>
         <p:nvSpPr>
-          <p:cNvPr id="13" name="PlaceHolder 2"/>
+          <p:cNvPr id="69" name="PlaceHolder 2"/>
           <p:cNvSpPr>
             <a:spLocks noGrp="1"/>
           </p:cNvSpPr>
@@ -2733,8 +8275,8 @@
         </p:nvSpPr>
         <p:spPr>
           <a:xfrm>
-            <a:off x="504000" y="1326600"/>
-            <a:ext cx="9071640" cy="3288240"/>
+            <a:off x="540000" y="1440000"/>
+            <a:ext cx="8999640" cy="3599640"/>
           </a:xfrm>
           <a:prstGeom prst="rect">
             <a:avLst/>
@@ -2906,18 +8448,18 @@
       </p:sp>
       <p:sp>
         <p:nvSpPr>
-          <p:cNvPr id="14" name="PlaceHolder 3"/>
-          <p:cNvSpPr>
-            <a:spLocks noGrp="1"/>
-          </p:cNvSpPr>
-          <p:nvPr>
-            <p:ph type="ftr" idx="1"/>
+          <p:cNvPr id="70" name="PlaceHolder 3"/>
+          <p:cNvSpPr>
+            <a:spLocks noGrp="1"/>
+          </p:cNvSpPr>
+          <p:nvPr>
+            <p:ph type="ftr" idx="4"/>
           </p:nvPr>
         </p:nvSpPr>
         <p:spPr>
           <a:xfrm>
             <a:off x="3420000" y="5130000"/>
-            <a:ext cx="3239280" cy="391680"/>
+            <a:ext cx="3239640" cy="392040"/>
           </a:xfrm>
           <a:prstGeom prst="rect">
             <a:avLst/>
@@ -2969,18 +8511,18 @@
       </p:sp>
       <p:sp>
         <p:nvSpPr>
-          <p:cNvPr id="15" name="PlaceHolder 4"/>
-          <p:cNvSpPr>
-            <a:spLocks noGrp="1"/>
-          </p:cNvSpPr>
-          <p:nvPr>
-            <p:ph type="sldNum" idx="2"/>
+          <p:cNvPr id="71" name="PlaceHolder 4"/>
+          <p:cNvSpPr>
+            <a:spLocks noGrp="1"/>
+          </p:cNvSpPr>
+          <p:nvPr>
+            <p:ph type="sldNum" idx="5"/>
           </p:nvPr>
         </p:nvSpPr>
         <p:spPr>
           <a:xfrm>
             <a:off x="7560000" y="5130000"/>
-            <a:ext cx="2339280" cy="391680"/>
+            <a:ext cx="2339640" cy="392040"/>
           </a:xfrm>
           <a:prstGeom prst="rect">
             <a:avLst/>
@@ -3015,7 +8557,7 @@
               </a:lnSpc>
               <a:buNone/>
             </a:pPr>
-            <a:fld id="{B86FCEB2-F90E-4836-AAB5-27B42ED048B0}" type="slidenum">
+            <a:fld id="{CD9ED17B-023C-4583-91C2-39B2948B0B50}" type="slidenum">
               <a:rPr b="0" lang="en-US" sz="1400" spc="-1" strike="noStrike">
                 <a:solidFill>
                   <a:srgbClr val="ffffff"/>
@@ -3032,18 +8574,18 @@
       </p:sp>
       <p:sp>
         <p:nvSpPr>
-          <p:cNvPr id="16" name="PlaceHolder 5"/>
-          <p:cNvSpPr>
-            <a:spLocks noGrp="1"/>
-          </p:cNvSpPr>
-          <p:nvPr>
-            <p:ph type="dt" idx="3"/>
+          <p:cNvPr id="72" name="PlaceHolder 5"/>
+          <p:cNvSpPr>
+            <a:spLocks noGrp="1"/>
+          </p:cNvSpPr>
+          <p:nvPr>
+            <p:ph type="dt" idx="6"/>
           </p:nvPr>
         </p:nvSpPr>
         <p:spPr>
           <a:xfrm>
             <a:off x="180000" y="5130000"/>
-            <a:ext cx="2339280" cy="391680"/>
+            <a:ext cx="2339640" cy="392040"/>
           </a:xfrm>
           <a:prstGeom prst="rect">
             <a:avLst/>
@@ -3081,18 +8623,592 @@
   </p:cSld>
   <p:clrMap bg1="lt1" bg2="lt2" tx1="dk1" tx2="dk2" accent1="accent1" accent2="accent2" accent3="accent3" accent4="accent4" accent5="accent5" accent6="accent6" hlink="hlink" folHlink="folHlink"/>
   <p:sldLayoutIdLst>
-    <p:sldLayoutId id="2147483649" r:id="rId2"/>
-    <p:sldLayoutId id="2147483650" r:id="rId3"/>
-    <p:sldLayoutId id="2147483651" r:id="rId4"/>
-    <p:sldLayoutId id="2147483652" r:id="rId5"/>
-    <p:sldLayoutId id="2147483653" r:id="rId6"/>
-    <p:sldLayoutId id="2147483654" r:id="rId7"/>
-    <p:sldLayoutId id="2147483655" r:id="rId8"/>
-    <p:sldLayoutId id="2147483656" r:id="rId9"/>
-    <p:sldLayoutId id="2147483657" r:id="rId10"/>
-    <p:sldLayoutId id="2147483658" r:id="rId11"/>
-    <p:sldLayoutId id="2147483659" r:id="rId12"/>
-    <p:sldLayoutId id="2147483660" r:id="rId13"/>
+    <p:sldLayoutId id="2147483662" r:id="rId2"/>
+    <p:sldLayoutId id="2147483663" r:id="rId3"/>
+    <p:sldLayoutId id="2147483664" r:id="rId4"/>
+    <p:sldLayoutId id="2147483665" r:id="rId5"/>
+    <p:sldLayoutId id="2147483666" r:id="rId6"/>
+    <p:sldLayoutId id="2147483667" r:id="rId7"/>
+    <p:sldLayoutId id="2147483668" r:id="rId8"/>
+    <p:sldLayoutId id="2147483669" r:id="rId9"/>
+    <p:sldLayoutId id="2147483670" r:id="rId10"/>
+    <p:sldLayoutId id="2147483671" r:id="rId11"/>
+    <p:sldLayoutId id="2147483672" r:id="rId12"/>
+    <p:sldLayoutId id="2147483673" r:id="rId13"/>
+  </p:sldLayoutIdLst>
+</p:sldMaster>
+</file>
+
+<file path=ppt/slideMasters/slideMaster3.xml><?xml version="1.0" encoding="utf-8"?>
+<p:sldMaster xmlns:a="http://schemas.openxmlformats.org/drawingml/2006/main" xmlns:p="http://schemas.openxmlformats.org/presentationml/2006/main" xmlns:r="http://schemas.openxmlformats.org/officeDocument/2006/relationships" xmlns:p14="http://schemas.microsoft.com/office/powerpoint/2010/main" xmlns:p15="http://schemas.microsoft.com/office/powerpoint/2012/main" xmlns:mc="http://schemas.openxmlformats.org/markup-compatibility/2006">
+  <p:cSld>
+    <p:spTree>
+      <p:nvGrpSpPr>
+        <p:cNvPr id="1" name=""/>
+        <p:cNvGrpSpPr/>
+        <p:nvPr/>
+      </p:nvGrpSpPr>
+      <p:grpSpPr>
+        <a:xfrm>
+          <a:off x="0" y="0"/>
+          <a:ext cx="0" cy="0"/>
+          <a:chOff x="0" y="0"/>
+          <a:chExt cx="0" cy="0"/>
+        </a:xfrm>
+      </p:grpSpPr>
+      <p:sp>
+        <p:nvSpPr>
+          <p:cNvPr id="109" name=""/>
+          <p:cNvSpPr/>
+          <p:nvPr/>
+        </p:nvSpPr>
+        <p:spPr>
+          <a:xfrm>
+            <a:off x="0" y="360"/>
+            <a:ext cx="10079640" cy="5669280"/>
+          </a:xfrm>
+          <a:prstGeom prst="rect">
+            <a:avLst/>
+          </a:prstGeom>
+          <a:gradFill rotWithShape="0">
+            <a:gsLst>
+              <a:gs pos="30000">
+                <a:srgbClr val="000032"/>
+              </a:gs>
+              <a:gs pos="100000">
+                <a:srgbClr val="f60063"/>
+              </a:gs>
+            </a:gsLst>
+            <a:lin ang="4200000"/>
+          </a:gradFill>
+          <a:ln w="0">
+            <a:noFill/>
+          </a:ln>
+        </p:spPr>
+        <p:style>
+          <a:lnRef idx="0"/>
+          <a:fillRef idx="0"/>
+          <a:effectRef idx="0"/>
+          <a:fontRef idx="minor"/>
+        </p:style>
+      </p:sp>
+      <p:sp>
+        <p:nvSpPr>
+          <p:cNvPr id="110" name=""/>
+          <p:cNvSpPr/>
+          <p:nvPr/>
+        </p:nvSpPr>
+        <p:spPr>
+          <a:xfrm flipH="1">
+            <a:off x="-2520" y="0"/>
+            <a:ext cx="10080000" cy="5670000"/>
+          </a:xfrm>
+          <a:prstGeom prst="rect">
+            <a:avLst/>
+          </a:prstGeom>
+          <a:gradFill rotWithShape="0">
+            <a:gsLst>
+              <a:gs pos="0">
+                <a:srgbClr val="ffffff">
+                  <a:alpha val="90196"/>
+                </a:srgbClr>
+              </a:gs>
+              <a:gs pos="75000">
+                <a:srgbClr val="ffffff">
+                  <a:alpha val="20000"/>
+                </a:srgbClr>
+              </a:gs>
+              <a:gs pos="100000">
+                <a:srgbClr val="ffffff">
+                  <a:alpha val="20000"/>
+                </a:srgbClr>
+              </a:gs>
+            </a:gsLst>
+            <a:path path="circle">
+              <a:fillToRect l="50000" t="85000" r="50000" b="15000"/>
+            </a:path>
+          </a:gradFill>
+          <a:ln w="0">
+            <a:noFill/>
+          </a:ln>
+        </p:spPr>
+        <p:style>
+          <a:lnRef idx="0"/>
+          <a:fillRef idx="0"/>
+          <a:effectRef idx="0"/>
+          <a:fontRef idx="minor"/>
+        </p:style>
+      </p:sp>
+      <p:sp>
+        <p:nvSpPr>
+          <p:cNvPr id="111" name=""/>
+          <p:cNvSpPr/>
+          <p:nvPr/>
+        </p:nvSpPr>
+        <p:spPr>
+          <a:xfrm>
+            <a:off x="0" y="1260360"/>
+            <a:ext cx="10259640" cy="4499280"/>
+          </a:xfrm>
+          <a:prstGeom prst="rect">
+            <a:avLst/>
+          </a:prstGeom>
+          <a:solidFill>
+            <a:srgbClr val="ffffff"/>
+          </a:solidFill>
+          <a:ln w="0">
+            <a:noFill/>
+          </a:ln>
+        </p:spPr>
+        <p:style>
+          <a:lnRef idx="0"/>
+          <a:fillRef idx="0"/>
+          <a:effectRef idx="0"/>
+          <a:fontRef idx="minor"/>
+        </p:style>
+      </p:sp>
+      <p:sp>
+        <p:nvSpPr>
+          <p:cNvPr id="112" name=""/>
+          <p:cNvSpPr/>
+          <p:nvPr/>
+        </p:nvSpPr>
+        <p:spPr>
+          <a:xfrm>
+            <a:off x="180360" y="5130360"/>
+            <a:ext cx="2339640" cy="392040"/>
+          </a:xfrm>
+          <a:prstGeom prst="rect">
+            <a:avLst/>
+          </a:prstGeom>
+          <a:noFill/>
+          <a:ln w="0">
+            <a:noFill/>
+          </a:ln>
+        </p:spPr>
+        <p:style>
+          <a:lnRef idx="0"/>
+          <a:fillRef idx="0"/>
+          <a:effectRef idx="0"/>
+          <a:fontRef idx="minor"/>
+        </p:style>
+        <p:txBody>
+          <a:bodyPr lIns="0" rIns="0" tIns="0" bIns="0" anchor="b">
+            <a:noAutofit/>
+          </a:bodyPr>
+          <a:p>
+            <a:pPr>
+              <a:lnSpc>
+                <a:spcPct val="100000"/>
+              </a:lnSpc>
+              <a:buNone/>
+            </a:pPr>
+            <a:r>
+              <a:rPr b="0" lang="en-US" sz="1400" spc="-1" strike="noStrike">
+                <a:latin typeface="Arial"/>
+              </a:rPr>
+              <a:t>&lt;date/time&gt;</a:t>
+            </a:r>
+            <a:endParaRPr b="0" lang="en-US" sz="1400" spc="-1" strike="noStrike">
+              <a:solidFill>
+                <a:srgbClr val="ffffff"/>
+              </a:solidFill>
+              <a:latin typeface="Arial"/>
+            </a:endParaRPr>
+          </a:p>
+        </p:txBody>
+      </p:sp>
+      <p:sp>
+        <p:nvSpPr>
+          <p:cNvPr id="113" name=""/>
+          <p:cNvSpPr/>
+          <p:nvPr/>
+        </p:nvSpPr>
+        <p:spPr>
+          <a:xfrm>
+            <a:off x="7560360" y="5130360"/>
+            <a:ext cx="2339640" cy="392040"/>
+          </a:xfrm>
+          <a:prstGeom prst="rect">
+            <a:avLst/>
+          </a:prstGeom>
+          <a:noFill/>
+          <a:ln w="0">
+            <a:noFill/>
+          </a:ln>
+        </p:spPr>
+        <p:style>
+          <a:lnRef idx="0"/>
+          <a:fillRef idx="0"/>
+          <a:effectRef idx="0"/>
+          <a:fontRef idx="minor"/>
+        </p:style>
+        <p:txBody>
+          <a:bodyPr lIns="0" rIns="0" tIns="0" bIns="0" anchor="b">
+            <a:noAutofit/>
+          </a:bodyPr>
+          <a:p>
+            <a:pPr algn="r">
+              <a:lnSpc>
+                <a:spcPct val="100000"/>
+              </a:lnSpc>
+              <a:buNone/>
+            </a:pPr>
+            <a:fld id="{846C1C5B-9437-43FD-ADDA-8E7A746C4CD2}" type="slidenum">
+              <a:rPr b="0" lang="en-US" sz="1400" spc="-1" strike="noStrike">
+                <a:solidFill>
+                  <a:srgbClr val="ffffff"/>
+                </a:solidFill>
+                <a:latin typeface="Arial"/>
+              </a:rPr>
+              <a:t>&lt;number&gt;</a:t>
+            </a:fld>
+            <a:endParaRPr b="0" lang="en-US" sz="1400" spc="-1" strike="noStrike">
+              <a:solidFill>
+                <a:srgbClr val="ffffff"/>
+              </a:solidFill>
+              <a:latin typeface="Arial"/>
+            </a:endParaRPr>
+          </a:p>
+        </p:txBody>
+      </p:sp>
+      <p:sp>
+        <p:nvSpPr>
+          <p:cNvPr id="114" name=""/>
+          <p:cNvSpPr/>
+          <p:nvPr/>
+        </p:nvSpPr>
+        <p:spPr>
+          <a:xfrm>
+            <a:off x="1440360" y="1080360"/>
+            <a:ext cx="1439640" cy="1259640"/>
+          </a:xfrm>
+          <a:prstGeom prst="ellipse">
+            <a:avLst/>
+          </a:prstGeom>
+          <a:solidFill>
+            <a:srgbClr val="ffffff">
+              <a:alpha val="30000"/>
+            </a:srgbClr>
+          </a:solidFill>
+          <a:ln w="0">
+            <a:noFill/>
+          </a:ln>
+        </p:spPr>
+        <p:style>
+          <a:lnRef idx="0"/>
+          <a:fillRef idx="0"/>
+          <a:effectRef idx="0"/>
+          <a:fontRef idx="minor"/>
+        </p:style>
+      </p:sp>
+      <p:sp>
+        <p:nvSpPr>
+          <p:cNvPr id="115" name=""/>
+          <p:cNvSpPr/>
+          <p:nvPr/>
+        </p:nvSpPr>
+        <p:spPr>
+          <a:xfrm>
+            <a:off x="7380360" y="3960360"/>
+            <a:ext cx="1439640" cy="1259640"/>
+          </a:xfrm>
+          <a:prstGeom prst="ellipse">
+            <a:avLst/>
+          </a:prstGeom>
+          <a:solidFill>
+            <a:srgbClr val="ffffff">
+              <a:alpha val="30000"/>
+            </a:srgbClr>
+          </a:solidFill>
+          <a:ln w="0">
+            <a:noFill/>
+          </a:ln>
+        </p:spPr>
+        <p:style>
+          <a:lnRef idx="0"/>
+          <a:fillRef idx="0"/>
+          <a:effectRef idx="0"/>
+          <a:fontRef idx="minor"/>
+        </p:style>
+      </p:sp>
+      <p:sp>
+        <p:nvSpPr>
+          <p:cNvPr id="116" name=""/>
+          <p:cNvSpPr/>
+          <p:nvPr/>
+        </p:nvSpPr>
+        <p:spPr>
+          <a:xfrm>
+            <a:off x="540360" y="1080360"/>
+            <a:ext cx="719640" cy="719640"/>
+          </a:xfrm>
+          <a:prstGeom prst="ellipse">
+            <a:avLst/>
+          </a:prstGeom>
+          <a:solidFill>
+            <a:srgbClr val="ffffff">
+              <a:alpha val="20000"/>
+            </a:srgbClr>
+          </a:solidFill>
+          <a:ln w="0">
+            <a:noFill/>
+          </a:ln>
+        </p:spPr>
+        <p:style>
+          <a:lnRef idx="0"/>
+          <a:fillRef idx="0"/>
+          <a:effectRef idx="0"/>
+          <a:fontRef idx="minor"/>
+        </p:style>
+      </p:sp>
+      <p:sp>
+        <p:nvSpPr>
+          <p:cNvPr id="117" name=""/>
+          <p:cNvSpPr/>
+          <p:nvPr/>
+        </p:nvSpPr>
+        <p:spPr>
+          <a:xfrm>
+            <a:off x="360" y="1260360"/>
+            <a:ext cx="719640" cy="719640"/>
+          </a:xfrm>
+          <a:prstGeom prst="ellipse">
+            <a:avLst/>
+          </a:prstGeom>
+          <a:solidFill>
+            <a:srgbClr val="ffffff">
+              <a:alpha val="10000"/>
+            </a:srgbClr>
+          </a:solidFill>
+          <a:ln w="0">
+            <a:noFill/>
+          </a:ln>
+        </p:spPr>
+        <p:style>
+          <a:lnRef idx="0"/>
+          <a:fillRef idx="0"/>
+          <a:effectRef idx="0"/>
+          <a:fontRef idx="minor"/>
+        </p:style>
+      </p:sp>
+      <p:sp>
+        <p:nvSpPr>
+          <p:cNvPr id="118" name="PlaceHolder 1"/>
+          <p:cNvSpPr>
+            <a:spLocks noGrp="1"/>
+          </p:cNvSpPr>
+          <p:nvPr>
+            <p:ph type="title"/>
+          </p:nvPr>
+        </p:nvSpPr>
+        <p:spPr>
+          <a:xfrm>
+            <a:off x="540000" y="270000"/>
+            <a:ext cx="8999640" cy="989640"/>
+          </a:xfrm>
+          <a:prstGeom prst="rect">
+            <a:avLst/>
+          </a:prstGeom>
+          <a:noFill/>
+          <a:ln w="0">
+            <a:noFill/>
+          </a:ln>
+        </p:spPr>
+        <p:txBody>
+          <a:bodyPr lIns="0" rIns="0" tIns="0" bIns="0" anchor="ctr">
+            <a:noAutofit/>
+          </a:bodyPr>
+          <a:p>
+            <a:r>
+              <a:rPr b="0" lang="en-US" sz="1800" spc="-1" strike="noStrike">
+                <a:latin typeface="Arial"/>
+              </a:rPr>
+              <a:t>Click to edit the title text format</a:t>
+            </a:r>
+            <a:endParaRPr b="0" lang="en-US" sz="1800" spc="-1" strike="noStrike">
+              <a:latin typeface="Arial"/>
+            </a:endParaRPr>
+          </a:p>
+        </p:txBody>
+      </p:sp>
+      <p:sp>
+        <p:nvSpPr>
+          <p:cNvPr id="119" name="PlaceHolder 2"/>
+          <p:cNvSpPr>
+            <a:spLocks noGrp="1"/>
+          </p:cNvSpPr>
+          <p:nvPr>
+            <p:ph type="ftr" idx="7"/>
+          </p:nvPr>
+        </p:nvSpPr>
+        <p:spPr>
+          <a:xfrm>
+            <a:off x="3420000" y="5130000"/>
+            <a:ext cx="3239640" cy="392040"/>
+          </a:xfrm>
+          <a:prstGeom prst="rect">
+            <a:avLst/>
+          </a:prstGeom>
+          <a:noFill/>
+          <a:ln w="0">
+            <a:noFill/>
+          </a:ln>
+        </p:spPr>
+        <p:txBody>
+          <a:bodyPr lIns="0" rIns="0" tIns="0" bIns="0" anchor="b">
+            <a:noAutofit/>
+          </a:bodyPr>
+          <a:lstStyle>
+            <a:lvl1pPr algn="ctr">
+              <a:lnSpc>
+                <a:spcPct val="100000"/>
+              </a:lnSpc>
+              <a:buNone/>
+              <a:defRPr b="0" lang="en-US" sz="1400" spc="-1" strike="noStrike">
+                <a:latin typeface="Arial"/>
+              </a:defRPr>
+            </a:lvl1pPr>
+          </a:lstStyle>
+          <a:p>
+            <a:pPr algn="ctr">
+              <a:lnSpc>
+                <a:spcPct val="100000"/>
+              </a:lnSpc>
+              <a:buNone/>
+            </a:pPr>
+            <a:r>
+              <a:rPr b="0" lang="en-US" sz="1400" spc="-1" strike="noStrike">
+                <a:latin typeface="Arial"/>
+              </a:rPr>
+              <a:t>&lt;footer&gt;</a:t>
+            </a:r>
+            <a:endParaRPr b="0" lang="en-US" sz="1400" spc="-1" strike="noStrike">
+              <a:latin typeface="Times New Roman"/>
+            </a:endParaRPr>
+          </a:p>
+        </p:txBody>
+      </p:sp>
+      <p:sp>
+        <p:nvSpPr>
+          <p:cNvPr id="120" name="PlaceHolder 3"/>
+          <p:cNvSpPr>
+            <a:spLocks noGrp="1"/>
+          </p:cNvSpPr>
+          <p:nvPr>
+            <p:ph type="sldNum" idx="8"/>
+          </p:nvPr>
+        </p:nvSpPr>
+        <p:spPr>
+          <a:xfrm>
+            <a:off x="7560000" y="5130000"/>
+            <a:ext cx="2339640" cy="392040"/>
+          </a:xfrm>
+          <a:prstGeom prst="rect">
+            <a:avLst/>
+          </a:prstGeom>
+          <a:noFill/>
+          <a:ln w="0">
+            <a:noFill/>
+          </a:ln>
+        </p:spPr>
+        <p:txBody>
+          <a:bodyPr lIns="0" rIns="0" tIns="0" bIns="0" anchor="b">
+            <a:noAutofit/>
+          </a:bodyPr>
+          <a:lstStyle>
+            <a:lvl1pPr algn="r">
+              <a:lnSpc>
+                <a:spcPct val="100000"/>
+              </a:lnSpc>
+              <a:buNone/>
+              <a:defRPr b="0" lang="en-US" sz="1400" spc="-1" strike="noStrike">
+                <a:latin typeface="Arial"/>
+              </a:defRPr>
+            </a:lvl1pPr>
+          </a:lstStyle>
+          <a:p>
+            <a:pPr algn="r">
+              <a:lnSpc>
+                <a:spcPct val="100000"/>
+              </a:lnSpc>
+              <a:buNone/>
+            </a:pPr>
+            <a:fld id="{5AAAFC45-15DB-4745-BB7F-304E36BDC0ED}" type="slidenum">
+              <a:rPr b="0" lang="en-US" sz="1400" spc="-1" strike="noStrike">
+                <a:latin typeface="Arial"/>
+              </a:rPr>
+              <a:t>&lt;number&gt;</a:t>
+            </a:fld>
+            <a:endParaRPr b="0" lang="en-US" sz="1400" spc="-1" strike="noStrike">
+              <a:latin typeface="Times New Roman"/>
+            </a:endParaRPr>
+          </a:p>
+        </p:txBody>
+      </p:sp>
+      <p:sp>
+        <p:nvSpPr>
+          <p:cNvPr id="121" name="PlaceHolder 4"/>
+          <p:cNvSpPr>
+            <a:spLocks noGrp="1"/>
+          </p:cNvSpPr>
+          <p:nvPr>
+            <p:ph type="dt" idx="9"/>
+          </p:nvPr>
+        </p:nvSpPr>
+        <p:spPr>
+          <a:xfrm>
+            <a:off x="180000" y="5130000"/>
+            <a:ext cx="2339640" cy="392040"/>
+          </a:xfrm>
+          <a:prstGeom prst="rect">
+            <a:avLst/>
+          </a:prstGeom>
+          <a:noFill/>
+          <a:ln w="0">
+            <a:noFill/>
+          </a:ln>
+        </p:spPr>
+        <p:txBody>
+          <a:bodyPr lIns="0" rIns="0" tIns="0" bIns="0" anchor="b">
+            <a:noAutofit/>
+          </a:bodyPr>
+          <a:lstStyle>
+            <a:lvl1pPr>
+              <a:defRPr b="0" lang="en-US" sz="1400" spc="-1" strike="noStrike">
+                <a:latin typeface="Times New Roman"/>
+              </a:defRPr>
+            </a:lvl1pPr>
+          </a:lstStyle>
+          <a:p>
+            <a:r>
+              <a:rPr b="0" lang="en-US" sz="1400" spc="-1" strike="noStrike">
+                <a:latin typeface="Times New Roman"/>
+              </a:rPr>
+              <a:t>&lt;date/time&gt;</a:t>
+            </a:r>
+            <a:endParaRPr b="0" lang="en-US" sz="1400" spc="-1" strike="noStrike">
+              <a:latin typeface="Times New Roman"/>
+            </a:endParaRPr>
+          </a:p>
+        </p:txBody>
+      </p:sp>
+    </p:spTree>
+  </p:cSld>
+  <p:clrMap bg1="lt1" bg2="lt2" tx1="dk1" tx2="dk2" accent1="accent1" accent2="accent2" accent3="accent3" accent4="accent4" accent5="accent5" accent6="accent6" hlink="hlink" folHlink="folHlink"/>
+  <p:sldLayoutIdLst>
+    <p:sldLayoutId id="2147483675" r:id="rId2"/>
+    <p:sldLayoutId id="2147483676" r:id="rId3"/>
+    <p:sldLayoutId id="2147483677" r:id="rId4"/>
+    <p:sldLayoutId id="2147483678" r:id="rId5"/>
+    <p:sldLayoutId id="2147483679" r:id="rId6"/>
+    <p:sldLayoutId id="2147483680" r:id="rId7"/>
+    <p:sldLayoutId id="2147483681" r:id="rId8"/>
+    <p:sldLayoutId id="2147483682" r:id="rId9"/>
+    <p:sldLayoutId id="2147483683" r:id="rId10"/>
+    <p:sldLayoutId id="2147483684" r:id="rId11"/>
+    <p:sldLayoutId id="2147483685" r:id="rId12"/>
+    <p:sldLayoutId id="2147483686" r:id="rId13"/>
   </p:sldLayoutIdLst>
 </p:sldMaster>
 </file>
@@ -3116,7 +9232,7 @@
       </p:grpSpPr>
       <p:sp>
         <p:nvSpPr>
-          <p:cNvPr id="53" name="PlaceHolder 1"/>
+          <p:cNvPr id="158" name="PlaceHolder 1"/>
           <p:cNvSpPr>
             <a:spLocks noGrp="1"/>
           </p:cNvSpPr>
@@ -3127,7 +9243,7 @@
         <p:spPr>
           <a:xfrm>
             <a:off x="504000" y="1428840"/>
-            <a:ext cx="9070920" cy="946080"/>
+            <a:ext cx="9071280" cy="946440"/>
           </a:xfrm>
           <a:prstGeom prst="rect">
             <a:avLst/>
@@ -3158,14 +9274,17 @@
               <a:t>Contact Manager</a:t>
             </a:r>
             <a:endParaRPr b="0" lang="en-US" sz="3300" spc="-1" strike="noStrike">
-              <a:latin typeface="Arial"/>
-            </a:endParaRPr>
-          </a:p>
-        </p:txBody>
-      </p:sp>
-      <p:sp>
-        <p:nvSpPr>
-          <p:cNvPr id="54" name="PlaceHolder 2"/>
+              <a:solidFill>
+                <a:srgbClr val="ffffff"/>
+              </a:solidFill>
+              <a:latin typeface="Arial"/>
+            </a:endParaRPr>
+          </a:p>
+        </p:txBody>
+      </p:sp>
+      <p:sp>
+        <p:nvSpPr>
+          <p:cNvPr id="159" name="PlaceHolder 2"/>
           <p:cNvSpPr>
             <a:spLocks noGrp="1"/>
           </p:cNvSpPr>
@@ -3176,7 +9295,7 @@
         <p:spPr>
           <a:xfrm>
             <a:off x="504000" y="2592000"/>
-            <a:ext cx="9070920" cy="2022120"/>
+            <a:ext cx="9071280" cy="2022480"/>
           </a:xfrm>
           <a:prstGeom prst="rect">
             <a:avLst/>
@@ -3194,461 +9313,6 @@
             <a:pPr algn="ctr">
               <a:buNone/>
             </a:pPr>
-            <a:endParaRPr b="0" lang="en-US" sz="3200" spc="-1" strike="noStrike">
-              <a:solidFill>
-                <a:srgbClr val="ffffff"/>
-              </a:solidFill>
-              <a:latin typeface="Arial"/>
-            </a:endParaRPr>
-          </a:p>
-        </p:txBody>
-      </p:sp>
-    </p:spTree>
-  </p:cSld>
-  <mc:AlternateContent>
-    <mc:Choice Requires="p14">
-      <p:transition spd="slow" p14:dur="2000"/>
-    </mc:Choice>
-    <mc:Fallback>
-      <p:transition spd="slow"/>
-    </mc:Fallback>
-  </mc:AlternateContent>
-</p:sld>
-</file>
-
-<file path=ppt/slides/slide10.xml><?xml version="1.0" encoding="utf-8"?>
-<p:sld xmlns:a="http://schemas.openxmlformats.org/drawingml/2006/main" xmlns:p="http://schemas.openxmlformats.org/presentationml/2006/main" xmlns:r="http://schemas.openxmlformats.org/officeDocument/2006/relationships" xmlns:p14="http://schemas.microsoft.com/office/powerpoint/2010/main" xmlns:p15="http://schemas.microsoft.com/office/powerpoint/2012/main" xmlns:mc="http://schemas.openxmlformats.org/markup-compatibility/2006">
-  <p:cSld>
-    <p:spTree>
-      <p:nvGrpSpPr>
-        <p:cNvPr id="1" name=""/>
-        <p:cNvGrpSpPr/>
-        <p:nvPr/>
-      </p:nvGrpSpPr>
-      <p:grpSpPr>
-        <a:xfrm>
-          <a:off x="0" y="0"/>
-          <a:ext cx="0" cy="0"/>
-          <a:chOff x="0" y="0"/>
-          <a:chExt cx="0" cy="0"/>
-        </a:xfrm>
-      </p:grpSpPr>
-      <p:sp>
-        <p:nvSpPr>
-          <p:cNvPr id="76" name="PlaceHolder 1"/>
-          <p:cNvSpPr>
-            <a:spLocks noGrp="1"/>
-          </p:cNvSpPr>
-          <p:nvPr>
-            <p:ph type="title"/>
-          </p:nvPr>
-        </p:nvSpPr>
-        <p:spPr>
-          <a:xfrm>
-            <a:off x="540000" y="139680"/>
-            <a:ext cx="8999280" cy="1249920"/>
-          </a:xfrm>
-          <a:prstGeom prst="rect">
-            <a:avLst/>
-          </a:prstGeom>
-          <a:noFill/>
-          <a:ln w="0">
-            <a:noFill/>
-          </a:ln>
-        </p:spPr>
-        <p:txBody>
-          <a:bodyPr lIns="0" rIns="0" tIns="0" bIns="0" anchor="ctr">
-            <a:noAutofit/>
-          </a:bodyPr>
-          <a:p>
-            <a:pPr algn="ctr">
-              <a:lnSpc>
-                <a:spcPct val="100000"/>
-              </a:lnSpc>
-              <a:buNone/>
-            </a:pPr>
-            <a:r>
-              <a:rPr b="0" lang="en-US" sz="4400" spc="-1" strike="noStrike">
-                <a:solidFill>
-                  <a:srgbClr val="ffffff"/>
-                </a:solidFill>
-                <a:latin typeface="Arial"/>
-              </a:rPr>
-              <a:t>Talk about what went well </a:t>
-            </a:r>
-            <a:endParaRPr b="0" lang="en-US" sz="4400" spc="-1" strike="noStrike">
-              <a:latin typeface="Arial"/>
-            </a:endParaRPr>
-          </a:p>
-        </p:txBody>
-      </p:sp>
-      <p:sp>
-        <p:nvSpPr>
-          <p:cNvPr id="77" name="PlaceHolder 2"/>
-          <p:cNvSpPr>
-            <a:spLocks noGrp="1"/>
-          </p:cNvSpPr>
-          <p:nvPr>
-            <p:ph/>
-          </p:nvPr>
-        </p:nvSpPr>
-        <p:spPr>
-          <a:xfrm>
-            <a:off x="504000" y="1326600"/>
-            <a:ext cx="9071640" cy="3288240"/>
-          </a:xfrm>
-          <a:prstGeom prst="rect">
-            <a:avLst/>
-          </a:prstGeom>
-          <a:noFill/>
-          <a:ln w="0">
-            <a:noFill/>
-          </a:ln>
-        </p:spPr>
-        <p:txBody>
-          <a:bodyPr lIns="0" rIns="0" tIns="0" bIns="0" anchor="t">
-            <a:normAutofit/>
-          </a:bodyPr>
-          <a:p>
-            <a:endParaRPr b="0" lang="en-US" sz="3200" spc="-1" strike="noStrike">
-              <a:latin typeface="Arial"/>
-            </a:endParaRPr>
-          </a:p>
-        </p:txBody>
-      </p:sp>
-    </p:spTree>
-  </p:cSld>
-  <mc:AlternateContent>
-    <mc:Choice Requires="p14">
-      <p:transition spd="slow" p14:dur="2000"/>
-    </mc:Choice>
-    <mc:Fallback>
-      <p:transition spd="slow"/>
-    </mc:Fallback>
-  </mc:AlternateContent>
-</p:sld>
-</file>
-
-<file path=ppt/slides/slide11.xml><?xml version="1.0" encoding="utf-8"?>
-<p:sld xmlns:a="http://schemas.openxmlformats.org/drawingml/2006/main" xmlns:p="http://schemas.openxmlformats.org/presentationml/2006/main" xmlns:r="http://schemas.openxmlformats.org/officeDocument/2006/relationships" xmlns:p14="http://schemas.microsoft.com/office/powerpoint/2010/main" xmlns:p15="http://schemas.microsoft.com/office/powerpoint/2012/main" xmlns:mc="http://schemas.openxmlformats.org/markup-compatibility/2006">
-  <p:cSld>
-    <p:spTree>
-      <p:nvGrpSpPr>
-        <p:cNvPr id="1" name=""/>
-        <p:cNvGrpSpPr/>
-        <p:nvPr/>
-      </p:nvGrpSpPr>
-      <p:grpSpPr>
-        <a:xfrm>
-          <a:off x="0" y="0"/>
-          <a:ext cx="0" cy="0"/>
-          <a:chOff x="0" y="0"/>
-          <a:chExt cx="0" cy="0"/>
-        </a:xfrm>
-      </p:grpSpPr>
-      <p:sp>
-        <p:nvSpPr>
-          <p:cNvPr id="78" name="PlaceHolder 1"/>
-          <p:cNvSpPr>
-            <a:spLocks noGrp="1"/>
-          </p:cNvSpPr>
-          <p:nvPr>
-            <p:ph type="title"/>
-          </p:nvPr>
-        </p:nvSpPr>
-        <p:spPr>
-          <a:xfrm>
-            <a:off x="540000" y="139680"/>
-            <a:ext cx="8999280" cy="1249920"/>
-          </a:xfrm>
-          <a:prstGeom prst="rect">
-            <a:avLst/>
-          </a:prstGeom>
-          <a:noFill/>
-          <a:ln w="0">
-            <a:noFill/>
-          </a:ln>
-        </p:spPr>
-        <p:txBody>
-          <a:bodyPr lIns="0" rIns="0" tIns="0" bIns="0" anchor="ctr">
-            <a:noAutofit/>
-          </a:bodyPr>
-          <a:p>
-            <a:pPr algn="ctr">
-              <a:lnSpc>
-                <a:spcPct val="100000"/>
-              </a:lnSpc>
-              <a:buNone/>
-            </a:pPr>
-            <a:r>
-              <a:rPr b="0" lang="en-US" sz="4400" spc="-1" strike="noStrike">
-                <a:solidFill>
-                  <a:srgbClr val="ffffff"/>
-                </a:solidFill>
-                <a:latin typeface="Arial"/>
-              </a:rPr>
-              <a:t>API demonstration</a:t>
-            </a:r>
-            <a:endParaRPr b="0" lang="en-US" sz="4400" spc="-1" strike="noStrike">
-              <a:latin typeface="Arial"/>
-            </a:endParaRPr>
-          </a:p>
-        </p:txBody>
-      </p:sp>
-      <p:sp>
-        <p:nvSpPr>
-          <p:cNvPr id="79" name="PlaceHolder 2"/>
-          <p:cNvSpPr>
-            <a:spLocks noGrp="1"/>
-          </p:cNvSpPr>
-          <p:nvPr>
-            <p:ph/>
-          </p:nvPr>
-        </p:nvSpPr>
-        <p:spPr>
-          <a:xfrm>
-            <a:off x="504000" y="1326600"/>
-            <a:ext cx="9071640" cy="3288240"/>
-          </a:xfrm>
-          <a:prstGeom prst="rect">
-            <a:avLst/>
-          </a:prstGeom>
-          <a:noFill/>
-          <a:ln w="0">
-            <a:noFill/>
-          </a:ln>
-        </p:spPr>
-        <p:txBody>
-          <a:bodyPr lIns="0" rIns="0" tIns="0" bIns="0" anchor="t">
-            <a:normAutofit/>
-          </a:bodyPr>
-          <a:p>
-            <a:endParaRPr b="0" lang="en-US" sz="3200" spc="-1" strike="noStrike">
-              <a:latin typeface="Arial"/>
-            </a:endParaRPr>
-          </a:p>
-        </p:txBody>
-      </p:sp>
-    </p:spTree>
-  </p:cSld>
-  <mc:AlternateContent>
-    <mc:Choice Requires="p14">
-      <p:transition spd="slow" p14:dur="2000"/>
-    </mc:Choice>
-    <mc:Fallback>
-      <p:transition spd="slow"/>
-    </mc:Fallback>
-  </mc:AlternateContent>
-</p:sld>
-</file>
-
-<file path=ppt/slides/slide12.xml><?xml version="1.0" encoding="utf-8"?>
-<p:sld xmlns:a="http://schemas.openxmlformats.org/drawingml/2006/main" xmlns:p="http://schemas.openxmlformats.org/presentationml/2006/main" xmlns:r="http://schemas.openxmlformats.org/officeDocument/2006/relationships" xmlns:p14="http://schemas.microsoft.com/office/powerpoint/2010/main" xmlns:p15="http://schemas.microsoft.com/office/powerpoint/2012/main" xmlns:mc="http://schemas.openxmlformats.org/markup-compatibility/2006">
-  <p:cSld>
-    <p:spTree>
-      <p:nvGrpSpPr>
-        <p:cNvPr id="1" name=""/>
-        <p:cNvGrpSpPr/>
-        <p:nvPr/>
-      </p:nvGrpSpPr>
-      <p:grpSpPr>
-        <a:xfrm>
-          <a:off x="0" y="0"/>
-          <a:ext cx="0" cy="0"/>
-          <a:chOff x="0" y="0"/>
-          <a:chExt cx="0" cy="0"/>
-        </a:xfrm>
-      </p:grpSpPr>
-      <p:sp>
-        <p:nvSpPr>
-          <p:cNvPr id="80" name="PlaceHolder 1"/>
-          <p:cNvSpPr>
-            <a:spLocks noGrp="1"/>
-          </p:cNvSpPr>
-          <p:nvPr>
-            <p:ph type="title"/>
-          </p:nvPr>
-        </p:nvSpPr>
-        <p:spPr>
-          <a:xfrm>
-            <a:off x="540000" y="139680"/>
-            <a:ext cx="8999280" cy="1249920"/>
-          </a:xfrm>
-          <a:prstGeom prst="rect">
-            <a:avLst/>
-          </a:prstGeom>
-          <a:noFill/>
-          <a:ln w="0">
-            <a:noFill/>
-          </a:ln>
-        </p:spPr>
-        <p:txBody>
-          <a:bodyPr lIns="0" rIns="0" tIns="0" bIns="0" anchor="ctr">
-            <a:noAutofit/>
-          </a:bodyPr>
-          <a:p>
-            <a:pPr algn="ctr">
-              <a:lnSpc>
-                <a:spcPct val="100000"/>
-              </a:lnSpc>
-              <a:buNone/>
-            </a:pPr>
-            <a:r>
-              <a:rPr b="0" lang="en-US" sz="4400" spc="-1" strike="noStrike">
-                <a:solidFill>
-                  <a:srgbClr val="ffffff"/>
-                </a:solidFill>
-                <a:latin typeface="Arial"/>
-              </a:rPr>
-              <a:t>App Demonstration</a:t>
-            </a:r>
-            <a:endParaRPr b="0" lang="en-US" sz="4400" spc="-1" strike="noStrike">
-              <a:latin typeface="Arial"/>
-            </a:endParaRPr>
-          </a:p>
-        </p:txBody>
-      </p:sp>
-      <p:sp>
-        <p:nvSpPr>
-          <p:cNvPr id="81" name="PlaceHolder 2"/>
-          <p:cNvSpPr>
-            <a:spLocks noGrp="1"/>
-          </p:cNvSpPr>
-          <p:nvPr>
-            <p:ph/>
-          </p:nvPr>
-        </p:nvSpPr>
-        <p:spPr>
-          <a:xfrm>
-            <a:off x="504000" y="1326600"/>
-            <a:ext cx="9071640" cy="3288240"/>
-          </a:xfrm>
-          <a:prstGeom prst="rect">
-            <a:avLst/>
-          </a:prstGeom>
-          <a:noFill/>
-          <a:ln w="0">
-            <a:noFill/>
-          </a:ln>
-        </p:spPr>
-        <p:txBody>
-          <a:bodyPr lIns="0" rIns="0" tIns="0" bIns="0" anchor="t">
-            <a:normAutofit/>
-          </a:bodyPr>
-          <a:p>
-            <a:endParaRPr b="0" lang="en-US" sz="3200" spc="-1" strike="noStrike">
-              <a:latin typeface="Arial"/>
-            </a:endParaRPr>
-          </a:p>
-        </p:txBody>
-      </p:sp>
-    </p:spTree>
-  </p:cSld>
-  <mc:AlternateContent>
-    <mc:Choice Requires="p14">
-      <p:transition spd="slow" p14:dur="2000"/>
-    </mc:Choice>
-    <mc:Fallback>
-      <p:transition spd="slow"/>
-    </mc:Fallback>
-  </mc:AlternateContent>
-</p:sld>
-</file>
-
-<file path=ppt/slides/slide13.xml><?xml version="1.0" encoding="utf-8"?>
-<p:sld xmlns:a="http://schemas.openxmlformats.org/drawingml/2006/main" xmlns:p="http://schemas.openxmlformats.org/presentationml/2006/main" xmlns:r="http://schemas.openxmlformats.org/officeDocument/2006/relationships" xmlns:p14="http://schemas.microsoft.com/office/powerpoint/2010/main" xmlns:p15="http://schemas.microsoft.com/office/powerpoint/2012/main" xmlns:mc="http://schemas.openxmlformats.org/markup-compatibility/2006">
-  <p:cSld>
-    <p:spTree>
-      <p:nvGrpSpPr>
-        <p:cNvPr id="1" name=""/>
-        <p:cNvGrpSpPr/>
-        <p:nvPr/>
-      </p:nvGrpSpPr>
-      <p:grpSpPr>
-        <a:xfrm>
-          <a:off x="0" y="0"/>
-          <a:ext cx="0" cy="0"/>
-          <a:chOff x="0" y="0"/>
-          <a:chExt cx="0" cy="0"/>
-        </a:xfrm>
-      </p:grpSpPr>
-      <p:sp>
-        <p:nvSpPr>
-          <p:cNvPr id="82" name="PlaceHolder 1"/>
-          <p:cNvSpPr>
-            <a:spLocks noGrp="1"/>
-          </p:cNvSpPr>
-          <p:nvPr>
-            <p:ph type="title"/>
-          </p:nvPr>
-        </p:nvSpPr>
-        <p:spPr>
-          <a:xfrm>
-            <a:off x="540000" y="139680"/>
-            <a:ext cx="8999280" cy="1249920"/>
-          </a:xfrm>
-          <a:prstGeom prst="rect">
-            <a:avLst/>
-          </a:prstGeom>
-          <a:noFill/>
-          <a:ln w="0">
-            <a:noFill/>
-          </a:ln>
-        </p:spPr>
-        <p:txBody>
-          <a:bodyPr lIns="0" rIns="0" tIns="0" bIns="0" anchor="ctr">
-            <a:noAutofit/>
-          </a:bodyPr>
-          <a:p>
-            <a:pPr algn="ctr">
-              <a:lnSpc>
-                <a:spcPct val="100000"/>
-              </a:lnSpc>
-              <a:buNone/>
-            </a:pPr>
-            <a:r>
-              <a:rPr b="0" lang="en-US" sz="4400" spc="-1" strike="noStrike">
-                <a:solidFill>
-                  <a:srgbClr val="ffffff"/>
-                </a:solidFill>
-                <a:latin typeface="Arial"/>
-              </a:rPr>
-              <a:t>Q&amp;A</a:t>
-            </a:r>
-            <a:endParaRPr b="0" lang="en-US" sz="4400" spc="-1" strike="noStrike">
-              <a:latin typeface="Arial"/>
-            </a:endParaRPr>
-          </a:p>
-        </p:txBody>
-      </p:sp>
-      <p:sp>
-        <p:nvSpPr>
-          <p:cNvPr id="83" name="PlaceHolder 2"/>
-          <p:cNvSpPr>
-            <a:spLocks noGrp="1"/>
-          </p:cNvSpPr>
-          <p:nvPr>
-            <p:ph/>
-          </p:nvPr>
-        </p:nvSpPr>
-        <p:spPr>
-          <a:xfrm>
-            <a:off x="504000" y="1326600"/>
-            <a:ext cx="9071640" cy="3288240"/>
-          </a:xfrm>
-          <a:prstGeom prst="rect">
-            <a:avLst/>
-          </a:prstGeom>
-          <a:noFill/>
-          <a:ln w="0">
-            <a:noFill/>
-          </a:ln>
-        </p:spPr>
-        <p:txBody>
-          <a:bodyPr lIns="0" rIns="0" tIns="0" bIns="0" anchor="t">
-            <a:normAutofit/>
-          </a:bodyPr>
-          <a:p>
             <a:endParaRPr b="0" lang="en-US" sz="3200" spc="-1" strike="noStrike">
               <a:latin typeface="Arial"/>
             </a:endParaRPr>
@@ -3687,7 +9351,7 @@
       </p:grpSpPr>
       <p:sp>
         <p:nvSpPr>
-          <p:cNvPr id="55" name="PlaceHolder 1"/>
+          <p:cNvPr id="160" name="PlaceHolder 1"/>
           <p:cNvSpPr>
             <a:spLocks noGrp="1"/>
           </p:cNvSpPr>
@@ -3697,8 +9361,8 @@
         </p:nvSpPr>
         <p:spPr>
           <a:xfrm>
-            <a:off x="530280" y="425520"/>
-            <a:ext cx="9070920" cy="946080"/>
+            <a:off x="504000" y="1428840"/>
+            <a:ext cx="9071280" cy="946440"/>
           </a:xfrm>
           <a:prstGeom prst="rect">
             <a:avLst/>
@@ -3714,9 +9378,6 @@
           </a:bodyPr>
           <a:p>
             <a:pPr algn="ctr">
-              <a:lnSpc>
-                <a:spcPct val="100000"/>
-              </a:lnSpc>
               <a:buNone/>
             </a:pPr>
             <a:r>
@@ -3729,35 +9390,48 @@
               <a:t>Members</a:t>
             </a:r>
             <a:endParaRPr b="0" lang="en-US" sz="4400" spc="-1" strike="noStrike">
-              <a:latin typeface="Arial"/>
-            </a:endParaRPr>
-          </a:p>
-        </p:txBody>
-      </p:sp>
-      <p:sp>
-        <p:nvSpPr>
-          <p:cNvPr id="56" name=""/>
-          <p:cNvSpPr txBox="1"/>
-          <p:nvPr/>
-        </p:nvSpPr>
-        <p:spPr>
-          <a:xfrm>
-            <a:off x="7195320" y="2057400"/>
-            <a:ext cx="1948680" cy="302400"/>
-          </a:xfrm>
-          <a:prstGeom prst="rect">
-            <a:avLst/>
-          </a:prstGeom>
-          <a:noFill/>
-          <a:ln w="0">
-            <a:noFill/>
-          </a:ln>
-        </p:spPr>
-        <p:txBody>
-          <a:bodyPr lIns="90000" rIns="90000" tIns="45000" bIns="45000" anchor="t">
+              <a:solidFill>
+                <a:srgbClr val="ffffff"/>
+              </a:solidFill>
+              <a:latin typeface="Arial"/>
+            </a:endParaRPr>
+          </a:p>
+        </p:txBody>
+      </p:sp>
+      <p:sp>
+        <p:nvSpPr>
+          <p:cNvPr id="161" name="PlaceHolder 2"/>
+          <p:cNvSpPr>
+            <a:spLocks noGrp="1"/>
+          </p:cNvSpPr>
+          <p:nvPr>
+            <p:ph type="subTitle"/>
+          </p:nvPr>
+        </p:nvSpPr>
+        <p:spPr>
+          <a:xfrm>
+            <a:off x="504000" y="2592000"/>
+            <a:ext cx="9071280" cy="2022480"/>
+          </a:xfrm>
+          <a:prstGeom prst="rect">
+            <a:avLst/>
+          </a:prstGeom>
+          <a:noFill/>
+          <a:ln w="0">
+            <a:noFill/>
+          </a:ln>
+        </p:spPr>
+        <p:txBody>
+          <a:bodyPr lIns="0" rIns="0" tIns="0" bIns="0" anchor="ctr">
             <a:noAutofit/>
           </a:bodyPr>
           <a:p>
+            <a:pPr>
+              <a:lnSpc>
+                <a:spcPct val="100000"/>
+              </a:lnSpc>
+              <a:buNone/>
+            </a:pPr>
             <a:r>
               <a:rPr b="0" lang="en-US" sz="1500" spc="-1" strike="noStrike">
                 <a:solidFill>
@@ -3771,32 +9445,13 @@
               <a:latin typeface="Arial"/>
             </a:endParaRPr>
           </a:p>
-        </p:txBody>
-      </p:sp>
-      <p:sp>
-        <p:nvSpPr>
-          <p:cNvPr id="57" name=""/>
-          <p:cNvSpPr txBox="1"/>
-          <p:nvPr/>
-        </p:nvSpPr>
-        <p:spPr>
-          <a:xfrm>
-            <a:off x="685800" y="2057400"/>
-            <a:ext cx="1352520" cy="513720"/>
-          </a:xfrm>
-          <a:prstGeom prst="rect">
-            <a:avLst/>
-          </a:prstGeom>
-          <a:noFill/>
-          <a:ln w="0">
-            <a:noFill/>
-          </a:ln>
-        </p:spPr>
-        <p:txBody>
-          <a:bodyPr lIns="90000" rIns="90000" tIns="45000" bIns="45000" anchor="t">
-            <a:noAutofit/>
-          </a:bodyPr>
-          <a:p>
+          <a:p>
+            <a:pPr>
+              <a:lnSpc>
+                <a:spcPct val="100000"/>
+              </a:lnSpc>
+              <a:buNone/>
+            </a:pPr>
             <a:r>
               <a:rPr b="0" lang="en-US" sz="1500" spc="-1" strike="noStrike">
                 <a:solidFill>
@@ -3804,38 +9459,19 @@
                 </a:solidFill>
                 <a:latin typeface="Arial"/>
               </a:rPr>
-              <a:t>Joshua Bartz (Database) </a:t>
+              <a:t>Joshua Bartz </a:t>
             </a:r>
             <a:endParaRPr b="0" lang="en-US" sz="1500" spc="-1" strike="noStrike">
               <a:latin typeface="Arial"/>
             </a:endParaRPr>
           </a:p>
-        </p:txBody>
-      </p:sp>
-      <p:sp>
-        <p:nvSpPr>
-          <p:cNvPr id="58" name=""/>
-          <p:cNvSpPr txBox="1"/>
-          <p:nvPr/>
-        </p:nvSpPr>
-        <p:spPr>
-          <a:xfrm>
-            <a:off x="4167360" y="1983600"/>
-            <a:ext cx="1319040" cy="513720"/>
-          </a:xfrm>
-          <a:prstGeom prst="rect">
-            <a:avLst/>
-          </a:prstGeom>
-          <a:noFill/>
-          <a:ln w="0">
-            <a:noFill/>
-          </a:ln>
-        </p:spPr>
-        <p:txBody>
-          <a:bodyPr lIns="90000" rIns="90000" tIns="45000" bIns="45000" anchor="t">
-            <a:noAutofit/>
-          </a:bodyPr>
-          <a:p>
+          <a:p>
+            <a:pPr>
+              <a:lnSpc>
+                <a:spcPct val="100000"/>
+              </a:lnSpc>
+              <a:buNone/>
+            </a:pPr>
             <a:r>
               <a:rPr b="0" lang="en-US" sz="1500" spc="-1" strike="noStrike">
                 <a:solidFill>
@@ -3843,38 +9479,19 @@
                 </a:solidFill>
                 <a:latin typeface="Arial"/>
               </a:rPr>
-              <a:t>Eugenio Diaz (API)</a:t>
+              <a:t>Eugenio Diaz</a:t>
             </a:r>
             <a:endParaRPr b="0" lang="en-US" sz="1500" spc="-1" strike="noStrike">
               <a:latin typeface="Arial"/>
             </a:endParaRPr>
           </a:p>
-        </p:txBody>
-      </p:sp>
-      <p:sp>
-        <p:nvSpPr>
-          <p:cNvPr id="59" name=""/>
-          <p:cNvSpPr txBox="1"/>
-          <p:nvPr/>
-        </p:nvSpPr>
-        <p:spPr>
-          <a:xfrm>
-            <a:off x="616320" y="4572000"/>
-            <a:ext cx="1669680" cy="513720"/>
-          </a:xfrm>
-          <a:prstGeom prst="rect">
-            <a:avLst/>
-          </a:prstGeom>
-          <a:noFill/>
-          <a:ln w="0">
-            <a:noFill/>
-          </a:ln>
-        </p:spPr>
-        <p:txBody>
-          <a:bodyPr lIns="90000" rIns="90000" tIns="45000" bIns="45000" anchor="t">
-            <a:noAutofit/>
-          </a:bodyPr>
-          <a:p>
+          <a:p>
+            <a:pPr>
+              <a:lnSpc>
+                <a:spcPct val="100000"/>
+              </a:lnSpc>
+              <a:buNone/>
+            </a:pPr>
             <a:r>
               <a:rPr b="0" lang="en-US" sz="1500" spc="-1" strike="noStrike">
                 <a:solidFill>
@@ -3882,38 +9499,19 @@
                 </a:solidFill>
                 <a:latin typeface="Arial"/>
               </a:rPr>
-              <a:t>Benjamin Monroy (Front-End)</a:t>
+              <a:t>Benjamin Monroy</a:t>
             </a:r>
             <a:endParaRPr b="0" lang="en-US" sz="1500" spc="-1" strike="noStrike">
               <a:latin typeface="Arial"/>
             </a:endParaRPr>
           </a:p>
-        </p:txBody>
-      </p:sp>
-      <p:sp>
-        <p:nvSpPr>
-          <p:cNvPr id="60" name=""/>
-          <p:cNvSpPr txBox="1"/>
-          <p:nvPr/>
-        </p:nvSpPr>
-        <p:spPr>
-          <a:xfrm>
-            <a:off x="4272480" y="4572000"/>
-            <a:ext cx="1671120" cy="513720"/>
-          </a:xfrm>
-          <a:prstGeom prst="rect">
-            <a:avLst/>
-          </a:prstGeom>
-          <a:noFill/>
-          <a:ln w="0">
-            <a:noFill/>
-          </a:ln>
-        </p:spPr>
-        <p:txBody>
-          <a:bodyPr lIns="90000" rIns="90000" tIns="45000" bIns="45000" anchor="t">
-            <a:noAutofit/>
-          </a:bodyPr>
-          <a:p>
+          <a:p>
+            <a:pPr>
+              <a:lnSpc>
+                <a:spcPct val="100000"/>
+              </a:lnSpc>
+              <a:buNone/>
+            </a:pPr>
             <a:r>
               <a:rPr b="0" lang="en-US" sz="1500" spc="-1" strike="noStrike">
                 <a:solidFill>
@@ -3921,38 +9519,19 @@
                 </a:solidFill>
                 <a:latin typeface="Arial"/>
               </a:rPr>
-              <a:t>Gabriel Rechdan (API) </a:t>
+              <a:t>Gabriel Rechdan </a:t>
             </a:r>
             <a:endParaRPr b="0" lang="en-US" sz="1500" spc="-1" strike="noStrike">
               <a:latin typeface="Arial"/>
             </a:endParaRPr>
           </a:p>
-        </p:txBody>
-      </p:sp>
-      <p:sp>
-        <p:nvSpPr>
-          <p:cNvPr id="61" name=""/>
-          <p:cNvSpPr txBox="1"/>
-          <p:nvPr/>
-        </p:nvSpPr>
-        <p:spPr>
-          <a:xfrm>
-            <a:off x="7539840" y="4572000"/>
-            <a:ext cx="1604160" cy="513720"/>
-          </a:xfrm>
-          <a:prstGeom prst="rect">
-            <a:avLst/>
-          </a:prstGeom>
-          <a:noFill/>
-          <a:ln w="0">
-            <a:noFill/>
-          </a:ln>
-        </p:spPr>
-        <p:txBody>
-          <a:bodyPr lIns="90000" rIns="90000" tIns="45000" bIns="45000" anchor="t">
-            <a:noAutofit/>
-          </a:bodyPr>
-          <a:p>
+          <a:p>
+            <a:pPr>
+              <a:lnSpc>
+                <a:spcPct val="100000"/>
+              </a:lnSpc>
+              <a:buNone/>
+            </a:pPr>
             <a:r>
               <a:rPr b="0" lang="en-US" sz="1500" spc="-1" strike="noStrike">
                 <a:solidFill>
@@ -3960,7 +9539,7 @@
                 </a:solidFill>
                 <a:latin typeface="Arial"/>
               </a:rPr>
-              <a:t>Alejandro Tejeira  (Front-End)</a:t>
+              <a:t>Alejandro Tejeira</a:t>
             </a:r>
             <a:endParaRPr b="0" lang="en-US" sz="1500" spc="-1" strike="noStrike">
               <a:latin typeface="Arial"/>
@@ -4000,7 +9579,7 @@
       </p:grpSpPr>
       <p:sp>
         <p:nvSpPr>
-          <p:cNvPr id="62" name="PlaceHolder 1"/>
+          <p:cNvPr id="162" name="PlaceHolder 1"/>
           <p:cNvSpPr>
             <a:spLocks noGrp="1"/>
           </p:cNvSpPr>
@@ -4011,7 +9590,7 @@
         <p:spPr>
           <a:xfrm>
             <a:off x="504000" y="1428840"/>
-            <a:ext cx="9070920" cy="946080"/>
+            <a:ext cx="9071280" cy="946440"/>
           </a:xfrm>
           <a:prstGeom prst="rect">
             <a:avLst/>
@@ -4027,9 +9606,6 @@
           </a:bodyPr>
           <a:p>
             <a:pPr algn="ctr">
-              <a:lnSpc>
-                <a:spcPct val="100000"/>
-              </a:lnSpc>
               <a:buNone/>
             </a:pPr>
             <a:r>
@@ -4042,14 +9618,17 @@
               <a:t>What is this project</a:t>
             </a:r>
             <a:endParaRPr b="0" lang="en-US" sz="4400" spc="-1" strike="noStrike">
-              <a:latin typeface="Arial"/>
-            </a:endParaRPr>
-          </a:p>
-        </p:txBody>
-      </p:sp>
-      <p:sp>
-        <p:nvSpPr>
-          <p:cNvPr id="63" name="PlaceHolder 2"/>
+              <a:solidFill>
+                <a:srgbClr val="ffffff"/>
+              </a:solidFill>
+              <a:latin typeface="Arial"/>
+            </a:endParaRPr>
+          </a:p>
+        </p:txBody>
+      </p:sp>
+      <p:sp>
+        <p:nvSpPr>
+          <p:cNvPr id="163" name="PlaceHolder 2"/>
           <p:cNvSpPr>
             <a:spLocks noGrp="1"/>
           </p:cNvSpPr>
@@ -4060,7 +9639,7 @@
         <p:spPr>
           <a:xfrm>
             <a:off x="504000" y="2592000"/>
-            <a:ext cx="9070920" cy="2022120"/>
+            <a:ext cx="9071280" cy="2022480"/>
           </a:xfrm>
           <a:prstGeom prst="rect">
             <a:avLst/>
@@ -4076,9 +9655,6 @@
           </a:bodyPr>
           <a:p>
             <a:pPr algn="ctr">
-              <a:lnSpc>
-                <a:spcPct val="100000"/>
-              </a:lnSpc>
               <a:buNone/>
             </a:pPr>
             <a:r>
@@ -4088,9 +9664,6 @@
               <a:t>how it was developed, and anything that you feel is important</a:t>
             </a:r>
             <a:endParaRPr b="0" lang="en-US" sz="3200" spc="-1" strike="noStrike">
-              <a:solidFill>
-                <a:srgbClr val="ffffff"/>
-              </a:solidFill>
               <a:latin typeface="Arial"/>
             </a:endParaRPr>
           </a:p>
@@ -4128,7 +9701,7 @@
       </p:grpSpPr>
       <p:sp>
         <p:nvSpPr>
-          <p:cNvPr id="64" name="PlaceHolder 1"/>
+          <p:cNvPr id="164" name="PlaceHolder 1"/>
           <p:cNvSpPr>
             <a:spLocks noGrp="1"/>
           </p:cNvSpPr>
@@ -4139,7 +9712,7 @@
         <p:spPr>
           <a:xfrm>
             <a:off x="504000" y="1428840"/>
-            <a:ext cx="9070920" cy="946080"/>
+            <a:ext cx="9071280" cy="946440"/>
           </a:xfrm>
           <a:prstGeom prst="rect">
             <a:avLst/>
@@ -4155,9 +9728,6 @@
           </a:bodyPr>
           <a:p>
             <a:pPr algn="ctr">
-              <a:lnSpc>
-                <a:spcPct val="100000"/>
-              </a:lnSpc>
               <a:buNone/>
             </a:pPr>
             <a:r>
@@ -4167,153 +9737,49 @@
                 </a:solidFill>
                 <a:latin typeface="Arial"/>
               </a:rPr>
-              <a:t>Technology Used</a:t>
+              <a:t>Gantt chart, UML and/or ER diagrams are required</a:t>
             </a:r>
             <a:endParaRPr b="0" lang="en-US" sz="4400" spc="-1" strike="noStrike">
-              <a:latin typeface="Arial"/>
-            </a:endParaRPr>
-          </a:p>
-        </p:txBody>
-      </p:sp>
-      <p:sp>
-        <p:nvSpPr>
-          <p:cNvPr id="65" name="PlaceHolder 2"/>
-          <p:cNvSpPr>
-            <a:spLocks noGrp="1"/>
-          </p:cNvSpPr>
-          <p:nvPr>
-            <p:ph type="subTitle"/>
-          </p:nvPr>
-        </p:nvSpPr>
-        <p:spPr>
-          <a:xfrm>
-            <a:off x="504000" y="2592000"/>
-            <a:ext cx="9070920" cy="2022120"/>
-          </a:xfrm>
-          <a:prstGeom prst="rect">
-            <a:avLst/>
-          </a:prstGeom>
-          <a:noFill/>
-          <a:ln w="0">
-            <a:noFill/>
-          </a:ln>
-        </p:spPr>
-        <p:txBody>
-          <a:bodyPr lIns="0" rIns="0" tIns="0" bIns="0" anchor="ctr">
-            <a:noAutofit/>
-          </a:bodyPr>
-          <a:p>
-            <a:pPr>
-              <a:lnSpc>
-                <a:spcPct val="100000"/>
-              </a:lnSpc>
-              <a:buNone/>
-            </a:pPr>
-            <a:r>
-              <a:rPr b="0" lang="en-US" sz="1800" spc="-1" strike="noStrike">
-                <a:solidFill>
-                  <a:srgbClr val="ffffff"/>
-                </a:solidFill>
-                <a:latin typeface="Arial"/>
-              </a:rPr>
-              <a:t>LAMP stack implemented</a:t>
-            </a:r>
-            <a:endParaRPr b="0" lang="en-US" sz="1800" spc="-1" strike="noStrike">
               <a:solidFill>
                 <a:srgbClr val="ffffff"/>
               </a:solidFill>
               <a:latin typeface="Arial"/>
             </a:endParaRPr>
           </a:p>
-          <a:p>
-            <a:pPr>
-              <a:lnSpc>
-                <a:spcPct val="100000"/>
-              </a:lnSpc>
+        </p:txBody>
+      </p:sp>
+      <p:sp>
+        <p:nvSpPr>
+          <p:cNvPr id="165" name="PlaceHolder 2"/>
+          <p:cNvSpPr>
+            <a:spLocks noGrp="1"/>
+          </p:cNvSpPr>
+          <p:nvPr>
+            <p:ph type="subTitle"/>
+          </p:nvPr>
+        </p:nvSpPr>
+        <p:spPr>
+          <a:xfrm>
+            <a:off x="504000" y="2592000"/>
+            <a:ext cx="9071280" cy="2022480"/>
+          </a:xfrm>
+          <a:prstGeom prst="rect">
+            <a:avLst/>
+          </a:prstGeom>
+          <a:noFill/>
+          <a:ln w="0">
+            <a:noFill/>
+          </a:ln>
+        </p:spPr>
+        <p:txBody>
+          <a:bodyPr lIns="0" rIns="0" tIns="0" bIns="0" anchor="ctr">
+            <a:noAutofit/>
+          </a:bodyPr>
+          <a:p>
+            <a:pPr algn="ctr">
               <a:buNone/>
             </a:pPr>
-            <a:r>
-              <a:rPr b="0" lang="en-US" sz="1800" spc="-1" strike="noStrike">
-                <a:solidFill>
-                  <a:srgbClr val="ffffff"/>
-                </a:solidFill>
-                <a:latin typeface="Arial"/>
-              </a:rPr>
-              <a:t>Linux: Hosted on an ubuntu 22.04 server from DigitalOcean w/ IP= 146.190.166.5</a:t>
-            </a:r>
-            <a:endParaRPr b="0" lang="en-US" sz="1800" spc="-1" strike="noStrike">
-              <a:solidFill>
-                <a:srgbClr val="ffffff"/>
-              </a:solidFill>
-              <a:latin typeface="Arial"/>
-            </a:endParaRPr>
-          </a:p>
-          <a:p>
-            <a:pPr>
-              <a:lnSpc>
-                <a:spcPct val="100000"/>
-              </a:lnSpc>
-              <a:buNone/>
-            </a:pPr>
-            <a:r>
-              <a:rPr b="0" lang="en-US" sz="1800" spc="-1" strike="noStrike">
-                <a:solidFill>
-                  <a:srgbClr val="ffffff"/>
-                </a:solidFill>
-                <a:latin typeface="Arial"/>
-              </a:rPr>
-              <a:t>Apache (HTTP): </a:t>
-            </a:r>
-            <a:endParaRPr b="0" lang="en-US" sz="1800" spc="-1" strike="noStrike">
-              <a:solidFill>
-                <a:srgbClr val="ffffff"/>
-              </a:solidFill>
-              <a:latin typeface="Arial"/>
-            </a:endParaRPr>
-          </a:p>
-          <a:p>
-            <a:pPr>
-              <a:lnSpc>
-                <a:spcPct val="100000"/>
-              </a:lnSpc>
-              <a:buNone/>
-            </a:pPr>
-            <a:r>
-              <a:rPr b="0" lang="en-US" sz="1800" spc="-1" strike="noStrike">
-                <a:solidFill>
-                  <a:srgbClr val="ffffff"/>
-                </a:solidFill>
-                <a:latin typeface="Arial"/>
-              </a:rPr>
-              <a:t>MySQL: The database solution to store user login info and each user’s contact’s info</a:t>
-            </a:r>
-            <a:endParaRPr b="0" lang="en-US" sz="1800" spc="-1" strike="noStrike">
-              <a:solidFill>
-                <a:srgbClr val="ffffff"/>
-              </a:solidFill>
-              <a:latin typeface="Arial"/>
-            </a:endParaRPr>
-          </a:p>
-          <a:p>
-            <a:pPr>
-              <a:lnSpc>
-                <a:spcPct val="100000"/>
-              </a:lnSpc>
-              <a:buNone/>
-            </a:pPr>
-            <a:r>
-              <a:rPr b="0" lang="en-US" sz="1800" spc="-1" strike="noStrike">
-                <a:solidFill>
-                  <a:srgbClr val="ffffff"/>
-                </a:solidFill>
-                <a:latin typeface="Arial"/>
-              </a:rPr>
-              <a:t>PHP: The interface used to communicate between the front-end (user actions) and the database (the info which is then displayed in browser).</a:t>
-            </a:r>
-            <a:endParaRPr b="0" lang="en-US" sz="1800" spc="-1" strike="noStrike">
-              <a:solidFill>
-                <a:srgbClr val="ffffff"/>
-              </a:solidFill>
+            <a:endParaRPr b="0" lang="en-US" sz="3200" spc="-1" strike="noStrike">
               <a:latin typeface="Arial"/>
             </a:endParaRPr>
           </a:p>
@@ -4351,7 +9817,7 @@
       </p:grpSpPr>
       <p:sp>
         <p:nvSpPr>
-          <p:cNvPr id="66" name="PlaceHolder 1"/>
+          <p:cNvPr id="166" name="PlaceHolder 1"/>
           <p:cNvSpPr>
             <a:spLocks noGrp="1"/>
           </p:cNvSpPr>
@@ -4361,8 +9827,8 @@
         </p:nvSpPr>
         <p:spPr>
           <a:xfrm>
-            <a:off x="504000" y="1428840"/>
-            <a:ext cx="9070920" cy="946080"/>
+            <a:off x="540000" y="139680"/>
+            <a:ext cx="8999640" cy="1250280"/>
           </a:xfrm>
           <a:prstGeom prst="rect">
             <a:avLst/>
@@ -4378,9 +9844,6 @@
           </a:bodyPr>
           <a:p>
             <a:pPr algn="ctr">
-              <a:lnSpc>
-                <a:spcPct val="100000"/>
-              </a:lnSpc>
               <a:buNone/>
             </a:pPr>
             <a:r>
@@ -4390,107 +9853,46 @@
                 </a:solidFill>
                 <a:latin typeface="Arial"/>
               </a:rPr>
-              <a:t>Technology Used Cont.</a:t>
+              <a:t>Talk about what went well and what did not go well</a:t>
             </a:r>
             <a:endParaRPr b="0" lang="en-US" sz="4400" spc="-1" strike="noStrike">
-              <a:latin typeface="Arial"/>
-            </a:endParaRPr>
-          </a:p>
-        </p:txBody>
-      </p:sp>
-      <p:sp>
-        <p:nvSpPr>
-          <p:cNvPr id="67" name="PlaceHolder 2"/>
-          <p:cNvSpPr>
-            <a:spLocks noGrp="1"/>
-          </p:cNvSpPr>
-          <p:nvPr>
-            <p:ph type="subTitle"/>
-          </p:nvPr>
-        </p:nvSpPr>
-        <p:spPr>
-          <a:xfrm>
-            <a:off x="504000" y="2592000"/>
-            <a:ext cx="9070920" cy="2022120"/>
-          </a:xfrm>
-          <a:prstGeom prst="rect">
-            <a:avLst/>
-          </a:prstGeom>
-          <a:noFill/>
-          <a:ln w="0">
-            <a:noFill/>
-          </a:ln>
-        </p:spPr>
-        <p:txBody>
-          <a:bodyPr lIns="0" rIns="0" tIns="0" bIns="0" anchor="ctr">
-            <a:noAutofit/>
-          </a:bodyPr>
-          <a:p>
-            <a:pPr>
-              <a:lnSpc>
-                <a:spcPct val="100000"/>
-              </a:lnSpc>
-              <a:buNone/>
-            </a:pPr>
-            <a:r>
-              <a:rPr b="0" lang="en-US" sz="1800" spc="-1" strike="noStrike">
-                <a:solidFill>
-                  <a:srgbClr val="ffffff"/>
-                </a:solidFill>
-                <a:latin typeface="Arial"/>
-              </a:rPr>
-              <a:t>Github: Source Code &amp; document digital repository host.</a:t>
-            </a:r>
-            <a:endParaRPr b="0" lang="en-US" sz="1800" spc="-1" strike="noStrike">
               <a:solidFill>
                 <a:srgbClr val="ffffff"/>
               </a:solidFill>
               <a:latin typeface="Arial"/>
             </a:endParaRPr>
           </a:p>
-          <a:p>
-            <a:pPr>
-              <a:lnSpc>
-                <a:spcPct val="100000"/>
-              </a:lnSpc>
-              <a:buNone/>
-            </a:pPr>
-            <a:r>
-              <a:rPr b="0" lang="en-US" sz="1800" spc="-1" strike="noStrike">
-                <a:solidFill>
-                  <a:srgbClr val="ffffff"/>
-                </a:solidFill>
-                <a:latin typeface="Arial"/>
-              </a:rPr>
-              <a:t>Discord: Primary source of communication</a:t>
-            </a:r>
-            <a:endParaRPr b="0" lang="en-US" sz="1800" spc="-1" strike="noStrike">
-              <a:solidFill>
-                <a:srgbClr val="ffffff"/>
-              </a:solidFill>
-              <a:latin typeface="Arial"/>
-            </a:endParaRPr>
-          </a:p>
-          <a:p>
-            <a:pPr>
-              <a:lnSpc>
-                <a:spcPct val="100000"/>
-              </a:lnSpc>
-              <a:buNone/>
-            </a:pPr>
-            <a:r>
-              <a:rPr b="0" lang="en-US" sz="1800" spc="-1" strike="noStrike">
-                <a:solidFill>
-                  <a:srgbClr val="ffffff"/>
-                </a:solidFill>
-                <a:latin typeface="Arial"/>
-              </a:rPr>
-              <a:t>Ganttpro: Used to create the gantt chart</a:t>
-            </a:r>
-            <a:endParaRPr b="0" lang="en-US" sz="1800" spc="-1" strike="noStrike">
-              <a:solidFill>
-                <a:srgbClr val="ffffff"/>
-              </a:solidFill>
+        </p:txBody>
+      </p:sp>
+      <p:sp>
+        <p:nvSpPr>
+          <p:cNvPr id="167" name="PlaceHolder 2"/>
+          <p:cNvSpPr>
+            <a:spLocks noGrp="1"/>
+          </p:cNvSpPr>
+          <p:nvPr>
+            <p:ph/>
+          </p:nvPr>
+        </p:nvSpPr>
+        <p:spPr>
+          <a:xfrm>
+            <a:off x="504000" y="1326600"/>
+            <a:ext cx="9072000" cy="3288600"/>
+          </a:xfrm>
+          <a:prstGeom prst="rect">
+            <a:avLst/>
+          </a:prstGeom>
+          <a:noFill/>
+          <a:ln w="0">
+            <a:noFill/>
+          </a:ln>
+        </p:spPr>
+        <p:txBody>
+          <a:bodyPr lIns="0" rIns="0" tIns="0" bIns="0" anchor="t">
+            <a:normAutofit/>
+          </a:bodyPr>
+          <a:p>
+            <a:endParaRPr b="0" lang="en-US" sz="3200" spc="-1" strike="noStrike">
               <a:latin typeface="Arial"/>
             </a:endParaRPr>
           </a:p>
@@ -4528,7 +9930,7 @@
       </p:grpSpPr>
       <p:sp>
         <p:nvSpPr>
-          <p:cNvPr id="68" name="PlaceHolder 1"/>
+          <p:cNvPr id="168" name="PlaceHolder 1"/>
           <p:cNvSpPr>
             <a:spLocks noGrp="1"/>
           </p:cNvSpPr>
@@ -4538,8 +9940,8 @@
         </p:nvSpPr>
         <p:spPr>
           <a:xfrm>
-            <a:off x="504000" y="1428840"/>
-            <a:ext cx="9070920" cy="946080"/>
+            <a:off x="540000" y="270000"/>
+            <a:ext cx="8999640" cy="989640"/>
           </a:xfrm>
           <a:prstGeom prst="rect">
             <a:avLst/>
@@ -4555,73 +9957,46 @@
           </a:bodyPr>
           <a:p>
             <a:pPr algn="ctr">
-              <a:lnSpc>
-                <a:spcPct val="100000"/>
-              </a:lnSpc>
               <a:buNone/>
             </a:pPr>
-            <a:r>
-              <a:rPr b="0" lang="en-US" sz="4400" spc="-1" strike="noStrike">
-                <a:solidFill>
-                  <a:srgbClr val="ffffff"/>
-                </a:solidFill>
-                <a:latin typeface="Arial"/>
-              </a:rPr>
-              <a:t>ERD</a:t>
-            </a:r>
             <a:endParaRPr b="0" lang="en-US" sz="4400" spc="-1" strike="noStrike">
-              <a:latin typeface="Arial"/>
-            </a:endParaRPr>
-          </a:p>
-        </p:txBody>
-      </p:sp>
-      <p:sp>
-        <p:nvSpPr>
-          <p:cNvPr id="69" name="PlaceHolder 2"/>
-          <p:cNvSpPr>
-            <a:spLocks noGrp="1"/>
-          </p:cNvSpPr>
-          <p:nvPr>
-            <p:ph type="subTitle"/>
-          </p:nvPr>
-        </p:nvSpPr>
-        <p:spPr>
-          <a:xfrm>
-            <a:off x="504000" y="2592000"/>
-            <a:ext cx="9070920" cy="2022120"/>
-          </a:xfrm>
-          <a:prstGeom prst="rect">
-            <a:avLst/>
-          </a:prstGeom>
-          <a:noFill/>
-          <a:ln w="0">
-            <a:noFill/>
-          </a:ln>
-        </p:spPr>
-        <p:txBody>
-          <a:bodyPr lIns="0" rIns="0" tIns="0" bIns="0" anchor="ctr">
-            <a:noAutofit/>
-          </a:bodyPr>
-          <a:p>
-            <a:pPr>
-              <a:lnSpc>
-                <a:spcPct val="100000"/>
-              </a:lnSpc>
-              <a:buNone/>
-            </a:pPr>
-            <a:r>
-              <a:rPr b="0" lang="en-US" sz="1800" spc="-1" strike="noStrike">
-                <a:solidFill>
-                  <a:srgbClr val="ffffff"/>
-                </a:solidFill>
-                <a:latin typeface="Arial"/>
-              </a:rPr>
-              <a:t>IP</a:t>
-            </a:r>
-            <a:endParaRPr b="0" lang="en-US" sz="1800" spc="-1" strike="noStrike">
               <a:solidFill>
                 <a:srgbClr val="ffffff"/>
               </a:solidFill>
+              <a:latin typeface="Arial"/>
+            </a:endParaRPr>
+          </a:p>
+        </p:txBody>
+      </p:sp>
+      <p:sp>
+        <p:nvSpPr>
+          <p:cNvPr id="169" name="PlaceHolder 2"/>
+          <p:cNvSpPr>
+            <a:spLocks noGrp="1"/>
+          </p:cNvSpPr>
+          <p:nvPr>
+            <p:ph/>
+          </p:nvPr>
+        </p:nvSpPr>
+        <p:spPr>
+          <a:xfrm>
+            <a:off x="504000" y="1326600"/>
+            <a:ext cx="9072000" cy="3288600"/>
+          </a:xfrm>
+          <a:prstGeom prst="rect">
+            <a:avLst/>
+          </a:prstGeom>
+          <a:noFill/>
+          <a:ln w="0">
+            <a:noFill/>
+          </a:ln>
+        </p:spPr>
+        <p:txBody>
+          <a:bodyPr lIns="0" rIns="0" tIns="0" bIns="0" anchor="t">
+            <a:normAutofit/>
+          </a:bodyPr>
+          <a:p>
+            <a:endParaRPr b="0" lang="en-US" sz="3200" spc="-1" strike="noStrike">
               <a:latin typeface="Arial"/>
             </a:endParaRPr>
           </a:p>
@@ -4659,7 +10034,7 @@
       </p:grpSpPr>
       <p:sp>
         <p:nvSpPr>
-          <p:cNvPr id="70" name="PlaceHolder 1"/>
+          <p:cNvPr id="170" name="PlaceHolder 1"/>
           <p:cNvSpPr>
             <a:spLocks noGrp="1"/>
           </p:cNvSpPr>
@@ -4670,7 +10045,7 @@
         <p:spPr>
           <a:xfrm>
             <a:off x="504000" y="1428840"/>
-            <a:ext cx="9070920" cy="946080"/>
+            <a:ext cx="9071280" cy="946440"/>
           </a:xfrm>
           <a:prstGeom prst="rect">
             <a:avLst/>
@@ -4686,73 +10061,49 @@
           </a:bodyPr>
           <a:p>
             <a:pPr algn="ctr">
-              <a:lnSpc>
-                <a:spcPct val="100000"/>
-              </a:lnSpc>
               <a:buNone/>
             </a:pPr>
-            <a:r>
-              <a:rPr b="0" lang="en-US" sz="4400" spc="-1" strike="noStrike">
-                <a:solidFill>
-                  <a:srgbClr val="ffffff"/>
-                </a:solidFill>
-                <a:latin typeface="Arial"/>
-              </a:rPr>
-              <a:t>Gantt chart</a:t>
-            </a:r>
             <a:endParaRPr b="0" lang="en-US" sz="4400" spc="-1" strike="noStrike">
-              <a:latin typeface="Arial"/>
-            </a:endParaRPr>
-          </a:p>
-        </p:txBody>
-      </p:sp>
-      <p:sp>
-        <p:nvSpPr>
-          <p:cNvPr id="71" name="PlaceHolder 2"/>
-          <p:cNvSpPr>
-            <a:spLocks noGrp="1"/>
-          </p:cNvSpPr>
-          <p:nvPr>
-            <p:ph type="subTitle"/>
-          </p:nvPr>
-        </p:nvSpPr>
-        <p:spPr>
-          <a:xfrm>
-            <a:off x="504000" y="2592000"/>
-            <a:ext cx="9070920" cy="2022120"/>
-          </a:xfrm>
-          <a:prstGeom prst="rect">
-            <a:avLst/>
-          </a:prstGeom>
-          <a:noFill/>
-          <a:ln w="0">
-            <a:noFill/>
-          </a:ln>
-        </p:spPr>
-        <p:txBody>
-          <a:bodyPr lIns="0" rIns="0" tIns="0" bIns="0" anchor="ctr">
-            <a:noAutofit/>
-          </a:bodyPr>
-          <a:p>
-            <a:pPr>
-              <a:lnSpc>
-                <a:spcPct val="100000"/>
-              </a:lnSpc>
-              <a:buNone/>
-            </a:pPr>
-            <a:r>
-              <a:rPr b="0" lang="en-US" sz="1800" spc="-1" strike="noStrike">
-                <a:solidFill>
-                  <a:srgbClr val="ffffff"/>
-                </a:solidFill>
-                <a:latin typeface="Arial"/>
-              </a:rPr>
-              <a:t>IP</a:t>
-            </a:r>
-            <a:endParaRPr b="0" lang="en-US" sz="1800" spc="-1" strike="noStrike">
               <a:solidFill>
                 <a:srgbClr val="ffffff"/>
               </a:solidFill>
+              <a:latin typeface="Arial"/>
+            </a:endParaRPr>
+          </a:p>
+        </p:txBody>
+      </p:sp>
+      <p:sp>
+        <p:nvSpPr>
+          <p:cNvPr id="171" name="PlaceHolder 2"/>
+          <p:cNvSpPr>
+            <a:spLocks noGrp="1"/>
+          </p:cNvSpPr>
+          <p:nvPr>
+            <p:ph type="subTitle"/>
+          </p:nvPr>
+        </p:nvSpPr>
+        <p:spPr>
+          <a:xfrm>
+            <a:off x="504000" y="2592000"/>
+            <a:ext cx="9071280" cy="2022480"/>
+          </a:xfrm>
+          <a:prstGeom prst="rect">
+            <a:avLst/>
+          </a:prstGeom>
+          <a:noFill/>
+          <a:ln w="0">
+            <a:noFill/>
+          </a:ln>
+        </p:spPr>
+        <p:txBody>
+          <a:bodyPr lIns="0" rIns="0" tIns="0" bIns="0" anchor="ctr">
+            <a:noAutofit/>
+          </a:bodyPr>
+          <a:p>
+            <a:pPr algn="ctr">
+              <a:buNone/>
+            </a:pPr>
+            <a:endParaRPr b="0" lang="en-US" sz="3200" spc="-1" strike="noStrike">
               <a:latin typeface="Arial"/>
             </a:endParaRPr>
           </a:p>
@@ -4790,7 +10141,7 @@
       </p:grpSpPr>
       <p:sp>
         <p:nvSpPr>
-          <p:cNvPr id="72" name="PlaceHolder 1"/>
+          <p:cNvPr id="172" name="PlaceHolder 1"/>
           <p:cNvSpPr>
             <a:spLocks noGrp="1"/>
           </p:cNvSpPr>
@@ -4801,7 +10152,7 @@
         <p:spPr>
           <a:xfrm>
             <a:off x="504000" y="1428840"/>
-            <a:ext cx="9070920" cy="946080"/>
+            <a:ext cx="9071280" cy="946440"/>
           </a:xfrm>
           <a:prstGeom prst="rect">
             <a:avLst/>
@@ -4817,73 +10168,49 @@
           </a:bodyPr>
           <a:p>
             <a:pPr algn="ctr">
-              <a:lnSpc>
-                <a:spcPct val="100000"/>
-              </a:lnSpc>
               <a:buNone/>
             </a:pPr>
-            <a:r>
-              <a:rPr b="0" lang="en-US" sz="4400" spc="-1" strike="noStrike">
-                <a:solidFill>
-                  <a:srgbClr val="ffffff"/>
-                </a:solidFill>
-                <a:latin typeface="Arial"/>
-              </a:rPr>
-              <a:t>Use Case Diagram</a:t>
-            </a:r>
             <a:endParaRPr b="0" lang="en-US" sz="4400" spc="-1" strike="noStrike">
-              <a:latin typeface="Arial"/>
-            </a:endParaRPr>
-          </a:p>
-        </p:txBody>
-      </p:sp>
-      <p:sp>
-        <p:nvSpPr>
-          <p:cNvPr id="73" name="PlaceHolder 2"/>
-          <p:cNvSpPr>
-            <a:spLocks noGrp="1"/>
-          </p:cNvSpPr>
-          <p:nvPr>
-            <p:ph type="subTitle"/>
-          </p:nvPr>
-        </p:nvSpPr>
-        <p:spPr>
-          <a:xfrm>
-            <a:off x="504000" y="2592000"/>
-            <a:ext cx="9070920" cy="2022120"/>
-          </a:xfrm>
-          <a:prstGeom prst="rect">
-            <a:avLst/>
-          </a:prstGeom>
-          <a:noFill/>
-          <a:ln w="0">
-            <a:noFill/>
-          </a:ln>
-        </p:spPr>
-        <p:txBody>
-          <a:bodyPr lIns="0" rIns="0" tIns="0" bIns="0" anchor="ctr">
-            <a:noAutofit/>
-          </a:bodyPr>
-          <a:p>
-            <a:pPr>
-              <a:lnSpc>
-                <a:spcPct val="100000"/>
-              </a:lnSpc>
-              <a:buNone/>
-            </a:pPr>
-            <a:r>
-              <a:rPr b="0" lang="en-US" sz="1800" spc="-1" strike="noStrike">
-                <a:solidFill>
-                  <a:srgbClr val="ffffff"/>
-                </a:solidFill>
-                <a:latin typeface="Arial"/>
-              </a:rPr>
-              <a:t>IP</a:t>
-            </a:r>
-            <a:endParaRPr b="0" lang="en-US" sz="1800" spc="-1" strike="noStrike">
               <a:solidFill>
                 <a:srgbClr val="ffffff"/>
               </a:solidFill>
+              <a:latin typeface="Arial"/>
+            </a:endParaRPr>
+          </a:p>
+        </p:txBody>
+      </p:sp>
+      <p:sp>
+        <p:nvSpPr>
+          <p:cNvPr id="173" name="PlaceHolder 2"/>
+          <p:cNvSpPr>
+            <a:spLocks noGrp="1"/>
+          </p:cNvSpPr>
+          <p:nvPr>
+            <p:ph type="subTitle"/>
+          </p:nvPr>
+        </p:nvSpPr>
+        <p:spPr>
+          <a:xfrm>
+            <a:off x="504000" y="2592000"/>
+            <a:ext cx="9071280" cy="2022480"/>
+          </a:xfrm>
+          <a:prstGeom prst="rect">
+            <a:avLst/>
+          </a:prstGeom>
+          <a:noFill/>
+          <a:ln w="0">
+            <a:noFill/>
+          </a:ln>
+        </p:spPr>
+        <p:txBody>
+          <a:bodyPr lIns="0" rIns="0" tIns="0" bIns="0" anchor="ctr">
+            <a:noAutofit/>
+          </a:bodyPr>
+          <a:p>
+            <a:pPr algn="ctr">
+              <a:buNone/>
+            </a:pPr>
+            <a:endParaRPr b="0" lang="en-US" sz="3200" spc="-1" strike="noStrike">
               <a:latin typeface="Arial"/>
             </a:endParaRPr>
           </a:p>
@@ -4921,7 +10248,7 @@
       </p:grpSpPr>
       <p:sp>
         <p:nvSpPr>
-          <p:cNvPr id="74" name="PlaceHolder 1"/>
+          <p:cNvPr id="174" name="PlaceHolder 1"/>
           <p:cNvSpPr>
             <a:spLocks noGrp="1"/>
           </p:cNvSpPr>
@@ -4931,8 +10258,8 @@
         </p:nvSpPr>
         <p:spPr>
           <a:xfrm>
-            <a:off x="540000" y="139680"/>
-            <a:ext cx="8999280" cy="1249920"/>
+            <a:off x="504000" y="1428840"/>
+            <a:ext cx="9071280" cy="946440"/>
           </a:xfrm>
           <a:prstGeom prst="rect">
             <a:avLst/>
@@ -4948,54 +10275,48 @@
           </a:bodyPr>
           <a:p>
             <a:pPr algn="ctr">
-              <a:lnSpc>
-                <a:spcPct val="100000"/>
-              </a:lnSpc>
               <a:buNone/>
             </a:pPr>
-            <a:r>
-              <a:rPr b="0" lang="en-US" sz="4400" spc="-1" strike="noStrike">
-                <a:solidFill>
-                  <a:srgbClr val="ffffff"/>
-                </a:solidFill>
-                <a:latin typeface="Arial"/>
-              </a:rPr>
-              <a:t>Talk about what did not go well</a:t>
-            </a:r>
             <a:endParaRPr b="0" lang="en-US" sz="4400" spc="-1" strike="noStrike">
-              <a:latin typeface="Arial"/>
-            </a:endParaRPr>
-          </a:p>
-        </p:txBody>
-      </p:sp>
-      <p:sp>
-        <p:nvSpPr>
-          <p:cNvPr id="75" name="PlaceHolder 2"/>
-          <p:cNvSpPr>
-            <a:spLocks noGrp="1"/>
-          </p:cNvSpPr>
-          <p:nvPr>
-            <p:ph/>
-          </p:nvPr>
-        </p:nvSpPr>
-        <p:spPr>
-          <a:xfrm>
-            <a:off x="504000" y="1326600"/>
-            <a:ext cx="9071640" cy="3288240"/>
-          </a:xfrm>
-          <a:prstGeom prst="rect">
-            <a:avLst/>
-          </a:prstGeom>
-          <a:noFill/>
-          <a:ln w="0">
-            <a:noFill/>
-          </a:ln>
-        </p:spPr>
-        <p:txBody>
-          <a:bodyPr lIns="0" rIns="0" tIns="0" bIns="0" anchor="t">
-            <a:normAutofit/>
-          </a:bodyPr>
-          <a:p>
+              <a:solidFill>
+                <a:srgbClr val="ffffff"/>
+              </a:solidFill>
+              <a:latin typeface="Arial"/>
+            </a:endParaRPr>
+          </a:p>
+        </p:txBody>
+      </p:sp>
+      <p:sp>
+        <p:nvSpPr>
+          <p:cNvPr id="175" name="PlaceHolder 2"/>
+          <p:cNvSpPr>
+            <a:spLocks noGrp="1"/>
+          </p:cNvSpPr>
+          <p:nvPr>
+            <p:ph type="subTitle"/>
+          </p:nvPr>
+        </p:nvSpPr>
+        <p:spPr>
+          <a:xfrm>
+            <a:off x="504000" y="2592000"/>
+            <a:ext cx="9071280" cy="2022480"/>
+          </a:xfrm>
+          <a:prstGeom prst="rect">
+            <a:avLst/>
+          </a:prstGeom>
+          <a:noFill/>
+          <a:ln w="0">
+            <a:noFill/>
+          </a:ln>
+        </p:spPr>
+        <p:txBody>
+          <a:bodyPr lIns="0" rIns="0" tIns="0" bIns="0" anchor="ctr">
+            <a:noAutofit/>
+          </a:bodyPr>
+          <a:p>
+            <a:pPr algn="ctr">
+              <a:buNone/>
+            </a:pPr>
             <a:endParaRPr b="0" lang="en-US" sz="3200" spc="-1" strike="noStrike">
               <a:latin typeface="Arial"/>
             </a:endParaRPr>
@@ -5239,4 +10560,456 @@
     </a:fmtScheme>
   </a:themeElements>
 </a:theme>
+</file>
+
+<file path=ppt/theme/theme2.xml><?xml version="1.0" encoding="utf-8"?>
+<a:theme xmlns:a="http://schemas.openxmlformats.org/drawingml/2006/main" name="Office Theme">
+  <a:themeElements>
+    <a:clrScheme name="Office">
+      <a:dk1>
+        <a:sysClr val="windowText" lastClr="000000"/>
+      </a:dk1>
+      <a:lt1>
+        <a:sysClr val="window" lastClr="FFFFFF"/>
+      </a:lt1>
+      <a:dk2>
+        <a:srgbClr val="1f497d"/>
+      </a:dk2>
+      <a:lt2>
+        <a:srgbClr val="eeece1"/>
+      </a:lt2>
+      <a:accent1>
+        <a:srgbClr val="4f81bd"/>
+      </a:accent1>
+      <a:accent2>
+        <a:srgbClr val="c0504d"/>
+      </a:accent2>
+      <a:accent3>
+        <a:srgbClr val="9bbb59"/>
+      </a:accent3>
+      <a:accent4>
+        <a:srgbClr val="8064a2"/>
+      </a:accent4>
+      <a:accent5>
+        <a:srgbClr val="4bacc6"/>
+      </a:accent5>
+      <a:accent6>
+        <a:srgbClr val="f79646"/>
+      </a:accent6>
+      <a:hlink>
+        <a:srgbClr val="0000ff"/>
+      </a:hlink>
+      <a:folHlink>
+        <a:srgbClr val="800080"/>
+      </a:folHlink>
+    </a:clrScheme>
+    <a:fontScheme name="Office">
+      <a:majorFont>
+        <a:latin typeface="Arial"/>
+        <a:ea typeface="DejaVu Sans"/>
+        <a:cs typeface="DejaVu Sans"/>
+      </a:majorFont>
+      <a:minorFont>
+        <a:latin typeface="Arial"/>
+        <a:ea typeface="DejaVu Sans"/>
+        <a:cs typeface="DejaVu Sans"/>
+      </a:minorFont>
+    </a:fontScheme>
+    <a:fmtScheme name="Office">
+      <a:fillStyleLst>
+        <a:solidFill>
+          <a:schemeClr val="phClr"/>
+        </a:solidFill>
+        <a:gradFill rotWithShape="1">
+          <a:gsLst>
+            <a:gs pos="0">
+              <a:schemeClr val="phClr">
+                <a:tint val="50000"/>
+                <a:satMod val="300000"/>
+              </a:schemeClr>
+            </a:gs>
+            <a:gs pos="35000">
+              <a:schemeClr val="phClr">
+                <a:tint val="37000"/>
+                <a:satMod val="300000"/>
+              </a:schemeClr>
+            </a:gs>
+            <a:gs pos="100000">
+              <a:schemeClr val="phClr">
+                <a:tint val="15000"/>
+                <a:satMod val="350000"/>
+              </a:schemeClr>
+            </a:gs>
+          </a:gsLst>
+          <a:lin ang="16200000" scaled="1"/>
+        </a:gradFill>
+        <a:gradFill rotWithShape="1">
+          <a:gsLst>
+            <a:gs pos="0">
+              <a:schemeClr val="phClr">
+                <a:shade val="51000"/>
+                <a:satMod val="130000"/>
+              </a:schemeClr>
+            </a:gs>
+            <a:gs pos="80000">
+              <a:schemeClr val="phClr">
+                <a:shade val="93000"/>
+                <a:satMod val="130000"/>
+              </a:schemeClr>
+            </a:gs>
+            <a:gs pos="100000">
+              <a:schemeClr val="phClr">
+                <a:shade val="94000"/>
+                <a:satMod val="135000"/>
+              </a:schemeClr>
+            </a:gs>
+          </a:gsLst>
+          <a:lin ang="16200000" scaled="0"/>
+        </a:gradFill>
+      </a:fillStyleLst>
+      <a:lnStyleLst>
+        <a:ln w="9525" cap="flat" cmpd="sng" algn="ctr">
+          <a:solidFill>
+            <a:schemeClr val="phClr">
+              <a:shade val="95000"/>
+              <a:satMod val="105000"/>
+            </a:schemeClr>
+          </a:solidFill>
+          <a:prstDash val="solid"/>
+          <a:miter/>
+        </a:ln>
+        <a:ln w="25400" cap="flat" cmpd="sng" algn="ctr">
+          <a:solidFill>
+            <a:schemeClr val="phClr"/>
+          </a:solidFill>
+          <a:prstDash val="solid"/>
+          <a:miter/>
+        </a:ln>
+        <a:ln w="38100" cap="flat" cmpd="sng" algn="ctr">
+          <a:solidFill>
+            <a:schemeClr val="phClr"/>
+          </a:solidFill>
+          <a:prstDash val="solid"/>
+          <a:miter/>
+        </a:ln>
+      </a:lnStyleLst>
+      <a:effectStyleLst>
+        <a:effectStyle>
+          <a:effectLst>
+            <a:outerShdw blurRad="40000" dist="20000" dir="5400000" rotWithShape="0">
+              <a:srgbClr val="000000">
+                <a:alpha val="38000"/>
+              </a:srgbClr>
+            </a:outerShdw>
+          </a:effectLst>
+        </a:effectStyle>
+        <a:effectStyle>
+          <a:effectLst>
+            <a:outerShdw blurRad="40000" dist="23000" dir="5400000" rotWithShape="0">
+              <a:srgbClr val="000000">
+                <a:alpha val="35000"/>
+              </a:srgbClr>
+            </a:outerShdw>
+          </a:effectLst>
+        </a:effectStyle>
+        <a:effectStyle>
+          <a:effectLst>
+            <a:outerShdw blurRad="40000" dist="23000" dir="5400000" rotWithShape="0">
+              <a:srgbClr val="000000">
+                <a:alpha val="35000"/>
+              </a:srgbClr>
+            </a:outerShdw>
+          </a:effectLst>
+          <a:scene3d>
+            <a:camera prst="orthographicFront">
+              <a:rot lat="0" lon="0" rev="0"/>
+            </a:camera>
+            <a:lightRig rig="threePt" dir="t">
+              <a:rot lat="0" lon="0" rev="1200000"/>
+            </a:lightRig>
+          </a:scene3d>
+          <a:sp3d>
+            <a:bevelT w="63500" h="25400"/>
+          </a:sp3d>
+        </a:effectStyle>
+      </a:effectStyleLst>
+      <a:bgFillStyleLst>
+        <a:solidFill>
+          <a:schemeClr val="phClr"/>
+        </a:solidFill>
+        <a:gradFill rotWithShape="1">
+          <a:gsLst>
+            <a:gs pos="0">
+              <a:schemeClr val="phClr">
+                <a:tint val="40000"/>
+                <a:satMod val="350000"/>
+              </a:schemeClr>
+            </a:gs>
+            <a:gs pos="40000">
+              <a:schemeClr val="phClr">
+                <a:tint val="45000"/>
+                <a:shade val="99000"/>
+                <a:satMod val="350000"/>
+              </a:schemeClr>
+            </a:gs>
+            <a:gs pos="100000">
+              <a:schemeClr val="phClr">
+                <a:shade val="20000"/>
+                <a:satMod val="255000"/>
+              </a:schemeClr>
+            </a:gs>
+          </a:gsLst>
+          <a:path path="circle">
+            <a:fillToRect l="50000" t="-80000" r="50000" b="180000"/>
+          </a:path>
+        </a:gradFill>
+        <a:gradFill rotWithShape="1">
+          <a:gsLst>
+            <a:gs pos="0">
+              <a:schemeClr val="phClr">
+                <a:tint val="80000"/>
+                <a:satMod val="300000"/>
+              </a:schemeClr>
+            </a:gs>
+            <a:gs pos="100000">
+              <a:schemeClr val="phClr">
+                <a:shade val="30000"/>
+                <a:satMod val="200000"/>
+              </a:schemeClr>
+            </a:gs>
+          </a:gsLst>
+          <a:path path="circle">
+            <a:fillToRect l="50000" t="50000" r="50000" b="50000"/>
+          </a:path>
+        </a:gradFill>
+      </a:bgFillStyleLst>
+    </a:fmtScheme>
+  </a:themeElements>
+</a:theme>
+</file>
+
+<file path=ppt/theme/theme3.xml><?xml version="1.0" encoding="utf-8"?>
+<a:theme xmlns:a="http://schemas.openxmlformats.org/drawingml/2006/main" name="Office Theme">
+  <a:themeElements>
+    <a:clrScheme name="Office">
+      <a:dk1>
+        <a:sysClr val="windowText" lastClr="000000"/>
+      </a:dk1>
+      <a:lt1>
+        <a:sysClr val="window" lastClr="FFFFFF"/>
+      </a:lt1>
+      <a:dk2>
+        <a:srgbClr val="1f497d"/>
+      </a:dk2>
+      <a:lt2>
+        <a:srgbClr val="eeece1"/>
+      </a:lt2>
+      <a:accent1>
+        <a:srgbClr val="4f81bd"/>
+      </a:accent1>
+      <a:accent2>
+        <a:srgbClr val="c0504d"/>
+      </a:accent2>
+      <a:accent3>
+        <a:srgbClr val="9bbb59"/>
+      </a:accent3>
+      <a:accent4>
+        <a:srgbClr val="8064a2"/>
+      </a:accent4>
+      <a:accent5>
+        <a:srgbClr val="4bacc6"/>
+      </a:accent5>
+      <a:accent6>
+        <a:srgbClr val="f79646"/>
+      </a:accent6>
+      <a:hlink>
+        <a:srgbClr val="0000ff"/>
+      </a:hlink>
+      <a:folHlink>
+        <a:srgbClr val="800080"/>
+      </a:folHlink>
+    </a:clrScheme>
+    <a:fontScheme name="Office">
+      <a:majorFont>
+        <a:latin typeface="Arial"/>
+        <a:ea typeface="DejaVu Sans"/>
+        <a:cs typeface="DejaVu Sans"/>
+      </a:majorFont>
+      <a:minorFont>
+        <a:latin typeface="Arial"/>
+        <a:ea typeface="DejaVu Sans"/>
+        <a:cs typeface="DejaVu Sans"/>
+      </a:minorFont>
+    </a:fontScheme>
+    <a:fmtScheme name="Office">
+      <a:fillStyleLst>
+        <a:solidFill>
+          <a:schemeClr val="phClr"/>
+        </a:solidFill>
+        <a:gradFill rotWithShape="1">
+          <a:gsLst>
+            <a:gs pos="0">
+              <a:schemeClr val="phClr">
+                <a:tint val="50000"/>
+                <a:satMod val="300000"/>
+              </a:schemeClr>
+            </a:gs>
+            <a:gs pos="35000">
+              <a:schemeClr val="phClr">
+                <a:tint val="37000"/>
+                <a:satMod val="300000"/>
+              </a:schemeClr>
+            </a:gs>
+            <a:gs pos="100000">
+              <a:schemeClr val="phClr">
+                <a:tint val="15000"/>
+                <a:satMod val="350000"/>
+              </a:schemeClr>
+            </a:gs>
+          </a:gsLst>
+          <a:lin ang="16200000" scaled="1"/>
+        </a:gradFill>
+        <a:gradFill rotWithShape="1">
+          <a:gsLst>
+            <a:gs pos="0">
+              <a:schemeClr val="phClr">
+                <a:shade val="51000"/>
+                <a:satMod val="130000"/>
+              </a:schemeClr>
+            </a:gs>
+            <a:gs pos="80000">
+              <a:schemeClr val="phClr">
+                <a:shade val="93000"/>
+                <a:satMod val="130000"/>
+              </a:schemeClr>
+            </a:gs>
+            <a:gs pos="100000">
+              <a:schemeClr val="phClr">
+                <a:shade val="94000"/>
+                <a:satMod val="135000"/>
+              </a:schemeClr>
+            </a:gs>
+          </a:gsLst>
+          <a:lin ang="16200000" scaled="0"/>
+        </a:gradFill>
+      </a:fillStyleLst>
+      <a:lnStyleLst>
+        <a:ln w="9525" cap="flat" cmpd="sng" algn="ctr">
+          <a:solidFill>
+            <a:schemeClr val="phClr">
+              <a:shade val="95000"/>
+              <a:satMod val="105000"/>
+            </a:schemeClr>
+          </a:solidFill>
+          <a:prstDash val="solid"/>
+          <a:miter/>
+        </a:ln>
+        <a:ln w="25400" cap="flat" cmpd="sng" algn="ctr">
+          <a:solidFill>
+            <a:schemeClr val="phClr"/>
+          </a:solidFill>
+          <a:prstDash val="solid"/>
+          <a:miter/>
+        </a:ln>
+        <a:ln w="38100" cap="flat" cmpd="sng" algn="ctr">
+          <a:solidFill>
+            <a:schemeClr val="phClr"/>
+          </a:solidFill>
+          <a:prstDash val="solid"/>
+          <a:miter/>
+        </a:ln>
+      </a:lnStyleLst>
+      <a:effectStyleLst>
+        <a:effectStyle>
+          <a:effectLst>
+            <a:outerShdw blurRad="40000" dist="20000" dir="5400000" rotWithShape="0">
+              <a:srgbClr val="000000">
+                <a:alpha val="38000"/>
+              </a:srgbClr>
+            </a:outerShdw>
+          </a:effectLst>
+        </a:effectStyle>
+        <a:effectStyle>
+          <a:effectLst>
+            <a:outerShdw blurRad="40000" dist="23000" dir="5400000" rotWithShape="0">
+              <a:srgbClr val="000000">
+                <a:alpha val="35000"/>
+              </a:srgbClr>
+            </a:outerShdw>
+          </a:effectLst>
+        </a:effectStyle>
+        <a:effectStyle>
+          <a:effectLst>
+            <a:outerShdw blurRad="40000" dist="23000" dir="5400000" rotWithShape="0">
+              <a:srgbClr val="000000">
+                <a:alpha val="35000"/>
+              </a:srgbClr>
+            </a:outerShdw>
+          </a:effectLst>
+          <a:scene3d>
+            <a:camera prst="orthographicFront">
+              <a:rot lat="0" lon="0" rev="0"/>
+            </a:camera>
+            <a:lightRig rig="threePt" dir="t">
+              <a:rot lat="0" lon="0" rev="1200000"/>
+            </a:lightRig>
+          </a:scene3d>
+          <a:sp3d>
+            <a:bevelT w="63500" h="25400"/>
+          </a:sp3d>
+        </a:effectStyle>
+      </a:effectStyleLst>
+      <a:bgFillStyleLst>
+        <a:solidFill>
+          <a:schemeClr val="phClr"/>
+        </a:solidFill>
+        <a:gradFill rotWithShape="1">
+          <a:gsLst>
+            <a:gs pos="0">
+              <a:schemeClr val="phClr">
+                <a:tint val="40000"/>
+                <a:satMod val="350000"/>
+              </a:schemeClr>
+            </a:gs>
+            <a:gs pos="40000">
+              <a:schemeClr val="phClr">
+                <a:tint val="45000"/>
+                <a:shade val="99000"/>
+                <a:satMod val="350000"/>
+              </a:schemeClr>
+            </a:gs>
+            <a:gs pos="100000">
+              <a:schemeClr val="phClr">
+                <a:shade val="20000"/>
+                <a:satMod val="255000"/>
+              </a:schemeClr>
+            </a:gs>
+          </a:gsLst>
+          <a:path path="circle">
+            <a:fillToRect l="50000" t="-80000" r="50000" b="180000"/>
+          </a:path>
+        </a:gradFill>
+        <a:gradFill rotWithShape="1">
+          <a:gsLst>
+            <a:gs pos="0">
+              <a:schemeClr val="phClr">
+                <a:tint val="80000"/>
+                <a:satMod val="300000"/>
+              </a:schemeClr>
+            </a:gs>
+            <a:gs pos="100000">
+              <a:schemeClr val="phClr">
+                <a:shade val="30000"/>
+                <a:satMod val="200000"/>
+              </a:schemeClr>
+            </a:gs>
+          </a:gsLst>
+          <a:path path="circle">
+            <a:fillToRect l="50000" t="50000" r="50000" b="50000"/>
+          </a:path>
+        </a:gradFill>
+      </a:bgFillStyleLst>
+    </a:fmtScheme>
+  </a:themeElements>
+</a:theme>
 </file>
--- a/Pres.pptx
+++ b/Pres.pptx
@@ -20,7 +20,7 @@
     <p:sldId id="268" r:id="rId15"/>
   </p:sldIdLst>
   <p:sldSz cx="10080625" cy="5670550"/>
-  <p:notesSz cx="7772400" cy="10058400"/>
+  <p:notesSz cx="7559675" cy="10691813"/>
 </p:presentation>
 </file>
 
@@ -75,7 +75,7 @@
         <p:txBody>
           <a:bodyPr/>
           <a:p>
-            <a:fld id="{57F4DE38-2963-4E93-A4E8-04A6C274BA25}" type="slidenum">
+            <a:fld id="{60CE62BC-D18D-42C3-8A81-4F8F8CD18305}" type="slidenum">
               <a:t>&lt;#&gt;</a:t>
             </a:fld>
           </a:p>
@@ -136,8 +136,8 @@
         </p:nvSpPr>
         <p:spPr>
           <a:xfrm>
-            <a:off x="540000" y="270000"/>
-            <a:ext cx="8999280" cy="989280"/>
+            <a:off x="504000" y="226080"/>
+            <a:ext cx="9072000" cy="946440"/>
           </a:xfrm>
           <a:prstGeom prst="rect">
             <a:avLst/>
@@ -174,7 +174,7 @@
         <p:spPr>
           <a:xfrm>
             <a:off x="504000" y="1326600"/>
-            <a:ext cx="9071640" cy="1568160"/>
+            <a:ext cx="9072000" cy="1568520"/>
           </a:xfrm>
           <a:prstGeom prst="rect">
             <a:avLst/>
@@ -190,6 +190,9 @@
           </a:bodyPr>
           <a:p>
             <a:endParaRPr b="0" lang="en-US" sz="3200" spc="-1" strike="noStrike">
+              <a:solidFill>
+                <a:srgbClr val="ffffff"/>
+              </a:solidFill>
               <a:latin typeface="Arial"/>
             </a:endParaRPr>
           </a:p>
@@ -207,8 +210,8 @@
         </p:nvSpPr>
         <p:spPr>
           <a:xfrm>
-            <a:off x="504000" y="3044160"/>
-            <a:ext cx="9071640" cy="1568160"/>
+            <a:off x="504000" y="3044520"/>
+            <a:ext cx="9072000" cy="1568520"/>
           </a:xfrm>
           <a:prstGeom prst="rect">
             <a:avLst/>
@@ -224,6 +227,9 @@
           </a:bodyPr>
           <a:p>
             <a:endParaRPr b="0" lang="en-US" sz="3200" spc="-1" strike="noStrike">
+              <a:solidFill>
+                <a:srgbClr val="ffffff"/>
+              </a:solidFill>
               <a:latin typeface="Arial"/>
             </a:endParaRPr>
           </a:p>
@@ -263,7 +269,7 @@
         <p:txBody>
           <a:bodyPr/>
           <a:p>
-            <a:fld id="{8DA0E4AD-BA26-479F-B432-AF0BA77EA41C}" type="slidenum">
+            <a:fld id="{5D05B66C-CA0C-40A4-A080-2EC41E7A2BD1}" type="slidenum">
               <a:t>&lt;#&gt;</a:t>
             </a:fld>
           </a:p>
@@ -324,8 +330,8 @@
         </p:nvSpPr>
         <p:spPr>
           <a:xfrm>
-            <a:off x="540000" y="270000"/>
-            <a:ext cx="8999280" cy="989280"/>
+            <a:off x="504000" y="226080"/>
+            <a:ext cx="9072000" cy="946440"/>
           </a:xfrm>
           <a:prstGeom prst="rect">
             <a:avLst/>
@@ -362,7 +368,7 @@
         <p:spPr>
           <a:xfrm>
             <a:off x="504000" y="1326600"/>
-            <a:ext cx="4426920" cy="1568160"/>
+            <a:ext cx="4426920" cy="1568520"/>
           </a:xfrm>
           <a:prstGeom prst="rect">
             <a:avLst/>
@@ -378,6 +384,9 @@
           </a:bodyPr>
           <a:p>
             <a:endParaRPr b="0" lang="en-US" sz="3200" spc="-1" strike="noStrike">
+              <a:solidFill>
+                <a:srgbClr val="ffffff"/>
+              </a:solidFill>
               <a:latin typeface="Arial"/>
             </a:endParaRPr>
           </a:p>
@@ -396,7 +405,7 @@
         <p:spPr>
           <a:xfrm>
             <a:off x="5152680" y="1326600"/>
-            <a:ext cx="4426920" cy="1568160"/>
+            <a:ext cx="4426920" cy="1568520"/>
           </a:xfrm>
           <a:prstGeom prst="rect">
             <a:avLst/>
@@ -412,6 +421,9 @@
           </a:bodyPr>
           <a:p>
             <a:endParaRPr b="0" lang="en-US" sz="3200" spc="-1" strike="noStrike">
+              <a:solidFill>
+                <a:srgbClr val="ffffff"/>
+              </a:solidFill>
               <a:latin typeface="Arial"/>
             </a:endParaRPr>
           </a:p>
@@ -429,8 +441,8 @@
         </p:nvSpPr>
         <p:spPr>
           <a:xfrm>
-            <a:off x="504000" y="3044160"/>
-            <a:ext cx="4426920" cy="1568160"/>
+            <a:off x="504000" y="3044520"/>
+            <a:ext cx="4426920" cy="1568520"/>
           </a:xfrm>
           <a:prstGeom prst="rect">
             <a:avLst/>
@@ -446,6 +458,9 @@
           </a:bodyPr>
           <a:p>
             <a:endParaRPr b="0" lang="en-US" sz="3200" spc="-1" strike="noStrike">
+              <a:solidFill>
+                <a:srgbClr val="ffffff"/>
+              </a:solidFill>
               <a:latin typeface="Arial"/>
             </a:endParaRPr>
           </a:p>
@@ -463,8 +478,8 @@
         </p:nvSpPr>
         <p:spPr>
           <a:xfrm>
-            <a:off x="5152680" y="3044160"/>
-            <a:ext cx="4426920" cy="1568160"/>
+            <a:off x="5152680" y="3044520"/>
+            <a:ext cx="4426920" cy="1568520"/>
           </a:xfrm>
           <a:prstGeom prst="rect">
             <a:avLst/>
@@ -480,6 +495,9 @@
           </a:bodyPr>
           <a:p>
             <a:endParaRPr b="0" lang="en-US" sz="3200" spc="-1" strike="noStrike">
+              <a:solidFill>
+                <a:srgbClr val="ffffff"/>
+              </a:solidFill>
               <a:latin typeface="Arial"/>
             </a:endParaRPr>
           </a:p>
@@ -519,7 +537,7 @@
         <p:txBody>
           <a:bodyPr/>
           <a:p>
-            <a:fld id="{AF2D314A-2BE1-4F40-ACC4-B146BDBA8FDE}" type="slidenum">
+            <a:fld id="{E2FD8B02-48C4-435D-84D0-09A8B9839669}" type="slidenum">
               <a:t>&lt;#&gt;</a:t>
             </a:fld>
           </a:p>
@@ -580,8 +598,8 @@
         </p:nvSpPr>
         <p:spPr>
           <a:xfrm>
-            <a:off x="540000" y="270000"/>
-            <a:ext cx="8999280" cy="989280"/>
+            <a:off x="504000" y="226080"/>
+            <a:ext cx="9072000" cy="946440"/>
           </a:xfrm>
           <a:prstGeom prst="rect">
             <a:avLst/>
@@ -618,7 +636,7 @@
         <p:spPr>
           <a:xfrm>
             <a:off x="504000" y="1326600"/>
-            <a:ext cx="2920680" cy="1568160"/>
+            <a:ext cx="2921040" cy="1568520"/>
           </a:xfrm>
           <a:prstGeom prst="rect">
             <a:avLst/>
@@ -634,6 +652,9 @@
           </a:bodyPr>
           <a:p>
             <a:endParaRPr b="0" lang="en-US" sz="3200" spc="-1" strike="noStrike">
+              <a:solidFill>
+                <a:srgbClr val="ffffff"/>
+              </a:solidFill>
               <a:latin typeface="Arial"/>
             </a:endParaRPr>
           </a:p>
@@ -651,8 +672,8 @@
         </p:nvSpPr>
         <p:spPr>
           <a:xfrm>
-            <a:off x="3571200" y="1326600"/>
-            <a:ext cx="2920680" cy="1568160"/>
+            <a:off x="3571560" y="1326600"/>
+            <a:ext cx="2921040" cy="1568520"/>
           </a:xfrm>
           <a:prstGeom prst="rect">
             <a:avLst/>
@@ -668,6 +689,9 @@
           </a:bodyPr>
           <a:p>
             <a:endParaRPr b="0" lang="en-US" sz="3200" spc="-1" strike="noStrike">
+              <a:solidFill>
+                <a:srgbClr val="ffffff"/>
+              </a:solidFill>
               <a:latin typeface="Arial"/>
             </a:endParaRPr>
           </a:p>
@@ -685,8 +709,8 @@
         </p:nvSpPr>
         <p:spPr>
           <a:xfrm>
-            <a:off x="6638040" y="1326600"/>
-            <a:ext cx="2920680" cy="1568160"/>
+            <a:off x="6639120" y="1326600"/>
+            <a:ext cx="2921040" cy="1568520"/>
           </a:xfrm>
           <a:prstGeom prst="rect">
             <a:avLst/>
@@ -702,6 +726,9 @@
           </a:bodyPr>
           <a:p>
             <a:endParaRPr b="0" lang="en-US" sz="3200" spc="-1" strike="noStrike">
+              <a:solidFill>
+                <a:srgbClr val="ffffff"/>
+              </a:solidFill>
               <a:latin typeface="Arial"/>
             </a:endParaRPr>
           </a:p>
@@ -719,8 +746,8 @@
         </p:nvSpPr>
         <p:spPr>
           <a:xfrm>
-            <a:off x="504000" y="3044160"/>
-            <a:ext cx="2920680" cy="1568160"/>
+            <a:off x="504000" y="3044520"/>
+            <a:ext cx="2921040" cy="1568520"/>
           </a:xfrm>
           <a:prstGeom prst="rect">
             <a:avLst/>
@@ -736,6 +763,9 @@
           </a:bodyPr>
           <a:p>
             <a:endParaRPr b="0" lang="en-US" sz="3200" spc="-1" strike="noStrike">
+              <a:solidFill>
+                <a:srgbClr val="ffffff"/>
+              </a:solidFill>
               <a:latin typeface="Arial"/>
             </a:endParaRPr>
           </a:p>
@@ -753,8 +783,8 @@
         </p:nvSpPr>
         <p:spPr>
           <a:xfrm>
-            <a:off x="3571200" y="3044160"/>
-            <a:ext cx="2920680" cy="1568160"/>
+            <a:off x="3571560" y="3044520"/>
+            <a:ext cx="2921040" cy="1568520"/>
           </a:xfrm>
           <a:prstGeom prst="rect">
             <a:avLst/>
@@ -770,6 +800,9 @@
           </a:bodyPr>
           <a:p>
             <a:endParaRPr b="0" lang="en-US" sz="3200" spc="-1" strike="noStrike">
+              <a:solidFill>
+                <a:srgbClr val="ffffff"/>
+              </a:solidFill>
               <a:latin typeface="Arial"/>
             </a:endParaRPr>
           </a:p>
@@ -787,8 +820,8 @@
         </p:nvSpPr>
         <p:spPr>
           <a:xfrm>
-            <a:off x="6638040" y="3044160"/>
-            <a:ext cx="2920680" cy="1568160"/>
+            <a:off x="6639120" y="3044520"/>
+            <a:ext cx="2921040" cy="1568520"/>
           </a:xfrm>
           <a:prstGeom prst="rect">
             <a:avLst/>
@@ -804,6 +837,9 @@
           </a:bodyPr>
           <a:p>
             <a:endParaRPr b="0" lang="en-US" sz="3200" spc="-1" strike="noStrike">
+              <a:solidFill>
+                <a:srgbClr val="ffffff"/>
+              </a:solidFill>
               <a:latin typeface="Arial"/>
             </a:endParaRPr>
           </a:p>
@@ -843,7 +879,7 @@
         <p:txBody>
           <a:bodyPr/>
           <a:p>
-            <a:fld id="{C8966B58-CC0D-4342-AB11-F71FF2502521}" type="slidenum">
+            <a:fld id="{B5829236-92F6-4824-8FB2-582A73BC9B3F}" type="slidenum">
               <a:t>&lt;#&gt;</a:t>
             </a:fld>
           </a:p>
@@ -904,8 +940,8 @@
         </p:nvSpPr>
         <p:spPr>
           <a:xfrm>
-            <a:off x="540000" y="270000"/>
-            <a:ext cx="8999280" cy="989280"/>
+            <a:off x="504000" y="226080"/>
+            <a:ext cx="9072000" cy="946440"/>
           </a:xfrm>
           <a:prstGeom prst="rect">
             <a:avLst/>
@@ -942,7 +978,7 @@
         <p:spPr>
           <a:xfrm>
             <a:off x="504000" y="1326600"/>
-            <a:ext cx="9071640" cy="3288240"/>
+            <a:ext cx="9072000" cy="3288600"/>
           </a:xfrm>
           <a:prstGeom prst="rect">
             <a:avLst/>
@@ -960,7 +996,7 @@
             <a:pPr algn="ctr">
               <a:buNone/>
             </a:pPr>
-            <a:endParaRPr b="0" lang="en-US" sz="3200" spc="-1" strike="noStrike">
+            <a:endParaRPr b="0" lang="en-US" sz="1800" spc="-1" strike="noStrike">
               <a:solidFill>
                 <a:srgbClr val="ffffff"/>
               </a:solidFill>
@@ -1003,7 +1039,7 @@
         <p:txBody>
           <a:bodyPr/>
           <a:p>
-            <a:fld id="{DD552CC7-73BC-41FC-B781-BD3CC762E6A6}" type="slidenum">
+            <a:fld id="{DCE8B458-A53B-4BD1-8BA7-7FB2ACB734BE}" type="slidenum">
               <a:t>&lt;#&gt;</a:t>
             </a:fld>
           </a:p>
@@ -1064,8 +1100,8 @@
         </p:nvSpPr>
         <p:spPr>
           <a:xfrm>
-            <a:off x="540000" y="270000"/>
-            <a:ext cx="8999280" cy="989280"/>
+            <a:off x="504000" y="226080"/>
+            <a:ext cx="9072000" cy="946440"/>
           </a:xfrm>
           <a:prstGeom prst="rect">
             <a:avLst/>
@@ -1102,7 +1138,7 @@
         <p:spPr>
           <a:xfrm>
             <a:off x="504000" y="1326600"/>
-            <a:ext cx="9071640" cy="3288240"/>
+            <a:ext cx="9072000" cy="3288600"/>
           </a:xfrm>
           <a:prstGeom prst="rect">
             <a:avLst/>
@@ -1118,6 +1154,9 @@
           </a:bodyPr>
           <a:p>
             <a:endParaRPr b="0" lang="en-US" sz="3200" spc="-1" strike="noStrike">
+              <a:solidFill>
+                <a:srgbClr val="ffffff"/>
+              </a:solidFill>
               <a:latin typeface="Arial"/>
             </a:endParaRPr>
           </a:p>
@@ -1157,7 +1196,7 @@
         <p:txBody>
           <a:bodyPr/>
           <a:p>
-            <a:fld id="{A1E67B66-2DB6-4465-BE85-0A96A5257D90}" type="slidenum">
+            <a:fld id="{76EE0F88-A546-4F66-AD10-3D2D2FA096A0}" type="slidenum">
               <a:t>&lt;#&gt;</a:t>
             </a:fld>
           </a:p>
@@ -1218,8 +1257,8 @@
         </p:nvSpPr>
         <p:spPr>
           <a:xfrm>
-            <a:off x="540000" y="270000"/>
-            <a:ext cx="8999280" cy="989280"/>
+            <a:off x="504000" y="226080"/>
+            <a:ext cx="9072000" cy="946440"/>
           </a:xfrm>
           <a:prstGeom prst="rect">
             <a:avLst/>
@@ -1256,7 +1295,7 @@
         <p:spPr>
           <a:xfrm>
             <a:off x="504000" y="1326600"/>
-            <a:ext cx="4426920" cy="3288240"/>
+            <a:ext cx="4426920" cy="3288600"/>
           </a:xfrm>
           <a:prstGeom prst="rect">
             <a:avLst/>
@@ -1272,6 +1311,9 @@
           </a:bodyPr>
           <a:p>
             <a:endParaRPr b="0" lang="en-US" sz="3200" spc="-1" strike="noStrike">
+              <a:solidFill>
+                <a:srgbClr val="ffffff"/>
+              </a:solidFill>
               <a:latin typeface="Arial"/>
             </a:endParaRPr>
           </a:p>
@@ -1290,7 +1332,7 @@
         <p:spPr>
           <a:xfrm>
             <a:off x="5152680" y="1326600"/>
-            <a:ext cx="4426920" cy="3288240"/>
+            <a:ext cx="4426920" cy="3288600"/>
           </a:xfrm>
           <a:prstGeom prst="rect">
             <a:avLst/>
@@ -1306,6 +1348,9 @@
           </a:bodyPr>
           <a:p>
             <a:endParaRPr b="0" lang="en-US" sz="3200" spc="-1" strike="noStrike">
+              <a:solidFill>
+                <a:srgbClr val="ffffff"/>
+              </a:solidFill>
               <a:latin typeface="Arial"/>
             </a:endParaRPr>
           </a:p>
@@ -1345,7 +1390,7 @@
         <p:txBody>
           <a:bodyPr/>
           <a:p>
-            <a:fld id="{89E7543E-C000-47A9-ABBE-2BB93105FCDD}" type="slidenum">
+            <a:fld id="{245273D2-C177-4DC0-A17E-5A1D0DA82E57}" type="slidenum">
               <a:t>&lt;#&gt;</a:t>
             </a:fld>
           </a:p>
@@ -1406,8 +1451,8 @@
         </p:nvSpPr>
         <p:spPr>
           <a:xfrm>
-            <a:off x="540000" y="270000"/>
-            <a:ext cx="8999280" cy="989280"/>
+            <a:off x="504000" y="226080"/>
+            <a:ext cx="9072000" cy="946440"/>
           </a:xfrm>
           <a:prstGeom prst="rect">
             <a:avLst/>
@@ -1465,7 +1510,7 @@
         <p:txBody>
           <a:bodyPr/>
           <a:p>
-            <a:fld id="{EA0C5BE2-03E7-44B5-86C0-4EFE801FA176}" type="slidenum">
+            <a:fld id="{942A63D4-A37D-475A-9B63-5F4D7A6BA7B4}" type="slidenum">
               <a:t>&lt;#&gt;</a:t>
             </a:fld>
           </a:p>
@@ -1526,8 +1571,8 @@
         </p:nvSpPr>
         <p:spPr>
           <a:xfrm>
-            <a:off x="540000" y="270000"/>
-            <a:ext cx="8999280" cy="4587120"/>
+            <a:off x="504000" y="226080"/>
+            <a:ext cx="9072000" cy="4388400"/>
           </a:xfrm>
           <a:prstGeom prst="rect">
             <a:avLst/>
@@ -1545,7 +1590,7 @@
             <a:pPr algn="ctr">
               <a:buNone/>
             </a:pPr>
-            <a:endParaRPr b="0" lang="en-US" sz="3200" spc="-1" strike="noStrike">
+            <a:endParaRPr b="0" lang="en-US" sz="1800" spc="-1" strike="noStrike">
               <a:solidFill>
                 <a:srgbClr val="ffffff"/>
               </a:solidFill>
@@ -1588,7 +1633,7 @@
         <p:txBody>
           <a:bodyPr/>
           <a:p>
-            <a:fld id="{BC187AB1-83AE-4918-9F3E-5070DA8BCA55}" type="slidenum">
+            <a:fld id="{24D20A7F-69B2-42C0-9931-71B24D99C2C7}" type="slidenum">
               <a:t>&lt;#&gt;</a:t>
             </a:fld>
           </a:p>
@@ -1649,8 +1694,8 @@
         </p:nvSpPr>
         <p:spPr>
           <a:xfrm>
-            <a:off x="540000" y="270000"/>
-            <a:ext cx="8999280" cy="989280"/>
+            <a:off x="504000" y="226080"/>
+            <a:ext cx="9072000" cy="946440"/>
           </a:xfrm>
           <a:prstGeom prst="rect">
             <a:avLst/>
@@ -1687,7 +1732,7 @@
         <p:spPr>
           <a:xfrm>
             <a:off x="504000" y="1326600"/>
-            <a:ext cx="4426920" cy="1568160"/>
+            <a:ext cx="4426920" cy="1568520"/>
           </a:xfrm>
           <a:prstGeom prst="rect">
             <a:avLst/>
@@ -1703,6 +1748,9 @@
           </a:bodyPr>
           <a:p>
             <a:endParaRPr b="0" lang="en-US" sz="3200" spc="-1" strike="noStrike">
+              <a:solidFill>
+                <a:srgbClr val="ffffff"/>
+              </a:solidFill>
               <a:latin typeface="Arial"/>
             </a:endParaRPr>
           </a:p>
@@ -1721,7 +1769,7 @@
         <p:spPr>
           <a:xfrm>
             <a:off x="5152680" y="1326600"/>
-            <a:ext cx="4426920" cy="3288240"/>
+            <a:ext cx="4426920" cy="3288600"/>
           </a:xfrm>
           <a:prstGeom prst="rect">
             <a:avLst/>
@@ -1737,6 +1785,9 @@
           </a:bodyPr>
           <a:p>
             <a:endParaRPr b="0" lang="en-US" sz="3200" spc="-1" strike="noStrike">
+              <a:solidFill>
+                <a:srgbClr val="ffffff"/>
+              </a:solidFill>
               <a:latin typeface="Arial"/>
             </a:endParaRPr>
           </a:p>
@@ -1754,8 +1805,8 @@
         </p:nvSpPr>
         <p:spPr>
           <a:xfrm>
-            <a:off x="504000" y="3044160"/>
-            <a:ext cx="4426920" cy="1568160"/>
+            <a:off x="504000" y="3044520"/>
+            <a:ext cx="4426920" cy="1568520"/>
           </a:xfrm>
           <a:prstGeom prst="rect">
             <a:avLst/>
@@ -1771,6 +1822,9 @@
           </a:bodyPr>
           <a:p>
             <a:endParaRPr b="0" lang="en-US" sz="3200" spc="-1" strike="noStrike">
+              <a:solidFill>
+                <a:srgbClr val="ffffff"/>
+              </a:solidFill>
               <a:latin typeface="Arial"/>
             </a:endParaRPr>
           </a:p>
@@ -1810,7 +1864,7 @@
         <p:txBody>
           <a:bodyPr/>
           <a:p>
-            <a:fld id="{3F4DA9B6-F928-45FF-A746-C32D0BC9A6F7}" type="slidenum">
+            <a:fld id="{BBF9ED85-9248-43B2-A24C-D08AAB2307BA}" type="slidenum">
               <a:t>&lt;#&gt;</a:t>
             </a:fld>
           </a:p>
@@ -1871,8 +1925,8 @@
         </p:nvSpPr>
         <p:spPr>
           <a:xfrm>
-            <a:off x="540000" y="270000"/>
-            <a:ext cx="8999280" cy="989280"/>
+            <a:off x="504000" y="226080"/>
+            <a:ext cx="9072000" cy="946440"/>
           </a:xfrm>
           <a:prstGeom prst="rect">
             <a:avLst/>
@@ -1909,7 +1963,7 @@
         <p:spPr>
           <a:xfrm>
             <a:off x="504000" y="1326600"/>
-            <a:ext cx="4426920" cy="3288240"/>
+            <a:ext cx="4426920" cy="3288600"/>
           </a:xfrm>
           <a:prstGeom prst="rect">
             <a:avLst/>
@@ -1925,6 +1979,9 @@
           </a:bodyPr>
           <a:p>
             <a:endParaRPr b="0" lang="en-US" sz="3200" spc="-1" strike="noStrike">
+              <a:solidFill>
+                <a:srgbClr val="ffffff"/>
+              </a:solidFill>
               <a:latin typeface="Arial"/>
             </a:endParaRPr>
           </a:p>
@@ -1943,7 +2000,7 @@
         <p:spPr>
           <a:xfrm>
             <a:off x="5152680" y="1326600"/>
-            <a:ext cx="4426920" cy="1568160"/>
+            <a:ext cx="4426920" cy="1568520"/>
           </a:xfrm>
           <a:prstGeom prst="rect">
             <a:avLst/>
@@ -1959,6 +2016,9 @@
           </a:bodyPr>
           <a:p>
             <a:endParaRPr b="0" lang="en-US" sz="3200" spc="-1" strike="noStrike">
+              <a:solidFill>
+                <a:srgbClr val="ffffff"/>
+              </a:solidFill>
               <a:latin typeface="Arial"/>
             </a:endParaRPr>
           </a:p>
@@ -1976,8 +2036,8 @@
         </p:nvSpPr>
         <p:spPr>
           <a:xfrm>
-            <a:off x="5152680" y="3044160"/>
-            <a:ext cx="4426920" cy="1568160"/>
+            <a:off x="5152680" y="3044520"/>
+            <a:ext cx="4426920" cy="1568520"/>
           </a:xfrm>
           <a:prstGeom prst="rect">
             <a:avLst/>
@@ -1993,6 +2053,9 @@
           </a:bodyPr>
           <a:p>
             <a:endParaRPr b="0" lang="en-US" sz="3200" spc="-1" strike="noStrike">
+              <a:solidFill>
+                <a:srgbClr val="ffffff"/>
+              </a:solidFill>
               <a:latin typeface="Arial"/>
             </a:endParaRPr>
           </a:p>
@@ -2032,7 +2095,7 @@
         <p:txBody>
           <a:bodyPr/>
           <a:p>
-            <a:fld id="{24A2AB38-EA0D-4C79-9B87-3A7D9E0F5C29}" type="slidenum">
+            <a:fld id="{4F4C3CD7-4AD9-4F85-92AC-9144151E5A2C}" type="slidenum">
               <a:t>&lt;#&gt;</a:t>
             </a:fld>
           </a:p>
@@ -2093,8 +2156,8 @@
         </p:nvSpPr>
         <p:spPr>
           <a:xfrm>
-            <a:off x="540000" y="270000"/>
-            <a:ext cx="8999280" cy="989280"/>
+            <a:off x="504000" y="226080"/>
+            <a:ext cx="9072000" cy="946440"/>
           </a:xfrm>
           <a:prstGeom prst="rect">
             <a:avLst/>
@@ -2131,7 +2194,7 @@
         <p:spPr>
           <a:xfrm>
             <a:off x="504000" y="1326600"/>
-            <a:ext cx="4426920" cy="1568160"/>
+            <a:ext cx="4426920" cy="1568520"/>
           </a:xfrm>
           <a:prstGeom prst="rect">
             <a:avLst/>
@@ -2147,6 +2210,9 @@
           </a:bodyPr>
           <a:p>
             <a:endParaRPr b="0" lang="en-US" sz="3200" spc="-1" strike="noStrike">
+              <a:solidFill>
+                <a:srgbClr val="ffffff"/>
+              </a:solidFill>
               <a:latin typeface="Arial"/>
             </a:endParaRPr>
           </a:p>
@@ -2165,7 +2231,7 @@
         <p:spPr>
           <a:xfrm>
             <a:off x="5152680" y="1326600"/>
-            <a:ext cx="4426920" cy="1568160"/>
+            <a:ext cx="4426920" cy="1568520"/>
           </a:xfrm>
           <a:prstGeom prst="rect">
             <a:avLst/>
@@ -2181,6 +2247,9 @@
           </a:bodyPr>
           <a:p>
             <a:endParaRPr b="0" lang="en-US" sz="3200" spc="-1" strike="noStrike">
+              <a:solidFill>
+                <a:srgbClr val="ffffff"/>
+              </a:solidFill>
               <a:latin typeface="Arial"/>
             </a:endParaRPr>
           </a:p>
@@ -2198,8 +2267,8 @@
         </p:nvSpPr>
         <p:spPr>
           <a:xfrm>
-            <a:off x="504000" y="3044160"/>
-            <a:ext cx="9071640" cy="1568160"/>
+            <a:off x="504000" y="3044520"/>
+            <a:ext cx="9072000" cy="1568520"/>
           </a:xfrm>
           <a:prstGeom prst="rect">
             <a:avLst/>
@@ -2215,6 +2284,9 @@
           </a:bodyPr>
           <a:p>
             <a:endParaRPr b="0" lang="en-US" sz="3200" spc="-1" strike="noStrike">
+              <a:solidFill>
+                <a:srgbClr val="ffffff"/>
+              </a:solidFill>
               <a:latin typeface="Arial"/>
             </a:endParaRPr>
           </a:p>
@@ -2254,7 +2326,7 @@
         <p:txBody>
           <a:bodyPr/>
           <a:p>
-            <a:fld id="{E2299770-D169-424C-8120-3DBB0AF3FF84}" type="slidenum">
+            <a:fld id="{ADAC92BE-6A66-4DF8-9CE2-F7B7B3496588}" type="slidenum">
               <a:t>&lt;#&gt;</a:t>
             </a:fld>
           </a:p>
@@ -2312,7 +2384,7 @@
         <p:spPr>
           <a:xfrm>
             <a:off x="0" y="0"/>
-            <a:ext cx="10079280" cy="5669280"/>
+            <a:ext cx="10078920" cy="5668920"/>
           </a:xfrm>
           <a:prstGeom prst="rect">
             <a:avLst/>
@@ -2348,7 +2420,7 @@
         <p:spPr>
           <a:xfrm>
             <a:off x="1440000" y="1080000"/>
-            <a:ext cx="1439280" cy="1259280"/>
+            <a:ext cx="1438920" cy="1258920"/>
           </a:xfrm>
           <a:prstGeom prst="ellipse">
             <a:avLst/>
@@ -2378,7 +2450,7 @@
         <p:spPr>
           <a:xfrm>
             <a:off x="7380000" y="3960000"/>
-            <a:ext cx="1439280" cy="1259280"/>
+            <a:ext cx="1438920" cy="1258920"/>
           </a:xfrm>
           <a:prstGeom prst="ellipse">
             <a:avLst/>
@@ -2408,7 +2480,7 @@
         <p:spPr>
           <a:xfrm>
             <a:off x="9000000" y="2700000"/>
-            <a:ext cx="1259280" cy="1079280"/>
+            <a:ext cx="1258920" cy="1078920"/>
           </a:xfrm>
           <a:prstGeom prst="ellipse">
             <a:avLst/>
@@ -2438,7 +2510,7 @@
         <p:spPr>
           <a:xfrm>
             <a:off x="-180000" y="2430000"/>
-            <a:ext cx="1439280" cy="1349280"/>
+            <a:ext cx="1438920" cy="1348920"/>
           </a:xfrm>
           <a:prstGeom prst="ellipse">
             <a:avLst/>
@@ -2468,7 +2540,7 @@
         <p:spPr>
           <a:xfrm>
             <a:off x="540000" y="1080000"/>
-            <a:ext cx="719280" cy="719280"/>
+            <a:ext cx="718920" cy="718920"/>
           </a:xfrm>
           <a:prstGeom prst="ellipse">
             <a:avLst/>
@@ -2498,7 +2570,7 @@
         <p:spPr>
           <a:xfrm>
             <a:off x="0" y="1260000"/>
-            <a:ext cx="719280" cy="719280"/>
+            <a:ext cx="718920" cy="718920"/>
           </a:xfrm>
           <a:prstGeom prst="ellipse">
             <a:avLst/>
@@ -2528,7 +2600,7 @@
         <p:spPr>
           <a:xfrm>
             <a:off x="0" y="5220000"/>
-            <a:ext cx="1619280" cy="1259280"/>
+            <a:ext cx="1618920" cy="1258920"/>
           </a:xfrm>
           <a:prstGeom prst="ellipse">
             <a:avLst/>
@@ -2558,7 +2630,7 @@
         <p:spPr>
           <a:xfrm>
             <a:off x="9720000" y="4680000"/>
-            <a:ext cx="719280" cy="719280"/>
+            <a:ext cx="718920" cy="718920"/>
           </a:xfrm>
           <a:prstGeom prst="ellipse">
             <a:avLst/>
@@ -2588,7 +2660,7 @@
         <p:spPr>
           <a:xfrm>
             <a:off x="9540000" y="3420000"/>
-            <a:ext cx="719280" cy="719280"/>
+            <a:ext cx="718920" cy="718920"/>
           </a:xfrm>
           <a:prstGeom prst="ellipse">
             <a:avLst/>
@@ -2618,7 +2690,7 @@
         <p:spPr>
           <a:xfrm>
             <a:off x="8100000" y="4680000"/>
-            <a:ext cx="1079280" cy="841680"/>
+            <a:ext cx="1078920" cy="841320"/>
           </a:xfrm>
           <a:prstGeom prst="ellipse">
             <a:avLst/>
@@ -2648,7 +2720,7 @@
         <p:spPr>
           <a:xfrm>
             <a:off x="7920000" y="5400000"/>
-            <a:ext cx="899280" cy="899280"/>
+            <a:ext cx="898920" cy="898920"/>
           </a:xfrm>
           <a:prstGeom prst="ellipse">
             <a:avLst/>
@@ -2676,248 +2748,13 @@
             <a:spLocks noGrp="1"/>
           </p:cNvSpPr>
           <p:nvPr>
-            <p:ph type="title"/>
-          </p:nvPr>
-        </p:nvSpPr>
-        <p:spPr>
-          <a:xfrm>
-            <a:off x="540000" y="270000"/>
-            <a:ext cx="8999280" cy="989280"/>
-          </a:xfrm>
-          <a:prstGeom prst="rect">
-            <a:avLst/>
-          </a:prstGeom>
-          <a:noFill/>
-          <a:ln w="0">
-            <a:noFill/>
-          </a:ln>
-        </p:spPr>
-        <p:txBody>
-          <a:bodyPr lIns="0" rIns="0" tIns="0" bIns="0" anchor="ctr">
-            <a:noAutofit/>
-          </a:bodyPr>
-          <a:p>
-            <a:r>
-              <a:rPr b="0" lang="en-US" sz="1800" spc="-1" strike="noStrike">
-                <a:latin typeface="Arial"/>
-              </a:rPr>
-              <a:t>Click to edit </a:t>
-            </a:r>
-            <a:r>
-              <a:rPr b="0" lang="en-US" sz="1800" spc="-1" strike="noStrike">
-                <a:latin typeface="Arial"/>
-              </a:rPr>
-              <a:t>the title text </a:t>
-            </a:r>
-            <a:r>
-              <a:rPr b="0" lang="en-US" sz="1800" spc="-1" strike="noStrike">
-                <a:latin typeface="Arial"/>
-              </a:rPr>
-              <a:t>format</a:t>
-            </a:r>
-            <a:endParaRPr b="0" lang="en-US" sz="1800" spc="-1" strike="noStrike">
-              <a:latin typeface="Arial"/>
-            </a:endParaRPr>
-          </a:p>
-        </p:txBody>
-      </p:sp>
-      <p:sp>
-        <p:nvSpPr>
-          <p:cNvPr id="13" name="PlaceHolder 2"/>
-          <p:cNvSpPr>
-            <a:spLocks noGrp="1"/>
-          </p:cNvSpPr>
-          <p:nvPr>
-            <p:ph type="body"/>
-          </p:nvPr>
-        </p:nvSpPr>
-        <p:spPr>
-          <a:xfrm>
-            <a:off x="504000" y="1326600"/>
-            <a:ext cx="9071640" cy="3288240"/>
-          </a:xfrm>
-          <a:prstGeom prst="rect">
-            <a:avLst/>
-          </a:prstGeom>
-          <a:noFill/>
-          <a:ln w="0">
-            <a:noFill/>
-          </a:ln>
-        </p:spPr>
-        <p:txBody>
-          <a:bodyPr lIns="0" rIns="0" tIns="0" bIns="0" anchor="t">
-            <a:normAutofit/>
-          </a:bodyPr>
-          <a:p>
-            <a:pPr marL="432000" indent="-324000">
-              <a:spcBef>
-                <a:spcPts val="1417"/>
-              </a:spcBef>
-              <a:buClr>
-                <a:srgbClr val="000000"/>
-              </a:buClr>
-              <a:buSzPct val="45000"/>
-              <a:buFont typeface="Wingdings" charset="2"/>
-              <a:buChar char=""/>
-            </a:pPr>
-            <a:r>
-              <a:rPr b="0" lang="en-US" sz="1800" spc="-1" strike="noStrike">
-                <a:latin typeface="Arial"/>
-              </a:rPr>
-              <a:t>Click to edit the outline text format</a:t>
-            </a:r>
-            <a:endParaRPr b="0" lang="en-US" sz="1800" spc="-1" strike="noStrike">
-              <a:latin typeface="Arial"/>
-            </a:endParaRPr>
-          </a:p>
-          <a:p>
-            <a:pPr lvl="1" marL="864000" indent="-324000">
-              <a:spcBef>
-                <a:spcPts val="1134"/>
-              </a:spcBef>
-              <a:buClr>
-                <a:srgbClr val="000000"/>
-              </a:buClr>
-              <a:buSzPct val="75000"/>
-              <a:buFont typeface="Symbol" charset="2"/>
-              <a:buChar char=""/>
-            </a:pPr>
-            <a:r>
-              <a:rPr b="0" lang="en-US" sz="1800" spc="-1" strike="noStrike">
-                <a:latin typeface="Arial"/>
-              </a:rPr>
-              <a:t>Second Outline Level</a:t>
-            </a:r>
-            <a:endParaRPr b="0" lang="en-US" sz="1800" spc="-1" strike="noStrike">
-              <a:latin typeface="Arial"/>
-            </a:endParaRPr>
-          </a:p>
-          <a:p>
-            <a:pPr lvl="2" marL="1296000" indent="-288000">
-              <a:spcBef>
-                <a:spcPts val="850"/>
-              </a:spcBef>
-              <a:buClr>
-                <a:srgbClr val="000000"/>
-              </a:buClr>
-              <a:buSzPct val="45000"/>
-              <a:buFont typeface="Wingdings" charset="2"/>
-              <a:buChar char=""/>
-            </a:pPr>
-            <a:r>
-              <a:rPr b="0" lang="en-US" sz="1800" spc="-1" strike="noStrike">
-                <a:latin typeface="Arial"/>
-              </a:rPr>
-              <a:t>Third Outline Level</a:t>
-            </a:r>
-            <a:endParaRPr b="0" lang="en-US" sz="1800" spc="-1" strike="noStrike">
-              <a:latin typeface="Arial"/>
-            </a:endParaRPr>
-          </a:p>
-          <a:p>
-            <a:pPr lvl="3" marL="1728000" indent="-216000">
-              <a:spcBef>
-                <a:spcPts val="567"/>
-              </a:spcBef>
-              <a:buClr>
-                <a:srgbClr val="000000"/>
-              </a:buClr>
-              <a:buSzPct val="75000"/>
-              <a:buFont typeface="Symbol" charset="2"/>
-              <a:buChar char=""/>
-            </a:pPr>
-            <a:r>
-              <a:rPr b="0" lang="en-US" sz="1800" spc="-1" strike="noStrike">
-                <a:latin typeface="Arial"/>
-              </a:rPr>
-              <a:t>Fourth Outline Level</a:t>
-            </a:r>
-            <a:endParaRPr b="0" lang="en-US" sz="1800" spc="-1" strike="noStrike">
-              <a:latin typeface="Arial"/>
-            </a:endParaRPr>
-          </a:p>
-          <a:p>
-            <a:pPr lvl="4" marL="2160000" indent="-216000">
-              <a:spcBef>
-                <a:spcPts val="283"/>
-              </a:spcBef>
-              <a:buClr>
-                <a:srgbClr val="000000"/>
-              </a:buClr>
-              <a:buSzPct val="45000"/>
-              <a:buFont typeface="Wingdings" charset="2"/>
-              <a:buChar char=""/>
-            </a:pPr>
-            <a:r>
-              <a:rPr b="0" lang="en-US" sz="1800" spc="-1" strike="noStrike">
-                <a:latin typeface="Arial"/>
-              </a:rPr>
-              <a:t>Fifth Outline Level</a:t>
-            </a:r>
-            <a:endParaRPr b="0" lang="en-US" sz="1800" spc="-1" strike="noStrike">
-              <a:latin typeface="Arial"/>
-            </a:endParaRPr>
-          </a:p>
-          <a:p>
-            <a:pPr lvl="5" marL="2592000" indent="-216000">
-              <a:spcBef>
-                <a:spcPts val="283"/>
-              </a:spcBef>
-              <a:buClr>
-                <a:srgbClr val="000000"/>
-              </a:buClr>
-              <a:buSzPct val="45000"/>
-              <a:buFont typeface="Wingdings" charset="2"/>
-              <a:buChar char=""/>
-            </a:pPr>
-            <a:r>
-              <a:rPr b="0" lang="en-US" sz="1800" spc="-1" strike="noStrike">
-                <a:latin typeface="Arial"/>
-              </a:rPr>
-              <a:t>Sixth Outline Level</a:t>
-            </a:r>
-            <a:endParaRPr b="0" lang="en-US" sz="1800" spc="-1" strike="noStrike">
-              <a:latin typeface="Arial"/>
-            </a:endParaRPr>
-          </a:p>
-          <a:p>
-            <a:pPr lvl="6" marL="3024000" indent="-216000">
-              <a:spcBef>
-                <a:spcPts val="283"/>
-              </a:spcBef>
-              <a:buClr>
-                <a:srgbClr val="000000"/>
-              </a:buClr>
-              <a:buSzPct val="45000"/>
-              <a:buFont typeface="Wingdings" charset="2"/>
-              <a:buChar char=""/>
-            </a:pPr>
-            <a:r>
-              <a:rPr b="0" lang="en-US" sz="1800" spc="-1" strike="noStrike">
-                <a:latin typeface="Arial"/>
-              </a:rPr>
-              <a:t>Seventh Outline Level</a:t>
-            </a:r>
-            <a:endParaRPr b="0" lang="en-US" sz="1800" spc="-1" strike="noStrike">
-              <a:latin typeface="Arial"/>
-            </a:endParaRPr>
-          </a:p>
-        </p:txBody>
-      </p:sp>
-      <p:sp>
-        <p:nvSpPr>
-          <p:cNvPr id="14" name="PlaceHolder 3"/>
-          <p:cNvSpPr>
-            <a:spLocks noGrp="1"/>
-          </p:cNvSpPr>
-          <p:nvPr>
             <p:ph type="ftr" idx="1"/>
           </p:nvPr>
         </p:nvSpPr>
         <p:spPr>
           <a:xfrm>
             <a:off x="3420000" y="5130000"/>
-            <a:ext cx="3239280" cy="391680"/>
+            <a:ext cx="3238920" cy="391320"/>
           </a:xfrm>
           <a:prstGeom prst="rect">
             <a:avLst/>
@@ -2969,7 +2806,7 @@
       </p:sp>
       <p:sp>
         <p:nvSpPr>
-          <p:cNvPr id="15" name="PlaceHolder 4"/>
+          <p:cNvPr id="13" name="PlaceHolder 2"/>
           <p:cNvSpPr>
             <a:spLocks noGrp="1"/>
           </p:cNvSpPr>
@@ -2980,7 +2817,7 @@
         <p:spPr>
           <a:xfrm>
             <a:off x="7560000" y="5130000"/>
-            <a:ext cx="2339280" cy="391680"/>
+            <a:ext cx="2338920" cy="391320"/>
           </a:xfrm>
           <a:prstGeom prst="rect">
             <a:avLst/>
@@ -3015,7 +2852,7 @@
               </a:lnSpc>
               <a:buNone/>
             </a:pPr>
-            <a:fld id="{B86FCEB2-F90E-4836-AAB5-27B42ED048B0}" type="slidenum">
+            <a:fld id="{E248D9A1-1867-4C89-9975-D15BB7D53C59}" type="slidenum">
               <a:rPr b="0" lang="en-US" sz="1400" spc="-1" strike="noStrike">
                 <a:solidFill>
                   <a:srgbClr val="ffffff"/>
@@ -3032,7 +2869,7 @@
       </p:sp>
       <p:sp>
         <p:nvSpPr>
-          <p:cNvPr id="16" name="PlaceHolder 5"/>
+          <p:cNvPr id="14" name="PlaceHolder 3"/>
           <p:cNvSpPr>
             <a:spLocks noGrp="1"/>
           </p:cNvSpPr>
@@ -3043,7 +2880,7 @@
         <p:spPr>
           <a:xfrm>
             <a:off x="180000" y="5130000"/>
-            <a:ext cx="2339280" cy="391680"/>
+            <a:ext cx="2338920" cy="391320"/>
           </a:xfrm>
           <a:prstGeom prst="rect">
             <a:avLst/>
@@ -3073,6 +2910,316 @@
             </a:r>
             <a:endParaRPr b="0" lang="en-US" sz="1400" spc="-1" strike="noStrike">
               <a:latin typeface="Times New Roman"/>
+            </a:endParaRPr>
+          </a:p>
+        </p:txBody>
+      </p:sp>
+      <p:sp>
+        <p:nvSpPr>
+          <p:cNvPr id="15" name="PlaceHolder 4"/>
+          <p:cNvSpPr>
+            <a:spLocks noGrp="1"/>
+          </p:cNvSpPr>
+          <p:nvPr>
+            <p:ph type="title"/>
+          </p:nvPr>
+        </p:nvSpPr>
+        <p:spPr>
+          <a:xfrm>
+            <a:off x="504000" y="226080"/>
+            <a:ext cx="9072000" cy="946440"/>
+          </a:xfrm>
+          <a:prstGeom prst="rect">
+            <a:avLst/>
+          </a:prstGeom>
+          <a:noFill/>
+          <a:ln w="0">
+            <a:noFill/>
+          </a:ln>
+        </p:spPr>
+        <p:txBody>
+          <a:bodyPr lIns="0" rIns="0" tIns="0" bIns="0" anchor="ctr">
+            <a:noAutofit/>
+          </a:bodyPr>
+          <a:p>
+            <a:pPr algn="ctr">
+              <a:buNone/>
+            </a:pPr>
+            <a:r>
+              <a:rPr b="0" lang="en-US" sz="4400" spc="-1" strike="noStrike">
+                <a:latin typeface="Arial"/>
+              </a:rPr>
+              <a:t>Clic</a:t>
+            </a:r>
+            <a:r>
+              <a:rPr b="0" lang="en-US" sz="4400" spc="-1" strike="noStrike">
+                <a:latin typeface="Arial"/>
+              </a:rPr>
+              <a:t>k to </a:t>
+            </a:r>
+            <a:r>
+              <a:rPr b="0" lang="en-US" sz="4400" spc="-1" strike="noStrike">
+                <a:latin typeface="Arial"/>
+              </a:rPr>
+              <a:t>edit </a:t>
+            </a:r>
+            <a:r>
+              <a:rPr b="0" lang="en-US" sz="4400" spc="-1" strike="noStrike">
+                <a:latin typeface="Arial"/>
+              </a:rPr>
+              <a:t>the </a:t>
+            </a:r>
+            <a:r>
+              <a:rPr b="0" lang="en-US" sz="4400" spc="-1" strike="noStrike">
+                <a:latin typeface="Arial"/>
+              </a:rPr>
+              <a:t>title </a:t>
+            </a:r>
+            <a:r>
+              <a:rPr b="0" lang="en-US" sz="4400" spc="-1" strike="noStrike">
+                <a:latin typeface="Arial"/>
+              </a:rPr>
+              <a:t>text </a:t>
+            </a:r>
+            <a:r>
+              <a:rPr b="0" lang="en-US" sz="4400" spc="-1" strike="noStrike">
+                <a:latin typeface="Arial"/>
+              </a:rPr>
+              <a:t>form</a:t>
+            </a:r>
+            <a:r>
+              <a:rPr b="0" lang="en-US" sz="4400" spc="-1" strike="noStrike">
+                <a:latin typeface="Arial"/>
+              </a:rPr>
+              <a:t>at</a:t>
+            </a:r>
+            <a:endParaRPr b="0" lang="en-US" sz="4400" spc="-1" strike="noStrike">
+              <a:latin typeface="Arial"/>
+            </a:endParaRPr>
+          </a:p>
+        </p:txBody>
+      </p:sp>
+      <p:sp>
+        <p:nvSpPr>
+          <p:cNvPr id="16" name="PlaceHolder 5"/>
+          <p:cNvSpPr>
+            <a:spLocks noGrp="1"/>
+          </p:cNvSpPr>
+          <p:nvPr>
+            <p:ph type="body"/>
+          </p:nvPr>
+        </p:nvSpPr>
+        <p:spPr>
+          <a:xfrm>
+            <a:off x="504000" y="1326600"/>
+            <a:ext cx="9072000" cy="3288600"/>
+          </a:xfrm>
+          <a:prstGeom prst="rect">
+            <a:avLst/>
+          </a:prstGeom>
+          <a:noFill/>
+          <a:ln w="0">
+            <a:noFill/>
+          </a:ln>
+        </p:spPr>
+        <p:txBody>
+          <a:bodyPr lIns="0" rIns="0" tIns="0" bIns="0" anchor="t">
+            <a:normAutofit/>
+          </a:bodyPr>
+          <a:p>
+            <a:pPr marL="432000" indent="-324000">
+              <a:spcBef>
+                <a:spcPts val="1417"/>
+              </a:spcBef>
+              <a:buClr>
+                <a:srgbClr val="000000"/>
+              </a:buClr>
+              <a:buSzPct val="45000"/>
+              <a:buFont typeface="Wingdings" charset="2"/>
+              <a:buChar char=""/>
+            </a:pPr>
+            <a:r>
+              <a:rPr b="0" lang="en-US" sz="3200" spc="-1" strike="noStrike">
+                <a:solidFill>
+                  <a:srgbClr val="ffffff"/>
+                </a:solidFill>
+                <a:latin typeface="Arial"/>
+              </a:rPr>
+              <a:t>Click to edit the outline text format</a:t>
+            </a:r>
+            <a:endParaRPr b="0" lang="en-US" sz="3200" spc="-1" strike="noStrike">
+              <a:solidFill>
+                <a:srgbClr val="ffffff"/>
+              </a:solidFill>
+              <a:latin typeface="Arial"/>
+            </a:endParaRPr>
+          </a:p>
+          <a:p>
+            <a:pPr lvl="1" marL="864000" indent="-324000">
+              <a:spcBef>
+                <a:spcPts val="1134"/>
+              </a:spcBef>
+              <a:buClr>
+                <a:srgbClr val="000000"/>
+              </a:buClr>
+              <a:buSzPct val="75000"/>
+              <a:buFont typeface="Symbol" charset="2"/>
+              <a:buChar char=""/>
+            </a:pPr>
+            <a:r>
+              <a:rPr b="0" lang="en-US" sz="2800" spc="-1" strike="noStrike">
+                <a:solidFill>
+                  <a:srgbClr val="ffffff"/>
+                </a:solidFill>
+                <a:latin typeface="Arial"/>
+              </a:rPr>
+              <a:t>Second Outline Level</a:t>
+            </a:r>
+            <a:endParaRPr b="0" lang="en-US" sz="2800" spc="-1" strike="noStrike">
+              <a:solidFill>
+                <a:srgbClr val="ffffff"/>
+              </a:solidFill>
+              <a:latin typeface="Arial"/>
+            </a:endParaRPr>
+          </a:p>
+          <a:p>
+            <a:pPr lvl="2" marL="1296000" indent="-288000">
+              <a:spcBef>
+                <a:spcPts val="850"/>
+              </a:spcBef>
+              <a:buClr>
+                <a:srgbClr val="000000"/>
+              </a:buClr>
+              <a:buSzPct val="45000"/>
+              <a:buFont typeface="Wingdings" charset="2"/>
+              <a:buChar char=""/>
+            </a:pPr>
+            <a:r>
+              <a:rPr b="0" lang="en-US" sz="2400" spc="-1" strike="noStrike">
+                <a:solidFill>
+                  <a:srgbClr val="ffffff"/>
+                </a:solidFill>
+                <a:latin typeface="Arial"/>
+              </a:rPr>
+              <a:t>Third Outline Level</a:t>
+            </a:r>
+            <a:endParaRPr b="0" lang="en-US" sz="2400" spc="-1" strike="noStrike">
+              <a:solidFill>
+                <a:srgbClr val="ffffff"/>
+              </a:solidFill>
+              <a:latin typeface="Arial"/>
+            </a:endParaRPr>
+          </a:p>
+          <a:p>
+            <a:pPr lvl="3" marL="1728000" indent="-216000">
+              <a:spcBef>
+                <a:spcPts val="567"/>
+              </a:spcBef>
+              <a:buClr>
+                <a:srgbClr val="000000"/>
+              </a:buClr>
+              <a:buSzPct val="75000"/>
+              <a:buFont typeface="Symbol" charset="2"/>
+              <a:buChar char=""/>
+            </a:pPr>
+            <a:r>
+              <a:rPr b="0" lang="en-US" sz="2000" spc="-1" strike="noStrike">
+                <a:solidFill>
+                  <a:srgbClr val="ffffff"/>
+                </a:solidFill>
+                <a:latin typeface="Arial"/>
+              </a:rPr>
+              <a:t>Fourth Outline Level</a:t>
+            </a:r>
+            <a:endParaRPr b="0" lang="en-US" sz="2000" spc="-1" strike="noStrike">
+              <a:solidFill>
+                <a:srgbClr val="ffffff"/>
+              </a:solidFill>
+              <a:latin typeface="Arial"/>
+            </a:endParaRPr>
+          </a:p>
+          <a:p>
+            <a:pPr lvl="4" marL="2160000" indent="-216000">
+              <a:spcBef>
+                <a:spcPts val="283"/>
+              </a:spcBef>
+              <a:buClr>
+                <a:srgbClr val="000000"/>
+              </a:buClr>
+              <a:buSzPct val="45000"/>
+              <a:buFont typeface="Wingdings" charset="2"/>
+              <a:buChar char=""/>
+            </a:pPr>
+            <a:r>
+              <a:rPr b="0" lang="en-US" sz="2000" spc="-1" strike="noStrike">
+                <a:solidFill>
+                  <a:srgbClr val="ffffff"/>
+                </a:solidFill>
+                <a:latin typeface="Arial"/>
+              </a:rPr>
+              <a:t>Fifth Outline Level</a:t>
+            </a:r>
+            <a:endParaRPr b="0" lang="en-US" sz="2000" spc="-1" strike="noStrike">
+              <a:solidFill>
+                <a:srgbClr val="ffffff"/>
+              </a:solidFill>
+              <a:latin typeface="Arial"/>
+            </a:endParaRPr>
+          </a:p>
+          <a:p>
+            <a:pPr lvl="5" marL="2592000" indent="-216000">
+              <a:spcBef>
+                <a:spcPts val="283"/>
+              </a:spcBef>
+              <a:buClr>
+                <a:srgbClr val="000000"/>
+              </a:buClr>
+              <a:buSzPct val="45000"/>
+              <a:buFont typeface="Wingdings" charset="2"/>
+              <a:buChar char=""/>
+            </a:pPr>
+            <a:r>
+              <a:rPr b="0" lang="en-US" sz="2000" spc="-1" strike="noStrike">
+                <a:solidFill>
+                  <a:srgbClr val="ffffff"/>
+                </a:solidFill>
+                <a:latin typeface="Arial"/>
+              </a:rPr>
+              <a:t>Sixth Outline Level</a:t>
+            </a:r>
+            <a:endParaRPr b="0" lang="en-US" sz="2000" spc="-1" strike="noStrike">
+              <a:solidFill>
+                <a:srgbClr val="ffffff"/>
+              </a:solidFill>
+              <a:latin typeface="Arial"/>
+            </a:endParaRPr>
+          </a:p>
+          <a:p>
+            <a:pPr lvl="6" marL="3024000" indent="-216000">
+              <a:spcBef>
+                <a:spcPts val="283"/>
+              </a:spcBef>
+              <a:buClr>
+                <a:srgbClr val="000000"/>
+              </a:buClr>
+              <a:buSzPct val="45000"/>
+              <a:buFont typeface="Wingdings" charset="2"/>
+              <a:buChar char=""/>
+            </a:pPr>
+            <a:r>
+              <a:rPr b="0" lang="en-US" sz="2000" spc="-1" strike="noStrike">
+                <a:solidFill>
+                  <a:srgbClr val="ffffff"/>
+                </a:solidFill>
+                <a:latin typeface="Arial"/>
+              </a:rPr>
+              <a:t>Seventh Outline Level</a:t>
+            </a:r>
+            <a:endParaRPr b="0" lang="en-US" sz="2000" spc="-1" strike="noStrike">
+              <a:solidFill>
+                <a:srgbClr val="ffffff"/>
+              </a:solidFill>
+              <a:latin typeface="Arial"/>
             </a:endParaRPr>
           </a:p>
         </p:txBody>
@@ -3127,7 +3274,7 @@
         <p:spPr>
           <a:xfrm>
             <a:off x="504000" y="1428840"/>
-            <a:ext cx="9070920" cy="946080"/>
+            <a:ext cx="9070560" cy="945720"/>
           </a:xfrm>
           <a:prstGeom prst="rect">
             <a:avLst/>
@@ -3155,7 +3302,16 @@
                 </a:solidFill>
                 <a:latin typeface="Arial"/>
               </a:rPr>
-              <a:t>Contact Manager</a:t>
+              <a:t>Contact </a:t>
+            </a:r>
+            <a:r>
+              <a:rPr b="0" lang="en-US" sz="3300" spc="-1" strike="noStrike">
+                <a:solidFill>
+                  <a:srgbClr val="ffffff"/>
+                </a:solidFill>
+                <a:latin typeface="Arial"/>
+              </a:rPr>
+              <a:t>Manager</a:t>
             </a:r>
             <a:endParaRPr b="0" lang="en-US" sz="3300" spc="-1" strike="noStrike">
               <a:latin typeface="Arial"/>
@@ -3176,7 +3332,7 @@
         <p:spPr>
           <a:xfrm>
             <a:off x="504000" y="2592000"/>
-            <a:ext cx="9070920" cy="2022120"/>
+            <a:ext cx="9070560" cy="2021760"/>
           </a:xfrm>
           <a:prstGeom prst="rect">
             <a:avLst/>
@@ -3194,7 +3350,7 @@
             <a:pPr algn="ctr">
               <a:buNone/>
             </a:pPr>
-            <a:endParaRPr b="0" lang="en-US" sz="3200" spc="-1" strike="noStrike">
+            <a:endParaRPr b="0" lang="en-US" sz="1800" spc="-1" strike="noStrike">
               <a:solidFill>
                 <a:srgbClr val="ffffff"/>
               </a:solidFill>
@@ -3246,7 +3402,7 @@
         <p:spPr>
           <a:xfrm>
             <a:off x="540000" y="139680"/>
-            <a:ext cx="8999280" cy="1249920"/>
+            <a:ext cx="8998920" cy="1249560"/>
           </a:xfrm>
           <a:prstGeom prst="rect">
             <a:avLst/>
@@ -3295,7 +3451,7 @@
         <p:spPr>
           <a:xfrm>
             <a:off x="504000" y="1326600"/>
-            <a:ext cx="9071640" cy="3288240"/>
+            <a:ext cx="9071280" cy="3287880"/>
           </a:xfrm>
           <a:prstGeom prst="rect">
             <a:avLst/>
@@ -3310,7 +3466,56 @@
             <a:normAutofit/>
           </a:bodyPr>
           <a:p>
-            <a:endParaRPr b="0" lang="en-US" sz="3200" spc="-1" strike="noStrike">
+            <a:pPr indent="-324000">
+              <a:lnSpc>
+                <a:spcPct val="100000"/>
+              </a:lnSpc>
+              <a:buClr>
+                <a:srgbClr val="000000"/>
+              </a:buClr>
+              <a:buFont typeface="Wingdings" charset="2"/>
+              <a:buChar char=""/>
+            </a:pPr>
+            <a:r>
+              <a:rPr b="0" lang="en-US" sz="1800" spc="-1" strike="noStrike">
+                <a:solidFill>
+                  <a:srgbClr val="ffffff"/>
+                </a:solidFill>
+                <a:latin typeface="Arial"/>
+              </a:rPr>
+              <a:t>Database</a:t>
+            </a:r>
+            <a:endParaRPr b="0" lang="en-US" sz="1800" spc="-1" strike="noStrike">
+              <a:solidFill>
+                <a:srgbClr val="ffffff"/>
+              </a:solidFill>
+              <a:latin typeface="Arial"/>
+            </a:endParaRPr>
+          </a:p>
+          <a:p>
+            <a:pPr indent="-324000">
+              <a:lnSpc>
+                <a:spcPct val="100000"/>
+              </a:lnSpc>
+              <a:buClr>
+                <a:srgbClr val="000000"/>
+              </a:buClr>
+              <a:buFont typeface="Wingdings" charset="2"/>
+              <a:buChar char=""/>
+            </a:pPr>
+            <a:r>
+              <a:rPr b="0" lang="en-US" sz="1800" spc="-1" strike="noStrike">
+                <a:solidFill>
+                  <a:srgbClr val="ffffff"/>
+                </a:solidFill>
+                <a:latin typeface="Arial"/>
+              </a:rPr>
+              <a:t>API</a:t>
+            </a:r>
+            <a:endParaRPr b="0" lang="en-US" sz="1800" spc="-1" strike="noStrike">
+              <a:solidFill>
+                <a:srgbClr val="ffffff"/>
+              </a:solidFill>
               <a:latin typeface="Arial"/>
             </a:endParaRPr>
           </a:p>
@@ -3359,7 +3564,7 @@
         <p:spPr>
           <a:xfrm>
             <a:off x="540000" y="139680"/>
-            <a:ext cx="8999280" cy="1249920"/>
+            <a:ext cx="8998920" cy="1249560"/>
           </a:xfrm>
           <a:prstGeom prst="rect">
             <a:avLst/>
@@ -3408,7 +3613,7 @@
         <p:spPr>
           <a:xfrm>
             <a:off x="504000" y="1326600"/>
-            <a:ext cx="9071640" cy="3288240"/>
+            <a:ext cx="9071280" cy="3287880"/>
           </a:xfrm>
           <a:prstGeom prst="rect">
             <a:avLst/>
@@ -3424,6 +3629,9 @@
           </a:bodyPr>
           <a:p>
             <a:endParaRPr b="0" lang="en-US" sz="3200" spc="-1" strike="noStrike">
+              <a:solidFill>
+                <a:srgbClr val="ffffff"/>
+              </a:solidFill>
               <a:latin typeface="Arial"/>
             </a:endParaRPr>
           </a:p>
@@ -3472,7 +3680,7 @@
         <p:spPr>
           <a:xfrm>
             <a:off x="540000" y="139680"/>
-            <a:ext cx="8999280" cy="1249920"/>
+            <a:ext cx="8998920" cy="1249560"/>
           </a:xfrm>
           <a:prstGeom prst="rect">
             <a:avLst/>
@@ -3521,7 +3729,7 @@
         <p:spPr>
           <a:xfrm>
             <a:off x="504000" y="1326600"/>
-            <a:ext cx="9071640" cy="3288240"/>
+            <a:ext cx="9071280" cy="3287880"/>
           </a:xfrm>
           <a:prstGeom prst="rect">
             <a:avLst/>
@@ -3537,6 +3745,9 @@
           </a:bodyPr>
           <a:p>
             <a:endParaRPr b="0" lang="en-US" sz="3200" spc="-1" strike="noStrike">
+              <a:solidFill>
+                <a:srgbClr val="ffffff"/>
+              </a:solidFill>
               <a:latin typeface="Arial"/>
             </a:endParaRPr>
           </a:p>
@@ -3585,7 +3796,7 @@
         <p:spPr>
           <a:xfrm>
             <a:off x="540000" y="139680"/>
-            <a:ext cx="8999280" cy="1249920"/>
+            <a:ext cx="8998920" cy="1249560"/>
           </a:xfrm>
           <a:prstGeom prst="rect">
             <a:avLst/>
@@ -3634,7 +3845,7 @@
         <p:spPr>
           <a:xfrm>
             <a:off x="504000" y="1326600"/>
-            <a:ext cx="9071640" cy="3288240"/>
+            <a:ext cx="9071280" cy="3287880"/>
           </a:xfrm>
           <a:prstGeom prst="rect">
             <a:avLst/>
@@ -3650,6 +3861,9 @@
           </a:bodyPr>
           <a:p>
             <a:endParaRPr b="0" lang="en-US" sz="3200" spc="-1" strike="noStrike">
+              <a:solidFill>
+                <a:srgbClr val="ffffff"/>
+              </a:solidFill>
               <a:latin typeface="Arial"/>
             </a:endParaRPr>
           </a:p>
@@ -3698,7 +3912,7 @@
         <p:spPr>
           <a:xfrm>
             <a:off x="530280" y="425520"/>
-            <a:ext cx="9070920" cy="946080"/>
+            <a:ext cx="9070560" cy="945720"/>
           </a:xfrm>
           <a:prstGeom prst="rect">
             <a:avLst/>
@@ -3737,27 +3951,39 @@
       <p:sp>
         <p:nvSpPr>
           <p:cNvPr id="56" name=""/>
-          <p:cNvSpPr txBox="1"/>
+          <p:cNvSpPr/>
           <p:nvPr/>
         </p:nvSpPr>
         <p:spPr>
           <a:xfrm>
             <a:off x="7195320" y="2057400"/>
-            <a:ext cx="1948680" cy="302400"/>
-          </a:xfrm>
-          <a:prstGeom prst="rect">
-            <a:avLst/>
-          </a:prstGeom>
-          <a:noFill/>
-          <a:ln w="0">
-            <a:noFill/>
-          </a:ln>
-        </p:spPr>
+            <a:ext cx="1948320" cy="302040"/>
+          </a:xfrm>
+          <a:prstGeom prst="rect">
+            <a:avLst/>
+          </a:prstGeom>
+          <a:noFill/>
+          <a:ln w="0">
+            <a:noFill/>
+          </a:ln>
+        </p:spPr>
+        <p:style>
+          <a:lnRef idx="0"/>
+          <a:fillRef idx="0"/>
+          <a:effectRef idx="0"/>
+          <a:fontRef idx="minor"/>
+        </p:style>
         <p:txBody>
           <a:bodyPr lIns="90000" rIns="90000" tIns="45000" bIns="45000" anchor="t">
             <a:noAutofit/>
           </a:bodyPr>
           <a:p>
+            <a:pPr>
+              <a:lnSpc>
+                <a:spcPct val="100000"/>
+              </a:lnSpc>
+              <a:buNone/>
+            </a:pPr>
             <a:r>
               <a:rPr b="0" lang="en-US" sz="1500" spc="-1" strike="noStrike">
                 <a:solidFill>
@@ -3776,27 +4002,39 @@
       <p:sp>
         <p:nvSpPr>
           <p:cNvPr id="57" name=""/>
-          <p:cNvSpPr txBox="1"/>
+          <p:cNvSpPr/>
           <p:nvPr/>
         </p:nvSpPr>
         <p:spPr>
           <a:xfrm>
             <a:off x="685800" y="2057400"/>
-            <a:ext cx="1352520" cy="513720"/>
-          </a:xfrm>
-          <a:prstGeom prst="rect">
-            <a:avLst/>
-          </a:prstGeom>
-          <a:noFill/>
-          <a:ln w="0">
-            <a:noFill/>
-          </a:ln>
-        </p:spPr>
+            <a:ext cx="1352160" cy="513360"/>
+          </a:xfrm>
+          <a:prstGeom prst="rect">
+            <a:avLst/>
+          </a:prstGeom>
+          <a:noFill/>
+          <a:ln w="0">
+            <a:noFill/>
+          </a:ln>
+        </p:spPr>
+        <p:style>
+          <a:lnRef idx="0"/>
+          <a:fillRef idx="0"/>
+          <a:effectRef idx="0"/>
+          <a:fontRef idx="minor"/>
+        </p:style>
         <p:txBody>
           <a:bodyPr lIns="90000" rIns="90000" tIns="45000" bIns="45000" anchor="t">
             <a:noAutofit/>
           </a:bodyPr>
           <a:p>
+            <a:pPr>
+              <a:lnSpc>
+                <a:spcPct val="100000"/>
+              </a:lnSpc>
+              <a:buNone/>
+            </a:pPr>
             <a:r>
               <a:rPr b="0" lang="en-US" sz="1500" spc="-1" strike="noStrike">
                 <a:solidFill>
@@ -3815,27 +4053,39 @@
       <p:sp>
         <p:nvSpPr>
           <p:cNvPr id="58" name=""/>
-          <p:cNvSpPr txBox="1"/>
+          <p:cNvSpPr/>
           <p:nvPr/>
         </p:nvSpPr>
         <p:spPr>
           <a:xfrm>
             <a:off x="4167360" y="1983600"/>
-            <a:ext cx="1319040" cy="513720"/>
-          </a:xfrm>
-          <a:prstGeom prst="rect">
-            <a:avLst/>
-          </a:prstGeom>
-          <a:noFill/>
-          <a:ln w="0">
-            <a:noFill/>
-          </a:ln>
-        </p:spPr>
+            <a:ext cx="1318680" cy="513360"/>
+          </a:xfrm>
+          <a:prstGeom prst="rect">
+            <a:avLst/>
+          </a:prstGeom>
+          <a:noFill/>
+          <a:ln w="0">
+            <a:noFill/>
+          </a:ln>
+        </p:spPr>
+        <p:style>
+          <a:lnRef idx="0"/>
+          <a:fillRef idx="0"/>
+          <a:effectRef idx="0"/>
+          <a:fontRef idx="minor"/>
+        </p:style>
         <p:txBody>
           <a:bodyPr lIns="90000" rIns="90000" tIns="45000" bIns="45000" anchor="t">
             <a:noAutofit/>
           </a:bodyPr>
           <a:p>
+            <a:pPr>
+              <a:lnSpc>
+                <a:spcPct val="100000"/>
+              </a:lnSpc>
+              <a:buNone/>
+            </a:pPr>
             <a:r>
               <a:rPr b="0" lang="en-US" sz="1500" spc="-1" strike="noStrike">
                 <a:solidFill>
@@ -3854,27 +4104,39 @@
       <p:sp>
         <p:nvSpPr>
           <p:cNvPr id="59" name=""/>
-          <p:cNvSpPr txBox="1"/>
+          <p:cNvSpPr/>
           <p:nvPr/>
         </p:nvSpPr>
         <p:spPr>
           <a:xfrm>
             <a:off x="616320" y="4572000"/>
-            <a:ext cx="1669680" cy="513720"/>
-          </a:xfrm>
-          <a:prstGeom prst="rect">
-            <a:avLst/>
-          </a:prstGeom>
-          <a:noFill/>
-          <a:ln w="0">
-            <a:noFill/>
-          </a:ln>
-        </p:spPr>
+            <a:ext cx="1669320" cy="513360"/>
+          </a:xfrm>
+          <a:prstGeom prst="rect">
+            <a:avLst/>
+          </a:prstGeom>
+          <a:noFill/>
+          <a:ln w="0">
+            <a:noFill/>
+          </a:ln>
+        </p:spPr>
+        <p:style>
+          <a:lnRef idx="0"/>
+          <a:fillRef idx="0"/>
+          <a:effectRef idx="0"/>
+          <a:fontRef idx="minor"/>
+        </p:style>
         <p:txBody>
           <a:bodyPr lIns="90000" rIns="90000" tIns="45000" bIns="45000" anchor="t">
             <a:noAutofit/>
           </a:bodyPr>
           <a:p>
+            <a:pPr>
+              <a:lnSpc>
+                <a:spcPct val="100000"/>
+              </a:lnSpc>
+              <a:buNone/>
+            </a:pPr>
             <a:r>
               <a:rPr b="0" lang="en-US" sz="1500" spc="-1" strike="noStrike">
                 <a:solidFill>
@@ -3893,27 +4155,39 @@
       <p:sp>
         <p:nvSpPr>
           <p:cNvPr id="60" name=""/>
-          <p:cNvSpPr txBox="1"/>
+          <p:cNvSpPr/>
           <p:nvPr/>
         </p:nvSpPr>
         <p:spPr>
           <a:xfrm>
             <a:off x="4272480" y="4572000"/>
-            <a:ext cx="1671120" cy="513720"/>
-          </a:xfrm>
-          <a:prstGeom prst="rect">
-            <a:avLst/>
-          </a:prstGeom>
-          <a:noFill/>
-          <a:ln w="0">
-            <a:noFill/>
-          </a:ln>
-        </p:spPr>
+            <a:ext cx="1670760" cy="513360"/>
+          </a:xfrm>
+          <a:prstGeom prst="rect">
+            <a:avLst/>
+          </a:prstGeom>
+          <a:noFill/>
+          <a:ln w="0">
+            <a:noFill/>
+          </a:ln>
+        </p:spPr>
+        <p:style>
+          <a:lnRef idx="0"/>
+          <a:fillRef idx="0"/>
+          <a:effectRef idx="0"/>
+          <a:fontRef idx="minor"/>
+        </p:style>
         <p:txBody>
           <a:bodyPr lIns="90000" rIns="90000" tIns="45000" bIns="45000" anchor="t">
             <a:noAutofit/>
           </a:bodyPr>
           <a:p>
+            <a:pPr>
+              <a:lnSpc>
+                <a:spcPct val="100000"/>
+              </a:lnSpc>
+              <a:buNone/>
+            </a:pPr>
             <a:r>
               <a:rPr b="0" lang="en-US" sz="1500" spc="-1" strike="noStrike">
                 <a:solidFill>
@@ -3932,27 +4206,39 @@
       <p:sp>
         <p:nvSpPr>
           <p:cNvPr id="61" name=""/>
-          <p:cNvSpPr txBox="1"/>
+          <p:cNvSpPr/>
           <p:nvPr/>
         </p:nvSpPr>
         <p:spPr>
           <a:xfrm>
             <a:off x="7539840" y="4572000"/>
-            <a:ext cx="1604160" cy="513720"/>
-          </a:xfrm>
-          <a:prstGeom prst="rect">
-            <a:avLst/>
-          </a:prstGeom>
-          <a:noFill/>
-          <a:ln w="0">
-            <a:noFill/>
-          </a:ln>
-        </p:spPr>
+            <a:ext cx="1603800" cy="513360"/>
+          </a:xfrm>
+          <a:prstGeom prst="rect">
+            <a:avLst/>
+          </a:prstGeom>
+          <a:noFill/>
+          <a:ln w="0">
+            <a:noFill/>
+          </a:ln>
+        </p:spPr>
+        <p:style>
+          <a:lnRef idx="0"/>
+          <a:fillRef idx="0"/>
+          <a:effectRef idx="0"/>
+          <a:fontRef idx="minor"/>
+        </p:style>
         <p:txBody>
           <a:bodyPr lIns="90000" rIns="90000" tIns="45000" bIns="45000" anchor="t">
             <a:noAutofit/>
           </a:bodyPr>
           <a:p>
+            <a:pPr>
+              <a:lnSpc>
+                <a:spcPct val="100000"/>
+              </a:lnSpc>
+              <a:buNone/>
+            </a:pPr>
             <a:r>
               <a:rPr b="0" lang="en-US" sz="1500" spc="-1" strike="noStrike">
                 <a:solidFill>
@@ -4011,7 +4297,7 @@
         <p:spPr>
           <a:xfrm>
             <a:off x="504000" y="1428840"/>
-            <a:ext cx="9070920" cy="946080"/>
+            <a:ext cx="9070560" cy="945720"/>
           </a:xfrm>
           <a:prstGeom prst="rect">
             <a:avLst/>
@@ -4059,8 +4345,8 @@
         </p:nvSpPr>
         <p:spPr>
           <a:xfrm>
-            <a:off x="504000" y="2592000"/>
-            <a:ext cx="9070920" cy="2022120"/>
+            <a:off x="504000" y="1958400"/>
+            <a:ext cx="9070560" cy="3288960"/>
           </a:xfrm>
           <a:prstGeom prst="rect">
             <a:avLst/>
@@ -4076,18 +4362,18 @@
           </a:bodyPr>
           <a:p>
             <a:pPr algn="ctr">
-              <a:lnSpc>
-                <a:spcPct val="100000"/>
-              </a:lnSpc>
               <a:buNone/>
             </a:pPr>
             <a:r>
-              <a:rPr b="0" lang="en-US" sz="3200" spc="-1" strike="noStrike">
+              <a:rPr b="0" lang="en-US" sz="1800" spc="-1" strike="noStrike">
+                <a:solidFill>
+                  <a:srgbClr val="ffffff"/>
+                </a:solidFill>
                 <a:latin typeface="Arial"/>
               </a:rPr>
               <a:t>how it was developed, and anything that you feel is important</a:t>
             </a:r>
-            <a:endParaRPr b="0" lang="en-US" sz="3200" spc="-1" strike="noStrike">
+            <a:endParaRPr b="0" lang="en-US" sz="1800" spc="-1" strike="noStrike">
               <a:solidFill>
                 <a:srgbClr val="ffffff"/>
               </a:solidFill>
@@ -4139,7 +4425,7 @@
         <p:spPr>
           <a:xfrm>
             <a:off x="504000" y="1428840"/>
-            <a:ext cx="9070920" cy="946080"/>
+            <a:ext cx="9070560" cy="945720"/>
           </a:xfrm>
           <a:prstGeom prst="rect">
             <a:avLst/>
@@ -4188,7 +4474,7 @@
         <p:spPr>
           <a:xfrm>
             <a:off x="504000" y="2592000"/>
-            <a:ext cx="9070920" cy="2022120"/>
+            <a:ext cx="9070560" cy="2021760"/>
           </a:xfrm>
           <a:prstGeom prst="rect">
             <a:avLst/>
@@ -4239,7 +4525,7 @@
                 </a:solidFill>
                 <a:latin typeface="Arial"/>
               </a:rPr>
-              <a:t>Linux: Hosted on an ubuntu 22.04 server from DigitalOcean w/ IP= 146.190.166.5</a:t>
+              <a:t>Linux: Hosted on an ubuntu 22.04 server from DigitalOcean</a:t>
             </a:r>
             <a:endParaRPr b="0" lang="en-US" sz="1800" spc="-1" strike="noStrike">
               <a:solidFill>
@@ -4362,7 +4648,7 @@
         <p:spPr>
           <a:xfrm>
             <a:off x="504000" y="1428840"/>
-            <a:ext cx="9070920" cy="946080"/>
+            <a:ext cx="9070560" cy="945720"/>
           </a:xfrm>
           <a:prstGeom prst="rect">
             <a:avLst/>
@@ -4411,7 +4697,7 @@
         <p:spPr>
           <a:xfrm>
             <a:off x="504000" y="2592000"/>
-            <a:ext cx="9070920" cy="2022120"/>
+            <a:ext cx="9070560" cy="2021760"/>
           </a:xfrm>
           <a:prstGeom prst="rect">
             <a:avLst/>
@@ -4538,8 +4824,8 @@
         </p:nvSpPr>
         <p:spPr>
           <a:xfrm>
-            <a:off x="504000" y="1428840"/>
-            <a:ext cx="9070920" cy="946080"/>
+            <a:off x="457200" y="197280"/>
+            <a:ext cx="9070560" cy="945720"/>
           </a:xfrm>
           <a:prstGeom prst="rect">
             <a:avLst/>
@@ -4575,58 +4861,29 @@
           </a:p>
         </p:txBody>
       </p:sp>
-      <p:sp>
-        <p:nvSpPr>
-          <p:cNvPr id="69" name="PlaceHolder 2"/>
-          <p:cNvSpPr>
-            <a:spLocks noGrp="1"/>
-          </p:cNvSpPr>
-          <p:nvPr>
-            <p:ph type="subTitle"/>
-          </p:nvPr>
-        </p:nvSpPr>
-        <p:spPr>
-          <a:xfrm>
-            <a:off x="504000" y="2592000"/>
-            <a:ext cx="9070920" cy="2022120"/>
-          </a:xfrm>
-          <a:prstGeom prst="rect">
-            <a:avLst/>
-          </a:prstGeom>
-          <a:noFill/>
-          <a:ln w="0">
-            <a:noFill/>
-          </a:ln>
-        </p:spPr>
-        <p:txBody>
-          <a:bodyPr lIns="0" rIns="0" tIns="0" bIns="0" anchor="ctr">
-            <a:noAutofit/>
-          </a:bodyPr>
-          <a:p>
-            <a:pPr>
-              <a:lnSpc>
-                <a:spcPct val="100000"/>
-              </a:lnSpc>
-              <a:buNone/>
-            </a:pPr>
-            <a:r>
-              <a:rPr b="0" lang="en-US" sz="1800" spc="-1" strike="noStrike">
-                <a:solidFill>
-                  <a:srgbClr val="ffffff"/>
-                </a:solidFill>
-                <a:latin typeface="Arial"/>
-              </a:rPr>
-              <a:t>IP</a:t>
-            </a:r>
-            <a:endParaRPr b="0" lang="en-US" sz="1800" spc="-1" strike="noStrike">
-              <a:solidFill>
-                <a:srgbClr val="ffffff"/>
-              </a:solidFill>
-              <a:latin typeface="Arial"/>
-            </a:endParaRPr>
-          </a:p>
-        </p:txBody>
-      </p:sp>
+      <p:pic>
+        <p:nvPicPr>
+          <p:cNvPr id="69" name="" descr=""/>
+          <p:cNvPicPr/>
+          <p:nvPr/>
+        </p:nvPicPr>
+        <p:blipFill>
+          <a:blip r:embed="rId1"/>
+          <a:stretch/>
+        </p:blipFill>
+        <p:spPr>
+          <a:xfrm>
+            <a:off x="457200" y="1298880"/>
+            <a:ext cx="9372600" cy="3958920"/>
+          </a:xfrm>
+          <a:prstGeom prst="rect">
+            <a:avLst/>
+          </a:prstGeom>
+          <a:ln w="0">
+            <a:noFill/>
+          </a:ln>
+        </p:spPr>
+      </p:pic>
     </p:spTree>
   </p:cSld>
   <mc:AlternateContent>
@@ -4670,7 +4927,7 @@
         <p:spPr>
           <a:xfrm>
             <a:off x="504000" y="1428840"/>
-            <a:ext cx="9070920" cy="946080"/>
+            <a:ext cx="9070560" cy="945720"/>
           </a:xfrm>
           <a:prstGeom prst="rect">
             <a:avLst/>
@@ -4719,7 +4976,7 @@
         <p:spPr>
           <a:xfrm>
             <a:off x="504000" y="2592000"/>
-            <a:ext cx="9070920" cy="2022120"/>
+            <a:ext cx="9070560" cy="2021760"/>
           </a:xfrm>
           <a:prstGeom prst="rect">
             <a:avLst/>
@@ -4800,8 +5057,8 @@
         </p:nvSpPr>
         <p:spPr>
           <a:xfrm>
-            <a:off x="504000" y="1428840"/>
-            <a:ext cx="9070920" cy="946080"/>
+            <a:off x="504000" y="-228600"/>
+            <a:ext cx="9070560" cy="1143000"/>
           </a:xfrm>
           <a:prstGeom prst="rect">
             <a:avLst/>
@@ -4837,58 +5094,29 @@
           </a:p>
         </p:txBody>
       </p:sp>
-      <p:sp>
-        <p:nvSpPr>
-          <p:cNvPr id="73" name="PlaceHolder 2"/>
-          <p:cNvSpPr>
-            <a:spLocks noGrp="1"/>
-          </p:cNvSpPr>
-          <p:nvPr>
-            <p:ph type="subTitle"/>
-          </p:nvPr>
-        </p:nvSpPr>
-        <p:spPr>
-          <a:xfrm>
-            <a:off x="504000" y="2592000"/>
-            <a:ext cx="9070920" cy="2022120"/>
-          </a:xfrm>
-          <a:prstGeom prst="rect">
-            <a:avLst/>
-          </a:prstGeom>
-          <a:noFill/>
-          <a:ln w="0">
-            <a:noFill/>
-          </a:ln>
-        </p:spPr>
-        <p:txBody>
-          <a:bodyPr lIns="0" rIns="0" tIns="0" bIns="0" anchor="ctr">
-            <a:noAutofit/>
-          </a:bodyPr>
-          <a:p>
-            <a:pPr>
-              <a:lnSpc>
-                <a:spcPct val="100000"/>
-              </a:lnSpc>
-              <a:buNone/>
-            </a:pPr>
-            <a:r>
-              <a:rPr b="0" lang="en-US" sz="1800" spc="-1" strike="noStrike">
-                <a:solidFill>
-                  <a:srgbClr val="ffffff"/>
-                </a:solidFill>
-                <a:latin typeface="Arial"/>
-              </a:rPr>
-              <a:t>IP</a:t>
-            </a:r>
-            <a:endParaRPr b="0" lang="en-US" sz="1800" spc="-1" strike="noStrike">
-              <a:solidFill>
-                <a:srgbClr val="ffffff"/>
-              </a:solidFill>
-              <a:latin typeface="Arial"/>
-            </a:endParaRPr>
-          </a:p>
-        </p:txBody>
-      </p:sp>
+      <p:pic>
+        <p:nvPicPr>
+          <p:cNvPr id="73" name="" descr=""/>
+          <p:cNvPicPr/>
+          <p:nvPr/>
+        </p:nvPicPr>
+        <p:blipFill>
+          <a:blip r:embed="rId1"/>
+          <a:stretch/>
+        </p:blipFill>
+        <p:spPr>
+          <a:xfrm>
+            <a:off x="777600" y="680400"/>
+            <a:ext cx="8823600" cy="4963320"/>
+          </a:xfrm>
+          <a:prstGeom prst="rect">
+            <a:avLst/>
+          </a:prstGeom>
+          <a:ln w="0">
+            <a:noFill/>
+          </a:ln>
+        </p:spPr>
+      </p:pic>
     </p:spTree>
   </p:cSld>
   <mc:AlternateContent>
@@ -4932,7 +5160,7 @@
         <p:spPr>
           <a:xfrm>
             <a:off x="540000" y="139680"/>
-            <a:ext cx="8999280" cy="1249920"/>
+            <a:ext cx="8998920" cy="1249560"/>
           </a:xfrm>
           <a:prstGeom prst="rect">
             <a:avLst/>
@@ -4981,7 +5209,7 @@
         <p:spPr>
           <a:xfrm>
             <a:off x="504000" y="1326600"/>
-            <a:ext cx="9071640" cy="3288240"/>
+            <a:ext cx="9071280" cy="3287880"/>
           </a:xfrm>
           <a:prstGeom prst="rect">
             <a:avLst/>
@@ -4996,7 +5224,47 @@
             <a:normAutofit/>
           </a:bodyPr>
           <a:p>
-            <a:endParaRPr b="0" lang="en-US" sz="3200" spc="-1" strike="noStrike">
+            <a:pPr indent="-324000">
+              <a:lnSpc>
+                <a:spcPct val="100000"/>
+              </a:lnSpc>
+              <a:buClr>
+                <a:srgbClr val="000000"/>
+              </a:buClr>
+              <a:buFont typeface="Wingdings" charset="2"/>
+              <a:buChar char=""/>
+            </a:pPr>
+            <a:r>
+              <a:rPr b="0" lang="en-US" sz="1800" spc="-1" strike="noStrike">
+                <a:solidFill>
+                  <a:srgbClr val="ffffff"/>
+                </a:solidFill>
+                <a:latin typeface="Arial"/>
+              </a:rPr>
+              <a:t>Front-End?</a:t>
+            </a:r>
+            <a:endParaRPr b="0" lang="en-US" sz="1800" spc="-1" strike="noStrike">
+              <a:solidFill>
+                <a:srgbClr val="ffffff"/>
+              </a:solidFill>
+              <a:latin typeface="Arial"/>
+            </a:endParaRPr>
+          </a:p>
+          <a:p>
+            <a:pPr indent="-324000">
+              <a:lnSpc>
+                <a:spcPct val="100000"/>
+              </a:lnSpc>
+              <a:buClr>
+                <a:srgbClr val="000000"/>
+              </a:buClr>
+              <a:buFont typeface="Wingdings" charset="2"/>
+              <a:buChar char=""/>
+            </a:pPr>
+            <a:endParaRPr b="0" lang="en-US" sz="1800" spc="-1" strike="noStrike">
+              <a:solidFill>
+                <a:srgbClr val="ffffff"/>
+              </a:solidFill>
               <a:latin typeface="Arial"/>
             </a:endParaRPr>
           </a:p>

--- a/Pres.pptx
+++ b/Pres.pptx
@@ -75,7 +75,7 @@
         <p:txBody>
           <a:bodyPr/>
           <a:p>
-            <a:fld id="{60CE62BC-D18D-42C3-8A81-4F8F8CD18305}" type="slidenum">
+            <a:fld id="{7EE8874D-EF5E-47C3-9D40-A4A2B03255B3}" type="slidenum">
               <a:t>&lt;#&gt;</a:t>
             </a:fld>
           </a:p>
@@ -190,9 +190,6 @@
           </a:bodyPr>
           <a:p>
             <a:endParaRPr b="0" lang="en-US" sz="3200" spc="-1" strike="noStrike">
-              <a:solidFill>
-                <a:srgbClr val="ffffff"/>
-              </a:solidFill>
               <a:latin typeface="Arial"/>
             </a:endParaRPr>
           </a:p>
@@ -227,9 +224,6 @@
           </a:bodyPr>
           <a:p>
             <a:endParaRPr b="0" lang="en-US" sz="3200" spc="-1" strike="noStrike">
-              <a:solidFill>
-                <a:srgbClr val="ffffff"/>
-              </a:solidFill>
               <a:latin typeface="Arial"/>
             </a:endParaRPr>
           </a:p>
@@ -269,7 +263,7 @@
         <p:txBody>
           <a:bodyPr/>
           <a:p>
-            <a:fld id="{5D05B66C-CA0C-40A4-A080-2EC41E7A2BD1}" type="slidenum">
+            <a:fld id="{8128F325-428D-45E4-95B6-FD2EDC8CD945}" type="slidenum">
               <a:t>&lt;#&gt;</a:t>
             </a:fld>
           </a:p>
@@ -384,9 +378,6 @@
           </a:bodyPr>
           <a:p>
             <a:endParaRPr b="0" lang="en-US" sz="3200" spc="-1" strike="noStrike">
-              <a:solidFill>
-                <a:srgbClr val="ffffff"/>
-              </a:solidFill>
               <a:latin typeface="Arial"/>
             </a:endParaRPr>
           </a:p>
@@ -421,9 +412,6 @@
           </a:bodyPr>
           <a:p>
             <a:endParaRPr b="0" lang="en-US" sz="3200" spc="-1" strike="noStrike">
-              <a:solidFill>
-                <a:srgbClr val="ffffff"/>
-              </a:solidFill>
               <a:latin typeface="Arial"/>
             </a:endParaRPr>
           </a:p>
@@ -458,9 +446,6 @@
           </a:bodyPr>
           <a:p>
             <a:endParaRPr b="0" lang="en-US" sz="3200" spc="-1" strike="noStrike">
-              <a:solidFill>
-                <a:srgbClr val="ffffff"/>
-              </a:solidFill>
               <a:latin typeface="Arial"/>
             </a:endParaRPr>
           </a:p>
@@ -495,9 +480,6 @@
           </a:bodyPr>
           <a:p>
             <a:endParaRPr b="0" lang="en-US" sz="3200" spc="-1" strike="noStrike">
-              <a:solidFill>
-                <a:srgbClr val="ffffff"/>
-              </a:solidFill>
               <a:latin typeface="Arial"/>
             </a:endParaRPr>
           </a:p>
@@ -537,7 +519,7 @@
         <p:txBody>
           <a:bodyPr/>
           <a:p>
-            <a:fld id="{E2FD8B02-48C4-435D-84D0-09A8B9839669}" type="slidenum">
+            <a:fld id="{E901BA0D-92D5-48BE-8E6E-B9169B23148B}" type="slidenum">
               <a:t>&lt;#&gt;</a:t>
             </a:fld>
           </a:p>
@@ -652,9 +634,6 @@
           </a:bodyPr>
           <a:p>
             <a:endParaRPr b="0" lang="en-US" sz="3200" spc="-1" strike="noStrike">
-              <a:solidFill>
-                <a:srgbClr val="ffffff"/>
-              </a:solidFill>
               <a:latin typeface="Arial"/>
             </a:endParaRPr>
           </a:p>
@@ -689,9 +668,6 @@
           </a:bodyPr>
           <a:p>
             <a:endParaRPr b="0" lang="en-US" sz="3200" spc="-1" strike="noStrike">
-              <a:solidFill>
-                <a:srgbClr val="ffffff"/>
-              </a:solidFill>
               <a:latin typeface="Arial"/>
             </a:endParaRPr>
           </a:p>
@@ -726,9 +702,6 @@
           </a:bodyPr>
           <a:p>
             <a:endParaRPr b="0" lang="en-US" sz="3200" spc="-1" strike="noStrike">
-              <a:solidFill>
-                <a:srgbClr val="ffffff"/>
-              </a:solidFill>
               <a:latin typeface="Arial"/>
             </a:endParaRPr>
           </a:p>
@@ -763,9 +736,6 @@
           </a:bodyPr>
           <a:p>
             <a:endParaRPr b="0" lang="en-US" sz="3200" spc="-1" strike="noStrike">
-              <a:solidFill>
-                <a:srgbClr val="ffffff"/>
-              </a:solidFill>
               <a:latin typeface="Arial"/>
             </a:endParaRPr>
           </a:p>
@@ -800,9 +770,6 @@
           </a:bodyPr>
           <a:p>
             <a:endParaRPr b="0" lang="en-US" sz="3200" spc="-1" strike="noStrike">
-              <a:solidFill>
-                <a:srgbClr val="ffffff"/>
-              </a:solidFill>
               <a:latin typeface="Arial"/>
             </a:endParaRPr>
           </a:p>
@@ -837,9 +804,6 @@
           </a:bodyPr>
           <a:p>
             <a:endParaRPr b="0" lang="en-US" sz="3200" spc="-1" strike="noStrike">
-              <a:solidFill>
-                <a:srgbClr val="ffffff"/>
-              </a:solidFill>
               <a:latin typeface="Arial"/>
             </a:endParaRPr>
           </a:p>
@@ -879,7 +843,7 @@
         <p:txBody>
           <a:bodyPr/>
           <a:p>
-            <a:fld id="{B5829236-92F6-4824-8FB2-582A73BC9B3F}" type="slidenum">
+            <a:fld id="{BACB0C39-BCEB-451B-8AC3-806071275DD4}" type="slidenum">
               <a:t>&lt;#&gt;</a:t>
             </a:fld>
           </a:p>
@@ -996,10 +960,7 @@
             <a:pPr algn="ctr">
               <a:buNone/>
             </a:pPr>
-            <a:endParaRPr b="0" lang="en-US" sz="1800" spc="-1" strike="noStrike">
-              <a:solidFill>
-                <a:srgbClr val="ffffff"/>
-              </a:solidFill>
+            <a:endParaRPr b="0" lang="en-US" sz="3200" spc="-1" strike="noStrike">
               <a:latin typeface="Arial"/>
             </a:endParaRPr>
           </a:p>
@@ -1039,7 +1000,7 @@
         <p:txBody>
           <a:bodyPr/>
           <a:p>
-            <a:fld id="{DCE8B458-A53B-4BD1-8BA7-7FB2ACB734BE}" type="slidenum">
+            <a:fld id="{2533CA03-F124-446E-B5A5-BB955502BE28}" type="slidenum">
               <a:t>&lt;#&gt;</a:t>
             </a:fld>
           </a:p>
@@ -1154,9 +1115,6 @@
           </a:bodyPr>
           <a:p>
             <a:endParaRPr b="0" lang="en-US" sz="3200" spc="-1" strike="noStrike">
-              <a:solidFill>
-                <a:srgbClr val="ffffff"/>
-              </a:solidFill>
               <a:latin typeface="Arial"/>
             </a:endParaRPr>
           </a:p>
@@ -1196,7 +1154,7 @@
         <p:txBody>
           <a:bodyPr/>
           <a:p>
-            <a:fld id="{76EE0F88-A546-4F66-AD10-3D2D2FA096A0}" type="slidenum">
+            <a:fld id="{D43A20AA-A29D-4540-AFB1-AB57060576C8}" type="slidenum">
               <a:t>&lt;#&gt;</a:t>
             </a:fld>
           </a:p>
@@ -1311,9 +1269,6 @@
           </a:bodyPr>
           <a:p>
             <a:endParaRPr b="0" lang="en-US" sz="3200" spc="-1" strike="noStrike">
-              <a:solidFill>
-                <a:srgbClr val="ffffff"/>
-              </a:solidFill>
               <a:latin typeface="Arial"/>
             </a:endParaRPr>
           </a:p>
@@ -1348,9 +1303,6 @@
           </a:bodyPr>
           <a:p>
             <a:endParaRPr b="0" lang="en-US" sz="3200" spc="-1" strike="noStrike">
-              <a:solidFill>
-                <a:srgbClr val="ffffff"/>
-              </a:solidFill>
               <a:latin typeface="Arial"/>
             </a:endParaRPr>
           </a:p>
@@ -1390,7 +1342,7 @@
         <p:txBody>
           <a:bodyPr/>
           <a:p>
-            <a:fld id="{245273D2-C177-4DC0-A17E-5A1D0DA82E57}" type="slidenum">
+            <a:fld id="{C92B0261-BE04-4DCC-AB37-B2CDF8642ED5}" type="slidenum">
               <a:t>&lt;#&gt;</a:t>
             </a:fld>
           </a:p>
@@ -1510,7 +1462,7 @@
         <p:txBody>
           <a:bodyPr/>
           <a:p>
-            <a:fld id="{942A63D4-A37D-475A-9B63-5F4D7A6BA7B4}" type="slidenum">
+            <a:fld id="{C64C903E-2D4A-4BF3-B2B2-82B357ACBF71}" type="slidenum">
               <a:t>&lt;#&gt;</a:t>
             </a:fld>
           </a:p>
@@ -1590,10 +1542,7 @@
             <a:pPr algn="ctr">
               <a:buNone/>
             </a:pPr>
-            <a:endParaRPr b="0" lang="en-US" sz="1800" spc="-1" strike="noStrike">
-              <a:solidFill>
-                <a:srgbClr val="ffffff"/>
-              </a:solidFill>
+            <a:endParaRPr b="0" lang="en-US" sz="3200" spc="-1" strike="noStrike">
               <a:latin typeface="Arial"/>
             </a:endParaRPr>
           </a:p>
@@ -1633,7 +1582,7 @@
         <p:txBody>
           <a:bodyPr/>
           <a:p>
-            <a:fld id="{24D20A7F-69B2-42C0-9931-71B24D99C2C7}" type="slidenum">
+            <a:fld id="{B536AA7A-F03A-4034-A1E0-AAB6ADD1B46A}" type="slidenum">
               <a:t>&lt;#&gt;</a:t>
             </a:fld>
           </a:p>
@@ -1748,9 +1697,6 @@
           </a:bodyPr>
           <a:p>
             <a:endParaRPr b="0" lang="en-US" sz="3200" spc="-1" strike="noStrike">
-              <a:solidFill>
-                <a:srgbClr val="ffffff"/>
-              </a:solidFill>
               <a:latin typeface="Arial"/>
             </a:endParaRPr>
           </a:p>
@@ -1785,9 +1731,6 @@
           </a:bodyPr>
           <a:p>
             <a:endParaRPr b="0" lang="en-US" sz="3200" spc="-1" strike="noStrike">
-              <a:solidFill>
-                <a:srgbClr val="ffffff"/>
-              </a:solidFill>
               <a:latin typeface="Arial"/>
             </a:endParaRPr>
           </a:p>
@@ -1822,9 +1765,6 @@
           </a:bodyPr>
           <a:p>
             <a:endParaRPr b="0" lang="en-US" sz="3200" spc="-1" strike="noStrike">
-              <a:solidFill>
-                <a:srgbClr val="ffffff"/>
-              </a:solidFill>
               <a:latin typeface="Arial"/>
             </a:endParaRPr>
           </a:p>
@@ -1864,7 +1804,7 @@
         <p:txBody>
           <a:bodyPr/>
           <a:p>
-            <a:fld id="{BBF9ED85-9248-43B2-A24C-D08AAB2307BA}" type="slidenum">
+            <a:fld id="{510AC5A1-AF21-4C86-B2D6-18CDA2C7E9B3}" type="slidenum">
               <a:t>&lt;#&gt;</a:t>
             </a:fld>
           </a:p>
@@ -1979,9 +1919,6 @@
           </a:bodyPr>
           <a:p>
             <a:endParaRPr b="0" lang="en-US" sz="3200" spc="-1" strike="noStrike">
-              <a:solidFill>
-                <a:srgbClr val="ffffff"/>
-              </a:solidFill>
               <a:latin typeface="Arial"/>
             </a:endParaRPr>
           </a:p>
@@ -2016,9 +1953,6 @@
           </a:bodyPr>
           <a:p>
             <a:endParaRPr b="0" lang="en-US" sz="3200" spc="-1" strike="noStrike">
-              <a:solidFill>
-                <a:srgbClr val="ffffff"/>
-              </a:solidFill>
               <a:latin typeface="Arial"/>
             </a:endParaRPr>
           </a:p>
@@ -2053,9 +1987,6 @@
           </a:bodyPr>
           <a:p>
             <a:endParaRPr b="0" lang="en-US" sz="3200" spc="-1" strike="noStrike">
-              <a:solidFill>
-                <a:srgbClr val="ffffff"/>
-              </a:solidFill>
               <a:latin typeface="Arial"/>
             </a:endParaRPr>
           </a:p>
@@ -2095,7 +2026,7 @@
         <p:txBody>
           <a:bodyPr/>
           <a:p>
-            <a:fld id="{4F4C3CD7-4AD9-4F85-92AC-9144151E5A2C}" type="slidenum">
+            <a:fld id="{B6159480-B313-4069-A1EB-618B4F573B8A}" type="slidenum">
               <a:t>&lt;#&gt;</a:t>
             </a:fld>
           </a:p>
@@ -2210,9 +2141,6 @@
           </a:bodyPr>
           <a:p>
             <a:endParaRPr b="0" lang="en-US" sz="3200" spc="-1" strike="noStrike">
-              <a:solidFill>
-                <a:srgbClr val="ffffff"/>
-              </a:solidFill>
               <a:latin typeface="Arial"/>
             </a:endParaRPr>
           </a:p>
@@ -2247,9 +2175,6 @@
           </a:bodyPr>
           <a:p>
             <a:endParaRPr b="0" lang="en-US" sz="3200" spc="-1" strike="noStrike">
-              <a:solidFill>
-                <a:srgbClr val="ffffff"/>
-              </a:solidFill>
               <a:latin typeface="Arial"/>
             </a:endParaRPr>
           </a:p>
@@ -2284,9 +2209,6 @@
           </a:bodyPr>
           <a:p>
             <a:endParaRPr b="0" lang="en-US" sz="3200" spc="-1" strike="noStrike">
-              <a:solidFill>
-                <a:srgbClr val="ffffff"/>
-              </a:solidFill>
               <a:latin typeface="Arial"/>
             </a:endParaRPr>
           </a:p>
@@ -2326,7 +2248,7 @@
         <p:txBody>
           <a:bodyPr/>
           <a:p>
-            <a:fld id="{ADAC92BE-6A66-4DF8-9CE2-F7B7B3496588}" type="slidenum">
+            <a:fld id="{D7047EC8-43BB-4942-8C52-5613E22C4DFA}" type="slidenum">
               <a:t>&lt;#&gt;</a:t>
             </a:fld>
           </a:p>
@@ -2384,7 +2306,7 @@
         <p:spPr>
           <a:xfrm>
             <a:off x="0" y="0"/>
-            <a:ext cx="10078920" cy="5668920"/>
+            <a:ext cx="10078560" cy="5668560"/>
           </a:xfrm>
           <a:prstGeom prst="rect">
             <a:avLst/>
@@ -2420,7 +2342,7 @@
         <p:spPr>
           <a:xfrm>
             <a:off x="1440000" y="1080000"/>
-            <a:ext cx="1438920" cy="1258920"/>
+            <a:ext cx="1438560" cy="1258560"/>
           </a:xfrm>
           <a:prstGeom prst="ellipse">
             <a:avLst/>
@@ -2450,7 +2372,7 @@
         <p:spPr>
           <a:xfrm>
             <a:off x="7380000" y="3960000"/>
-            <a:ext cx="1438920" cy="1258920"/>
+            <a:ext cx="1438560" cy="1258560"/>
           </a:xfrm>
           <a:prstGeom prst="ellipse">
             <a:avLst/>
@@ -2480,7 +2402,7 @@
         <p:spPr>
           <a:xfrm>
             <a:off x="9000000" y="2700000"/>
-            <a:ext cx="1258920" cy="1078920"/>
+            <a:ext cx="1258560" cy="1078560"/>
           </a:xfrm>
           <a:prstGeom prst="ellipse">
             <a:avLst/>
@@ -2510,7 +2432,7 @@
         <p:spPr>
           <a:xfrm>
             <a:off x="-180000" y="2430000"/>
-            <a:ext cx="1438920" cy="1348920"/>
+            <a:ext cx="1438560" cy="1348560"/>
           </a:xfrm>
           <a:prstGeom prst="ellipse">
             <a:avLst/>
@@ -2540,7 +2462,7 @@
         <p:spPr>
           <a:xfrm>
             <a:off x="540000" y="1080000"/>
-            <a:ext cx="718920" cy="718920"/>
+            <a:ext cx="718560" cy="718560"/>
           </a:xfrm>
           <a:prstGeom prst="ellipse">
             <a:avLst/>
@@ -2570,7 +2492,7 @@
         <p:spPr>
           <a:xfrm>
             <a:off x="0" y="1260000"/>
-            <a:ext cx="718920" cy="718920"/>
+            <a:ext cx="718560" cy="718560"/>
           </a:xfrm>
           <a:prstGeom prst="ellipse">
             <a:avLst/>
@@ -2600,7 +2522,7 @@
         <p:spPr>
           <a:xfrm>
             <a:off x="0" y="5220000"/>
-            <a:ext cx="1618920" cy="1258920"/>
+            <a:ext cx="1618560" cy="1258560"/>
           </a:xfrm>
           <a:prstGeom prst="ellipse">
             <a:avLst/>
@@ -2630,7 +2552,7 @@
         <p:spPr>
           <a:xfrm>
             <a:off x="9720000" y="4680000"/>
-            <a:ext cx="718920" cy="718920"/>
+            <a:ext cx="718560" cy="718560"/>
           </a:xfrm>
           <a:prstGeom prst="ellipse">
             <a:avLst/>
@@ -2660,7 +2582,7 @@
         <p:spPr>
           <a:xfrm>
             <a:off x="9540000" y="3420000"/>
-            <a:ext cx="718920" cy="718920"/>
+            <a:ext cx="718560" cy="718560"/>
           </a:xfrm>
           <a:prstGeom prst="ellipse">
             <a:avLst/>
@@ -2690,7 +2612,7 @@
         <p:spPr>
           <a:xfrm>
             <a:off x="8100000" y="4680000"/>
-            <a:ext cx="1078920" cy="841320"/>
+            <a:ext cx="1078560" cy="840960"/>
           </a:xfrm>
           <a:prstGeom prst="ellipse">
             <a:avLst/>
@@ -2720,7 +2642,7 @@
         <p:spPr>
           <a:xfrm>
             <a:off x="7920000" y="5400000"/>
-            <a:ext cx="898920" cy="898920"/>
+            <a:ext cx="898560" cy="898560"/>
           </a:xfrm>
           <a:prstGeom prst="ellipse">
             <a:avLst/>
@@ -2754,7 +2676,7 @@
         <p:spPr>
           <a:xfrm>
             <a:off x="3420000" y="5130000"/>
-            <a:ext cx="3238920" cy="391320"/>
+            <a:ext cx="3238560" cy="390960"/>
           </a:xfrm>
           <a:prstGeom prst="rect">
             <a:avLst/>
@@ -2817,7 +2739,7 @@
         <p:spPr>
           <a:xfrm>
             <a:off x="7560000" y="5130000"/>
-            <a:ext cx="2338920" cy="391320"/>
+            <a:ext cx="2338560" cy="390960"/>
           </a:xfrm>
           <a:prstGeom prst="rect">
             <a:avLst/>
@@ -2852,7 +2774,7 @@
               </a:lnSpc>
               <a:buNone/>
             </a:pPr>
-            <a:fld id="{E248D9A1-1867-4C89-9975-D15BB7D53C59}" type="slidenum">
+            <a:fld id="{DAB52581-1BD9-49F4-9462-7DB3E0B937D3}" type="slidenum">
               <a:rPr b="0" lang="en-US" sz="1400" spc="-1" strike="noStrike">
                 <a:solidFill>
                   <a:srgbClr val="ffffff"/>
@@ -2880,7 +2802,7 @@
         <p:spPr>
           <a:xfrm>
             <a:off x="180000" y="5130000"/>
-            <a:ext cx="2338920" cy="391320"/>
+            <a:ext cx="2338560" cy="390960"/>
           </a:xfrm>
           <a:prstGeom prst="rect">
             <a:avLst/>
@@ -2949,49 +2871,7 @@
               <a:rPr b="0" lang="en-US" sz="4400" spc="-1" strike="noStrike">
                 <a:latin typeface="Arial"/>
               </a:rPr>
-              <a:t>Clic</a:t>
-            </a:r>
-            <a:r>
-              <a:rPr b="0" lang="en-US" sz="4400" spc="-1" strike="noStrike">
-                <a:latin typeface="Arial"/>
-              </a:rPr>
-              <a:t>k to </a:t>
-            </a:r>
-            <a:r>
-              <a:rPr b="0" lang="en-US" sz="4400" spc="-1" strike="noStrike">
-                <a:latin typeface="Arial"/>
-              </a:rPr>
-              <a:t>edit </a:t>
-            </a:r>
-            <a:r>
-              <a:rPr b="0" lang="en-US" sz="4400" spc="-1" strike="noStrike">
-                <a:latin typeface="Arial"/>
-              </a:rPr>
-              <a:t>the </a:t>
-            </a:r>
-            <a:r>
-              <a:rPr b="0" lang="en-US" sz="4400" spc="-1" strike="noStrike">
-                <a:latin typeface="Arial"/>
-              </a:rPr>
-              <a:t>title </a:t>
-            </a:r>
-            <a:r>
-              <a:rPr b="0" lang="en-US" sz="4400" spc="-1" strike="noStrike">
-                <a:latin typeface="Arial"/>
-              </a:rPr>
-              <a:t>text </a:t>
-            </a:r>
-            <a:r>
-              <a:rPr b="0" lang="en-US" sz="4400" spc="-1" strike="noStrike">
-                <a:latin typeface="Arial"/>
-              </a:rPr>
-              <a:t>form</a:t>
-            </a:r>
-            <a:r>
-              <a:rPr b="0" lang="en-US" sz="4400" spc="-1" strike="noStrike">
-                <a:latin typeface="Arial"/>
-              </a:rPr>
-              <a:t>at</a:t>
+              <a:t>Click to edit the title text format</a:t>
             </a:r>
             <a:endParaRPr b="0" lang="en-US" sz="4400" spc="-1" strike="noStrike">
               <a:latin typeface="Arial"/>
@@ -3040,17 +2920,11 @@
             </a:pPr>
             <a:r>
               <a:rPr b="0" lang="en-US" sz="3200" spc="-1" strike="noStrike">
-                <a:solidFill>
-                  <a:srgbClr val="ffffff"/>
-                </a:solidFill>
                 <a:latin typeface="Arial"/>
               </a:rPr>
               <a:t>Click to edit the outline text format</a:t>
             </a:r>
             <a:endParaRPr b="0" lang="en-US" sz="3200" spc="-1" strike="noStrike">
-              <a:solidFill>
-                <a:srgbClr val="ffffff"/>
-              </a:solidFill>
               <a:latin typeface="Arial"/>
             </a:endParaRPr>
           </a:p>
@@ -3068,17 +2942,11 @@
             </a:pPr>
             <a:r>
               <a:rPr b="0" lang="en-US" sz="2800" spc="-1" strike="noStrike">
-                <a:solidFill>
-                  <a:srgbClr val="ffffff"/>
-                </a:solidFill>
                 <a:latin typeface="Arial"/>
               </a:rPr>
               <a:t>Second Outline Level</a:t>
             </a:r>
             <a:endParaRPr b="0" lang="en-US" sz="2800" spc="-1" strike="noStrike">
-              <a:solidFill>
-                <a:srgbClr val="ffffff"/>
-              </a:solidFill>
               <a:latin typeface="Arial"/>
             </a:endParaRPr>
           </a:p>
@@ -3096,17 +2964,11 @@
             </a:pPr>
             <a:r>
               <a:rPr b="0" lang="en-US" sz="2400" spc="-1" strike="noStrike">
-                <a:solidFill>
-                  <a:srgbClr val="ffffff"/>
-                </a:solidFill>
                 <a:latin typeface="Arial"/>
               </a:rPr>
               <a:t>Third Outline Level</a:t>
             </a:r>
             <a:endParaRPr b="0" lang="en-US" sz="2400" spc="-1" strike="noStrike">
-              <a:solidFill>
-                <a:srgbClr val="ffffff"/>
-              </a:solidFill>
               <a:latin typeface="Arial"/>
             </a:endParaRPr>
           </a:p>
@@ -3124,17 +2986,11 @@
             </a:pPr>
             <a:r>
               <a:rPr b="0" lang="en-US" sz="2000" spc="-1" strike="noStrike">
-                <a:solidFill>
-                  <a:srgbClr val="ffffff"/>
-                </a:solidFill>
                 <a:latin typeface="Arial"/>
               </a:rPr>
               <a:t>Fourth Outline Level</a:t>
             </a:r>
             <a:endParaRPr b="0" lang="en-US" sz="2000" spc="-1" strike="noStrike">
-              <a:solidFill>
-                <a:srgbClr val="ffffff"/>
-              </a:solidFill>
               <a:latin typeface="Arial"/>
             </a:endParaRPr>
           </a:p>
@@ -3152,17 +3008,11 @@
             </a:pPr>
             <a:r>
               <a:rPr b="0" lang="en-US" sz="2000" spc="-1" strike="noStrike">
-                <a:solidFill>
-                  <a:srgbClr val="ffffff"/>
-                </a:solidFill>
                 <a:latin typeface="Arial"/>
               </a:rPr>
               <a:t>Fifth Outline Level</a:t>
             </a:r>
             <a:endParaRPr b="0" lang="en-US" sz="2000" spc="-1" strike="noStrike">
-              <a:solidFill>
-                <a:srgbClr val="ffffff"/>
-              </a:solidFill>
               <a:latin typeface="Arial"/>
             </a:endParaRPr>
           </a:p>
@@ -3180,17 +3030,11 @@
             </a:pPr>
             <a:r>
               <a:rPr b="0" lang="en-US" sz="2000" spc="-1" strike="noStrike">
-                <a:solidFill>
-                  <a:srgbClr val="ffffff"/>
-                </a:solidFill>
                 <a:latin typeface="Arial"/>
               </a:rPr>
               <a:t>Sixth Outline Level</a:t>
             </a:r>
             <a:endParaRPr b="0" lang="en-US" sz="2000" spc="-1" strike="noStrike">
-              <a:solidFill>
-                <a:srgbClr val="ffffff"/>
-              </a:solidFill>
               <a:latin typeface="Arial"/>
             </a:endParaRPr>
           </a:p>
@@ -3208,17 +3052,11 @@
             </a:pPr>
             <a:r>
               <a:rPr b="0" lang="en-US" sz="2000" spc="-1" strike="noStrike">
-                <a:solidFill>
-                  <a:srgbClr val="ffffff"/>
-                </a:solidFill>
                 <a:latin typeface="Arial"/>
               </a:rPr>
               <a:t>Seventh Outline Level</a:t>
             </a:r>
             <a:endParaRPr b="0" lang="en-US" sz="2000" spc="-1" strike="noStrike">
-              <a:solidFill>
-                <a:srgbClr val="ffffff"/>
-              </a:solidFill>
               <a:latin typeface="Arial"/>
             </a:endParaRPr>
           </a:p>
@@ -3274,7 +3112,7 @@
         <p:spPr>
           <a:xfrm>
             <a:off x="504000" y="1428840"/>
-            <a:ext cx="9070560" cy="945720"/>
+            <a:ext cx="9070200" cy="945360"/>
           </a:xfrm>
           <a:prstGeom prst="rect">
             <a:avLst/>
@@ -3302,16 +3140,7 @@
                 </a:solidFill>
                 <a:latin typeface="Arial"/>
               </a:rPr>
-              <a:t>Contact </a:t>
-            </a:r>
-            <a:r>
-              <a:rPr b="0" lang="en-US" sz="3300" spc="-1" strike="noStrike">
-                <a:solidFill>
-                  <a:srgbClr val="ffffff"/>
-                </a:solidFill>
-                <a:latin typeface="Arial"/>
-              </a:rPr>
-              <a:t>Manager</a:t>
+              <a:t>Contact Manager</a:t>
             </a:r>
             <a:endParaRPr b="0" lang="en-US" sz="3300" spc="-1" strike="noStrike">
               <a:latin typeface="Arial"/>
@@ -3332,7 +3161,7 @@
         <p:spPr>
           <a:xfrm>
             <a:off x="504000" y="2592000"/>
-            <a:ext cx="9070560" cy="2021760"/>
+            <a:ext cx="9070200" cy="2021400"/>
           </a:xfrm>
           <a:prstGeom prst="rect">
             <a:avLst/>
@@ -3350,10 +3179,7 @@
             <a:pPr algn="ctr">
               <a:buNone/>
             </a:pPr>
-            <a:endParaRPr b="0" lang="en-US" sz="1800" spc="-1" strike="noStrike">
-              <a:solidFill>
-                <a:srgbClr val="ffffff"/>
-              </a:solidFill>
+            <a:endParaRPr b="0" lang="en-US" sz="3200" spc="-1" strike="noStrike">
               <a:latin typeface="Arial"/>
             </a:endParaRPr>
           </a:p>
@@ -3402,7 +3228,7 @@
         <p:spPr>
           <a:xfrm>
             <a:off x="540000" y="139680"/>
-            <a:ext cx="8998920" cy="1249560"/>
+            <a:ext cx="8998560" cy="1249200"/>
           </a:xfrm>
           <a:prstGeom prst="rect">
             <a:avLst/>
@@ -3451,7 +3277,7 @@
         <p:spPr>
           <a:xfrm>
             <a:off x="504000" y="1326600"/>
-            <a:ext cx="9071280" cy="3287880"/>
+            <a:ext cx="9070920" cy="3287520"/>
           </a:xfrm>
           <a:prstGeom prst="rect">
             <a:avLst/>
@@ -3466,7 +3292,7 @@
             <a:normAutofit/>
           </a:bodyPr>
           <a:p>
-            <a:pPr indent="-324000">
+            <a:pPr marL="432000" indent="-324000">
               <a:lnSpc>
                 <a:spcPct val="100000"/>
               </a:lnSpc>
@@ -3486,14 +3312,11 @@
               <a:t>Database</a:t>
             </a:r>
             <a:endParaRPr b="0" lang="en-US" sz="1800" spc="-1" strike="noStrike">
-              <a:solidFill>
-                <a:srgbClr val="ffffff"/>
-              </a:solidFill>
-              <a:latin typeface="Arial"/>
-            </a:endParaRPr>
-          </a:p>
-          <a:p>
-            <a:pPr indent="-324000">
+              <a:latin typeface="Arial"/>
+            </a:endParaRPr>
+          </a:p>
+          <a:p>
+            <a:pPr marL="432000" indent="-324000">
               <a:lnSpc>
                 <a:spcPct val="100000"/>
               </a:lnSpc>
@@ -3513,9 +3336,6 @@
               <a:t>API</a:t>
             </a:r>
             <a:endParaRPr b="0" lang="en-US" sz="1800" spc="-1" strike="noStrike">
-              <a:solidFill>
-                <a:srgbClr val="ffffff"/>
-              </a:solidFill>
               <a:latin typeface="Arial"/>
             </a:endParaRPr>
           </a:p>
@@ -3564,7 +3384,7 @@
         <p:spPr>
           <a:xfrm>
             <a:off x="540000" y="139680"/>
-            <a:ext cx="8998920" cy="1249560"/>
+            <a:ext cx="8998560" cy="1249200"/>
           </a:xfrm>
           <a:prstGeom prst="rect">
             <a:avLst/>
@@ -3613,7 +3433,7 @@
         <p:spPr>
           <a:xfrm>
             <a:off x="504000" y="1326600"/>
-            <a:ext cx="9071280" cy="3287880"/>
+            <a:ext cx="9070920" cy="3287520"/>
           </a:xfrm>
           <a:prstGeom prst="rect">
             <a:avLst/>
@@ -3629,9 +3449,6 @@
           </a:bodyPr>
           <a:p>
             <a:endParaRPr b="0" lang="en-US" sz="3200" spc="-1" strike="noStrike">
-              <a:solidFill>
-                <a:srgbClr val="ffffff"/>
-              </a:solidFill>
               <a:latin typeface="Arial"/>
             </a:endParaRPr>
           </a:p>
@@ -3680,7 +3497,7 @@
         <p:spPr>
           <a:xfrm>
             <a:off x="540000" y="139680"/>
-            <a:ext cx="8998920" cy="1249560"/>
+            <a:ext cx="8998560" cy="1249200"/>
           </a:xfrm>
           <a:prstGeom prst="rect">
             <a:avLst/>
@@ -3729,7 +3546,7 @@
         <p:spPr>
           <a:xfrm>
             <a:off x="504000" y="1326600"/>
-            <a:ext cx="9071280" cy="3287880"/>
+            <a:ext cx="9070920" cy="3287520"/>
           </a:xfrm>
           <a:prstGeom prst="rect">
             <a:avLst/>
@@ -3745,9 +3562,6 @@
           </a:bodyPr>
           <a:p>
             <a:endParaRPr b="0" lang="en-US" sz="3200" spc="-1" strike="noStrike">
-              <a:solidFill>
-                <a:srgbClr val="ffffff"/>
-              </a:solidFill>
               <a:latin typeface="Arial"/>
             </a:endParaRPr>
           </a:p>
@@ -3796,7 +3610,7 @@
         <p:spPr>
           <a:xfrm>
             <a:off x="540000" y="139680"/>
-            <a:ext cx="8998920" cy="1249560"/>
+            <a:ext cx="8998560" cy="1249200"/>
           </a:xfrm>
           <a:prstGeom prst="rect">
             <a:avLst/>
@@ -3845,7 +3659,7 @@
         <p:spPr>
           <a:xfrm>
             <a:off x="504000" y="1326600"/>
-            <a:ext cx="9071280" cy="3287880"/>
+            <a:ext cx="9070920" cy="3287520"/>
           </a:xfrm>
           <a:prstGeom prst="rect">
             <a:avLst/>
@@ -3861,9 +3675,6 @@
           </a:bodyPr>
           <a:p>
             <a:endParaRPr b="0" lang="en-US" sz="3200" spc="-1" strike="noStrike">
-              <a:solidFill>
-                <a:srgbClr val="ffffff"/>
-              </a:solidFill>
               <a:latin typeface="Arial"/>
             </a:endParaRPr>
           </a:p>
@@ -3912,7 +3723,7 @@
         <p:spPr>
           <a:xfrm>
             <a:off x="530280" y="425520"/>
-            <a:ext cx="9070560" cy="945720"/>
+            <a:ext cx="9070200" cy="945360"/>
           </a:xfrm>
           <a:prstGeom prst="rect">
             <a:avLst/>
@@ -3957,7 +3768,7 @@
         <p:spPr>
           <a:xfrm>
             <a:off x="7195320" y="2057400"/>
-            <a:ext cx="1948320" cy="302040"/>
+            <a:ext cx="1947960" cy="301680"/>
           </a:xfrm>
           <a:prstGeom prst="rect">
             <a:avLst/>
@@ -3990,6 +3801,7 @@
                   <a:srgbClr val="ffffff"/>
                 </a:solidFill>
                 <a:latin typeface="Arial"/>
+                <a:ea typeface="DejaVu Sans"/>
               </a:rPr>
               <a:t>Joshua Jarquin (PM)</a:t>
             </a:r>
@@ -4008,7 +3820,7 @@
         <p:spPr>
           <a:xfrm>
             <a:off x="685800" y="2057400"/>
-            <a:ext cx="1352160" cy="513360"/>
+            <a:ext cx="1351800" cy="513000"/>
           </a:xfrm>
           <a:prstGeom prst="rect">
             <a:avLst/>
@@ -4041,6 +3853,7 @@
                   <a:srgbClr val="ffffff"/>
                 </a:solidFill>
                 <a:latin typeface="Arial"/>
+                <a:ea typeface="DejaVu Sans"/>
               </a:rPr>
               <a:t>Joshua Bartz (Database) </a:t>
             </a:r>
@@ -4059,7 +3872,7 @@
         <p:spPr>
           <a:xfrm>
             <a:off x="4167360" y="1983600"/>
-            <a:ext cx="1318680" cy="513360"/>
+            <a:ext cx="1318320" cy="513000"/>
           </a:xfrm>
           <a:prstGeom prst="rect">
             <a:avLst/>
@@ -4092,6 +3905,7 @@
                   <a:srgbClr val="ffffff"/>
                 </a:solidFill>
                 <a:latin typeface="Arial"/>
+                <a:ea typeface="DejaVu Sans"/>
               </a:rPr>
               <a:t>Eugenio Diaz (API)</a:t>
             </a:r>
@@ -4110,7 +3924,7 @@
         <p:spPr>
           <a:xfrm>
             <a:off x="616320" y="4572000"/>
-            <a:ext cx="1669320" cy="513360"/>
+            <a:ext cx="1668960" cy="513000"/>
           </a:xfrm>
           <a:prstGeom prst="rect">
             <a:avLst/>
@@ -4143,6 +3957,7 @@
                   <a:srgbClr val="ffffff"/>
                 </a:solidFill>
                 <a:latin typeface="Arial"/>
+                <a:ea typeface="DejaVu Sans"/>
               </a:rPr>
               <a:t>Benjamin Monroy (Front-End)</a:t>
             </a:r>
@@ -4161,7 +3976,7 @@
         <p:spPr>
           <a:xfrm>
             <a:off x="4272480" y="4572000"/>
-            <a:ext cx="1670760" cy="513360"/>
+            <a:ext cx="1670400" cy="513000"/>
           </a:xfrm>
           <a:prstGeom prst="rect">
             <a:avLst/>
@@ -4194,6 +4009,7 @@
                   <a:srgbClr val="ffffff"/>
                 </a:solidFill>
                 <a:latin typeface="Arial"/>
+                <a:ea typeface="DejaVu Sans"/>
               </a:rPr>
               <a:t>Gabriel Rechdan (API) </a:t>
             </a:r>
@@ -4212,7 +4028,7 @@
         <p:spPr>
           <a:xfrm>
             <a:off x="7539840" y="4572000"/>
-            <a:ext cx="1603800" cy="513360"/>
+            <a:ext cx="1603440" cy="513000"/>
           </a:xfrm>
           <a:prstGeom prst="rect">
             <a:avLst/>
@@ -4245,6 +4061,7 @@
                   <a:srgbClr val="ffffff"/>
                 </a:solidFill>
                 <a:latin typeface="Arial"/>
+                <a:ea typeface="DejaVu Sans"/>
               </a:rPr>
               <a:t>Alejandro Tejeira  (Front-End)</a:t>
             </a:r>
@@ -4297,7 +4114,7 @@
         <p:spPr>
           <a:xfrm>
             <a:off x="504000" y="1428840"/>
-            <a:ext cx="9070560" cy="945720"/>
+            <a:ext cx="9070200" cy="945360"/>
           </a:xfrm>
           <a:prstGeom prst="rect">
             <a:avLst/>
@@ -4346,7 +4163,7 @@
         <p:spPr>
           <a:xfrm>
             <a:off x="504000" y="1958400"/>
-            <a:ext cx="9070560" cy="3288960"/>
+            <a:ext cx="9070200" cy="3288600"/>
           </a:xfrm>
           <a:prstGeom prst="rect">
             <a:avLst/>
@@ -4362,6 +4179,9 @@
           </a:bodyPr>
           <a:p>
             <a:pPr algn="ctr">
+              <a:lnSpc>
+                <a:spcPct val="100000"/>
+              </a:lnSpc>
               <a:buNone/>
             </a:pPr>
             <a:r>
@@ -4374,9 +4194,6 @@
               <a:t>how it was developed, and anything that you feel is important</a:t>
             </a:r>
             <a:endParaRPr b="0" lang="en-US" sz="1800" spc="-1" strike="noStrike">
-              <a:solidFill>
-                <a:srgbClr val="ffffff"/>
-              </a:solidFill>
               <a:latin typeface="Arial"/>
             </a:endParaRPr>
           </a:p>
@@ -4425,7 +4242,7 @@
         <p:spPr>
           <a:xfrm>
             <a:off x="504000" y="1428840"/>
-            <a:ext cx="9070560" cy="945720"/>
+            <a:ext cx="9070200" cy="945360"/>
           </a:xfrm>
           <a:prstGeom prst="rect">
             <a:avLst/>
@@ -4474,7 +4291,7 @@
         <p:spPr>
           <a:xfrm>
             <a:off x="504000" y="2592000"/>
-            <a:ext cx="9070560" cy="2021760"/>
+            <a:ext cx="9070200" cy="2021400"/>
           </a:xfrm>
           <a:prstGeom prst="rect">
             <a:avLst/>
@@ -4505,9 +4322,6 @@
               <a:t>LAMP stack implemented</a:t>
             </a:r>
             <a:endParaRPr b="0" lang="en-US" sz="1800" spc="-1" strike="noStrike">
-              <a:solidFill>
-                <a:srgbClr val="ffffff"/>
-              </a:solidFill>
               <a:latin typeface="Arial"/>
             </a:endParaRPr>
           </a:p>
@@ -4528,9 +4342,6 @@
               <a:t>Linux: Hosted on an ubuntu 22.04 server from DigitalOcean</a:t>
             </a:r>
             <a:endParaRPr b="0" lang="en-US" sz="1800" spc="-1" strike="noStrike">
-              <a:solidFill>
-                <a:srgbClr val="ffffff"/>
-              </a:solidFill>
               <a:latin typeface="Arial"/>
             </a:endParaRPr>
           </a:p>
@@ -4551,9 +4362,6 @@
               <a:t>Apache (HTTP): </a:t>
             </a:r>
             <a:endParaRPr b="0" lang="en-US" sz="1800" spc="-1" strike="noStrike">
-              <a:solidFill>
-                <a:srgbClr val="ffffff"/>
-              </a:solidFill>
               <a:latin typeface="Arial"/>
             </a:endParaRPr>
           </a:p>
@@ -4574,9 +4382,6 @@
               <a:t>MySQL: The database solution to store user login info and each user’s contact’s info</a:t>
             </a:r>
             <a:endParaRPr b="0" lang="en-US" sz="1800" spc="-1" strike="noStrike">
-              <a:solidFill>
-                <a:srgbClr val="ffffff"/>
-              </a:solidFill>
               <a:latin typeface="Arial"/>
             </a:endParaRPr>
           </a:p>
@@ -4597,9 +4402,6 @@
               <a:t>PHP: The interface used to communicate between the front-end (user actions) and the database (the info which is then displayed in browser).</a:t>
             </a:r>
             <a:endParaRPr b="0" lang="en-US" sz="1800" spc="-1" strike="noStrike">
-              <a:solidFill>
-                <a:srgbClr val="ffffff"/>
-              </a:solidFill>
               <a:latin typeface="Arial"/>
             </a:endParaRPr>
           </a:p>
@@ -4648,7 +4450,7 @@
         <p:spPr>
           <a:xfrm>
             <a:off x="504000" y="1428840"/>
-            <a:ext cx="9070560" cy="945720"/>
+            <a:ext cx="9070200" cy="945360"/>
           </a:xfrm>
           <a:prstGeom prst="rect">
             <a:avLst/>
@@ -4697,7 +4499,7 @@
         <p:spPr>
           <a:xfrm>
             <a:off x="504000" y="2592000"/>
-            <a:ext cx="9070560" cy="2021760"/>
+            <a:ext cx="9070200" cy="2021400"/>
           </a:xfrm>
           <a:prstGeom prst="rect">
             <a:avLst/>
@@ -4728,9 +4530,6 @@
               <a:t>Github: Source Code &amp; document digital repository host.</a:t>
             </a:r>
             <a:endParaRPr b="0" lang="en-US" sz="1800" spc="-1" strike="noStrike">
-              <a:solidFill>
-                <a:srgbClr val="ffffff"/>
-              </a:solidFill>
               <a:latin typeface="Arial"/>
             </a:endParaRPr>
           </a:p>
@@ -4751,9 +4550,6 @@
               <a:t>Discord: Primary source of communication</a:t>
             </a:r>
             <a:endParaRPr b="0" lang="en-US" sz="1800" spc="-1" strike="noStrike">
-              <a:solidFill>
-                <a:srgbClr val="ffffff"/>
-              </a:solidFill>
               <a:latin typeface="Arial"/>
             </a:endParaRPr>
           </a:p>
@@ -4774,9 +4570,6 @@
               <a:t>Ganttpro: Used to create the gantt chart</a:t>
             </a:r>
             <a:endParaRPr b="0" lang="en-US" sz="1800" spc="-1" strike="noStrike">
-              <a:solidFill>
-                <a:srgbClr val="ffffff"/>
-              </a:solidFill>
               <a:latin typeface="Arial"/>
             </a:endParaRPr>
           </a:p>
@@ -4825,7 +4618,7 @@
         <p:spPr>
           <a:xfrm>
             <a:off x="457200" y="197280"/>
-            <a:ext cx="9070560" cy="945720"/>
+            <a:ext cx="9070200" cy="945360"/>
           </a:xfrm>
           <a:prstGeom prst="rect">
             <a:avLst/>
@@ -4874,7 +4667,7 @@
         <p:spPr>
           <a:xfrm>
             <a:off x="457200" y="1298880"/>
-            <a:ext cx="9372600" cy="3958920"/>
+            <a:ext cx="9372240" cy="3958560"/>
           </a:xfrm>
           <a:prstGeom prst="rect">
             <a:avLst/>
@@ -4926,8 +4719,8 @@
         </p:nvSpPr>
         <p:spPr>
           <a:xfrm>
-            <a:off x="504000" y="1428840"/>
-            <a:ext cx="9070560" cy="945720"/>
+            <a:off x="531000" y="197640"/>
+            <a:ext cx="9070200" cy="945360"/>
           </a:xfrm>
           <a:prstGeom prst="rect">
             <a:avLst/>
@@ -4963,58 +4756,29 @@
           </a:p>
         </p:txBody>
       </p:sp>
-      <p:sp>
-        <p:nvSpPr>
-          <p:cNvPr id="71" name="PlaceHolder 2"/>
-          <p:cNvSpPr>
-            <a:spLocks noGrp="1"/>
-          </p:cNvSpPr>
-          <p:nvPr>
-            <p:ph type="subTitle"/>
-          </p:nvPr>
-        </p:nvSpPr>
-        <p:spPr>
-          <a:xfrm>
-            <a:off x="504000" y="2592000"/>
-            <a:ext cx="9070560" cy="2021760"/>
-          </a:xfrm>
-          <a:prstGeom prst="rect">
-            <a:avLst/>
-          </a:prstGeom>
-          <a:noFill/>
-          <a:ln w="0">
-            <a:noFill/>
-          </a:ln>
-        </p:spPr>
-        <p:txBody>
-          <a:bodyPr lIns="0" rIns="0" tIns="0" bIns="0" anchor="ctr">
-            <a:noAutofit/>
-          </a:bodyPr>
-          <a:p>
-            <a:pPr>
-              <a:lnSpc>
-                <a:spcPct val="100000"/>
-              </a:lnSpc>
-              <a:buNone/>
-            </a:pPr>
-            <a:r>
-              <a:rPr b="0" lang="en-US" sz="1800" spc="-1" strike="noStrike">
-                <a:solidFill>
-                  <a:srgbClr val="ffffff"/>
-                </a:solidFill>
-                <a:latin typeface="Arial"/>
-              </a:rPr>
-              <a:t>IP</a:t>
-            </a:r>
-            <a:endParaRPr b="0" lang="en-US" sz="1800" spc="-1" strike="noStrike">
-              <a:solidFill>
-                <a:srgbClr val="ffffff"/>
-              </a:solidFill>
-              <a:latin typeface="Arial"/>
-            </a:endParaRPr>
-          </a:p>
-        </p:txBody>
-      </p:sp>
+      <p:pic>
+        <p:nvPicPr>
+          <p:cNvPr id="71" name="" descr=""/>
+          <p:cNvPicPr/>
+          <p:nvPr/>
+        </p:nvPicPr>
+        <p:blipFill>
+          <a:blip r:embed="rId1"/>
+          <a:stretch/>
+        </p:blipFill>
+        <p:spPr>
+          <a:xfrm>
+            <a:off x="4320" y="1337760"/>
+            <a:ext cx="10080360" cy="2988360"/>
+          </a:xfrm>
+          <a:prstGeom prst="rect">
+            <a:avLst/>
+          </a:prstGeom>
+          <a:ln w="0">
+            <a:noFill/>
+          </a:ln>
+        </p:spPr>
+      </p:pic>
     </p:spTree>
   </p:cSld>
   <mc:AlternateContent>
@@ -5058,7 +4822,7 @@
         <p:spPr>
           <a:xfrm>
             <a:off x="504000" y="-228600"/>
-            <a:ext cx="9070560" cy="1143000"/>
+            <a:ext cx="9070200" cy="1142640"/>
           </a:xfrm>
           <a:prstGeom prst="rect">
             <a:avLst/>
@@ -5107,7 +4871,7 @@
         <p:spPr>
           <a:xfrm>
             <a:off x="777600" y="680400"/>
-            <a:ext cx="8823600" cy="4963320"/>
+            <a:ext cx="8823240" cy="4962960"/>
           </a:xfrm>
           <a:prstGeom prst="rect">
             <a:avLst/>
@@ -5160,7 +4924,7 @@
         <p:spPr>
           <a:xfrm>
             <a:off x="540000" y="139680"/>
-            <a:ext cx="8998920" cy="1249560"/>
+            <a:ext cx="8998560" cy="1249200"/>
           </a:xfrm>
           <a:prstGeom prst="rect">
             <a:avLst/>
@@ -5209,7 +4973,7 @@
         <p:spPr>
           <a:xfrm>
             <a:off x="504000" y="1326600"/>
-            <a:ext cx="9071280" cy="3287880"/>
+            <a:ext cx="9070920" cy="3287520"/>
           </a:xfrm>
           <a:prstGeom prst="rect">
             <a:avLst/>
@@ -5224,7 +4988,7 @@
             <a:normAutofit/>
           </a:bodyPr>
           <a:p>
-            <a:pPr indent="-324000">
+            <a:pPr marL="432000" indent="-324000">
               <a:lnSpc>
                 <a:spcPct val="100000"/>
               </a:lnSpc>
@@ -5244,27 +5008,17 @@
               <a:t>Front-End?</a:t>
             </a:r>
             <a:endParaRPr b="0" lang="en-US" sz="1800" spc="-1" strike="noStrike">
-              <a:solidFill>
-                <a:srgbClr val="ffffff"/>
-              </a:solidFill>
-              <a:latin typeface="Arial"/>
-            </a:endParaRPr>
-          </a:p>
-          <a:p>
-            <a:pPr indent="-324000">
+              <a:latin typeface="Arial"/>
+            </a:endParaRPr>
+          </a:p>
+          <a:p>
+            <a:pPr>
               <a:lnSpc>
                 <a:spcPct val="100000"/>
               </a:lnSpc>
-              <a:buClr>
-                <a:srgbClr val="000000"/>
-              </a:buClr>
-              <a:buFont typeface="Wingdings" charset="2"/>
-              <a:buChar char=""/>
+              <a:buNone/>
             </a:pPr>
             <a:endParaRPr b="0" lang="en-US" sz="1800" spc="-1" strike="noStrike">
-              <a:solidFill>
-                <a:srgbClr val="ffffff"/>
-              </a:solidFill>
               <a:latin typeface="Arial"/>
             </a:endParaRPr>
           </a:p>

--- a/Pres.pptx
+++ b/Pres.pptx
@@ -18,6 +18,8 @@
     <p:sldId id="266" r:id="rId13"/>
     <p:sldId id="267" r:id="rId14"/>
     <p:sldId id="268" r:id="rId15"/>
+    <p:sldId id="269" r:id="rId16"/>
+    <p:sldId id="270" r:id="rId17"/>
   </p:sldIdLst>
   <p:sldSz cx="10080625" cy="5670550"/>
   <p:notesSz cx="7559675" cy="10691813"/>
@@ -75,7 +77,7 @@
         <p:txBody>
           <a:bodyPr/>
           <a:p>
-            <a:fld id="{7EE8874D-EF5E-47C3-9D40-A4A2B03255B3}" type="slidenum">
+            <a:fld id="{A0797950-1CCD-4D8E-BF44-15E3A778D523}" type="slidenum">
               <a:t>&lt;#&gt;</a:t>
             </a:fld>
           </a:p>
@@ -190,6 +192,9 @@
           </a:bodyPr>
           <a:p>
             <a:endParaRPr b="0" lang="en-US" sz="3200" spc="-1" strike="noStrike">
+              <a:solidFill>
+                <a:srgbClr val="ffffff"/>
+              </a:solidFill>
               <a:latin typeface="Arial"/>
             </a:endParaRPr>
           </a:p>
@@ -224,6 +229,9 @@
           </a:bodyPr>
           <a:p>
             <a:endParaRPr b="0" lang="en-US" sz="3200" spc="-1" strike="noStrike">
+              <a:solidFill>
+                <a:srgbClr val="ffffff"/>
+              </a:solidFill>
               <a:latin typeface="Arial"/>
             </a:endParaRPr>
           </a:p>
@@ -263,7 +271,7 @@
         <p:txBody>
           <a:bodyPr/>
           <a:p>
-            <a:fld id="{8128F325-428D-45E4-95B6-FD2EDC8CD945}" type="slidenum">
+            <a:fld id="{60E8AF3F-B5CD-44A0-99F8-49B35702040A}" type="slidenum">
               <a:t>&lt;#&gt;</a:t>
             </a:fld>
           </a:p>
@@ -378,6 +386,9 @@
           </a:bodyPr>
           <a:p>
             <a:endParaRPr b="0" lang="en-US" sz="3200" spc="-1" strike="noStrike">
+              <a:solidFill>
+                <a:srgbClr val="ffffff"/>
+              </a:solidFill>
               <a:latin typeface="Arial"/>
             </a:endParaRPr>
           </a:p>
@@ -412,6 +423,9 @@
           </a:bodyPr>
           <a:p>
             <a:endParaRPr b="0" lang="en-US" sz="3200" spc="-1" strike="noStrike">
+              <a:solidFill>
+                <a:srgbClr val="ffffff"/>
+              </a:solidFill>
               <a:latin typeface="Arial"/>
             </a:endParaRPr>
           </a:p>
@@ -446,6 +460,9 @@
           </a:bodyPr>
           <a:p>
             <a:endParaRPr b="0" lang="en-US" sz="3200" spc="-1" strike="noStrike">
+              <a:solidFill>
+                <a:srgbClr val="ffffff"/>
+              </a:solidFill>
               <a:latin typeface="Arial"/>
             </a:endParaRPr>
           </a:p>
@@ -480,6 +497,9 @@
           </a:bodyPr>
           <a:p>
             <a:endParaRPr b="0" lang="en-US" sz="3200" spc="-1" strike="noStrike">
+              <a:solidFill>
+                <a:srgbClr val="ffffff"/>
+              </a:solidFill>
               <a:latin typeface="Arial"/>
             </a:endParaRPr>
           </a:p>
@@ -519,7 +539,7 @@
         <p:txBody>
           <a:bodyPr/>
           <a:p>
-            <a:fld id="{E901BA0D-92D5-48BE-8E6E-B9169B23148B}" type="slidenum">
+            <a:fld id="{45C5DF6E-A76C-4425-B043-D48D562D2A0B}" type="slidenum">
               <a:t>&lt;#&gt;</a:t>
             </a:fld>
           </a:p>
@@ -634,6 +654,9 @@
           </a:bodyPr>
           <a:p>
             <a:endParaRPr b="0" lang="en-US" sz="3200" spc="-1" strike="noStrike">
+              <a:solidFill>
+                <a:srgbClr val="ffffff"/>
+              </a:solidFill>
               <a:latin typeface="Arial"/>
             </a:endParaRPr>
           </a:p>
@@ -668,6 +691,9 @@
           </a:bodyPr>
           <a:p>
             <a:endParaRPr b="0" lang="en-US" sz="3200" spc="-1" strike="noStrike">
+              <a:solidFill>
+                <a:srgbClr val="ffffff"/>
+              </a:solidFill>
               <a:latin typeface="Arial"/>
             </a:endParaRPr>
           </a:p>
@@ -702,6 +728,9 @@
           </a:bodyPr>
           <a:p>
             <a:endParaRPr b="0" lang="en-US" sz="3200" spc="-1" strike="noStrike">
+              <a:solidFill>
+                <a:srgbClr val="ffffff"/>
+              </a:solidFill>
               <a:latin typeface="Arial"/>
             </a:endParaRPr>
           </a:p>
@@ -736,6 +765,9 @@
           </a:bodyPr>
           <a:p>
             <a:endParaRPr b="0" lang="en-US" sz="3200" spc="-1" strike="noStrike">
+              <a:solidFill>
+                <a:srgbClr val="ffffff"/>
+              </a:solidFill>
               <a:latin typeface="Arial"/>
             </a:endParaRPr>
           </a:p>
@@ -770,6 +802,9 @@
           </a:bodyPr>
           <a:p>
             <a:endParaRPr b="0" lang="en-US" sz="3200" spc="-1" strike="noStrike">
+              <a:solidFill>
+                <a:srgbClr val="ffffff"/>
+              </a:solidFill>
               <a:latin typeface="Arial"/>
             </a:endParaRPr>
           </a:p>
@@ -804,6 +839,9 @@
           </a:bodyPr>
           <a:p>
             <a:endParaRPr b="0" lang="en-US" sz="3200" spc="-1" strike="noStrike">
+              <a:solidFill>
+                <a:srgbClr val="ffffff"/>
+              </a:solidFill>
               <a:latin typeface="Arial"/>
             </a:endParaRPr>
           </a:p>
@@ -843,7 +881,7 @@
         <p:txBody>
           <a:bodyPr/>
           <a:p>
-            <a:fld id="{BACB0C39-BCEB-451B-8AC3-806071275DD4}" type="slidenum">
+            <a:fld id="{85680409-3622-46D6-BB2D-6F3D6F72B71E}" type="slidenum">
               <a:t>&lt;#&gt;</a:t>
             </a:fld>
           </a:p>
@@ -957,9 +995,6 @@
             <a:noAutofit/>
           </a:bodyPr>
           <a:p>
-            <a:pPr algn="ctr">
-              <a:buNone/>
-            </a:pPr>
             <a:endParaRPr b="0" lang="en-US" sz="3200" spc="-1" strike="noStrike">
               <a:latin typeface="Arial"/>
             </a:endParaRPr>
@@ -1000,7 +1035,7 @@
         <p:txBody>
           <a:bodyPr/>
           <a:p>
-            <a:fld id="{2533CA03-F124-446E-B5A5-BB955502BE28}" type="slidenum">
+            <a:fld id="{1E2AD819-A9C5-4C30-A65C-3D03DDC2709D}" type="slidenum">
               <a:t>&lt;#&gt;</a:t>
             </a:fld>
           </a:p>
@@ -1115,6 +1150,9 @@
           </a:bodyPr>
           <a:p>
             <a:endParaRPr b="0" lang="en-US" sz="3200" spc="-1" strike="noStrike">
+              <a:solidFill>
+                <a:srgbClr val="ffffff"/>
+              </a:solidFill>
               <a:latin typeface="Arial"/>
             </a:endParaRPr>
           </a:p>
@@ -1154,7 +1192,7 @@
         <p:txBody>
           <a:bodyPr/>
           <a:p>
-            <a:fld id="{D43A20AA-A29D-4540-AFB1-AB57060576C8}" type="slidenum">
+            <a:fld id="{85EC7235-D7D0-4AEA-BB16-12EB748D4BA3}" type="slidenum">
               <a:t>&lt;#&gt;</a:t>
             </a:fld>
           </a:p>
@@ -1269,6 +1307,9 @@
           </a:bodyPr>
           <a:p>
             <a:endParaRPr b="0" lang="en-US" sz="3200" spc="-1" strike="noStrike">
+              <a:solidFill>
+                <a:srgbClr val="ffffff"/>
+              </a:solidFill>
               <a:latin typeface="Arial"/>
             </a:endParaRPr>
           </a:p>
@@ -1303,6 +1344,9 @@
           </a:bodyPr>
           <a:p>
             <a:endParaRPr b="0" lang="en-US" sz="3200" spc="-1" strike="noStrike">
+              <a:solidFill>
+                <a:srgbClr val="ffffff"/>
+              </a:solidFill>
               <a:latin typeface="Arial"/>
             </a:endParaRPr>
           </a:p>
@@ -1342,7 +1386,7 @@
         <p:txBody>
           <a:bodyPr/>
           <a:p>
-            <a:fld id="{C92B0261-BE04-4DCC-AB37-B2CDF8642ED5}" type="slidenum">
+            <a:fld id="{09508BBD-BA9F-452B-93A9-3AC89E107571}" type="slidenum">
               <a:t>&lt;#&gt;</a:t>
             </a:fld>
           </a:p>
@@ -1462,7 +1506,7 @@
         <p:txBody>
           <a:bodyPr/>
           <a:p>
-            <a:fld id="{C64C903E-2D4A-4BF3-B2B2-82B357ACBF71}" type="slidenum">
+            <a:fld id="{1759758E-1B30-47E3-BE72-F95510B48638}" type="slidenum">
               <a:t>&lt;#&gt;</a:t>
             </a:fld>
           </a:p>
@@ -1539,9 +1583,6 @@
             <a:noAutofit/>
           </a:bodyPr>
           <a:p>
-            <a:pPr algn="ctr">
-              <a:buNone/>
-            </a:pPr>
             <a:endParaRPr b="0" lang="en-US" sz="3200" spc="-1" strike="noStrike">
               <a:latin typeface="Arial"/>
             </a:endParaRPr>
@@ -1582,7 +1623,7 @@
         <p:txBody>
           <a:bodyPr/>
           <a:p>
-            <a:fld id="{B536AA7A-F03A-4034-A1E0-AAB6ADD1B46A}" type="slidenum">
+            <a:fld id="{69566389-F2B1-40D9-8C69-9E23BE2A33E0}" type="slidenum">
               <a:t>&lt;#&gt;</a:t>
             </a:fld>
           </a:p>
@@ -1697,6 +1738,9 @@
           </a:bodyPr>
           <a:p>
             <a:endParaRPr b="0" lang="en-US" sz="3200" spc="-1" strike="noStrike">
+              <a:solidFill>
+                <a:srgbClr val="ffffff"/>
+              </a:solidFill>
               <a:latin typeface="Arial"/>
             </a:endParaRPr>
           </a:p>
@@ -1731,6 +1775,9 @@
           </a:bodyPr>
           <a:p>
             <a:endParaRPr b="0" lang="en-US" sz="3200" spc="-1" strike="noStrike">
+              <a:solidFill>
+                <a:srgbClr val="ffffff"/>
+              </a:solidFill>
               <a:latin typeface="Arial"/>
             </a:endParaRPr>
           </a:p>
@@ -1765,6 +1812,9 @@
           </a:bodyPr>
           <a:p>
             <a:endParaRPr b="0" lang="en-US" sz="3200" spc="-1" strike="noStrike">
+              <a:solidFill>
+                <a:srgbClr val="ffffff"/>
+              </a:solidFill>
               <a:latin typeface="Arial"/>
             </a:endParaRPr>
           </a:p>
@@ -1804,7 +1854,7 @@
         <p:txBody>
           <a:bodyPr/>
           <a:p>
-            <a:fld id="{510AC5A1-AF21-4C86-B2D6-18CDA2C7E9B3}" type="slidenum">
+            <a:fld id="{E358E313-2DFB-4C4F-9BA0-E519CB6B6C20}" type="slidenum">
               <a:t>&lt;#&gt;</a:t>
             </a:fld>
           </a:p>
@@ -1919,6 +1969,9 @@
           </a:bodyPr>
           <a:p>
             <a:endParaRPr b="0" lang="en-US" sz="3200" spc="-1" strike="noStrike">
+              <a:solidFill>
+                <a:srgbClr val="ffffff"/>
+              </a:solidFill>
               <a:latin typeface="Arial"/>
             </a:endParaRPr>
           </a:p>
@@ -1953,6 +2006,9 @@
           </a:bodyPr>
           <a:p>
             <a:endParaRPr b="0" lang="en-US" sz="3200" spc="-1" strike="noStrike">
+              <a:solidFill>
+                <a:srgbClr val="ffffff"/>
+              </a:solidFill>
               <a:latin typeface="Arial"/>
             </a:endParaRPr>
           </a:p>
@@ -1987,6 +2043,9 @@
           </a:bodyPr>
           <a:p>
             <a:endParaRPr b="0" lang="en-US" sz="3200" spc="-1" strike="noStrike">
+              <a:solidFill>
+                <a:srgbClr val="ffffff"/>
+              </a:solidFill>
               <a:latin typeface="Arial"/>
             </a:endParaRPr>
           </a:p>
@@ -2026,7 +2085,7 @@
         <p:txBody>
           <a:bodyPr/>
           <a:p>
-            <a:fld id="{B6159480-B313-4069-A1EB-618B4F573B8A}" type="slidenum">
+            <a:fld id="{EE4A6721-C2DF-46F8-AD63-A5624365EF86}" type="slidenum">
               <a:t>&lt;#&gt;</a:t>
             </a:fld>
           </a:p>
@@ -2141,6 +2200,9 @@
           </a:bodyPr>
           <a:p>
             <a:endParaRPr b="0" lang="en-US" sz="3200" spc="-1" strike="noStrike">
+              <a:solidFill>
+                <a:srgbClr val="ffffff"/>
+              </a:solidFill>
               <a:latin typeface="Arial"/>
             </a:endParaRPr>
           </a:p>
@@ -2175,6 +2237,9 @@
           </a:bodyPr>
           <a:p>
             <a:endParaRPr b="0" lang="en-US" sz="3200" spc="-1" strike="noStrike">
+              <a:solidFill>
+                <a:srgbClr val="ffffff"/>
+              </a:solidFill>
               <a:latin typeface="Arial"/>
             </a:endParaRPr>
           </a:p>
@@ -2209,6 +2274,9 @@
           </a:bodyPr>
           <a:p>
             <a:endParaRPr b="0" lang="en-US" sz="3200" spc="-1" strike="noStrike">
+              <a:solidFill>
+                <a:srgbClr val="ffffff"/>
+              </a:solidFill>
               <a:latin typeface="Arial"/>
             </a:endParaRPr>
           </a:p>
@@ -2248,7 +2316,7 @@
         <p:txBody>
           <a:bodyPr/>
           <a:p>
-            <a:fld id="{D7047EC8-43BB-4942-8C52-5613E22C4DFA}" type="slidenum">
+            <a:fld id="{6055937B-F078-4BF4-A9DB-FF66B9BB7FD0}" type="slidenum">
               <a:t>&lt;#&gt;</a:t>
             </a:fld>
           </a:p>
@@ -2306,7 +2374,7 @@
         <p:spPr>
           <a:xfrm>
             <a:off x="0" y="0"/>
-            <a:ext cx="10078560" cy="5668560"/>
+            <a:ext cx="10078200" cy="5668200"/>
           </a:xfrm>
           <a:prstGeom prst="rect">
             <a:avLst/>
@@ -2342,7 +2410,7 @@
         <p:spPr>
           <a:xfrm>
             <a:off x="1440000" y="1080000"/>
-            <a:ext cx="1438560" cy="1258560"/>
+            <a:ext cx="1438200" cy="1258200"/>
           </a:xfrm>
           <a:prstGeom prst="ellipse">
             <a:avLst/>
@@ -2372,7 +2440,7 @@
         <p:spPr>
           <a:xfrm>
             <a:off x="7380000" y="3960000"/>
-            <a:ext cx="1438560" cy="1258560"/>
+            <a:ext cx="1438200" cy="1258200"/>
           </a:xfrm>
           <a:prstGeom prst="ellipse">
             <a:avLst/>
@@ -2402,7 +2470,7 @@
         <p:spPr>
           <a:xfrm>
             <a:off x="9000000" y="2700000"/>
-            <a:ext cx="1258560" cy="1078560"/>
+            <a:ext cx="1258200" cy="1078200"/>
           </a:xfrm>
           <a:prstGeom prst="ellipse">
             <a:avLst/>
@@ -2432,7 +2500,7 @@
         <p:spPr>
           <a:xfrm>
             <a:off x="-180000" y="2430000"/>
-            <a:ext cx="1438560" cy="1348560"/>
+            <a:ext cx="1438200" cy="1348200"/>
           </a:xfrm>
           <a:prstGeom prst="ellipse">
             <a:avLst/>
@@ -2462,7 +2530,7 @@
         <p:spPr>
           <a:xfrm>
             <a:off x="540000" y="1080000"/>
-            <a:ext cx="718560" cy="718560"/>
+            <a:ext cx="718200" cy="718200"/>
           </a:xfrm>
           <a:prstGeom prst="ellipse">
             <a:avLst/>
@@ -2492,7 +2560,7 @@
         <p:spPr>
           <a:xfrm>
             <a:off x="0" y="1260000"/>
-            <a:ext cx="718560" cy="718560"/>
+            <a:ext cx="718200" cy="718200"/>
           </a:xfrm>
           <a:prstGeom prst="ellipse">
             <a:avLst/>
@@ -2522,7 +2590,7 @@
         <p:spPr>
           <a:xfrm>
             <a:off x="0" y="5220000"/>
-            <a:ext cx="1618560" cy="1258560"/>
+            <a:ext cx="1618200" cy="1258200"/>
           </a:xfrm>
           <a:prstGeom prst="ellipse">
             <a:avLst/>
@@ -2552,7 +2620,7 @@
         <p:spPr>
           <a:xfrm>
             <a:off x="9720000" y="4680000"/>
-            <a:ext cx="718560" cy="718560"/>
+            <a:ext cx="718200" cy="718200"/>
           </a:xfrm>
           <a:prstGeom prst="ellipse">
             <a:avLst/>
@@ -2582,7 +2650,7 @@
         <p:spPr>
           <a:xfrm>
             <a:off x="9540000" y="3420000"/>
-            <a:ext cx="718560" cy="718560"/>
+            <a:ext cx="718200" cy="718200"/>
           </a:xfrm>
           <a:prstGeom prst="ellipse">
             <a:avLst/>
@@ -2612,7 +2680,7 @@
         <p:spPr>
           <a:xfrm>
             <a:off x="8100000" y="4680000"/>
-            <a:ext cx="1078560" cy="840960"/>
+            <a:ext cx="1078200" cy="840600"/>
           </a:xfrm>
           <a:prstGeom prst="ellipse">
             <a:avLst/>
@@ -2642,7 +2710,7 @@
         <p:spPr>
           <a:xfrm>
             <a:off x="7920000" y="5400000"/>
-            <a:ext cx="898560" cy="898560"/>
+            <a:ext cx="898200" cy="898200"/>
           </a:xfrm>
           <a:prstGeom prst="ellipse">
             <a:avLst/>
@@ -2676,7 +2744,7 @@
         <p:spPr>
           <a:xfrm>
             <a:off x="3420000" y="5130000"/>
-            <a:ext cx="3238560" cy="390960"/>
+            <a:ext cx="3238200" cy="390600"/>
           </a:xfrm>
           <a:prstGeom prst="rect">
             <a:avLst/>
@@ -2739,7 +2807,7 @@
         <p:spPr>
           <a:xfrm>
             <a:off x="7560000" y="5130000"/>
-            <a:ext cx="2338560" cy="390960"/>
+            <a:ext cx="2338200" cy="390600"/>
           </a:xfrm>
           <a:prstGeom prst="rect">
             <a:avLst/>
@@ -2774,7 +2842,7 @@
               </a:lnSpc>
               <a:buNone/>
             </a:pPr>
-            <a:fld id="{DAB52581-1BD9-49F4-9462-7DB3E0B937D3}" type="slidenum">
+            <a:fld id="{B72329F8-E8A3-4DC5-89C6-2C47ECF7F69B}" type="slidenum">
               <a:rPr b="0" lang="en-US" sz="1400" spc="-1" strike="noStrike">
                 <a:solidFill>
                   <a:srgbClr val="ffffff"/>
@@ -2802,7 +2870,7 @@
         <p:spPr>
           <a:xfrm>
             <a:off x="180000" y="5130000"/>
-            <a:ext cx="2338560" cy="390960"/>
+            <a:ext cx="2338200" cy="390600"/>
           </a:xfrm>
           <a:prstGeom prst="rect">
             <a:avLst/>
@@ -2907,56 +2975,66 @@
             <a:normAutofit/>
           </a:bodyPr>
           <a:p>
-            <a:pPr marL="432000" indent="-324000">
+            <a:pPr marL="216000" indent="-216000">
               <a:spcBef>
-                <a:spcPts val="1417"/>
+                <a:spcPts val="1414"/>
+              </a:spcBef>
+              <a:buSzPct val="100000"/>
+              <a:buBlip>
+                <a:blip r:embed="rId2"/>
+              </a:buBlip>
+            </a:pPr>
+            <a:r>
+              <a:rPr b="0" lang="en-US" sz="3200" spc="-1" strike="noStrike">
+                <a:solidFill>
+                  <a:srgbClr val="ffffff"/>
+                </a:solidFill>
+                <a:latin typeface="Arial"/>
+              </a:rPr>
+              <a:t>Click to edit the outline text format</a:t>
+            </a:r>
+            <a:endParaRPr b="0" lang="en-US" sz="3200" spc="-1" strike="noStrike">
+              <a:solidFill>
+                <a:srgbClr val="ffffff"/>
+              </a:solidFill>
+              <a:latin typeface="Arial"/>
+            </a:endParaRPr>
+          </a:p>
+          <a:p>
+            <a:pPr lvl="1" marL="432000" indent="-216000">
+              <a:spcBef>
+                <a:spcPts val="1134"/>
               </a:spcBef>
               <a:buClr>
-                <a:srgbClr val="000000"/>
+                <a:srgbClr val="ffffff"/>
               </a:buClr>
               <a:buSzPct val="45000"/>
               <a:buFont typeface="Wingdings" charset="2"/>
               <a:buChar char=""/>
             </a:pPr>
             <a:r>
-              <a:rPr b="0" lang="en-US" sz="3200" spc="-1" strike="noStrike">
-                <a:latin typeface="Arial"/>
-              </a:rPr>
-              <a:t>Click to edit the outline text format</a:t>
-            </a:r>
-            <a:endParaRPr b="0" lang="en-US" sz="3200" spc="-1" strike="noStrike">
-              <a:latin typeface="Arial"/>
-            </a:endParaRPr>
-          </a:p>
-          <a:p>
-            <a:pPr lvl="1" marL="864000" indent="-324000">
-              <a:spcBef>
-                <a:spcPts val="1134"/>
-              </a:spcBef>
-              <a:buClr>
-                <a:srgbClr val="000000"/>
-              </a:buClr>
-              <a:buSzPct val="75000"/>
-              <a:buFont typeface="Symbol" charset="2"/>
-              <a:buChar char=""/>
-            </a:pPr>
-            <a:r>
               <a:rPr b="0" lang="en-US" sz="2800" spc="-1" strike="noStrike">
+                <a:solidFill>
+                  <a:srgbClr val="ffffff"/>
+                </a:solidFill>
                 <a:latin typeface="Arial"/>
               </a:rPr>
               <a:t>Second Outline Level</a:t>
             </a:r>
             <a:endParaRPr b="0" lang="en-US" sz="2800" spc="-1" strike="noStrike">
-              <a:latin typeface="Arial"/>
-            </a:endParaRPr>
-          </a:p>
-          <a:p>
-            <a:pPr lvl="2" marL="1296000" indent="-288000">
+              <a:solidFill>
+                <a:srgbClr val="ffffff"/>
+              </a:solidFill>
+              <a:latin typeface="Arial"/>
+            </a:endParaRPr>
+          </a:p>
+          <a:p>
+            <a:pPr lvl="2" marL="648000" indent="-216000">
               <a:spcBef>
                 <a:spcPts val="850"/>
               </a:spcBef>
               <a:buClr>
-                <a:srgbClr val="000000"/>
+                <a:srgbClr val="ffffff"/>
               </a:buClr>
               <a:buSzPct val="45000"/>
               <a:buFont typeface="Wingdings" charset="2"/>
@@ -2964,43 +3042,55 @@
             </a:pPr>
             <a:r>
               <a:rPr b="0" lang="en-US" sz="2400" spc="-1" strike="noStrike">
+                <a:solidFill>
+                  <a:srgbClr val="ffffff"/>
+                </a:solidFill>
                 <a:latin typeface="Arial"/>
               </a:rPr>
               <a:t>Third Outline Level</a:t>
             </a:r>
             <a:endParaRPr b="0" lang="en-US" sz="2400" spc="-1" strike="noStrike">
-              <a:latin typeface="Arial"/>
-            </a:endParaRPr>
-          </a:p>
-          <a:p>
-            <a:pPr lvl="3" marL="1728000" indent="-216000">
+              <a:solidFill>
+                <a:srgbClr val="ffffff"/>
+              </a:solidFill>
+              <a:latin typeface="Arial"/>
+            </a:endParaRPr>
+          </a:p>
+          <a:p>
+            <a:pPr lvl="3" marL="864000" indent="-216000">
               <a:spcBef>
                 <a:spcPts val="567"/>
               </a:spcBef>
               <a:buClr>
-                <a:srgbClr val="000000"/>
+                <a:srgbClr val="ffffff"/>
               </a:buClr>
-              <a:buSzPct val="75000"/>
-              <a:buFont typeface="Symbol" charset="2"/>
-              <a:buChar char=""/>
+              <a:buSzPct val="45000"/>
+              <a:buFont typeface="Wingdings" charset="2"/>
+              <a:buChar char=""/>
             </a:pPr>
             <a:r>
               <a:rPr b="0" lang="en-US" sz="2000" spc="-1" strike="noStrike">
+                <a:solidFill>
+                  <a:srgbClr val="ffffff"/>
+                </a:solidFill>
                 <a:latin typeface="Arial"/>
               </a:rPr>
               <a:t>Fourth Outline Level</a:t>
             </a:r>
             <a:endParaRPr b="0" lang="en-US" sz="2000" spc="-1" strike="noStrike">
-              <a:latin typeface="Arial"/>
-            </a:endParaRPr>
-          </a:p>
-          <a:p>
-            <a:pPr lvl="4" marL="2160000" indent="-216000">
+              <a:solidFill>
+                <a:srgbClr val="ffffff"/>
+              </a:solidFill>
+              <a:latin typeface="Arial"/>
+            </a:endParaRPr>
+          </a:p>
+          <a:p>
+            <a:pPr lvl="4" marL="1080000" indent="-216000">
               <a:spcBef>
                 <a:spcPts val="283"/>
               </a:spcBef>
               <a:buClr>
-                <a:srgbClr val="000000"/>
+                <a:srgbClr val="ffffff"/>
               </a:buClr>
               <a:buSzPct val="45000"/>
               <a:buFont typeface="Wingdings" charset="2"/>
@@ -3008,21 +3098,27 @@
             </a:pPr>
             <a:r>
               <a:rPr b="0" lang="en-US" sz="2000" spc="-1" strike="noStrike">
+                <a:solidFill>
+                  <a:srgbClr val="ffffff"/>
+                </a:solidFill>
                 <a:latin typeface="Arial"/>
               </a:rPr>
               <a:t>Fifth Outline Level</a:t>
             </a:r>
             <a:endParaRPr b="0" lang="en-US" sz="2000" spc="-1" strike="noStrike">
-              <a:latin typeface="Arial"/>
-            </a:endParaRPr>
-          </a:p>
-          <a:p>
-            <a:pPr lvl="5" marL="2592000" indent="-216000">
+              <a:solidFill>
+                <a:srgbClr val="ffffff"/>
+              </a:solidFill>
+              <a:latin typeface="Arial"/>
+            </a:endParaRPr>
+          </a:p>
+          <a:p>
+            <a:pPr lvl="5" marL="1296000" indent="-216000">
               <a:spcBef>
                 <a:spcPts val="283"/>
               </a:spcBef>
               <a:buClr>
-                <a:srgbClr val="000000"/>
+                <a:srgbClr val="ffffff"/>
               </a:buClr>
               <a:buSzPct val="45000"/>
               <a:buFont typeface="Wingdings" charset="2"/>
@@ -3030,21 +3126,27 @@
             </a:pPr>
             <a:r>
               <a:rPr b="0" lang="en-US" sz="2000" spc="-1" strike="noStrike">
+                <a:solidFill>
+                  <a:srgbClr val="ffffff"/>
+                </a:solidFill>
                 <a:latin typeface="Arial"/>
               </a:rPr>
               <a:t>Sixth Outline Level</a:t>
             </a:r>
             <a:endParaRPr b="0" lang="en-US" sz="2000" spc="-1" strike="noStrike">
-              <a:latin typeface="Arial"/>
-            </a:endParaRPr>
-          </a:p>
-          <a:p>
-            <a:pPr lvl="6" marL="3024000" indent="-216000">
+              <a:solidFill>
+                <a:srgbClr val="ffffff"/>
+              </a:solidFill>
+              <a:latin typeface="Arial"/>
+            </a:endParaRPr>
+          </a:p>
+          <a:p>
+            <a:pPr lvl="6" marL="1512000" indent="-216000">
               <a:spcBef>
                 <a:spcPts val="283"/>
               </a:spcBef>
               <a:buClr>
-                <a:srgbClr val="000000"/>
+                <a:srgbClr val="ffffff"/>
               </a:buClr>
               <a:buSzPct val="45000"/>
               <a:buFont typeface="Wingdings" charset="2"/>
@@ -3052,11 +3154,17 @@
             </a:pPr>
             <a:r>
               <a:rPr b="0" lang="en-US" sz="2000" spc="-1" strike="noStrike">
+                <a:solidFill>
+                  <a:srgbClr val="ffffff"/>
+                </a:solidFill>
                 <a:latin typeface="Arial"/>
               </a:rPr>
               <a:t>Seventh Outline Level</a:t>
             </a:r>
             <a:endParaRPr b="0" lang="en-US" sz="2000" spc="-1" strike="noStrike">
+              <a:solidFill>
+                <a:srgbClr val="ffffff"/>
+              </a:solidFill>
               <a:latin typeface="Arial"/>
             </a:endParaRPr>
           </a:p>
@@ -3066,18 +3174,18 @@
   </p:cSld>
   <p:clrMap bg1="lt1" bg2="lt2" tx1="dk1" tx2="dk2" accent1="accent1" accent2="accent2" accent3="accent3" accent4="accent4" accent5="accent5" accent6="accent6" hlink="hlink" folHlink="folHlink"/>
   <p:sldLayoutIdLst>
-    <p:sldLayoutId id="2147483649" r:id="rId2"/>
-    <p:sldLayoutId id="2147483650" r:id="rId3"/>
-    <p:sldLayoutId id="2147483651" r:id="rId4"/>
-    <p:sldLayoutId id="2147483652" r:id="rId5"/>
-    <p:sldLayoutId id="2147483653" r:id="rId6"/>
-    <p:sldLayoutId id="2147483654" r:id="rId7"/>
-    <p:sldLayoutId id="2147483655" r:id="rId8"/>
-    <p:sldLayoutId id="2147483656" r:id="rId9"/>
-    <p:sldLayoutId id="2147483657" r:id="rId10"/>
-    <p:sldLayoutId id="2147483658" r:id="rId11"/>
-    <p:sldLayoutId id="2147483659" r:id="rId12"/>
-    <p:sldLayoutId id="2147483660" r:id="rId13"/>
+    <p:sldLayoutId id="2147483649" r:id="rId3"/>
+    <p:sldLayoutId id="2147483650" r:id="rId4"/>
+    <p:sldLayoutId id="2147483651" r:id="rId5"/>
+    <p:sldLayoutId id="2147483652" r:id="rId6"/>
+    <p:sldLayoutId id="2147483653" r:id="rId7"/>
+    <p:sldLayoutId id="2147483654" r:id="rId8"/>
+    <p:sldLayoutId id="2147483655" r:id="rId9"/>
+    <p:sldLayoutId id="2147483656" r:id="rId10"/>
+    <p:sldLayoutId id="2147483657" r:id="rId11"/>
+    <p:sldLayoutId id="2147483658" r:id="rId12"/>
+    <p:sldLayoutId id="2147483659" r:id="rId13"/>
+    <p:sldLayoutId id="2147483660" r:id="rId14"/>
   </p:sldLayoutIdLst>
 </p:sldMaster>
 </file>
@@ -3111,8 +3219,8 @@
         </p:nvSpPr>
         <p:spPr>
           <a:xfrm>
-            <a:off x="504000" y="1428840"/>
-            <a:ext cx="9070200" cy="945360"/>
+            <a:off x="3429000" y="685800"/>
+            <a:ext cx="3839400" cy="945000"/>
           </a:xfrm>
           <a:prstGeom prst="rect">
             <a:avLst/>
@@ -3140,7 +3248,7 @@
                 </a:solidFill>
                 <a:latin typeface="Arial"/>
               </a:rPr>
-              <a:t>Contact Manager</a:t>
+              <a:t>Contacts Connect</a:t>
             </a:r>
             <a:endParaRPr b="0" lang="en-US" sz="3300" spc="-1" strike="noStrike">
               <a:latin typeface="Arial"/>
@@ -3148,43 +3256,29 @@
           </a:p>
         </p:txBody>
       </p:sp>
-      <p:sp>
-        <p:nvSpPr>
-          <p:cNvPr id="54" name="PlaceHolder 2"/>
-          <p:cNvSpPr>
-            <a:spLocks noGrp="1"/>
-          </p:cNvSpPr>
-          <p:nvPr>
-            <p:ph type="subTitle"/>
-          </p:nvPr>
-        </p:nvSpPr>
-        <p:spPr>
-          <a:xfrm>
-            <a:off x="504000" y="2592000"/>
-            <a:ext cx="9070200" cy="2021400"/>
-          </a:xfrm>
-          <a:prstGeom prst="rect">
-            <a:avLst/>
-          </a:prstGeom>
-          <a:noFill/>
-          <a:ln w="0">
-            <a:noFill/>
-          </a:ln>
-        </p:spPr>
-        <p:txBody>
-          <a:bodyPr lIns="0" rIns="0" tIns="0" bIns="0" anchor="ctr">
-            <a:noAutofit/>
-          </a:bodyPr>
-          <a:p>
-            <a:pPr algn="ctr">
-              <a:buNone/>
-            </a:pPr>
-            <a:endParaRPr b="0" lang="en-US" sz="3200" spc="-1" strike="noStrike">
-              <a:latin typeface="Arial"/>
-            </a:endParaRPr>
-          </a:p>
-        </p:txBody>
-      </p:sp>
+      <p:pic>
+        <p:nvPicPr>
+          <p:cNvPr id="54" name="" descr=""/>
+          <p:cNvPicPr/>
+          <p:nvPr/>
+        </p:nvPicPr>
+        <p:blipFill>
+          <a:blip r:embed="rId1"/>
+          <a:stretch/>
+        </p:blipFill>
+        <p:spPr>
+          <a:xfrm>
+            <a:off x="3886200" y="2057400"/>
+            <a:ext cx="2264760" cy="2264760"/>
+          </a:xfrm>
+          <a:prstGeom prst="rect">
+            <a:avLst/>
+          </a:prstGeom>
+          <a:ln w="0">
+            <a:noFill/>
+          </a:ln>
+        </p:spPr>
+      </p:pic>
     </p:spTree>
   </p:cSld>
   <mc:AlternateContent>
@@ -3217,7 +3311,7 @@
       </p:grpSpPr>
       <p:sp>
         <p:nvSpPr>
-          <p:cNvPr id="76" name="PlaceHolder 1"/>
+          <p:cNvPr id="80" name="PlaceHolder 1"/>
           <p:cNvSpPr>
             <a:spLocks noGrp="1"/>
           </p:cNvSpPr>
@@ -3227,8 +3321,8 @@
         </p:nvSpPr>
         <p:spPr>
           <a:xfrm>
-            <a:off x="540000" y="139680"/>
-            <a:ext cx="8998560" cy="1249200"/>
+            <a:off x="504000" y="-228600"/>
+            <a:ext cx="9069840" cy="1142280"/>
           </a:xfrm>
           <a:prstGeom prst="rect">
             <a:avLst/>
@@ -3256,7 +3350,34 @@
                 </a:solidFill>
                 <a:latin typeface="Arial"/>
               </a:rPr>
-              <a:t>Talk about what went well </a:t>
+              <a:t>Use </a:t>
+            </a:r>
+            <a:r>
+              <a:rPr b="0" lang="en-US" sz="4400" spc="-1" strike="noStrike">
+                <a:solidFill>
+                  <a:srgbClr val="ffffff"/>
+                </a:solidFill>
+                <a:latin typeface="Arial"/>
+              </a:rPr>
+              <a:t>Case </a:t>
+            </a:r>
+            <a:r>
+              <a:rPr b="0" lang="en-US" sz="4400" spc="-1" strike="noStrike">
+                <a:solidFill>
+                  <a:srgbClr val="ffffff"/>
+                </a:solidFill>
+                <a:latin typeface="Arial"/>
+              </a:rPr>
+              <a:t>Diagr</a:t>
+            </a:r>
+            <a:r>
+              <a:rPr b="0" lang="en-US" sz="4400" spc="-1" strike="noStrike">
+                <a:solidFill>
+                  <a:srgbClr val="ffffff"/>
+                </a:solidFill>
+                <a:latin typeface="Arial"/>
+              </a:rPr>
+              <a:t>am</a:t>
             </a:r>
             <a:endParaRPr b="0" lang="en-US" sz="4400" spc="-1" strike="noStrike">
               <a:latin typeface="Arial"/>
@@ -3264,83 +3385,29 @@
           </a:p>
         </p:txBody>
       </p:sp>
-      <p:sp>
-        <p:nvSpPr>
-          <p:cNvPr id="77" name="PlaceHolder 2"/>
-          <p:cNvSpPr>
-            <a:spLocks noGrp="1"/>
-          </p:cNvSpPr>
-          <p:nvPr>
-            <p:ph/>
-          </p:nvPr>
-        </p:nvSpPr>
-        <p:spPr>
-          <a:xfrm>
-            <a:off x="504000" y="1326600"/>
-            <a:ext cx="9070920" cy="3287520"/>
-          </a:xfrm>
-          <a:prstGeom prst="rect">
-            <a:avLst/>
-          </a:prstGeom>
-          <a:noFill/>
-          <a:ln w="0">
-            <a:noFill/>
-          </a:ln>
-        </p:spPr>
-        <p:txBody>
-          <a:bodyPr lIns="0" rIns="0" tIns="0" bIns="0" anchor="t">
-            <a:normAutofit/>
-          </a:bodyPr>
-          <a:p>
-            <a:pPr marL="432000" indent="-324000">
-              <a:lnSpc>
-                <a:spcPct val="100000"/>
-              </a:lnSpc>
-              <a:buClr>
-                <a:srgbClr val="000000"/>
-              </a:buClr>
-              <a:buFont typeface="Wingdings" charset="2"/>
-              <a:buChar char=""/>
-            </a:pPr>
-            <a:r>
-              <a:rPr b="0" lang="en-US" sz="1800" spc="-1" strike="noStrike">
-                <a:solidFill>
-                  <a:srgbClr val="ffffff"/>
-                </a:solidFill>
-                <a:latin typeface="Arial"/>
-              </a:rPr>
-              <a:t>Database</a:t>
-            </a:r>
-            <a:endParaRPr b="0" lang="en-US" sz="1800" spc="-1" strike="noStrike">
-              <a:latin typeface="Arial"/>
-            </a:endParaRPr>
-          </a:p>
-          <a:p>
-            <a:pPr marL="432000" indent="-324000">
-              <a:lnSpc>
-                <a:spcPct val="100000"/>
-              </a:lnSpc>
-              <a:buClr>
-                <a:srgbClr val="000000"/>
-              </a:buClr>
-              <a:buFont typeface="Wingdings" charset="2"/>
-              <a:buChar char=""/>
-            </a:pPr>
-            <a:r>
-              <a:rPr b="0" lang="en-US" sz="1800" spc="-1" strike="noStrike">
-                <a:solidFill>
-                  <a:srgbClr val="ffffff"/>
-                </a:solidFill>
-                <a:latin typeface="Arial"/>
-              </a:rPr>
-              <a:t>API</a:t>
-            </a:r>
-            <a:endParaRPr b="0" lang="en-US" sz="1800" spc="-1" strike="noStrike">
-              <a:latin typeface="Arial"/>
-            </a:endParaRPr>
-          </a:p>
-        </p:txBody>
-      </p:sp>
+      <p:pic>
+        <p:nvPicPr>
+          <p:cNvPr id="81" name="" descr=""/>
+          <p:cNvPicPr/>
+          <p:nvPr/>
+        </p:nvPicPr>
+        <p:blipFill>
+          <a:blip r:embed="rId1"/>
+          <a:stretch/>
+        </p:blipFill>
+        <p:spPr>
+          <a:xfrm>
+            <a:off x="777600" y="680400"/>
+            <a:ext cx="8822880" cy="4962600"/>
+          </a:xfrm>
+          <a:prstGeom prst="rect">
+            <a:avLst/>
+          </a:prstGeom>
+          <a:ln w="0">
+            <a:noFill/>
+          </a:ln>
+        </p:spPr>
+      </p:pic>
     </p:spTree>
   </p:cSld>
   <mc:AlternateContent>
@@ -3373,7 +3440,7 @@
       </p:grpSpPr>
       <p:sp>
         <p:nvSpPr>
-          <p:cNvPr id="78" name="PlaceHolder 1"/>
+          <p:cNvPr id="82" name="PlaceHolder 1"/>
           <p:cNvSpPr>
             <a:spLocks noGrp="1"/>
           </p:cNvSpPr>
@@ -3384,7 +3451,7 @@
         <p:spPr>
           <a:xfrm>
             <a:off x="540000" y="139680"/>
-            <a:ext cx="8998560" cy="1249200"/>
+            <a:ext cx="8998200" cy="1248840"/>
           </a:xfrm>
           <a:prstGeom prst="rect">
             <a:avLst/>
@@ -3412,7 +3479,7 @@
                 </a:solidFill>
                 <a:latin typeface="Arial"/>
               </a:rPr>
-              <a:t>API demonstration</a:t>
+              <a:t>Talk about what did not go well</a:t>
             </a:r>
             <a:endParaRPr b="0" lang="en-US" sz="4400" spc="-1" strike="noStrike">
               <a:latin typeface="Arial"/>
@@ -3422,7 +3489,7 @@
       </p:sp>
       <p:sp>
         <p:nvSpPr>
-          <p:cNvPr id="79" name="PlaceHolder 2"/>
+          <p:cNvPr id="83" name="PlaceHolder 2"/>
           <p:cNvSpPr>
             <a:spLocks noGrp="1"/>
           </p:cNvSpPr>
@@ -3433,7 +3500,7 @@
         <p:spPr>
           <a:xfrm>
             <a:off x="504000" y="1326600"/>
-            <a:ext cx="9070920" cy="3287520"/>
+            <a:ext cx="9070560" cy="3287160"/>
           </a:xfrm>
           <a:prstGeom prst="rect">
             <a:avLst/>
@@ -3448,7 +3515,124 @@
             <a:normAutofit/>
           </a:bodyPr>
           <a:p>
-            <a:endParaRPr b="0" lang="en-US" sz="3200" spc="-1" strike="noStrike">
+            <a:pPr marL="432000" indent="-324000">
+              <a:lnSpc>
+                <a:spcPct val="100000"/>
+              </a:lnSpc>
+              <a:buClr>
+                <a:srgbClr val="000000"/>
+              </a:buClr>
+              <a:buFont typeface="Wingdings" charset="2"/>
+              <a:buChar char=""/>
+            </a:pPr>
+            <a:r>
+              <a:rPr b="0" lang="en-US" sz="1800" spc="-1" strike="noStrike">
+                <a:solidFill>
+                  <a:srgbClr val="ffffff"/>
+                </a:solidFill>
+                <a:latin typeface="Arial"/>
+              </a:rPr>
+              <a:t>Adoption of new languages (PHP, CSS &amp; JS)</a:t>
+            </a:r>
+            <a:endParaRPr b="0" lang="en-US" sz="1800" spc="-1" strike="noStrike">
+              <a:solidFill>
+                <a:srgbClr val="ffffff"/>
+              </a:solidFill>
+              <a:latin typeface="Arial"/>
+            </a:endParaRPr>
+          </a:p>
+          <a:p>
+            <a:pPr marL="432000" indent="-324000">
+              <a:lnSpc>
+                <a:spcPct val="100000"/>
+              </a:lnSpc>
+              <a:buClr>
+                <a:srgbClr val="000000"/>
+              </a:buClr>
+              <a:buFont typeface="Wingdings" charset="2"/>
+              <a:buChar char=""/>
+            </a:pPr>
+            <a:r>
+              <a:rPr b="0" lang="en-US" sz="1800" spc="-1" strike="noStrike">
+                <a:solidFill>
+                  <a:srgbClr val="ffffff"/>
+                </a:solidFill>
+                <a:latin typeface="Arial"/>
+              </a:rPr>
+              <a:t>Working in a real team with task-dependencies</a:t>
+            </a:r>
+            <a:endParaRPr b="0" lang="en-US" sz="1800" spc="-1" strike="noStrike">
+              <a:solidFill>
+                <a:srgbClr val="ffffff"/>
+              </a:solidFill>
+              <a:latin typeface="Arial"/>
+            </a:endParaRPr>
+          </a:p>
+          <a:p>
+            <a:pPr marL="432000" indent="-324000">
+              <a:lnSpc>
+                <a:spcPct val="100000"/>
+              </a:lnSpc>
+              <a:buClr>
+                <a:srgbClr val="000000"/>
+              </a:buClr>
+              <a:buFont typeface="Wingdings" charset="2"/>
+              <a:buChar char=""/>
+            </a:pPr>
+            <a:r>
+              <a:rPr b="0" lang="en-US" sz="1800" spc="-1" strike="noStrike">
+                <a:solidFill>
+                  <a:srgbClr val="ffffff"/>
+                </a:solidFill>
+                <a:latin typeface="Arial"/>
+              </a:rPr>
+              <a:t>Scheduling and workflow (late start, slow-start)</a:t>
+            </a:r>
+            <a:endParaRPr b="0" lang="en-US" sz="1800" spc="-1" strike="noStrike">
+              <a:solidFill>
+                <a:srgbClr val="ffffff"/>
+              </a:solidFill>
+              <a:latin typeface="Arial"/>
+            </a:endParaRPr>
+          </a:p>
+          <a:p>
+            <a:pPr marL="432000" indent="-324000">
+              <a:lnSpc>
+                <a:spcPct val="100000"/>
+              </a:lnSpc>
+              <a:buClr>
+                <a:srgbClr val="000000"/>
+              </a:buClr>
+              <a:buFont typeface="Wingdings" charset="2"/>
+              <a:buChar char=""/>
+            </a:pPr>
+            <a:r>
+              <a:rPr b="0" lang="en-US" sz="1800" spc="-1" strike="noStrike">
+                <a:solidFill>
+                  <a:srgbClr val="ffffff"/>
+                </a:solidFill>
+                <a:latin typeface="Arial"/>
+              </a:rPr>
+              <a:t> </a:t>
+            </a:r>
+            <a:endParaRPr b="0" lang="en-US" sz="1800" spc="-1" strike="noStrike">
+              <a:solidFill>
+                <a:srgbClr val="ffffff"/>
+              </a:solidFill>
+              <a:latin typeface="Arial"/>
+            </a:endParaRPr>
+          </a:p>
+          <a:p>
+            <a:pPr>
+              <a:lnSpc>
+                <a:spcPct val="100000"/>
+              </a:lnSpc>
+              <a:buNone/>
+            </a:pPr>
+            <a:endParaRPr b="0" lang="en-US" sz="1800" spc="-1" strike="noStrike">
+              <a:solidFill>
+                <a:srgbClr val="ffffff"/>
+              </a:solidFill>
               <a:latin typeface="Arial"/>
             </a:endParaRPr>
           </a:p>
@@ -3486,7 +3670,7 @@
       </p:grpSpPr>
       <p:sp>
         <p:nvSpPr>
-          <p:cNvPr id="80" name="PlaceHolder 1"/>
+          <p:cNvPr id="84" name="PlaceHolder 1"/>
           <p:cNvSpPr>
             <a:spLocks noGrp="1"/>
           </p:cNvSpPr>
@@ -3497,7 +3681,7 @@
         <p:spPr>
           <a:xfrm>
             <a:off x="540000" y="139680"/>
-            <a:ext cx="8998560" cy="1249200"/>
+            <a:ext cx="8998200" cy="1248840"/>
           </a:xfrm>
           <a:prstGeom prst="rect">
             <a:avLst/>
@@ -3525,7 +3709,7 @@
                 </a:solidFill>
                 <a:latin typeface="Arial"/>
               </a:rPr>
-              <a:t>App Demonstration</a:t>
+              <a:t>Talk about what went well </a:t>
             </a:r>
             <a:endParaRPr b="0" lang="en-US" sz="4400" spc="-1" strike="noStrike">
               <a:latin typeface="Arial"/>
@@ -3535,7 +3719,7 @@
       </p:sp>
       <p:sp>
         <p:nvSpPr>
-          <p:cNvPr id="81" name="PlaceHolder 2"/>
+          <p:cNvPr id="85" name="PlaceHolder 2"/>
           <p:cNvSpPr>
             <a:spLocks noGrp="1"/>
           </p:cNvSpPr>
@@ -3546,7 +3730,7 @@
         <p:spPr>
           <a:xfrm>
             <a:off x="504000" y="1326600"/>
-            <a:ext cx="9070920" cy="3287520"/>
+            <a:ext cx="9070560" cy="3287160"/>
           </a:xfrm>
           <a:prstGeom prst="rect">
             <a:avLst/>
@@ -3561,7 +3745,56 @@
             <a:normAutofit/>
           </a:bodyPr>
           <a:p>
-            <a:endParaRPr b="0" lang="en-US" sz="3200" spc="-1" strike="noStrike">
+            <a:pPr marL="432000" indent="-324000">
+              <a:lnSpc>
+                <a:spcPct val="100000"/>
+              </a:lnSpc>
+              <a:buClr>
+                <a:srgbClr val="000000"/>
+              </a:buClr>
+              <a:buFont typeface="Wingdings" charset="2"/>
+              <a:buChar char=""/>
+            </a:pPr>
+            <a:r>
+              <a:rPr b="0" lang="en-US" sz="1800" spc="-1" strike="noStrike">
+                <a:solidFill>
+                  <a:srgbClr val="ffffff"/>
+                </a:solidFill>
+                <a:latin typeface="Arial"/>
+              </a:rPr>
+              <a:t>Communication was solid</a:t>
+            </a:r>
+            <a:endParaRPr b="0" lang="en-US" sz="1800" spc="-1" strike="noStrike">
+              <a:solidFill>
+                <a:srgbClr val="ffffff"/>
+              </a:solidFill>
+              <a:latin typeface="Arial"/>
+            </a:endParaRPr>
+          </a:p>
+          <a:p>
+            <a:pPr marL="432000" indent="-324000">
+              <a:lnSpc>
+                <a:spcPct val="100000"/>
+              </a:lnSpc>
+              <a:buClr>
+                <a:srgbClr val="000000"/>
+              </a:buClr>
+              <a:buFont typeface="Wingdings" charset="2"/>
+              <a:buChar char=""/>
+            </a:pPr>
+            <a:r>
+              <a:rPr b="0" lang="en-US" sz="1800" spc="-1" strike="noStrike">
+                <a:solidFill>
+                  <a:srgbClr val="ffffff"/>
+                </a:solidFill>
+                <a:latin typeface="Arial"/>
+              </a:rPr>
+              <a:t>No conflicts between teammates</a:t>
+            </a:r>
+            <a:endParaRPr b="0" lang="en-US" sz="1800" spc="-1" strike="noStrike">
+              <a:solidFill>
+                <a:srgbClr val="ffffff"/>
+              </a:solidFill>
               <a:latin typeface="Arial"/>
             </a:endParaRPr>
           </a:p>
@@ -3599,7 +3832,7 @@
       </p:grpSpPr>
       <p:sp>
         <p:nvSpPr>
-          <p:cNvPr id="82" name="PlaceHolder 1"/>
+          <p:cNvPr id="86" name="PlaceHolder 1"/>
           <p:cNvSpPr>
             <a:spLocks noGrp="1"/>
           </p:cNvSpPr>
@@ -3610,7 +3843,7 @@
         <p:spPr>
           <a:xfrm>
             <a:off x="540000" y="139680"/>
-            <a:ext cx="8998560" cy="1249200"/>
+            <a:ext cx="8998200" cy="1248840"/>
           </a:xfrm>
           <a:prstGeom prst="rect">
             <a:avLst/>
@@ -3638,7 +3871,7 @@
                 </a:solidFill>
                 <a:latin typeface="Arial"/>
               </a:rPr>
-              <a:t>Q&amp;A</a:t>
+              <a:t>API demonstration</a:t>
             </a:r>
             <a:endParaRPr b="0" lang="en-US" sz="4400" spc="-1" strike="noStrike">
               <a:latin typeface="Arial"/>
@@ -3648,7 +3881,7 @@
       </p:sp>
       <p:sp>
         <p:nvSpPr>
-          <p:cNvPr id="83" name="PlaceHolder 2"/>
+          <p:cNvPr id="87" name="PlaceHolder 2"/>
           <p:cNvSpPr>
             <a:spLocks noGrp="1"/>
           </p:cNvSpPr>
@@ -3659,7 +3892,7 @@
         <p:spPr>
           <a:xfrm>
             <a:off x="504000" y="1326600"/>
-            <a:ext cx="9070920" cy="3287520"/>
+            <a:ext cx="9070560" cy="3287160"/>
           </a:xfrm>
           <a:prstGeom prst="rect">
             <a:avLst/>
@@ -3674,7 +3907,334 @@
             <a:normAutofit/>
           </a:bodyPr>
           <a:p>
+            <a:pPr indent="-324000">
+              <a:lnSpc>
+                <a:spcPct val="100000"/>
+              </a:lnSpc>
+              <a:buClr>
+                <a:srgbClr val="ffffff"/>
+              </a:buClr>
+              <a:buFont typeface="Wingdings" charset="2"/>
+              <a:buChar char=""/>
+            </a:pPr>
+            <a:r>
+              <a:rPr b="0" lang="en-US" sz="1800" spc="-1" strike="noStrike">
+                <a:solidFill>
+                  <a:srgbClr val="ffffff"/>
+                </a:solidFill>
+                <a:latin typeface="Arial"/>
+              </a:rPr>
+              <a:t>[ADD SWAGGERHUB LINK]</a:t>
+            </a:r>
+            <a:endParaRPr b="0" lang="en-US" sz="1800" spc="-1" strike="noStrike">
+              <a:solidFill>
+                <a:srgbClr val="ffffff"/>
+              </a:solidFill>
+              <a:latin typeface="Arial"/>
+            </a:endParaRPr>
+          </a:p>
+        </p:txBody>
+      </p:sp>
+    </p:spTree>
+  </p:cSld>
+  <mc:AlternateContent>
+    <mc:Choice Requires="p14">
+      <p:transition spd="slow" p14:dur="2000"/>
+    </mc:Choice>
+    <mc:Fallback>
+      <p:transition spd="slow"/>
+    </mc:Fallback>
+  </mc:AlternateContent>
+</p:sld>
+</file>
+
+<file path=ppt/slides/slide14.xml><?xml version="1.0" encoding="utf-8"?>
+<p:sld xmlns:a="http://schemas.openxmlformats.org/drawingml/2006/main" xmlns:p="http://schemas.openxmlformats.org/presentationml/2006/main" xmlns:r="http://schemas.openxmlformats.org/officeDocument/2006/relationships" xmlns:p14="http://schemas.microsoft.com/office/powerpoint/2010/main" xmlns:p15="http://schemas.microsoft.com/office/powerpoint/2012/main" xmlns:mc="http://schemas.openxmlformats.org/markup-compatibility/2006">
+  <p:cSld>
+    <p:spTree>
+      <p:nvGrpSpPr>
+        <p:cNvPr id="1" name=""/>
+        <p:cNvGrpSpPr/>
+        <p:nvPr/>
+      </p:nvGrpSpPr>
+      <p:grpSpPr>
+        <a:xfrm>
+          <a:off x="0" y="0"/>
+          <a:ext cx="0" cy="0"/>
+          <a:chOff x="0" y="0"/>
+          <a:chExt cx="0" cy="0"/>
+        </a:xfrm>
+      </p:grpSpPr>
+      <p:sp>
+        <p:nvSpPr>
+          <p:cNvPr id="88" name="PlaceHolder 1"/>
+          <p:cNvSpPr>
+            <a:spLocks noGrp="1"/>
+          </p:cNvSpPr>
+          <p:nvPr>
+            <p:ph type="title"/>
+          </p:nvPr>
+        </p:nvSpPr>
+        <p:spPr>
+          <a:xfrm>
+            <a:off x="540000" y="139680"/>
+            <a:ext cx="8998200" cy="1248840"/>
+          </a:xfrm>
+          <a:prstGeom prst="rect">
+            <a:avLst/>
+          </a:prstGeom>
+          <a:noFill/>
+          <a:ln w="0">
+            <a:noFill/>
+          </a:ln>
+        </p:spPr>
+        <p:txBody>
+          <a:bodyPr lIns="0" rIns="0" tIns="0" bIns="0" anchor="ctr">
+            <a:noAutofit/>
+          </a:bodyPr>
+          <a:p>
+            <a:pPr algn="ctr">
+              <a:lnSpc>
+                <a:spcPct val="100000"/>
+              </a:lnSpc>
+              <a:buNone/>
+            </a:pPr>
+            <a:r>
+              <a:rPr b="0" lang="en-US" sz="4400" spc="-1" strike="noStrike">
+                <a:solidFill>
+                  <a:srgbClr val="ffffff"/>
+                </a:solidFill>
+                <a:latin typeface="Arial"/>
+              </a:rPr>
+              <a:t>App Demonstration</a:t>
+            </a:r>
+            <a:endParaRPr b="0" lang="en-US" sz="4400" spc="-1" strike="noStrike">
+              <a:latin typeface="Arial"/>
+            </a:endParaRPr>
+          </a:p>
+        </p:txBody>
+      </p:sp>
+      <p:sp>
+        <p:nvSpPr>
+          <p:cNvPr id="89" name="PlaceHolder 2"/>
+          <p:cNvSpPr>
+            <a:spLocks noGrp="1"/>
+          </p:cNvSpPr>
+          <p:nvPr>
+            <p:ph/>
+          </p:nvPr>
+        </p:nvSpPr>
+        <p:spPr>
+          <a:xfrm>
+            <a:off x="2514600" y="2514600"/>
+            <a:ext cx="5211000" cy="730800"/>
+          </a:xfrm>
+          <a:prstGeom prst="rect">
+            <a:avLst/>
+          </a:prstGeom>
+          <a:noFill/>
+          <a:ln w="0">
+            <a:noFill/>
+          </a:ln>
+        </p:spPr>
+        <p:txBody>
+          <a:bodyPr lIns="0" rIns="0" tIns="0" bIns="0" anchor="t">
+            <a:normAutofit/>
+          </a:bodyPr>
+          <a:p>
+            <a:pPr marL="216000" indent="-216000">
+              <a:spcBef>
+                <a:spcPts val="1414"/>
+              </a:spcBef>
+              <a:buSzPct val="100000"/>
+              <a:buBlip>
+                <a:blip r:embed="rId1"/>
+              </a:buBlip>
+            </a:pPr>
+            <a:r>
+              <a:rPr b="0" lang="en-US" sz="3200" spc="-1" strike="noStrike">
+                <a:solidFill>
+                  <a:srgbClr val="ffffff"/>
+                </a:solidFill>
+                <a:latin typeface="Arial"/>
+                <a:hlinkClick r:id="rId2"/>
+              </a:rPr>
+              <a:t>http://thisisforourclass.xyz/</a:t>
+            </a:r>
+            <a:r>
+              <a:rPr b="0" lang="en-US" sz="3200" spc="-1" strike="noStrike">
+                <a:solidFill>
+                  <a:srgbClr val="ffffff"/>
+                </a:solidFill>
+                <a:latin typeface="Arial"/>
+              </a:rPr>
+              <a:t> </a:t>
+            </a:r>
             <a:endParaRPr b="0" lang="en-US" sz="3200" spc="-1" strike="noStrike">
+              <a:solidFill>
+                <a:srgbClr val="ffffff"/>
+              </a:solidFill>
+              <a:latin typeface="Arial"/>
+            </a:endParaRPr>
+          </a:p>
+          <a:p>
+            <a:pPr marL="216000" indent="-216000">
+              <a:spcBef>
+                <a:spcPts val="1414"/>
+              </a:spcBef>
+              <a:buSzPct val="100000"/>
+              <a:buBlip>
+                <a:blip r:embed="rId3"/>
+              </a:buBlip>
+            </a:pPr>
+            <a:r>
+              <a:rPr b="0" lang="en-US" sz="3200" spc="-1" strike="noStrike">
+                <a:solidFill>
+                  <a:srgbClr val="ffffff"/>
+                </a:solidFill>
+                <a:latin typeface="Arial"/>
+              </a:rPr>
+              <a:t> </a:t>
+            </a:r>
+            <a:endParaRPr b="0" lang="en-US" sz="3200" spc="-1" strike="noStrike">
+              <a:solidFill>
+                <a:srgbClr val="ffffff"/>
+              </a:solidFill>
+              <a:latin typeface="Arial"/>
+            </a:endParaRPr>
+          </a:p>
+        </p:txBody>
+      </p:sp>
+    </p:spTree>
+  </p:cSld>
+  <mc:AlternateContent>
+    <mc:Choice Requires="p14">
+      <p:transition spd="slow" p14:dur="2000"/>
+    </mc:Choice>
+    <mc:Fallback>
+      <p:transition spd="slow"/>
+    </mc:Fallback>
+  </mc:AlternateContent>
+</p:sld>
+</file>
+
+<file path=ppt/slides/slide15.xml><?xml version="1.0" encoding="utf-8"?>
+<p:sld xmlns:a="http://schemas.openxmlformats.org/drawingml/2006/main" xmlns:p="http://schemas.openxmlformats.org/presentationml/2006/main" xmlns:r="http://schemas.openxmlformats.org/officeDocument/2006/relationships" xmlns:p14="http://schemas.microsoft.com/office/powerpoint/2010/main" xmlns:p15="http://schemas.microsoft.com/office/powerpoint/2012/main" xmlns:mc="http://schemas.openxmlformats.org/markup-compatibility/2006">
+  <p:cSld>
+    <p:spTree>
+      <p:nvGrpSpPr>
+        <p:cNvPr id="1" name=""/>
+        <p:cNvGrpSpPr/>
+        <p:nvPr/>
+      </p:nvGrpSpPr>
+      <p:grpSpPr>
+        <a:xfrm>
+          <a:off x="0" y="0"/>
+          <a:ext cx="0" cy="0"/>
+          <a:chOff x="0" y="0"/>
+          <a:chExt cx="0" cy="0"/>
+        </a:xfrm>
+      </p:grpSpPr>
+      <p:sp>
+        <p:nvSpPr>
+          <p:cNvPr id="90" name="PlaceHolder 1"/>
+          <p:cNvSpPr>
+            <a:spLocks noGrp="1"/>
+          </p:cNvSpPr>
+          <p:nvPr>
+            <p:ph type="title"/>
+          </p:nvPr>
+        </p:nvSpPr>
+        <p:spPr>
+          <a:xfrm>
+            <a:off x="457200" y="685800"/>
+            <a:ext cx="8998200" cy="1248840"/>
+          </a:xfrm>
+          <a:prstGeom prst="rect">
+            <a:avLst/>
+          </a:prstGeom>
+          <a:noFill/>
+          <a:ln w="0">
+            <a:noFill/>
+          </a:ln>
+        </p:spPr>
+        <p:txBody>
+          <a:bodyPr lIns="0" rIns="0" tIns="0" bIns="0" anchor="ctr">
+            <a:noAutofit/>
+          </a:bodyPr>
+          <a:p>
+            <a:pPr algn="ctr">
+              <a:lnSpc>
+                <a:spcPct val="100000"/>
+              </a:lnSpc>
+              <a:buNone/>
+            </a:pPr>
+            <a:r>
+              <a:rPr b="0" lang="en-US" sz="4400" spc="-1" strike="noStrike">
+                <a:solidFill>
+                  <a:srgbClr val="ffffff"/>
+                </a:solidFill>
+                <a:latin typeface="Arial"/>
+              </a:rPr>
+              <a:t>Q&amp;A</a:t>
+            </a:r>
+            <a:endParaRPr b="0" lang="en-US" sz="4400" spc="-1" strike="noStrike">
+              <a:latin typeface="Arial"/>
+            </a:endParaRPr>
+          </a:p>
+        </p:txBody>
+      </p:sp>
+      <p:sp>
+        <p:nvSpPr>
+          <p:cNvPr id="91" name="PlaceHolder 2"/>
+          <p:cNvSpPr>
+            <a:spLocks noGrp="1"/>
+          </p:cNvSpPr>
+          <p:nvPr>
+            <p:ph/>
+          </p:nvPr>
+        </p:nvSpPr>
+        <p:spPr>
+          <a:xfrm>
+            <a:off x="4343400" y="2057400"/>
+            <a:ext cx="2010600" cy="1371600"/>
+          </a:xfrm>
+          <a:prstGeom prst="rect">
+            <a:avLst/>
+          </a:prstGeom>
+          <a:noFill/>
+          <a:ln w="0">
+            <a:noFill/>
+          </a:ln>
+        </p:spPr>
+        <p:txBody>
+          <a:bodyPr lIns="0" rIns="0" tIns="0" bIns="0" anchor="t">
+            <a:normAutofit fontScale="39000"/>
+          </a:bodyPr>
+          <a:p>
+            <a:pPr indent="-324000">
+              <a:lnSpc>
+                <a:spcPct val="100000"/>
+              </a:lnSpc>
+              <a:buClr>
+                <a:srgbClr val="000000"/>
+              </a:buClr>
+              <a:buFont typeface="Wingdings" charset="2"/>
+              <a:buChar char=""/>
+            </a:pPr>
+            <a:r>
+              <a:rPr b="0" lang="en-US" sz="22650" spc="-1" strike="noStrike">
+                <a:solidFill>
+                  <a:srgbClr val="ffffff"/>
+                </a:solidFill>
+                <a:latin typeface="Arial"/>
+              </a:rPr>
+              <a:t>?</a:t>
+            </a:r>
+            <a:endParaRPr b="0" lang="en-US" sz="22650" spc="-1" strike="noStrike">
+              <a:solidFill>
+                <a:srgbClr val="ffffff"/>
+              </a:solidFill>
               <a:latin typeface="Arial"/>
             </a:endParaRPr>
           </a:p>
@@ -3722,8 +4282,8 @@
         </p:nvSpPr>
         <p:spPr>
           <a:xfrm>
-            <a:off x="530280" y="425520"/>
-            <a:ext cx="9070200" cy="945360"/>
+            <a:off x="504000" y="655200"/>
+            <a:ext cx="9069840" cy="945000"/>
           </a:xfrm>
           <a:prstGeom prst="rect">
             <a:avLst/>
@@ -3751,7 +4311,7 @@
                 </a:solidFill>
                 <a:latin typeface="Arial"/>
               </a:rPr>
-              <a:t>Members</a:t>
+              <a:t>A web app to manage your digital contacts</a:t>
             </a:r>
             <a:endParaRPr b="0" lang="en-US" sz="4400" spc="-1" strike="noStrike">
               <a:latin typeface="Arial"/>
@@ -3761,311 +4321,128 @@
       </p:sp>
       <p:sp>
         <p:nvSpPr>
-          <p:cNvPr id="56" name=""/>
-          <p:cNvSpPr/>
-          <p:nvPr/>
-        </p:nvSpPr>
-        <p:spPr>
-          <a:xfrm>
-            <a:off x="7195320" y="2057400"/>
-            <a:ext cx="1947960" cy="301680"/>
-          </a:xfrm>
-          <a:prstGeom prst="rect">
-            <a:avLst/>
-          </a:prstGeom>
-          <a:noFill/>
-          <a:ln w="0">
-            <a:noFill/>
-          </a:ln>
-        </p:spPr>
-        <p:style>
-          <a:lnRef idx="0"/>
-          <a:fillRef idx="0"/>
-          <a:effectRef idx="0"/>
-          <a:fontRef idx="minor"/>
-        </p:style>
-        <p:txBody>
-          <a:bodyPr lIns="90000" rIns="90000" tIns="45000" bIns="45000" anchor="t">
+          <p:cNvPr id="56" name="PlaceHolder 2"/>
+          <p:cNvSpPr>
+            <a:spLocks noGrp="1"/>
+          </p:cNvSpPr>
+          <p:nvPr>
+            <p:ph type="subTitle"/>
+          </p:nvPr>
+        </p:nvSpPr>
+        <p:spPr>
+          <a:xfrm>
+            <a:off x="3018600" y="2198160"/>
+            <a:ext cx="5211000" cy="1688040"/>
+          </a:xfrm>
+          <a:prstGeom prst="rect">
+            <a:avLst/>
+          </a:prstGeom>
+          <a:noFill/>
+          <a:ln w="0">
+            <a:noFill/>
+          </a:ln>
+        </p:spPr>
+        <p:txBody>
+          <a:bodyPr lIns="0" rIns="0" tIns="0" bIns="0" anchor="ctr">
             <a:noAutofit/>
           </a:bodyPr>
           <a:p>
-            <a:pPr>
+            <a:pPr lvl="1" marL="432000" indent="-216000">
               <a:lnSpc>
                 <a:spcPct val="100000"/>
               </a:lnSpc>
-              <a:buNone/>
-            </a:pPr>
-            <a:r>
-              <a:rPr b="0" lang="en-US" sz="1500" spc="-1" strike="noStrike">
-                <a:solidFill>
-                  <a:srgbClr val="ffffff"/>
-                </a:solidFill>
-                <a:latin typeface="Arial"/>
-                <a:ea typeface="DejaVu Sans"/>
-              </a:rPr>
-              <a:t>Joshua Jarquin (PM)</a:t>
-            </a:r>
-            <a:endParaRPr b="0" lang="en-US" sz="1500" spc="-1" strike="noStrike">
-              <a:latin typeface="Arial"/>
-            </a:endParaRPr>
-          </a:p>
-        </p:txBody>
-      </p:sp>
-      <p:sp>
-        <p:nvSpPr>
-          <p:cNvPr id="57" name=""/>
-          <p:cNvSpPr/>
-          <p:nvPr/>
-        </p:nvSpPr>
-        <p:spPr>
-          <a:xfrm>
-            <a:off x="685800" y="2057400"/>
-            <a:ext cx="1351800" cy="513000"/>
-          </a:xfrm>
-          <a:prstGeom prst="rect">
-            <a:avLst/>
-          </a:prstGeom>
-          <a:noFill/>
-          <a:ln w="0">
-            <a:noFill/>
-          </a:ln>
-        </p:spPr>
-        <p:style>
-          <a:lnRef idx="0"/>
-          <a:fillRef idx="0"/>
-          <a:effectRef idx="0"/>
-          <a:fontRef idx="minor"/>
-        </p:style>
-        <p:txBody>
-          <a:bodyPr lIns="90000" rIns="90000" tIns="45000" bIns="45000" anchor="t">
-            <a:noAutofit/>
-          </a:bodyPr>
-          <a:p>
-            <a:pPr>
+              <a:buClr>
+                <a:srgbClr val="000000"/>
+              </a:buClr>
+              <a:buSzPct val="45000"/>
+              <a:buFont typeface="Wingdings" charset="2"/>
+              <a:buChar char=""/>
+            </a:pPr>
+            <a:r>
+              <a:rPr b="0" lang="en-US" sz="1800" spc="-1" strike="noStrike">
+                <a:solidFill>
+                  <a:srgbClr val="ffffff"/>
+                </a:solidFill>
+                <a:latin typeface="Arial"/>
+              </a:rPr>
+              <a:t>Sign up for a contact manager! (It’s FREE!)</a:t>
+            </a:r>
+            <a:endParaRPr b="0" lang="en-US" sz="1800" spc="-1" strike="noStrike">
+              <a:latin typeface="Arial"/>
+            </a:endParaRPr>
+          </a:p>
+          <a:p>
+            <a:pPr lvl="2" marL="648000" indent="-216000">
               <a:lnSpc>
                 <a:spcPct val="100000"/>
               </a:lnSpc>
-              <a:buNone/>
-            </a:pPr>
-            <a:r>
-              <a:rPr b="0" lang="en-US" sz="1500" spc="-1" strike="noStrike">
-                <a:solidFill>
-                  <a:srgbClr val="ffffff"/>
-                </a:solidFill>
-                <a:latin typeface="Arial"/>
-                <a:ea typeface="DejaVu Sans"/>
-              </a:rPr>
-              <a:t>Joshua Bartz (Database) </a:t>
-            </a:r>
-            <a:endParaRPr b="0" lang="en-US" sz="1500" spc="-1" strike="noStrike">
-              <a:latin typeface="Arial"/>
-            </a:endParaRPr>
-          </a:p>
-        </p:txBody>
-      </p:sp>
-      <p:sp>
-        <p:nvSpPr>
-          <p:cNvPr id="58" name=""/>
-          <p:cNvSpPr/>
-          <p:nvPr/>
-        </p:nvSpPr>
-        <p:spPr>
-          <a:xfrm>
-            <a:off x="4167360" y="1983600"/>
-            <a:ext cx="1318320" cy="513000"/>
-          </a:xfrm>
-          <a:prstGeom prst="rect">
-            <a:avLst/>
-          </a:prstGeom>
-          <a:noFill/>
-          <a:ln w="0">
-            <a:noFill/>
-          </a:ln>
-        </p:spPr>
-        <p:style>
-          <a:lnRef idx="0"/>
-          <a:fillRef idx="0"/>
-          <a:effectRef idx="0"/>
-          <a:fontRef idx="minor"/>
-        </p:style>
-        <p:txBody>
-          <a:bodyPr lIns="90000" rIns="90000" tIns="45000" bIns="45000" anchor="t">
-            <a:noAutofit/>
-          </a:bodyPr>
-          <a:p>
-            <a:pPr>
+              <a:buClr>
+                <a:srgbClr val="000000"/>
+              </a:buClr>
+              <a:buSzPct val="45000"/>
+              <a:buFont typeface="Wingdings" charset="2"/>
+              <a:buChar char=""/>
+            </a:pPr>
+            <a:r>
+              <a:rPr b="0" lang="en-US" sz="1800" spc="-1" strike="noStrike">
+                <a:solidFill>
+                  <a:srgbClr val="ffffff"/>
+                </a:solidFill>
+                <a:latin typeface="Arial"/>
+              </a:rPr>
+              <a:t>Create, Delete and Edit contacts</a:t>
+            </a:r>
+            <a:endParaRPr b="0" lang="en-US" sz="1800" spc="-1" strike="noStrike">
+              <a:latin typeface="Arial"/>
+            </a:endParaRPr>
+          </a:p>
+          <a:p>
+            <a:pPr lvl="2" marL="648000" indent="-216000">
               <a:lnSpc>
                 <a:spcPct val="100000"/>
               </a:lnSpc>
-              <a:buNone/>
-            </a:pPr>
-            <a:r>
-              <a:rPr b="0" lang="en-US" sz="1500" spc="-1" strike="noStrike">
-                <a:solidFill>
-                  <a:srgbClr val="ffffff"/>
-                </a:solidFill>
-                <a:latin typeface="Arial"/>
-                <a:ea typeface="DejaVu Sans"/>
-              </a:rPr>
-              <a:t>Eugenio Diaz (API)</a:t>
-            </a:r>
-            <a:endParaRPr b="0" lang="en-US" sz="1500" spc="-1" strike="noStrike">
-              <a:latin typeface="Arial"/>
-            </a:endParaRPr>
-          </a:p>
-        </p:txBody>
-      </p:sp>
-      <p:sp>
-        <p:nvSpPr>
-          <p:cNvPr id="59" name=""/>
-          <p:cNvSpPr/>
-          <p:nvPr/>
-        </p:nvSpPr>
-        <p:spPr>
-          <a:xfrm>
-            <a:off x="616320" y="4572000"/>
-            <a:ext cx="1668960" cy="513000"/>
-          </a:xfrm>
-          <a:prstGeom prst="rect">
-            <a:avLst/>
-          </a:prstGeom>
-          <a:noFill/>
-          <a:ln w="0">
-            <a:noFill/>
-          </a:ln>
-        </p:spPr>
-        <p:style>
-          <a:lnRef idx="0"/>
-          <a:fillRef idx="0"/>
-          <a:effectRef idx="0"/>
-          <a:fontRef idx="minor"/>
-        </p:style>
-        <p:txBody>
-          <a:bodyPr lIns="90000" rIns="90000" tIns="45000" bIns="45000" anchor="t">
-            <a:noAutofit/>
-          </a:bodyPr>
-          <a:p>
-            <a:pPr>
+              <a:buClr>
+                <a:srgbClr val="000000"/>
+              </a:buClr>
+              <a:buSzPct val="45000"/>
+              <a:buFont typeface="Wingdings" charset="2"/>
+              <a:buChar char=""/>
+            </a:pPr>
+            <a:r>
+              <a:rPr b="0" lang="en-US" sz="1800" spc="-1" strike="noStrike">
+                <a:solidFill>
+                  <a:srgbClr val="ffffff"/>
+                </a:solidFill>
+                <a:latin typeface="Arial"/>
+              </a:rPr>
+              <a:t>Manage your favorite people</a:t>
+            </a:r>
+            <a:endParaRPr b="0" lang="en-US" sz="1800" spc="-1" strike="noStrike">
+              <a:latin typeface="Arial"/>
+            </a:endParaRPr>
+          </a:p>
+          <a:p>
+            <a:pPr lvl="2" marL="648000" indent="-216000">
               <a:lnSpc>
                 <a:spcPct val="100000"/>
               </a:lnSpc>
-              <a:buNone/>
-            </a:pPr>
-            <a:r>
-              <a:rPr b="0" lang="en-US" sz="1500" spc="-1" strike="noStrike">
-                <a:solidFill>
-                  <a:srgbClr val="ffffff"/>
-                </a:solidFill>
-                <a:latin typeface="Arial"/>
-                <a:ea typeface="DejaVu Sans"/>
-              </a:rPr>
-              <a:t>Benjamin Monroy (Front-End)</a:t>
-            </a:r>
-            <a:endParaRPr b="0" lang="en-US" sz="1500" spc="-1" strike="noStrike">
-              <a:latin typeface="Arial"/>
-            </a:endParaRPr>
-          </a:p>
-        </p:txBody>
-      </p:sp>
-      <p:sp>
-        <p:nvSpPr>
-          <p:cNvPr id="60" name=""/>
-          <p:cNvSpPr/>
-          <p:nvPr/>
-        </p:nvSpPr>
-        <p:spPr>
-          <a:xfrm>
-            <a:off x="4272480" y="4572000"/>
-            <a:ext cx="1670400" cy="513000"/>
-          </a:xfrm>
-          <a:prstGeom prst="rect">
-            <a:avLst/>
-          </a:prstGeom>
-          <a:noFill/>
-          <a:ln w="0">
-            <a:noFill/>
-          </a:ln>
-        </p:spPr>
-        <p:style>
-          <a:lnRef idx="0"/>
-          <a:fillRef idx="0"/>
-          <a:effectRef idx="0"/>
-          <a:fontRef idx="minor"/>
-        </p:style>
-        <p:txBody>
-          <a:bodyPr lIns="90000" rIns="90000" tIns="45000" bIns="45000" anchor="t">
-            <a:noAutofit/>
-          </a:bodyPr>
-          <a:p>
-            <a:pPr>
-              <a:lnSpc>
-                <a:spcPct val="100000"/>
-              </a:lnSpc>
-              <a:buNone/>
-            </a:pPr>
-            <a:r>
-              <a:rPr b="0" lang="en-US" sz="1500" spc="-1" strike="noStrike">
-                <a:solidFill>
-                  <a:srgbClr val="ffffff"/>
-                </a:solidFill>
-                <a:latin typeface="Arial"/>
-                <a:ea typeface="DejaVu Sans"/>
-              </a:rPr>
-              <a:t>Gabriel Rechdan (API) </a:t>
-            </a:r>
-            <a:endParaRPr b="0" lang="en-US" sz="1500" spc="-1" strike="noStrike">
-              <a:latin typeface="Arial"/>
-            </a:endParaRPr>
-          </a:p>
-        </p:txBody>
-      </p:sp>
-      <p:sp>
-        <p:nvSpPr>
-          <p:cNvPr id="61" name=""/>
-          <p:cNvSpPr/>
-          <p:nvPr/>
-        </p:nvSpPr>
-        <p:spPr>
-          <a:xfrm>
-            <a:off x="7539840" y="4572000"/>
-            <a:ext cx="1603440" cy="513000"/>
-          </a:xfrm>
-          <a:prstGeom prst="rect">
-            <a:avLst/>
-          </a:prstGeom>
-          <a:noFill/>
-          <a:ln w="0">
-            <a:noFill/>
-          </a:ln>
-        </p:spPr>
-        <p:style>
-          <a:lnRef idx="0"/>
-          <a:fillRef idx="0"/>
-          <a:effectRef idx="0"/>
-          <a:fontRef idx="minor"/>
-        </p:style>
-        <p:txBody>
-          <a:bodyPr lIns="90000" rIns="90000" tIns="45000" bIns="45000" anchor="t">
-            <a:noAutofit/>
-          </a:bodyPr>
-          <a:p>
-            <a:pPr>
-              <a:lnSpc>
-                <a:spcPct val="100000"/>
-              </a:lnSpc>
-              <a:buNone/>
-            </a:pPr>
-            <a:r>
-              <a:rPr b="0" lang="en-US" sz="1500" spc="-1" strike="noStrike">
-                <a:solidFill>
-                  <a:srgbClr val="ffffff"/>
-                </a:solidFill>
-                <a:latin typeface="Arial"/>
-                <a:ea typeface="DejaVu Sans"/>
-              </a:rPr>
-              <a:t>Alejandro Tejeira  (Front-End)</a:t>
-            </a:r>
-            <a:endParaRPr b="0" lang="en-US" sz="1500" spc="-1" strike="noStrike">
+              <a:buClr>
+                <a:srgbClr val="000000"/>
+              </a:buClr>
+              <a:buSzPct val="45000"/>
+              <a:buFont typeface="Wingdings" charset="2"/>
+              <a:buChar char=""/>
+            </a:pPr>
+            <a:r>
+              <a:rPr b="0" lang="en-US" sz="1800" spc="-1" strike="noStrike">
+                <a:solidFill>
+                  <a:srgbClr val="ffffff"/>
+                </a:solidFill>
+                <a:latin typeface="Arial"/>
+              </a:rPr>
+              <a:t>Difficulties looking for someone amongst your 6 contacts? Just search them up!</a:t>
+            </a:r>
+            <a:endParaRPr b="0" lang="en-US" sz="1800" spc="-1" strike="noStrike">
               <a:latin typeface="Arial"/>
             </a:endParaRPr>
           </a:p>
@@ -4103,7 +4480,7 @@
       </p:grpSpPr>
       <p:sp>
         <p:nvSpPr>
-          <p:cNvPr id="62" name="PlaceHolder 1"/>
+          <p:cNvPr id="57" name="PlaceHolder 1"/>
           <p:cNvSpPr>
             <a:spLocks noGrp="1"/>
           </p:cNvSpPr>
@@ -4113,8 +4490,8 @@
         </p:nvSpPr>
         <p:spPr>
           <a:xfrm>
-            <a:off x="504000" y="1428840"/>
-            <a:ext cx="9070200" cy="945360"/>
+            <a:off x="530280" y="425520"/>
+            <a:ext cx="9069840" cy="945000"/>
           </a:xfrm>
           <a:prstGeom prst="rect">
             <a:avLst/>
@@ -4142,7 +4519,7 @@
                 </a:solidFill>
                 <a:latin typeface="Arial"/>
               </a:rPr>
-              <a:t>What is this project</a:t>
+              <a:t>Brought to you by...</a:t>
             </a:r>
             <a:endParaRPr b="0" lang="en-US" sz="4400" spc="-1" strike="noStrike">
               <a:latin typeface="Arial"/>
@@ -4152,48 +4529,486 @@
       </p:sp>
       <p:sp>
         <p:nvSpPr>
-          <p:cNvPr id="63" name="PlaceHolder 2"/>
-          <p:cNvSpPr>
-            <a:spLocks noGrp="1"/>
-          </p:cNvSpPr>
-          <p:nvPr>
-            <p:ph type="subTitle"/>
-          </p:nvPr>
-        </p:nvSpPr>
-        <p:spPr>
-          <a:xfrm>
-            <a:off x="504000" y="1958400"/>
-            <a:ext cx="9070200" cy="3288600"/>
-          </a:xfrm>
-          <a:prstGeom prst="rect">
-            <a:avLst/>
-          </a:prstGeom>
-          <a:noFill/>
-          <a:ln w="0">
-            <a:noFill/>
-          </a:ln>
-        </p:spPr>
-        <p:txBody>
-          <a:bodyPr lIns="0" rIns="0" tIns="0" bIns="0" anchor="ctr">
+          <p:cNvPr id="58" name=""/>
+          <p:cNvSpPr/>
+          <p:nvPr/>
+        </p:nvSpPr>
+        <p:spPr>
+          <a:xfrm>
+            <a:off x="7195320" y="2057400"/>
+            <a:ext cx="1947600" cy="301320"/>
+          </a:xfrm>
+          <a:prstGeom prst="rect">
+            <a:avLst/>
+          </a:prstGeom>
+          <a:noFill/>
+          <a:ln w="0">
+            <a:noFill/>
+          </a:ln>
+        </p:spPr>
+        <p:style>
+          <a:lnRef idx="0"/>
+          <a:fillRef idx="0"/>
+          <a:effectRef idx="0"/>
+          <a:fontRef idx="minor"/>
+        </p:style>
+      </p:sp>
+      <p:sp>
+        <p:nvSpPr>
+          <p:cNvPr id="59" name=""/>
+          <p:cNvSpPr/>
+          <p:nvPr/>
+        </p:nvSpPr>
+        <p:spPr>
+          <a:xfrm>
+            <a:off x="685800" y="2057400"/>
+            <a:ext cx="1351440" cy="512640"/>
+          </a:xfrm>
+          <a:prstGeom prst="rect">
+            <a:avLst/>
+          </a:prstGeom>
+          <a:noFill/>
+          <a:ln w="0">
+            <a:noFill/>
+          </a:ln>
+        </p:spPr>
+        <p:style>
+          <a:lnRef idx="0"/>
+          <a:fillRef idx="0"/>
+          <a:effectRef idx="0"/>
+          <a:fontRef idx="minor"/>
+        </p:style>
+      </p:sp>
+      <p:sp>
+        <p:nvSpPr>
+          <p:cNvPr id="60" name=""/>
+          <p:cNvSpPr/>
+          <p:nvPr/>
+        </p:nvSpPr>
+        <p:spPr>
+          <a:xfrm>
+            <a:off x="4167360" y="1983600"/>
+            <a:ext cx="1317960" cy="512640"/>
+          </a:xfrm>
+          <a:prstGeom prst="rect">
+            <a:avLst/>
+          </a:prstGeom>
+          <a:noFill/>
+          <a:ln w="0">
+            <a:noFill/>
+          </a:ln>
+        </p:spPr>
+        <p:style>
+          <a:lnRef idx="0"/>
+          <a:fillRef idx="0"/>
+          <a:effectRef idx="0"/>
+          <a:fontRef idx="minor"/>
+        </p:style>
+      </p:sp>
+      <p:sp>
+        <p:nvSpPr>
+          <p:cNvPr id="61" name=""/>
+          <p:cNvSpPr/>
+          <p:nvPr/>
+        </p:nvSpPr>
+        <p:spPr>
+          <a:xfrm>
+            <a:off x="616320" y="4572000"/>
+            <a:ext cx="1668600" cy="512640"/>
+          </a:xfrm>
+          <a:prstGeom prst="rect">
+            <a:avLst/>
+          </a:prstGeom>
+          <a:noFill/>
+          <a:ln w="0">
+            <a:noFill/>
+          </a:ln>
+        </p:spPr>
+        <p:style>
+          <a:lnRef idx="0"/>
+          <a:fillRef idx="0"/>
+          <a:effectRef idx="0"/>
+          <a:fontRef idx="minor"/>
+        </p:style>
+      </p:sp>
+      <p:sp>
+        <p:nvSpPr>
+          <p:cNvPr id="62" name=""/>
+          <p:cNvSpPr/>
+          <p:nvPr/>
+        </p:nvSpPr>
+        <p:spPr>
+          <a:xfrm>
+            <a:off x="4272480" y="4572000"/>
+            <a:ext cx="1670040" cy="512640"/>
+          </a:xfrm>
+          <a:prstGeom prst="rect">
+            <a:avLst/>
+          </a:prstGeom>
+          <a:noFill/>
+          <a:ln w="0">
+            <a:noFill/>
+          </a:ln>
+        </p:spPr>
+        <p:style>
+          <a:lnRef idx="0"/>
+          <a:fillRef idx="0"/>
+          <a:effectRef idx="0"/>
+          <a:fontRef idx="minor"/>
+        </p:style>
+      </p:sp>
+      <p:sp>
+        <p:nvSpPr>
+          <p:cNvPr id="63" name=""/>
+          <p:cNvSpPr/>
+          <p:nvPr/>
+        </p:nvSpPr>
+        <p:spPr>
+          <a:xfrm>
+            <a:off x="7539840" y="4572000"/>
+            <a:ext cx="1603080" cy="512640"/>
+          </a:xfrm>
+          <a:prstGeom prst="rect">
+            <a:avLst/>
+          </a:prstGeom>
+          <a:noFill/>
+          <a:ln w="0">
+            <a:noFill/>
+          </a:ln>
+        </p:spPr>
+        <p:style>
+          <a:lnRef idx="0"/>
+          <a:fillRef idx="0"/>
+          <a:effectRef idx="0"/>
+          <a:fontRef idx="minor"/>
+        </p:style>
+      </p:sp>
+      <p:sp>
+        <p:nvSpPr>
+          <p:cNvPr id="64" name=""/>
+          <p:cNvSpPr txBox="1"/>
+          <p:nvPr/>
+        </p:nvSpPr>
+        <p:spPr>
+          <a:xfrm>
+            <a:off x="3200400" y="1755000"/>
+            <a:ext cx="4114800" cy="2797560"/>
+          </a:xfrm>
+          <a:prstGeom prst="rect">
+            <a:avLst/>
+          </a:prstGeom>
+          <a:noFill/>
+          <a:ln w="0">
+            <a:noFill/>
+          </a:ln>
+        </p:spPr>
+        <p:txBody>
+          <a:bodyPr lIns="90000" rIns="90000" tIns="45000" bIns="45000" anchor="t">
             <a:noAutofit/>
           </a:bodyPr>
           <a:p>
-            <a:pPr algn="ctr">
+            <a:pPr>
               <a:lnSpc>
-                <a:spcPct val="100000"/>
+                <a:spcPct val="150000"/>
               </a:lnSpc>
               <a:buNone/>
             </a:pPr>
             <a:r>
-              <a:rPr b="0" lang="en-US" sz="1800" spc="-1" strike="noStrike">
-                <a:solidFill>
-                  <a:srgbClr val="ffffff"/>
-                </a:solidFill>
-                <a:latin typeface="Arial"/>
-              </a:rPr>
-              <a:t>how it was developed, and anything that you feel is important</a:t>
-            </a:r>
-            <a:endParaRPr b="0" lang="en-US" sz="1800" spc="-1" strike="noStrike">
+              <a:rPr b="1" lang="en-US" sz="1600" spc="-1" strike="noStrike">
+                <a:solidFill>
+                  <a:srgbClr val="ffffff"/>
+                </a:solidFill>
+                <a:latin typeface="Arial"/>
+                <a:ea typeface="DejaVu Sans"/>
+              </a:rPr>
+              <a:t>Joshua Bartz </a:t>
+            </a:r>
+            <a:r>
+              <a:rPr b="1" lang="en-US" sz="1600" spc="-1" strike="noStrike">
+                <a:solidFill>
+                  <a:srgbClr val="ffffff"/>
+                </a:solidFill>
+                <a:latin typeface="Arial"/>
+                <a:ea typeface="DejaVu Sans"/>
+              </a:rPr>
+              <a:t>	</a:t>
+            </a:r>
+            <a:r>
+              <a:rPr b="1" lang="en-US" sz="1600" spc="-1" strike="noStrike">
+                <a:solidFill>
+                  <a:srgbClr val="ffffff"/>
+                </a:solidFill>
+                <a:latin typeface="Arial"/>
+                <a:ea typeface="DejaVu Sans"/>
+              </a:rPr>
+              <a:t>	</a:t>
+            </a:r>
+            <a:r>
+              <a:rPr b="1" lang="en-US" sz="1600" spc="-1" strike="noStrike">
+                <a:solidFill>
+                  <a:srgbClr val="ffffff"/>
+                </a:solidFill>
+                <a:latin typeface="Arial"/>
+                <a:ea typeface="DejaVu Sans"/>
+              </a:rPr>
+              <a:t>(Database)</a:t>
+            </a:r>
+            <a:endParaRPr b="1" lang="en-US" sz="1600" spc="-1" strike="noStrike">
+              <a:latin typeface="Arial"/>
+            </a:endParaRPr>
+          </a:p>
+          <a:p>
+            <a:pPr>
+              <a:lnSpc>
+                <a:spcPct val="150000"/>
+              </a:lnSpc>
+              <a:buNone/>
+            </a:pPr>
+            <a:r>
+              <a:rPr b="1" lang="en-US" sz="1600" spc="-1" strike="noStrike">
+                <a:solidFill>
+                  <a:srgbClr val="ffffff"/>
+                </a:solidFill>
+                <a:latin typeface="Arial"/>
+                <a:ea typeface="DejaVu Sans"/>
+              </a:rPr>
+              <a:t>Eugenio Diaz </a:t>
+            </a:r>
+            <a:r>
+              <a:rPr b="1" lang="en-US" sz="1600" spc="-1" strike="noStrike">
+                <a:solidFill>
+                  <a:srgbClr val="ffffff"/>
+                </a:solidFill>
+                <a:latin typeface="Arial"/>
+                <a:ea typeface="DejaVu Sans"/>
+              </a:rPr>
+              <a:t>	</a:t>
+            </a:r>
+            <a:r>
+              <a:rPr b="1" lang="en-US" sz="1600" spc="-1" strike="noStrike">
+                <a:solidFill>
+                  <a:srgbClr val="ffffff"/>
+                </a:solidFill>
+                <a:latin typeface="Arial"/>
+                <a:ea typeface="DejaVu Sans"/>
+              </a:rPr>
+              <a:t>	</a:t>
+            </a:r>
+            <a:r>
+              <a:rPr b="1" lang="en-US" sz="1600" spc="-1" strike="noStrike">
+                <a:solidFill>
+                  <a:srgbClr val="ffffff"/>
+                </a:solidFill>
+                <a:latin typeface="Arial"/>
+                <a:ea typeface="DejaVu Sans"/>
+              </a:rPr>
+              <a:t>(API)</a:t>
+            </a:r>
+            <a:endParaRPr b="1" lang="en-US" sz="1600" spc="-1" strike="noStrike">
+              <a:latin typeface="Arial"/>
+            </a:endParaRPr>
+          </a:p>
+          <a:p>
+            <a:pPr>
+              <a:lnSpc>
+                <a:spcPct val="150000"/>
+              </a:lnSpc>
+              <a:buNone/>
+            </a:pPr>
+            <a:r>
+              <a:rPr b="1" lang="en-US" sz="1600" spc="-1" strike="noStrike">
+                <a:solidFill>
+                  <a:srgbClr val="ffffff"/>
+                </a:solidFill>
+                <a:latin typeface="Arial"/>
+                <a:ea typeface="DejaVu Sans"/>
+              </a:rPr>
+              <a:t>Joshua Jarquin </a:t>
+            </a:r>
+            <a:r>
+              <a:rPr b="1" lang="en-US" sz="1600" spc="-1" strike="noStrike">
+                <a:solidFill>
+                  <a:srgbClr val="ffffff"/>
+                </a:solidFill>
+                <a:latin typeface="Arial"/>
+                <a:ea typeface="DejaVu Sans"/>
+              </a:rPr>
+              <a:t>	</a:t>
+            </a:r>
+            <a:r>
+              <a:rPr b="1" lang="en-US" sz="1600" spc="-1" strike="noStrike">
+                <a:solidFill>
+                  <a:srgbClr val="ffffff"/>
+                </a:solidFill>
+                <a:latin typeface="Arial"/>
+                <a:ea typeface="DejaVu Sans"/>
+              </a:rPr>
+              <a:t>	</a:t>
+            </a:r>
+            <a:r>
+              <a:rPr b="1" lang="en-US" sz="1600" spc="-1" strike="noStrike">
+                <a:solidFill>
+                  <a:srgbClr val="ffffff"/>
+                </a:solidFill>
+                <a:latin typeface="Arial"/>
+                <a:ea typeface="DejaVu Sans"/>
+              </a:rPr>
+              <a:t>(PM)</a:t>
+            </a:r>
+            <a:endParaRPr b="1" lang="en-US" sz="1600" spc="-1" strike="noStrike">
+              <a:latin typeface="Arial"/>
+            </a:endParaRPr>
+          </a:p>
+          <a:p>
+            <a:pPr>
+              <a:lnSpc>
+                <a:spcPct val="150000"/>
+              </a:lnSpc>
+              <a:buNone/>
+            </a:pPr>
+            <a:r>
+              <a:rPr b="1" lang="en-US" sz="1600" spc="-1" strike="noStrike">
+                <a:solidFill>
+                  <a:srgbClr val="ffffff"/>
+                </a:solidFill>
+                <a:latin typeface="Arial"/>
+                <a:ea typeface="DejaVu Sans"/>
+              </a:rPr>
+              <a:t>Benjamin Monroy </a:t>
+            </a:r>
+            <a:r>
+              <a:rPr b="1" lang="en-US" sz="1600" spc="-1" strike="noStrike">
+                <a:solidFill>
+                  <a:srgbClr val="ffffff"/>
+                </a:solidFill>
+                <a:latin typeface="Arial"/>
+                <a:ea typeface="DejaVu Sans"/>
+              </a:rPr>
+              <a:t>	</a:t>
+            </a:r>
+            <a:r>
+              <a:rPr b="1" lang="en-US" sz="1600" spc="-1" strike="noStrike">
+                <a:solidFill>
+                  <a:srgbClr val="ffffff"/>
+                </a:solidFill>
+                <a:latin typeface="Arial"/>
+                <a:ea typeface="DejaVu Sans"/>
+              </a:rPr>
+              <a:t>	</a:t>
+            </a:r>
+            <a:r>
+              <a:rPr b="1" lang="en-US" sz="1600" spc="-1" strike="noStrike">
+                <a:solidFill>
+                  <a:srgbClr val="ffffff"/>
+                </a:solidFill>
+                <a:latin typeface="Arial"/>
+                <a:ea typeface="DejaVu Sans"/>
+              </a:rPr>
+              <a:t>(Front-End)</a:t>
+            </a:r>
+            <a:endParaRPr b="1" lang="en-US" sz="1600" spc="-1" strike="noStrike">
+              <a:latin typeface="Arial"/>
+            </a:endParaRPr>
+          </a:p>
+          <a:p>
+            <a:pPr>
+              <a:lnSpc>
+                <a:spcPct val="150000"/>
+              </a:lnSpc>
+              <a:buNone/>
+            </a:pPr>
+            <a:r>
+              <a:rPr b="1" lang="en-US" sz="1600" spc="-1" strike="noStrike">
+                <a:solidFill>
+                  <a:srgbClr val="ffffff"/>
+                </a:solidFill>
+                <a:latin typeface="Arial"/>
+                <a:ea typeface="DejaVu Sans"/>
+              </a:rPr>
+              <a:t>Gabriel Rechdan </a:t>
+            </a:r>
+            <a:r>
+              <a:rPr b="1" lang="en-US" sz="1600" spc="-1" strike="noStrike">
+                <a:solidFill>
+                  <a:srgbClr val="ffffff"/>
+                </a:solidFill>
+                <a:latin typeface="Arial"/>
+                <a:ea typeface="DejaVu Sans"/>
+              </a:rPr>
+              <a:t>	</a:t>
+            </a:r>
+            <a:r>
+              <a:rPr b="1" lang="en-US" sz="1600" spc="-1" strike="noStrike">
+                <a:solidFill>
+                  <a:srgbClr val="ffffff"/>
+                </a:solidFill>
+                <a:latin typeface="Arial"/>
+                <a:ea typeface="DejaVu Sans"/>
+              </a:rPr>
+              <a:t>	</a:t>
+            </a:r>
+            <a:r>
+              <a:rPr b="1" lang="en-US" sz="1600" spc="-1" strike="noStrike">
+                <a:solidFill>
+                  <a:srgbClr val="ffffff"/>
+                </a:solidFill>
+                <a:latin typeface="Arial"/>
+                <a:ea typeface="DejaVu Sans"/>
+              </a:rPr>
+              <a:t>(API)</a:t>
+            </a:r>
+            <a:endParaRPr b="1" lang="en-US" sz="1600" spc="-1" strike="noStrike">
+              <a:latin typeface="Arial"/>
+            </a:endParaRPr>
+          </a:p>
+          <a:p>
+            <a:pPr>
+              <a:lnSpc>
+                <a:spcPct val="150000"/>
+              </a:lnSpc>
+              <a:buNone/>
+            </a:pPr>
+            <a:r>
+              <a:rPr b="1" lang="en-US" sz="1600" spc="-1" strike="noStrike">
+                <a:solidFill>
+                  <a:srgbClr val="ffffff"/>
+                </a:solidFill>
+                <a:latin typeface="Arial"/>
+                <a:ea typeface="DejaVu Sans"/>
+              </a:rPr>
+              <a:t>Alejandro Tejeira  </a:t>
+            </a:r>
+            <a:r>
+              <a:rPr b="1" lang="en-US" sz="1600" spc="-1" strike="noStrike">
+                <a:solidFill>
+                  <a:srgbClr val="ffffff"/>
+                </a:solidFill>
+                <a:latin typeface="Arial"/>
+                <a:ea typeface="DejaVu Sans"/>
+              </a:rPr>
+              <a:t>	</a:t>
+            </a:r>
+            <a:r>
+              <a:rPr b="1" lang="en-US" sz="1600" spc="-1" strike="noStrike">
+                <a:solidFill>
+                  <a:srgbClr val="ffffff"/>
+                </a:solidFill>
+                <a:latin typeface="Arial"/>
+                <a:ea typeface="DejaVu Sans"/>
+              </a:rPr>
+              <a:t>	</a:t>
+            </a:r>
+            <a:r>
+              <a:rPr b="1" lang="en-US" sz="1600" spc="-1" strike="noStrike">
+                <a:solidFill>
+                  <a:srgbClr val="ffffff"/>
+                </a:solidFill>
+                <a:latin typeface="Arial"/>
+                <a:ea typeface="DejaVu Sans"/>
+              </a:rPr>
+              <a:t>(Front-End)</a:t>
+            </a:r>
+            <a:endParaRPr b="1" lang="en-US" sz="1600" spc="-1" strike="noStrike">
               <a:latin typeface="Arial"/>
             </a:endParaRPr>
           </a:p>
@@ -4231,7 +5046,7 @@
       </p:grpSpPr>
       <p:sp>
         <p:nvSpPr>
-          <p:cNvPr id="64" name="PlaceHolder 1"/>
+          <p:cNvPr id="65" name="PlaceHolder 1"/>
           <p:cNvSpPr>
             <a:spLocks noGrp="1"/>
           </p:cNvSpPr>
@@ -4241,8 +5056,8 @@
         </p:nvSpPr>
         <p:spPr>
           <a:xfrm>
-            <a:off x="504000" y="1428840"/>
-            <a:ext cx="9070200" cy="945360"/>
+            <a:off x="504000" y="457200"/>
+            <a:ext cx="9069840" cy="945000"/>
           </a:xfrm>
           <a:prstGeom prst="rect">
             <a:avLst/>
@@ -4270,7 +5085,43 @@
                 </a:solidFill>
                 <a:latin typeface="Arial"/>
               </a:rPr>
-              <a:t>Technology Used</a:t>
+              <a:t>Techn</a:t>
+            </a:r>
+            <a:r>
+              <a:rPr b="0" lang="en-US" sz="4400" spc="-1" strike="noStrike">
+                <a:solidFill>
+                  <a:srgbClr val="ffffff"/>
+                </a:solidFill>
+                <a:latin typeface="Arial"/>
+              </a:rPr>
+              <a:t>ology </a:t>
+            </a:r>
+            <a:r>
+              <a:rPr b="0" lang="en-US" sz="4400" spc="-1" strike="noStrike">
+                <a:solidFill>
+                  <a:srgbClr val="ffffff"/>
+                </a:solidFill>
+                <a:latin typeface="Arial"/>
+              </a:rPr>
+              <a:t>Used - </a:t>
+            </a:r>
+            <a:r>
+              <a:rPr b="0" lang="en-US" sz="4400" spc="-1" strike="noStrike">
+                <a:solidFill>
+                  <a:srgbClr val="ffffff"/>
+                </a:solidFill>
+                <a:latin typeface="Arial"/>
+              </a:rPr>
+              <a:t>Creati</a:t>
+            </a:r>
+            <a:r>
+              <a:rPr b="0" lang="en-US" sz="4400" spc="-1" strike="noStrike">
+                <a:solidFill>
+                  <a:srgbClr val="ffffff"/>
+                </a:solidFill>
+                <a:latin typeface="Arial"/>
+              </a:rPr>
+              <a:t>on</a:t>
             </a:r>
             <a:endParaRPr b="0" lang="en-US" sz="4400" spc="-1" strike="noStrike">
               <a:latin typeface="Arial"/>
@@ -4280,7 +5131,7 @@
       </p:sp>
       <p:sp>
         <p:nvSpPr>
-          <p:cNvPr id="65" name="PlaceHolder 2"/>
+          <p:cNvPr id="66" name="PlaceHolder 2"/>
           <p:cNvSpPr>
             <a:spLocks noGrp="1"/>
           </p:cNvSpPr>
@@ -4290,8 +5141,8 @@
         </p:nvSpPr>
         <p:spPr>
           <a:xfrm>
-            <a:off x="504000" y="2592000"/>
-            <a:ext cx="9070200" cy="2021400"/>
+            <a:off x="1217160" y="2514600"/>
+            <a:ext cx="9069840" cy="2021040"/>
           </a:xfrm>
           <a:prstGeom prst="rect">
             <a:avLst/>
@@ -4306,12 +5157,24 @@
             <a:noAutofit/>
           </a:bodyPr>
           <a:p>
-            <a:pPr>
+            <a:pPr marL="216000" indent="-216000">
               <a:lnSpc>
                 <a:spcPct val="100000"/>
               </a:lnSpc>
-              <a:buNone/>
-            </a:pPr>
+              <a:buSzPct val="100000"/>
+              <a:buBlip>
+                <a:blip r:embed="rId1"/>
+              </a:buBlip>
+            </a:pPr>
+            <a:r>
+              <a:rPr b="1" lang="en-US" sz="1800" spc="-1" strike="noStrike">
+                <a:solidFill>
+                  <a:srgbClr val="ffffff"/>
+                </a:solidFill>
+                <a:latin typeface="Arial"/>
+              </a:rPr>
+              <a:t>LAMP</a:t>
+            </a:r>
             <a:r>
               <a:rPr b="0" lang="en-US" sz="1800" spc="-1" strike="noStrike">
                 <a:solidFill>
@@ -4319,19 +5182,33 @@
                 </a:solidFill>
                 <a:latin typeface="Arial"/>
               </a:rPr>
-              <a:t>LAMP stack implemented</a:t>
+              <a:t> stack implementation:</a:t>
             </a:r>
             <a:endParaRPr b="0" lang="en-US" sz="1800" spc="-1" strike="noStrike">
               <a:latin typeface="Arial"/>
             </a:endParaRPr>
           </a:p>
           <a:p>
-            <a:pPr>
+            <a:pPr lvl="1" marL="432000" indent="-216000">
               <a:lnSpc>
                 <a:spcPct val="100000"/>
               </a:lnSpc>
-              <a:buNone/>
-            </a:pPr>
+              <a:buClr>
+                <a:srgbClr val="ffffff"/>
+              </a:buClr>
+              <a:buSzPct val="45000"/>
+              <a:buFont typeface="Wingdings" charset="2"/>
+              <a:buChar char=""/>
+            </a:pPr>
+            <a:r>
+              <a:rPr b="1" lang="en-US" sz="1800" spc="-1" strike="noStrike">
+                <a:solidFill>
+                  <a:srgbClr val="ffffff"/>
+                </a:solidFill>
+                <a:latin typeface="Arial"/>
+              </a:rPr>
+              <a:t>Linux</a:t>
+            </a:r>
             <a:r>
               <a:rPr b="0" lang="en-US" sz="1800" spc="-1" strike="noStrike">
                 <a:solidFill>
@@ -4339,18 +5216,41 @@
                 </a:solidFill>
                 <a:latin typeface="Arial"/>
               </a:rPr>
-              <a:t>Linux: Hosted on an ubuntu 22.04 server from DigitalOcean</a:t>
+              <a:t>: </a:t>
+            </a:r>
+            <a:r>
+              <a:rPr b="0" lang="en-US" sz="1800" spc="-1" strike="noStrike">
+                <a:solidFill>
+                  <a:srgbClr val="ffffff"/>
+                </a:solidFill>
+                <a:latin typeface="Arial"/>
+              </a:rPr>
+              <a:t>	</a:t>
+            </a:r>
+            <a:r>
+              <a:rPr b="0" lang="en-US" sz="1800" spc="-1" strike="noStrike">
+                <a:solidFill>
+                  <a:srgbClr val="ffffff"/>
+                </a:solidFill>
+                <a:latin typeface="Arial"/>
+              </a:rPr>
+              <a:t>	</a:t>
             </a:r>
             <a:endParaRPr b="0" lang="en-US" sz="1800" spc="-1" strike="noStrike">
               <a:latin typeface="Arial"/>
             </a:endParaRPr>
           </a:p>
           <a:p>
-            <a:pPr>
+            <a:pPr lvl="2" marL="648000" indent="-216000">
               <a:lnSpc>
                 <a:spcPct val="100000"/>
               </a:lnSpc>
-              <a:buNone/>
+              <a:buClr>
+                <a:srgbClr val="ffffff"/>
+              </a:buClr>
+              <a:buSzPct val="45000"/>
+              <a:buFont typeface="Wingdings" charset="2"/>
+              <a:buChar char=""/>
             </a:pPr>
             <a:r>
               <a:rPr b="0" lang="en-US" sz="1800" spc="-1" strike="noStrike">
@@ -4359,19 +5259,33 @@
                 </a:solidFill>
                 <a:latin typeface="Arial"/>
               </a:rPr>
-              <a:t>Apache (HTTP): </a:t>
+              <a:t>Hosted on an Ubuntu 22.04 server rented from DigitalOcean.</a:t>
             </a:r>
             <a:endParaRPr b="0" lang="en-US" sz="1800" spc="-1" strike="noStrike">
               <a:latin typeface="Arial"/>
             </a:endParaRPr>
           </a:p>
           <a:p>
-            <a:pPr>
+            <a:pPr lvl="1" marL="432000" indent="-216000">
               <a:lnSpc>
                 <a:spcPct val="100000"/>
               </a:lnSpc>
-              <a:buNone/>
-            </a:pPr>
+              <a:buClr>
+                <a:srgbClr val="ffffff"/>
+              </a:buClr>
+              <a:buSzPct val="45000"/>
+              <a:buFont typeface="Wingdings" charset="2"/>
+              <a:buChar char=""/>
+            </a:pPr>
+            <a:r>
+              <a:rPr b="1" lang="en-US" sz="1800" spc="-1" strike="noStrike">
+                <a:solidFill>
+                  <a:srgbClr val="ffffff"/>
+                </a:solidFill>
+                <a:latin typeface="Arial"/>
+              </a:rPr>
+              <a:t>Apache</a:t>
+            </a:r>
             <a:r>
               <a:rPr b="0" lang="en-US" sz="1800" spc="-1" strike="noStrike">
                 <a:solidFill>
@@ -4379,18 +5293,59 @@
                 </a:solidFill>
                 <a:latin typeface="Arial"/>
               </a:rPr>
-              <a:t>MySQL: The database solution to store user login info and each user’s contact’s info</a:t>
+              <a:t> </a:t>
+            </a:r>
+            <a:r>
+              <a:rPr b="0" lang="en-US" sz="1800" spc="-1" strike="noStrike">
+                <a:solidFill>
+                  <a:srgbClr val="ffffff"/>
+                </a:solidFill>
+                <a:latin typeface="Arial"/>
+              </a:rPr>
+              <a:t>	</a:t>
+            </a:r>
+            <a:r>
+              <a:rPr b="0" lang="en-US" sz="1800" spc="-1" strike="noStrike">
+                <a:solidFill>
+                  <a:srgbClr val="ffffff"/>
+                </a:solidFill>
+                <a:latin typeface="Arial"/>
+              </a:rPr>
+              <a:t>(</a:t>
+            </a:r>
+            <a:r>
+              <a:rPr b="1" lang="en-US" sz="1800" spc="-1" strike="noStrike">
+                <a:solidFill>
+                  <a:srgbClr val="ffffff"/>
+                </a:solidFill>
+                <a:latin typeface="Arial"/>
+              </a:rPr>
+              <a:t>HTTP</a:t>
+            </a:r>
+            <a:r>
+              <a:rPr b="0" lang="en-US" sz="1800" spc="-1" strike="noStrike">
+                <a:solidFill>
+                  <a:srgbClr val="ffffff"/>
+                </a:solidFill>
+                <a:latin typeface="Arial"/>
+              </a:rPr>
+              <a:t>): </a:t>
             </a:r>
             <a:endParaRPr b="0" lang="en-US" sz="1800" spc="-1" strike="noStrike">
               <a:latin typeface="Arial"/>
             </a:endParaRPr>
           </a:p>
           <a:p>
-            <a:pPr>
+            <a:pPr lvl="2" marL="648000" indent="-216000">
               <a:lnSpc>
                 <a:spcPct val="100000"/>
               </a:lnSpc>
-              <a:buNone/>
+              <a:buClr>
+                <a:srgbClr val="ffffff"/>
+              </a:buClr>
+              <a:buSzPct val="45000"/>
+              <a:buFont typeface="Wingdings" charset="2"/>
+              <a:buChar char=""/>
             </a:pPr>
             <a:r>
               <a:rPr b="0" lang="en-US" sz="1800" spc="-1" strike="noStrike">
@@ -4399,7 +5354,215 @@
                 </a:solidFill>
                 <a:latin typeface="Arial"/>
               </a:rPr>
-              <a:t>PHP: The interface used to communicate between the front-end (user actions) and the database (the info which is then displayed in browser).</a:t>
+              <a:t>An HTTP web server used to deliver web pages across the </a:t>
+            </a:r>
+            <a:r>
+              <a:rPr b="0" lang="en-US" sz="1800" spc="-1" strike="noStrike">
+                <a:solidFill>
+                  <a:srgbClr val="ffffff"/>
+                </a:solidFill>
+                <a:latin typeface="Arial"/>
+              </a:rPr>
+              <a:t>	</a:t>
+            </a:r>
+            <a:r>
+              <a:rPr b="0" lang="en-US" sz="1800" spc="-1" strike="noStrike">
+                <a:solidFill>
+                  <a:srgbClr val="ffffff"/>
+                </a:solidFill>
+                <a:latin typeface="Arial"/>
+              </a:rPr>
+              <a:t>	</a:t>
+            </a:r>
+            <a:r>
+              <a:rPr b="0" lang="en-US" sz="1800" spc="-1" strike="noStrike">
+                <a:solidFill>
+                  <a:srgbClr val="ffffff"/>
+                </a:solidFill>
+                <a:latin typeface="Arial"/>
+              </a:rPr>
+              <a:t>	</a:t>
+            </a:r>
+            <a:r>
+              <a:rPr b="0" lang="en-US" sz="1800" spc="-1" strike="noStrike">
+                <a:solidFill>
+                  <a:srgbClr val="ffffff"/>
+                </a:solidFill>
+                <a:latin typeface="Arial"/>
+              </a:rPr>
+              <a:t>internet.</a:t>
+            </a:r>
+            <a:endParaRPr b="0" lang="en-US" sz="1800" spc="-1" strike="noStrike">
+              <a:latin typeface="Arial"/>
+            </a:endParaRPr>
+          </a:p>
+          <a:p>
+            <a:pPr lvl="1" marL="432000" indent="-216000">
+              <a:lnSpc>
+                <a:spcPct val="100000"/>
+              </a:lnSpc>
+              <a:buClr>
+                <a:srgbClr val="ffffff"/>
+              </a:buClr>
+              <a:buSzPct val="45000"/>
+              <a:buFont typeface="Wingdings" charset="2"/>
+              <a:buChar char=""/>
+            </a:pPr>
+            <a:r>
+              <a:rPr b="1" lang="en-US" sz="1800" spc="-1" strike="noStrike">
+                <a:solidFill>
+                  <a:srgbClr val="ffffff"/>
+                </a:solidFill>
+                <a:latin typeface="Arial"/>
+              </a:rPr>
+              <a:t>MySQL</a:t>
+            </a:r>
+            <a:r>
+              <a:rPr b="0" lang="en-US" sz="1800" spc="-1" strike="noStrike">
+                <a:solidFill>
+                  <a:srgbClr val="ffffff"/>
+                </a:solidFill>
+                <a:latin typeface="Arial"/>
+              </a:rPr>
+              <a:t>: </a:t>
+            </a:r>
+            <a:r>
+              <a:rPr b="0" lang="en-US" sz="1800" spc="-1" strike="noStrike">
+                <a:solidFill>
+                  <a:srgbClr val="ffffff"/>
+                </a:solidFill>
+                <a:latin typeface="Arial"/>
+              </a:rPr>
+              <a:t>	</a:t>
+            </a:r>
+            <a:endParaRPr b="0" lang="en-US" sz="1800" spc="-1" strike="noStrike">
+              <a:latin typeface="Arial"/>
+            </a:endParaRPr>
+          </a:p>
+          <a:p>
+            <a:pPr lvl="2" marL="648000" indent="-216000">
+              <a:lnSpc>
+                <a:spcPct val="100000"/>
+              </a:lnSpc>
+              <a:buClr>
+                <a:srgbClr val="ffffff"/>
+              </a:buClr>
+              <a:buSzPct val="45000"/>
+              <a:buFont typeface="Wingdings" charset="2"/>
+              <a:buChar char=""/>
+            </a:pPr>
+            <a:r>
+              <a:rPr b="0" lang="en-US" sz="1800" spc="-1" strike="noStrike">
+                <a:solidFill>
+                  <a:srgbClr val="ffffff"/>
+                </a:solidFill>
+                <a:latin typeface="Arial"/>
+              </a:rPr>
+              <a:t>The database solution to store/modify/fetch relevant data.</a:t>
+            </a:r>
+            <a:endParaRPr b="0" lang="en-US" sz="1800" spc="-1" strike="noStrike">
+              <a:latin typeface="Arial"/>
+            </a:endParaRPr>
+          </a:p>
+          <a:p>
+            <a:pPr lvl="1" marL="432000" indent="-216000">
+              <a:lnSpc>
+                <a:spcPct val="100000"/>
+              </a:lnSpc>
+              <a:buClr>
+                <a:srgbClr val="ffffff"/>
+              </a:buClr>
+              <a:buSzPct val="45000"/>
+              <a:buFont typeface="Wingdings" charset="2"/>
+              <a:buChar char=""/>
+            </a:pPr>
+            <a:r>
+              <a:rPr b="1" lang="en-US" sz="1800" spc="-1" strike="noStrike">
+                <a:solidFill>
+                  <a:srgbClr val="ffffff"/>
+                </a:solidFill>
+                <a:latin typeface="Arial"/>
+              </a:rPr>
+              <a:t>PHP</a:t>
+            </a:r>
+            <a:r>
+              <a:rPr b="0" lang="en-US" sz="1800" spc="-1" strike="noStrike">
+                <a:solidFill>
+                  <a:srgbClr val="ffffff"/>
+                </a:solidFill>
+                <a:latin typeface="Arial"/>
+              </a:rPr>
+              <a:t>: </a:t>
+            </a:r>
+            <a:r>
+              <a:rPr b="0" lang="en-US" sz="1800" spc="-1" strike="noStrike">
+                <a:solidFill>
+                  <a:srgbClr val="ffffff"/>
+                </a:solidFill>
+                <a:latin typeface="Arial"/>
+              </a:rPr>
+              <a:t>	</a:t>
+            </a:r>
+            <a:r>
+              <a:rPr b="0" lang="en-US" sz="1800" spc="-1" strike="noStrike">
+                <a:solidFill>
+                  <a:srgbClr val="ffffff"/>
+                </a:solidFill>
+                <a:latin typeface="Arial"/>
+              </a:rPr>
+              <a:t>	</a:t>
+            </a:r>
+            <a:endParaRPr b="0" lang="en-US" sz="1800" spc="-1" strike="noStrike">
+              <a:latin typeface="Arial"/>
+            </a:endParaRPr>
+          </a:p>
+          <a:p>
+            <a:pPr lvl="2" marL="648000" indent="-216000">
+              <a:lnSpc>
+                <a:spcPct val="100000"/>
+              </a:lnSpc>
+              <a:buClr>
+                <a:srgbClr val="ffffff"/>
+              </a:buClr>
+              <a:buSzPct val="45000"/>
+              <a:buFont typeface="Wingdings" charset="2"/>
+              <a:buChar char=""/>
+            </a:pPr>
+            <a:r>
+              <a:rPr b="0" lang="en-US" sz="1800" spc="-1" strike="noStrike">
+                <a:solidFill>
+                  <a:srgbClr val="ffffff"/>
+                </a:solidFill>
+                <a:latin typeface="Arial"/>
+              </a:rPr>
+              <a:t>The language used to bridge requests to and from the website to </a:t>
+            </a:r>
+            <a:r>
+              <a:rPr b="0" lang="en-US" sz="1800" spc="-1" strike="noStrike">
+                <a:solidFill>
+                  <a:srgbClr val="ffffff"/>
+                </a:solidFill>
+                <a:latin typeface="Arial"/>
+              </a:rPr>
+              <a:t>	</a:t>
+            </a:r>
+            <a:r>
+              <a:rPr b="0" lang="en-US" sz="1800" spc="-1" strike="noStrike">
+                <a:solidFill>
+                  <a:srgbClr val="ffffff"/>
+                </a:solidFill>
+                <a:latin typeface="Arial"/>
+              </a:rPr>
+              <a:t>	</a:t>
+            </a:r>
+            <a:r>
+              <a:rPr b="0" lang="en-US" sz="1800" spc="-1" strike="noStrike">
+                <a:solidFill>
+                  <a:srgbClr val="ffffff"/>
+                </a:solidFill>
+                <a:latin typeface="Arial"/>
+              </a:rPr>
+              <a:t>the database.</a:t>
             </a:r>
             <a:endParaRPr b="0" lang="en-US" sz="1800" spc="-1" strike="noStrike">
               <a:latin typeface="Arial"/>
@@ -4439,7 +5602,7 @@
       </p:grpSpPr>
       <p:sp>
         <p:nvSpPr>
-          <p:cNvPr id="66" name="PlaceHolder 1"/>
+          <p:cNvPr id="67" name="PlaceHolder 1"/>
           <p:cNvSpPr>
             <a:spLocks noGrp="1"/>
           </p:cNvSpPr>
@@ -4449,8 +5612,8 @@
         </p:nvSpPr>
         <p:spPr>
           <a:xfrm>
-            <a:off x="504000" y="1428840"/>
-            <a:ext cx="9070200" cy="945360"/>
+            <a:off x="531360" y="426600"/>
+            <a:ext cx="9069840" cy="945000"/>
           </a:xfrm>
           <a:prstGeom prst="rect">
             <a:avLst/>
@@ -4478,7 +5641,7 @@
                 </a:solidFill>
                 <a:latin typeface="Arial"/>
               </a:rPr>
-              <a:t>Technology Used Cont.</a:t>
+              <a:t>Technology Used - Organization</a:t>
             </a:r>
             <a:endParaRPr b="0" lang="en-US" sz="4400" spc="-1" strike="noStrike">
               <a:latin typeface="Arial"/>
@@ -4488,7 +5651,7 @@
       </p:sp>
       <p:sp>
         <p:nvSpPr>
-          <p:cNvPr id="67" name="PlaceHolder 2"/>
+          <p:cNvPr id="68" name="PlaceHolder 2"/>
           <p:cNvSpPr>
             <a:spLocks noGrp="1"/>
           </p:cNvSpPr>
@@ -4498,8 +5661,8 @@
         </p:nvSpPr>
         <p:spPr>
           <a:xfrm>
-            <a:off x="504000" y="2592000"/>
-            <a:ext cx="9070200" cy="2021400"/>
+            <a:off x="2286000" y="1600200"/>
+            <a:ext cx="6858000" cy="2971800"/>
           </a:xfrm>
           <a:prstGeom prst="rect">
             <a:avLst/>
@@ -4521,13 +5684,40 @@
               <a:buNone/>
             </a:pPr>
             <a:r>
+              <a:rPr b="1" lang="en-US" sz="1800" spc="-1" strike="noStrike">
+                <a:solidFill>
+                  <a:srgbClr val="ffffff"/>
+                </a:solidFill>
+                <a:latin typeface="Arial"/>
+              </a:rPr>
+              <a:t>Github</a:t>
+            </a:r>
+            <a:r>
               <a:rPr b="0" lang="en-US" sz="1800" spc="-1" strike="noStrike">
                 <a:solidFill>
                   <a:srgbClr val="ffffff"/>
                 </a:solidFill>
                 <a:latin typeface="Arial"/>
               </a:rPr>
-              <a:t>Github: Source Code &amp; document digital repository host.</a:t>
+              <a:t>: </a:t>
+            </a:r>
+            <a:r>
+              <a:rPr b="0" lang="en-US" sz="1800" spc="-1" strike="noStrike">
+                <a:solidFill>
+                  <a:srgbClr val="ffffff"/>
+                </a:solidFill>
+                <a:latin typeface="Arial"/>
+              </a:rPr>
+              <a:t>	</a:t>
+            </a:r>
+            <a:r>
+              <a:rPr b="0" lang="en-US" sz="1800" spc="-1" strike="noStrike">
+                <a:solidFill>
+                  <a:srgbClr val="ffffff"/>
+                </a:solidFill>
+                <a:latin typeface="Arial"/>
+              </a:rPr>
+              <a:t>  Repository for source code and documentation.</a:t>
             </a:r>
             <a:endParaRPr b="0" lang="en-US" sz="1800" spc="-1" strike="noStrike">
               <a:latin typeface="Arial"/>
@@ -4540,15 +5730,6 @@
               </a:lnSpc>
               <a:buNone/>
             </a:pPr>
-            <a:r>
-              <a:rPr b="0" lang="en-US" sz="1800" spc="-1" strike="noStrike">
-                <a:solidFill>
-                  <a:srgbClr val="ffffff"/>
-                </a:solidFill>
-                <a:latin typeface="Arial"/>
-              </a:rPr>
-              <a:t>Discord: Primary source of communication</a:t>
-            </a:r>
             <a:endParaRPr b="0" lang="en-US" sz="1800" spc="-1" strike="noStrike">
               <a:latin typeface="Arial"/>
             </a:endParaRPr>
@@ -4560,6 +5741,37 @@
               </a:lnSpc>
               <a:buNone/>
             </a:pPr>
+            <a:endParaRPr b="0" lang="en-US" sz="1800" spc="-1" strike="noStrike">
+              <a:latin typeface="Arial"/>
+            </a:endParaRPr>
+          </a:p>
+          <a:p>
+            <a:pPr>
+              <a:lnSpc>
+                <a:spcPct val="100000"/>
+              </a:lnSpc>
+              <a:buNone/>
+            </a:pPr>
+            <a:endParaRPr b="0" lang="en-US" sz="1800" spc="-1" strike="noStrike">
+              <a:latin typeface="Arial"/>
+            </a:endParaRPr>
+          </a:p>
+          <a:p>
+            <a:pPr>
+              <a:lnSpc>
+                <a:spcPct val="100000"/>
+              </a:lnSpc>
+              <a:buNone/>
+            </a:pPr>
+            <a:r>
+              <a:rPr b="1" lang="en-US" sz="1800" spc="-1" strike="noStrike">
+                <a:solidFill>
+                  <a:srgbClr val="ffffff"/>
+                </a:solidFill>
+                <a:latin typeface="Arial"/>
+              </a:rPr>
+              <a:t>Discord</a:t>
+            </a:r>
             <a:r>
               <a:rPr b="0" lang="en-US" sz="1800" spc="-1" strike="noStrike">
                 <a:solidFill>
@@ -4567,14 +5779,163 @@
                 </a:solidFill>
                 <a:latin typeface="Arial"/>
               </a:rPr>
-              <a:t>Ganttpro: Used to create the gantt chart</a:t>
+              <a:t>:   Primary platform for communication and exchanges.</a:t>
             </a:r>
             <a:endParaRPr b="0" lang="en-US" sz="1800" spc="-1" strike="noStrike">
               <a:latin typeface="Arial"/>
             </a:endParaRPr>
           </a:p>
-        </p:txBody>
-      </p:sp>
+          <a:p>
+            <a:pPr>
+              <a:lnSpc>
+                <a:spcPct val="100000"/>
+              </a:lnSpc>
+              <a:buNone/>
+            </a:pPr>
+            <a:endParaRPr b="0" lang="en-US" sz="1800" spc="-1" strike="noStrike">
+              <a:latin typeface="Arial"/>
+            </a:endParaRPr>
+          </a:p>
+          <a:p>
+            <a:pPr>
+              <a:lnSpc>
+                <a:spcPct val="100000"/>
+              </a:lnSpc>
+              <a:buNone/>
+            </a:pPr>
+            <a:endParaRPr b="0" lang="en-US" sz="1800" spc="-1" strike="noStrike">
+              <a:latin typeface="Arial"/>
+            </a:endParaRPr>
+          </a:p>
+          <a:p>
+            <a:pPr>
+              <a:lnSpc>
+                <a:spcPct val="100000"/>
+              </a:lnSpc>
+              <a:buNone/>
+            </a:pPr>
+            <a:endParaRPr b="0" lang="en-US" sz="1800" spc="-1" strike="noStrike">
+              <a:latin typeface="Arial"/>
+            </a:endParaRPr>
+          </a:p>
+          <a:p>
+            <a:pPr>
+              <a:lnSpc>
+                <a:spcPct val="100000"/>
+              </a:lnSpc>
+              <a:buNone/>
+            </a:pPr>
+            <a:r>
+              <a:rPr b="1" lang="en-US" sz="1800" spc="-1" strike="noStrike">
+                <a:solidFill>
+                  <a:srgbClr val="ffffff"/>
+                </a:solidFill>
+                <a:latin typeface="Arial"/>
+              </a:rPr>
+              <a:t>Ganttpro</a:t>
+            </a:r>
+            <a:r>
+              <a:rPr b="0" lang="en-US" sz="1800" spc="-1" strike="noStrike">
+                <a:solidFill>
+                  <a:srgbClr val="ffffff"/>
+                </a:solidFill>
+                <a:latin typeface="Arial"/>
+              </a:rPr>
+              <a:t>: Gantt chart creation tool used to keep track of workflow </a:t>
+            </a:r>
+            <a:r>
+              <a:rPr b="0" lang="en-US" sz="1800" spc="-1" strike="noStrike">
+                <a:solidFill>
+                  <a:srgbClr val="ffffff"/>
+                </a:solidFill>
+                <a:latin typeface="Arial"/>
+              </a:rPr>
+              <a:t>	</a:t>
+            </a:r>
+            <a:r>
+              <a:rPr b="0" lang="en-US" sz="1800" spc="-1" strike="noStrike">
+                <a:solidFill>
+                  <a:srgbClr val="ffffff"/>
+                </a:solidFill>
+                <a:latin typeface="Arial"/>
+              </a:rPr>
+              <a:t>  and timelines.</a:t>
+            </a:r>
+            <a:endParaRPr b="0" lang="en-US" sz="1800" spc="-1" strike="noStrike">
+              <a:latin typeface="Arial"/>
+            </a:endParaRPr>
+          </a:p>
+        </p:txBody>
+      </p:sp>
+      <p:pic>
+        <p:nvPicPr>
+          <p:cNvPr id="69" name="" descr=""/>
+          <p:cNvPicPr/>
+          <p:nvPr/>
+        </p:nvPicPr>
+        <p:blipFill>
+          <a:blip r:embed="rId1"/>
+          <a:stretch/>
+        </p:blipFill>
+        <p:spPr>
+          <a:xfrm>
+            <a:off x="1143000" y="2514600"/>
+            <a:ext cx="1143000" cy="1143000"/>
+          </a:xfrm>
+          <a:prstGeom prst="rect">
+            <a:avLst/>
+          </a:prstGeom>
+          <a:ln w="0">
+            <a:noFill/>
+          </a:ln>
+        </p:spPr>
+      </p:pic>
+      <p:pic>
+        <p:nvPicPr>
+          <p:cNvPr id="70" name="" descr=""/>
+          <p:cNvPicPr/>
+          <p:nvPr/>
+        </p:nvPicPr>
+        <p:blipFill>
+          <a:blip r:embed="rId2"/>
+          <a:stretch/>
+        </p:blipFill>
+        <p:spPr>
+          <a:xfrm>
+            <a:off x="1143000" y="1371600"/>
+            <a:ext cx="1143000" cy="1143000"/>
+          </a:xfrm>
+          <a:prstGeom prst="rect">
+            <a:avLst/>
+          </a:prstGeom>
+          <a:ln w="0">
+            <a:noFill/>
+          </a:ln>
+        </p:spPr>
+      </p:pic>
+      <p:pic>
+        <p:nvPicPr>
+          <p:cNvPr id="71" name="" descr=""/>
+          <p:cNvPicPr/>
+          <p:nvPr/>
+        </p:nvPicPr>
+        <p:blipFill>
+          <a:blip r:embed="rId3"/>
+          <a:stretch/>
+        </p:blipFill>
+        <p:spPr>
+          <a:xfrm>
+            <a:off x="1143000" y="3657600"/>
+            <a:ext cx="1143000" cy="1143000"/>
+          </a:xfrm>
+          <a:prstGeom prst="rect">
+            <a:avLst/>
+          </a:prstGeom>
+          <a:ln w="0">
+            <a:noFill/>
+          </a:ln>
+        </p:spPr>
+      </p:pic>
     </p:spTree>
   </p:cSld>
   <mc:AlternateContent>
@@ -4607,7 +5968,7 @@
       </p:grpSpPr>
       <p:sp>
         <p:nvSpPr>
-          <p:cNvPr id="68" name="PlaceHolder 1"/>
+          <p:cNvPr id="72" name="PlaceHolder 1"/>
           <p:cNvSpPr>
             <a:spLocks noGrp="1"/>
           </p:cNvSpPr>
@@ -4618,7 +5979,7 @@
         <p:spPr>
           <a:xfrm>
             <a:off x="457200" y="197280"/>
-            <a:ext cx="9070200" cy="945360"/>
+            <a:ext cx="9069840" cy="945000"/>
           </a:xfrm>
           <a:prstGeom prst="rect">
             <a:avLst/>
@@ -4646,7 +6007,7 @@
                 </a:solidFill>
                 <a:latin typeface="Arial"/>
               </a:rPr>
-              <a:t>ERD</a:t>
+              <a:t>ERD w/ fav</a:t>
             </a:r>
             <a:endParaRPr b="0" lang="en-US" sz="4400" spc="-1" strike="noStrike">
               <a:latin typeface="Arial"/>
@@ -4656,7 +6017,7 @@
       </p:sp>
       <p:pic>
         <p:nvPicPr>
-          <p:cNvPr id="69" name="" descr=""/>
+          <p:cNvPr id="73" name="" descr=""/>
           <p:cNvPicPr/>
           <p:nvPr/>
         </p:nvPicPr>
@@ -4667,7 +6028,7 @@
         <p:spPr>
           <a:xfrm>
             <a:off x="457200" y="1298880"/>
-            <a:ext cx="9372240" cy="3958560"/>
+            <a:ext cx="9371880" cy="3958200"/>
           </a:xfrm>
           <a:prstGeom prst="rect">
             <a:avLst/>
@@ -4709,7 +6070,7 @@
       </p:grpSpPr>
       <p:sp>
         <p:nvSpPr>
-          <p:cNvPr id="70" name="PlaceHolder 1"/>
+          <p:cNvPr id="74" name="PlaceHolder 1"/>
           <p:cNvSpPr>
             <a:spLocks noGrp="1"/>
           </p:cNvSpPr>
@@ -4719,8 +6080,8 @@
         </p:nvSpPr>
         <p:spPr>
           <a:xfrm>
-            <a:off x="531000" y="197640"/>
-            <a:ext cx="9070200" cy="945360"/>
+            <a:off x="457200" y="197280"/>
+            <a:ext cx="9069840" cy="945000"/>
           </a:xfrm>
           <a:prstGeom prst="rect">
             <a:avLst/>
@@ -4748,7 +6109,7 @@
                 </a:solidFill>
                 <a:latin typeface="Arial"/>
               </a:rPr>
-              <a:t>Gantt chart</a:t>
+              <a:t>ERD w/o fav</a:t>
             </a:r>
             <a:endParaRPr b="0" lang="en-US" sz="4400" spc="-1" strike="noStrike">
               <a:latin typeface="Arial"/>
@@ -4758,7 +6119,7 @@
       </p:sp>
       <p:pic>
         <p:nvPicPr>
-          <p:cNvPr id="71" name="" descr=""/>
+          <p:cNvPr id="75" name="" descr=""/>
           <p:cNvPicPr/>
           <p:nvPr/>
         </p:nvPicPr>
@@ -4768,8 +6129,8 @@
         </p:blipFill>
         <p:spPr>
           <a:xfrm>
-            <a:off x="4320" y="1337760"/>
-            <a:ext cx="10080360" cy="2988360"/>
+            <a:off x="914400" y="1371600"/>
+            <a:ext cx="8434440" cy="3628080"/>
           </a:xfrm>
           <a:prstGeom prst="rect">
             <a:avLst/>
@@ -4811,18 +6172,14 @@
       </p:grpSpPr>
       <p:sp>
         <p:nvSpPr>
-          <p:cNvPr id="72" name="PlaceHolder 1"/>
-          <p:cNvSpPr>
-            <a:spLocks noGrp="1"/>
-          </p:cNvSpPr>
-          <p:nvPr>
-            <p:ph type="title"/>
-          </p:nvPr>
-        </p:nvSpPr>
-        <p:spPr>
-          <a:xfrm>
-            <a:off x="504000" y="-228600"/>
-            <a:ext cx="9070200" cy="1142640"/>
+          <p:cNvPr id="76" name="PlaceHolder 3"/>
+          <p:cNvSpPr txBox="1"/>
+          <p:nvPr/>
+        </p:nvSpPr>
+        <p:spPr>
+          <a:xfrm>
+            <a:off x="457200" y="197640"/>
+            <a:ext cx="9069840" cy="945000"/>
           </a:xfrm>
           <a:prstGeom prst="rect">
             <a:avLst/>
@@ -4850,7 +6207,7 @@
                 </a:solidFill>
                 <a:latin typeface="Arial"/>
               </a:rPr>
-              <a:t>Use Case Diagram</a:t>
+              <a:t>ERD?</a:t>
             </a:r>
             <a:endParaRPr b="0" lang="en-US" sz="4400" spc="-1" strike="noStrike">
               <a:latin typeface="Arial"/>
@@ -4860,7 +6217,7 @@
       </p:sp>
       <p:pic>
         <p:nvPicPr>
-          <p:cNvPr id="73" name="" descr=""/>
+          <p:cNvPr id="77" name="" descr=""/>
           <p:cNvPicPr/>
           <p:nvPr/>
         </p:nvPicPr>
@@ -4870,8 +6227,8 @@
         </p:blipFill>
         <p:spPr>
           <a:xfrm>
-            <a:off x="777600" y="680400"/>
-            <a:ext cx="8823240" cy="4962960"/>
+            <a:off x="1256040" y="1509840"/>
+            <a:ext cx="7887960" cy="3290760"/>
           </a:xfrm>
           <a:prstGeom prst="rect">
             <a:avLst/>
@@ -4913,7 +6270,7 @@
       </p:grpSpPr>
       <p:sp>
         <p:nvSpPr>
-          <p:cNvPr id="74" name="PlaceHolder 1"/>
+          <p:cNvPr id="78" name="PlaceHolder 1"/>
           <p:cNvSpPr>
             <a:spLocks noGrp="1"/>
           </p:cNvSpPr>
@@ -4923,8 +6280,8 @@
         </p:nvSpPr>
         <p:spPr>
           <a:xfrm>
-            <a:off x="540000" y="139680"/>
-            <a:ext cx="8998560" cy="1249200"/>
+            <a:off x="531000" y="197640"/>
+            <a:ext cx="9069840" cy="945000"/>
           </a:xfrm>
           <a:prstGeom prst="rect">
             <a:avLst/>
@@ -4952,7 +6309,7 @@
                 </a:solidFill>
                 <a:latin typeface="Arial"/>
               </a:rPr>
-              <a:t>Talk about what did not go well</a:t>
+              <a:t>Gantt chart</a:t>
             </a:r>
             <a:endParaRPr b="0" lang="en-US" sz="4400" spc="-1" strike="noStrike">
               <a:latin typeface="Arial"/>
@@ -4960,70 +6317,29 @@
           </a:p>
         </p:txBody>
       </p:sp>
-      <p:sp>
-        <p:nvSpPr>
-          <p:cNvPr id="75" name="PlaceHolder 2"/>
-          <p:cNvSpPr>
-            <a:spLocks noGrp="1"/>
-          </p:cNvSpPr>
-          <p:nvPr>
-            <p:ph/>
-          </p:nvPr>
-        </p:nvSpPr>
-        <p:spPr>
-          <a:xfrm>
-            <a:off x="504000" y="1326600"/>
-            <a:ext cx="9070920" cy="3287520"/>
-          </a:xfrm>
-          <a:prstGeom prst="rect">
-            <a:avLst/>
-          </a:prstGeom>
-          <a:noFill/>
-          <a:ln w="0">
-            <a:noFill/>
-          </a:ln>
-        </p:spPr>
-        <p:txBody>
-          <a:bodyPr lIns="0" rIns="0" tIns="0" bIns="0" anchor="t">
-            <a:normAutofit/>
-          </a:bodyPr>
-          <a:p>
-            <a:pPr marL="432000" indent="-324000">
-              <a:lnSpc>
-                <a:spcPct val="100000"/>
-              </a:lnSpc>
-              <a:buClr>
-                <a:srgbClr val="000000"/>
-              </a:buClr>
-              <a:buFont typeface="Wingdings" charset="2"/>
-              <a:buChar char=""/>
-            </a:pPr>
-            <a:r>
-              <a:rPr b="0" lang="en-US" sz="1800" spc="-1" strike="noStrike">
-                <a:solidFill>
-                  <a:srgbClr val="ffffff"/>
-                </a:solidFill>
-                <a:latin typeface="Arial"/>
-              </a:rPr>
-              <a:t>Front-End?</a:t>
-            </a:r>
-            <a:endParaRPr b="0" lang="en-US" sz="1800" spc="-1" strike="noStrike">
-              <a:latin typeface="Arial"/>
-            </a:endParaRPr>
-          </a:p>
-          <a:p>
-            <a:pPr>
-              <a:lnSpc>
-                <a:spcPct val="100000"/>
-              </a:lnSpc>
-              <a:buNone/>
-            </a:pPr>
-            <a:endParaRPr b="0" lang="en-US" sz="1800" spc="-1" strike="noStrike">
-              <a:latin typeface="Arial"/>
-            </a:endParaRPr>
-          </a:p>
-        </p:txBody>
-      </p:sp>
+      <p:pic>
+        <p:nvPicPr>
+          <p:cNvPr id="79" name="" descr=""/>
+          <p:cNvPicPr/>
+          <p:nvPr/>
+        </p:nvPicPr>
+        <p:blipFill>
+          <a:blip r:embed="rId1"/>
+          <a:stretch/>
+        </p:blipFill>
+        <p:spPr>
+          <a:xfrm>
+            <a:off x="4320" y="1337760"/>
+            <a:ext cx="10080000" cy="2988000"/>
+          </a:xfrm>
+          <a:prstGeom prst="rect">
+            <a:avLst/>
+          </a:prstGeom>
+          <a:ln w="0">
+            <a:noFill/>
+          </a:ln>
+        </p:spPr>
+      </p:pic>
     </p:spTree>
   </p:cSld>
   <mc:AlternateContent>

--- a/Pres.pptx
+++ b/Pres.pptx
@@ -20,6 +20,8 @@
     <p:sldId id="268" r:id="rId15"/>
     <p:sldId id="269" r:id="rId16"/>
     <p:sldId id="270" r:id="rId17"/>
+    <p:sldId id="271" r:id="rId18"/>
+    <p:sldId id="272" r:id="rId19"/>
   </p:sldIdLst>
   <p:sldSz cx="10080625" cy="5670550"/>
   <p:notesSz cx="7559675" cy="10691813"/>
@@ -77,7 +79,7 @@
         <p:txBody>
           <a:bodyPr/>
           <a:p>
-            <a:fld id="{A0797950-1CCD-4D8E-BF44-15E3A778D523}" type="slidenum">
+            <a:fld id="{8B24E4B5-66A1-435C-836F-ED8E97BE7DD1}" type="slidenum">
               <a:t>&lt;#&gt;</a:t>
             </a:fld>
           </a:p>
@@ -271,7 +273,7 @@
         <p:txBody>
           <a:bodyPr/>
           <a:p>
-            <a:fld id="{60E8AF3F-B5CD-44A0-99F8-49B35702040A}" type="slidenum">
+            <a:fld id="{E2DF7EB4-BA8A-469E-9DE4-42791DA6AF69}" type="slidenum">
               <a:t>&lt;#&gt;</a:t>
             </a:fld>
           </a:p>
@@ -539,7 +541,7 @@
         <p:txBody>
           <a:bodyPr/>
           <a:p>
-            <a:fld id="{45C5DF6E-A76C-4425-B043-D48D562D2A0B}" type="slidenum">
+            <a:fld id="{CA57EF88-5939-408F-A004-C6D1AD2913CA}" type="slidenum">
               <a:t>&lt;#&gt;</a:t>
             </a:fld>
           </a:p>
@@ -881,7 +883,7 @@
         <p:txBody>
           <a:bodyPr/>
           <a:p>
-            <a:fld id="{85680409-3622-46D6-BB2D-6F3D6F72B71E}" type="slidenum">
+            <a:fld id="{2885B67D-4BE4-4EC2-8981-523184707A14}" type="slidenum">
               <a:t>&lt;#&gt;</a:t>
             </a:fld>
           </a:p>
@@ -1035,7 +1037,7 @@
         <p:txBody>
           <a:bodyPr/>
           <a:p>
-            <a:fld id="{1E2AD819-A9C5-4C30-A65C-3D03DDC2709D}" type="slidenum">
+            <a:fld id="{4EB53086-3B8C-4684-94BC-A4388F08B97A}" type="slidenum">
               <a:t>&lt;#&gt;</a:t>
             </a:fld>
           </a:p>
@@ -1192,7 +1194,7 @@
         <p:txBody>
           <a:bodyPr/>
           <a:p>
-            <a:fld id="{85EC7235-D7D0-4AEA-BB16-12EB748D4BA3}" type="slidenum">
+            <a:fld id="{FF0A5F09-CFA4-4479-A17F-13BB357FC318}" type="slidenum">
               <a:t>&lt;#&gt;</a:t>
             </a:fld>
           </a:p>
@@ -1386,7 +1388,7 @@
         <p:txBody>
           <a:bodyPr/>
           <a:p>
-            <a:fld id="{09508BBD-BA9F-452B-93A9-3AC89E107571}" type="slidenum">
+            <a:fld id="{277C8F56-9F1D-42EB-8E9A-D8F9B407D14D}" type="slidenum">
               <a:t>&lt;#&gt;</a:t>
             </a:fld>
           </a:p>
@@ -1506,7 +1508,7 @@
         <p:txBody>
           <a:bodyPr/>
           <a:p>
-            <a:fld id="{1759758E-1B30-47E3-BE72-F95510B48638}" type="slidenum">
+            <a:fld id="{B9F86654-BEFC-4AC3-ABC5-0EFA862350B2}" type="slidenum">
               <a:t>&lt;#&gt;</a:t>
             </a:fld>
           </a:p>
@@ -1623,7 +1625,7 @@
         <p:txBody>
           <a:bodyPr/>
           <a:p>
-            <a:fld id="{69566389-F2B1-40D9-8C69-9E23BE2A33E0}" type="slidenum">
+            <a:fld id="{5BC3A444-F634-44BE-93C2-DD2487AE53C0}" type="slidenum">
               <a:t>&lt;#&gt;</a:t>
             </a:fld>
           </a:p>
@@ -1854,7 +1856,7 @@
         <p:txBody>
           <a:bodyPr/>
           <a:p>
-            <a:fld id="{E358E313-2DFB-4C4F-9BA0-E519CB6B6C20}" type="slidenum">
+            <a:fld id="{DDEBA5A9-5A9A-41E7-B208-7A0F883A7B08}" type="slidenum">
               <a:t>&lt;#&gt;</a:t>
             </a:fld>
           </a:p>
@@ -2085,7 +2087,7 @@
         <p:txBody>
           <a:bodyPr/>
           <a:p>
-            <a:fld id="{EE4A6721-C2DF-46F8-AD63-A5624365EF86}" type="slidenum">
+            <a:fld id="{9C30BA0F-4A97-4870-80EE-7107285E48C2}" type="slidenum">
               <a:t>&lt;#&gt;</a:t>
             </a:fld>
           </a:p>
@@ -2316,7 +2318,7 @@
         <p:txBody>
           <a:bodyPr/>
           <a:p>
-            <a:fld id="{6055937B-F078-4BF4-A9DB-FF66B9BB7FD0}" type="slidenum">
+            <a:fld id="{A8DA74EC-C3D6-408F-858B-B46E7DBC1521}" type="slidenum">
               <a:t>&lt;#&gt;</a:t>
             </a:fld>
           </a:p>
@@ -2842,7 +2844,7 @@
               </a:lnSpc>
               <a:buNone/>
             </a:pPr>
-            <a:fld id="{B72329F8-E8A3-4DC5-89C6-2C47ECF7F69B}" type="slidenum">
+            <a:fld id="{7A746B8B-5D51-4B20-B3F1-8D16318C4F2C}" type="slidenum">
               <a:rPr b="0" lang="en-US" sz="1400" spc="-1" strike="noStrike">
                 <a:solidFill>
                   <a:srgbClr val="ffffff"/>
@@ -3248,7 +3250,16 @@
                 </a:solidFill>
                 <a:latin typeface="Arial"/>
               </a:rPr>
-              <a:t>Contacts Connect</a:t>
+              <a:t>Contacts </a:t>
+            </a:r>
+            <a:r>
+              <a:rPr b="0" lang="en-US" sz="3300" spc="-1" strike="noStrike">
+                <a:solidFill>
+                  <a:srgbClr val="ffffff"/>
+                </a:solidFill>
+                <a:latin typeface="Arial"/>
+              </a:rPr>
+              <a:t>Connect</a:t>
             </a:r>
             <a:endParaRPr b="0" lang="en-US" sz="3300" spc="-1" strike="noStrike">
               <a:latin typeface="Arial"/>
@@ -3311,18 +3322,14 @@
       </p:grpSpPr>
       <p:sp>
         <p:nvSpPr>
-          <p:cNvPr id="80" name="PlaceHolder 1"/>
-          <p:cNvSpPr>
-            <a:spLocks noGrp="1"/>
-          </p:cNvSpPr>
-          <p:nvPr>
-            <p:ph type="title"/>
-          </p:nvPr>
-        </p:nvSpPr>
-        <p:spPr>
-          <a:xfrm>
-            <a:off x="504000" y="-228600"/>
-            <a:ext cx="9069840" cy="1142280"/>
+          <p:cNvPr id="80" name="PlaceHolder 3"/>
+          <p:cNvSpPr txBox="1"/>
+          <p:nvPr/>
+        </p:nvSpPr>
+        <p:spPr>
+          <a:xfrm>
+            <a:off x="457200" y="197640"/>
+            <a:ext cx="9069840" cy="945000"/>
           </a:xfrm>
           <a:prstGeom prst="rect">
             <a:avLst/>
@@ -3350,34 +3357,7 @@
                 </a:solidFill>
                 <a:latin typeface="Arial"/>
               </a:rPr>
-              <a:t>Use </a:t>
-            </a:r>
-            <a:r>
-              <a:rPr b="0" lang="en-US" sz="4400" spc="-1" strike="noStrike">
-                <a:solidFill>
-                  <a:srgbClr val="ffffff"/>
-                </a:solidFill>
-                <a:latin typeface="Arial"/>
-              </a:rPr>
-              <a:t>Case </a:t>
-            </a:r>
-            <a:r>
-              <a:rPr b="0" lang="en-US" sz="4400" spc="-1" strike="noStrike">
-                <a:solidFill>
-                  <a:srgbClr val="ffffff"/>
-                </a:solidFill>
-                <a:latin typeface="Arial"/>
-              </a:rPr>
-              <a:t>Diagr</a:t>
-            </a:r>
-            <a:r>
-              <a:rPr b="0" lang="en-US" sz="4400" spc="-1" strike="noStrike">
-                <a:solidFill>
-                  <a:srgbClr val="ffffff"/>
-                </a:solidFill>
-                <a:latin typeface="Arial"/>
-              </a:rPr>
-              <a:t>am</a:t>
+              <a:t>ERD?</a:t>
             </a:r>
             <a:endParaRPr b="0" lang="en-US" sz="4400" spc="-1" strike="noStrike">
               <a:latin typeface="Arial"/>
@@ -3397,8 +3377,8 @@
         </p:blipFill>
         <p:spPr>
           <a:xfrm>
-            <a:off x="777600" y="680400"/>
-            <a:ext cx="8822880" cy="4962600"/>
+            <a:off x="1256040" y="1509840"/>
+            <a:ext cx="7887960" cy="3290760"/>
           </a:xfrm>
           <a:prstGeom prst="rect">
             <a:avLst/>
@@ -3450,8 +3430,8 @@
         </p:nvSpPr>
         <p:spPr>
           <a:xfrm>
-            <a:off x="540000" y="139680"/>
-            <a:ext cx="8998200" cy="1248840"/>
+            <a:off x="531000" y="197640"/>
+            <a:ext cx="9069840" cy="945000"/>
           </a:xfrm>
           <a:prstGeom prst="rect">
             <a:avLst/>
@@ -3479,7 +3459,34 @@
                 </a:solidFill>
                 <a:latin typeface="Arial"/>
               </a:rPr>
-              <a:t>Talk about what did not go well</a:t>
+              <a:t>Gan</a:t>
+            </a:r>
+            <a:r>
+              <a:rPr b="0" lang="en-US" sz="4400" spc="-1" strike="noStrike">
+                <a:solidFill>
+                  <a:srgbClr val="ffffff"/>
+                </a:solidFill>
+                <a:latin typeface="Arial"/>
+              </a:rPr>
+              <a:t>tt </a:t>
+            </a:r>
+            <a:r>
+              <a:rPr b="0" lang="en-US" sz="4400" spc="-1" strike="noStrike">
+                <a:solidFill>
+                  <a:srgbClr val="ffffff"/>
+                </a:solidFill>
+                <a:latin typeface="Arial"/>
+              </a:rPr>
+              <a:t>char</a:t>
+            </a:r>
+            <a:r>
+              <a:rPr b="0" lang="en-US" sz="4400" spc="-1" strike="noStrike">
+                <a:solidFill>
+                  <a:srgbClr val="ffffff"/>
+                </a:solidFill>
+                <a:latin typeface="Arial"/>
+              </a:rPr>
+              <a:t>t</a:t>
             </a:r>
             <a:endParaRPr b="0" lang="en-US" sz="4400" spc="-1" strike="noStrike">
               <a:latin typeface="Arial"/>
@@ -3487,157 +3494,29 @@
           </a:p>
         </p:txBody>
       </p:sp>
-      <p:sp>
-        <p:nvSpPr>
-          <p:cNvPr id="83" name="PlaceHolder 2"/>
-          <p:cNvSpPr>
-            <a:spLocks noGrp="1"/>
-          </p:cNvSpPr>
-          <p:nvPr>
-            <p:ph/>
-          </p:nvPr>
-        </p:nvSpPr>
-        <p:spPr>
-          <a:xfrm>
-            <a:off x="504000" y="1326600"/>
-            <a:ext cx="9070560" cy="3287160"/>
-          </a:xfrm>
-          <a:prstGeom prst="rect">
-            <a:avLst/>
-          </a:prstGeom>
-          <a:noFill/>
-          <a:ln w="0">
-            <a:noFill/>
-          </a:ln>
-        </p:spPr>
-        <p:txBody>
-          <a:bodyPr lIns="0" rIns="0" tIns="0" bIns="0" anchor="t">
-            <a:normAutofit/>
-          </a:bodyPr>
-          <a:p>
-            <a:pPr marL="432000" indent="-324000">
-              <a:lnSpc>
-                <a:spcPct val="100000"/>
-              </a:lnSpc>
-              <a:buClr>
-                <a:srgbClr val="000000"/>
-              </a:buClr>
-              <a:buFont typeface="Wingdings" charset="2"/>
-              <a:buChar char=""/>
-            </a:pPr>
-            <a:r>
-              <a:rPr b="0" lang="en-US" sz="1800" spc="-1" strike="noStrike">
-                <a:solidFill>
-                  <a:srgbClr val="ffffff"/>
-                </a:solidFill>
-                <a:latin typeface="Arial"/>
-              </a:rPr>
-              <a:t>Adoption of new languages (PHP, CSS &amp; JS)</a:t>
-            </a:r>
-            <a:endParaRPr b="0" lang="en-US" sz="1800" spc="-1" strike="noStrike">
-              <a:solidFill>
-                <a:srgbClr val="ffffff"/>
-              </a:solidFill>
-              <a:latin typeface="Arial"/>
-            </a:endParaRPr>
-          </a:p>
-          <a:p>
-            <a:pPr marL="432000" indent="-324000">
-              <a:lnSpc>
-                <a:spcPct val="100000"/>
-              </a:lnSpc>
-              <a:buClr>
-                <a:srgbClr val="000000"/>
-              </a:buClr>
-              <a:buFont typeface="Wingdings" charset="2"/>
-              <a:buChar char=""/>
-            </a:pPr>
-            <a:r>
-              <a:rPr b="0" lang="en-US" sz="1800" spc="-1" strike="noStrike">
-                <a:solidFill>
-                  <a:srgbClr val="ffffff"/>
-                </a:solidFill>
-                <a:latin typeface="Arial"/>
-              </a:rPr>
-              <a:t>Working in a real team with task-dependencies</a:t>
-            </a:r>
-            <a:endParaRPr b="0" lang="en-US" sz="1800" spc="-1" strike="noStrike">
-              <a:solidFill>
-                <a:srgbClr val="ffffff"/>
-              </a:solidFill>
-              <a:latin typeface="Arial"/>
-            </a:endParaRPr>
-          </a:p>
-          <a:p>
-            <a:pPr marL="432000" indent="-324000">
-              <a:lnSpc>
-                <a:spcPct val="100000"/>
-              </a:lnSpc>
-              <a:buClr>
-                <a:srgbClr val="000000"/>
-              </a:buClr>
-              <a:buFont typeface="Wingdings" charset="2"/>
-              <a:buChar char=""/>
-            </a:pPr>
-            <a:r>
-              <a:rPr b="0" lang="en-US" sz="1800" spc="-1" strike="noStrike">
-                <a:solidFill>
-                  <a:srgbClr val="ffffff"/>
-                </a:solidFill>
-                <a:latin typeface="Arial"/>
-              </a:rPr>
-              <a:t>Scheduling and workflow (late start, slow-start)</a:t>
-            </a:r>
-            <a:endParaRPr b="0" lang="en-US" sz="1800" spc="-1" strike="noStrike">
-              <a:solidFill>
-                <a:srgbClr val="ffffff"/>
-              </a:solidFill>
-              <a:latin typeface="Arial"/>
-            </a:endParaRPr>
-          </a:p>
-          <a:p>
-            <a:pPr marL="432000" indent="-324000">
-              <a:lnSpc>
-                <a:spcPct val="100000"/>
-              </a:lnSpc>
-              <a:buClr>
-                <a:srgbClr val="000000"/>
-              </a:buClr>
-              <a:buFont typeface="Wingdings" charset="2"/>
-              <a:buChar char=""/>
-            </a:pPr>
-            <a:r>
-              <a:rPr b="0" lang="en-US" sz="1800" spc="-1" strike="noStrike">
-                <a:solidFill>
-                  <a:srgbClr val="ffffff"/>
-                </a:solidFill>
-                <a:latin typeface="Arial"/>
-              </a:rPr>
-              <a:t> </a:t>
-            </a:r>
-            <a:endParaRPr b="0" lang="en-US" sz="1800" spc="-1" strike="noStrike">
-              <a:solidFill>
-                <a:srgbClr val="ffffff"/>
-              </a:solidFill>
-              <a:latin typeface="Arial"/>
-            </a:endParaRPr>
-          </a:p>
-          <a:p>
-            <a:pPr>
-              <a:lnSpc>
-                <a:spcPct val="100000"/>
-              </a:lnSpc>
-              <a:buNone/>
-            </a:pPr>
-            <a:endParaRPr b="0" lang="en-US" sz="1800" spc="-1" strike="noStrike">
-              <a:solidFill>
-                <a:srgbClr val="ffffff"/>
-              </a:solidFill>
-              <a:latin typeface="Arial"/>
-            </a:endParaRPr>
-          </a:p>
-        </p:txBody>
-      </p:sp>
+      <p:pic>
+        <p:nvPicPr>
+          <p:cNvPr id="83" name="" descr=""/>
+          <p:cNvPicPr/>
+          <p:nvPr/>
+        </p:nvPicPr>
+        <p:blipFill>
+          <a:blip r:embed="rId1"/>
+          <a:stretch/>
+        </p:blipFill>
+        <p:spPr>
+          <a:xfrm>
+            <a:off x="4320" y="1337760"/>
+            <a:ext cx="10080000" cy="2988000"/>
+          </a:xfrm>
+          <a:prstGeom prst="rect">
+            <a:avLst/>
+          </a:prstGeom>
+          <a:ln w="0">
+            <a:noFill/>
+          </a:ln>
+        </p:spPr>
+      </p:pic>
     </p:spTree>
   </p:cSld>
   <mc:AlternateContent>
@@ -3680,8 +3559,8 @@
         </p:nvSpPr>
         <p:spPr>
           <a:xfrm>
-            <a:off x="540000" y="139680"/>
-            <a:ext cx="8998200" cy="1248840"/>
+            <a:off x="504000" y="-228600"/>
+            <a:ext cx="9069840" cy="1142280"/>
           </a:xfrm>
           <a:prstGeom prst="rect">
             <a:avLst/>
@@ -3709,7 +3588,7 @@
                 </a:solidFill>
                 <a:latin typeface="Arial"/>
               </a:rPr>
-              <a:t>Talk about what went well </a:t>
+              <a:t>Use Case Diagram</a:t>
             </a:r>
             <a:endParaRPr b="0" lang="en-US" sz="4400" spc="-1" strike="noStrike">
               <a:latin typeface="Arial"/>
@@ -3717,89 +3596,29 @@
           </a:p>
         </p:txBody>
       </p:sp>
-      <p:sp>
-        <p:nvSpPr>
-          <p:cNvPr id="85" name="PlaceHolder 2"/>
-          <p:cNvSpPr>
-            <a:spLocks noGrp="1"/>
-          </p:cNvSpPr>
-          <p:nvPr>
-            <p:ph/>
-          </p:nvPr>
-        </p:nvSpPr>
-        <p:spPr>
-          <a:xfrm>
-            <a:off x="504000" y="1326600"/>
-            <a:ext cx="9070560" cy="3287160"/>
-          </a:xfrm>
-          <a:prstGeom prst="rect">
-            <a:avLst/>
-          </a:prstGeom>
-          <a:noFill/>
-          <a:ln w="0">
-            <a:noFill/>
-          </a:ln>
-        </p:spPr>
-        <p:txBody>
-          <a:bodyPr lIns="0" rIns="0" tIns="0" bIns="0" anchor="t">
-            <a:normAutofit/>
-          </a:bodyPr>
-          <a:p>
-            <a:pPr marL="432000" indent="-324000">
-              <a:lnSpc>
-                <a:spcPct val="100000"/>
-              </a:lnSpc>
-              <a:buClr>
-                <a:srgbClr val="000000"/>
-              </a:buClr>
-              <a:buFont typeface="Wingdings" charset="2"/>
-              <a:buChar char=""/>
-            </a:pPr>
-            <a:r>
-              <a:rPr b="0" lang="en-US" sz="1800" spc="-1" strike="noStrike">
-                <a:solidFill>
-                  <a:srgbClr val="ffffff"/>
-                </a:solidFill>
-                <a:latin typeface="Arial"/>
-              </a:rPr>
-              <a:t>Communication was solid</a:t>
-            </a:r>
-            <a:endParaRPr b="0" lang="en-US" sz="1800" spc="-1" strike="noStrike">
-              <a:solidFill>
-                <a:srgbClr val="ffffff"/>
-              </a:solidFill>
-              <a:latin typeface="Arial"/>
-            </a:endParaRPr>
-          </a:p>
-          <a:p>
-            <a:pPr marL="432000" indent="-324000">
-              <a:lnSpc>
-                <a:spcPct val="100000"/>
-              </a:lnSpc>
-              <a:buClr>
-                <a:srgbClr val="000000"/>
-              </a:buClr>
-              <a:buFont typeface="Wingdings" charset="2"/>
-              <a:buChar char=""/>
-            </a:pPr>
-            <a:r>
-              <a:rPr b="0" lang="en-US" sz="1800" spc="-1" strike="noStrike">
-                <a:solidFill>
-                  <a:srgbClr val="ffffff"/>
-                </a:solidFill>
-                <a:latin typeface="Arial"/>
-              </a:rPr>
-              <a:t>No conflicts between teammates</a:t>
-            </a:r>
-            <a:endParaRPr b="0" lang="en-US" sz="1800" spc="-1" strike="noStrike">
-              <a:solidFill>
-                <a:srgbClr val="ffffff"/>
-              </a:solidFill>
-              <a:latin typeface="Arial"/>
-            </a:endParaRPr>
-          </a:p>
-        </p:txBody>
-      </p:sp>
+      <p:pic>
+        <p:nvPicPr>
+          <p:cNvPr id="85" name="" descr=""/>
+          <p:cNvPicPr/>
+          <p:nvPr/>
+        </p:nvPicPr>
+        <p:blipFill>
+          <a:blip r:embed="rId1"/>
+          <a:stretch/>
+        </p:blipFill>
+        <p:spPr>
+          <a:xfrm>
+            <a:off x="777600" y="680400"/>
+            <a:ext cx="8822880" cy="4962600"/>
+          </a:xfrm>
+          <a:prstGeom prst="rect">
+            <a:avLst/>
+          </a:prstGeom>
+          <a:ln w="0">
+            <a:noFill/>
+          </a:ln>
+        </p:spPr>
+      </p:pic>
     </p:spTree>
   </p:cSld>
   <mc:AlternateContent>
@@ -3871,7 +3690,7 @@
                 </a:solidFill>
                 <a:latin typeface="Arial"/>
               </a:rPr>
-              <a:t>API demonstration</a:t>
+              <a:t>Color Palette</a:t>
             </a:r>
             <a:endParaRPr b="0" lang="en-US" sz="4400" spc="-1" strike="noStrike">
               <a:latin typeface="Arial"/>
@@ -3924,7 +3743,7 @@
                 </a:solidFill>
                 <a:latin typeface="Arial"/>
               </a:rPr>
-              <a:t>[ADD SWAGGERHUB LINK]</a:t>
+              <a:t>[INSERT COLORS]</a:t>
             </a:r>
             <a:endParaRPr b="0" lang="en-US" sz="1800" spc="-1" strike="noStrike">
               <a:solidFill>
@@ -4006,7 +3825,7 @@
                 </a:solidFill>
                 <a:latin typeface="Arial"/>
               </a:rPr>
-              <a:t>App Demonstration</a:t>
+              <a:t>API demonstration</a:t>
             </a:r>
             <a:endParaRPr b="0" lang="en-US" sz="4400" spc="-1" strike="noStrike">
               <a:latin typeface="Arial"/>
@@ -4026,8 +3845,8 @@
         </p:nvSpPr>
         <p:spPr>
           <a:xfrm>
-            <a:off x="2514600" y="2514600"/>
-            <a:ext cx="5211000" cy="730800"/>
+            <a:off x="504000" y="1326600"/>
+            <a:ext cx="9070560" cy="3287160"/>
           </a:xfrm>
           <a:prstGeom prst="rect">
             <a:avLst/>
@@ -4042,61 +3861,26 @@
             <a:normAutofit/>
           </a:bodyPr>
           <a:p>
-            <a:pPr marL="216000" indent="-216000">
-              <a:spcBef>
-                <a:spcPts val="1414"/>
-              </a:spcBef>
-              <a:buSzPct val="100000"/>
-              <a:buBlip>
-                <a:blip r:embed="rId1"/>
-              </a:buBlip>
-            </a:pPr>
-            <a:r>
-              <a:rPr b="0" lang="en-US" sz="3200" spc="-1" strike="noStrike">
-                <a:solidFill>
-                  <a:srgbClr val="ffffff"/>
-                </a:solidFill>
-                <a:latin typeface="Arial"/>
-                <a:hlinkClick r:id="rId2"/>
-              </a:rPr>
-              <a:t>http://thisisforourclass.xyz/</a:t>
-            </a:r>
-            <a:r>
-              <a:rPr b="0" lang="en-US" sz="3200" spc="-1" strike="noStrike">
-                <a:solidFill>
-                  <a:srgbClr val="ffffff"/>
-                </a:solidFill>
-                <a:latin typeface="Arial"/>
-              </a:rPr>
-              <a:t> </a:t>
-            </a:r>
-            <a:endParaRPr b="0" lang="en-US" sz="3200" spc="-1" strike="noStrike">
-              <a:solidFill>
+            <a:pPr indent="-324000">
+              <a:lnSpc>
+                <a:spcPct val="100000"/>
+              </a:lnSpc>
+              <a:buClr>
                 <a:srgbClr val="ffffff"/>
-              </a:solidFill>
-              <a:latin typeface="Arial"/>
-            </a:endParaRPr>
-          </a:p>
-          <a:p>
-            <a:pPr marL="216000" indent="-216000">
-              <a:spcBef>
-                <a:spcPts val="1414"/>
-              </a:spcBef>
-              <a:buSzPct val="100000"/>
-              <a:buBlip>
-                <a:blip r:embed="rId3"/>
-              </a:buBlip>
-            </a:pPr>
-            <a:r>
-              <a:rPr b="0" lang="en-US" sz="3200" spc="-1" strike="noStrike">
-                <a:solidFill>
-                  <a:srgbClr val="ffffff"/>
-                </a:solidFill>
-                <a:latin typeface="Arial"/>
-              </a:rPr>
-              <a:t> </a:t>
-            </a:r>
-            <a:endParaRPr b="0" lang="en-US" sz="3200" spc="-1" strike="noStrike">
+              </a:buClr>
+              <a:buFont typeface="Wingdings" charset="2"/>
+              <a:buChar char=""/>
+            </a:pPr>
+            <a:r>
+              <a:rPr b="0" lang="en-US" sz="1800" spc="-1" strike="noStrike">
+                <a:solidFill>
+                  <a:srgbClr val="ffffff"/>
+                </a:solidFill>
+                <a:latin typeface="Arial"/>
+              </a:rPr>
+              <a:t>[ADD SWAGGERHUB LINK]</a:t>
+            </a:r>
+            <a:endParaRPr b="0" lang="en-US" sz="1800" spc="-1" strike="noStrike">
               <a:solidFill>
                 <a:srgbClr val="ffffff"/>
               </a:solidFill>
@@ -4147,7 +3931,7 @@
         </p:nvSpPr>
         <p:spPr>
           <a:xfrm>
-            <a:off x="457200" y="685800"/>
+            <a:off x="540000" y="139680"/>
             <a:ext cx="8998200" cy="1248840"/>
           </a:xfrm>
           <a:prstGeom prst="rect">
@@ -4176,6 +3960,311 @@
                 </a:solidFill>
                 <a:latin typeface="Arial"/>
               </a:rPr>
+              <a:t>App Demonstration</a:t>
+            </a:r>
+            <a:endParaRPr b="0" lang="en-US" sz="4400" spc="-1" strike="noStrike">
+              <a:latin typeface="Arial"/>
+            </a:endParaRPr>
+          </a:p>
+        </p:txBody>
+      </p:sp>
+      <p:sp>
+        <p:nvSpPr>
+          <p:cNvPr id="91" name="PlaceHolder 2"/>
+          <p:cNvSpPr>
+            <a:spLocks noGrp="1"/>
+          </p:cNvSpPr>
+          <p:nvPr>
+            <p:ph/>
+          </p:nvPr>
+        </p:nvSpPr>
+        <p:spPr>
+          <a:xfrm>
+            <a:off x="2514600" y="2514600"/>
+            <a:ext cx="5211000" cy="730800"/>
+          </a:xfrm>
+          <a:prstGeom prst="rect">
+            <a:avLst/>
+          </a:prstGeom>
+          <a:noFill/>
+          <a:ln w="0">
+            <a:noFill/>
+          </a:ln>
+        </p:spPr>
+        <p:txBody>
+          <a:bodyPr lIns="0" rIns="0" tIns="0" bIns="0" anchor="t">
+            <a:normAutofit/>
+          </a:bodyPr>
+          <a:p>
+            <a:pPr marL="216000" indent="-216000">
+              <a:spcBef>
+                <a:spcPts val="1414"/>
+              </a:spcBef>
+              <a:buSzPct val="100000"/>
+              <a:buBlip>
+                <a:blip r:embed="rId1"/>
+              </a:buBlip>
+            </a:pPr>
+            <a:r>
+              <a:rPr b="0" lang="en-US" sz="3200" spc="-1" strike="noStrike">
+                <a:solidFill>
+                  <a:srgbClr val="ffffff"/>
+                </a:solidFill>
+                <a:latin typeface="Arial"/>
+                <a:hlinkClick r:id="rId2"/>
+              </a:rPr>
+              <a:t>http://thisisforourclass.xyz/</a:t>
+            </a:r>
+            <a:r>
+              <a:rPr b="0" lang="en-US" sz="3200" spc="-1" strike="noStrike">
+                <a:solidFill>
+                  <a:srgbClr val="ffffff"/>
+                </a:solidFill>
+                <a:latin typeface="Arial"/>
+              </a:rPr>
+              <a:t> </a:t>
+            </a:r>
+            <a:endParaRPr b="0" lang="en-US" sz="3200" spc="-1" strike="noStrike">
+              <a:solidFill>
+                <a:srgbClr val="ffffff"/>
+              </a:solidFill>
+              <a:latin typeface="Arial"/>
+            </a:endParaRPr>
+          </a:p>
+          <a:p>
+            <a:pPr marL="216000" indent="-216000">
+              <a:spcBef>
+                <a:spcPts val="1414"/>
+              </a:spcBef>
+              <a:buSzPct val="100000"/>
+              <a:buBlip>
+                <a:blip r:embed="rId3"/>
+              </a:buBlip>
+            </a:pPr>
+            <a:r>
+              <a:rPr b="0" lang="en-US" sz="3200" spc="-1" strike="noStrike">
+                <a:solidFill>
+                  <a:srgbClr val="ffffff"/>
+                </a:solidFill>
+                <a:latin typeface="Arial"/>
+              </a:rPr>
+              <a:t> </a:t>
+            </a:r>
+            <a:endParaRPr b="0" lang="en-US" sz="3200" spc="-1" strike="noStrike">
+              <a:solidFill>
+                <a:srgbClr val="ffffff"/>
+              </a:solidFill>
+              <a:latin typeface="Arial"/>
+            </a:endParaRPr>
+          </a:p>
+        </p:txBody>
+      </p:sp>
+    </p:spTree>
+  </p:cSld>
+  <mc:AlternateContent>
+    <mc:Choice Requires="p14">
+      <p:transition spd="slow" p14:dur="2000"/>
+    </mc:Choice>
+    <mc:Fallback>
+      <p:transition spd="slow"/>
+    </mc:Fallback>
+  </mc:AlternateContent>
+</p:sld>
+</file>
+
+<file path=ppt/slides/slide16.xml><?xml version="1.0" encoding="utf-8"?>
+<p:sld xmlns:a="http://schemas.openxmlformats.org/drawingml/2006/main" xmlns:p="http://schemas.openxmlformats.org/presentationml/2006/main" xmlns:r="http://schemas.openxmlformats.org/officeDocument/2006/relationships" xmlns:p14="http://schemas.microsoft.com/office/powerpoint/2010/main" xmlns:p15="http://schemas.microsoft.com/office/powerpoint/2012/main" xmlns:mc="http://schemas.openxmlformats.org/markup-compatibility/2006">
+  <p:cSld>
+    <p:spTree>
+      <p:nvGrpSpPr>
+        <p:cNvPr id="1" name=""/>
+        <p:cNvGrpSpPr/>
+        <p:nvPr/>
+      </p:nvGrpSpPr>
+      <p:grpSpPr>
+        <a:xfrm>
+          <a:off x="0" y="0"/>
+          <a:ext cx="0" cy="0"/>
+          <a:chOff x="0" y="0"/>
+          <a:chExt cx="0" cy="0"/>
+        </a:xfrm>
+      </p:grpSpPr>
+      <p:sp>
+        <p:nvSpPr>
+          <p:cNvPr id="92" name="PlaceHolder 1"/>
+          <p:cNvSpPr>
+            <a:spLocks noGrp="1"/>
+          </p:cNvSpPr>
+          <p:nvPr>
+            <p:ph type="title"/>
+          </p:nvPr>
+        </p:nvSpPr>
+        <p:spPr>
+          <a:xfrm>
+            <a:off x="540000" y="139680"/>
+            <a:ext cx="8998200" cy="1248840"/>
+          </a:xfrm>
+          <a:prstGeom prst="rect">
+            <a:avLst/>
+          </a:prstGeom>
+          <a:noFill/>
+          <a:ln w="0">
+            <a:noFill/>
+          </a:ln>
+        </p:spPr>
+        <p:txBody>
+          <a:bodyPr lIns="0" rIns="0" tIns="0" bIns="0" anchor="ctr">
+            <a:noAutofit/>
+          </a:bodyPr>
+          <a:p>
+            <a:pPr algn="ctr">
+              <a:lnSpc>
+                <a:spcPct val="100000"/>
+              </a:lnSpc>
+              <a:buNone/>
+            </a:pPr>
+            <a:r>
+              <a:rPr b="0" lang="en-US" sz="4400" spc="-1" strike="noStrike">
+                <a:solidFill>
+                  <a:srgbClr val="ffffff"/>
+                </a:solidFill>
+                <a:latin typeface="Arial"/>
+              </a:rPr>
+              <a:t>Accessibility</a:t>
+            </a:r>
+            <a:endParaRPr b="0" lang="en-US" sz="4400" spc="-1" strike="noStrike">
+              <a:latin typeface="Arial"/>
+            </a:endParaRPr>
+          </a:p>
+        </p:txBody>
+      </p:sp>
+      <p:sp>
+        <p:nvSpPr>
+          <p:cNvPr id="93" name="PlaceHolder 2"/>
+          <p:cNvSpPr>
+            <a:spLocks noGrp="1"/>
+          </p:cNvSpPr>
+          <p:nvPr>
+            <p:ph/>
+          </p:nvPr>
+        </p:nvSpPr>
+        <p:spPr>
+          <a:xfrm>
+            <a:off x="504000" y="1326600"/>
+            <a:ext cx="9070560" cy="3287160"/>
+          </a:xfrm>
+          <a:prstGeom prst="rect">
+            <a:avLst/>
+          </a:prstGeom>
+          <a:noFill/>
+          <a:ln w="0">
+            <a:noFill/>
+          </a:ln>
+        </p:spPr>
+        <p:txBody>
+          <a:bodyPr lIns="0" rIns="0" tIns="0" bIns="0" anchor="t">
+            <a:normAutofit/>
+          </a:bodyPr>
+          <a:p>
+            <a:pPr indent="-324000">
+              <a:lnSpc>
+                <a:spcPct val="100000"/>
+              </a:lnSpc>
+              <a:buClr>
+                <a:srgbClr val="ffffff"/>
+              </a:buClr>
+              <a:buFont typeface="Wingdings" charset="2"/>
+              <a:buChar char=""/>
+            </a:pPr>
+            <a:r>
+              <a:rPr b="0" lang="en-US" sz="1800" spc="-1" strike="noStrike">
+                <a:solidFill>
+                  <a:srgbClr val="ffffff"/>
+                </a:solidFill>
+                <a:latin typeface="Arial"/>
+              </a:rPr>
+              <a:t>GOOGLE LIGHTHOUSE</a:t>
+            </a:r>
+            <a:endParaRPr b="0" lang="en-US" sz="1800" spc="-1" strike="noStrike">
+              <a:solidFill>
+                <a:srgbClr val="ffffff"/>
+              </a:solidFill>
+              <a:latin typeface="Arial"/>
+            </a:endParaRPr>
+          </a:p>
+        </p:txBody>
+      </p:sp>
+    </p:spTree>
+  </p:cSld>
+  <mc:AlternateContent>
+    <mc:Choice Requires="p14">
+      <p:transition spd="slow" p14:dur="2000"/>
+    </mc:Choice>
+    <mc:Fallback>
+      <p:transition spd="slow"/>
+    </mc:Fallback>
+  </mc:AlternateContent>
+</p:sld>
+</file>
+
+<file path=ppt/slides/slide17.xml><?xml version="1.0" encoding="utf-8"?>
+<p:sld xmlns:a="http://schemas.openxmlformats.org/drawingml/2006/main" xmlns:p="http://schemas.openxmlformats.org/presentationml/2006/main" xmlns:r="http://schemas.openxmlformats.org/officeDocument/2006/relationships" xmlns:p14="http://schemas.microsoft.com/office/powerpoint/2010/main" xmlns:p15="http://schemas.microsoft.com/office/powerpoint/2012/main" xmlns:mc="http://schemas.openxmlformats.org/markup-compatibility/2006">
+  <p:cSld>
+    <p:spTree>
+      <p:nvGrpSpPr>
+        <p:cNvPr id="1" name=""/>
+        <p:cNvGrpSpPr/>
+        <p:nvPr/>
+      </p:nvGrpSpPr>
+      <p:grpSpPr>
+        <a:xfrm>
+          <a:off x="0" y="0"/>
+          <a:ext cx="0" cy="0"/>
+          <a:chOff x="0" y="0"/>
+          <a:chExt cx="0" cy="0"/>
+        </a:xfrm>
+      </p:grpSpPr>
+      <p:sp>
+        <p:nvSpPr>
+          <p:cNvPr id="94" name="PlaceHolder 1"/>
+          <p:cNvSpPr>
+            <a:spLocks noGrp="1"/>
+          </p:cNvSpPr>
+          <p:nvPr>
+            <p:ph type="title"/>
+          </p:nvPr>
+        </p:nvSpPr>
+        <p:spPr>
+          <a:xfrm>
+            <a:off x="457200" y="685800"/>
+            <a:ext cx="8998200" cy="1248840"/>
+          </a:xfrm>
+          <a:prstGeom prst="rect">
+            <a:avLst/>
+          </a:prstGeom>
+          <a:noFill/>
+          <a:ln w="0">
+            <a:noFill/>
+          </a:ln>
+        </p:spPr>
+        <p:txBody>
+          <a:bodyPr lIns="0" rIns="0" tIns="0" bIns="0" anchor="ctr">
+            <a:noAutofit/>
+          </a:bodyPr>
+          <a:p>
+            <a:pPr algn="ctr">
+              <a:lnSpc>
+                <a:spcPct val="100000"/>
+              </a:lnSpc>
+              <a:buNone/>
+            </a:pPr>
+            <a:r>
+              <a:rPr b="0" lang="en-US" sz="4400" spc="-1" strike="noStrike">
+                <a:solidFill>
+                  <a:srgbClr val="ffffff"/>
+                </a:solidFill>
+                <a:latin typeface="Arial"/>
+              </a:rPr>
               <a:t>Q&amp;A</a:t>
             </a:r>
             <a:endParaRPr b="0" lang="en-US" sz="4400" spc="-1" strike="noStrike">
@@ -4186,7 +4275,7 @@
       </p:sp>
       <p:sp>
         <p:nvSpPr>
-          <p:cNvPr id="91" name="PlaceHolder 2"/>
+          <p:cNvPr id="95" name="PlaceHolder 2"/>
           <p:cNvSpPr>
             <a:spLocks noGrp="1"/>
           </p:cNvSpPr>
@@ -5085,43 +5174,7 @@
                 </a:solidFill>
                 <a:latin typeface="Arial"/>
               </a:rPr>
-              <a:t>Techn</a:t>
-            </a:r>
-            <a:r>
-              <a:rPr b="0" lang="en-US" sz="4400" spc="-1" strike="noStrike">
-                <a:solidFill>
-                  <a:srgbClr val="ffffff"/>
-                </a:solidFill>
-                <a:latin typeface="Arial"/>
-              </a:rPr>
-              <a:t>ology </a:t>
-            </a:r>
-            <a:r>
-              <a:rPr b="0" lang="en-US" sz="4400" spc="-1" strike="noStrike">
-                <a:solidFill>
-                  <a:srgbClr val="ffffff"/>
-                </a:solidFill>
-                <a:latin typeface="Arial"/>
-              </a:rPr>
-              <a:t>Used - </a:t>
-            </a:r>
-            <a:r>
-              <a:rPr b="0" lang="en-US" sz="4400" spc="-1" strike="noStrike">
-                <a:solidFill>
-                  <a:srgbClr val="ffffff"/>
-                </a:solidFill>
-                <a:latin typeface="Arial"/>
-              </a:rPr>
-              <a:t>Creati</a:t>
-            </a:r>
-            <a:r>
-              <a:rPr b="0" lang="en-US" sz="4400" spc="-1" strike="noStrike">
-                <a:solidFill>
-                  <a:srgbClr val="ffffff"/>
-                </a:solidFill>
-                <a:latin typeface="Arial"/>
-              </a:rPr>
-              <a:t>on</a:t>
+              <a:t>Technology Used - Creation</a:t>
             </a:r>
             <a:endParaRPr b="0" lang="en-US" sz="4400" spc="-1" strike="noStrike">
               <a:latin typeface="Arial"/>
@@ -5978,8 +6031,8 @@
         </p:nvSpPr>
         <p:spPr>
           <a:xfrm>
-            <a:off x="457200" y="197280"/>
-            <a:ext cx="9069840" cy="945000"/>
+            <a:off x="540000" y="139680"/>
+            <a:ext cx="8998200" cy="1248840"/>
           </a:xfrm>
           <a:prstGeom prst="rect">
             <a:avLst/>
@@ -6007,7 +6060,7 @@
                 </a:solidFill>
                 <a:latin typeface="Arial"/>
               </a:rPr>
-              <a:t>ERD w/ fav</a:t>
+              <a:t>Talk about what did not go well</a:t>
             </a:r>
             <a:endParaRPr b="0" lang="en-US" sz="4400" spc="-1" strike="noStrike">
               <a:latin typeface="Arial"/>
@@ -6015,29 +6068,157 @@
           </a:p>
         </p:txBody>
       </p:sp>
-      <p:pic>
-        <p:nvPicPr>
-          <p:cNvPr id="73" name="" descr=""/>
-          <p:cNvPicPr/>
-          <p:nvPr/>
-        </p:nvPicPr>
-        <p:blipFill>
-          <a:blip r:embed="rId1"/>
-          <a:stretch/>
-        </p:blipFill>
-        <p:spPr>
-          <a:xfrm>
-            <a:off x="457200" y="1298880"/>
-            <a:ext cx="9371880" cy="3958200"/>
-          </a:xfrm>
-          <a:prstGeom prst="rect">
-            <a:avLst/>
-          </a:prstGeom>
-          <a:ln w="0">
-            <a:noFill/>
-          </a:ln>
-        </p:spPr>
-      </p:pic>
+      <p:sp>
+        <p:nvSpPr>
+          <p:cNvPr id="73" name="PlaceHolder 2"/>
+          <p:cNvSpPr>
+            <a:spLocks noGrp="1"/>
+          </p:cNvSpPr>
+          <p:nvPr>
+            <p:ph/>
+          </p:nvPr>
+        </p:nvSpPr>
+        <p:spPr>
+          <a:xfrm>
+            <a:off x="504000" y="1326600"/>
+            <a:ext cx="9070560" cy="3287160"/>
+          </a:xfrm>
+          <a:prstGeom prst="rect">
+            <a:avLst/>
+          </a:prstGeom>
+          <a:noFill/>
+          <a:ln w="0">
+            <a:noFill/>
+          </a:ln>
+        </p:spPr>
+        <p:txBody>
+          <a:bodyPr lIns="0" rIns="0" tIns="0" bIns="0" anchor="t">
+            <a:normAutofit/>
+          </a:bodyPr>
+          <a:p>
+            <a:pPr marL="432000" indent="-324000">
+              <a:lnSpc>
+                <a:spcPct val="100000"/>
+              </a:lnSpc>
+              <a:buClr>
+                <a:srgbClr val="000000"/>
+              </a:buClr>
+              <a:buFont typeface="Wingdings" charset="2"/>
+              <a:buChar char=""/>
+            </a:pPr>
+            <a:r>
+              <a:rPr b="0" lang="en-US" sz="1800" spc="-1" strike="noStrike">
+                <a:solidFill>
+                  <a:srgbClr val="ffffff"/>
+                </a:solidFill>
+                <a:latin typeface="Arial"/>
+              </a:rPr>
+              <a:t>Adoption of new languages (PHP, CSS &amp; JS)</a:t>
+            </a:r>
+            <a:endParaRPr b="0" lang="en-US" sz="1800" spc="-1" strike="noStrike">
+              <a:solidFill>
+                <a:srgbClr val="ffffff"/>
+              </a:solidFill>
+              <a:latin typeface="Arial"/>
+            </a:endParaRPr>
+          </a:p>
+          <a:p>
+            <a:pPr marL="432000" indent="-324000">
+              <a:lnSpc>
+                <a:spcPct val="100000"/>
+              </a:lnSpc>
+              <a:buClr>
+                <a:srgbClr val="000000"/>
+              </a:buClr>
+              <a:buFont typeface="Wingdings" charset="2"/>
+              <a:buChar char=""/>
+            </a:pPr>
+            <a:r>
+              <a:rPr b="0" lang="en-US" sz="1800" spc="-1" strike="noStrike">
+                <a:solidFill>
+                  <a:srgbClr val="ffffff"/>
+                </a:solidFill>
+                <a:latin typeface="Arial"/>
+              </a:rPr>
+              <a:t>(Working in a real team with task-dependencies)?</a:t>
+            </a:r>
+            <a:endParaRPr b="0" lang="en-US" sz="1800" spc="-1" strike="noStrike">
+              <a:solidFill>
+                <a:srgbClr val="ffffff"/>
+              </a:solidFill>
+              <a:latin typeface="Arial"/>
+            </a:endParaRPr>
+          </a:p>
+          <a:p>
+            <a:pPr marL="432000" indent="-324000">
+              <a:lnSpc>
+                <a:spcPct val="100000"/>
+              </a:lnSpc>
+              <a:buClr>
+                <a:srgbClr val="000000"/>
+              </a:buClr>
+              <a:buFont typeface="Wingdings" charset="2"/>
+              <a:buChar char=""/>
+            </a:pPr>
+            <a:r>
+              <a:rPr b="0" lang="en-US" sz="1800" spc="-1" strike="noStrike">
+                <a:solidFill>
+                  <a:srgbClr val="ffffff"/>
+                </a:solidFill>
+                <a:latin typeface="Arial"/>
+              </a:rPr>
+              <a:t>Scheduling and workflow (late start, slow-start)</a:t>
+            </a:r>
+            <a:endParaRPr b="0" lang="en-US" sz="1800" spc="-1" strike="noStrike">
+              <a:solidFill>
+                <a:srgbClr val="ffffff"/>
+              </a:solidFill>
+              <a:latin typeface="Arial"/>
+            </a:endParaRPr>
+          </a:p>
+          <a:p>
+            <a:pPr marL="432000" indent="-324000">
+              <a:lnSpc>
+                <a:spcPct val="100000"/>
+              </a:lnSpc>
+              <a:buClr>
+                <a:srgbClr val="000000"/>
+              </a:buClr>
+              <a:buFont typeface="Wingdings" charset="2"/>
+              <a:buChar char=""/>
+            </a:pPr>
+            <a:r>
+              <a:rPr b="0" lang="en-US" sz="1800" spc="-1" strike="noStrike">
+                <a:solidFill>
+                  <a:srgbClr val="ffffff"/>
+                </a:solidFill>
+                <a:latin typeface="Arial"/>
+              </a:rPr>
+              <a:t> </a:t>
+            </a:r>
+            <a:endParaRPr b="0" lang="en-US" sz="1800" spc="-1" strike="noStrike">
+              <a:solidFill>
+                <a:srgbClr val="ffffff"/>
+              </a:solidFill>
+              <a:latin typeface="Arial"/>
+            </a:endParaRPr>
+          </a:p>
+          <a:p>
+            <a:pPr>
+              <a:lnSpc>
+                <a:spcPct val="100000"/>
+              </a:lnSpc>
+              <a:buNone/>
+            </a:pPr>
+            <a:endParaRPr b="0" lang="en-US" sz="1800" spc="-1" strike="noStrike">
+              <a:solidFill>
+                <a:srgbClr val="ffffff"/>
+              </a:solidFill>
+              <a:latin typeface="Arial"/>
+            </a:endParaRPr>
+          </a:p>
+        </p:txBody>
+      </p:sp>
     </p:spTree>
   </p:cSld>
   <mc:AlternateContent>
@@ -6080,8 +6261,8 @@
         </p:nvSpPr>
         <p:spPr>
           <a:xfrm>
-            <a:off x="457200" y="197280"/>
-            <a:ext cx="9069840" cy="945000"/>
+            <a:off x="540000" y="139680"/>
+            <a:ext cx="8998200" cy="1248840"/>
           </a:xfrm>
           <a:prstGeom prst="rect">
             <a:avLst/>
@@ -6109,7 +6290,7 @@
                 </a:solidFill>
                 <a:latin typeface="Arial"/>
               </a:rPr>
-              <a:t>ERD w/o fav</a:t>
+              <a:t>Talk about what went well </a:t>
             </a:r>
             <a:endParaRPr b="0" lang="en-US" sz="4400" spc="-1" strike="noStrike">
               <a:latin typeface="Arial"/>
@@ -6117,29 +6298,89 @@
           </a:p>
         </p:txBody>
       </p:sp>
-      <p:pic>
-        <p:nvPicPr>
-          <p:cNvPr id="75" name="" descr=""/>
-          <p:cNvPicPr/>
-          <p:nvPr/>
-        </p:nvPicPr>
-        <p:blipFill>
-          <a:blip r:embed="rId1"/>
-          <a:stretch/>
-        </p:blipFill>
-        <p:spPr>
-          <a:xfrm>
-            <a:off x="914400" y="1371600"/>
-            <a:ext cx="8434440" cy="3628080"/>
-          </a:xfrm>
-          <a:prstGeom prst="rect">
-            <a:avLst/>
-          </a:prstGeom>
-          <a:ln w="0">
-            <a:noFill/>
-          </a:ln>
-        </p:spPr>
-      </p:pic>
+      <p:sp>
+        <p:nvSpPr>
+          <p:cNvPr id="75" name="PlaceHolder 2"/>
+          <p:cNvSpPr>
+            <a:spLocks noGrp="1"/>
+          </p:cNvSpPr>
+          <p:nvPr>
+            <p:ph/>
+          </p:nvPr>
+        </p:nvSpPr>
+        <p:spPr>
+          <a:xfrm>
+            <a:off x="504000" y="1326600"/>
+            <a:ext cx="9070560" cy="3287160"/>
+          </a:xfrm>
+          <a:prstGeom prst="rect">
+            <a:avLst/>
+          </a:prstGeom>
+          <a:noFill/>
+          <a:ln w="0">
+            <a:noFill/>
+          </a:ln>
+        </p:spPr>
+        <p:txBody>
+          <a:bodyPr lIns="0" rIns="0" tIns="0" bIns="0" anchor="t">
+            <a:normAutofit/>
+          </a:bodyPr>
+          <a:p>
+            <a:pPr marL="432000" indent="-324000">
+              <a:lnSpc>
+                <a:spcPct val="100000"/>
+              </a:lnSpc>
+              <a:buClr>
+                <a:srgbClr val="000000"/>
+              </a:buClr>
+              <a:buFont typeface="Wingdings" charset="2"/>
+              <a:buChar char=""/>
+            </a:pPr>
+            <a:r>
+              <a:rPr b="0" lang="en-US" sz="1800" spc="-1" strike="noStrike">
+                <a:solidFill>
+                  <a:srgbClr val="ffffff"/>
+                </a:solidFill>
+                <a:latin typeface="Arial"/>
+              </a:rPr>
+              <a:t>Communication was solid</a:t>
+            </a:r>
+            <a:endParaRPr b="0" lang="en-US" sz="1800" spc="-1" strike="noStrike">
+              <a:solidFill>
+                <a:srgbClr val="ffffff"/>
+              </a:solidFill>
+              <a:latin typeface="Arial"/>
+            </a:endParaRPr>
+          </a:p>
+          <a:p>
+            <a:pPr marL="432000" indent="-324000">
+              <a:lnSpc>
+                <a:spcPct val="100000"/>
+              </a:lnSpc>
+              <a:buClr>
+                <a:srgbClr val="000000"/>
+              </a:buClr>
+              <a:buFont typeface="Wingdings" charset="2"/>
+              <a:buChar char=""/>
+            </a:pPr>
+            <a:r>
+              <a:rPr b="0" lang="en-US" sz="1800" spc="-1" strike="noStrike">
+                <a:solidFill>
+                  <a:srgbClr val="ffffff"/>
+                </a:solidFill>
+                <a:latin typeface="Arial"/>
+              </a:rPr>
+              <a:t>No conflicts between teammates</a:t>
+            </a:r>
+            <a:endParaRPr b="0" lang="en-US" sz="1800" spc="-1" strike="noStrike">
+              <a:solidFill>
+                <a:srgbClr val="ffffff"/>
+              </a:solidFill>
+              <a:latin typeface="Arial"/>
+            </a:endParaRPr>
+          </a:p>
+        </p:txBody>
+      </p:sp>
     </p:spTree>
   </p:cSld>
   <mc:AlternateContent>
@@ -6172,13 +6413,17 @@
       </p:grpSpPr>
       <p:sp>
         <p:nvSpPr>
-          <p:cNvPr id="76" name="PlaceHolder 3"/>
-          <p:cNvSpPr txBox="1"/>
-          <p:nvPr/>
-        </p:nvSpPr>
-        <p:spPr>
-          <a:xfrm>
-            <a:off x="457200" y="197640"/>
+          <p:cNvPr id="76" name="PlaceHolder 1"/>
+          <p:cNvSpPr>
+            <a:spLocks noGrp="1"/>
+          </p:cNvSpPr>
+          <p:nvPr>
+            <p:ph type="title"/>
+          </p:nvPr>
+        </p:nvSpPr>
+        <p:spPr>
+          <a:xfrm>
+            <a:off x="457200" y="197280"/>
             <a:ext cx="9069840" cy="945000"/>
           </a:xfrm>
           <a:prstGeom prst="rect">
@@ -6207,7 +6452,7 @@
                 </a:solidFill>
                 <a:latin typeface="Arial"/>
               </a:rPr>
-              <a:t>ERD?</a:t>
+              <a:t>ERD w/ fav</a:t>
             </a:r>
             <a:endParaRPr b="0" lang="en-US" sz="4400" spc="-1" strike="noStrike">
               <a:latin typeface="Arial"/>
@@ -6227,8 +6472,8 @@
         </p:blipFill>
         <p:spPr>
           <a:xfrm>
-            <a:off x="1256040" y="1509840"/>
-            <a:ext cx="7887960" cy="3290760"/>
+            <a:off x="457200" y="1298880"/>
+            <a:ext cx="9371880" cy="3958200"/>
           </a:xfrm>
           <a:prstGeom prst="rect">
             <a:avLst/>
@@ -6280,7 +6525,7 @@
         </p:nvSpPr>
         <p:spPr>
           <a:xfrm>
-            <a:off x="531000" y="197640"/>
+            <a:off x="457200" y="197280"/>
             <a:ext cx="9069840" cy="945000"/>
           </a:xfrm>
           <a:prstGeom prst="rect">
@@ -6309,7 +6554,7 @@
                 </a:solidFill>
                 <a:latin typeface="Arial"/>
               </a:rPr>
-              <a:t>Gantt chart</a:t>
+              <a:t>ERD w/o fav</a:t>
             </a:r>
             <a:endParaRPr b="0" lang="en-US" sz="4400" spc="-1" strike="noStrike">
               <a:latin typeface="Arial"/>
@@ -6329,8 +6574,8 @@
         </p:blipFill>
         <p:spPr>
           <a:xfrm>
-            <a:off x="4320" y="1337760"/>
-            <a:ext cx="10080000" cy="2988000"/>
+            <a:off x="914400" y="1371600"/>
+            <a:ext cx="8434440" cy="3628080"/>
           </a:xfrm>
           <a:prstGeom prst="rect">
             <a:avLst/>

--- a/Pres.pptx
+++ b/Pres.pptx
@@ -126,6 +126,11 @@
       </a:defRPr>
     </a:lvl9pPr>
   </p:defaultTextStyle>
+  <p:extLst>
+    <p:ext uri="{EFAFB233-063F-42B5-8137-9DF3F51BA10A}">
+      <p15:sldGuideLst xmlns:p15="http://schemas.microsoft.com/office/powerpoint/2012/main"/>
+    </p:ext>
+  </p:extLst>
 </p:presentation>
 </file>
 
@@ -3780,7 +3785,7 @@
         </p:blipFill>
         <p:spPr>
           <a:xfrm>
-            <a:off x="777600" y="680400"/>
+            <a:off x="575969" y="680400"/>
             <a:ext cx="8822520" cy="4962240"/>
           </a:xfrm>
           <a:prstGeom prst="rect">
@@ -3789,6 +3794,42 @@
           <a:ln w="0">
             <a:noFill/>
           </a:ln>
+        </p:spPr>
+      </p:pic>
+      <p:pic>
+        <p:nvPicPr>
+          <p:cNvPr id="3" name="Picture 2" descr="A diagram of a contact manager&#10;&#10;Description automatically generated">
+            <a:extLst>
+              <a:ext uri="{FF2B5EF4-FFF2-40B4-BE49-F238E27FC236}">
+                <a16:creationId xmlns:a16="http://schemas.microsoft.com/office/drawing/2014/main" id="{96E87136-5ED5-0AD7-EC01-ECD3A1DBEDC1}"/>
+              </a:ext>
+            </a:extLst>
+          </p:cNvPr>
+          <p:cNvPicPr>
+            <a:picLocks noChangeAspect="1"/>
+          </p:cNvPicPr>
+          <p:nvPr/>
+        </p:nvPicPr>
+        <p:blipFill>
+          <a:blip r:embed="rId3" cstate="print">
+            <a:extLst>
+              <a:ext uri="{28A0092B-C50C-407E-A947-70E740481C1C}">
+                <a14:useLocalDpi xmlns:a14="http://schemas.microsoft.com/office/drawing/2010/main" val="0"/>
+              </a:ext>
+            </a:extLst>
+          </a:blip>
+          <a:stretch>
+            <a:fillRect/>
+          </a:stretch>
+        </p:blipFill>
+        <p:spPr>
+          <a:xfrm>
+            <a:off x="427422" y="680399"/>
+            <a:ext cx="9119614" cy="4962239"/>
+          </a:xfrm>
+          <a:prstGeom prst="rect">
+            <a:avLst/>
+          </a:prstGeom>
         </p:spPr>
       </p:pic>
     </p:spTree>
@@ -5517,7 +5558,7 @@
         </p:spPr>
         <p:txBody>
           <a:bodyPr lIns="0" tIns="0" rIns="0" bIns="0" anchor="t">
-            <a:normAutofit fontScale="63000" lnSpcReduction="10000"/>
+            <a:normAutofit fontScale="70500" lnSpcReduction="20000"/>
           </a:bodyPr>
           <a:lstStyle/>
           <a:p>
@@ -5814,7 +5855,7 @@
         </p:spPr>
         <p:txBody>
           <a:bodyPr lIns="0" tIns="0" rIns="0" bIns="0" anchor="t">
-            <a:normAutofit fontScale="46500" lnSpcReduction="10000"/>
+            <a:normAutofit fontScale="46500" lnSpcReduction="20000"/>
           </a:bodyPr>
           <a:lstStyle/>
           <a:p>
